--- a/docs/part1ca/03_CPU/CA_Lecture_03.pptx
+++ b/docs/part1ca/03_CPU/CA_Lecture_03.pptx
@@ -237,7 +237,7 @@
             <a:fld id="{D0106195-8D78-4F6F-B8E4-FA67975ACEF5}" type="datetimeFigureOut">
               <a:rPr lang="ru-RU" smtClean="0"/>
               <a:pPr/>
-              <a:t>21.10.2020</a:t>
+              <a:t>22.10.2020</a:t>
             </a:fld>
             <a:endParaRPr lang="ru-RU"/>
           </a:p>
@@ -405,7 +405,7 @@
             <a:fld id="{878212F1-C3D9-4F2B-8F42-5E960FE8BE51}" type="datetimeFigureOut">
               <a:rPr lang="ru-RU" smtClean="0"/>
               <a:pPr/>
-              <a:t>21.10.2020</a:t>
+              <a:t>22.10.2020</a:t>
             </a:fld>
             <a:endParaRPr lang="ru-RU"/>
           </a:p>
@@ -4082,11 +4082,15 @@
             </a:br>
             <a:r>
               <a:rPr lang="en-US" b="1" dirty="0" smtClean="0"/>
-              <a:t>Lecture </a:t>
-            </a:r>
-            <a:r>
-              <a:rPr lang="en-US" b="1" smtClean="0"/>
-              <a:t>3: ???</a:t>
+              <a:t>Lecture 3: </a:t>
+            </a:r>
+            <a:r>
+              <a:rPr lang="en-US" b="1" dirty="0" smtClean="0"/>
+              <a:t>Computer Organization.</a:t>
+            </a:r>
+            <a:r>
+              <a:rPr lang="en-US" b="1" dirty="0" smtClean="0"/>
+              <a:t> Microprocessors</a:t>
             </a:r>
             <a:endParaRPr lang="ru-RU" b="1" dirty="0"/>
           </a:p>

--- a/docs/part1ca/03_CPU/CA_Lecture_03.pptx
+++ b/docs/part1ca/03_CPU/CA_Lecture_03.pptx
@@ -5,16 +5,17 @@
     <p:sldMasterId id="2147483648" r:id="rId1"/>
   </p:sldMasterIdLst>
   <p:notesMasterIdLst>
-    <p:notesMasterId r:id="rId6"/>
+    <p:notesMasterId r:id="rId7"/>
   </p:notesMasterIdLst>
   <p:handoutMasterIdLst>
-    <p:handoutMasterId r:id="rId7"/>
+    <p:handoutMasterId r:id="rId8"/>
   </p:handoutMasterIdLst>
   <p:sldIdLst>
     <p:sldId id="256" r:id="rId2"/>
-    <p:sldId id="278" r:id="rId3"/>
-    <p:sldId id="275" r:id="rId4"/>
-    <p:sldId id="272" r:id="rId5"/>
+    <p:sldId id="279" r:id="rId3"/>
+    <p:sldId id="278" r:id="rId4"/>
+    <p:sldId id="275" r:id="rId5"/>
+    <p:sldId id="272" r:id="rId6"/>
   </p:sldIdLst>
   <p:sldSz cx="12192000" cy="6858000"/>
   <p:notesSz cx="6858000" cy="9144000"/>
@@ -237,7 +238,7 @@
             <a:fld id="{D0106195-8D78-4F6F-B8E4-FA67975ACEF5}" type="datetimeFigureOut">
               <a:rPr lang="ru-RU" smtClean="0"/>
               <a:pPr/>
-              <a:t>22.10.2020</a:t>
+              <a:t>23.10.2020</a:t>
             </a:fld>
             <a:endParaRPr lang="ru-RU"/>
           </a:p>
@@ -405,7 +406,7 @@
             <a:fld id="{878212F1-C3D9-4F2B-8F42-5E960FE8BE51}" type="datetimeFigureOut">
               <a:rPr lang="ru-RU" smtClean="0"/>
               <a:pPr/>
-              <a:t>22.10.2020</a:t>
+              <a:t>23.10.2020</a:t>
             </a:fld>
             <a:endParaRPr lang="ru-RU"/>
           </a:p>
@@ -902,7 +903,7 @@
             <a:fld id="{5583B3A5-99BF-45D9-956B-DC57CC23AD97}" type="slidenum">
               <a:rPr lang="ru-RU" smtClean="0"/>
               <a:pPr/>
-              <a:t>4</a:t>
+              <a:t>5</a:t>
             </a:fld>
             <a:endParaRPr lang="ru-RU"/>
           </a:p>
@@ -4082,15 +4083,7 @@
             </a:br>
             <a:r>
               <a:rPr lang="en-US" b="1" dirty="0" smtClean="0"/>
-              <a:t>Lecture 3: </a:t>
-            </a:r>
-            <a:r>
-              <a:rPr lang="en-US" b="1" dirty="0" smtClean="0"/>
-              <a:t>Computer Organization.</a:t>
-            </a:r>
-            <a:r>
-              <a:rPr lang="en-US" b="1" dirty="0" smtClean="0"/>
-              <a:t> Microprocessors</a:t>
+              <a:t>Lecture 3: Computer Organization. Microprocessors</a:t>
             </a:r>
             <a:endParaRPr lang="ru-RU" b="1" dirty="0"/>
           </a:p>
@@ -4227,6 +4220,204 @@
           <a:chExt cx="0" cy="0"/>
         </a:xfrm>
       </p:grpSpPr>
+      <p:pic>
+        <p:nvPicPr>
+          <p:cNvPr id="5" name="Picture 5"/>
+          <p:cNvPicPr>
+            <a:picLocks noChangeAspect="1" noChangeArrowheads="1"/>
+          </p:cNvPicPr>
+          <p:nvPr/>
+        </p:nvPicPr>
+        <p:blipFill>
+          <a:blip r:embed="rId2">
+            <a:extLst>
+              <a:ext uri="{28A0092B-C50C-407E-A947-70E740481C1C}">
+                <a14:useLocalDpi xmlns:a14="http://schemas.microsoft.com/office/drawing/2010/main" val="0"/>
+              </a:ext>
+            </a:extLst>
+          </a:blip>
+          <a:srcRect/>
+          <a:stretch>
+            <a:fillRect/>
+          </a:stretch>
+        </p:blipFill>
+        <p:spPr bwMode="auto">
+          <a:xfrm>
+            <a:off x="2663381" y="3332440"/>
+            <a:ext cx="6865238" cy="3392381"/>
+          </a:xfrm>
+          <a:prstGeom prst="rect">
+            <a:avLst/>
+          </a:prstGeom>
+          <a:noFill/>
+          <a:ln>
+            <a:noFill/>
+          </a:ln>
+          <a:extLst>
+            <a:ext uri="{909E8E84-426E-40DD-AFC4-6F175D3DCCD1}">
+              <a14:hiddenFill xmlns:a14="http://schemas.microsoft.com/office/drawing/2010/main">
+                <a:solidFill>
+                  <a:srgbClr val="FFFFFF"/>
+                </a:solidFill>
+              </a14:hiddenFill>
+            </a:ext>
+            <a:ext uri="{91240B29-F687-4F45-9708-019B960494DF}">
+              <a14:hiddenLine xmlns:a14="http://schemas.microsoft.com/office/drawing/2010/main" w="9525">
+                <a:solidFill>
+                  <a:srgbClr val="000000"/>
+                </a:solidFill>
+                <a:miter lim="800000"/>
+                <a:headEnd/>
+                <a:tailEnd/>
+              </a14:hiddenLine>
+            </a:ext>
+          </a:extLst>
+        </p:spPr>
+      </p:pic>
+      <p:sp>
+        <p:nvSpPr>
+          <p:cNvPr id="2" name="Content Placeholder 1"/>
+          <p:cNvSpPr>
+            <a:spLocks noGrp="1"/>
+          </p:cNvSpPr>
+          <p:nvPr>
+            <p:ph idx="1"/>
+          </p:nvPr>
+        </p:nvSpPr>
+        <p:spPr>
+          <a:xfrm>
+            <a:off x="838200" y="1009090"/>
+            <a:ext cx="10515600" cy="2857233"/>
+          </a:xfrm>
+        </p:spPr>
+        <p:txBody>
+          <a:bodyPr>
+            <a:normAutofit lnSpcReduction="10000"/>
+          </a:bodyPr>
+          <a:lstStyle/>
+          <a:p>
+            <a:pPr>
+              <a:lnSpc>
+                <a:spcPct val="100000"/>
+              </a:lnSpc>
+            </a:pPr>
+            <a:r>
+              <a:rPr lang="en-US" altLang="en-US" dirty="0" smtClean="0"/>
+              <a:t>One </a:t>
+            </a:r>
+            <a:r>
+              <a:rPr lang="en-US" altLang="en-US" dirty="0"/>
+              <a:t>or </a:t>
+            </a:r>
+            <a:r>
+              <a:rPr lang="en-US" altLang="en-US"/>
+              <a:t>more </a:t>
+            </a:r>
+            <a:r>
+              <a:rPr lang="en-US" altLang="en-US" smtClean="0"/>
+              <a:t>CPUs and </a:t>
+            </a:r>
+            <a:r>
+              <a:rPr lang="en-US" altLang="en-US" dirty="0"/>
+              <a:t>device controllers connect through common bus providing access to shared memory</a:t>
+            </a:r>
+          </a:p>
+          <a:p>
+            <a:pPr>
+              <a:lnSpc>
+                <a:spcPct val="100000"/>
+              </a:lnSpc>
+            </a:pPr>
+            <a:r>
+              <a:rPr lang="en-US" altLang="en-US" dirty="0"/>
+              <a:t>Concurrent execution of CPUs and devices competing for memory </a:t>
+            </a:r>
+            <a:r>
+              <a:rPr lang="en-US" altLang="en-US" dirty="0" smtClean="0"/>
+              <a:t>cycles</a:t>
+            </a:r>
+            <a:endParaRPr lang="en-US" dirty="0"/>
+          </a:p>
+        </p:txBody>
+      </p:sp>
+      <p:sp>
+        <p:nvSpPr>
+          <p:cNvPr id="3" name="Slide Number Placeholder 2"/>
+          <p:cNvSpPr>
+            <a:spLocks noGrp="1"/>
+          </p:cNvSpPr>
+          <p:nvPr>
+            <p:ph type="sldNum" sz="quarter" idx="12"/>
+          </p:nvPr>
+        </p:nvSpPr>
+        <p:spPr/>
+        <p:txBody>
+          <a:bodyPr/>
+          <a:lstStyle/>
+          <a:p>
+            <a:pPr algn="ctr"/>
+            <a:fld id="{1397BFD8-F312-4EF2-A268-44FB4BDDBBB0}" type="slidenum">
+              <a:rPr lang="ru-RU" smtClean="0"/>
+              <a:pPr algn="ctr"/>
+              <a:t>2</a:t>
+            </a:fld>
+            <a:endParaRPr lang="ru-RU" dirty="0"/>
+          </a:p>
+        </p:txBody>
+      </p:sp>
+      <p:sp>
+        <p:nvSpPr>
+          <p:cNvPr id="4" name="Title 3"/>
+          <p:cNvSpPr>
+            <a:spLocks noGrp="1"/>
+          </p:cNvSpPr>
+          <p:nvPr>
+            <p:ph type="title"/>
+          </p:nvPr>
+        </p:nvSpPr>
+        <p:spPr/>
+        <p:txBody>
+          <a:bodyPr/>
+          <a:lstStyle/>
+          <a:p>
+            <a:r>
+              <a:rPr lang="en-US" dirty="0" smtClean="0"/>
+              <a:t>Modern Computer Organization</a:t>
+            </a:r>
+            <a:endParaRPr lang="en-US" dirty="0"/>
+          </a:p>
+        </p:txBody>
+      </p:sp>
+    </p:spTree>
+    <p:extLst>
+      <p:ext uri="{BB962C8B-B14F-4D97-AF65-F5344CB8AC3E}">
+        <p14:creationId xmlns:p14="http://schemas.microsoft.com/office/powerpoint/2010/main" val="2799008955"/>
+      </p:ext>
+    </p:extLst>
+  </p:cSld>
+  <p:clrMapOvr>
+    <a:masterClrMapping/>
+  </p:clrMapOvr>
+</p:sld>
+</file>
+
+<file path=ppt/slides/slide3.xml><?xml version="1.0" encoding="utf-8"?>
+<p:sld xmlns:a="http://schemas.openxmlformats.org/drawingml/2006/main" xmlns:r="http://schemas.openxmlformats.org/officeDocument/2006/relationships" xmlns:p="http://schemas.openxmlformats.org/presentationml/2006/main">
+  <p:cSld>
+    <p:spTree>
+      <p:nvGrpSpPr>
+        <p:cNvPr id="1" name=""/>
+        <p:cNvGrpSpPr/>
+        <p:nvPr/>
+      </p:nvGrpSpPr>
+      <p:grpSpPr>
+        <a:xfrm>
+          <a:off x="0" y="0"/>
+          <a:ext cx="0" cy="0"/>
+          <a:chOff x="0" y="0"/>
+          <a:chExt cx="0" cy="0"/>
+        </a:xfrm>
+      </p:grpSpPr>
       <p:sp>
         <p:nvSpPr>
           <p:cNvPr id="2" name="Содержимое 1"/>
@@ -4445,7 +4636,7 @@
             <a:fld id="{1397BFD8-F312-4EF2-A268-44FB4BDDBBB0}" type="slidenum">
               <a:rPr lang="ru-RU" smtClean="0"/>
               <a:pPr algn="ctr"/>
-              <a:t>2</a:t>
+              <a:t>3</a:t>
             </a:fld>
             <a:endParaRPr lang="ru-RU" dirty="0"/>
           </a:p>
@@ -4745,7 +4936,7 @@
 </p:sld>
 </file>
 
-<file path=ppt/slides/slide3.xml><?xml version="1.0" encoding="utf-8"?>
+<file path=ppt/slides/slide4.xml><?xml version="1.0" encoding="utf-8"?>
 <p:sld xmlns:a="http://schemas.openxmlformats.org/drawingml/2006/main" xmlns:r="http://schemas.openxmlformats.org/officeDocument/2006/relationships" xmlns:p="http://schemas.openxmlformats.org/presentationml/2006/main">
   <p:cSld>
     <p:spTree>
@@ -4781,7 +4972,7 @@
             <a:fld id="{1397BFD8-F312-4EF2-A268-44FB4BDDBBB0}" type="slidenum">
               <a:rPr lang="ru-RU" smtClean="0"/>
               <a:pPr algn="ctr"/>
-              <a:t>3</a:t>
+              <a:t>4</a:t>
             </a:fld>
             <a:endParaRPr lang="ru-RU" dirty="0"/>
           </a:p>
@@ -5014,7 +5205,7 @@
 </p:sld>
 </file>
 
-<file path=ppt/slides/slide4.xml><?xml version="1.0" encoding="utf-8"?>
+<file path=ppt/slides/slide5.xml><?xml version="1.0" encoding="utf-8"?>
 <p:sld xmlns:a="http://schemas.openxmlformats.org/drawingml/2006/main" xmlns:r="http://schemas.openxmlformats.org/officeDocument/2006/relationships" xmlns:p="http://schemas.openxmlformats.org/presentationml/2006/main">
   <p:cSld>
     <p:spTree>
@@ -5569,7 +5760,7 @@
             <a:fld id="{1397BFD8-F312-4EF2-A268-44FB4BDDBBB0}" type="slidenum">
               <a:rPr lang="ru-RU" smtClean="0"/>
               <a:pPr algn="ctr"/>
-              <a:t>4</a:t>
+              <a:t>5</a:t>
             </a:fld>
             <a:endParaRPr lang="ru-RU" dirty="0"/>
           </a:p>

--- a/docs/part1ca/03_CPU/CA_Lecture_03.pptx
+++ b/docs/part1ca/03_CPU/CA_Lecture_03.pptx
@@ -4083,7 +4083,15 @@
             </a:br>
             <a:r>
               <a:rPr lang="en-US" b="1" dirty="0" smtClean="0"/>
-              <a:t>Lecture 3: Computer Organization. Microprocessors</a:t>
+              <a:t>Lecture 3: Computer </a:t>
+            </a:r>
+            <a:r>
+              <a:rPr lang="en-US" b="1" dirty="0" smtClean="0"/>
+              <a:t>Architecture </a:t>
+            </a:r>
+            <a:r>
+              <a:rPr lang="en-US" b="1" smtClean="0"/>
+              <a:t>and Language</a:t>
             </a:r>
             <a:endParaRPr lang="ru-RU" b="1" dirty="0"/>
           </a:p>

--- a/docs/part1ca/03_CPU/CA_Lecture_03.pptx
+++ b/docs/part1ca/03_CPU/CA_Lecture_03.pptx
@@ -5,17 +5,27 @@
     <p:sldMasterId id="2147483648" r:id="rId1"/>
   </p:sldMasterIdLst>
   <p:notesMasterIdLst>
-    <p:notesMasterId r:id="rId7"/>
+    <p:notesMasterId r:id="rId17"/>
   </p:notesMasterIdLst>
   <p:handoutMasterIdLst>
-    <p:handoutMasterId r:id="rId8"/>
+    <p:handoutMasterId r:id="rId18"/>
   </p:handoutMasterIdLst>
   <p:sldIdLst>
     <p:sldId id="256" r:id="rId2"/>
-    <p:sldId id="279" r:id="rId3"/>
-    <p:sldId id="278" r:id="rId4"/>
-    <p:sldId id="275" r:id="rId5"/>
-    <p:sldId id="272" r:id="rId6"/>
+    <p:sldId id="280" r:id="rId3"/>
+    <p:sldId id="279" r:id="rId4"/>
+    <p:sldId id="281" r:id="rId5"/>
+    <p:sldId id="282" r:id="rId6"/>
+    <p:sldId id="284" r:id="rId7"/>
+    <p:sldId id="283" r:id="rId8"/>
+    <p:sldId id="285" r:id="rId9"/>
+    <p:sldId id="288" r:id="rId10"/>
+    <p:sldId id="290" r:id="rId11"/>
+    <p:sldId id="289" r:id="rId12"/>
+    <p:sldId id="291" r:id="rId13"/>
+    <p:sldId id="292" r:id="rId14"/>
+    <p:sldId id="293" r:id="rId15"/>
+    <p:sldId id="272" r:id="rId16"/>
   </p:sldIdLst>
   <p:sldSz cx="12192000" cy="6858000"/>
   <p:notesSz cx="6858000" cy="9144000"/>
@@ -903,7 +913,7 @@
             <a:fld id="{5583B3A5-99BF-45D9-956B-DC57CC23AD97}" type="slidenum">
               <a:rPr lang="ru-RU" smtClean="0"/>
               <a:pPr/>
-              <a:t>5</a:t>
+              <a:t>15</a:t>
             </a:fld>
             <a:endParaRPr lang="ru-RU"/>
           </a:p>
@@ -4087,11 +4097,7 @@
             </a:r>
             <a:r>
               <a:rPr lang="en-US" b="1" dirty="0" smtClean="0"/>
-              <a:t>Architecture </a:t>
-            </a:r>
-            <a:r>
-              <a:rPr lang="en-US" b="1" smtClean="0"/>
-              <a:t>and Language</a:t>
+              <a:t>Architecture</a:t>
             </a:r>
             <a:endParaRPr lang="ru-RU" b="1" dirty="0"/>
           </a:p>
@@ -4195,6 +4201,1972 @@
     <p:extLst>
       <p:ext uri="{BB962C8B-B14F-4D97-AF65-F5344CB8AC3E}">
         <p14:creationId xmlns:p14="http://schemas.microsoft.com/office/powerpoint/2010/main" val="2492894732"/>
+      </p:ext>
+    </p:extLst>
+  </p:cSld>
+  <p:clrMapOvr>
+    <a:masterClrMapping/>
+  </p:clrMapOvr>
+  <p:timing>
+    <p:tnLst>
+      <p:par>
+        <p:cTn id="1" dur="indefinite" restart="never" nodeType="tmRoot"/>
+      </p:par>
+    </p:tnLst>
+  </p:timing>
+</p:sld>
+</file>
+
+<file path=ppt/slides/slide10.xml><?xml version="1.0" encoding="utf-8"?>
+<p:sld xmlns:a="http://schemas.openxmlformats.org/drawingml/2006/main" xmlns:r="http://schemas.openxmlformats.org/officeDocument/2006/relationships" xmlns:p="http://schemas.openxmlformats.org/presentationml/2006/main">
+  <p:cSld>
+    <p:spTree>
+      <p:nvGrpSpPr>
+        <p:cNvPr id="1" name=""/>
+        <p:cNvGrpSpPr/>
+        <p:nvPr/>
+      </p:nvGrpSpPr>
+      <p:grpSpPr>
+        <a:xfrm>
+          <a:off x="0" y="0"/>
+          <a:ext cx="0" cy="0"/>
+          <a:chOff x="0" y="0"/>
+          <a:chExt cx="0" cy="0"/>
+        </a:xfrm>
+      </p:grpSpPr>
+      <p:sp>
+        <p:nvSpPr>
+          <p:cNvPr id="2" name="Content Placeholder 1"/>
+          <p:cNvSpPr>
+            <a:spLocks noGrp="1"/>
+          </p:cNvSpPr>
+          <p:nvPr>
+            <p:ph idx="1"/>
+          </p:nvPr>
+        </p:nvSpPr>
+        <p:spPr>
+          <a:xfrm>
+            <a:off x="838200" y="1178053"/>
+            <a:ext cx="10515600" cy="5492304"/>
+          </a:xfrm>
+        </p:spPr>
+        <p:txBody>
+          <a:bodyPr>
+            <a:normAutofit fontScale="92500" lnSpcReduction="20000"/>
+          </a:bodyPr>
+          <a:lstStyle/>
+          <a:p>
+            <a:pPr marL="0" indent="0">
+              <a:lnSpc>
+                <a:spcPct val="110000"/>
+              </a:lnSpc>
+              <a:buNone/>
+            </a:pPr>
+            <a:r>
+              <a:rPr lang="en-US" b="1" dirty="0" smtClean="0"/>
+              <a:t>Instruction </a:t>
+            </a:r>
+            <a:r>
+              <a:rPr lang="en-US" b="1" dirty="0"/>
+              <a:t>set architecture </a:t>
+            </a:r>
+            <a:r>
+              <a:rPr lang="en-US" b="1" dirty="0" smtClean="0"/>
+              <a:t>(ISA) </a:t>
+            </a:r>
+            <a:r>
+              <a:rPr lang="en-US" dirty="0" smtClean="0"/>
+              <a:t>is </a:t>
+            </a:r>
+            <a:r>
+              <a:rPr lang="en-US" dirty="0"/>
+              <a:t>the interface between the hardware and the lowest-level software. </a:t>
+            </a:r>
+            <a:r>
+              <a:rPr lang="en-US" dirty="0" smtClean="0"/>
+              <a:t>This is one of </a:t>
+            </a:r>
+            <a:r>
+              <a:rPr lang="en-US" dirty="0"/>
+              <a:t>the most important </a:t>
+            </a:r>
+            <a:r>
+              <a:rPr lang="en-US" dirty="0" smtClean="0"/>
+              <a:t>abstractions. </a:t>
+            </a:r>
+            <a:endParaRPr lang="en-US" b="1" dirty="0" smtClean="0"/>
+          </a:p>
+          <a:p>
+            <a:pPr marL="0" indent="0" algn="ctr">
+              <a:lnSpc>
+                <a:spcPct val="120000"/>
+              </a:lnSpc>
+              <a:buNone/>
+            </a:pPr>
+            <a:r>
+              <a:rPr lang="en-US" sz="4300" b="1" dirty="0" smtClean="0"/>
+              <a:t>ISA Classification</a:t>
+            </a:r>
+          </a:p>
+          <a:p>
+            <a:pPr>
+              <a:lnSpc>
+                <a:spcPct val="110000"/>
+              </a:lnSpc>
+            </a:pPr>
+            <a:r>
+              <a:rPr lang="en-US" dirty="0"/>
+              <a:t>Complex instruction set computer (CISC)</a:t>
+            </a:r>
+          </a:p>
+          <a:p>
+            <a:pPr lvl="1">
+              <a:lnSpc>
+                <a:spcPct val="110000"/>
+              </a:lnSpc>
+            </a:pPr>
+            <a:r>
+              <a:rPr lang="en-US" dirty="0"/>
+              <a:t>x86/x64 (Intel and AMD</a:t>
+            </a:r>
+            <a:r>
+              <a:rPr lang="en-US" dirty="0" smtClean="0"/>
+              <a:t>)</a:t>
+            </a:r>
+          </a:p>
+          <a:p>
+            <a:pPr>
+              <a:lnSpc>
+                <a:spcPct val="110000"/>
+              </a:lnSpc>
+            </a:pPr>
+            <a:r>
+              <a:rPr lang="en-US" dirty="0" smtClean="0"/>
+              <a:t>Reduced </a:t>
+            </a:r>
+            <a:r>
+              <a:rPr lang="en-US" dirty="0"/>
+              <a:t>instruction set computer (RISC</a:t>
+            </a:r>
+            <a:r>
+              <a:rPr lang="en-US" dirty="0" smtClean="0"/>
+              <a:t>)</a:t>
+            </a:r>
+          </a:p>
+          <a:p>
+            <a:pPr lvl="1">
+              <a:lnSpc>
+                <a:spcPct val="110000"/>
+              </a:lnSpc>
+            </a:pPr>
+            <a:r>
+              <a:rPr lang="en-US" dirty="0" smtClean="0"/>
+              <a:t>ARM, PowerPC, MIPS, RISC-V</a:t>
+            </a:r>
+            <a:endParaRPr lang="en-US" dirty="0"/>
+          </a:p>
+          <a:p>
+            <a:pPr>
+              <a:lnSpc>
+                <a:spcPct val="110000"/>
+              </a:lnSpc>
+            </a:pPr>
+            <a:r>
+              <a:rPr lang="en-US" dirty="0" smtClean="0"/>
+              <a:t>Very </a:t>
+            </a:r>
+            <a:r>
+              <a:rPr lang="en-US" dirty="0"/>
+              <a:t>long instruction word (VLIW</a:t>
+            </a:r>
+            <a:r>
+              <a:rPr lang="en-US" dirty="0" smtClean="0"/>
+              <a:t>)</a:t>
+            </a:r>
+          </a:p>
+          <a:p>
+            <a:pPr lvl="1">
+              <a:lnSpc>
+                <a:spcPct val="110000"/>
+              </a:lnSpc>
+            </a:pPr>
+            <a:r>
+              <a:rPr lang="en-US" dirty="0" smtClean="0"/>
+              <a:t>Itanium, Elbrus </a:t>
+            </a:r>
+            <a:endParaRPr lang="en-US" dirty="0"/>
+          </a:p>
+        </p:txBody>
+      </p:sp>
+      <p:sp>
+        <p:nvSpPr>
+          <p:cNvPr id="3" name="Slide Number Placeholder 2"/>
+          <p:cNvSpPr>
+            <a:spLocks noGrp="1"/>
+          </p:cNvSpPr>
+          <p:nvPr>
+            <p:ph type="sldNum" sz="quarter" idx="12"/>
+          </p:nvPr>
+        </p:nvSpPr>
+        <p:spPr/>
+        <p:txBody>
+          <a:bodyPr/>
+          <a:lstStyle/>
+          <a:p>
+            <a:pPr algn="ctr"/>
+            <a:fld id="{1397BFD8-F312-4EF2-A268-44FB4BDDBBB0}" type="slidenum">
+              <a:rPr lang="ru-RU" smtClean="0"/>
+              <a:pPr algn="ctr"/>
+              <a:t>10</a:t>
+            </a:fld>
+            <a:endParaRPr lang="ru-RU" dirty="0"/>
+          </a:p>
+        </p:txBody>
+      </p:sp>
+      <p:sp>
+        <p:nvSpPr>
+          <p:cNvPr id="4" name="Title 3"/>
+          <p:cNvSpPr>
+            <a:spLocks noGrp="1"/>
+          </p:cNvSpPr>
+          <p:nvPr>
+            <p:ph type="title"/>
+          </p:nvPr>
+        </p:nvSpPr>
+        <p:spPr/>
+        <p:txBody>
+          <a:bodyPr/>
+          <a:lstStyle/>
+          <a:p>
+            <a:r>
+              <a:rPr lang="en-US" dirty="0" smtClean="0"/>
+              <a:t>Instruction Set Architecture (ISA)</a:t>
+            </a:r>
+            <a:endParaRPr lang="en-US" dirty="0"/>
+          </a:p>
+        </p:txBody>
+      </p:sp>
+    </p:spTree>
+    <p:extLst>
+      <p:ext uri="{BB962C8B-B14F-4D97-AF65-F5344CB8AC3E}">
+        <p14:creationId xmlns:p14="http://schemas.microsoft.com/office/powerpoint/2010/main" val="1354694533"/>
+      </p:ext>
+    </p:extLst>
+  </p:cSld>
+  <p:clrMapOvr>
+    <a:masterClrMapping/>
+  </p:clrMapOvr>
+  <p:timing>
+    <p:tnLst>
+      <p:par>
+        <p:cTn id="1" dur="indefinite" restart="never" nodeType="tmRoot"/>
+      </p:par>
+    </p:tnLst>
+  </p:timing>
+</p:sld>
+</file>
+
+<file path=ppt/slides/slide11.xml><?xml version="1.0" encoding="utf-8"?>
+<p:sld xmlns:a="http://schemas.openxmlformats.org/drawingml/2006/main" xmlns:r="http://schemas.openxmlformats.org/officeDocument/2006/relationships" xmlns:p="http://schemas.openxmlformats.org/presentationml/2006/main">
+  <p:cSld>
+    <p:spTree>
+      <p:nvGrpSpPr>
+        <p:cNvPr id="1" name=""/>
+        <p:cNvGrpSpPr/>
+        <p:nvPr/>
+      </p:nvGrpSpPr>
+      <p:grpSpPr>
+        <a:xfrm>
+          <a:off x="0" y="0"/>
+          <a:ext cx="0" cy="0"/>
+          <a:chOff x="0" y="0"/>
+          <a:chExt cx="0" cy="0"/>
+        </a:xfrm>
+      </p:grpSpPr>
+      <p:sp>
+        <p:nvSpPr>
+          <p:cNvPr id="2" name="Content Placeholder 1"/>
+          <p:cNvSpPr>
+            <a:spLocks noGrp="1"/>
+          </p:cNvSpPr>
+          <p:nvPr>
+            <p:ph idx="1"/>
+          </p:nvPr>
+        </p:nvSpPr>
+        <p:spPr>
+          <a:xfrm>
+            <a:off x="838200" y="1083366"/>
+            <a:ext cx="10515600" cy="5685182"/>
+          </a:xfrm>
+        </p:spPr>
+        <p:txBody>
+          <a:bodyPr>
+            <a:normAutofit fontScale="62500" lnSpcReduction="20000"/>
+          </a:bodyPr>
+          <a:lstStyle/>
+          <a:p>
+            <a:pPr marL="0" indent="0" algn="just">
+              <a:lnSpc>
+                <a:spcPct val="120000"/>
+              </a:lnSpc>
+              <a:spcBef>
+                <a:spcPts val="0"/>
+              </a:spcBef>
+              <a:buNone/>
+            </a:pPr>
+            <a:r>
+              <a:rPr lang="en-US" sz="5100" b="1" dirty="0"/>
+              <a:t>Reduced Instruction Set Computing (RISC) </a:t>
+            </a:r>
+            <a:r>
+              <a:rPr lang="en-US" sz="5100" dirty="0"/>
+              <a:t>concept was proposed by  teams of </a:t>
+            </a:r>
+            <a:r>
+              <a:rPr lang="en-US" sz="5100" dirty="0" smtClean="0"/>
+              <a:t>researchers </a:t>
+            </a:r>
+            <a:r>
+              <a:rPr lang="en-US" sz="5100" dirty="0"/>
+              <a:t>at </a:t>
+            </a:r>
+            <a:r>
+              <a:rPr lang="en-US" sz="5100" b="1" dirty="0"/>
+              <a:t>Stanford University</a:t>
+            </a:r>
+            <a:r>
+              <a:rPr lang="en-US" sz="5100" dirty="0"/>
+              <a:t> (John Hennessy) and </a:t>
+            </a:r>
+            <a:r>
+              <a:rPr lang="en-US" sz="5100" b="1" dirty="0"/>
+              <a:t>University of California Berkeley </a:t>
+            </a:r>
+            <a:r>
+              <a:rPr lang="en-US" sz="5100" dirty="0"/>
+              <a:t>(David Paterson) in </a:t>
+            </a:r>
+            <a:r>
+              <a:rPr lang="en-US" sz="5100" b="1" dirty="0"/>
+              <a:t>early 1980s</a:t>
+            </a:r>
+            <a:r>
+              <a:rPr lang="en-US" sz="5100" dirty="0"/>
+              <a:t> as an alternative of Complex Instruction Set Computing (CISC) dominating at that time</a:t>
+            </a:r>
+            <a:r>
+              <a:rPr lang="en-US" sz="5100" dirty="0" smtClean="0"/>
+              <a:t>.</a:t>
+            </a:r>
+            <a:endParaRPr lang="en-US" sz="5100" dirty="0"/>
+          </a:p>
+          <a:p>
+            <a:pPr marL="0" indent="0" algn="ctr">
+              <a:lnSpc>
+                <a:spcPct val="100000"/>
+              </a:lnSpc>
+              <a:buNone/>
+            </a:pPr>
+            <a:r>
+              <a:rPr lang="en-US" sz="5700" b="1" dirty="0">
+                <a:solidFill>
+                  <a:srgbClr val="F7B217"/>
+                </a:solidFill>
+              </a:rPr>
+              <a:t>RISC Principles</a:t>
+            </a:r>
+          </a:p>
+          <a:p>
+            <a:pPr>
+              <a:lnSpc>
+                <a:spcPct val="110000"/>
+              </a:lnSpc>
+              <a:spcBef>
+                <a:spcPts val="600"/>
+              </a:spcBef>
+            </a:pPr>
+            <a:r>
+              <a:rPr lang="en-US" sz="5100" dirty="0"/>
+              <a:t>All instructions are executed by hardware</a:t>
+            </a:r>
+          </a:p>
+          <a:p>
+            <a:pPr>
+              <a:lnSpc>
+                <a:spcPct val="110000"/>
+              </a:lnSpc>
+              <a:spcBef>
+                <a:spcPts val="600"/>
+              </a:spcBef>
+            </a:pPr>
+            <a:r>
+              <a:rPr lang="en-US" sz="5100" dirty="0"/>
+              <a:t>Maximize the rate at which instructions are issued</a:t>
+            </a:r>
+          </a:p>
+          <a:p>
+            <a:pPr>
+              <a:lnSpc>
+                <a:spcPct val="110000"/>
+              </a:lnSpc>
+              <a:spcBef>
+                <a:spcPts val="600"/>
+              </a:spcBef>
+            </a:pPr>
+            <a:r>
+              <a:rPr lang="en-US" sz="5100" dirty="0"/>
+              <a:t>Instructions should be easy to decode</a:t>
+            </a:r>
+          </a:p>
+          <a:p>
+            <a:pPr>
+              <a:lnSpc>
+                <a:spcPct val="110000"/>
+              </a:lnSpc>
+              <a:spcBef>
+                <a:spcPts val="600"/>
+              </a:spcBef>
+            </a:pPr>
+            <a:r>
+              <a:rPr lang="en-US" sz="5100" dirty="0"/>
+              <a:t>Only loads and stores should reference memory</a:t>
+            </a:r>
+          </a:p>
+          <a:p>
+            <a:pPr>
+              <a:lnSpc>
+                <a:spcPct val="110000"/>
+              </a:lnSpc>
+              <a:spcBef>
+                <a:spcPts val="600"/>
+              </a:spcBef>
+            </a:pPr>
+            <a:r>
+              <a:rPr lang="en-US" sz="5100" dirty="0"/>
+              <a:t>Provide plenty of registers</a:t>
+            </a:r>
+          </a:p>
+          <a:p>
+            <a:endParaRPr lang="en-US" dirty="0"/>
+          </a:p>
+        </p:txBody>
+      </p:sp>
+      <p:sp>
+        <p:nvSpPr>
+          <p:cNvPr id="3" name="Slide Number Placeholder 2"/>
+          <p:cNvSpPr>
+            <a:spLocks noGrp="1"/>
+          </p:cNvSpPr>
+          <p:nvPr>
+            <p:ph type="sldNum" sz="quarter" idx="12"/>
+          </p:nvPr>
+        </p:nvSpPr>
+        <p:spPr/>
+        <p:txBody>
+          <a:bodyPr/>
+          <a:lstStyle/>
+          <a:p>
+            <a:pPr algn="ctr"/>
+            <a:fld id="{1397BFD8-F312-4EF2-A268-44FB4BDDBBB0}" type="slidenum">
+              <a:rPr lang="ru-RU" smtClean="0"/>
+              <a:pPr algn="ctr"/>
+              <a:t>11</a:t>
+            </a:fld>
+            <a:endParaRPr lang="ru-RU" dirty="0"/>
+          </a:p>
+        </p:txBody>
+      </p:sp>
+      <p:sp>
+        <p:nvSpPr>
+          <p:cNvPr id="4" name="Title 3"/>
+          <p:cNvSpPr>
+            <a:spLocks noGrp="1"/>
+          </p:cNvSpPr>
+          <p:nvPr>
+            <p:ph type="title"/>
+          </p:nvPr>
+        </p:nvSpPr>
+        <p:spPr/>
+        <p:txBody>
+          <a:bodyPr/>
+          <a:lstStyle/>
+          <a:p>
+            <a:r>
+              <a:rPr lang="en-US" dirty="0"/>
+              <a:t>Reduced Instruction Set Computing (RISC)</a:t>
+            </a:r>
+          </a:p>
+        </p:txBody>
+      </p:sp>
+    </p:spTree>
+    <p:extLst>
+      <p:ext uri="{BB962C8B-B14F-4D97-AF65-F5344CB8AC3E}">
+        <p14:creationId xmlns:p14="http://schemas.microsoft.com/office/powerpoint/2010/main" val="4164286586"/>
+      </p:ext>
+    </p:extLst>
+  </p:cSld>
+  <p:clrMapOvr>
+    <a:masterClrMapping/>
+  </p:clrMapOvr>
+  <p:timing>
+    <p:tnLst>
+      <p:par>
+        <p:cTn id="1" dur="indefinite" restart="never" nodeType="tmRoot"/>
+      </p:par>
+    </p:tnLst>
+  </p:timing>
+</p:sld>
+</file>
+
+<file path=ppt/slides/slide12.xml><?xml version="1.0" encoding="utf-8"?>
+<p:sld xmlns:a="http://schemas.openxmlformats.org/drawingml/2006/main" xmlns:r="http://schemas.openxmlformats.org/officeDocument/2006/relationships" xmlns:p="http://schemas.openxmlformats.org/presentationml/2006/main">
+  <p:cSld>
+    <p:spTree>
+      <p:nvGrpSpPr>
+        <p:cNvPr id="1" name=""/>
+        <p:cNvGrpSpPr/>
+        <p:nvPr/>
+      </p:nvGrpSpPr>
+      <p:grpSpPr>
+        <a:xfrm>
+          <a:off x="0" y="0"/>
+          <a:ext cx="0" cy="0"/>
+          <a:chOff x="0" y="0"/>
+          <a:chExt cx="0" cy="0"/>
+        </a:xfrm>
+      </p:grpSpPr>
+      <p:sp>
+        <p:nvSpPr>
+          <p:cNvPr id="7" name="TextBox 6"/>
+          <p:cNvSpPr txBox="1"/>
+          <p:nvPr/>
+        </p:nvSpPr>
+        <p:spPr>
+          <a:xfrm>
+            <a:off x="8571135" y="2946435"/>
+            <a:ext cx="1335748" cy="526774"/>
+          </a:xfrm>
+          <a:prstGeom prst="rect">
+            <a:avLst/>
+          </a:prstGeom>
+          <a:solidFill>
+            <a:schemeClr val="bg1"/>
+          </a:solidFill>
+        </p:spPr>
+        <p:txBody>
+          <a:bodyPr wrap="square" lIns="72000" tIns="25200" rIns="0" bIns="25200" rtlCol="0" anchor="ctr" anchorCtr="0">
+            <a:normAutofit/>
+          </a:bodyPr>
+          <a:lstStyle/>
+          <a:p>
+            <a:r>
+              <a:rPr lang="en-US" sz="2800" b="1" dirty="0" smtClean="0">
+                <a:solidFill>
+                  <a:srgbClr val="273272"/>
+                </a:solidFill>
+              </a:rPr>
+              <a:t>Industry</a:t>
+            </a:r>
+          </a:p>
+        </p:txBody>
+      </p:sp>
+      <p:pic>
+        <p:nvPicPr>
+          <p:cNvPr id="11" name="Picture 6" descr="Postdoctoral Fellowship Program in Chinese Buddhism 2019–2021, University  of California, Berkeley, USA - ARMACAD"/>
+          <p:cNvPicPr>
+            <a:picLocks noChangeAspect="1" noChangeArrowheads="1"/>
+          </p:cNvPicPr>
+          <p:nvPr/>
+        </p:nvPicPr>
+        <p:blipFill>
+          <a:blip r:embed="rId2" cstate="print">
+            <a:extLst>
+              <a:ext uri="{28A0092B-C50C-407E-A947-70E740481C1C}">
+                <a14:useLocalDpi xmlns:a14="http://schemas.microsoft.com/office/drawing/2010/main" val="0"/>
+              </a:ext>
+            </a:extLst>
+          </a:blip>
+          <a:srcRect/>
+          <a:stretch>
+            <a:fillRect/>
+          </a:stretch>
+        </p:blipFill>
+        <p:spPr bwMode="auto">
+          <a:xfrm>
+            <a:off x="8013263" y="5462189"/>
+            <a:ext cx="2604503" cy="1367094"/>
+          </a:xfrm>
+          <a:prstGeom prst="rect">
+            <a:avLst/>
+          </a:prstGeom>
+          <a:noFill/>
+          <a:extLst>
+            <a:ext uri="{909E8E84-426E-40DD-AFC4-6F175D3DCCD1}">
+              <a14:hiddenFill xmlns:a14="http://schemas.microsoft.com/office/drawing/2010/main">
+                <a:solidFill>
+                  <a:srgbClr val="FFFFFF"/>
+                </a:solidFill>
+              </a14:hiddenFill>
+            </a:ext>
+          </a:extLst>
+        </p:spPr>
+      </p:pic>
+      <p:sp>
+        <p:nvSpPr>
+          <p:cNvPr id="6" name="TextBox 5"/>
+          <p:cNvSpPr txBox="1"/>
+          <p:nvPr/>
+        </p:nvSpPr>
+        <p:spPr>
+          <a:xfrm>
+            <a:off x="7312186" y="5159241"/>
+            <a:ext cx="1597181" cy="526774"/>
+          </a:xfrm>
+          <a:prstGeom prst="rect">
+            <a:avLst/>
+          </a:prstGeom>
+          <a:solidFill>
+            <a:schemeClr val="bg1"/>
+          </a:solidFill>
+        </p:spPr>
+        <p:txBody>
+          <a:bodyPr wrap="square" lIns="72000" tIns="25200" rIns="0" bIns="25200" rtlCol="0" anchor="ctr" anchorCtr="0">
+            <a:normAutofit/>
+          </a:bodyPr>
+          <a:lstStyle/>
+          <a:p>
+            <a:r>
+              <a:rPr lang="en-US" sz="2800" b="1" dirty="0" smtClean="0">
+                <a:solidFill>
+                  <a:srgbClr val="273272"/>
+                </a:solidFill>
+              </a:rPr>
+              <a:t>Education</a:t>
+            </a:r>
+          </a:p>
+        </p:txBody>
+      </p:sp>
+      <p:sp>
+        <p:nvSpPr>
+          <p:cNvPr id="8" name="TextBox 7"/>
+          <p:cNvSpPr txBox="1"/>
+          <p:nvPr/>
+        </p:nvSpPr>
+        <p:spPr>
+          <a:xfrm>
+            <a:off x="9714434" y="5189058"/>
+            <a:ext cx="1466022" cy="526774"/>
+          </a:xfrm>
+          <a:prstGeom prst="rect">
+            <a:avLst/>
+          </a:prstGeom>
+          <a:solidFill>
+            <a:schemeClr val="bg1"/>
+          </a:solidFill>
+        </p:spPr>
+        <p:txBody>
+          <a:bodyPr wrap="square" lIns="72000" tIns="25200" rIns="0" bIns="25200" rtlCol="0" anchor="ctr" anchorCtr="0">
+            <a:normAutofit/>
+          </a:bodyPr>
+          <a:lstStyle/>
+          <a:p>
+            <a:r>
+              <a:rPr lang="en-US" sz="2800" b="1" dirty="0" smtClean="0">
+                <a:solidFill>
+                  <a:srgbClr val="273272"/>
+                </a:solidFill>
+              </a:rPr>
+              <a:t>Research</a:t>
+            </a:r>
+          </a:p>
+        </p:txBody>
+      </p:sp>
+      <p:sp>
+        <p:nvSpPr>
+          <p:cNvPr id="2" name="Content Placeholder 1"/>
+          <p:cNvSpPr>
+            <a:spLocks noGrp="1"/>
+          </p:cNvSpPr>
+          <p:nvPr>
+            <p:ph idx="1"/>
+          </p:nvPr>
+        </p:nvSpPr>
+        <p:spPr>
+          <a:xfrm>
+            <a:off x="815686" y="1193041"/>
+            <a:ext cx="6711846" cy="5477315"/>
+          </a:xfrm>
+        </p:spPr>
+        <p:txBody>
+          <a:bodyPr>
+            <a:normAutofit/>
+          </a:bodyPr>
+          <a:lstStyle/>
+          <a:p>
+            <a:pPr>
+              <a:lnSpc>
+                <a:spcPct val="100000"/>
+              </a:lnSpc>
+              <a:spcBef>
+                <a:spcPts val="1800"/>
+              </a:spcBef>
+            </a:pPr>
+            <a:r>
+              <a:rPr lang="en-US" dirty="0" smtClean="0"/>
+              <a:t>Simple ISA by UC</a:t>
+            </a:r>
+            <a:r>
+              <a:rPr lang="ru-RU" dirty="0" smtClean="0"/>
+              <a:t> </a:t>
+            </a:r>
+            <a:r>
+              <a:rPr lang="en-US" dirty="0" smtClean="0"/>
+              <a:t>Berkeley (2010)</a:t>
+            </a:r>
+          </a:p>
+          <a:p>
+            <a:pPr>
+              <a:lnSpc>
+                <a:spcPct val="100000"/>
+              </a:lnSpc>
+              <a:spcBef>
+                <a:spcPts val="1800"/>
+              </a:spcBef>
+            </a:pPr>
+            <a:r>
+              <a:rPr lang="en-US" dirty="0"/>
+              <a:t>Open and </a:t>
+            </a:r>
+            <a:r>
+              <a:rPr lang="en-US" dirty="0" smtClean="0"/>
+              <a:t>Free</a:t>
+            </a:r>
+          </a:p>
+          <a:p>
+            <a:pPr>
+              <a:lnSpc>
+                <a:spcPct val="100000"/>
+              </a:lnSpc>
+              <a:spcBef>
+                <a:spcPts val="1800"/>
+              </a:spcBef>
+            </a:pPr>
+            <a:r>
+              <a:rPr lang="en-US" dirty="0" smtClean="0"/>
+              <a:t>Wide-Purpose </a:t>
+            </a:r>
+            <a:r>
+              <a:rPr lang="en-US" dirty="0"/>
+              <a:t>Configurable ISA (from </a:t>
+            </a:r>
+            <a:r>
+              <a:rPr lang="en-US" dirty="0" err="1"/>
+              <a:t>IoT</a:t>
+            </a:r>
+            <a:r>
+              <a:rPr lang="en-US" dirty="0"/>
+              <a:t> to mainframes</a:t>
+            </a:r>
+            <a:r>
+              <a:rPr lang="en-US" dirty="0" smtClean="0"/>
+              <a:t>)</a:t>
+            </a:r>
+          </a:p>
+          <a:p>
+            <a:pPr>
+              <a:lnSpc>
+                <a:spcPct val="100000"/>
+              </a:lnSpc>
+              <a:spcBef>
+                <a:spcPts val="1800"/>
+              </a:spcBef>
+            </a:pPr>
+            <a:r>
+              <a:rPr lang="en-US" dirty="0"/>
+              <a:t>Maintained by RISC-V Foundation (moved to Switzerland)</a:t>
+            </a:r>
+          </a:p>
+          <a:p>
+            <a:pPr>
+              <a:lnSpc>
+                <a:spcPct val="100000"/>
+              </a:lnSpc>
+              <a:spcBef>
+                <a:spcPts val="1800"/>
+              </a:spcBef>
+            </a:pPr>
+            <a:r>
+              <a:rPr lang="en-US" dirty="0" smtClean="0"/>
+              <a:t>Supported by many </a:t>
+            </a:r>
+            <a:r>
+              <a:rPr lang="en-US" dirty="0"/>
+              <a:t>IT Companies and Universities</a:t>
+            </a:r>
+          </a:p>
+          <a:p>
+            <a:endParaRPr lang="en-US" dirty="0"/>
+          </a:p>
+        </p:txBody>
+      </p:sp>
+      <p:sp>
+        <p:nvSpPr>
+          <p:cNvPr id="3" name="Slide Number Placeholder 2"/>
+          <p:cNvSpPr>
+            <a:spLocks noGrp="1"/>
+          </p:cNvSpPr>
+          <p:nvPr>
+            <p:ph type="sldNum" sz="quarter" idx="12"/>
+          </p:nvPr>
+        </p:nvSpPr>
+        <p:spPr/>
+        <p:txBody>
+          <a:bodyPr/>
+          <a:lstStyle/>
+          <a:p>
+            <a:pPr algn="ctr"/>
+            <a:fld id="{1397BFD8-F312-4EF2-A268-44FB4BDDBBB0}" type="slidenum">
+              <a:rPr lang="ru-RU" smtClean="0"/>
+              <a:pPr algn="ctr"/>
+              <a:t>12</a:t>
+            </a:fld>
+            <a:endParaRPr lang="ru-RU" dirty="0"/>
+          </a:p>
+        </p:txBody>
+      </p:sp>
+      <p:sp>
+        <p:nvSpPr>
+          <p:cNvPr id="4" name="Title 3"/>
+          <p:cNvSpPr>
+            <a:spLocks noGrp="1"/>
+          </p:cNvSpPr>
+          <p:nvPr>
+            <p:ph type="title"/>
+          </p:nvPr>
+        </p:nvSpPr>
+        <p:spPr/>
+        <p:txBody>
+          <a:bodyPr/>
+          <a:lstStyle/>
+          <a:p>
+            <a:r>
+              <a:rPr lang="en-US" dirty="0" smtClean="0"/>
+              <a:t>RISC-V ISA</a:t>
+            </a:r>
+            <a:endParaRPr lang="en-US" dirty="0"/>
+          </a:p>
+        </p:txBody>
+      </p:sp>
+      <p:sp>
+        <p:nvSpPr>
+          <p:cNvPr id="5" name="Isosceles Triangle 4"/>
+          <p:cNvSpPr/>
+          <p:nvPr/>
+        </p:nvSpPr>
+        <p:spPr>
+          <a:xfrm>
+            <a:off x="7975086" y="3446353"/>
+            <a:ext cx="2554356" cy="1749288"/>
+          </a:xfrm>
+          <a:prstGeom prst="triangle">
+            <a:avLst/>
+          </a:prstGeom>
+          <a:solidFill>
+            <a:srgbClr val="F7B217"/>
+          </a:solidFill>
+          <a:ln w="50800">
+            <a:solidFill>
+              <a:srgbClr val="F07F09"/>
+            </a:solidFill>
+          </a:ln>
+        </p:spPr>
+        <p:style>
+          <a:lnRef idx="2">
+            <a:schemeClr val="accent1">
+              <a:shade val="50000"/>
+            </a:schemeClr>
+          </a:lnRef>
+          <a:fillRef idx="1">
+            <a:schemeClr val="accent1"/>
+          </a:fillRef>
+          <a:effectRef idx="0">
+            <a:schemeClr val="accent1"/>
+          </a:effectRef>
+          <a:fontRef idx="minor">
+            <a:schemeClr val="lt1"/>
+          </a:fontRef>
+        </p:style>
+        <p:txBody>
+          <a:bodyPr rtlCol="0" anchor="ctr"/>
+          <a:lstStyle/>
+          <a:p>
+            <a:pPr algn="ctr"/>
+            <a:endParaRPr lang="en-US"/>
+          </a:p>
+        </p:txBody>
+      </p:sp>
+      <p:sp>
+        <p:nvSpPr>
+          <p:cNvPr id="9" name="TextBox 8"/>
+          <p:cNvSpPr txBox="1"/>
+          <p:nvPr/>
+        </p:nvSpPr>
+        <p:spPr>
+          <a:xfrm>
+            <a:off x="8393726" y="4532246"/>
+            <a:ext cx="1843578" cy="584149"/>
+          </a:xfrm>
+          <a:prstGeom prst="rect">
+            <a:avLst/>
+          </a:prstGeom>
+          <a:noFill/>
+        </p:spPr>
+        <p:txBody>
+          <a:bodyPr wrap="square" lIns="72000" tIns="25200" rIns="0" bIns="25200" rtlCol="0" anchor="ctr" anchorCtr="0">
+            <a:normAutofit/>
+          </a:bodyPr>
+          <a:lstStyle/>
+          <a:p>
+            <a:r>
+              <a:rPr lang="en-US" sz="2800" b="1" dirty="0" smtClean="0">
+                <a:solidFill>
+                  <a:srgbClr val="273272"/>
+                </a:solidFill>
+              </a:rPr>
+              <a:t>Innovation</a:t>
+            </a:r>
+          </a:p>
+        </p:txBody>
+      </p:sp>
+      <p:pic>
+        <p:nvPicPr>
+          <p:cNvPr id="10" name="Picture 4" descr="File:RISC-V-logo-square.svg - Wikimedia Commons"/>
+          <p:cNvPicPr>
+            <a:picLocks noChangeAspect="1" noChangeArrowheads="1"/>
+          </p:cNvPicPr>
+          <p:nvPr/>
+        </p:nvPicPr>
+        <p:blipFill>
+          <a:blip r:embed="rId3" cstate="print">
+            <a:extLst>
+              <a:ext uri="{28A0092B-C50C-407E-A947-70E740481C1C}">
+                <a14:useLocalDpi xmlns:a14="http://schemas.microsoft.com/office/drawing/2010/main" val="0"/>
+              </a:ext>
+            </a:extLst>
+          </a:blip>
+          <a:srcRect/>
+          <a:stretch>
+            <a:fillRect/>
+          </a:stretch>
+        </p:blipFill>
+        <p:spPr bwMode="auto">
+          <a:xfrm>
+            <a:off x="8179805" y="1142024"/>
+            <a:ext cx="2057499" cy="1608590"/>
+          </a:xfrm>
+          <a:prstGeom prst="rect">
+            <a:avLst/>
+          </a:prstGeom>
+          <a:noFill/>
+          <a:extLst>
+            <a:ext uri="{909E8E84-426E-40DD-AFC4-6F175D3DCCD1}">
+              <a14:hiddenFill xmlns:a14="http://schemas.microsoft.com/office/drawing/2010/main">
+                <a:solidFill>
+                  <a:srgbClr val="FFFFFF"/>
+                </a:solidFill>
+              </a14:hiddenFill>
+            </a:ext>
+          </a:extLst>
+        </p:spPr>
+      </p:pic>
+    </p:spTree>
+    <p:extLst>
+      <p:ext uri="{BB962C8B-B14F-4D97-AF65-F5344CB8AC3E}">
+        <p14:creationId xmlns:p14="http://schemas.microsoft.com/office/powerpoint/2010/main" val="2309381605"/>
+      </p:ext>
+    </p:extLst>
+  </p:cSld>
+  <p:clrMapOvr>
+    <a:masterClrMapping/>
+  </p:clrMapOvr>
+  <p:timing>
+    <p:tnLst>
+      <p:par>
+        <p:cTn id="1" dur="indefinite" restart="never" nodeType="tmRoot"/>
+      </p:par>
+    </p:tnLst>
+  </p:timing>
+</p:sld>
+</file>
+
+<file path=ppt/slides/slide13.xml><?xml version="1.0" encoding="utf-8"?>
+<p:sld xmlns:a="http://schemas.openxmlformats.org/drawingml/2006/main" xmlns:r="http://schemas.openxmlformats.org/officeDocument/2006/relationships" xmlns:p="http://schemas.openxmlformats.org/presentationml/2006/main">
+  <p:cSld>
+    <p:spTree>
+      <p:nvGrpSpPr>
+        <p:cNvPr id="1" name=""/>
+        <p:cNvGrpSpPr/>
+        <p:nvPr/>
+      </p:nvGrpSpPr>
+      <p:grpSpPr>
+        <a:xfrm>
+          <a:off x="0" y="0"/>
+          <a:ext cx="0" cy="0"/>
+          <a:chOff x="0" y="0"/>
+          <a:chExt cx="0" cy="0"/>
+        </a:xfrm>
+      </p:grpSpPr>
+      <p:sp>
+        <p:nvSpPr>
+          <p:cNvPr id="3" name="Slide Number Placeholder 2"/>
+          <p:cNvSpPr>
+            <a:spLocks noGrp="1"/>
+          </p:cNvSpPr>
+          <p:nvPr>
+            <p:ph type="sldNum" sz="quarter" idx="12"/>
+          </p:nvPr>
+        </p:nvSpPr>
+        <p:spPr/>
+        <p:txBody>
+          <a:bodyPr/>
+          <a:lstStyle/>
+          <a:p>
+            <a:pPr algn="ctr"/>
+            <a:fld id="{1397BFD8-F312-4EF2-A268-44FB4BDDBBB0}" type="slidenum">
+              <a:rPr lang="ru-RU" smtClean="0"/>
+              <a:pPr algn="ctr"/>
+              <a:t>13</a:t>
+            </a:fld>
+            <a:endParaRPr lang="ru-RU" dirty="0"/>
+          </a:p>
+        </p:txBody>
+      </p:sp>
+      <p:sp>
+        <p:nvSpPr>
+          <p:cNvPr id="4" name="Title 3"/>
+          <p:cNvSpPr>
+            <a:spLocks noGrp="1"/>
+          </p:cNvSpPr>
+          <p:nvPr>
+            <p:ph type="title"/>
+          </p:nvPr>
+        </p:nvSpPr>
+        <p:spPr/>
+        <p:txBody>
+          <a:bodyPr/>
+          <a:lstStyle/>
+          <a:p>
+            <a:r>
+              <a:rPr lang="en-US" dirty="0" smtClean="0"/>
+              <a:t>RISC-V Community</a:t>
+            </a:r>
+            <a:endParaRPr lang="en-US" dirty="0"/>
+          </a:p>
+        </p:txBody>
+      </p:sp>
+      <p:pic>
+        <p:nvPicPr>
+          <p:cNvPr id="5" name="Picture 4"/>
+          <p:cNvPicPr>
+            <a:picLocks noChangeAspect="1"/>
+          </p:cNvPicPr>
+          <p:nvPr/>
+        </p:nvPicPr>
+        <p:blipFill>
+          <a:blip r:embed="rId2"/>
+          <a:stretch>
+            <a:fillRect/>
+          </a:stretch>
+        </p:blipFill>
+        <p:spPr>
+          <a:xfrm>
+            <a:off x="1392098" y="2224507"/>
+            <a:ext cx="9129943" cy="4404894"/>
+          </a:xfrm>
+          <a:prstGeom prst="rect">
+            <a:avLst/>
+          </a:prstGeom>
+        </p:spPr>
+      </p:pic>
+      <p:sp>
+        <p:nvSpPr>
+          <p:cNvPr id="6" name="TextBox 5"/>
+          <p:cNvSpPr txBox="1"/>
+          <p:nvPr/>
+        </p:nvSpPr>
+        <p:spPr>
+          <a:xfrm>
+            <a:off x="6096000" y="5986871"/>
+            <a:ext cx="3507853" cy="612713"/>
+          </a:xfrm>
+          <a:prstGeom prst="rect">
+            <a:avLst/>
+          </a:prstGeom>
+          <a:solidFill>
+            <a:schemeClr val="bg1"/>
+          </a:solidFill>
+        </p:spPr>
+        <p:txBody>
+          <a:bodyPr wrap="square" lIns="72000" tIns="25200" rIns="0" bIns="25200" rtlCol="0" anchor="ctr" anchorCtr="0">
+            <a:noAutofit/>
+          </a:bodyPr>
+          <a:lstStyle/>
+          <a:p>
+            <a:r>
+              <a:rPr lang="en-US" sz="3600" dirty="0" smtClean="0">
+                <a:solidFill>
+                  <a:srgbClr val="1E3272"/>
+                </a:solidFill>
+              </a:rPr>
+              <a:t>and many others…</a:t>
+            </a:r>
+          </a:p>
+        </p:txBody>
+      </p:sp>
+      <p:sp>
+        <p:nvSpPr>
+          <p:cNvPr id="7" name="Содержимое 1"/>
+          <p:cNvSpPr>
+            <a:spLocks noGrp="1"/>
+          </p:cNvSpPr>
+          <p:nvPr>
+            <p:ph idx="1"/>
+          </p:nvPr>
+        </p:nvSpPr>
+        <p:spPr>
+          <a:xfrm>
+            <a:off x="838201" y="998937"/>
+            <a:ext cx="10532504" cy="1355552"/>
+          </a:xfrm>
+        </p:spPr>
+        <p:txBody>
+          <a:bodyPr>
+            <a:noAutofit/>
+          </a:bodyPr>
+          <a:lstStyle/>
+          <a:p>
+            <a:pPr marL="0" indent="0" algn="ctr">
+              <a:lnSpc>
+                <a:spcPct val="100000"/>
+              </a:lnSpc>
+              <a:spcBef>
+                <a:spcPts val="0"/>
+              </a:spcBef>
+              <a:buNone/>
+            </a:pPr>
+            <a:r>
+              <a:rPr lang="en-US" dirty="0" smtClean="0"/>
+              <a:t>Wide Support of IT Companies (except </a:t>
+            </a:r>
+            <a:r>
+              <a:rPr lang="en-US" dirty="0" smtClean="0"/>
+              <a:t>Intel </a:t>
+            </a:r>
+            <a:r>
+              <a:rPr lang="en-US" dirty="0" smtClean="0"/>
+              <a:t>and ARM) and Universities</a:t>
+            </a:r>
+            <a:endParaRPr lang="ru-RU" dirty="0"/>
+          </a:p>
+        </p:txBody>
+      </p:sp>
+    </p:spTree>
+    <p:extLst>
+      <p:ext uri="{BB962C8B-B14F-4D97-AF65-F5344CB8AC3E}">
+        <p14:creationId xmlns:p14="http://schemas.microsoft.com/office/powerpoint/2010/main" val="2280673303"/>
+      </p:ext>
+    </p:extLst>
+  </p:cSld>
+  <p:clrMapOvr>
+    <a:masterClrMapping/>
+  </p:clrMapOvr>
+  <p:timing>
+    <p:tnLst>
+      <p:par>
+        <p:cTn id="1" dur="indefinite" restart="never" nodeType="tmRoot"/>
+      </p:par>
+    </p:tnLst>
+  </p:timing>
+</p:sld>
+</file>
+
+<file path=ppt/slides/slide14.xml><?xml version="1.0" encoding="utf-8"?>
+<p:sld xmlns:a="http://schemas.openxmlformats.org/drawingml/2006/main" xmlns:r="http://schemas.openxmlformats.org/officeDocument/2006/relationships" xmlns:p="http://schemas.openxmlformats.org/presentationml/2006/main">
+  <p:cSld>
+    <p:spTree>
+      <p:nvGrpSpPr>
+        <p:cNvPr id="1" name=""/>
+        <p:cNvGrpSpPr/>
+        <p:nvPr/>
+      </p:nvGrpSpPr>
+      <p:grpSpPr>
+        <a:xfrm>
+          <a:off x="0" y="0"/>
+          <a:ext cx="0" cy="0"/>
+          <a:chOff x="0" y="0"/>
+          <a:chExt cx="0" cy="0"/>
+        </a:xfrm>
+      </p:grpSpPr>
+      <p:sp>
+        <p:nvSpPr>
+          <p:cNvPr id="2" name="Content Placeholder 1"/>
+          <p:cNvSpPr>
+            <a:spLocks noGrp="1"/>
+          </p:cNvSpPr>
+          <p:nvPr>
+            <p:ph idx="1"/>
+          </p:nvPr>
+        </p:nvSpPr>
+        <p:spPr>
+          <a:xfrm>
+            <a:off x="838200" y="1009089"/>
+            <a:ext cx="10515600" cy="5661267"/>
+          </a:xfrm>
+        </p:spPr>
+        <p:txBody>
+          <a:bodyPr>
+            <a:noAutofit/>
+          </a:bodyPr>
+          <a:lstStyle/>
+          <a:p>
+            <a:pPr marL="457200" indent="-457200">
+              <a:lnSpc>
+                <a:spcPct val="100000"/>
+              </a:lnSpc>
+              <a:spcBef>
+                <a:spcPts val="600"/>
+              </a:spcBef>
+              <a:buFont typeface="+mj-lt"/>
+              <a:buAutoNum type="arabicPeriod"/>
+            </a:pPr>
+            <a:r>
+              <a:rPr lang="en-US" altLang="en-US" dirty="0"/>
+              <a:t>Fetch next instruction from memory into </a:t>
+            </a:r>
+            <a:r>
+              <a:rPr lang="en-US" altLang="en-US" dirty="0" smtClean="0"/>
+              <a:t>instruction </a:t>
+            </a:r>
+            <a:r>
+              <a:rPr lang="en-US" altLang="en-US" dirty="0"/>
+              <a:t>register</a:t>
+            </a:r>
+          </a:p>
+          <a:p>
+            <a:pPr marL="457200" indent="-457200">
+              <a:lnSpc>
+                <a:spcPct val="100000"/>
+              </a:lnSpc>
+              <a:spcBef>
+                <a:spcPts val="600"/>
+              </a:spcBef>
+              <a:buFont typeface="+mj-lt"/>
+              <a:buAutoNum type="arabicPeriod"/>
+            </a:pPr>
+            <a:r>
+              <a:rPr lang="en-US" altLang="en-US" dirty="0"/>
+              <a:t>Change program counter to point to next instruction</a:t>
+            </a:r>
+          </a:p>
+          <a:p>
+            <a:pPr marL="457200" indent="-457200">
+              <a:lnSpc>
+                <a:spcPct val="100000"/>
+              </a:lnSpc>
+              <a:spcBef>
+                <a:spcPts val="600"/>
+              </a:spcBef>
+              <a:buFont typeface="+mj-lt"/>
+              <a:buAutoNum type="arabicPeriod"/>
+            </a:pPr>
+            <a:r>
+              <a:rPr lang="en-US" altLang="en-US" dirty="0"/>
+              <a:t>Determine type of instruction just fetched</a:t>
+            </a:r>
+          </a:p>
+          <a:p>
+            <a:pPr marL="457200" indent="-457200">
+              <a:lnSpc>
+                <a:spcPct val="100000"/>
+              </a:lnSpc>
+              <a:spcBef>
+                <a:spcPts val="600"/>
+              </a:spcBef>
+              <a:buFont typeface="+mj-lt"/>
+              <a:buAutoNum type="arabicPeriod"/>
+            </a:pPr>
+            <a:r>
+              <a:rPr lang="en-US" altLang="en-US" dirty="0"/>
+              <a:t>If instructions uses word in memory, determine where Fetch word, if needed, into CPU register</a:t>
+            </a:r>
+          </a:p>
+          <a:p>
+            <a:pPr marL="457200" indent="-457200">
+              <a:lnSpc>
+                <a:spcPct val="100000"/>
+              </a:lnSpc>
+              <a:spcBef>
+                <a:spcPts val="600"/>
+              </a:spcBef>
+              <a:buFont typeface="+mj-lt"/>
+              <a:buAutoNum type="arabicPeriod"/>
+            </a:pPr>
+            <a:r>
+              <a:rPr lang="en-US" altLang="en-US" dirty="0"/>
+              <a:t>Execute the instruction</a:t>
+            </a:r>
+          </a:p>
+          <a:p>
+            <a:pPr marL="457200" indent="-457200">
+              <a:lnSpc>
+                <a:spcPct val="100000"/>
+              </a:lnSpc>
+              <a:spcBef>
+                <a:spcPts val="600"/>
+              </a:spcBef>
+              <a:buFont typeface="+mj-lt"/>
+              <a:buAutoNum type="arabicPeriod"/>
+            </a:pPr>
+            <a:r>
+              <a:rPr lang="en-US" altLang="en-US" dirty="0"/>
+              <a:t>Go to step 1 to begin executing following instruction</a:t>
+            </a:r>
+            <a:endParaRPr lang="en-US" altLang="en-US" dirty="0" smtClean="0">
+              <a:sym typeface="Symbol" panose="05050102010706020507" pitchFamily="18" charset="2"/>
+            </a:endParaRPr>
+          </a:p>
+        </p:txBody>
+      </p:sp>
+      <p:sp>
+        <p:nvSpPr>
+          <p:cNvPr id="3" name="Slide Number Placeholder 2"/>
+          <p:cNvSpPr>
+            <a:spLocks noGrp="1"/>
+          </p:cNvSpPr>
+          <p:nvPr>
+            <p:ph type="sldNum" sz="quarter" idx="12"/>
+          </p:nvPr>
+        </p:nvSpPr>
+        <p:spPr/>
+        <p:txBody>
+          <a:bodyPr/>
+          <a:lstStyle/>
+          <a:p>
+            <a:pPr algn="ctr"/>
+            <a:fld id="{1397BFD8-F312-4EF2-A268-44FB4BDDBBB0}" type="slidenum">
+              <a:rPr lang="ru-RU" smtClean="0"/>
+              <a:pPr algn="ctr"/>
+              <a:t>14</a:t>
+            </a:fld>
+            <a:endParaRPr lang="ru-RU" dirty="0"/>
+          </a:p>
+        </p:txBody>
+      </p:sp>
+      <p:sp>
+        <p:nvSpPr>
+          <p:cNvPr id="4" name="Title 3"/>
+          <p:cNvSpPr>
+            <a:spLocks noGrp="1"/>
+          </p:cNvSpPr>
+          <p:nvPr>
+            <p:ph type="title"/>
+          </p:nvPr>
+        </p:nvSpPr>
+        <p:spPr/>
+        <p:txBody>
+          <a:bodyPr/>
+          <a:lstStyle/>
+          <a:p>
+            <a:r>
+              <a:rPr lang="en-US" altLang="en-US" dirty="0"/>
+              <a:t>Instruction </a:t>
+            </a:r>
+            <a:r>
+              <a:rPr lang="en-US" altLang="en-US" dirty="0" smtClean="0"/>
+              <a:t>Execution</a:t>
+            </a:r>
+            <a:endParaRPr lang="en-US" dirty="0"/>
+          </a:p>
+        </p:txBody>
+      </p:sp>
+    </p:spTree>
+    <p:extLst>
+      <p:ext uri="{BB962C8B-B14F-4D97-AF65-F5344CB8AC3E}">
+        <p14:creationId xmlns:p14="http://schemas.microsoft.com/office/powerpoint/2010/main" val="751243517"/>
+      </p:ext>
+    </p:extLst>
+  </p:cSld>
+  <p:clrMapOvr>
+    <a:masterClrMapping/>
+  </p:clrMapOvr>
+</p:sld>
+</file>
+
+<file path=ppt/slides/slide15.xml><?xml version="1.0" encoding="utf-8"?>
+<p:sld xmlns:a="http://schemas.openxmlformats.org/drawingml/2006/main" xmlns:r="http://schemas.openxmlformats.org/officeDocument/2006/relationships" xmlns:p="http://schemas.openxmlformats.org/presentationml/2006/main">
+  <p:cSld>
+    <p:spTree>
+      <p:nvGrpSpPr>
+        <p:cNvPr id="1" name=""/>
+        <p:cNvGrpSpPr/>
+        <p:nvPr/>
+      </p:nvGrpSpPr>
+      <p:grpSpPr>
+        <a:xfrm>
+          <a:off x="0" y="0"/>
+          <a:ext cx="0" cy="0"/>
+          <a:chOff x="0" y="0"/>
+          <a:chExt cx="0" cy="0"/>
+        </a:xfrm>
+      </p:grpSpPr>
+      <p:sp>
+        <p:nvSpPr>
+          <p:cNvPr id="4" name="Прямоугольник 3"/>
+          <p:cNvSpPr/>
+          <p:nvPr/>
+        </p:nvSpPr>
+        <p:spPr>
+          <a:xfrm>
+            <a:off x="2664999" y="472120"/>
+            <a:ext cx="7524751" cy="5262979"/>
+          </a:xfrm>
+          <a:prstGeom prst="rect">
+            <a:avLst/>
+          </a:prstGeom>
+          <a:noFill/>
+          <a:ln>
+            <a:noFill/>
+          </a:ln>
+          <a:scene3d>
+            <a:camera prst="perspectiveRelaxed"/>
+            <a:lightRig rig="threePt" dir="t"/>
+          </a:scene3d>
+        </p:spPr>
+        <p:txBody>
+          <a:bodyPr wrap="square" lIns="91440" tIns="45720" rIns="91440" bIns="45720">
+            <a:spAutoFit/>
+          </a:bodyPr>
+          <a:lstStyle/>
+          <a:p>
+            <a:r>
+              <a:rPr lang="en-US" sz="2400" dirty="0" smtClean="0">
+                <a:ln w="0"/>
+                <a:solidFill>
+                  <a:srgbClr val="273272"/>
+                </a:solidFill>
+                <a:effectLst>
+                  <a:reflection blurRad="6350" stA="53000" endA="300" endPos="35500" dir="5400000" sy="-90000" algn="bl" rotWithShape="0"/>
+                </a:effectLst>
+                <a:latin typeface="Courier New" pitchFamily="49" charset="0"/>
+                <a:cs typeface="Courier New" pitchFamily="49" charset="0"/>
+              </a:rPr>
+              <a:t>		</a:t>
+            </a:r>
+          </a:p>
+          <a:p>
+            <a:r>
+              <a:rPr lang="en-US" sz="2400" dirty="0" smtClean="0">
+                <a:ln w="0"/>
+                <a:solidFill>
+                  <a:srgbClr val="273272"/>
+                </a:solidFill>
+                <a:effectLst>
+                  <a:reflection blurRad="6350" stA="53000" endA="300" endPos="35500" dir="5400000" sy="-90000" algn="bl" rotWithShape="0"/>
+                </a:effectLst>
+                <a:latin typeface="Courier New" pitchFamily="49" charset="0"/>
+                <a:cs typeface="Courier New" pitchFamily="49" charset="0"/>
+              </a:rPr>
+              <a:t>		.text</a:t>
+            </a:r>
+          </a:p>
+          <a:p>
+            <a:r>
+              <a:rPr lang="en-US" sz="2400" dirty="0" smtClean="0">
+                <a:ln w="0"/>
+                <a:solidFill>
+                  <a:srgbClr val="273272"/>
+                </a:solidFill>
+                <a:effectLst>
+                  <a:reflection blurRad="6350" stA="53000" endA="300" endPos="35500" dir="5400000" sy="-90000" algn="bl" rotWithShape="0"/>
+                </a:effectLst>
+                <a:latin typeface="Courier New" pitchFamily="49" charset="0"/>
+                <a:cs typeface="Courier New" pitchFamily="49" charset="0"/>
+              </a:rPr>
+              <a:t>__start:	</a:t>
+            </a:r>
+            <a:r>
+              <a:rPr lang="en-US" sz="2400" dirty="0" err="1" smtClean="0">
+                <a:ln w="0"/>
+                <a:solidFill>
+                  <a:srgbClr val="273272"/>
+                </a:solidFill>
+                <a:effectLst>
+                  <a:reflection blurRad="6350" stA="53000" endA="300" endPos="35500" dir="5400000" sy="-90000" algn="bl" rotWithShape="0"/>
+                </a:effectLst>
+                <a:latin typeface="Courier New" pitchFamily="49" charset="0"/>
+                <a:cs typeface="Courier New" pitchFamily="49" charset="0"/>
+              </a:rPr>
+              <a:t>addi</a:t>
+            </a:r>
+            <a:r>
+              <a:rPr lang="en-US" sz="2400" dirty="0" smtClean="0">
+                <a:ln w="0"/>
+                <a:solidFill>
+                  <a:srgbClr val="273272"/>
+                </a:solidFill>
+                <a:effectLst>
+                  <a:reflection blurRad="6350" stA="53000" endA="300" endPos="35500" dir="5400000" sy="-90000" algn="bl" rotWithShape="0"/>
+                </a:effectLst>
+                <a:latin typeface="Courier New" pitchFamily="49" charset="0"/>
+                <a:cs typeface="Courier New" pitchFamily="49" charset="0"/>
+              </a:rPr>
+              <a:t> t1, zero, 0x18</a:t>
+            </a:r>
+          </a:p>
+          <a:p>
+            <a:r>
+              <a:rPr lang="en-US" sz="2400" dirty="0" smtClean="0">
+                <a:ln w="0"/>
+                <a:solidFill>
+                  <a:srgbClr val="273272"/>
+                </a:solidFill>
+                <a:effectLst>
+                  <a:reflection blurRad="6350" stA="53000" endA="300" endPos="35500" dir="5400000" sy="-90000" algn="bl" rotWithShape="0"/>
+                </a:effectLst>
+                <a:latin typeface="Courier New" pitchFamily="49" charset="0"/>
+                <a:cs typeface="Courier New" pitchFamily="49" charset="0"/>
+              </a:rPr>
+              <a:t>		</a:t>
+            </a:r>
+            <a:r>
+              <a:rPr lang="en-US" sz="2400" dirty="0" err="1" smtClean="0">
+                <a:ln w="0"/>
+                <a:solidFill>
+                  <a:srgbClr val="273272"/>
+                </a:solidFill>
+                <a:effectLst>
+                  <a:reflection blurRad="6350" stA="53000" endA="300" endPos="35500" dir="5400000" sy="-90000" algn="bl" rotWithShape="0"/>
+                </a:effectLst>
+                <a:latin typeface="Courier New" pitchFamily="49" charset="0"/>
+                <a:cs typeface="Courier New" pitchFamily="49" charset="0"/>
+              </a:rPr>
+              <a:t>addi</a:t>
+            </a:r>
+            <a:r>
+              <a:rPr lang="en-US" sz="2400" dirty="0" smtClean="0">
+                <a:ln w="0"/>
+                <a:solidFill>
+                  <a:srgbClr val="273272"/>
+                </a:solidFill>
+                <a:effectLst>
+                  <a:reflection blurRad="6350" stA="53000" endA="300" endPos="35500" dir="5400000" sy="-90000" algn="bl" rotWithShape="0"/>
+                </a:effectLst>
+                <a:latin typeface="Courier New" pitchFamily="49" charset="0"/>
+                <a:cs typeface="Courier New" pitchFamily="49" charset="0"/>
+              </a:rPr>
+              <a:t> t2, zero, 0x21</a:t>
+            </a:r>
+          </a:p>
+          <a:p>
+            <a:r>
+              <a:rPr lang="en-US" sz="2400" dirty="0" smtClean="0">
+                <a:ln w="0"/>
+                <a:solidFill>
+                  <a:srgbClr val="273272"/>
+                </a:solidFill>
+                <a:effectLst>
+                  <a:reflection blurRad="6350" stA="53000" endA="300" endPos="35500" dir="5400000" sy="-90000" algn="bl" rotWithShape="0"/>
+                </a:effectLst>
+                <a:latin typeface="Courier New" pitchFamily="49" charset="0"/>
+                <a:cs typeface="Courier New" pitchFamily="49" charset="0"/>
+              </a:rPr>
+              <a:t>cycle:	</a:t>
+            </a:r>
+            <a:r>
+              <a:rPr lang="en-US" sz="2400" dirty="0" err="1" smtClean="0">
+                <a:ln w="0"/>
+                <a:solidFill>
+                  <a:srgbClr val="273272"/>
+                </a:solidFill>
+                <a:effectLst>
+                  <a:reflection blurRad="6350" stA="53000" endA="300" endPos="35500" dir="5400000" sy="-90000" algn="bl" rotWithShape="0"/>
+                </a:effectLst>
+                <a:latin typeface="Courier New" pitchFamily="49" charset="0"/>
+                <a:cs typeface="Courier New" pitchFamily="49" charset="0"/>
+              </a:rPr>
+              <a:t>beq</a:t>
+            </a:r>
+            <a:r>
+              <a:rPr lang="en-US" sz="2400" dirty="0" smtClean="0">
+                <a:ln w="0"/>
+                <a:solidFill>
+                  <a:srgbClr val="273272"/>
+                </a:solidFill>
+                <a:effectLst>
+                  <a:reflection blurRad="6350" stA="53000" endA="300" endPos="35500" dir="5400000" sy="-90000" algn="bl" rotWithShape="0"/>
+                </a:effectLst>
+                <a:latin typeface="Courier New" pitchFamily="49" charset="0"/>
+                <a:cs typeface="Courier New" pitchFamily="49" charset="0"/>
+              </a:rPr>
+              <a:t> t1, t2, done</a:t>
+            </a:r>
+          </a:p>
+          <a:p>
+            <a:r>
+              <a:rPr lang="en-US" sz="2400" dirty="0" smtClean="0">
+                <a:ln w="0"/>
+                <a:solidFill>
+                  <a:srgbClr val="273272"/>
+                </a:solidFill>
+                <a:effectLst>
+                  <a:reflection blurRad="6350" stA="53000" endA="300" endPos="35500" dir="5400000" sy="-90000" algn="bl" rotWithShape="0"/>
+                </a:effectLst>
+                <a:latin typeface="Courier New" pitchFamily="49" charset="0"/>
+                <a:cs typeface="Courier New" pitchFamily="49" charset="0"/>
+              </a:rPr>
+              <a:t>		</a:t>
+            </a:r>
+            <a:r>
+              <a:rPr lang="en-US" sz="2400" dirty="0" err="1" smtClean="0">
+                <a:ln w="0"/>
+                <a:solidFill>
+                  <a:srgbClr val="273272"/>
+                </a:solidFill>
+                <a:effectLst>
+                  <a:reflection blurRad="6350" stA="53000" endA="300" endPos="35500" dir="5400000" sy="-90000" algn="bl" rotWithShape="0"/>
+                </a:effectLst>
+                <a:latin typeface="Courier New" pitchFamily="49" charset="0"/>
+                <a:cs typeface="Courier New" pitchFamily="49" charset="0"/>
+              </a:rPr>
+              <a:t>slt</a:t>
+            </a:r>
+            <a:r>
+              <a:rPr lang="en-US" sz="2400" dirty="0" smtClean="0">
+                <a:ln w="0"/>
+                <a:solidFill>
+                  <a:srgbClr val="273272"/>
+                </a:solidFill>
+                <a:effectLst>
+                  <a:reflection blurRad="6350" stA="53000" endA="300" endPos="35500" dir="5400000" sy="-90000" algn="bl" rotWithShape="0"/>
+                </a:effectLst>
+                <a:latin typeface="Courier New" pitchFamily="49" charset="0"/>
+                <a:cs typeface="Courier New" pitchFamily="49" charset="0"/>
+              </a:rPr>
+              <a:t> t0, t1, t2</a:t>
+            </a:r>
+          </a:p>
+          <a:p>
+            <a:r>
+              <a:rPr lang="en-US" sz="2400" dirty="0" smtClean="0">
+                <a:ln w="0"/>
+                <a:solidFill>
+                  <a:srgbClr val="273272"/>
+                </a:solidFill>
+                <a:effectLst>
+                  <a:reflection blurRad="6350" stA="53000" endA="300" endPos="35500" dir="5400000" sy="-90000" algn="bl" rotWithShape="0"/>
+                </a:effectLst>
+                <a:latin typeface="Courier New" pitchFamily="49" charset="0"/>
+                <a:cs typeface="Courier New" pitchFamily="49" charset="0"/>
+              </a:rPr>
+              <a:t>		</a:t>
+            </a:r>
+            <a:r>
+              <a:rPr lang="en-US" sz="2400" dirty="0" err="1" smtClean="0">
+                <a:ln w="0"/>
+                <a:solidFill>
+                  <a:srgbClr val="273272"/>
+                </a:solidFill>
+                <a:effectLst>
+                  <a:reflection blurRad="6350" stA="53000" endA="300" endPos="35500" dir="5400000" sy="-90000" algn="bl" rotWithShape="0"/>
+                </a:effectLst>
+                <a:latin typeface="Courier New" pitchFamily="49" charset="0"/>
+                <a:cs typeface="Courier New" pitchFamily="49" charset="0"/>
+              </a:rPr>
+              <a:t>bne</a:t>
+            </a:r>
+            <a:r>
+              <a:rPr lang="en-US" sz="2400" dirty="0" smtClean="0">
+                <a:ln w="0"/>
+                <a:solidFill>
+                  <a:srgbClr val="273272"/>
+                </a:solidFill>
+                <a:effectLst>
+                  <a:reflection blurRad="6350" stA="53000" endA="300" endPos="35500" dir="5400000" sy="-90000" algn="bl" rotWithShape="0"/>
+                </a:effectLst>
+                <a:latin typeface="Courier New" pitchFamily="49" charset="0"/>
+                <a:cs typeface="Courier New" pitchFamily="49" charset="0"/>
+              </a:rPr>
+              <a:t> t0, zero, </a:t>
+            </a:r>
+            <a:r>
+              <a:rPr lang="en-US" sz="2400" dirty="0" err="1" smtClean="0">
+                <a:ln w="0"/>
+                <a:solidFill>
+                  <a:srgbClr val="273272"/>
+                </a:solidFill>
+                <a:effectLst>
+                  <a:reflection blurRad="6350" stA="53000" endA="300" endPos="35500" dir="5400000" sy="-90000" algn="bl" rotWithShape="0"/>
+                </a:effectLst>
+                <a:latin typeface="Courier New" pitchFamily="49" charset="0"/>
+                <a:cs typeface="Courier New" pitchFamily="49" charset="0"/>
+              </a:rPr>
+              <a:t>if_less</a:t>
+            </a:r>
+            <a:endParaRPr lang="en-US" sz="2400" dirty="0" smtClean="0">
+              <a:ln w="0"/>
+              <a:solidFill>
+                <a:srgbClr val="273272"/>
+              </a:solidFill>
+              <a:effectLst>
+                <a:reflection blurRad="6350" stA="53000" endA="300" endPos="35500" dir="5400000" sy="-90000" algn="bl" rotWithShape="0"/>
+              </a:effectLst>
+              <a:latin typeface="Courier New" pitchFamily="49" charset="0"/>
+              <a:cs typeface="Courier New" pitchFamily="49" charset="0"/>
+            </a:endParaRPr>
+          </a:p>
+          <a:p>
+            <a:r>
+              <a:rPr lang="en-US" sz="2400" dirty="0" smtClean="0">
+                <a:ln w="0"/>
+                <a:solidFill>
+                  <a:srgbClr val="273272"/>
+                </a:solidFill>
+                <a:effectLst>
+                  <a:reflection blurRad="6350" stA="53000" endA="300" endPos="35500" dir="5400000" sy="-90000" algn="bl" rotWithShape="0"/>
+                </a:effectLst>
+                <a:latin typeface="Courier New" pitchFamily="49" charset="0"/>
+                <a:cs typeface="Courier New" pitchFamily="49" charset="0"/>
+              </a:rPr>
+              <a:t>		</a:t>
+            </a:r>
+            <a:r>
+              <a:rPr lang="en-US" sz="2400" dirty="0" err="1" smtClean="0">
+                <a:ln w="0"/>
+                <a:solidFill>
+                  <a:srgbClr val="273272"/>
+                </a:solidFill>
+                <a:effectLst>
+                  <a:reflection blurRad="6350" stA="53000" endA="300" endPos="35500" dir="5400000" sy="-90000" algn="bl" rotWithShape="0"/>
+                </a:effectLst>
+                <a:latin typeface="Courier New" pitchFamily="49" charset="0"/>
+                <a:cs typeface="Courier New" pitchFamily="49" charset="0"/>
+              </a:rPr>
+              <a:t>nop</a:t>
+            </a:r>
+            <a:endParaRPr lang="en-US" sz="2400" dirty="0" smtClean="0">
+              <a:ln w="0"/>
+              <a:solidFill>
+                <a:srgbClr val="273272"/>
+              </a:solidFill>
+              <a:effectLst>
+                <a:reflection blurRad="6350" stA="53000" endA="300" endPos="35500" dir="5400000" sy="-90000" algn="bl" rotWithShape="0"/>
+              </a:effectLst>
+              <a:latin typeface="Courier New" pitchFamily="49" charset="0"/>
+              <a:cs typeface="Courier New" pitchFamily="49" charset="0"/>
+            </a:endParaRPr>
+          </a:p>
+          <a:p>
+            <a:r>
+              <a:rPr lang="en-US" sz="2400" dirty="0" smtClean="0">
+                <a:ln w="0"/>
+                <a:solidFill>
+                  <a:srgbClr val="273272"/>
+                </a:solidFill>
+                <a:effectLst>
+                  <a:reflection blurRad="6350" stA="53000" endA="300" endPos="35500" dir="5400000" sy="-90000" algn="bl" rotWithShape="0"/>
+                </a:effectLst>
+                <a:latin typeface="Courier New" pitchFamily="49" charset="0"/>
+                <a:cs typeface="Courier New" pitchFamily="49" charset="0"/>
+              </a:rPr>
+              <a:t>		sub t1, t1, t2</a:t>
+            </a:r>
+          </a:p>
+          <a:p>
+            <a:r>
+              <a:rPr lang="en-US" sz="2400" dirty="0" smtClean="0">
+                <a:ln w="0"/>
+                <a:solidFill>
+                  <a:srgbClr val="273272"/>
+                </a:solidFill>
+                <a:effectLst>
+                  <a:reflection blurRad="6350" stA="53000" endA="300" endPos="35500" dir="5400000" sy="-90000" algn="bl" rotWithShape="0"/>
+                </a:effectLst>
+                <a:latin typeface="Courier New" pitchFamily="49" charset="0"/>
+                <a:cs typeface="Courier New" pitchFamily="49" charset="0"/>
+              </a:rPr>
+              <a:t>		j cycle</a:t>
+            </a:r>
+          </a:p>
+          <a:p>
+            <a:r>
+              <a:rPr lang="en-US" sz="2400" dirty="0" smtClean="0">
+                <a:ln w="0"/>
+                <a:solidFill>
+                  <a:srgbClr val="273272"/>
+                </a:solidFill>
+                <a:effectLst>
+                  <a:reflection blurRad="6350" stA="53000" endA="300" endPos="35500" dir="5400000" sy="-90000" algn="bl" rotWithShape="0"/>
+                </a:effectLst>
+                <a:latin typeface="Courier New" pitchFamily="49" charset="0"/>
+                <a:cs typeface="Courier New" pitchFamily="49" charset="0"/>
+              </a:rPr>
+              <a:t>		</a:t>
+            </a:r>
+            <a:r>
+              <a:rPr lang="en-US" sz="2400" dirty="0" err="1" smtClean="0">
+                <a:ln w="0"/>
+                <a:solidFill>
+                  <a:srgbClr val="273272"/>
+                </a:solidFill>
+                <a:effectLst>
+                  <a:reflection blurRad="6350" stA="53000" endA="300" endPos="35500" dir="5400000" sy="-90000" algn="bl" rotWithShape="0"/>
+                </a:effectLst>
+                <a:latin typeface="Courier New" pitchFamily="49" charset="0"/>
+                <a:cs typeface="Courier New" pitchFamily="49" charset="0"/>
+              </a:rPr>
+              <a:t>nop</a:t>
+            </a:r>
+            <a:endParaRPr lang="en-US" sz="2400" dirty="0" smtClean="0">
+              <a:ln w="0"/>
+              <a:solidFill>
+                <a:srgbClr val="273272"/>
+              </a:solidFill>
+              <a:effectLst>
+                <a:reflection blurRad="6350" stA="53000" endA="300" endPos="35500" dir="5400000" sy="-90000" algn="bl" rotWithShape="0"/>
+              </a:effectLst>
+              <a:latin typeface="Courier New" pitchFamily="49" charset="0"/>
+              <a:cs typeface="Courier New" pitchFamily="49" charset="0"/>
+            </a:endParaRPr>
+          </a:p>
+          <a:p>
+            <a:r>
+              <a:rPr lang="en-US" sz="2400" dirty="0" err="1" smtClean="0">
+                <a:ln w="0"/>
+                <a:solidFill>
+                  <a:srgbClr val="273272"/>
+                </a:solidFill>
+                <a:effectLst>
+                  <a:reflection blurRad="6350" stA="53000" endA="300" endPos="35500" dir="5400000" sy="-90000" algn="bl" rotWithShape="0"/>
+                </a:effectLst>
+                <a:latin typeface="Courier New" pitchFamily="49" charset="0"/>
+                <a:cs typeface="Courier New" pitchFamily="49" charset="0"/>
+              </a:rPr>
+              <a:t>if_less</a:t>
+            </a:r>
+            <a:r>
+              <a:rPr lang="en-US" sz="2400" dirty="0" smtClean="0">
+                <a:ln w="0"/>
+                <a:solidFill>
+                  <a:srgbClr val="273272"/>
+                </a:solidFill>
+                <a:effectLst>
+                  <a:reflection blurRad="6350" stA="53000" endA="300" endPos="35500" dir="5400000" sy="-90000" algn="bl" rotWithShape="0"/>
+                </a:effectLst>
+                <a:latin typeface="Courier New" pitchFamily="49" charset="0"/>
+                <a:cs typeface="Courier New" pitchFamily="49" charset="0"/>
+              </a:rPr>
+              <a:t>:	sub t2, t2, t1</a:t>
+            </a:r>
+          </a:p>
+          <a:p>
+            <a:r>
+              <a:rPr lang="en-US" sz="2400" dirty="0" smtClean="0">
+                <a:ln w="0"/>
+                <a:solidFill>
+                  <a:srgbClr val="273272"/>
+                </a:solidFill>
+                <a:effectLst>
+                  <a:reflection blurRad="6350" stA="53000" endA="300" endPos="35500" dir="5400000" sy="-90000" algn="bl" rotWithShape="0"/>
+                </a:effectLst>
+                <a:latin typeface="Courier New" pitchFamily="49" charset="0"/>
+                <a:cs typeface="Courier New" pitchFamily="49" charset="0"/>
+              </a:rPr>
+              <a:t>		j cycle</a:t>
+            </a:r>
+          </a:p>
+          <a:p>
+            <a:r>
+              <a:rPr lang="en-US" sz="2400" dirty="0" smtClean="0">
+                <a:ln w="0"/>
+                <a:solidFill>
+                  <a:srgbClr val="273272"/>
+                </a:solidFill>
+                <a:effectLst>
+                  <a:reflection blurRad="6350" stA="53000" endA="300" endPos="35500" dir="5400000" sy="-90000" algn="bl" rotWithShape="0"/>
+                </a:effectLst>
+                <a:latin typeface="Courier New" pitchFamily="49" charset="0"/>
+                <a:cs typeface="Courier New" pitchFamily="49" charset="0"/>
+              </a:rPr>
+              <a:t>done:		add t3, t1, zero</a:t>
+            </a:r>
+            <a:endParaRPr lang="ru-RU" sz="2400" b="0" cap="none" spc="0" dirty="0">
+              <a:ln w="0"/>
+              <a:solidFill>
+                <a:srgbClr val="273272"/>
+              </a:solidFill>
+              <a:effectLst>
+                <a:reflection blurRad="6350" stA="53000" endA="300" endPos="35500" dir="5400000" sy="-90000" algn="bl" rotWithShape="0"/>
+              </a:effectLst>
+              <a:latin typeface="Courier New" pitchFamily="49" charset="0"/>
+              <a:cs typeface="Courier New" pitchFamily="49" charset="0"/>
+            </a:endParaRPr>
+          </a:p>
+        </p:txBody>
+      </p:sp>
+      <p:sp>
+        <p:nvSpPr>
+          <p:cNvPr id="2" name="Заголовок 1"/>
+          <p:cNvSpPr>
+            <a:spLocks noGrp="1"/>
+          </p:cNvSpPr>
+          <p:nvPr>
+            <p:ph type="title"/>
+          </p:nvPr>
+        </p:nvSpPr>
+        <p:spPr/>
+        <p:txBody>
+          <a:bodyPr>
+            <a:normAutofit/>
+          </a:bodyPr>
+          <a:lstStyle/>
+          <a:p>
+            <a:r>
+              <a:rPr lang="en-US" dirty="0" smtClean="0"/>
+              <a:t>Any Questions?</a:t>
+            </a:r>
+            <a:endParaRPr lang="ru-RU" sz="4000" dirty="0"/>
+          </a:p>
+        </p:txBody>
+      </p:sp>
+      <p:sp>
+        <p:nvSpPr>
+          <p:cNvPr id="6" name="Номер слайда 5"/>
+          <p:cNvSpPr>
+            <a:spLocks noGrp="1"/>
+          </p:cNvSpPr>
+          <p:nvPr>
+            <p:ph type="sldNum" sz="quarter" idx="12"/>
+          </p:nvPr>
+        </p:nvSpPr>
+        <p:spPr/>
+        <p:txBody>
+          <a:bodyPr/>
+          <a:lstStyle/>
+          <a:p>
+            <a:pPr algn="ctr"/>
+            <a:fld id="{1397BFD8-F312-4EF2-A268-44FB4BDDBBB0}" type="slidenum">
+              <a:rPr lang="ru-RU" smtClean="0"/>
+              <a:pPr algn="ctr"/>
+              <a:t>15</a:t>
+            </a:fld>
+            <a:endParaRPr lang="ru-RU" dirty="0"/>
+          </a:p>
+        </p:txBody>
+      </p:sp>
+    </p:spTree>
+    <p:extLst>
+      <p:ext uri="{BB962C8B-B14F-4D97-AF65-F5344CB8AC3E}">
+        <p14:creationId xmlns:p14="http://schemas.microsoft.com/office/powerpoint/2010/main" val="4217875043"/>
       </p:ext>
     </p:extLst>
   </p:cSld>
@@ -4228,126 +6200,6 @@
           <a:chExt cx="0" cy="0"/>
         </a:xfrm>
       </p:grpSpPr>
-      <p:pic>
-        <p:nvPicPr>
-          <p:cNvPr id="5" name="Picture 5"/>
-          <p:cNvPicPr>
-            <a:picLocks noChangeAspect="1" noChangeArrowheads="1"/>
-          </p:cNvPicPr>
-          <p:nvPr/>
-        </p:nvPicPr>
-        <p:blipFill>
-          <a:blip r:embed="rId2">
-            <a:extLst>
-              <a:ext uri="{28A0092B-C50C-407E-A947-70E740481C1C}">
-                <a14:useLocalDpi xmlns:a14="http://schemas.microsoft.com/office/drawing/2010/main" val="0"/>
-              </a:ext>
-            </a:extLst>
-          </a:blip>
-          <a:srcRect/>
-          <a:stretch>
-            <a:fillRect/>
-          </a:stretch>
-        </p:blipFill>
-        <p:spPr bwMode="auto">
-          <a:xfrm>
-            <a:off x="2663381" y="3332440"/>
-            <a:ext cx="6865238" cy="3392381"/>
-          </a:xfrm>
-          <a:prstGeom prst="rect">
-            <a:avLst/>
-          </a:prstGeom>
-          <a:noFill/>
-          <a:ln>
-            <a:noFill/>
-          </a:ln>
-          <a:extLst>
-            <a:ext uri="{909E8E84-426E-40DD-AFC4-6F175D3DCCD1}">
-              <a14:hiddenFill xmlns:a14="http://schemas.microsoft.com/office/drawing/2010/main">
-                <a:solidFill>
-                  <a:srgbClr val="FFFFFF"/>
-                </a:solidFill>
-              </a14:hiddenFill>
-            </a:ext>
-            <a:ext uri="{91240B29-F687-4F45-9708-019B960494DF}">
-              <a14:hiddenLine xmlns:a14="http://schemas.microsoft.com/office/drawing/2010/main" w="9525">
-                <a:solidFill>
-                  <a:srgbClr val="000000"/>
-                </a:solidFill>
-                <a:miter lim="800000"/>
-                <a:headEnd/>
-                <a:tailEnd/>
-              </a14:hiddenLine>
-            </a:ext>
-          </a:extLst>
-        </p:spPr>
-      </p:pic>
-      <p:sp>
-        <p:nvSpPr>
-          <p:cNvPr id="2" name="Content Placeholder 1"/>
-          <p:cNvSpPr>
-            <a:spLocks noGrp="1"/>
-          </p:cNvSpPr>
-          <p:nvPr>
-            <p:ph idx="1"/>
-          </p:nvPr>
-        </p:nvSpPr>
-        <p:spPr>
-          <a:xfrm>
-            <a:off x="838200" y="1009090"/>
-            <a:ext cx="10515600" cy="2857233"/>
-          </a:xfrm>
-        </p:spPr>
-        <p:txBody>
-          <a:bodyPr>
-            <a:normAutofit lnSpcReduction="10000"/>
-          </a:bodyPr>
-          <a:lstStyle/>
-          <a:p>
-            <a:pPr>
-              <a:lnSpc>
-                <a:spcPct val="100000"/>
-              </a:lnSpc>
-            </a:pPr>
-            <a:r>
-              <a:rPr lang="en-US" altLang="en-US" dirty="0" smtClean="0"/>
-              <a:t>One </a:t>
-            </a:r>
-            <a:r>
-              <a:rPr lang="en-US" altLang="en-US" dirty="0"/>
-              <a:t>or </a:t>
-            </a:r>
-            <a:r>
-              <a:rPr lang="en-US" altLang="en-US"/>
-              <a:t>more </a:t>
-            </a:r>
-            <a:r>
-              <a:rPr lang="en-US" altLang="en-US" smtClean="0"/>
-              <a:t>CPUs and </a:t>
-            </a:r>
-            <a:r>
-              <a:rPr lang="en-US" altLang="en-US" dirty="0"/>
-              <a:t>device controllers connect through common bus providing access to shared memory</a:t>
-            </a:r>
-          </a:p>
-          <a:p>
-            <a:pPr>
-              <a:lnSpc>
-                <a:spcPct val="100000"/>
-              </a:lnSpc>
-            </a:pPr>
-            <a:r>
-              <a:rPr lang="en-US" altLang="en-US" dirty="0"/>
-              <a:t>Concurrent execution of CPUs and devices competing for memory </a:t>
-            </a:r>
-            <a:r>
-              <a:rPr lang="en-US" altLang="en-US" dirty="0" smtClean="0"/>
-              <a:t>cycles</a:t>
-            </a:r>
-            <a:endParaRPr lang="en-US" dirty="0"/>
-          </a:p>
-        </p:txBody>
-      </p:sp>
       <p:sp>
         <p:nvSpPr>
           <p:cNvPr id="3" name="Slide Number Placeholder 2"/>
@@ -4390,22 +6242,686 @@
           <a:p>
             <a:r>
               <a:rPr lang="en-US" dirty="0" smtClean="0"/>
-              <a:t>Modern Computer Organization</a:t>
+              <a:t>Computer Under Cover</a:t>
             </a:r>
             <a:endParaRPr lang="en-US" dirty="0"/>
           </a:p>
         </p:txBody>
       </p:sp>
+      <p:pic>
+        <p:nvPicPr>
+          <p:cNvPr id="6" name="Picture 5"/>
+          <p:cNvPicPr>
+            <a:picLocks noChangeAspect="1"/>
+          </p:cNvPicPr>
+          <p:nvPr/>
+        </p:nvPicPr>
+        <p:blipFill>
+          <a:blip r:embed="rId2"/>
+          <a:stretch>
+            <a:fillRect/>
+          </a:stretch>
+        </p:blipFill>
+        <p:spPr>
+          <a:xfrm>
+            <a:off x="847452" y="1008347"/>
+            <a:ext cx="5472684" cy="5304377"/>
+          </a:xfrm>
+          <a:prstGeom prst="rect">
+            <a:avLst/>
+          </a:prstGeom>
+          <a:ln w="25400">
+            <a:noFill/>
+          </a:ln>
+        </p:spPr>
+      </p:pic>
+      <p:cxnSp>
+        <p:nvCxnSpPr>
+          <p:cNvPr id="8" name="Straight Arrow Connector 7"/>
+          <p:cNvCxnSpPr/>
+          <p:nvPr/>
+        </p:nvCxnSpPr>
+        <p:spPr>
+          <a:xfrm flipH="1" flipV="1">
+            <a:off x="4264631" y="4502401"/>
+            <a:ext cx="252854" cy="1988479"/>
+          </a:xfrm>
+          <a:prstGeom prst="straightConnector1">
+            <a:avLst/>
+          </a:prstGeom>
+          <a:ln w="38100">
+            <a:solidFill>
+              <a:srgbClr val="F7B217"/>
+            </a:solidFill>
+            <a:tailEnd type="triangle"/>
+          </a:ln>
+        </p:spPr>
+        <p:style>
+          <a:lnRef idx="1">
+            <a:schemeClr val="accent1"/>
+          </a:lnRef>
+          <a:fillRef idx="0">
+            <a:schemeClr val="accent1"/>
+          </a:fillRef>
+          <a:effectRef idx="0">
+            <a:schemeClr val="accent1"/>
+          </a:effectRef>
+          <a:fontRef idx="minor">
+            <a:schemeClr val="tx1"/>
+          </a:fontRef>
+        </p:style>
+      </p:cxnSp>
+      <p:cxnSp>
+        <p:nvCxnSpPr>
+          <p:cNvPr id="13" name="Straight Arrow Connector 12"/>
+          <p:cNvCxnSpPr/>
+          <p:nvPr/>
+        </p:nvCxnSpPr>
+        <p:spPr>
+          <a:xfrm flipH="1" flipV="1">
+            <a:off x="4932204" y="4353968"/>
+            <a:ext cx="312896" cy="2067152"/>
+          </a:xfrm>
+          <a:prstGeom prst="straightConnector1">
+            <a:avLst/>
+          </a:prstGeom>
+          <a:ln w="38100">
+            <a:solidFill>
+              <a:srgbClr val="F8BA30"/>
+            </a:solidFill>
+            <a:tailEnd type="triangle"/>
+          </a:ln>
+        </p:spPr>
+        <p:style>
+          <a:lnRef idx="1">
+            <a:schemeClr val="accent1"/>
+          </a:lnRef>
+          <a:fillRef idx="0">
+            <a:schemeClr val="accent1"/>
+          </a:fillRef>
+          <a:effectRef idx="0">
+            <a:schemeClr val="accent1"/>
+          </a:effectRef>
+          <a:fontRef idx="minor">
+            <a:schemeClr val="tx1"/>
+          </a:fontRef>
+        </p:style>
+      </p:cxnSp>
+      <p:cxnSp>
+        <p:nvCxnSpPr>
+          <p:cNvPr id="16" name="Straight Arrow Connector 15"/>
+          <p:cNvCxnSpPr/>
+          <p:nvPr/>
+        </p:nvCxnSpPr>
+        <p:spPr>
+          <a:xfrm flipH="1" flipV="1">
+            <a:off x="3476231" y="5298186"/>
+            <a:ext cx="364834" cy="1192694"/>
+          </a:xfrm>
+          <a:prstGeom prst="straightConnector1">
+            <a:avLst/>
+          </a:prstGeom>
+          <a:ln w="38100">
+            <a:solidFill>
+              <a:srgbClr val="F8BA30"/>
+            </a:solidFill>
+            <a:tailEnd type="triangle"/>
+          </a:ln>
+        </p:spPr>
+        <p:style>
+          <a:lnRef idx="1">
+            <a:schemeClr val="accent1"/>
+          </a:lnRef>
+          <a:fillRef idx="0">
+            <a:schemeClr val="accent1"/>
+          </a:fillRef>
+          <a:effectRef idx="0">
+            <a:schemeClr val="accent1"/>
+          </a:effectRef>
+          <a:fontRef idx="minor">
+            <a:schemeClr val="tx1"/>
+          </a:fontRef>
+        </p:style>
+      </p:cxnSp>
+      <p:cxnSp>
+        <p:nvCxnSpPr>
+          <p:cNvPr id="18" name="Straight Arrow Connector 17"/>
+          <p:cNvCxnSpPr/>
+          <p:nvPr/>
+        </p:nvCxnSpPr>
+        <p:spPr>
+          <a:xfrm flipH="1" flipV="1">
+            <a:off x="5508424" y="5914477"/>
+            <a:ext cx="394536" cy="506643"/>
+          </a:xfrm>
+          <a:prstGeom prst="straightConnector1">
+            <a:avLst/>
+          </a:prstGeom>
+          <a:ln w="38100">
+            <a:solidFill>
+              <a:srgbClr val="F7B217"/>
+            </a:solidFill>
+            <a:tailEnd type="triangle"/>
+          </a:ln>
+        </p:spPr>
+        <p:style>
+          <a:lnRef idx="1">
+            <a:schemeClr val="accent1"/>
+          </a:lnRef>
+          <a:fillRef idx="0">
+            <a:schemeClr val="accent1"/>
+          </a:fillRef>
+          <a:effectRef idx="0">
+            <a:schemeClr val="accent1"/>
+          </a:effectRef>
+          <a:fontRef idx="minor">
+            <a:schemeClr val="tx1"/>
+          </a:fontRef>
+        </p:style>
+      </p:cxnSp>
+      <p:cxnSp>
+        <p:nvCxnSpPr>
+          <p:cNvPr id="24" name="Straight Arrow Connector 23"/>
+          <p:cNvCxnSpPr/>
+          <p:nvPr/>
+        </p:nvCxnSpPr>
+        <p:spPr>
+          <a:xfrm flipV="1">
+            <a:off x="1939518" y="4672549"/>
+            <a:ext cx="110690" cy="1818331"/>
+          </a:xfrm>
+          <a:prstGeom prst="straightConnector1">
+            <a:avLst/>
+          </a:prstGeom>
+          <a:ln w="38100">
+            <a:solidFill>
+              <a:srgbClr val="F7B217"/>
+            </a:solidFill>
+            <a:tailEnd type="triangle"/>
+          </a:ln>
+        </p:spPr>
+        <p:style>
+          <a:lnRef idx="1">
+            <a:schemeClr val="accent1"/>
+          </a:lnRef>
+          <a:fillRef idx="0">
+            <a:schemeClr val="accent1"/>
+          </a:fillRef>
+          <a:effectRef idx="0">
+            <a:schemeClr val="accent1"/>
+          </a:effectRef>
+          <a:fontRef idx="minor">
+            <a:schemeClr val="tx1"/>
+          </a:fontRef>
+        </p:style>
+      </p:cxnSp>
+      <p:cxnSp>
+        <p:nvCxnSpPr>
+          <p:cNvPr id="28" name="Straight Arrow Connector 27"/>
+          <p:cNvCxnSpPr/>
+          <p:nvPr/>
+        </p:nvCxnSpPr>
+        <p:spPr>
+          <a:xfrm flipH="1" flipV="1">
+            <a:off x="2192901" y="4303830"/>
+            <a:ext cx="316804" cy="2187050"/>
+          </a:xfrm>
+          <a:prstGeom prst="straightConnector1">
+            <a:avLst/>
+          </a:prstGeom>
+          <a:ln w="38100">
+            <a:solidFill>
+              <a:srgbClr val="F8BA30"/>
+            </a:solidFill>
+            <a:tailEnd type="triangle"/>
+          </a:ln>
+        </p:spPr>
+        <p:style>
+          <a:lnRef idx="1">
+            <a:schemeClr val="accent1"/>
+          </a:lnRef>
+          <a:fillRef idx="0">
+            <a:schemeClr val="accent1"/>
+          </a:fillRef>
+          <a:effectRef idx="0">
+            <a:schemeClr val="accent1"/>
+          </a:effectRef>
+          <a:fontRef idx="minor">
+            <a:schemeClr val="tx1"/>
+          </a:fontRef>
+        </p:style>
+      </p:cxnSp>
+      <p:cxnSp>
+        <p:nvCxnSpPr>
+          <p:cNvPr id="34" name="Straight Arrow Connector 33"/>
+          <p:cNvCxnSpPr/>
+          <p:nvPr/>
+        </p:nvCxnSpPr>
+        <p:spPr>
+          <a:xfrm flipV="1">
+            <a:off x="1258354" y="5865932"/>
+            <a:ext cx="326111" cy="606616"/>
+          </a:xfrm>
+          <a:prstGeom prst="straightConnector1">
+            <a:avLst/>
+          </a:prstGeom>
+          <a:ln w="38100">
+            <a:solidFill>
+              <a:srgbClr val="F7B217"/>
+            </a:solidFill>
+            <a:tailEnd type="triangle"/>
+          </a:ln>
+        </p:spPr>
+        <p:style>
+          <a:lnRef idx="1">
+            <a:schemeClr val="accent1"/>
+          </a:lnRef>
+          <a:fillRef idx="0">
+            <a:schemeClr val="accent1"/>
+          </a:fillRef>
+          <a:effectRef idx="0">
+            <a:schemeClr val="accent1"/>
+          </a:effectRef>
+          <a:fontRef idx="minor">
+            <a:schemeClr val="tx1"/>
+          </a:fontRef>
+        </p:style>
+      </p:cxnSp>
+      <p:cxnSp>
+        <p:nvCxnSpPr>
+          <p:cNvPr id="35" name="Straight Arrow Connector 34"/>
+          <p:cNvCxnSpPr/>
+          <p:nvPr/>
+        </p:nvCxnSpPr>
+        <p:spPr>
+          <a:xfrm flipV="1">
+            <a:off x="3099957" y="4757275"/>
+            <a:ext cx="274320" cy="1719690"/>
+          </a:xfrm>
+          <a:prstGeom prst="straightConnector1">
+            <a:avLst/>
+          </a:prstGeom>
+          <a:ln w="38100">
+            <a:solidFill>
+              <a:srgbClr val="F7B217"/>
+            </a:solidFill>
+            <a:tailEnd type="triangle"/>
+          </a:ln>
+        </p:spPr>
+        <p:style>
+          <a:lnRef idx="1">
+            <a:schemeClr val="accent1"/>
+          </a:lnRef>
+          <a:fillRef idx="0">
+            <a:schemeClr val="accent1"/>
+          </a:fillRef>
+          <a:effectRef idx="0">
+            <a:schemeClr val="accent1"/>
+          </a:effectRef>
+          <a:fontRef idx="minor">
+            <a:schemeClr val="tx1"/>
+          </a:fontRef>
+        </p:style>
+      </p:cxnSp>
+      <p:sp>
+        <p:nvSpPr>
+          <p:cNvPr id="41" name="Rectangle 40"/>
+          <p:cNvSpPr/>
+          <p:nvPr/>
+        </p:nvSpPr>
+        <p:spPr>
+          <a:xfrm>
+            <a:off x="6530207" y="1157491"/>
+            <a:ext cx="4798726" cy="5016758"/>
+          </a:xfrm>
+          <a:prstGeom prst="rect">
+            <a:avLst/>
+          </a:prstGeom>
+        </p:spPr>
+        <p:txBody>
+          <a:bodyPr wrap="square">
+            <a:spAutoFit/>
+          </a:bodyPr>
+          <a:lstStyle/>
+          <a:p>
+            <a:pPr marL="457200" indent="-457200">
+              <a:buFont typeface="+mj-lt"/>
+              <a:buAutoNum type="arabicPeriod"/>
+            </a:pPr>
+            <a:r>
+              <a:rPr lang="en-US" sz="3200" dirty="0" smtClean="0">
+                <a:solidFill>
+                  <a:srgbClr val="273272"/>
+                </a:solidFill>
+              </a:rPr>
+              <a:t>Monitor</a:t>
+            </a:r>
+          </a:p>
+          <a:p>
+            <a:pPr marL="457200" indent="-457200">
+              <a:buFont typeface="+mj-lt"/>
+              <a:buAutoNum type="arabicPeriod"/>
+            </a:pPr>
+            <a:r>
+              <a:rPr lang="en-US" sz="3200" dirty="0" smtClean="0">
+                <a:solidFill>
+                  <a:srgbClr val="273272"/>
+                </a:solidFill>
+              </a:rPr>
+              <a:t>Hard drive</a:t>
+            </a:r>
+          </a:p>
+          <a:p>
+            <a:pPr marL="457200" indent="-457200">
+              <a:buFont typeface="+mj-lt"/>
+              <a:buAutoNum type="arabicPeriod"/>
+            </a:pPr>
+            <a:r>
+              <a:rPr lang="en-US" sz="3200" dirty="0" smtClean="0">
+                <a:solidFill>
+                  <a:srgbClr val="273272"/>
+                </a:solidFill>
+              </a:rPr>
+              <a:t>CPU (Processor)</a:t>
+            </a:r>
+            <a:endParaRPr lang="en-US" sz="3200" dirty="0">
+              <a:solidFill>
+                <a:srgbClr val="273272"/>
+              </a:solidFill>
+            </a:endParaRPr>
+          </a:p>
+          <a:p>
+            <a:pPr marL="457200" indent="-457200">
+              <a:buFont typeface="+mj-lt"/>
+              <a:buAutoNum type="arabicPeriod"/>
+            </a:pPr>
+            <a:r>
+              <a:rPr lang="en-US" sz="3200" dirty="0" smtClean="0">
+                <a:solidFill>
+                  <a:srgbClr val="273272"/>
+                </a:solidFill>
+              </a:rPr>
+              <a:t>Fan </a:t>
+            </a:r>
+            <a:r>
+              <a:rPr lang="en-US" sz="3200" dirty="0">
+                <a:solidFill>
+                  <a:srgbClr val="273272"/>
+                </a:solidFill>
+              </a:rPr>
+              <a:t>with cover</a:t>
+            </a:r>
+          </a:p>
+          <a:p>
+            <a:pPr marL="457200" indent="-457200">
+              <a:buFont typeface="+mj-lt"/>
+              <a:buAutoNum type="arabicPeriod"/>
+            </a:pPr>
+            <a:r>
+              <a:rPr lang="en-US" sz="3200" dirty="0" smtClean="0">
+                <a:solidFill>
+                  <a:srgbClr val="273272"/>
+                </a:solidFill>
+              </a:rPr>
+              <a:t>Spot </a:t>
+            </a:r>
+            <a:r>
+              <a:rPr lang="en-US" sz="3200" dirty="0">
+                <a:solidFill>
+                  <a:srgbClr val="273272"/>
+                </a:solidFill>
+              </a:rPr>
+              <a:t>for </a:t>
+            </a:r>
+            <a:r>
+              <a:rPr lang="en-US" sz="3200" dirty="0" smtClean="0">
+                <a:solidFill>
+                  <a:srgbClr val="273272"/>
+                </a:solidFill>
+              </a:rPr>
+              <a:t>memory DIMMs</a:t>
+            </a:r>
+            <a:endParaRPr lang="en-US" sz="3200" dirty="0">
+              <a:solidFill>
+                <a:srgbClr val="273272"/>
+              </a:solidFill>
+            </a:endParaRPr>
+          </a:p>
+          <a:p>
+            <a:pPr marL="457200" indent="-457200">
+              <a:buFont typeface="+mj-lt"/>
+              <a:buAutoNum type="arabicPeriod"/>
+            </a:pPr>
+            <a:r>
+              <a:rPr lang="en-US" sz="3200" dirty="0" smtClean="0">
+                <a:solidFill>
+                  <a:srgbClr val="273272"/>
+                </a:solidFill>
+              </a:rPr>
+              <a:t>Spot </a:t>
+            </a:r>
+            <a:r>
+              <a:rPr lang="en-US" sz="3200" dirty="0">
+                <a:solidFill>
+                  <a:srgbClr val="273272"/>
+                </a:solidFill>
+              </a:rPr>
+              <a:t>for </a:t>
+            </a:r>
+            <a:r>
+              <a:rPr lang="en-US" sz="3200" dirty="0" smtClean="0">
+                <a:solidFill>
+                  <a:srgbClr val="273272"/>
+                </a:solidFill>
+              </a:rPr>
+              <a:t>battery</a:t>
+            </a:r>
+            <a:endParaRPr lang="en-US" sz="3200" dirty="0">
+              <a:solidFill>
+                <a:srgbClr val="273272"/>
+              </a:solidFill>
+            </a:endParaRPr>
+          </a:p>
+          <a:p>
+            <a:pPr marL="457200" indent="-457200">
+              <a:buFont typeface="+mj-lt"/>
+              <a:buAutoNum type="arabicPeriod"/>
+            </a:pPr>
+            <a:r>
+              <a:rPr lang="en-US" sz="3200" dirty="0" smtClean="0">
+                <a:solidFill>
+                  <a:srgbClr val="273272"/>
+                </a:solidFill>
+              </a:rPr>
+              <a:t>Motherboard</a:t>
+            </a:r>
+          </a:p>
+          <a:p>
+            <a:pPr marL="457200" indent="-457200">
+              <a:buFont typeface="+mj-lt"/>
+              <a:buAutoNum type="arabicPeriod"/>
+            </a:pPr>
+            <a:r>
+              <a:rPr lang="en-US" sz="3200" dirty="0" smtClean="0">
+                <a:solidFill>
+                  <a:srgbClr val="273272"/>
+                </a:solidFill>
+              </a:rPr>
+              <a:t>Fan </a:t>
+            </a:r>
+            <a:r>
+              <a:rPr lang="en-US" sz="3200" dirty="0">
+                <a:solidFill>
+                  <a:srgbClr val="273272"/>
+                </a:solidFill>
+              </a:rPr>
+              <a:t>with cover</a:t>
+            </a:r>
+          </a:p>
+          <a:p>
+            <a:pPr marL="457200" indent="-457200">
+              <a:buFont typeface="+mj-lt"/>
+              <a:buAutoNum type="arabicPeriod"/>
+            </a:pPr>
+            <a:r>
+              <a:rPr lang="en-US" sz="3200" dirty="0" smtClean="0">
+                <a:solidFill>
+                  <a:srgbClr val="273272"/>
+                </a:solidFill>
+              </a:rPr>
+              <a:t>DVD drive</a:t>
+            </a:r>
+          </a:p>
+          <a:p>
+            <a:pPr marL="457200" indent="-457200">
+              <a:buFont typeface="+mj-lt"/>
+              <a:buAutoNum type="arabicPeriod"/>
+            </a:pPr>
+            <a:r>
+              <a:rPr lang="en-US" sz="3200" dirty="0" smtClean="0">
+                <a:solidFill>
+                  <a:srgbClr val="273272"/>
+                </a:solidFill>
+              </a:rPr>
+              <a:t>Keyboard</a:t>
+            </a:r>
+            <a:endParaRPr lang="en-US" sz="3200" dirty="0">
+              <a:solidFill>
+                <a:srgbClr val="273272"/>
+              </a:solidFill>
+            </a:endParaRPr>
+          </a:p>
+        </p:txBody>
+      </p:sp>
+      <p:sp>
+        <p:nvSpPr>
+          <p:cNvPr id="42" name="TextBox 41"/>
+          <p:cNvSpPr txBox="1"/>
+          <p:nvPr/>
+        </p:nvSpPr>
+        <p:spPr>
+          <a:xfrm>
+            <a:off x="847452" y="6472548"/>
+            <a:ext cx="5707352" cy="284387"/>
+          </a:xfrm>
+          <a:prstGeom prst="rect">
+            <a:avLst/>
+          </a:prstGeom>
+          <a:solidFill>
+            <a:schemeClr val="bg1"/>
+          </a:solidFill>
+        </p:spPr>
+        <p:txBody>
+          <a:bodyPr wrap="square" lIns="72000" tIns="25200" rIns="0" bIns="25200" rtlCol="0" anchor="ctr" anchorCtr="0">
+            <a:noAutofit/>
+          </a:bodyPr>
+          <a:lstStyle/>
+          <a:p>
+            <a:r>
+              <a:rPr lang="en-US" sz="2800" b="1" dirty="0" smtClean="0">
+                <a:solidFill>
+                  <a:srgbClr val="2E5E8E"/>
+                </a:solidFill>
+              </a:rPr>
+              <a:t>1 2      3     4     5       6      7       8     9   10</a:t>
+            </a:r>
+            <a:endParaRPr lang="en-US" sz="2800" b="1" dirty="0" smtClean="0">
+              <a:solidFill>
+                <a:srgbClr val="2E5E8E"/>
+              </a:solidFill>
+            </a:endParaRPr>
+          </a:p>
+        </p:txBody>
+      </p:sp>
+      <p:cxnSp>
+        <p:nvCxnSpPr>
+          <p:cNvPr id="44" name="Straight Arrow Connector 43"/>
+          <p:cNvCxnSpPr/>
+          <p:nvPr/>
+        </p:nvCxnSpPr>
+        <p:spPr>
+          <a:xfrm flipH="1" flipV="1">
+            <a:off x="3958757" y="1602667"/>
+            <a:ext cx="2278414" cy="4762672"/>
+          </a:xfrm>
+          <a:prstGeom prst="straightConnector1">
+            <a:avLst/>
+          </a:prstGeom>
+          <a:ln w="38100">
+            <a:solidFill>
+              <a:srgbClr val="F7B217"/>
+            </a:solidFill>
+            <a:tailEnd type="triangle"/>
+          </a:ln>
+        </p:spPr>
+        <p:style>
+          <a:lnRef idx="1">
+            <a:schemeClr val="accent1"/>
+          </a:lnRef>
+          <a:fillRef idx="0">
+            <a:schemeClr val="accent1"/>
+          </a:fillRef>
+          <a:effectRef idx="0">
+            <a:schemeClr val="accent1"/>
+          </a:effectRef>
+          <a:fontRef idx="minor">
+            <a:schemeClr val="tx1"/>
+          </a:fontRef>
+        </p:style>
+      </p:cxnSp>
+      <p:cxnSp>
+        <p:nvCxnSpPr>
+          <p:cNvPr id="48" name="Straight Arrow Connector 47"/>
+          <p:cNvCxnSpPr/>
+          <p:nvPr/>
+        </p:nvCxnSpPr>
+        <p:spPr>
+          <a:xfrm flipV="1">
+            <a:off x="1004403" y="3850103"/>
+            <a:ext cx="1046062" cy="2609512"/>
+          </a:xfrm>
+          <a:prstGeom prst="straightConnector1">
+            <a:avLst/>
+          </a:prstGeom>
+          <a:ln w="38100">
+            <a:solidFill>
+              <a:srgbClr val="F7B217"/>
+            </a:solidFill>
+            <a:tailEnd type="triangle"/>
+          </a:ln>
+        </p:spPr>
+        <p:style>
+          <a:lnRef idx="1">
+            <a:schemeClr val="accent1"/>
+          </a:lnRef>
+          <a:fillRef idx="0">
+            <a:schemeClr val="accent1"/>
+          </a:fillRef>
+          <a:effectRef idx="0">
+            <a:schemeClr val="accent1"/>
+          </a:effectRef>
+          <a:fontRef idx="minor">
+            <a:schemeClr val="tx1"/>
+          </a:fontRef>
+        </p:style>
+      </p:cxnSp>
     </p:spTree>
     <p:extLst>
       <p:ext uri="{BB962C8B-B14F-4D97-AF65-F5344CB8AC3E}">
-        <p14:creationId xmlns:p14="http://schemas.microsoft.com/office/powerpoint/2010/main" val="2799008955"/>
+        <p14:creationId xmlns:p14="http://schemas.microsoft.com/office/powerpoint/2010/main" val="53322590"/>
       </p:ext>
     </p:extLst>
   </p:cSld>
   <p:clrMapOvr>
     <a:masterClrMapping/>
   </p:clrMapOvr>
+  <p:timing>
+    <p:tnLst>
+      <p:par>
+        <p:cTn id="1" dur="indefinite" restart="never" nodeType="tmRoot"/>
+      </p:par>
+    </p:tnLst>
+  </p:timing>
 </p:sld>
 </file>
 
@@ -4426,9 +6942,33 @@
           <a:chExt cx="0" cy="0"/>
         </a:xfrm>
       </p:grpSpPr>
-      <p:sp>
-        <p:nvSpPr>
-          <p:cNvPr id="2" name="Содержимое 1"/>
+      <p:pic>
+        <p:nvPicPr>
+          <p:cNvPr id="6" name="Picture 5"/>
+          <p:cNvPicPr>
+            <a:picLocks noChangeAspect="1"/>
+          </p:cNvPicPr>
+          <p:nvPr/>
+        </p:nvPicPr>
+        <p:blipFill>
+          <a:blip r:embed="rId2"/>
+          <a:stretch>
+            <a:fillRect/>
+          </a:stretch>
+        </p:blipFill>
+        <p:spPr>
+          <a:xfrm>
+            <a:off x="1946910" y="2365057"/>
+            <a:ext cx="8298180" cy="4305300"/>
+          </a:xfrm>
+          <a:prstGeom prst="rect">
+            <a:avLst/>
+          </a:prstGeom>
+        </p:spPr>
+      </p:pic>
+      <p:sp>
+        <p:nvSpPr>
+          <p:cNvPr id="2" name="Content Placeholder 1"/>
           <p:cNvSpPr>
             <a:spLocks noGrp="1"/>
           </p:cNvSpPr>
@@ -4436,198 +6976,70 @@
             <p:ph idx="1"/>
           </p:nvPr>
         </p:nvSpPr>
-        <p:spPr/>
+        <p:spPr>
+          <a:xfrm>
+            <a:off x="838200" y="1105340"/>
+            <a:ext cx="10515600" cy="2857233"/>
+          </a:xfrm>
+        </p:spPr>
         <p:txBody>
           <a:bodyPr>
-            <a:noAutofit/>
+            <a:normAutofit/>
           </a:bodyPr>
           <a:lstStyle/>
           <a:p>
-            <a:pPr marL="0">
+            <a:pPr>
               <a:lnSpc>
                 <a:spcPct val="100000"/>
               </a:lnSpc>
-              <a:spcBef>
-                <a:spcPts val="1200"/>
-              </a:spcBef>
             </a:pPr>
             <a:r>
-              <a:rPr lang="en-US" altLang="en-US" sz="3200" dirty="0" smtClean="0"/>
-              <a:t>Design for </a:t>
-            </a:r>
-            <a:r>
-              <a:rPr lang="en-US" altLang="en-US" sz="3200" b="1" i="1" dirty="0" smtClean="0"/>
-              <a:t>Moore’s Law</a:t>
-            </a:r>
-          </a:p>
-          <a:p>
-            <a:pPr marL="0">
-              <a:lnSpc>
-                <a:spcPct val="100000"/>
-              </a:lnSpc>
-              <a:spcBef>
-                <a:spcPts val="1200"/>
-              </a:spcBef>
-            </a:pPr>
-            <a:r>
-              <a:rPr lang="en-US" altLang="en-US" sz="3200" dirty="0" smtClean="0"/>
-              <a:t>Use </a:t>
-            </a:r>
-            <a:r>
-              <a:rPr lang="en-US" altLang="en-US" sz="3200" b="1" i="1" dirty="0" smtClean="0"/>
-              <a:t>abstraction</a:t>
-            </a:r>
-            <a:r>
-              <a:rPr lang="en-US" altLang="en-US" sz="3200" dirty="0" smtClean="0"/>
-              <a:t> to simplify design</a:t>
-            </a:r>
-          </a:p>
-          <a:p>
-            <a:pPr marL="0">
-              <a:lnSpc>
-                <a:spcPct val="100000"/>
-              </a:lnSpc>
-              <a:spcBef>
-                <a:spcPts val="1200"/>
-              </a:spcBef>
-            </a:pPr>
-            <a:r>
-              <a:rPr lang="en-US" altLang="en-US" sz="3200" dirty="0" smtClean="0"/>
-              <a:t>Make the </a:t>
-            </a:r>
-            <a:r>
-              <a:rPr lang="en-US" altLang="en-US" sz="3200" b="1" i="1" dirty="0" smtClean="0"/>
-              <a:t>common case fast</a:t>
-            </a:r>
-          </a:p>
-          <a:p>
-            <a:pPr marL="0">
-              <a:lnSpc>
-                <a:spcPct val="100000"/>
-              </a:lnSpc>
-              <a:spcBef>
-                <a:spcPts val="1200"/>
-              </a:spcBef>
-            </a:pPr>
-            <a:r>
-              <a:rPr lang="en-US" altLang="en-US" sz="3200" dirty="0" smtClean="0"/>
-              <a:t>Performance </a:t>
-            </a:r>
-            <a:r>
-              <a:rPr lang="en-US" altLang="en-US" sz="3200" i="1" dirty="0" smtClean="0"/>
-              <a:t>via</a:t>
-            </a:r>
-            <a:r>
-              <a:rPr lang="en-US" altLang="en-US" sz="3200" dirty="0" smtClean="0"/>
-              <a:t> </a:t>
-            </a:r>
-            <a:r>
-              <a:rPr lang="en-US" altLang="en-US" sz="3200" b="1" i="1" dirty="0" smtClean="0"/>
-              <a:t>parallelism</a:t>
-            </a:r>
-          </a:p>
-          <a:p>
-            <a:pPr marL="0">
-              <a:lnSpc>
-                <a:spcPct val="100000"/>
-              </a:lnSpc>
-              <a:spcBef>
-                <a:spcPts val="1200"/>
-              </a:spcBef>
-            </a:pPr>
-            <a:r>
-              <a:rPr lang="en-US" altLang="en-US" sz="3200" dirty="0" smtClean="0"/>
-              <a:t>Performance </a:t>
-            </a:r>
-            <a:r>
-              <a:rPr lang="en-US" altLang="en-US" sz="3200" i="1" dirty="0" smtClean="0"/>
-              <a:t>via</a:t>
-            </a:r>
-            <a:r>
-              <a:rPr lang="en-US" altLang="en-US" sz="3200" dirty="0" smtClean="0"/>
-              <a:t> </a:t>
-            </a:r>
-            <a:r>
-              <a:rPr lang="en-US" altLang="en-US" sz="3200" b="1" i="1" dirty="0" smtClean="0"/>
-              <a:t>pipelining</a:t>
-            </a:r>
-          </a:p>
-          <a:p>
-            <a:pPr marL="0">
-              <a:lnSpc>
-                <a:spcPct val="100000"/>
-              </a:lnSpc>
-              <a:spcBef>
-                <a:spcPts val="1200"/>
-              </a:spcBef>
-            </a:pPr>
-            <a:r>
-              <a:rPr lang="en-US" altLang="en-US" sz="3200" dirty="0" smtClean="0"/>
-              <a:t>Performance </a:t>
-            </a:r>
-            <a:r>
-              <a:rPr lang="en-US" altLang="en-US" sz="3200" i="1" dirty="0" smtClean="0"/>
-              <a:t>via</a:t>
-            </a:r>
-            <a:r>
-              <a:rPr lang="en-US" altLang="en-US" sz="3200" dirty="0" smtClean="0"/>
-              <a:t> </a:t>
-            </a:r>
-            <a:r>
-              <a:rPr lang="en-US" altLang="en-US" sz="3200" b="1" i="1" dirty="0" smtClean="0"/>
-              <a:t>prediction</a:t>
-            </a:r>
-          </a:p>
-          <a:p>
-            <a:pPr marL="0">
-              <a:lnSpc>
-                <a:spcPct val="100000"/>
-              </a:lnSpc>
-              <a:spcBef>
-                <a:spcPts val="1200"/>
-              </a:spcBef>
-            </a:pPr>
-            <a:r>
-              <a:rPr lang="en-US" altLang="en-US" sz="3200" b="1" i="1" dirty="0" smtClean="0"/>
-              <a:t>Hierarchy</a:t>
-            </a:r>
-            <a:r>
-              <a:rPr lang="en-US" altLang="en-US" sz="3200" dirty="0" smtClean="0"/>
-              <a:t> of memories</a:t>
-            </a:r>
-          </a:p>
-          <a:p>
-            <a:pPr marL="0">
-              <a:lnSpc>
-                <a:spcPct val="100000"/>
-              </a:lnSpc>
-              <a:spcBef>
-                <a:spcPts val="1200"/>
-              </a:spcBef>
-            </a:pPr>
-            <a:r>
-              <a:rPr lang="en-US" altLang="en-US" sz="3200" b="1" i="1" dirty="0" smtClean="0"/>
-              <a:t>Dependability</a:t>
-            </a:r>
-            <a:r>
-              <a:rPr lang="en-US" altLang="en-US" sz="3200" dirty="0" smtClean="0"/>
-              <a:t> </a:t>
-            </a:r>
-            <a:r>
-              <a:rPr lang="en-US" altLang="en-US" sz="3200" i="1" dirty="0" smtClean="0"/>
-              <a:t>via</a:t>
-            </a:r>
-            <a:r>
-              <a:rPr lang="en-US" altLang="en-US" sz="3200" dirty="0" smtClean="0"/>
-              <a:t> redundancy</a:t>
-            </a:r>
-            <a:endParaRPr lang="ru-RU" sz="3200" dirty="0"/>
-          </a:p>
-        </p:txBody>
-      </p:sp>
-      <p:sp>
-        <p:nvSpPr>
-          <p:cNvPr id="3" name="Номер слайда 2"/>
+              <a:rPr lang="en-US" altLang="en-US" dirty="0" smtClean="0"/>
+              <a:t>One </a:t>
+            </a:r>
+            <a:r>
+              <a:rPr lang="en-US" altLang="en-US" dirty="0"/>
+              <a:t>or more </a:t>
+            </a:r>
+            <a:r>
+              <a:rPr lang="en-US" altLang="en-US" dirty="0" smtClean="0"/>
+              <a:t>CPUs </a:t>
+            </a:r>
+            <a:r>
+              <a:rPr lang="en-US" altLang="en-US" dirty="0" smtClean="0"/>
+              <a:t>and </a:t>
+            </a:r>
+            <a:r>
+              <a:rPr lang="en-US" altLang="en-US" dirty="0"/>
+              <a:t>device controllers </a:t>
+            </a:r>
+            <a:r>
+              <a:rPr lang="en-US" altLang="en-US" dirty="0" smtClean="0"/>
+              <a:t>connected </a:t>
+            </a:r>
+            <a:r>
+              <a:rPr lang="en-US" altLang="en-US" dirty="0"/>
+              <a:t>through </a:t>
+            </a:r>
+            <a:r>
+              <a:rPr lang="en-US" altLang="en-US" dirty="0" smtClean="0"/>
+              <a:t>a bus </a:t>
+            </a:r>
+            <a:r>
+              <a:rPr lang="en-US" altLang="en-US" dirty="0"/>
+              <a:t>providing access to shared </a:t>
+            </a:r>
+            <a:r>
+              <a:rPr lang="en-US" altLang="en-US" dirty="0" smtClean="0"/>
+              <a:t>memory</a:t>
+            </a:r>
+            <a:endParaRPr lang="en-US" altLang="en-US" dirty="0"/>
+          </a:p>
+        </p:txBody>
+      </p:sp>
+      <p:sp>
+        <p:nvSpPr>
+          <p:cNvPr id="3" name="Slide Number Placeholder 2"/>
           <p:cNvSpPr>
             <a:spLocks noGrp="1"/>
           </p:cNvSpPr>
@@ -4652,7 +7064,7 @@
       </p:sp>
       <p:sp>
         <p:nvSpPr>
-          <p:cNvPr id="4" name="Заголовок 3"/>
+          <p:cNvPr id="4" name="Title 3"/>
           <p:cNvSpPr>
             <a:spLocks noGrp="1"/>
           </p:cNvSpPr>
@@ -4666,270 +7078,23 @@
           <a:lstStyle/>
           <a:p>
             <a:r>
-              <a:rPr lang="en-US" altLang="en-US" dirty="0" smtClean="0"/>
-              <a:t>Eight Great Ideas</a:t>
-            </a:r>
-            <a:endParaRPr lang="ru-RU" dirty="0"/>
-          </a:p>
-        </p:txBody>
-      </p:sp>
-      <p:pic>
-        <p:nvPicPr>
-          <p:cNvPr id="5" name="Picture 6"/>
-          <p:cNvPicPr>
-            <a:picLocks noChangeAspect="1" noChangeArrowheads="1"/>
-          </p:cNvPicPr>
-          <p:nvPr/>
-        </p:nvPicPr>
-        <p:blipFill>
-          <a:blip r:embed="rId2" cstate="print"/>
-          <a:srcRect/>
-          <a:stretch>
-            <a:fillRect/>
-          </a:stretch>
-        </p:blipFill>
-        <p:spPr bwMode="auto">
-          <a:xfrm>
-            <a:off x="7901787" y="1077212"/>
-            <a:ext cx="1211580" cy="1363980"/>
-          </a:xfrm>
-          <a:prstGeom prst="rect">
-            <a:avLst/>
-          </a:prstGeom>
-          <a:noFill/>
-          <a:ln w="9525">
-            <a:noFill/>
-            <a:miter lim="800000"/>
-            <a:headEnd/>
-            <a:tailEnd/>
-          </a:ln>
-        </p:spPr>
-      </p:pic>
-      <p:pic>
-        <p:nvPicPr>
-          <p:cNvPr id="6" name="Picture 7"/>
-          <p:cNvPicPr>
-            <a:picLocks noChangeAspect="1" noChangeArrowheads="1"/>
-          </p:cNvPicPr>
-          <p:nvPr/>
-        </p:nvPicPr>
-        <p:blipFill>
-          <a:blip r:embed="rId3" cstate="print"/>
-          <a:srcRect/>
-          <a:stretch>
-            <a:fillRect/>
-          </a:stretch>
-        </p:blipFill>
-        <p:spPr bwMode="auto">
-          <a:xfrm>
-            <a:off x="9348348" y="1428021"/>
-            <a:ext cx="1092994" cy="1493044"/>
-          </a:xfrm>
-          <a:prstGeom prst="rect">
-            <a:avLst/>
-          </a:prstGeom>
-          <a:noFill/>
-          <a:ln w="9525">
-            <a:noFill/>
-            <a:miter lim="800000"/>
-            <a:headEnd/>
-            <a:tailEnd/>
-          </a:ln>
-        </p:spPr>
-      </p:pic>
-      <p:pic>
-        <p:nvPicPr>
-          <p:cNvPr id="7" name="Picture 8"/>
-          <p:cNvPicPr>
-            <a:picLocks noChangeAspect="1" noChangeArrowheads="1"/>
-          </p:cNvPicPr>
-          <p:nvPr/>
-        </p:nvPicPr>
-        <p:blipFill>
-          <a:blip r:embed="rId4" cstate="print"/>
-          <a:srcRect/>
-          <a:stretch>
-            <a:fillRect/>
-          </a:stretch>
-        </p:blipFill>
-        <p:spPr bwMode="auto">
-          <a:xfrm>
-            <a:off x="7922894" y="2709813"/>
-            <a:ext cx="1257300" cy="1013460"/>
-          </a:xfrm>
-          <a:prstGeom prst="rect">
-            <a:avLst/>
-          </a:prstGeom>
-          <a:noFill/>
-          <a:ln w="9525">
-            <a:noFill/>
-            <a:miter lim="800000"/>
-            <a:headEnd/>
-            <a:tailEnd/>
-          </a:ln>
-        </p:spPr>
-      </p:pic>
-      <p:pic>
-        <p:nvPicPr>
-          <p:cNvPr id="8" name="Picture 9"/>
-          <p:cNvPicPr>
-            <a:picLocks noChangeAspect="1" noChangeArrowheads="1"/>
-          </p:cNvPicPr>
-          <p:nvPr/>
-        </p:nvPicPr>
-        <p:blipFill>
-          <a:blip r:embed="rId5" cstate="print"/>
-          <a:srcRect/>
-          <a:stretch>
-            <a:fillRect/>
-          </a:stretch>
-        </p:blipFill>
-        <p:spPr bwMode="auto">
-          <a:xfrm>
-            <a:off x="9383779" y="3044682"/>
-            <a:ext cx="1171575" cy="1250156"/>
-          </a:xfrm>
-          <a:prstGeom prst="rect">
-            <a:avLst/>
-          </a:prstGeom>
-          <a:noFill/>
-          <a:ln w="9525">
-            <a:noFill/>
-            <a:miter lim="800000"/>
-            <a:headEnd/>
-            <a:tailEnd/>
-          </a:ln>
-        </p:spPr>
-      </p:pic>
-      <p:pic>
-        <p:nvPicPr>
-          <p:cNvPr id="9" name="Picture 10"/>
-          <p:cNvPicPr>
-            <a:picLocks noChangeAspect="1" noChangeArrowheads="1"/>
-          </p:cNvPicPr>
-          <p:nvPr/>
-        </p:nvPicPr>
-        <p:blipFill>
-          <a:blip r:embed="rId6" cstate="print"/>
-          <a:srcRect/>
-          <a:stretch>
-            <a:fillRect/>
-          </a:stretch>
-        </p:blipFill>
-        <p:spPr bwMode="auto">
-          <a:xfrm>
-            <a:off x="7874813" y="3917900"/>
-            <a:ext cx="1257300" cy="1424940"/>
-          </a:xfrm>
-          <a:prstGeom prst="rect">
-            <a:avLst/>
-          </a:prstGeom>
-          <a:noFill/>
-          <a:ln w="9525">
-            <a:noFill/>
-            <a:miter lim="800000"/>
-            <a:headEnd/>
-            <a:tailEnd/>
-          </a:ln>
-        </p:spPr>
-      </p:pic>
-      <p:pic>
-        <p:nvPicPr>
-          <p:cNvPr id="10" name="Picture 11"/>
-          <p:cNvPicPr>
-            <a:picLocks noChangeAspect="1" noChangeArrowheads="1"/>
-          </p:cNvPicPr>
-          <p:nvPr/>
-        </p:nvPicPr>
-        <p:blipFill>
-          <a:blip r:embed="rId7" cstate="print"/>
-          <a:srcRect/>
-          <a:stretch>
-            <a:fillRect/>
-          </a:stretch>
-        </p:blipFill>
-        <p:spPr bwMode="auto">
-          <a:xfrm>
-            <a:off x="9323676" y="4327957"/>
-            <a:ext cx="1143000" cy="1493044"/>
-          </a:xfrm>
-          <a:prstGeom prst="rect">
-            <a:avLst/>
-          </a:prstGeom>
-          <a:noFill/>
-          <a:ln w="9525">
-            <a:noFill/>
-            <a:miter lim="800000"/>
-            <a:headEnd/>
-            <a:tailEnd/>
-          </a:ln>
-        </p:spPr>
-      </p:pic>
-      <p:pic>
-        <p:nvPicPr>
-          <p:cNvPr id="11" name="Picture 12"/>
-          <p:cNvPicPr>
-            <a:picLocks noChangeAspect="1" noChangeArrowheads="1"/>
-          </p:cNvPicPr>
-          <p:nvPr/>
-        </p:nvPicPr>
-        <p:blipFill>
-          <a:blip r:embed="rId8" cstate="print"/>
-          <a:srcRect/>
-          <a:stretch>
-            <a:fillRect/>
-          </a:stretch>
-        </p:blipFill>
-        <p:spPr bwMode="auto">
-          <a:xfrm>
-            <a:off x="7911908" y="5390405"/>
-            <a:ext cx="1257300" cy="1264920"/>
-          </a:xfrm>
-          <a:prstGeom prst="rect">
-            <a:avLst/>
-          </a:prstGeom>
-          <a:noFill/>
-          <a:ln w="9525">
-            <a:noFill/>
-            <a:miter lim="800000"/>
-            <a:headEnd/>
-            <a:tailEnd/>
-          </a:ln>
-        </p:spPr>
-      </p:pic>
-      <p:pic>
-        <p:nvPicPr>
-          <p:cNvPr id="12" name="Picture 13"/>
-          <p:cNvPicPr>
-            <a:picLocks noChangeAspect="1" noChangeArrowheads="1"/>
-          </p:cNvPicPr>
-          <p:nvPr/>
-        </p:nvPicPr>
-        <p:blipFill>
-          <a:blip r:embed="rId9" cstate="print"/>
-          <a:srcRect/>
-          <a:stretch>
-            <a:fillRect/>
-          </a:stretch>
-        </p:blipFill>
-        <p:spPr bwMode="auto">
-          <a:xfrm>
-            <a:off x="9274257" y="5913080"/>
-            <a:ext cx="1376363" cy="882491"/>
-          </a:xfrm>
-          <a:prstGeom prst="rect">
-            <a:avLst/>
-          </a:prstGeom>
-          <a:noFill/>
-          <a:ln w="9525">
-            <a:noFill/>
-            <a:miter lim="800000"/>
-            <a:headEnd/>
-            <a:tailEnd/>
-          </a:ln>
-        </p:spPr>
-      </p:pic>
+              <a:rPr lang="en-US" dirty="0" smtClean="0"/>
+              <a:t>Computer </a:t>
+            </a:r>
+            <a:r>
+              <a:rPr lang="en-US" dirty="0" smtClean="0"/>
+              <a:t>Organization</a:t>
+            </a:r>
+            <a:endParaRPr lang="en-US" dirty="0"/>
+          </a:p>
+        </p:txBody>
+      </p:sp>
     </p:spTree>
+    <p:extLst>
+      <p:ext uri="{BB962C8B-B14F-4D97-AF65-F5344CB8AC3E}">
+        <p14:creationId xmlns:p14="http://schemas.microsoft.com/office/powerpoint/2010/main" val="2799008955"/>
+      </p:ext>
+    </p:extLst>
   </p:cSld>
   <p:clrMapOvr>
     <a:masterClrMapping/>
@@ -4963,7 +7128,114 @@
       </p:grpSpPr>
       <p:sp>
         <p:nvSpPr>
-          <p:cNvPr id="3" name="Номер слайда 2"/>
+          <p:cNvPr id="2" name="Content Placeholder 1"/>
+          <p:cNvSpPr>
+            <a:spLocks noGrp="1"/>
+          </p:cNvSpPr>
+          <p:nvPr>
+            <p:ph idx="1"/>
+          </p:nvPr>
+        </p:nvSpPr>
+        <p:spPr>
+          <a:xfrm>
+            <a:off x="838200" y="1101052"/>
+            <a:ext cx="6958263" cy="5569257"/>
+          </a:xfrm>
+        </p:spPr>
+        <p:txBody>
+          <a:bodyPr>
+            <a:noAutofit/>
+          </a:bodyPr>
+          <a:lstStyle/>
+          <a:p>
+            <a:r>
+              <a:rPr lang="en-US" altLang="en-US" dirty="0"/>
+              <a:t>Application software</a:t>
+            </a:r>
+          </a:p>
+          <a:p>
+            <a:pPr lvl="1"/>
+            <a:r>
+              <a:rPr lang="en-US" altLang="en-US" dirty="0"/>
+              <a:t>Written in high-level language</a:t>
+            </a:r>
+          </a:p>
+          <a:p>
+            <a:r>
+              <a:rPr lang="en-US" altLang="en-US" dirty="0"/>
+              <a:t>System software</a:t>
+            </a:r>
+          </a:p>
+          <a:p>
+            <a:pPr lvl="1"/>
+            <a:r>
+              <a:rPr lang="en-US" altLang="en-US" dirty="0"/>
+              <a:t>Compiler: translates high-level </a:t>
+            </a:r>
+            <a:r>
+              <a:rPr lang="en-US" altLang="en-US" dirty="0" smtClean="0"/>
+              <a:t>language code </a:t>
+            </a:r>
+            <a:r>
+              <a:rPr lang="en-US" altLang="en-US" dirty="0"/>
+              <a:t>to machine code</a:t>
+            </a:r>
+          </a:p>
+          <a:p>
+            <a:pPr lvl="1"/>
+            <a:r>
+              <a:rPr lang="en-US" altLang="en-US" dirty="0"/>
+              <a:t>Operating System: service code</a:t>
+            </a:r>
+          </a:p>
+          <a:p>
+            <a:pPr lvl="2"/>
+            <a:r>
+              <a:rPr lang="en-US" altLang="en-US" sz="2800" dirty="0"/>
+              <a:t>Handling input/output</a:t>
+            </a:r>
+          </a:p>
+          <a:p>
+            <a:pPr lvl="2"/>
+            <a:r>
+              <a:rPr lang="en-US" altLang="en-US" sz="2800" dirty="0"/>
+              <a:t>Managing memory and storage</a:t>
+            </a:r>
+          </a:p>
+          <a:p>
+            <a:pPr lvl="2"/>
+            <a:r>
+              <a:rPr lang="en-US" altLang="en-US" sz="2800" dirty="0"/>
+              <a:t>Scheduling tasks &amp; sharing resources</a:t>
+            </a:r>
+          </a:p>
+          <a:p>
+            <a:r>
+              <a:rPr lang="en-US" altLang="en-US" dirty="0"/>
+              <a:t>Hardware</a:t>
+            </a:r>
+          </a:p>
+          <a:p>
+            <a:pPr lvl="1"/>
+            <a:r>
+              <a:rPr lang="en-US" altLang="en-US" dirty="0" smtClean="0"/>
+              <a:t>CPU, </a:t>
+            </a:r>
+            <a:r>
+              <a:rPr lang="en-US" altLang="en-US" dirty="0"/>
+              <a:t>memory, I/O </a:t>
+            </a:r>
+            <a:r>
+              <a:rPr lang="en-US" altLang="en-US" dirty="0" smtClean="0"/>
+              <a:t>controllers</a:t>
+            </a:r>
+            <a:endParaRPr lang="en-AU" altLang="en-US" dirty="0"/>
+          </a:p>
+        </p:txBody>
+      </p:sp>
+      <p:sp>
+        <p:nvSpPr>
+          <p:cNvPr id="3" name="Slide Number Placeholder 2"/>
           <p:cNvSpPr>
             <a:spLocks noGrp="1"/>
           </p:cNvSpPr>
@@ -4988,7 +7260,7 @@
       </p:sp>
       <p:sp>
         <p:nvSpPr>
-          <p:cNvPr id="4" name="Заголовок 3"/>
+          <p:cNvPr id="4" name="Title 3"/>
           <p:cNvSpPr>
             <a:spLocks noGrp="1"/>
           </p:cNvSpPr>
@@ -4998,73 +7270,44 @@
         </p:nvSpPr>
         <p:spPr/>
         <p:txBody>
-          <a:bodyPr/>
-          <a:lstStyle/>
-          <a:p>
-            <a:r>
-              <a:rPr lang="en-US" dirty="0" smtClean="0"/>
-              <a:t>Abstraction</a:t>
-            </a:r>
-            <a:endParaRPr lang="ru-RU" dirty="0"/>
-          </a:p>
-        </p:txBody>
-      </p:sp>
-      <p:sp>
-        <p:nvSpPr>
-          <p:cNvPr id="8" name="Содержимое 7"/>
-          <p:cNvSpPr>
-            <a:spLocks noGrp="1"/>
-          </p:cNvSpPr>
-          <p:nvPr>
-            <p:ph idx="1"/>
-          </p:nvPr>
-        </p:nvSpPr>
-        <p:spPr>
-          <a:xfrm>
-            <a:off x="838199" y="1178053"/>
-            <a:ext cx="5289469" cy="5282124"/>
-          </a:xfrm>
-        </p:spPr>
-        <p:txBody>
           <a:bodyPr>
             <a:normAutofit/>
           </a:bodyPr>
           <a:lstStyle/>
           <a:p>
             <a:r>
-              <a:rPr lang="en-US" sz="4000" dirty="0" smtClean="0"/>
-              <a:t>Hiding details when  they are</a:t>
-            </a:r>
-            <a:r>
-              <a:rPr lang="ru-RU" sz="4000" dirty="0" smtClean="0"/>
-              <a:t> </a:t>
-            </a:r>
-            <a:r>
-              <a:rPr lang="en-US" sz="4000" dirty="0" smtClean="0"/>
-              <a:t>not important</a:t>
-            </a:r>
-            <a:endParaRPr lang="ru-RU" sz="4000" dirty="0"/>
+              <a:rPr lang="en-US" dirty="0" smtClean="0"/>
+              <a:t>Program Under Hood</a:t>
+            </a:r>
+            <a:endParaRPr lang="en-US" dirty="0"/>
           </a:p>
         </p:txBody>
       </p:sp>
       <p:pic>
         <p:nvPicPr>
-          <p:cNvPr id="9" name="Picture 11"/>
+          <p:cNvPr id="5" name="Picture 11" descr="f01-02-P374493"/>
           <p:cNvPicPr>
             <a:picLocks noChangeAspect="1" noChangeArrowheads="1"/>
           </p:cNvPicPr>
           <p:nvPr/>
         </p:nvPicPr>
         <p:blipFill>
-          <a:blip r:embed="rId2" cstate="print"/>
+          <a:blip r:embed="rId2">
+            <a:extLst>
+              <a:ext uri="{28A0092B-C50C-407E-A947-70E740481C1C}">
+                <a14:useLocalDpi xmlns:a14="http://schemas.microsoft.com/office/drawing/2010/main" val="0"/>
+              </a:ext>
+            </a:extLst>
+          </a:blip>
+          <a:srcRect/>
           <a:stretch>
             <a:fillRect/>
           </a:stretch>
         </p:blipFill>
         <p:spPr bwMode="auto">
           <a:xfrm>
-            <a:off x="8324597" y="1036120"/>
-            <a:ext cx="2268187" cy="5542043"/>
+            <a:off x="7370196" y="1797675"/>
+            <a:ext cx="4000508" cy="4000508"/>
           </a:xfrm>
           <a:prstGeom prst="rect">
             <a:avLst/>
@@ -5073,132 +7316,33 @@
           <a:ln>
             <a:noFill/>
           </a:ln>
-          <a:effectLst/>
           <a:extLst>
             <a:ext uri="{909E8E84-426E-40DD-AFC4-6F175D3DCCD1}">
               <a14:hiddenFill xmlns:a14="http://schemas.microsoft.com/office/drawing/2010/main">
                 <a:solidFill>
-                  <a:schemeClr val="accent1"/>
+                  <a:srgbClr val="FFFFFF"/>
                 </a:solidFill>
               </a14:hiddenFill>
             </a:ext>
             <a:ext uri="{91240B29-F687-4F45-9708-019B960494DF}">
               <a14:hiddenLine xmlns:a14="http://schemas.microsoft.com/office/drawing/2010/main" w="9525">
                 <a:solidFill>
-                  <a:schemeClr val="tx1"/>
+                  <a:srgbClr val="000000"/>
                 </a:solidFill>
                 <a:miter lim="800000"/>
                 <a:headEnd/>
                 <a:tailEnd/>
               </a14:hiddenLine>
             </a:ext>
-            <a:ext uri="{AF507438-7753-43E0-B8FC-AC1667EBCBE1}">
-              <a14:hiddenEffects xmlns:a14="http://schemas.microsoft.com/office/drawing/2010/main">
-                <a:effectLst>
-                  <a:outerShdw dist="35921" dir="2700000" algn="ctr" rotWithShape="0">
-                    <a:schemeClr val="bg2"/>
-                  </a:outerShdw>
-                </a:effectLst>
-              </a14:hiddenEffects>
-            </a:ext>
           </a:extLst>
         </p:spPr>
       </p:pic>
-      <p:sp>
-        <p:nvSpPr>
-          <p:cNvPr id="10" name="Левая фигурная скобка 9"/>
-          <p:cNvSpPr/>
-          <p:nvPr/>
-        </p:nvSpPr>
-        <p:spPr>
-          <a:xfrm>
-            <a:off x="7600203" y="1080655"/>
-            <a:ext cx="570015" cy="2410690"/>
-          </a:xfrm>
-          <a:prstGeom prst="leftBrace">
-            <a:avLst/>
-          </a:prstGeom>
-          <a:ln w="50800">
-            <a:solidFill>
-              <a:srgbClr val="F7B217"/>
-            </a:solidFill>
-          </a:ln>
-        </p:spPr>
-        <p:style>
-          <a:lnRef idx="1">
-            <a:schemeClr val="accent1"/>
-          </a:lnRef>
-          <a:fillRef idx="0">
-            <a:schemeClr val="accent1"/>
-          </a:fillRef>
-          <a:effectRef idx="0">
-            <a:schemeClr val="accent1"/>
-          </a:effectRef>
-          <a:fontRef idx="minor">
-            <a:schemeClr val="tx1"/>
-          </a:fontRef>
-        </p:style>
-        <p:txBody>
-          <a:bodyPr rtlCol="0" anchor="ctr"/>
-          <a:lstStyle/>
-          <a:p>
-            <a:pPr algn="ctr"/>
-            <a:endParaRPr lang="ru-RU"/>
-          </a:p>
-        </p:txBody>
-      </p:sp>
-      <p:sp>
-        <p:nvSpPr>
-          <p:cNvPr id="11" name="TextBox 10"/>
-          <p:cNvSpPr txBox="1"/>
-          <p:nvPr/>
-        </p:nvSpPr>
-        <p:spPr>
-          <a:xfrm>
-            <a:off x="6448286" y="1674423"/>
-            <a:ext cx="1674421" cy="1128156"/>
-          </a:xfrm>
-          <a:prstGeom prst="rect">
-            <a:avLst/>
-          </a:prstGeom>
-          <a:noFill/>
-        </p:spPr>
-        <p:txBody>
-          <a:bodyPr wrap="square" lIns="72000" tIns="25200" rIns="0" bIns="25200" rtlCol="0" anchor="ctr" anchorCtr="0">
-            <a:noAutofit/>
-          </a:bodyPr>
-          <a:lstStyle/>
-          <a:p>
-            <a:r>
-              <a:rPr lang="en-US" sz="2800" b="1" dirty="0" smtClean="0">
-                <a:solidFill>
-                  <a:srgbClr val="2F5CB5"/>
-                </a:solidFill>
-                <a:cs typeface="Times New Roman" pitchFamily="18" charset="0"/>
-              </a:rPr>
-              <a:t>Focus</a:t>
-            </a:r>
-          </a:p>
-          <a:p>
-            <a:r>
-              <a:rPr lang="en-US" sz="2800" b="1" dirty="0" smtClean="0">
-                <a:solidFill>
-                  <a:srgbClr val="2F5CB5"/>
-                </a:solidFill>
-                <a:cs typeface="Times New Roman" pitchFamily="18" charset="0"/>
-              </a:rPr>
-              <a:t>of this course</a:t>
-            </a:r>
-            <a:endParaRPr lang="ru-RU" sz="2800" b="1" dirty="0" smtClean="0">
-              <a:solidFill>
-                <a:srgbClr val="2F5CB5"/>
-              </a:solidFill>
-              <a:cs typeface="Times New Roman" pitchFamily="18" charset="0"/>
-            </a:endParaRPr>
-          </a:p>
-        </p:txBody>
-      </p:sp>
     </p:spTree>
+    <p:extLst>
+      <p:ext uri="{BB962C8B-B14F-4D97-AF65-F5344CB8AC3E}">
+        <p14:creationId xmlns:p14="http://schemas.microsoft.com/office/powerpoint/2010/main" val="1480503108"/>
+      </p:ext>
+    </p:extLst>
   </p:cSld>
   <p:clrMapOvr>
     <a:masterClrMapping/>
@@ -5232,14 +7376,231 @@
       </p:grpSpPr>
       <p:sp>
         <p:nvSpPr>
-          <p:cNvPr id="4" name="Прямоугольник 3"/>
-          <p:cNvSpPr/>
-          <p:nvPr/>
+          <p:cNvPr id="2" name="Content Placeholder 1"/>
+          <p:cNvSpPr>
+            <a:spLocks noGrp="1"/>
+          </p:cNvSpPr>
+          <p:nvPr>
+            <p:ph idx="1"/>
+          </p:nvPr>
         </p:nvSpPr>
         <p:spPr>
           <a:xfrm>
-            <a:off x="2664999" y="472120"/>
-            <a:ext cx="7524751" cy="5262979"/>
+            <a:off x="4601680" y="1050002"/>
+            <a:ext cx="6752120" cy="5623294"/>
+          </a:xfrm>
+        </p:spPr>
+        <p:txBody>
+          <a:bodyPr>
+            <a:normAutofit fontScale="92500" lnSpcReduction="10000"/>
+          </a:bodyPr>
+          <a:lstStyle/>
+          <a:p>
+            <a:pPr>
+              <a:lnSpc>
+                <a:spcPct val="110000"/>
+              </a:lnSpc>
+            </a:pPr>
+            <a:r>
+              <a:rPr lang="en-US" altLang="en-US" dirty="0"/>
+              <a:t>High-level language</a:t>
+            </a:r>
+          </a:p>
+          <a:p>
+            <a:pPr lvl="1">
+              <a:lnSpc>
+                <a:spcPct val="110000"/>
+              </a:lnSpc>
+            </a:pPr>
+            <a:r>
+              <a:rPr lang="en-US" altLang="en-US" dirty="0"/>
+              <a:t>Level of abstraction </a:t>
+            </a:r>
+            <a:r>
+              <a:rPr lang="en-US" altLang="en-US" dirty="0" smtClean="0"/>
+              <a:t>closer</a:t>
+            </a:r>
+            <a:br>
+              <a:rPr lang="en-US" altLang="en-US" dirty="0" smtClean="0"/>
+            </a:br>
+            <a:r>
+              <a:rPr lang="en-US" altLang="en-US" dirty="0" smtClean="0"/>
+              <a:t>to </a:t>
+            </a:r>
+            <a:r>
+              <a:rPr lang="en-US" altLang="en-US" dirty="0"/>
+              <a:t>problem domain</a:t>
+            </a:r>
+          </a:p>
+          <a:p>
+            <a:pPr lvl="1">
+              <a:lnSpc>
+                <a:spcPct val="110000"/>
+              </a:lnSpc>
+            </a:pPr>
+            <a:r>
+              <a:rPr lang="en-US" altLang="en-US" dirty="0"/>
+              <a:t>Provides </a:t>
+            </a:r>
+            <a:r>
+              <a:rPr lang="en-US" altLang="en-US" dirty="0" smtClean="0"/>
+              <a:t>productivity </a:t>
+            </a:r>
+            <a:r>
+              <a:rPr lang="en-US" altLang="en-US" dirty="0"/>
+              <a:t>and portability </a:t>
+            </a:r>
+            <a:endParaRPr lang="en-AU" altLang="en-US" dirty="0"/>
+          </a:p>
+          <a:p>
+            <a:pPr>
+              <a:lnSpc>
+                <a:spcPct val="110000"/>
+              </a:lnSpc>
+            </a:pPr>
+            <a:r>
+              <a:rPr lang="en-US" altLang="en-US" dirty="0"/>
+              <a:t>Assembly language</a:t>
+            </a:r>
+          </a:p>
+          <a:p>
+            <a:pPr lvl="1">
+              <a:lnSpc>
+                <a:spcPct val="110000"/>
+              </a:lnSpc>
+            </a:pPr>
+            <a:r>
+              <a:rPr lang="en-US" altLang="en-US" dirty="0"/>
+              <a:t>Textual </a:t>
+            </a:r>
+            <a:r>
+              <a:rPr lang="en-US" altLang="en-US" dirty="0" smtClean="0"/>
+              <a:t>representation</a:t>
+            </a:r>
+            <a:br>
+              <a:rPr lang="en-US" altLang="en-US" dirty="0" smtClean="0"/>
+            </a:br>
+            <a:r>
+              <a:rPr lang="en-US" altLang="en-US" dirty="0" smtClean="0"/>
+              <a:t> of </a:t>
+            </a:r>
+            <a:r>
+              <a:rPr lang="en-US" altLang="en-US" dirty="0"/>
+              <a:t>instructions</a:t>
+            </a:r>
+          </a:p>
+          <a:p>
+            <a:pPr>
+              <a:lnSpc>
+                <a:spcPct val="110000"/>
+              </a:lnSpc>
+            </a:pPr>
+            <a:r>
+              <a:rPr lang="en-US" altLang="en-US" dirty="0"/>
+              <a:t>Hardware representation</a:t>
+            </a:r>
+          </a:p>
+          <a:p>
+            <a:pPr lvl="1">
+              <a:lnSpc>
+                <a:spcPct val="110000"/>
+              </a:lnSpc>
+            </a:pPr>
+            <a:r>
+              <a:rPr lang="en-US" altLang="en-US" dirty="0"/>
+              <a:t>Binary digits (bits)</a:t>
+            </a:r>
+          </a:p>
+          <a:p>
+            <a:pPr lvl="1">
+              <a:lnSpc>
+                <a:spcPct val="110000"/>
+              </a:lnSpc>
+            </a:pPr>
+            <a:r>
+              <a:rPr lang="en-US" altLang="en-US" dirty="0"/>
+              <a:t>Encoded instructions and </a:t>
+            </a:r>
+            <a:r>
+              <a:rPr lang="en-US" altLang="en-US" dirty="0" smtClean="0"/>
+              <a:t>data</a:t>
+            </a:r>
+            <a:endParaRPr lang="en-US" altLang="en-US" dirty="0"/>
+          </a:p>
+        </p:txBody>
+      </p:sp>
+      <p:sp>
+        <p:nvSpPr>
+          <p:cNvPr id="3" name="Slide Number Placeholder 2"/>
+          <p:cNvSpPr>
+            <a:spLocks noGrp="1"/>
+          </p:cNvSpPr>
+          <p:nvPr>
+            <p:ph type="sldNum" sz="quarter" idx="12"/>
+          </p:nvPr>
+        </p:nvSpPr>
+        <p:spPr/>
+        <p:txBody>
+          <a:bodyPr/>
+          <a:lstStyle/>
+          <a:p>
+            <a:pPr algn="ctr"/>
+            <a:fld id="{1397BFD8-F312-4EF2-A268-44FB4BDDBBB0}" type="slidenum">
+              <a:rPr lang="ru-RU" smtClean="0"/>
+              <a:pPr algn="ctr"/>
+              <a:t>5</a:t>
+            </a:fld>
+            <a:endParaRPr lang="ru-RU" dirty="0"/>
+          </a:p>
+        </p:txBody>
+      </p:sp>
+      <p:sp>
+        <p:nvSpPr>
+          <p:cNvPr id="4" name="Title 3"/>
+          <p:cNvSpPr>
+            <a:spLocks noGrp="1"/>
+          </p:cNvSpPr>
+          <p:nvPr>
+            <p:ph type="title"/>
+          </p:nvPr>
+        </p:nvSpPr>
+        <p:spPr/>
+        <p:txBody>
+          <a:bodyPr/>
+          <a:lstStyle/>
+          <a:p>
+            <a:r>
+              <a:rPr lang="en-US" dirty="0"/>
+              <a:t>Levels of Program Code</a:t>
+            </a:r>
+          </a:p>
+        </p:txBody>
+      </p:sp>
+      <p:pic>
+        <p:nvPicPr>
+          <p:cNvPr id="5" name="Picture 1"/>
+          <p:cNvPicPr>
+            <a:picLocks noChangeAspect="1"/>
+          </p:cNvPicPr>
+          <p:nvPr/>
+        </p:nvPicPr>
+        <p:blipFill>
+          <a:blip r:embed="rId2" cstate="print">
+            <a:extLst>
+              <a:ext uri="{28A0092B-C50C-407E-A947-70E740481C1C}">
+                <a14:useLocalDpi xmlns:a14="http://schemas.microsoft.com/office/drawing/2010/main" val="0"/>
+              </a:ext>
+            </a:extLst>
+          </a:blip>
+          <a:srcRect/>
+          <a:stretch>
+            <a:fillRect/>
+          </a:stretch>
+        </p:blipFill>
+        <p:spPr bwMode="auto">
+          <a:xfrm>
+            <a:off x="852103" y="1084730"/>
+            <a:ext cx="3616093" cy="5655941"/>
           </a:xfrm>
           <a:prstGeom prst="rect">
             <a:avLst/>
@@ -5248,510 +7609,216 @@
           <a:ln>
             <a:noFill/>
           </a:ln>
-          <a:scene3d>
-            <a:camera prst="perspectiveRelaxed"/>
-            <a:lightRig rig="threePt" dir="t"/>
-          </a:scene3d>
+          <a:extLst>
+            <a:ext uri="{909E8E84-426E-40DD-AFC4-6F175D3DCCD1}">
+              <a14:hiddenFill xmlns:a14="http://schemas.microsoft.com/office/drawing/2010/main">
+                <a:solidFill>
+                  <a:srgbClr val="FFFFFF"/>
+                </a:solidFill>
+              </a14:hiddenFill>
+            </a:ext>
+            <a:ext uri="{91240B29-F687-4F45-9708-019B960494DF}">
+              <a14:hiddenLine xmlns:a14="http://schemas.microsoft.com/office/drawing/2010/main" w="9525">
+                <a:solidFill>
+                  <a:srgbClr val="000000"/>
+                </a:solidFill>
+                <a:miter lim="800000"/>
+                <a:headEnd/>
+                <a:tailEnd/>
+              </a14:hiddenLine>
+            </a:ext>
+          </a:extLst>
         </p:spPr>
-        <p:txBody>
-          <a:bodyPr wrap="square" lIns="91440" tIns="45720" rIns="91440" bIns="45720">
-            <a:spAutoFit/>
+      </p:pic>
+    </p:spTree>
+    <p:extLst>
+      <p:ext uri="{BB962C8B-B14F-4D97-AF65-F5344CB8AC3E}">
+        <p14:creationId xmlns:p14="http://schemas.microsoft.com/office/powerpoint/2010/main" val="1676451991"/>
+      </p:ext>
+    </p:extLst>
+  </p:cSld>
+  <p:clrMapOvr>
+    <a:masterClrMapping/>
+  </p:clrMapOvr>
+  <p:timing>
+    <p:tnLst>
+      <p:par>
+        <p:cTn id="1" dur="indefinite" restart="never" nodeType="tmRoot"/>
+      </p:par>
+    </p:tnLst>
+  </p:timing>
+</p:sld>
+</file>
+
+<file path=ppt/slides/slide6.xml><?xml version="1.0" encoding="utf-8"?>
+<p:sld xmlns:a="http://schemas.openxmlformats.org/drawingml/2006/main" xmlns:r="http://schemas.openxmlformats.org/officeDocument/2006/relationships" xmlns:p="http://schemas.openxmlformats.org/presentationml/2006/main">
+  <p:cSld>
+    <p:spTree>
+      <p:nvGrpSpPr>
+        <p:cNvPr id="1" name=""/>
+        <p:cNvGrpSpPr/>
+        <p:nvPr/>
+      </p:nvGrpSpPr>
+      <p:grpSpPr>
+        <a:xfrm>
+          <a:off x="0" y="0"/>
+          <a:ext cx="0" cy="0"/>
+          <a:chOff x="0" y="0"/>
+          <a:chExt cx="0" cy="0"/>
+        </a:xfrm>
+      </p:grpSpPr>
+      <p:sp>
+        <p:nvSpPr>
+          <p:cNvPr id="2" name="Content Placeholder 1"/>
+          <p:cNvSpPr>
+            <a:spLocks noGrp="1"/>
+          </p:cNvSpPr>
+          <p:nvPr>
+            <p:ph idx="1"/>
+          </p:nvPr>
+        </p:nvSpPr>
+        <p:spPr>
+          <a:xfrm>
+            <a:off x="838199" y="1178053"/>
+            <a:ext cx="6707067" cy="5492304"/>
+          </a:xfrm>
+        </p:spPr>
+        <p:txBody>
+          <a:bodyPr>
+            <a:normAutofit fontScale="92500" lnSpcReduction="10000"/>
           </a:bodyPr>
           <a:lstStyle/>
           <a:p>
-            <a:r>
-              <a:rPr lang="en-US" sz="2400" dirty="0" smtClean="0">
-                <a:ln w="0"/>
-                <a:solidFill>
-                  <a:srgbClr val="273272"/>
-                </a:solidFill>
-                <a:effectLst>
-                  <a:reflection blurRad="6350" stA="53000" endA="300" endPos="35500" dir="5400000" sy="-90000" algn="bl" rotWithShape="0"/>
-                </a:effectLst>
-                <a:latin typeface="Courier New" pitchFamily="49" charset="0"/>
-                <a:cs typeface="Courier New" pitchFamily="49" charset="0"/>
-              </a:rPr>
-              <a:t>		</a:t>
-            </a:r>
-          </a:p>
-          <a:p>
-            <a:r>
-              <a:rPr lang="en-US" sz="2400" dirty="0" smtClean="0">
-                <a:ln w="0"/>
-                <a:solidFill>
-                  <a:srgbClr val="273272"/>
-                </a:solidFill>
-                <a:effectLst>
-                  <a:reflection blurRad="6350" stA="53000" endA="300" endPos="35500" dir="5400000" sy="-90000" algn="bl" rotWithShape="0"/>
-                </a:effectLst>
-                <a:latin typeface="Courier New" pitchFamily="49" charset="0"/>
-                <a:cs typeface="Courier New" pitchFamily="49" charset="0"/>
-              </a:rPr>
-              <a:t>		.text</a:t>
-            </a:r>
-          </a:p>
-          <a:p>
-            <a:r>
-              <a:rPr lang="en-US" sz="2400" dirty="0" smtClean="0">
-                <a:ln w="0"/>
-                <a:solidFill>
-                  <a:srgbClr val="273272"/>
-                </a:solidFill>
-                <a:effectLst>
-                  <a:reflection blurRad="6350" stA="53000" endA="300" endPos="35500" dir="5400000" sy="-90000" algn="bl" rotWithShape="0"/>
-                </a:effectLst>
-                <a:latin typeface="Courier New" pitchFamily="49" charset="0"/>
-                <a:cs typeface="Courier New" pitchFamily="49" charset="0"/>
-              </a:rPr>
-              <a:t>__start:	</a:t>
-            </a:r>
-            <a:r>
-              <a:rPr lang="en-US" sz="2400" dirty="0" err="1" smtClean="0">
-                <a:ln w="0"/>
-                <a:solidFill>
-                  <a:srgbClr val="273272"/>
-                </a:solidFill>
-                <a:effectLst>
-                  <a:reflection blurRad="6350" stA="53000" endA="300" endPos="35500" dir="5400000" sy="-90000" algn="bl" rotWithShape="0"/>
-                </a:effectLst>
-                <a:latin typeface="Courier New" pitchFamily="49" charset="0"/>
-                <a:cs typeface="Courier New" pitchFamily="49" charset="0"/>
-              </a:rPr>
-              <a:t>addi</a:t>
-            </a:r>
-            <a:r>
-              <a:rPr lang="en-US" sz="2400" dirty="0" smtClean="0">
-                <a:ln w="0"/>
-                <a:solidFill>
-                  <a:srgbClr val="273272"/>
-                </a:solidFill>
-                <a:effectLst>
-                  <a:reflection blurRad="6350" stA="53000" endA="300" endPos="35500" dir="5400000" sy="-90000" algn="bl" rotWithShape="0"/>
-                </a:effectLst>
-                <a:latin typeface="Courier New" pitchFamily="49" charset="0"/>
-                <a:cs typeface="Courier New" pitchFamily="49" charset="0"/>
-              </a:rPr>
-              <a:t> t1, zero, 0x18</a:t>
-            </a:r>
-          </a:p>
-          <a:p>
-            <a:r>
-              <a:rPr lang="en-US" sz="2400" dirty="0" smtClean="0">
-                <a:ln w="0"/>
-                <a:solidFill>
-                  <a:srgbClr val="273272"/>
-                </a:solidFill>
-                <a:effectLst>
-                  <a:reflection blurRad="6350" stA="53000" endA="300" endPos="35500" dir="5400000" sy="-90000" algn="bl" rotWithShape="0"/>
-                </a:effectLst>
-                <a:latin typeface="Courier New" pitchFamily="49" charset="0"/>
-                <a:cs typeface="Courier New" pitchFamily="49" charset="0"/>
-              </a:rPr>
-              <a:t>		</a:t>
-            </a:r>
-            <a:r>
-              <a:rPr lang="en-US" sz="2400" dirty="0" err="1" smtClean="0">
-                <a:ln w="0"/>
-                <a:solidFill>
-                  <a:srgbClr val="273272"/>
-                </a:solidFill>
-                <a:effectLst>
-                  <a:reflection blurRad="6350" stA="53000" endA="300" endPos="35500" dir="5400000" sy="-90000" algn="bl" rotWithShape="0"/>
-                </a:effectLst>
-                <a:latin typeface="Courier New" pitchFamily="49" charset="0"/>
-                <a:cs typeface="Courier New" pitchFamily="49" charset="0"/>
-              </a:rPr>
-              <a:t>addi</a:t>
-            </a:r>
-            <a:r>
-              <a:rPr lang="en-US" sz="2400" dirty="0" smtClean="0">
-                <a:ln w="0"/>
-                <a:solidFill>
-                  <a:srgbClr val="273272"/>
-                </a:solidFill>
-                <a:effectLst>
-                  <a:reflection blurRad="6350" stA="53000" endA="300" endPos="35500" dir="5400000" sy="-90000" algn="bl" rotWithShape="0"/>
-                </a:effectLst>
-                <a:latin typeface="Courier New" pitchFamily="49" charset="0"/>
-                <a:cs typeface="Courier New" pitchFamily="49" charset="0"/>
-              </a:rPr>
-              <a:t> t2, zero, 0x21</a:t>
-            </a:r>
-          </a:p>
-          <a:p>
-            <a:r>
-              <a:rPr lang="en-US" sz="2400" dirty="0" smtClean="0">
-                <a:ln w="0"/>
-                <a:solidFill>
-                  <a:srgbClr val="273272"/>
-                </a:solidFill>
-                <a:effectLst>
-                  <a:reflection blurRad="6350" stA="53000" endA="300" endPos="35500" dir="5400000" sy="-90000" algn="bl" rotWithShape="0"/>
-                </a:effectLst>
-                <a:latin typeface="Courier New" pitchFamily="49" charset="0"/>
-                <a:cs typeface="Courier New" pitchFamily="49" charset="0"/>
-              </a:rPr>
-              <a:t>cycle:	</a:t>
-            </a:r>
-            <a:r>
-              <a:rPr lang="en-US" sz="2400" dirty="0" err="1" smtClean="0">
-                <a:ln w="0"/>
-                <a:solidFill>
-                  <a:srgbClr val="273272"/>
-                </a:solidFill>
-                <a:effectLst>
-                  <a:reflection blurRad="6350" stA="53000" endA="300" endPos="35500" dir="5400000" sy="-90000" algn="bl" rotWithShape="0"/>
-                </a:effectLst>
-                <a:latin typeface="Courier New" pitchFamily="49" charset="0"/>
-                <a:cs typeface="Courier New" pitchFamily="49" charset="0"/>
-              </a:rPr>
-              <a:t>beq</a:t>
-            </a:r>
-            <a:r>
-              <a:rPr lang="en-US" sz="2400" dirty="0" smtClean="0">
-                <a:ln w="0"/>
-                <a:solidFill>
-                  <a:srgbClr val="273272"/>
-                </a:solidFill>
-                <a:effectLst>
-                  <a:reflection blurRad="6350" stA="53000" endA="300" endPos="35500" dir="5400000" sy="-90000" algn="bl" rotWithShape="0"/>
-                </a:effectLst>
-                <a:latin typeface="Courier New" pitchFamily="49" charset="0"/>
-                <a:cs typeface="Courier New" pitchFamily="49" charset="0"/>
-              </a:rPr>
-              <a:t> t1, t2, done</a:t>
-            </a:r>
-          </a:p>
-          <a:p>
-            <a:r>
-              <a:rPr lang="en-US" sz="2400" dirty="0" smtClean="0">
-                <a:ln w="0"/>
-                <a:solidFill>
-                  <a:srgbClr val="273272"/>
-                </a:solidFill>
-                <a:effectLst>
-                  <a:reflection blurRad="6350" stA="53000" endA="300" endPos="35500" dir="5400000" sy="-90000" algn="bl" rotWithShape="0"/>
-                </a:effectLst>
-                <a:latin typeface="Courier New" pitchFamily="49" charset="0"/>
-                <a:cs typeface="Courier New" pitchFamily="49" charset="0"/>
-              </a:rPr>
-              <a:t>		</a:t>
-            </a:r>
-            <a:r>
-              <a:rPr lang="en-US" sz="2400" dirty="0" err="1" smtClean="0">
-                <a:ln w="0"/>
-                <a:solidFill>
-                  <a:srgbClr val="273272"/>
-                </a:solidFill>
-                <a:effectLst>
-                  <a:reflection blurRad="6350" stA="53000" endA="300" endPos="35500" dir="5400000" sy="-90000" algn="bl" rotWithShape="0"/>
-                </a:effectLst>
-                <a:latin typeface="Courier New" pitchFamily="49" charset="0"/>
-                <a:cs typeface="Courier New" pitchFamily="49" charset="0"/>
-              </a:rPr>
-              <a:t>slt</a:t>
-            </a:r>
-            <a:r>
-              <a:rPr lang="en-US" sz="2400" dirty="0" smtClean="0">
-                <a:ln w="0"/>
-                <a:solidFill>
-                  <a:srgbClr val="273272"/>
-                </a:solidFill>
-                <a:effectLst>
-                  <a:reflection blurRad="6350" stA="53000" endA="300" endPos="35500" dir="5400000" sy="-90000" algn="bl" rotWithShape="0"/>
-                </a:effectLst>
-                <a:latin typeface="Courier New" pitchFamily="49" charset="0"/>
-                <a:cs typeface="Courier New" pitchFamily="49" charset="0"/>
-              </a:rPr>
-              <a:t> t0, t1, t2</a:t>
-            </a:r>
-          </a:p>
-          <a:p>
-            <a:r>
-              <a:rPr lang="en-US" sz="2400" dirty="0" smtClean="0">
-                <a:ln w="0"/>
-                <a:solidFill>
-                  <a:srgbClr val="273272"/>
-                </a:solidFill>
-                <a:effectLst>
-                  <a:reflection blurRad="6350" stA="53000" endA="300" endPos="35500" dir="5400000" sy="-90000" algn="bl" rotWithShape="0"/>
-                </a:effectLst>
-                <a:latin typeface="Courier New" pitchFamily="49" charset="0"/>
-                <a:cs typeface="Courier New" pitchFamily="49" charset="0"/>
-              </a:rPr>
-              <a:t>		</a:t>
-            </a:r>
-            <a:r>
-              <a:rPr lang="en-US" sz="2400" dirty="0" err="1" smtClean="0">
-                <a:ln w="0"/>
-                <a:solidFill>
-                  <a:srgbClr val="273272"/>
-                </a:solidFill>
-                <a:effectLst>
-                  <a:reflection blurRad="6350" stA="53000" endA="300" endPos="35500" dir="5400000" sy="-90000" algn="bl" rotWithShape="0"/>
-                </a:effectLst>
-                <a:latin typeface="Courier New" pitchFamily="49" charset="0"/>
-                <a:cs typeface="Courier New" pitchFamily="49" charset="0"/>
-              </a:rPr>
-              <a:t>bne</a:t>
-            </a:r>
-            <a:r>
-              <a:rPr lang="en-US" sz="2400" dirty="0" smtClean="0">
-                <a:ln w="0"/>
-                <a:solidFill>
-                  <a:srgbClr val="273272"/>
-                </a:solidFill>
-                <a:effectLst>
-                  <a:reflection blurRad="6350" stA="53000" endA="300" endPos="35500" dir="5400000" sy="-90000" algn="bl" rotWithShape="0"/>
-                </a:effectLst>
-                <a:latin typeface="Courier New" pitchFamily="49" charset="0"/>
-                <a:cs typeface="Courier New" pitchFamily="49" charset="0"/>
-              </a:rPr>
-              <a:t> t0, zero, </a:t>
-            </a:r>
-            <a:r>
-              <a:rPr lang="en-US" sz="2400" dirty="0" err="1" smtClean="0">
-                <a:ln w="0"/>
-                <a:solidFill>
-                  <a:srgbClr val="273272"/>
-                </a:solidFill>
-                <a:effectLst>
-                  <a:reflection blurRad="6350" stA="53000" endA="300" endPos="35500" dir="5400000" sy="-90000" algn="bl" rotWithShape="0"/>
-                </a:effectLst>
-                <a:latin typeface="Courier New" pitchFamily="49" charset="0"/>
-                <a:cs typeface="Courier New" pitchFamily="49" charset="0"/>
-              </a:rPr>
-              <a:t>if_less</a:t>
-            </a:r>
-            <a:endParaRPr lang="en-US" sz="2400" dirty="0" smtClean="0">
-              <a:ln w="0"/>
-              <a:solidFill>
-                <a:srgbClr val="273272"/>
-              </a:solidFill>
-              <a:effectLst>
-                <a:reflection blurRad="6350" stA="53000" endA="300" endPos="35500" dir="5400000" sy="-90000" algn="bl" rotWithShape="0"/>
-              </a:effectLst>
-              <a:latin typeface="Courier New" pitchFamily="49" charset="0"/>
-              <a:cs typeface="Courier New" pitchFamily="49" charset="0"/>
-            </a:endParaRPr>
-          </a:p>
-          <a:p>
-            <a:r>
-              <a:rPr lang="en-US" sz="2400" dirty="0" smtClean="0">
-                <a:ln w="0"/>
-                <a:solidFill>
-                  <a:srgbClr val="273272"/>
-                </a:solidFill>
-                <a:effectLst>
-                  <a:reflection blurRad="6350" stA="53000" endA="300" endPos="35500" dir="5400000" sy="-90000" algn="bl" rotWithShape="0"/>
-                </a:effectLst>
-                <a:latin typeface="Courier New" pitchFamily="49" charset="0"/>
-                <a:cs typeface="Courier New" pitchFamily="49" charset="0"/>
-              </a:rPr>
-              <a:t>		</a:t>
-            </a:r>
-            <a:r>
-              <a:rPr lang="en-US" sz="2400" dirty="0" err="1" smtClean="0">
-                <a:ln w="0"/>
-                <a:solidFill>
-                  <a:srgbClr val="273272"/>
-                </a:solidFill>
-                <a:effectLst>
-                  <a:reflection blurRad="6350" stA="53000" endA="300" endPos="35500" dir="5400000" sy="-90000" algn="bl" rotWithShape="0"/>
-                </a:effectLst>
-                <a:latin typeface="Courier New" pitchFamily="49" charset="0"/>
-                <a:cs typeface="Courier New" pitchFamily="49" charset="0"/>
-              </a:rPr>
-              <a:t>nop</a:t>
-            </a:r>
-            <a:endParaRPr lang="en-US" sz="2400" dirty="0" smtClean="0">
-              <a:ln w="0"/>
-              <a:solidFill>
-                <a:srgbClr val="273272"/>
-              </a:solidFill>
-              <a:effectLst>
-                <a:reflection blurRad="6350" stA="53000" endA="300" endPos="35500" dir="5400000" sy="-90000" algn="bl" rotWithShape="0"/>
-              </a:effectLst>
-              <a:latin typeface="Courier New" pitchFamily="49" charset="0"/>
-              <a:cs typeface="Courier New" pitchFamily="49" charset="0"/>
-            </a:endParaRPr>
-          </a:p>
-          <a:p>
-            <a:r>
-              <a:rPr lang="en-US" sz="2400" dirty="0" smtClean="0">
-                <a:ln w="0"/>
-                <a:solidFill>
-                  <a:srgbClr val="273272"/>
-                </a:solidFill>
-                <a:effectLst>
-                  <a:reflection blurRad="6350" stA="53000" endA="300" endPos="35500" dir="5400000" sy="-90000" algn="bl" rotWithShape="0"/>
-                </a:effectLst>
-                <a:latin typeface="Courier New" pitchFamily="49" charset="0"/>
-                <a:cs typeface="Courier New" pitchFamily="49" charset="0"/>
-              </a:rPr>
-              <a:t>		sub t1, t1, t2</a:t>
-            </a:r>
-          </a:p>
-          <a:p>
-            <a:r>
-              <a:rPr lang="en-US" sz="2400" dirty="0" smtClean="0">
-                <a:ln w="0"/>
-                <a:solidFill>
-                  <a:srgbClr val="273272"/>
-                </a:solidFill>
-                <a:effectLst>
-                  <a:reflection blurRad="6350" stA="53000" endA="300" endPos="35500" dir="5400000" sy="-90000" algn="bl" rotWithShape="0"/>
-                </a:effectLst>
-                <a:latin typeface="Courier New" pitchFamily="49" charset="0"/>
-                <a:cs typeface="Courier New" pitchFamily="49" charset="0"/>
-              </a:rPr>
-              <a:t>		j cycle</a:t>
-            </a:r>
-          </a:p>
-          <a:p>
-            <a:r>
-              <a:rPr lang="en-US" sz="2400" dirty="0" smtClean="0">
-                <a:ln w="0"/>
-                <a:solidFill>
-                  <a:srgbClr val="273272"/>
-                </a:solidFill>
-                <a:effectLst>
-                  <a:reflection blurRad="6350" stA="53000" endA="300" endPos="35500" dir="5400000" sy="-90000" algn="bl" rotWithShape="0"/>
-                </a:effectLst>
-                <a:latin typeface="Courier New" pitchFamily="49" charset="0"/>
-                <a:cs typeface="Courier New" pitchFamily="49" charset="0"/>
-              </a:rPr>
-              <a:t>		</a:t>
-            </a:r>
-            <a:r>
-              <a:rPr lang="en-US" sz="2400" dirty="0" err="1" smtClean="0">
-                <a:ln w="0"/>
-                <a:solidFill>
-                  <a:srgbClr val="273272"/>
-                </a:solidFill>
-                <a:effectLst>
-                  <a:reflection blurRad="6350" stA="53000" endA="300" endPos="35500" dir="5400000" sy="-90000" algn="bl" rotWithShape="0"/>
-                </a:effectLst>
-                <a:latin typeface="Courier New" pitchFamily="49" charset="0"/>
-                <a:cs typeface="Courier New" pitchFamily="49" charset="0"/>
-              </a:rPr>
-              <a:t>nop</a:t>
-            </a:r>
-            <a:endParaRPr lang="en-US" sz="2400" dirty="0" smtClean="0">
-              <a:ln w="0"/>
-              <a:solidFill>
-                <a:srgbClr val="273272"/>
-              </a:solidFill>
-              <a:effectLst>
-                <a:reflection blurRad="6350" stA="53000" endA="300" endPos="35500" dir="5400000" sy="-90000" algn="bl" rotWithShape="0"/>
-              </a:effectLst>
-              <a:latin typeface="Courier New" pitchFamily="49" charset="0"/>
-              <a:cs typeface="Courier New" pitchFamily="49" charset="0"/>
-            </a:endParaRPr>
-          </a:p>
-          <a:p>
-            <a:r>
-              <a:rPr lang="en-US" sz="2400" dirty="0" err="1" smtClean="0">
-                <a:ln w="0"/>
-                <a:solidFill>
-                  <a:srgbClr val="273272"/>
-                </a:solidFill>
-                <a:effectLst>
-                  <a:reflection blurRad="6350" stA="53000" endA="300" endPos="35500" dir="5400000" sy="-90000" algn="bl" rotWithShape="0"/>
-                </a:effectLst>
-                <a:latin typeface="Courier New" pitchFamily="49" charset="0"/>
-                <a:cs typeface="Courier New" pitchFamily="49" charset="0"/>
-              </a:rPr>
-              <a:t>if_less</a:t>
-            </a:r>
-            <a:r>
-              <a:rPr lang="en-US" sz="2400" dirty="0" smtClean="0">
-                <a:ln w="0"/>
-                <a:solidFill>
-                  <a:srgbClr val="273272"/>
-                </a:solidFill>
-                <a:effectLst>
-                  <a:reflection blurRad="6350" stA="53000" endA="300" endPos="35500" dir="5400000" sy="-90000" algn="bl" rotWithShape="0"/>
-                </a:effectLst>
-                <a:latin typeface="Courier New" pitchFamily="49" charset="0"/>
-                <a:cs typeface="Courier New" pitchFamily="49" charset="0"/>
-              </a:rPr>
-              <a:t>:	sub t2, t2, t1</a:t>
-            </a:r>
-          </a:p>
-          <a:p>
-            <a:r>
-              <a:rPr lang="en-US" sz="2400" dirty="0" smtClean="0">
-                <a:ln w="0"/>
-                <a:solidFill>
-                  <a:srgbClr val="273272"/>
-                </a:solidFill>
-                <a:effectLst>
-                  <a:reflection blurRad="6350" stA="53000" endA="300" endPos="35500" dir="5400000" sy="-90000" algn="bl" rotWithShape="0"/>
-                </a:effectLst>
-                <a:latin typeface="Courier New" pitchFamily="49" charset="0"/>
-                <a:cs typeface="Courier New" pitchFamily="49" charset="0"/>
-              </a:rPr>
-              <a:t>		j cycle</a:t>
-            </a:r>
-          </a:p>
-          <a:p>
-            <a:r>
-              <a:rPr lang="en-US" sz="2400" dirty="0" smtClean="0">
-                <a:ln w="0"/>
-                <a:solidFill>
-                  <a:srgbClr val="273272"/>
-                </a:solidFill>
-                <a:effectLst>
-                  <a:reflection blurRad="6350" stA="53000" endA="300" endPos="35500" dir="5400000" sy="-90000" algn="bl" rotWithShape="0"/>
-                </a:effectLst>
-                <a:latin typeface="Courier New" pitchFamily="49" charset="0"/>
-                <a:cs typeface="Courier New" pitchFamily="49" charset="0"/>
-              </a:rPr>
-              <a:t>done:		add t3, t1, zero</a:t>
-            </a:r>
-            <a:endParaRPr lang="ru-RU" sz="2400" b="0" cap="none" spc="0" dirty="0">
-              <a:ln w="0"/>
-              <a:solidFill>
-                <a:srgbClr val="273272"/>
-              </a:solidFill>
-              <a:effectLst>
-                <a:reflection blurRad="6350" stA="53000" endA="300" endPos="35500" dir="5400000" sy="-90000" algn="bl" rotWithShape="0"/>
-              </a:effectLst>
-              <a:latin typeface="Courier New" pitchFamily="49" charset="0"/>
-              <a:cs typeface="Courier New" pitchFamily="49" charset="0"/>
-            </a:endParaRPr>
-          </a:p>
-        </p:txBody>
-      </p:sp>
-      <p:sp>
-        <p:nvSpPr>
-          <p:cNvPr id="2" name="Заголовок 1"/>
-          <p:cNvSpPr>
-            <a:spLocks noGrp="1"/>
-          </p:cNvSpPr>
-          <p:nvPr>
-            <p:ph type="title"/>
-          </p:nvPr>
-        </p:nvSpPr>
-        <p:spPr/>
-        <p:txBody>
-          <a:bodyPr>
-            <a:normAutofit/>
-          </a:bodyPr>
-          <a:lstStyle/>
-          <a:p>
-            <a:r>
-              <a:rPr lang="en-US" dirty="0" smtClean="0"/>
-              <a:t>Any Questions?</a:t>
-            </a:r>
-            <a:endParaRPr lang="ru-RU" sz="4000" dirty="0"/>
-          </a:p>
-        </p:txBody>
-      </p:sp>
-      <p:sp>
-        <p:nvSpPr>
-          <p:cNvPr id="6" name="Номер слайда 5"/>
+            <a:pPr>
+              <a:lnSpc>
+                <a:spcPct val="120000"/>
+              </a:lnSpc>
+              <a:spcBef>
+                <a:spcPts val="0"/>
+              </a:spcBef>
+            </a:pPr>
+            <a:r>
+              <a:rPr lang="en-US" altLang="en-US" dirty="0"/>
+              <a:t>Abstraction helps us deal with complexity</a:t>
+            </a:r>
+          </a:p>
+          <a:p>
+            <a:pPr lvl="1">
+              <a:lnSpc>
+                <a:spcPct val="120000"/>
+              </a:lnSpc>
+              <a:spcBef>
+                <a:spcPts val="0"/>
+              </a:spcBef>
+            </a:pPr>
+            <a:r>
+              <a:rPr lang="en-US" altLang="en-US" dirty="0"/>
+              <a:t>Hide lower-level detail</a:t>
+            </a:r>
+          </a:p>
+          <a:p>
+            <a:pPr>
+              <a:lnSpc>
+                <a:spcPct val="120000"/>
+              </a:lnSpc>
+              <a:spcBef>
+                <a:spcPts val="0"/>
+              </a:spcBef>
+            </a:pPr>
+            <a:r>
+              <a:rPr lang="en-US" altLang="en-US" dirty="0"/>
+              <a:t>Instruction set architecture (ISA)</a:t>
+            </a:r>
+          </a:p>
+          <a:p>
+            <a:pPr lvl="1">
+              <a:lnSpc>
+                <a:spcPct val="120000"/>
+              </a:lnSpc>
+              <a:spcBef>
+                <a:spcPts val="0"/>
+              </a:spcBef>
+            </a:pPr>
+            <a:r>
+              <a:rPr lang="en-US" altLang="en-US" dirty="0"/>
+              <a:t>The hardware/software interface</a:t>
+            </a:r>
+          </a:p>
+          <a:p>
+            <a:pPr>
+              <a:lnSpc>
+                <a:spcPct val="120000"/>
+              </a:lnSpc>
+              <a:spcBef>
+                <a:spcPts val="0"/>
+              </a:spcBef>
+            </a:pPr>
+            <a:r>
+              <a:rPr lang="en-US" altLang="en-US" dirty="0"/>
+              <a:t>Application binary </a:t>
+            </a:r>
+            <a:r>
+              <a:rPr lang="en-US" altLang="en-US" dirty="0" smtClean="0"/>
+              <a:t>interface (ABI)</a:t>
+            </a:r>
+            <a:endParaRPr lang="en-US" altLang="en-US" dirty="0"/>
+          </a:p>
+          <a:p>
+            <a:pPr lvl="1">
+              <a:lnSpc>
+                <a:spcPct val="120000"/>
+              </a:lnSpc>
+              <a:spcBef>
+                <a:spcPts val="0"/>
+              </a:spcBef>
+            </a:pPr>
+            <a:r>
+              <a:rPr lang="en-US" altLang="en-US" dirty="0"/>
+              <a:t>The ISA plus system software interface</a:t>
+            </a:r>
+          </a:p>
+          <a:p>
+            <a:pPr>
+              <a:lnSpc>
+                <a:spcPct val="120000"/>
+              </a:lnSpc>
+              <a:spcBef>
+                <a:spcPts val="0"/>
+              </a:spcBef>
+            </a:pPr>
+            <a:r>
+              <a:rPr lang="en-US" altLang="en-US" dirty="0" smtClean="0"/>
+              <a:t>Implementation (microarchitecture)</a:t>
+            </a:r>
+            <a:endParaRPr lang="en-US" altLang="en-US" dirty="0"/>
+          </a:p>
+          <a:p>
+            <a:pPr lvl="1">
+              <a:lnSpc>
+                <a:spcPct val="120000"/>
+              </a:lnSpc>
+              <a:spcBef>
+                <a:spcPts val="0"/>
+              </a:spcBef>
+            </a:pPr>
+            <a:r>
+              <a:rPr lang="en-US" altLang="en-US" dirty="0"/>
+              <a:t>The details underlying </a:t>
+            </a:r>
+            <a:r>
+              <a:rPr lang="en-US" altLang="en-US" dirty="0" smtClean="0"/>
+              <a:t>the interface</a:t>
+            </a:r>
+            <a:endParaRPr lang="en-US" altLang="en-US" dirty="0"/>
+          </a:p>
+          <a:p>
+            <a:endParaRPr lang="en-US" dirty="0"/>
+          </a:p>
+        </p:txBody>
+      </p:sp>
+      <p:sp>
+        <p:nvSpPr>
+          <p:cNvPr id="3" name="Slide Number Placeholder 2"/>
           <p:cNvSpPr>
             <a:spLocks noGrp="1"/>
           </p:cNvSpPr>
@@ -5768,16 +7835,3680 @@
             <a:fld id="{1397BFD8-F312-4EF2-A268-44FB4BDDBBB0}" type="slidenum">
               <a:rPr lang="ru-RU" smtClean="0"/>
               <a:pPr algn="ctr"/>
-              <a:t>5</a:t>
+              <a:t>6</a:t>
             </a:fld>
             <a:endParaRPr lang="ru-RU" dirty="0"/>
+          </a:p>
+        </p:txBody>
+      </p:sp>
+      <p:sp>
+        <p:nvSpPr>
+          <p:cNvPr id="4" name="Title 3"/>
+          <p:cNvSpPr>
+            <a:spLocks noGrp="1"/>
+          </p:cNvSpPr>
+          <p:nvPr>
+            <p:ph type="title"/>
+          </p:nvPr>
+        </p:nvSpPr>
+        <p:spPr/>
+        <p:txBody>
+          <a:bodyPr/>
+          <a:lstStyle/>
+          <a:p>
+            <a:r>
+              <a:rPr lang="en-US" dirty="0" smtClean="0"/>
+              <a:t>Abstractions</a:t>
+            </a:r>
+            <a:endParaRPr lang="en-US" dirty="0"/>
+          </a:p>
+        </p:txBody>
+      </p:sp>
+      <p:pic>
+        <p:nvPicPr>
+          <p:cNvPr id="10" name="Picture 11"/>
+          <p:cNvPicPr>
+            <a:picLocks noChangeAspect="1" noChangeArrowheads="1"/>
+          </p:cNvPicPr>
+          <p:nvPr/>
+        </p:nvPicPr>
+        <p:blipFill>
+          <a:blip r:embed="rId2" cstate="print"/>
+          <a:stretch>
+            <a:fillRect/>
+          </a:stretch>
+        </p:blipFill>
+        <p:spPr bwMode="auto">
+          <a:xfrm>
+            <a:off x="7603017" y="1095754"/>
+            <a:ext cx="2268187" cy="5542043"/>
+          </a:xfrm>
+          <a:prstGeom prst="rect">
+            <a:avLst/>
+          </a:prstGeom>
+          <a:noFill/>
+          <a:ln>
+            <a:noFill/>
+          </a:ln>
+          <a:effectLst/>
+          <a:extLst>
+            <a:ext uri="{909E8E84-426E-40DD-AFC4-6F175D3DCCD1}">
+              <a14:hiddenFill xmlns:a14="http://schemas.microsoft.com/office/drawing/2010/main">
+                <a:solidFill>
+                  <a:schemeClr val="accent1"/>
+                </a:solidFill>
+              </a14:hiddenFill>
+            </a:ext>
+            <a:ext uri="{91240B29-F687-4F45-9708-019B960494DF}">
+              <a14:hiddenLine xmlns:a14="http://schemas.microsoft.com/office/drawing/2010/main" w="9525">
+                <a:solidFill>
+                  <a:schemeClr val="tx1"/>
+                </a:solidFill>
+                <a:miter lim="800000"/>
+                <a:headEnd/>
+                <a:tailEnd/>
+              </a14:hiddenLine>
+            </a:ext>
+            <a:ext uri="{AF507438-7753-43E0-B8FC-AC1667EBCBE1}">
+              <a14:hiddenEffects xmlns:a14="http://schemas.microsoft.com/office/drawing/2010/main">
+                <a:effectLst>
+                  <a:outerShdw dist="35921" dir="2700000" algn="ctr" rotWithShape="0">
+                    <a:schemeClr val="bg2"/>
+                  </a:outerShdw>
+                </a:effectLst>
+              </a14:hiddenEffects>
+            </a:ext>
+          </a:extLst>
+        </p:spPr>
+      </p:pic>
+      <p:sp>
+        <p:nvSpPr>
+          <p:cNvPr id="11" name="Левая фигурная скобка 9"/>
+          <p:cNvSpPr/>
+          <p:nvPr/>
+        </p:nvSpPr>
+        <p:spPr>
+          <a:xfrm rot="10800000">
+            <a:off x="9939442" y="1110684"/>
+            <a:ext cx="570015" cy="2410690"/>
+          </a:xfrm>
+          <a:prstGeom prst="leftBrace">
+            <a:avLst/>
+          </a:prstGeom>
+          <a:ln w="50800">
+            <a:solidFill>
+              <a:srgbClr val="F7B217"/>
+            </a:solidFill>
+          </a:ln>
+        </p:spPr>
+        <p:style>
+          <a:lnRef idx="1">
+            <a:schemeClr val="accent1"/>
+          </a:lnRef>
+          <a:fillRef idx="0">
+            <a:schemeClr val="accent1"/>
+          </a:fillRef>
+          <a:effectRef idx="0">
+            <a:schemeClr val="accent1"/>
+          </a:effectRef>
+          <a:fontRef idx="minor">
+            <a:schemeClr val="tx1"/>
+          </a:fontRef>
+        </p:style>
+        <p:txBody>
+          <a:bodyPr rtlCol="0" anchor="ctr"/>
+          <a:lstStyle/>
+          <a:p>
+            <a:pPr algn="ctr"/>
+            <a:endParaRPr lang="ru-RU"/>
+          </a:p>
+        </p:txBody>
+      </p:sp>
+      <p:sp>
+        <p:nvSpPr>
+          <p:cNvPr id="12" name="TextBox 11"/>
+          <p:cNvSpPr txBox="1"/>
+          <p:nvPr/>
+        </p:nvSpPr>
+        <p:spPr>
+          <a:xfrm>
+            <a:off x="10296899" y="2506124"/>
+            <a:ext cx="1058462" cy="1128156"/>
+          </a:xfrm>
+          <a:prstGeom prst="rect">
+            <a:avLst/>
+          </a:prstGeom>
+          <a:noFill/>
+        </p:spPr>
+        <p:txBody>
+          <a:bodyPr wrap="square" lIns="72000" tIns="25200" rIns="0" bIns="25200" rtlCol="0" anchor="ctr" anchorCtr="0">
+            <a:noAutofit/>
+          </a:bodyPr>
+          <a:lstStyle/>
+          <a:p>
+            <a:r>
+              <a:rPr lang="en-US" sz="2800" b="1" dirty="0" smtClean="0">
+                <a:solidFill>
+                  <a:srgbClr val="273272"/>
+                </a:solidFill>
+                <a:cs typeface="Times New Roman" pitchFamily="18" charset="0"/>
+              </a:rPr>
+              <a:t>Focus</a:t>
+            </a:r>
+          </a:p>
+          <a:p>
+            <a:r>
+              <a:rPr lang="en-US" sz="2800" b="1" dirty="0" smtClean="0">
+                <a:solidFill>
+                  <a:srgbClr val="273272"/>
+                </a:solidFill>
+                <a:cs typeface="Times New Roman" pitchFamily="18" charset="0"/>
+              </a:rPr>
+              <a:t>of this course</a:t>
+            </a:r>
+            <a:endParaRPr lang="ru-RU" sz="2800" b="1" dirty="0" smtClean="0">
+              <a:solidFill>
+                <a:srgbClr val="273272"/>
+              </a:solidFill>
+              <a:cs typeface="Times New Roman" pitchFamily="18" charset="0"/>
+            </a:endParaRPr>
           </a:p>
         </p:txBody>
       </p:sp>
     </p:spTree>
     <p:extLst>
       <p:ext uri="{BB962C8B-B14F-4D97-AF65-F5344CB8AC3E}">
-        <p14:creationId xmlns:p14="http://schemas.microsoft.com/office/powerpoint/2010/main" val="4217875043"/>
+        <p14:creationId xmlns:p14="http://schemas.microsoft.com/office/powerpoint/2010/main" val="579507724"/>
+      </p:ext>
+    </p:extLst>
+  </p:cSld>
+  <p:clrMapOvr>
+    <a:masterClrMapping/>
+  </p:clrMapOvr>
+  <p:timing>
+    <p:tnLst>
+      <p:par>
+        <p:cTn id="1" dur="indefinite" restart="never" nodeType="tmRoot"/>
+      </p:par>
+    </p:tnLst>
+  </p:timing>
+</p:sld>
+</file>
+
+<file path=ppt/slides/slide7.xml><?xml version="1.0" encoding="utf-8"?>
+<p:sld xmlns:a="http://schemas.openxmlformats.org/drawingml/2006/main" xmlns:r="http://schemas.openxmlformats.org/officeDocument/2006/relationships" xmlns:p="http://schemas.openxmlformats.org/presentationml/2006/main">
+  <p:cSld>
+    <p:spTree>
+      <p:nvGrpSpPr>
+        <p:cNvPr id="1" name=""/>
+        <p:cNvGrpSpPr/>
+        <p:nvPr/>
+      </p:nvGrpSpPr>
+      <p:grpSpPr>
+        <a:xfrm>
+          <a:off x="0" y="0"/>
+          <a:ext cx="0" cy="0"/>
+          <a:chOff x="0" y="0"/>
+          <a:chExt cx="0" cy="0"/>
+        </a:xfrm>
+      </p:grpSpPr>
+      <p:sp>
+        <p:nvSpPr>
+          <p:cNvPr id="2" name="Content Placeholder 1"/>
+          <p:cNvSpPr>
+            <a:spLocks noGrp="1"/>
+          </p:cNvSpPr>
+          <p:nvPr>
+            <p:ph idx="1"/>
+          </p:nvPr>
+        </p:nvSpPr>
+        <p:spPr>
+          <a:xfrm>
+            <a:off x="838200" y="1178053"/>
+            <a:ext cx="6082364" cy="5396002"/>
+          </a:xfrm>
+        </p:spPr>
+        <p:txBody>
+          <a:bodyPr>
+            <a:normAutofit fontScale="92500" lnSpcReduction="10000"/>
+          </a:bodyPr>
+          <a:lstStyle/>
+          <a:p>
+            <a:pPr marL="0" indent="0">
+              <a:lnSpc>
+                <a:spcPct val="110000"/>
+              </a:lnSpc>
+              <a:buNone/>
+            </a:pPr>
+            <a:r>
+              <a:rPr lang="en-US" altLang="en-US" b="1" dirty="0" smtClean="0"/>
+              <a:t>Central Processing Unit (CPU) </a:t>
+            </a:r>
+            <a:r>
+              <a:rPr lang="en-US" altLang="en-US" dirty="0" smtClean="0"/>
+              <a:t>is the heart of any computer system. </a:t>
+            </a:r>
+          </a:p>
+          <a:p>
+            <a:pPr marL="0" indent="0">
+              <a:lnSpc>
+                <a:spcPct val="110000"/>
+              </a:lnSpc>
+              <a:buNone/>
+            </a:pPr>
+            <a:r>
+              <a:rPr lang="en-US" altLang="en-US" dirty="0" smtClean="0"/>
+              <a:t>Main components:</a:t>
+            </a:r>
+          </a:p>
+          <a:p>
+            <a:pPr>
+              <a:lnSpc>
+                <a:spcPct val="110000"/>
+              </a:lnSpc>
+            </a:pPr>
+            <a:r>
+              <a:rPr lang="en-US" altLang="en-US" b="1" dirty="0"/>
+              <a:t>Register file: </a:t>
+            </a:r>
+            <a:r>
+              <a:rPr lang="en-US" altLang="en-US" dirty="0" smtClean="0"/>
+              <a:t>small </a:t>
+            </a:r>
+            <a:r>
+              <a:rPr lang="en-US" altLang="en-US" dirty="0"/>
+              <a:t>fast memory for immediate access to data</a:t>
+            </a:r>
+          </a:p>
+          <a:p>
+            <a:pPr>
+              <a:lnSpc>
+                <a:spcPct val="110000"/>
+              </a:lnSpc>
+            </a:pPr>
+            <a:r>
+              <a:rPr lang="en-US" altLang="en-US" b="1" dirty="0" err="1" smtClean="0"/>
+              <a:t>Datapath</a:t>
+            </a:r>
+            <a:r>
+              <a:rPr lang="en-US" altLang="en-US" b="1" dirty="0"/>
+              <a:t>: </a:t>
+            </a:r>
+            <a:r>
+              <a:rPr lang="en-US" altLang="en-US" dirty="0"/>
+              <a:t>performs operations on data</a:t>
+            </a:r>
+          </a:p>
+          <a:p>
+            <a:pPr>
+              <a:lnSpc>
+                <a:spcPct val="110000"/>
+              </a:lnSpc>
+            </a:pPr>
+            <a:r>
+              <a:rPr lang="en-US" altLang="en-US" b="1" dirty="0" smtClean="0"/>
+              <a:t>Control unit</a:t>
+            </a:r>
+            <a:r>
+              <a:rPr lang="en-US" altLang="en-US" dirty="0" smtClean="0"/>
+              <a:t>: </a:t>
+            </a:r>
+            <a:r>
+              <a:rPr lang="en-US" altLang="en-US" dirty="0"/>
+              <a:t>sequences </a:t>
+            </a:r>
+            <a:r>
+              <a:rPr lang="en-US" altLang="en-US" dirty="0" err="1"/>
+              <a:t>datapath</a:t>
+            </a:r>
+            <a:r>
+              <a:rPr lang="en-US" altLang="en-US" dirty="0"/>
+              <a:t>, memory, </a:t>
+            </a:r>
+            <a:r>
+              <a:rPr lang="en-US" altLang="en-US" dirty="0" smtClean="0"/>
+              <a:t>etc.</a:t>
+            </a:r>
+            <a:endParaRPr lang="en-US" altLang="en-US" dirty="0"/>
+          </a:p>
+          <a:p>
+            <a:endParaRPr lang="en-US" dirty="0"/>
+          </a:p>
+        </p:txBody>
+      </p:sp>
+      <p:sp>
+        <p:nvSpPr>
+          <p:cNvPr id="3" name="Slide Number Placeholder 2"/>
+          <p:cNvSpPr>
+            <a:spLocks noGrp="1"/>
+          </p:cNvSpPr>
+          <p:nvPr>
+            <p:ph type="sldNum" sz="quarter" idx="12"/>
+          </p:nvPr>
+        </p:nvSpPr>
+        <p:spPr/>
+        <p:txBody>
+          <a:bodyPr/>
+          <a:lstStyle/>
+          <a:p>
+            <a:pPr algn="ctr"/>
+            <a:fld id="{1397BFD8-F312-4EF2-A268-44FB4BDDBBB0}" type="slidenum">
+              <a:rPr lang="ru-RU" smtClean="0"/>
+              <a:pPr algn="ctr"/>
+              <a:t>7</a:t>
+            </a:fld>
+            <a:endParaRPr lang="ru-RU" dirty="0"/>
+          </a:p>
+        </p:txBody>
+      </p:sp>
+      <p:sp>
+        <p:nvSpPr>
+          <p:cNvPr id="4" name="Title 3"/>
+          <p:cNvSpPr>
+            <a:spLocks noGrp="1"/>
+          </p:cNvSpPr>
+          <p:nvPr>
+            <p:ph type="title"/>
+          </p:nvPr>
+        </p:nvSpPr>
+        <p:spPr/>
+        <p:txBody>
+          <a:bodyPr/>
+          <a:lstStyle/>
+          <a:p>
+            <a:r>
+              <a:rPr lang="en-US" altLang="en-US" dirty="0"/>
+              <a:t>Inside the Processor (CPU)</a:t>
+            </a:r>
+            <a:endParaRPr lang="en-US" dirty="0"/>
+          </a:p>
+        </p:txBody>
+      </p:sp>
+      <p:pic>
+        <p:nvPicPr>
+          <p:cNvPr id="5" name="Picture 6"/>
+          <p:cNvPicPr>
+            <a:picLocks noChangeAspect="1" noChangeArrowheads="1"/>
+          </p:cNvPicPr>
+          <p:nvPr/>
+        </p:nvPicPr>
+        <p:blipFill>
+          <a:blip r:embed="rId2">
+            <a:extLst>
+              <a:ext uri="{28A0092B-C50C-407E-A947-70E740481C1C}">
+                <a14:useLocalDpi xmlns:a14="http://schemas.microsoft.com/office/drawing/2010/main" val="0"/>
+              </a:ext>
+            </a:extLst>
+          </a:blip>
+          <a:srcRect/>
+          <a:stretch>
+            <a:fillRect/>
+          </a:stretch>
+        </p:blipFill>
+        <p:spPr bwMode="auto">
+          <a:xfrm>
+            <a:off x="7239555" y="1448159"/>
+            <a:ext cx="3833812" cy="4611687"/>
+          </a:xfrm>
+          <a:prstGeom prst="rect">
+            <a:avLst/>
+          </a:prstGeom>
+          <a:noFill/>
+          <a:ln>
+            <a:noFill/>
+          </a:ln>
+          <a:extLst>
+            <a:ext uri="{909E8E84-426E-40DD-AFC4-6F175D3DCCD1}">
+              <a14:hiddenFill xmlns:a14="http://schemas.microsoft.com/office/drawing/2010/main">
+                <a:solidFill>
+                  <a:srgbClr val="FFFFFF"/>
+                </a:solidFill>
+              </a14:hiddenFill>
+            </a:ext>
+            <a:ext uri="{91240B29-F687-4F45-9708-019B960494DF}">
+              <a14:hiddenLine xmlns:a14="http://schemas.microsoft.com/office/drawing/2010/main" w="9525">
+                <a:solidFill>
+                  <a:srgbClr val="000000"/>
+                </a:solidFill>
+                <a:miter lim="800000"/>
+                <a:headEnd/>
+                <a:tailEnd/>
+              </a14:hiddenLine>
+            </a:ext>
+          </a:extLst>
+        </p:spPr>
+      </p:pic>
+    </p:spTree>
+    <p:extLst>
+      <p:ext uri="{BB962C8B-B14F-4D97-AF65-F5344CB8AC3E}">
+        <p14:creationId xmlns:p14="http://schemas.microsoft.com/office/powerpoint/2010/main" val="2833605869"/>
+      </p:ext>
+    </p:extLst>
+  </p:cSld>
+  <p:clrMapOvr>
+    <a:masterClrMapping/>
+  </p:clrMapOvr>
+  <p:timing>
+    <p:tnLst>
+      <p:par>
+        <p:cTn id="1" dur="indefinite" restart="never" nodeType="tmRoot"/>
+      </p:par>
+    </p:tnLst>
+  </p:timing>
+</p:sld>
+</file>
+
+<file path=ppt/slides/slide8.xml><?xml version="1.0" encoding="utf-8"?>
+<p:sld xmlns:a="http://schemas.openxmlformats.org/drawingml/2006/main" xmlns:r="http://schemas.openxmlformats.org/officeDocument/2006/relationships" xmlns:p="http://schemas.openxmlformats.org/presentationml/2006/main">
+  <p:cSld>
+    <p:spTree>
+      <p:nvGrpSpPr>
+        <p:cNvPr id="1" name=""/>
+        <p:cNvGrpSpPr/>
+        <p:nvPr/>
+      </p:nvGrpSpPr>
+      <p:grpSpPr>
+        <a:xfrm>
+          <a:off x="0" y="0"/>
+          <a:ext cx="0" cy="0"/>
+          <a:chOff x="0" y="0"/>
+          <a:chExt cx="0" cy="0"/>
+        </a:xfrm>
+      </p:grpSpPr>
+      <p:sp>
+        <p:nvSpPr>
+          <p:cNvPr id="2" name="Content Placeholder 1"/>
+          <p:cNvSpPr>
+            <a:spLocks noGrp="1"/>
+          </p:cNvSpPr>
+          <p:nvPr>
+            <p:ph idx="1"/>
+          </p:nvPr>
+        </p:nvSpPr>
+        <p:spPr>
+          <a:xfrm>
+            <a:off x="838200" y="3157084"/>
+            <a:ext cx="10515600" cy="3561397"/>
+          </a:xfrm>
+        </p:spPr>
+        <p:txBody>
+          <a:bodyPr>
+            <a:noAutofit/>
+          </a:bodyPr>
+          <a:lstStyle/>
+          <a:p>
+            <a:r>
+              <a:rPr lang="en-US" altLang="en-US" dirty="0"/>
+              <a:t>Operation of digital hardware governed by a constant-rate </a:t>
+            </a:r>
+            <a:r>
+              <a:rPr lang="en-US" altLang="en-US" dirty="0" smtClean="0"/>
+              <a:t>clock</a:t>
+            </a:r>
+          </a:p>
+          <a:p>
+            <a:r>
+              <a:rPr lang="en-US" altLang="en-US" dirty="0"/>
+              <a:t>Clock period: duration of a clock cycle</a:t>
+            </a:r>
+          </a:p>
+          <a:p>
+            <a:pPr lvl="1"/>
+            <a:r>
+              <a:rPr lang="en-US" altLang="en-US" sz="3600" dirty="0"/>
+              <a:t>e.g., </a:t>
+            </a:r>
+            <a:r>
+              <a:rPr lang="en-US" altLang="en-US" sz="3600" dirty="0" smtClean="0"/>
+              <a:t>250 </a:t>
+            </a:r>
+            <a:r>
+              <a:rPr lang="en-US" altLang="en-US" sz="3600" dirty="0" err="1" smtClean="0"/>
+              <a:t>ps</a:t>
+            </a:r>
+            <a:r>
+              <a:rPr lang="en-US" altLang="en-US" sz="3600" dirty="0" smtClean="0"/>
+              <a:t> </a:t>
+            </a:r>
+            <a:r>
+              <a:rPr lang="en-US" altLang="en-US" sz="3600" dirty="0"/>
+              <a:t>= </a:t>
+            </a:r>
+            <a:r>
+              <a:rPr lang="en-US" altLang="en-US" sz="3600" dirty="0" smtClean="0"/>
+              <a:t>0.25 ns </a:t>
+            </a:r>
+            <a:r>
+              <a:rPr lang="en-US" altLang="en-US" sz="3600" dirty="0"/>
+              <a:t>= </a:t>
+            </a:r>
+            <a:r>
+              <a:rPr lang="en-US" altLang="en-US" sz="3600" dirty="0" smtClean="0"/>
+              <a:t>250×10</a:t>
+            </a:r>
+            <a:r>
+              <a:rPr lang="en-US" altLang="en-US" sz="3600" baseline="30000" dirty="0" smtClean="0"/>
+              <a:t>–12 </a:t>
+            </a:r>
+            <a:r>
+              <a:rPr lang="en-US" altLang="en-US" sz="3600" dirty="0" smtClean="0"/>
+              <a:t>s</a:t>
+            </a:r>
+            <a:endParaRPr lang="en-US" altLang="en-US" sz="3600" dirty="0"/>
+          </a:p>
+          <a:p>
+            <a:r>
+              <a:rPr lang="en-US" altLang="en-US" dirty="0"/>
+              <a:t>Clock frequency (rate): cycles per second</a:t>
+            </a:r>
+          </a:p>
+          <a:p>
+            <a:pPr lvl="1"/>
+            <a:r>
+              <a:rPr lang="en-US" altLang="en-US" sz="3600" dirty="0"/>
+              <a:t>e.g., </a:t>
+            </a:r>
+            <a:r>
+              <a:rPr lang="en-US" altLang="en-US" sz="3600" dirty="0" smtClean="0"/>
+              <a:t>4.0 GHz </a:t>
+            </a:r>
+            <a:r>
+              <a:rPr lang="en-US" altLang="en-US" sz="3600" dirty="0"/>
+              <a:t>= </a:t>
+            </a:r>
+            <a:r>
+              <a:rPr lang="en-US" altLang="en-US" sz="3600" dirty="0" smtClean="0"/>
+              <a:t>4000 MHz </a:t>
+            </a:r>
+            <a:r>
+              <a:rPr lang="en-US" altLang="en-US" sz="3600" dirty="0"/>
+              <a:t>= </a:t>
+            </a:r>
+            <a:r>
+              <a:rPr lang="en-US" altLang="en-US" sz="3600" dirty="0" smtClean="0"/>
+              <a:t>4.0×10</a:t>
+            </a:r>
+            <a:r>
+              <a:rPr lang="en-US" altLang="en-US" sz="3600" baseline="30000" dirty="0" smtClean="0"/>
+              <a:t>9 </a:t>
+            </a:r>
+            <a:r>
+              <a:rPr lang="en-US" altLang="en-US" sz="3600" dirty="0" smtClean="0"/>
+              <a:t>Hz</a:t>
+            </a:r>
+            <a:endParaRPr lang="en-AU" altLang="en-US" sz="3600" dirty="0"/>
+          </a:p>
+          <a:p>
+            <a:endParaRPr lang="en-AU" altLang="en-US" dirty="0"/>
+          </a:p>
+        </p:txBody>
+      </p:sp>
+      <p:sp>
+        <p:nvSpPr>
+          <p:cNvPr id="3" name="Slide Number Placeholder 2"/>
+          <p:cNvSpPr>
+            <a:spLocks noGrp="1"/>
+          </p:cNvSpPr>
+          <p:nvPr>
+            <p:ph type="sldNum" sz="quarter" idx="12"/>
+          </p:nvPr>
+        </p:nvSpPr>
+        <p:spPr/>
+        <p:txBody>
+          <a:bodyPr/>
+          <a:lstStyle/>
+          <a:p>
+            <a:pPr algn="ctr"/>
+            <a:fld id="{1397BFD8-F312-4EF2-A268-44FB4BDDBBB0}" type="slidenum">
+              <a:rPr lang="ru-RU" smtClean="0"/>
+              <a:pPr algn="ctr"/>
+              <a:t>8</a:t>
+            </a:fld>
+            <a:endParaRPr lang="ru-RU" dirty="0"/>
+          </a:p>
+        </p:txBody>
+      </p:sp>
+      <p:sp>
+        <p:nvSpPr>
+          <p:cNvPr id="4" name="Title 3"/>
+          <p:cNvSpPr>
+            <a:spLocks noGrp="1"/>
+          </p:cNvSpPr>
+          <p:nvPr>
+            <p:ph type="title"/>
+          </p:nvPr>
+        </p:nvSpPr>
+        <p:spPr/>
+        <p:txBody>
+          <a:bodyPr/>
+          <a:lstStyle/>
+          <a:p>
+            <a:r>
+              <a:rPr lang="en-US" altLang="en-US" dirty="0"/>
+              <a:t>CPU Clocking</a:t>
+            </a:r>
+            <a:endParaRPr lang="en-US" dirty="0"/>
+          </a:p>
+        </p:txBody>
+      </p:sp>
+      <p:sp>
+        <p:nvSpPr>
+          <p:cNvPr id="5" name="Line 2"/>
+          <p:cNvSpPr>
+            <a:spLocks noChangeShapeType="1"/>
+          </p:cNvSpPr>
+          <p:nvPr/>
+        </p:nvSpPr>
+        <p:spPr bwMode="auto">
+          <a:xfrm>
+            <a:off x="4261310" y="1316527"/>
+            <a:ext cx="1728787" cy="0"/>
+          </a:xfrm>
+          <a:prstGeom prst="line">
+            <a:avLst/>
+          </a:prstGeom>
+          <a:noFill/>
+          <a:ln w="19050">
+            <a:solidFill>
+              <a:schemeClr val="tx1"/>
+            </a:solidFill>
+            <a:round/>
+            <a:headEnd type="triangle" w="med" len="med"/>
+            <a:tailEnd type="triangle" w="med" len="med"/>
+          </a:ln>
+          <a:extLst>
+            <a:ext uri="{909E8E84-426E-40DD-AFC4-6F175D3DCCD1}">
+              <a14:hiddenFill xmlns:a14="http://schemas.microsoft.com/office/drawing/2010/main">
+                <a:noFill/>
+              </a14:hiddenFill>
+            </a:ext>
+          </a:extLst>
+        </p:spPr>
+        <p:txBody>
+          <a:bodyPr/>
+          <a:lstStyle/>
+          <a:p>
+            <a:endParaRPr lang="en-US"/>
+          </a:p>
+        </p:txBody>
+      </p:sp>
+      <p:sp>
+        <p:nvSpPr>
+          <p:cNvPr id="6" name="Line 3"/>
+          <p:cNvSpPr>
+            <a:spLocks noChangeShapeType="1"/>
+          </p:cNvSpPr>
+          <p:nvPr/>
+        </p:nvSpPr>
+        <p:spPr bwMode="auto">
+          <a:xfrm>
+            <a:off x="4261310" y="1387964"/>
+            <a:ext cx="0" cy="1655763"/>
+          </a:xfrm>
+          <a:prstGeom prst="line">
+            <a:avLst/>
+          </a:prstGeom>
+          <a:noFill/>
+          <a:ln w="19050">
+            <a:solidFill>
+              <a:schemeClr val="tx1"/>
+            </a:solidFill>
+            <a:prstDash val="dash"/>
+            <a:round/>
+            <a:headEnd/>
+            <a:tailEnd/>
+          </a:ln>
+          <a:extLst>
+            <a:ext uri="{909E8E84-426E-40DD-AFC4-6F175D3DCCD1}">
+              <a14:hiddenFill xmlns:a14="http://schemas.microsoft.com/office/drawing/2010/main">
+                <a:noFill/>
+              </a14:hiddenFill>
+            </a:ext>
+          </a:extLst>
+        </p:spPr>
+        <p:txBody>
+          <a:bodyPr/>
+          <a:lstStyle/>
+          <a:p>
+            <a:endParaRPr lang="en-US"/>
+          </a:p>
+        </p:txBody>
+      </p:sp>
+      <p:sp>
+        <p:nvSpPr>
+          <p:cNvPr id="7" name="Line 4"/>
+          <p:cNvSpPr>
+            <a:spLocks noChangeShapeType="1"/>
+          </p:cNvSpPr>
+          <p:nvPr/>
+        </p:nvSpPr>
+        <p:spPr bwMode="auto">
+          <a:xfrm>
+            <a:off x="5990097" y="1387964"/>
+            <a:ext cx="0" cy="1655763"/>
+          </a:xfrm>
+          <a:prstGeom prst="line">
+            <a:avLst/>
+          </a:prstGeom>
+          <a:noFill/>
+          <a:ln w="19050">
+            <a:solidFill>
+              <a:schemeClr val="tx1"/>
+            </a:solidFill>
+            <a:prstDash val="dash"/>
+            <a:round/>
+            <a:headEnd/>
+            <a:tailEnd/>
+          </a:ln>
+          <a:extLst>
+            <a:ext uri="{909E8E84-426E-40DD-AFC4-6F175D3DCCD1}">
+              <a14:hiddenFill xmlns:a14="http://schemas.microsoft.com/office/drawing/2010/main">
+                <a:noFill/>
+              </a14:hiddenFill>
+            </a:ext>
+          </a:extLst>
+        </p:spPr>
+        <p:txBody>
+          <a:bodyPr/>
+          <a:lstStyle/>
+          <a:p>
+            <a:endParaRPr lang="en-US"/>
+          </a:p>
+        </p:txBody>
+      </p:sp>
+      <p:sp>
+        <p:nvSpPr>
+          <p:cNvPr id="8" name="Line 5"/>
+          <p:cNvSpPr>
+            <a:spLocks noChangeShapeType="1"/>
+          </p:cNvSpPr>
+          <p:nvPr/>
+        </p:nvSpPr>
+        <p:spPr bwMode="auto">
+          <a:xfrm>
+            <a:off x="7717297" y="1387964"/>
+            <a:ext cx="0" cy="1655763"/>
+          </a:xfrm>
+          <a:prstGeom prst="line">
+            <a:avLst/>
+          </a:prstGeom>
+          <a:noFill/>
+          <a:ln w="19050">
+            <a:solidFill>
+              <a:schemeClr val="tx1"/>
+            </a:solidFill>
+            <a:prstDash val="dash"/>
+            <a:round/>
+            <a:headEnd/>
+            <a:tailEnd/>
+          </a:ln>
+          <a:extLst>
+            <a:ext uri="{909E8E84-426E-40DD-AFC4-6F175D3DCCD1}">
+              <a14:hiddenFill xmlns:a14="http://schemas.microsoft.com/office/drawing/2010/main">
+                <a:noFill/>
+              </a14:hiddenFill>
+            </a:ext>
+          </a:extLst>
+        </p:spPr>
+        <p:txBody>
+          <a:bodyPr/>
+          <a:lstStyle/>
+          <a:p>
+            <a:endParaRPr lang="en-US"/>
+          </a:p>
+        </p:txBody>
+      </p:sp>
+      <p:sp>
+        <p:nvSpPr>
+          <p:cNvPr id="9" name="Line 6"/>
+          <p:cNvSpPr>
+            <a:spLocks noChangeShapeType="1"/>
+          </p:cNvSpPr>
+          <p:nvPr/>
+        </p:nvSpPr>
+        <p:spPr bwMode="auto">
+          <a:xfrm>
+            <a:off x="9446085" y="1387964"/>
+            <a:ext cx="0" cy="1655763"/>
+          </a:xfrm>
+          <a:prstGeom prst="line">
+            <a:avLst/>
+          </a:prstGeom>
+          <a:noFill/>
+          <a:ln w="19050">
+            <a:solidFill>
+              <a:schemeClr val="tx1"/>
+            </a:solidFill>
+            <a:prstDash val="dash"/>
+            <a:round/>
+            <a:headEnd/>
+            <a:tailEnd/>
+          </a:ln>
+          <a:extLst>
+            <a:ext uri="{909E8E84-426E-40DD-AFC4-6F175D3DCCD1}">
+              <a14:hiddenFill xmlns:a14="http://schemas.microsoft.com/office/drawing/2010/main">
+                <a:noFill/>
+              </a14:hiddenFill>
+            </a:ext>
+          </a:extLst>
+        </p:spPr>
+        <p:txBody>
+          <a:bodyPr/>
+          <a:lstStyle/>
+          <a:p>
+            <a:endParaRPr lang="en-US"/>
+          </a:p>
+        </p:txBody>
+      </p:sp>
+      <p:sp>
+        <p:nvSpPr>
+          <p:cNvPr id="10" name="Line 10"/>
+          <p:cNvSpPr>
+            <a:spLocks noChangeShapeType="1"/>
+          </p:cNvSpPr>
+          <p:nvPr/>
+        </p:nvSpPr>
+        <p:spPr bwMode="auto">
+          <a:xfrm>
+            <a:off x="4261310" y="1532427"/>
+            <a:ext cx="863600" cy="0"/>
+          </a:xfrm>
+          <a:prstGeom prst="line">
+            <a:avLst/>
+          </a:prstGeom>
+          <a:noFill/>
+          <a:ln w="25400">
+            <a:solidFill>
+              <a:srgbClr val="273272"/>
+            </a:solidFill>
+            <a:round/>
+            <a:headEnd/>
+            <a:tailEnd/>
+          </a:ln>
+          <a:extLst>
+            <a:ext uri="{909E8E84-426E-40DD-AFC4-6F175D3DCCD1}">
+              <a14:hiddenFill xmlns:a14="http://schemas.microsoft.com/office/drawing/2010/main">
+                <a:noFill/>
+              </a14:hiddenFill>
+            </a:ext>
+          </a:extLst>
+        </p:spPr>
+        <p:txBody>
+          <a:bodyPr/>
+          <a:lstStyle/>
+          <a:p>
+            <a:endParaRPr lang="en-US"/>
+          </a:p>
+        </p:txBody>
+      </p:sp>
+      <p:sp>
+        <p:nvSpPr>
+          <p:cNvPr id="11" name="Line 11"/>
+          <p:cNvSpPr>
+            <a:spLocks noChangeShapeType="1"/>
+          </p:cNvSpPr>
+          <p:nvPr/>
+        </p:nvSpPr>
+        <p:spPr bwMode="auto">
+          <a:xfrm>
+            <a:off x="4261310" y="1532427"/>
+            <a:ext cx="0" cy="287337"/>
+          </a:xfrm>
+          <a:prstGeom prst="line">
+            <a:avLst/>
+          </a:prstGeom>
+          <a:noFill/>
+          <a:ln w="25400">
+            <a:solidFill>
+              <a:schemeClr val="tx1"/>
+            </a:solidFill>
+            <a:round/>
+            <a:headEnd/>
+            <a:tailEnd/>
+          </a:ln>
+          <a:extLst>
+            <a:ext uri="{909E8E84-426E-40DD-AFC4-6F175D3DCCD1}">
+              <a14:hiddenFill xmlns:a14="http://schemas.microsoft.com/office/drawing/2010/main">
+                <a:noFill/>
+              </a14:hiddenFill>
+            </a:ext>
+          </a:extLst>
+        </p:spPr>
+        <p:txBody>
+          <a:bodyPr/>
+          <a:lstStyle/>
+          <a:p>
+            <a:endParaRPr lang="en-US"/>
+          </a:p>
+        </p:txBody>
+      </p:sp>
+      <p:sp>
+        <p:nvSpPr>
+          <p:cNvPr id="12" name="Line 12"/>
+          <p:cNvSpPr>
+            <a:spLocks noChangeShapeType="1"/>
+          </p:cNvSpPr>
+          <p:nvPr/>
+        </p:nvSpPr>
+        <p:spPr bwMode="auto">
+          <a:xfrm>
+            <a:off x="5124910" y="1532427"/>
+            <a:ext cx="0" cy="287337"/>
+          </a:xfrm>
+          <a:prstGeom prst="line">
+            <a:avLst/>
+          </a:prstGeom>
+          <a:noFill/>
+          <a:ln w="25400">
+            <a:solidFill>
+              <a:srgbClr val="273272"/>
+            </a:solidFill>
+            <a:round/>
+            <a:headEnd/>
+            <a:tailEnd/>
+          </a:ln>
+          <a:extLst>
+            <a:ext uri="{909E8E84-426E-40DD-AFC4-6F175D3DCCD1}">
+              <a14:hiddenFill xmlns:a14="http://schemas.microsoft.com/office/drawing/2010/main">
+                <a:noFill/>
+              </a14:hiddenFill>
+            </a:ext>
+          </a:extLst>
+        </p:spPr>
+        <p:txBody>
+          <a:bodyPr/>
+          <a:lstStyle/>
+          <a:p>
+            <a:endParaRPr lang="en-US"/>
+          </a:p>
+        </p:txBody>
+      </p:sp>
+      <p:sp>
+        <p:nvSpPr>
+          <p:cNvPr id="13" name="Line 13"/>
+          <p:cNvSpPr>
+            <a:spLocks noChangeShapeType="1"/>
+          </p:cNvSpPr>
+          <p:nvPr/>
+        </p:nvSpPr>
+        <p:spPr bwMode="auto">
+          <a:xfrm>
+            <a:off x="5124910" y="1819764"/>
+            <a:ext cx="863600" cy="0"/>
+          </a:xfrm>
+          <a:prstGeom prst="line">
+            <a:avLst/>
+          </a:prstGeom>
+          <a:noFill/>
+          <a:ln w="25400">
+            <a:solidFill>
+              <a:srgbClr val="273272"/>
+            </a:solidFill>
+            <a:round/>
+            <a:headEnd/>
+            <a:tailEnd/>
+          </a:ln>
+          <a:extLst>
+            <a:ext uri="{909E8E84-426E-40DD-AFC4-6F175D3DCCD1}">
+              <a14:hiddenFill xmlns:a14="http://schemas.microsoft.com/office/drawing/2010/main">
+                <a:noFill/>
+              </a14:hiddenFill>
+            </a:ext>
+          </a:extLst>
+        </p:spPr>
+        <p:txBody>
+          <a:bodyPr/>
+          <a:lstStyle/>
+          <a:p>
+            <a:endParaRPr lang="en-US"/>
+          </a:p>
+        </p:txBody>
+      </p:sp>
+      <p:sp>
+        <p:nvSpPr>
+          <p:cNvPr id="14" name="Line 14"/>
+          <p:cNvSpPr>
+            <a:spLocks noChangeShapeType="1"/>
+          </p:cNvSpPr>
+          <p:nvPr/>
+        </p:nvSpPr>
+        <p:spPr bwMode="auto">
+          <a:xfrm>
+            <a:off x="3973972" y="1819764"/>
+            <a:ext cx="287338" cy="0"/>
+          </a:xfrm>
+          <a:prstGeom prst="line">
+            <a:avLst/>
+          </a:prstGeom>
+          <a:noFill/>
+          <a:ln w="25400">
+            <a:solidFill>
+              <a:srgbClr val="273272"/>
+            </a:solidFill>
+            <a:round/>
+            <a:headEnd/>
+            <a:tailEnd/>
+          </a:ln>
+          <a:extLst>
+            <a:ext uri="{909E8E84-426E-40DD-AFC4-6F175D3DCCD1}">
+              <a14:hiddenFill xmlns:a14="http://schemas.microsoft.com/office/drawing/2010/main">
+                <a:noFill/>
+              </a14:hiddenFill>
+            </a:ext>
+          </a:extLst>
+        </p:spPr>
+        <p:txBody>
+          <a:bodyPr/>
+          <a:lstStyle/>
+          <a:p>
+            <a:endParaRPr lang="en-US"/>
+          </a:p>
+        </p:txBody>
+      </p:sp>
+      <p:sp>
+        <p:nvSpPr>
+          <p:cNvPr id="15" name="Line 15"/>
+          <p:cNvSpPr>
+            <a:spLocks noChangeShapeType="1"/>
+          </p:cNvSpPr>
+          <p:nvPr/>
+        </p:nvSpPr>
+        <p:spPr bwMode="auto">
+          <a:xfrm>
+            <a:off x="5990097" y="1532427"/>
+            <a:ext cx="863600" cy="0"/>
+          </a:xfrm>
+          <a:prstGeom prst="line">
+            <a:avLst/>
+          </a:prstGeom>
+          <a:noFill/>
+          <a:ln w="25400">
+            <a:solidFill>
+              <a:srgbClr val="273272"/>
+            </a:solidFill>
+            <a:round/>
+            <a:headEnd/>
+            <a:tailEnd/>
+          </a:ln>
+          <a:extLst>
+            <a:ext uri="{909E8E84-426E-40DD-AFC4-6F175D3DCCD1}">
+              <a14:hiddenFill xmlns:a14="http://schemas.microsoft.com/office/drawing/2010/main">
+                <a:noFill/>
+              </a14:hiddenFill>
+            </a:ext>
+          </a:extLst>
+        </p:spPr>
+        <p:txBody>
+          <a:bodyPr/>
+          <a:lstStyle/>
+          <a:p>
+            <a:endParaRPr lang="en-US"/>
+          </a:p>
+        </p:txBody>
+      </p:sp>
+      <p:sp>
+        <p:nvSpPr>
+          <p:cNvPr id="16" name="Line 16"/>
+          <p:cNvSpPr>
+            <a:spLocks noChangeShapeType="1"/>
+          </p:cNvSpPr>
+          <p:nvPr/>
+        </p:nvSpPr>
+        <p:spPr bwMode="auto">
+          <a:xfrm>
+            <a:off x="5990097" y="1532427"/>
+            <a:ext cx="0" cy="287337"/>
+          </a:xfrm>
+          <a:prstGeom prst="line">
+            <a:avLst/>
+          </a:prstGeom>
+          <a:noFill/>
+          <a:ln w="25400">
+            <a:solidFill>
+              <a:srgbClr val="273272"/>
+            </a:solidFill>
+            <a:round/>
+            <a:headEnd/>
+            <a:tailEnd/>
+          </a:ln>
+          <a:extLst>
+            <a:ext uri="{909E8E84-426E-40DD-AFC4-6F175D3DCCD1}">
+              <a14:hiddenFill xmlns:a14="http://schemas.microsoft.com/office/drawing/2010/main">
+                <a:noFill/>
+              </a14:hiddenFill>
+            </a:ext>
+          </a:extLst>
+        </p:spPr>
+        <p:txBody>
+          <a:bodyPr/>
+          <a:lstStyle/>
+          <a:p>
+            <a:endParaRPr lang="en-US"/>
+          </a:p>
+        </p:txBody>
+      </p:sp>
+      <p:sp>
+        <p:nvSpPr>
+          <p:cNvPr id="17" name="Line 17"/>
+          <p:cNvSpPr>
+            <a:spLocks noChangeShapeType="1"/>
+          </p:cNvSpPr>
+          <p:nvPr/>
+        </p:nvSpPr>
+        <p:spPr bwMode="auto">
+          <a:xfrm>
+            <a:off x="6853697" y="1532427"/>
+            <a:ext cx="0" cy="287337"/>
+          </a:xfrm>
+          <a:prstGeom prst="line">
+            <a:avLst/>
+          </a:prstGeom>
+          <a:noFill/>
+          <a:ln w="25400">
+            <a:solidFill>
+              <a:srgbClr val="273272"/>
+            </a:solidFill>
+            <a:round/>
+            <a:headEnd/>
+            <a:tailEnd/>
+          </a:ln>
+          <a:extLst>
+            <a:ext uri="{909E8E84-426E-40DD-AFC4-6F175D3DCCD1}">
+              <a14:hiddenFill xmlns:a14="http://schemas.microsoft.com/office/drawing/2010/main">
+                <a:noFill/>
+              </a14:hiddenFill>
+            </a:ext>
+          </a:extLst>
+        </p:spPr>
+        <p:txBody>
+          <a:bodyPr/>
+          <a:lstStyle/>
+          <a:p>
+            <a:endParaRPr lang="en-US"/>
+          </a:p>
+        </p:txBody>
+      </p:sp>
+      <p:sp>
+        <p:nvSpPr>
+          <p:cNvPr id="18" name="Line 18"/>
+          <p:cNvSpPr>
+            <a:spLocks noChangeShapeType="1"/>
+          </p:cNvSpPr>
+          <p:nvPr/>
+        </p:nvSpPr>
+        <p:spPr bwMode="auto">
+          <a:xfrm>
+            <a:off x="6853697" y="1819764"/>
+            <a:ext cx="863600" cy="0"/>
+          </a:xfrm>
+          <a:prstGeom prst="line">
+            <a:avLst/>
+          </a:prstGeom>
+          <a:noFill/>
+          <a:ln w="25400">
+            <a:solidFill>
+              <a:srgbClr val="273272"/>
+            </a:solidFill>
+            <a:round/>
+            <a:headEnd/>
+            <a:tailEnd/>
+          </a:ln>
+          <a:extLst>
+            <a:ext uri="{909E8E84-426E-40DD-AFC4-6F175D3DCCD1}">
+              <a14:hiddenFill xmlns:a14="http://schemas.microsoft.com/office/drawing/2010/main">
+                <a:noFill/>
+              </a14:hiddenFill>
+            </a:ext>
+          </a:extLst>
+        </p:spPr>
+        <p:txBody>
+          <a:bodyPr/>
+          <a:lstStyle/>
+          <a:p>
+            <a:endParaRPr lang="en-US"/>
+          </a:p>
+        </p:txBody>
+      </p:sp>
+      <p:sp>
+        <p:nvSpPr>
+          <p:cNvPr id="19" name="Line 19"/>
+          <p:cNvSpPr>
+            <a:spLocks noChangeShapeType="1"/>
+          </p:cNvSpPr>
+          <p:nvPr/>
+        </p:nvSpPr>
+        <p:spPr bwMode="auto">
+          <a:xfrm>
+            <a:off x="7717297" y="1532427"/>
+            <a:ext cx="863600" cy="0"/>
+          </a:xfrm>
+          <a:prstGeom prst="line">
+            <a:avLst/>
+          </a:prstGeom>
+          <a:noFill/>
+          <a:ln w="25400">
+            <a:solidFill>
+              <a:srgbClr val="273272"/>
+            </a:solidFill>
+            <a:round/>
+            <a:headEnd/>
+            <a:tailEnd/>
+          </a:ln>
+          <a:extLst>
+            <a:ext uri="{909E8E84-426E-40DD-AFC4-6F175D3DCCD1}">
+              <a14:hiddenFill xmlns:a14="http://schemas.microsoft.com/office/drawing/2010/main">
+                <a:noFill/>
+              </a14:hiddenFill>
+            </a:ext>
+          </a:extLst>
+        </p:spPr>
+        <p:txBody>
+          <a:bodyPr/>
+          <a:lstStyle/>
+          <a:p>
+            <a:endParaRPr lang="en-US"/>
+          </a:p>
+        </p:txBody>
+      </p:sp>
+      <p:sp>
+        <p:nvSpPr>
+          <p:cNvPr id="20" name="Line 20"/>
+          <p:cNvSpPr>
+            <a:spLocks noChangeShapeType="1"/>
+          </p:cNvSpPr>
+          <p:nvPr/>
+        </p:nvSpPr>
+        <p:spPr bwMode="auto">
+          <a:xfrm>
+            <a:off x="7717297" y="1532427"/>
+            <a:ext cx="0" cy="287337"/>
+          </a:xfrm>
+          <a:prstGeom prst="line">
+            <a:avLst/>
+          </a:prstGeom>
+          <a:noFill/>
+          <a:ln w="25400">
+            <a:solidFill>
+              <a:srgbClr val="273272"/>
+            </a:solidFill>
+            <a:round/>
+            <a:headEnd/>
+            <a:tailEnd/>
+          </a:ln>
+          <a:extLst>
+            <a:ext uri="{909E8E84-426E-40DD-AFC4-6F175D3DCCD1}">
+              <a14:hiddenFill xmlns:a14="http://schemas.microsoft.com/office/drawing/2010/main">
+                <a:noFill/>
+              </a14:hiddenFill>
+            </a:ext>
+          </a:extLst>
+        </p:spPr>
+        <p:txBody>
+          <a:bodyPr/>
+          <a:lstStyle/>
+          <a:p>
+            <a:endParaRPr lang="en-US"/>
+          </a:p>
+        </p:txBody>
+      </p:sp>
+      <p:sp>
+        <p:nvSpPr>
+          <p:cNvPr id="21" name="Line 21"/>
+          <p:cNvSpPr>
+            <a:spLocks noChangeShapeType="1"/>
+          </p:cNvSpPr>
+          <p:nvPr/>
+        </p:nvSpPr>
+        <p:spPr bwMode="auto">
+          <a:xfrm>
+            <a:off x="8580897" y="1532427"/>
+            <a:ext cx="0" cy="287337"/>
+          </a:xfrm>
+          <a:prstGeom prst="line">
+            <a:avLst/>
+          </a:prstGeom>
+          <a:noFill/>
+          <a:ln w="25400">
+            <a:solidFill>
+              <a:srgbClr val="273272"/>
+            </a:solidFill>
+            <a:round/>
+            <a:headEnd/>
+            <a:tailEnd/>
+          </a:ln>
+          <a:extLst>
+            <a:ext uri="{909E8E84-426E-40DD-AFC4-6F175D3DCCD1}">
+              <a14:hiddenFill xmlns:a14="http://schemas.microsoft.com/office/drawing/2010/main">
+                <a:noFill/>
+              </a14:hiddenFill>
+            </a:ext>
+          </a:extLst>
+        </p:spPr>
+        <p:txBody>
+          <a:bodyPr/>
+          <a:lstStyle/>
+          <a:p>
+            <a:endParaRPr lang="en-US"/>
+          </a:p>
+        </p:txBody>
+      </p:sp>
+      <p:sp>
+        <p:nvSpPr>
+          <p:cNvPr id="22" name="Line 22"/>
+          <p:cNvSpPr>
+            <a:spLocks noChangeShapeType="1"/>
+          </p:cNvSpPr>
+          <p:nvPr/>
+        </p:nvSpPr>
+        <p:spPr bwMode="auto">
+          <a:xfrm>
+            <a:off x="8580897" y="1819764"/>
+            <a:ext cx="863600" cy="0"/>
+          </a:xfrm>
+          <a:prstGeom prst="line">
+            <a:avLst/>
+          </a:prstGeom>
+          <a:noFill/>
+          <a:ln w="25400">
+            <a:solidFill>
+              <a:srgbClr val="273272"/>
+            </a:solidFill>
+            <a:round/>
+            <a:headEnd/>
+            <a:tailEnd/>
+          </a:ln>
+          <a:extLst>
+            <a:ext uri="{909E8E84-426E-40DD-AFC4-6F175D3DCCD1}">
+              <a14:hiddenFill xmlns:a14="http://schemas.microsoft.com/office/drawing/2010/main">
+                <a:noFill/>
+              </a14:hiddenFill>
+            </a:ext>
+          </a:extLst>
+        </p:spPr>
+        <p:txBody>
+          <a:bodyPr/>
+          <a:lstStyle/>
+          <a:p>
+            <a:endParaRPr lang="en-US"/>
+          </a:p>
+        </p:txBody>
+      </p:sp>
+      <p:sp>
+        <p:nvSpPr>
+          <p:cNvPr id="23" name="Line 23"/>
+          <p:cNvSpPr>
+            <a:spLocks noChangeShapeType="1"/>
+          </p:cNvSpPr>
+          <p:nvPr/>
+        </p:nvSpPr>
+        <p:spPr bwMode="auto">
+          <a:xfrm>
+            <a:off x="9446085" y="1532427"/>
+            <a:ext cx="0" cy="287337"/>
+          </a:xfrm>
+          <a:prstGeom prst="line">
+            <a:avLst/>
+          </a:prstGeom>
+          <a:noFill/>
+          <a:ln w="25400">
+            <a:solidFill>
+              <a:srgbClr val="273272"/>
+            </a:solidFill>
+            <a:round/>
+            <a:headEnd/>
+            <a:tailEnd/>
+          </a:ln>
+          <a:extLst>
+            <a:ext uri="{909E8E84-426E-40DD-AFC4-6F175D3DCCD1}">
+              <a14:hiddenFill xmlns:a14="http://schemas.microsoft.com/office/drawing/2010/main">
+                <a:noFill/>
+              </a14:hiddenFill>
+            </a:ext>
+          </a:extLst>
+        </p:spPr>
+        <p:txBody>
+          <a:bodyPr/>
+          <a:lstStyle/>
+          <a:p>
+            <a:endParaRPr lang="en-US"/>
+          </a:p>
+        </p:txBody>
+      </p:sp>
+      <p:sp>
+        <p:nvSpPr>
+          <p:cNvPr id="24" name="Line 24"/>
+          <p:cNvSpPr>
+            <a:spLocks noChangeShapeType="1"/>
+          </p:cNvSpPr>
+          <p:nvPr/>
+        </p:nvSpPr>
+        <p:spPr bwMode="auto">
+          <a:xfrm>
+            <a:off x="9446085" y="1532427"/>
+            <a:ext cx="287337" cy="0"/>
+          </a:xfrm>
+          <a:prstGeom prst="line">
+            <a:avLst/>
+          </a:prstGeom>
+          <a:noFill/>
+          <a:ln w="25400">
+            <a:solidFill>
+              <a:srgbClr val="273272"/>
+            </a:solidFill>
+            <a:round/>
+            <a:headEnd/>
+            <a:tailEnd/>
+          </a:ln>
+          <a:extLst>
+            <a:ext uri="{909E8E84-426E-40DD-AFC4-6F175D3DCCD1}">
+              <a14:hiddenFill xmlns:a14="http://schemas.microsoft.com/office/drawing/2010/main">
+                <a:noFill/>
+              </a14:hiddenFill>
+            </a:ext>
+          </a:extLst>
+        </p:spPr>
+        <p:txBody>
+          <a:bodyPr/>
+          <a:lstStyle/>
+          <a:p>
+            <a:endParaRPr lang="en-US"/>
+          </a:p>
+        </p:txBody>
+      </p:sp>
+      <p:sp>
+        <p:nvSpPr>
+          <p:cNvPr id="25" name="Freeform 25"/>
+          <p:cNvSpPr>
+            <a:spLocks/>
+          </p:cNvSpPr>
+          <p:nvPr/>
+        </p:nvSpPr>
+        <p:spPr bwMode="auto">
+          <a:xfrm>
+            <a:off x="5845635" y="2611927"/>
+            <a:ext cx="288925" cy="287337"/>
+          </a:xfrm>
+          <a:custGeom>
+            <a:avLst/>
+            <a:gdLst>
+              <a:gd name="T0" fmla="*/ 0 w 182"/>
+              <a:gd name="T1" fmla="*/ 2147483646 h 181"/>
+              <a:gd name="T2" fmla="*/ 2147483646 w 182"/>
+              <a:gd name="T3" fmla="*/ 0 h 181"/>
+              <a:gd name="T4" fmla="*/ 2147483646 w 182"/>
+              <a:gd name="T5" fmla="*/ 0 h 181"/>
+              <a:gd name="T6" fmla="*/ 2147483646 w 182"/>
+              <a:gd name="T7" fmla="*/ 2147483646 h 181"/>
+              <a:gd name="T8" fmla="*/ 2147483646 w 182"/>
+              <a:gd name="T9" fmla="*/ 2147483646 h 181"/>
+              <a:gd name="T10" fmla="*/ 2147483646 w 182"/>
+              <a:gd name="T11" fmla="*/ 2147483646 h 181"/>
+              <a:gd name="T12" fmla="*/ 0 w 182"/>
+              <a:gd name="T13" fmla="*/ 2147483646 h 181"/>
+              <a:gd name="T14" fmla="*/ 0 60000 65536"/>
+              <a:gd name="T15" fmla="*/ 0 60000 65536"/>
+              <a:gd name="T16" fmla="*/ 0 60000 65536"/>
+              <a:gd name="T17" fmla="*/ 0 60000 65536"/>
+              <a:gd name="T18" fmla="*/ 0 60000 65536"/>
+              <a:gd name="T19" fmla="*/ 0 60000 65536"/>
+              <a:gd name="T20" fmla="*/ 0 60000 65536"/>
+              <a:gd name="T21" fmla="*/ 0 w 182"/>
+              <a:gd name="T22" fmla="*/ 0 h 181"/>
+              <a:gd name="T23" fmla="*/ 182 w 182"/>
+              <a:gd name="T24" fmla="*/ 181 h 181"/>
+            </a:gdLst>
+            <a:ahLst/>
+            <a:cxnLst>
+              <a:cxn ang="T14">
+                <a:pos x="T0" y="T1"/>
+              </a:cxn>
+              <a:cxn ang="T15">
+                <a:pos x="T2" y="T3"/>
+              </a:cxn>
+              <a:cxn ang="T16">
+                <a:pos x="T4" y="T5"/>
+              </a:cxn>
+              <a:cxn ang="T17">
+                <a:pos x="T6" y="T7"/>
+              </a:cxn>
+              <a:cxn ang="T18">
+                <a:pos x="T8" y="T9"/>
+              </a:cxn>
+              <a:cxn ang="T19">
+                <a:pos x="T10" y="T11"/>
+              </a:cxn>
+              <a:cxn ang="T20">
+                <a:pos x="T12" y="T13"/>
+              </a:cxn>
+            </a:cxnLst>
+            <a:rect l="T21" t="T22" r="T23" b="T24"/>
+            <a:pathLst>
+              <a:path w="182" h="181">
+                <a:moveTo>
+                  <a:pt x="0" y="91"/>
+                </a:moveTo>
+                <a:lnTo>
+                  <a:pt x="46" y="0"/>
+                </a:lnTo>
+                <a:lnTo>
+                  <a:pt x="136" y="0"/>
+                </a:lnTo>
+                <a:lnTo>
+                  <a:pt x="182" y="91"/>
+                </a:lnTo>
+                <a:lnTo>
+                  <a:pt x="136" y="181"/>
+                </a:lnTo>
+                <a:lnTo>
+                  <a:pt x="46" y="181"/>
+                </a:lnTo>
+                <a:lnTo>
+                  <a:pt x="0" y="91"/>
+                </a:lnTo>
+                <a:close/>
+              </a:path>
+            </a:pathLst>
+          </a:custGeom>
+          <a:solidFill>
+            <a:schemeClr val="accent1"/>
+          </a:solidFill>
+          <a:ln w="9525">
+            <a:solidFill>
+              <a:schemeClr val="tx1"/>
+            </a:solidFill>
+            <a:round/>
+            <a:headEnd/>
+            <a:tailEnd/>
+          </a:ln>
+        </p:spPr>
+        <p:txBody>
+          <a:bodyPr/>
+          <a:lstStyle/>
+          <a:p>
+            <a:endParaRPr lang="en-US"/>
+          </a:p>
+        </p:txBody>
+      </p:sp>
+      <p:sp>
+        <p:nvSpPr>
+          <p:cNvPr id="26" name="Freeform 26"/>
+          <p:cNvSpPr>
+            <a:spLocks/>
+          </p:cNvSpPr>
+          <p:nvPr/>
+        </p:nvSpPr>
+        <p:spPr bwMode="auto">
+          <a:xfrm>
+            <a:off x="7574422" y="2611927"/>
+            <a:ext cx="288925" cy="287337"/>
+          </a:xfrm>
+          <a:custGeom>
+            <a:avLst/>
+            <a:gdLst>
+              <a:gd name="T0" fmla="*/ 0 w 182"/>
+              <a:gd name="T1" fmla="*/ 2147483646 h 181"/>
+              <a:gd name="T2" fmla="*/ 2147483646 w 182"/>
+              <a:gd name="T3" fmla="*/ 0 h 181"/>
+              <a:gd name="T4" fmla="*/ 2147483646 w 182"/>
+              <a:gd name="T5" fmla="*/ 0 h 181"/>
+              <a:gd name="T6" fmla="*/ 2147483646 w 182"/>
+              <a:gd name="T7" fmla="*/ 2147483646 h 181"/>
+              <a:gd name="T8" fmla="*/ 2147483646 w 182"/>
+              <a:gd name="T9" fmla="*/ 2147483646 h 181"/>
+              <a:gd name="T10" fmla="*/ 2147483646 w 182"/>
+              <a:gd name="T11" fmla="*/ 2147483646 h 181"/>
+              <a:gd name="T12" fmla="*/ 0 w 182"/>
+              <a:gd name="T13" fmla="*/ 2147483646 h 181"/>
+              <a:gd name="T14" fmla="*/ 0 60000 65536"/>
+              <a:gd name="T15" fmla="*/ 0 60000 65536"/>
+              <a:gd name="T16" fmla="*/ 0 60000 65536"/>
+              <a:gd name="T17" fmla="*/ 0 60000 65536"/>
+              <a:gd name="T18" fmla="*/ 0 60000 65536"/>
+              <a:gd name="T19" fmla="*/ 0 60000 65536"/>
+              <a:gd name="T20" fmla="*/ 0 60000 65536"/>
+              <a:gd name="T21" fmla="*/ 0 w 182"/>
+              <a:gd name="T22" fmla="*/ 0 h 181"/>
+              <a:gd name="T23" fmla="*/ 182 w 182"/>
+              <a:gd name="T24" fmla="*/ 181 h 181"/>
+            </a:gdLst>
+            <a:ahLst/>
+            <a:cxnLst>
+              <a:cxn ang="T14">
+                <a:pos x="T0" y="T1"/>
+              </a:cxn>
+              <a:cxn ang="T15">
+                <a:pos x="T2" y="T3"/>
+              </a:cxn>
+              <a:cxn ang="T16">
+                <a:pos x="T4" y="T5"/>
+              </a:cxn>
+              <a:cxn ang="T17">
+                <a:pos x="T6" y="T7"/>
+              </a:cxn>
+              <a:cxn ang="T18">
+                <a:pos x="T8" y="T9"/>
+              </a:cxn>
+              <a:cxn ang="T19">
+                <a:pos x="T10" y="T11"/>
+              </a:cxn>
+              <a:cxn ang="T20">
+                <a:pos x="T12" y="T13"/>
+              </a:cxn>
+            </a:cxnLst>
+            <a:rect l="T21" t="T22" r="T23" b="T24"/>
+            <a:pathLst>
+              <a:path w="182" h="181">
+                <a:moveTo>
+                  <a:pt x="0" y="91"/>
+                </a:moveTo>
+                <a:lnTo>
+                  <a:pt x="46" y="0"/>
+                </a:lnTo>
+                <a:lnTo>
+                  <a:pt x="136" y="0"/>
+                </a:lnTo>
+                <a:lnTo>
+                  <a:pt x="182" y="91"/>
+                </a:lnTo>
+                <a:lnTo>
+                  <a:pt x="136" y="181"/>
+                </a:lnTo>
+                <a:lnTo>
+                  <a:pt x="46" y="181"/>
+                </a:lnTo>
+                <a:lnTo>
+                  <a:pt x="0" y="91"/>
+                </a:lnTo>
+                <a:close/>
+              </a:path>
+            </a:pathLst>
+          </a:custGeom>
+          <a:solidFill>
+            <a:schemeClr val="accent1"/>
+          </a:solidFill>
+          <a:ln w="9525">
+            <a:solidFill>
+              <a:schemeClr val="tx1"/>
+            </a:solidFill>
+            <a:round/>
+            <a:headEnd/>
+            <a:tailEnd/>
+          </a:ln>
+        </p:spPr>
+        <p:txBody>
+          <a:bodyPr/>
+          <a:lstStyle/>
+          <a:p>
+            <a:endParaRPr lang="en-US"/>
+          </a:p>
+        </p:txBody>
+      </p:sp>
+      <p:sp>
+        <p:nvSpPr>
+          <p:cNvPr id="27" name="Freeform 27"/>
+          <p:cNvSpPr>
+            <a:spLocks/>
+          </p:cNvSpPr>
+          <p:nvPr/>
+        </p:nvSpPr>
+        <p:spPr bwMode="auto">
+          <a:xfrm>
+            <a:off x="9301622" y="2611927"/>
+            <a:ext cx="288925" cy="287337"/>
+          </a:xfrm>
+          <a:custGeom>
+            <a:avLst/>
+            <a:gdLst>
+              <a:gd name="T0" fmla="*/ 0 w 182"/>
+              <a:gd name="T1" fmla="*/ 2147483646 h 181"/>
+              <a:gd name="T2" fmla="*/ 2147483646 w 182"/>
+              <a:gd name="T3" fmla="*/ 0 h 181"/>
+              <a:gd name="T4" fmla="*/ 2147483646 w 182"/>
+              <a:gd name="T5" fmla="*/ 0 h 181"/>
+              <a:gd name="T6" fmla="*/ 2147483646 w 182"/>
+              <a:gd name="T7" fmla="*/ 2147483646 h 181"/>
+              <a:gd name="T8" fmla="*/ 2147483646 w 182"/>
+              <a:gd name="T9" fmla="*/ 2147483646 h 181"/>
+              <a:gd name="T10" fmla="*/ 2147483646 w 182"/>
+              <a:gd name="T11" fmla="*/ 2147483646 h 181"/>
+              <a:gd name="T12" fmla="*/ 0 w 182"/>
+              <a:gd name="T13" fmla="*/ 2147483646 h 181"/>
+              <a:gd name="T14" fmla="*/ 0 60000 65536"/>
+              <a:gd name="T15" fmla="*/ 0 60000 65536"/>
+              <a:gd name="T16" fmla="*/ 0 60000 65536"/>
+              <a:gd name="T17" fmla="*/ 0 60000 65536"/>
+              <a:gd name="T18" fmla="*/ 0 60000 65536"/>
+              <a:gd name="T19" fmla="*/ 0 60000 65536"/>
+              <a:gd name="T20" fmla="*/ 0 60000 65536"/>
+              <a:gd name="T21" fmla="*/ 0 w 182"/>
+              <a:gd name="T22" fmla="*/ 0 h 181"/>
+              <a:gd name="T23" fmla="*/ 182 w 182"/>
+              <a:gd name="T24" fmla="*/ 181 h 181"/>
+            </a:gdLst>
+            <a:ahLst/>
+            <a:cxnLst>
+              <a:cxn ang="T14">
+                <a:pos x="T0" y="T1"/>
+              </a:cxn>
+              <a:cxn ang="T15">
+                <a:pos x="T2" y="T3"/>
+              </a:cxn>
+              <a:cxn ang="T16">
+                <a:pos x="T4" y="T5"/>
+              </a:cxn>
+              <a:cxn ang="T17">
+                <a:pos x="T6" y="T7"/>
+              </a:cxn>
+              <a:cxn ang="T18">
+                <a:pos x="T8" y="T9"/>
+              </a:cxn>
+              <a:cxn ang="T19">
+                <a:pos x="T10" y="T11"/>
+              </a:cxn>
+              <a:cxn ang="T20">
+                <a:pos x="T12" y="T13"/>
+              </a:cxn>
+            </a:cxnLst>
+            <a:rect l="T21" t="T22" r="T23" b="T24"/>
+            <a:pathLst>
+              <a:path w="182" h="181">
+                <a:moveTo>
+                  <a:pt x="0" y="91"/>
+                </a:moveTo>
+                <a:lnTo>
+                  <a:pt x="46" y="0"/>
+                </a:lnTo>
+                <a:lnTo>
+                  <a:pt x="136" y="0"/>
+                </a:lnTo>
+                <a:lnTo>
+                  <a:pt x="182" y="91"/>
+                </a:lnTo>
+                <a:lnTo>
+                  <a:pt x="136" y="181"/>
+                </a:lnTo>
+                <a:lnTo>
+                  <a:pt x="46" y="181"/>
+                </a:lnTo>
+                <a:lnTo>
+                  <a:pt x="0" y="91"/>
+                </a:lnTo>
+                <a:close/>
+              </a:path>
+            </a:pathLst>
+          </a:custGeom>
+          <a:solidFill>
+            <a:schemeClr val="accent1"/>
+          </a:solidFill>
+          <a:ln w="9525">
+            <a:solidFill>
+              <a:schemeClr val="tx1"/>
+            </a:solidFill>
+            <a:round/>
+            <a:headEnd/>
+            <a:tailEnd/>
+          </a:ln>
+        </p:spPr>
+        <p:txBody>
+          <a:bodyPr/>
+          <a:lstStyle/>
+          <a:p>
+            <a:endParaRPr lang="en-US"/>
+          </a:p>
+        </p:txBody>
+      </p:sp>
+      <p:sp>
+        <p:nvSpPr>
+          <p:cNvPr id="28" name="Line 28"/>
+          <p:cNvSpPr>
+            <a:spLocks noChangeShapeType="1"/>
+          </p:cNvSpPr>
+          <p:nvPr/>
+        </p:nvSpPr>
+        <p:spPr bwMode="auto">
+          <a:xfrm>
+            <a:off x="3973972" y="3043727"/>
+            <a:ext cx="5903913" cy="0"/>
+          </a:xfrm>
+          <a:prstGeom prst="line">
+            <a:avLst/>
+          </a:prstGeom>
+          <a:noFill/>
+          <a:ln w="25400">
+            <a:solidFill>
+              <a:srgbClr val="273272"/>
+            </a:solidFill>
+            <a:round/>
+            <a:headEnd/>
+            <a:tailEnd type="triangle" w="med" len="med"/>
+          </a:ln>
+          <a:extLst>
+            <a:ext uri="{909E8E84-426E-40DD-AFC4-6F175D3DCCD1}">
+              <a14:hiddenFill xmlns:a14="http://schemas.microsoft.com/office/drawing/2010/main">
+                <a:noFill/>
+              </a14:hiddenFill>
+            </a:ext>
+          </a:extLst>
+        </p:spPr>
+        <p:txBody>
+          <a:bodyPr/>
+          <a:lstStyle/>
+          <a:p>
+            <a:endParaRPr lang="en-US"/>
+          </a:p>
+        </p:txBody>
+      </p:sp>
+      <p:sp>
+        <p:nvSpPr>
+          <p:cNvPr id="29" name="Line 29"/>
+          <p:cNvSpPr>
+            <a:spLocks noChangeShapeType="1"/>
+          </p:cNvSpPr>
+          <p:nvPr/>
+        </p:nvSpPr>
+        <p:spPr bwMode="auto">
+          <a:xfrm flipV="1">
+            <a:off x="3973972" y="1387964"/>
+            <a:ext cx="0" cy="1655763"/>
+          </a:xfrm>
+          <a:prstGeom prst="line">
+            <a:avLst/>
+          </a:prstGeom>
+          <a:noFill/>
+          <a:ln w="25400">
+            <a:solidFill>
+              <a:srgbClr val="273272"/>
+            </a:solidFill>
+            <a:round/>
+            <a:headEnd/>
+            <a:tailEnd/>
+          </a:ln>
+          <a:extLst>
+            <a:ext uri="{909E8E84-426E-40DD-AFC4-6F175D3DCCD1}">
+              <a14:hiddenFill xmlns:a14="http://schemas.microsoft.com/office/drawing/2010/main">
+                <a:noFill/>
+              </a14:hiddenFill>
+            </a:ext>
+          </a:extLst>
+        </p:spPr>
+        <p:txBody>
+          <a:bodyPr/>
+          <a:lstStyle/>
+          <a:p>
+            <a:endParaRPr lang="en-US"/>
+          </a:p>
+        </p:txBody>
+      </p:sp>
+      <p:sp>
+        <p:nvSpPr>
+          <p:cNvPr id="30" name="Text Box 30"/>
+          <p:cNvSpPr txBox="1">
+            <a:spLocks noChangeArrowheads="1"/>
+          </p:cNvSpPr>
+          <p:nvPr/>
+        </p:nvSpPr>
+        <p:spPr bwMode="auto">
+          <a:xfrm>
+            <a:off x="2096871" y="1508314"/>
+            <a:ext cx="1736374" cy="369332"/>
+          </a:xfrm>
+          <a:prstGeom prst="rect">
+            <a:avLst/>
+          </a:prstGeom>
+          <a:noFill/>
+          <a:ln>
+            <a:noFill/>
+          </a:ln>
+          <a:extLst>
+            <a:ext uri="{909E8E84-426E-40DD-AFC4-6F175D3DCCD1}">
+              <a14:hiddenFill xmlns:a14="http://schemas.microsoft.com/office/drawing/2010/main">
+                <a:solidFill>
+                  <a:srgbClr val="FFFFFF"/>
+                </a:solidFill>
+              </a14:hiddenFill>
+            </a:ext>
+            <a:ext uri="{91240B29-F687-4F45-9708-019B960494DF}">
+              <a14:hiddenLine xmlns:a14="http://schemas.microsoft.com/office/drawing/2010/main" w="9525">
+                <a:solidFill>
+                  <a:srgbClr val="000000"/>
+                </a:solidFill>
+                <a:miter lim="800000"/>
+                <a:headEnd/>
+                <a:tailEnd/>
+              </a14:hiddenLine>
+            </a:ext>
+          </a:extLst>
+        </p:spPr>
+        <p:txBody>
+          <a:bodyPr wrap="none">
+            <a:spAutoFit/>
+          </a:bodyPr>
+          <a:lstStyle>
+            <a:lvl1pPr>
+              <a:spcBef>
+                <a:spcPct val="20000"/>
+              </a:spcBef>
+              <a:buClr>
+                <a:schemeClr val="folHlink"/>
+              </a:buClr>
+              <a:buSzPct val="60000"/>
+              <a:buFont typeface="Wingdings" panose="05000000000000000000" pitchFamily="2" charset="2"/>
+              <a:buChar char="n"/>
+              <a:defRPr sz="3200">
+                <a:solidFill>
+                  <a:schemeClr val="tx1"/>
+                </a:solidFill>
+                <a:latin typeface="Arial" panose="020B0604020202020204" pitchFamily="34" charset="0"/>
+              </a:defRPr>
+            </a:lvl1pPr>
+            <a:lvl2pPr marL="742950" indent="-285750">
+              <a:spcBef>
+                <a:spcPct val="20000"/>
+              </a:spcBef>
+              <a:buClr>
+                <a:schemeClr val="hlink"/>
+              </a:buClr>
+              <a:buSzPct val="55000"/>
+              <a:buFont typeface="Wingdings" panose="05000000000000000000" pitchFamily="2" charset="2"/>
+              <a:buChar char="n"/>
+              <a:defRPr sz="2800">
+                <a:solidFill>
+                  <a:schemeClr val="tx1"/>
+                </a:solidFill>
+                <a:latin typeface="Arial" panose="020B0604020202020204" pitchFamily="34" charset="0"/>
+              </a:defRPr>
+            </a:lvl2pPr>
+            <a:lvl3pPr marL="1143000" indent="-228600">
+              <a:spcBef>
+                <a:spcPct val="20000"/>
+              </a:spcBef>
+              <a:buClr>
+                <a:schemeClr val="folHlink"/>
+              </a:buClr>
+              <a:buSzPct val="50000"/>
+              <a:buFont typeface="Wingdings" panose="05000000000000000000" pitchFamily="2" charset="2"/>
+              <a:buChar char="n"/>
+              <a:defRPr sz="2400">
+                <a:solidFill>
+                  <a:schemeClr val="tx1"/>
+                </a:solidFill>
+                <a:latin typeface="Arial" panose="020B0604020202020204" pitchFamily="34" charset="0"/>
+              </a:defRPr>
+            </a:lvl3pPr>
+            <a:lvl4pPr marL="1600200" indent="-228600">
+              <a:spcBef>
+                <a:spcPct val="20000"/>
+              </a:spcBef>
+              <a:buClr>
+                <a:schemeClr val="accent2"/>
+              </a:buClr>
+              <a:buSzPct val="55000"/>
+              <a:buFont typeface="Wingdings" panose="05000000000000000000" pitchFamily="2" charset="2"/>
+              <a:buChar char="n"/>
+              <a:defRPr sz="2000">
+                <a:solidFill>
+                  <a:schemeClr val="tx1"/>
+                </a:solidFill>
+                <a:latin typeface="Arial" panose="020B0604020202020204" pitchFamily="34" charset="0"/>
+              </a:defRPr>
+            </a:lvl4pPr>
+            <a:lvl5pPr marL="2057400" indent="-228600">
+              <a:spcBef>
+                <a:spcPct val="20000"/>
+              </a:spcBef>
+              <a:buClr>
+                <a:schemeClr val="accent1"/>
+              </a:buClr>
+              <a:buSzPct val="50000"/>
+              <a:buFont typeface="Wingdings" panose="05000000000000000000" pitchFamily="2" charset="2"/>
+              <a:buChar char="n"/>
+              <a:defRPr sz="2000">
+                <a:solidFill>
+                  <a:schemeClr val="tx1"/>
+                </a:solidFill>
+                <a:latin typeface="Arial" panose="020B0604020202020204" pitchFamily="34" charset="0"/>
+              </a:defRPr>
+            </a:lvl5pPr>
+            <a:lvl6pPr marL="2514600" indent="-228600" eaLnBrk="0" fontAlgn="base" hangingPunct="0">
+              <a:spcBef>
+                <a:spcPct val="20000"/>
+              </a:spcBef>
+              <a:spcAft>
+                <a:spcPct val="0"/>
+              </a:spcAft>
+              <a:buClr>
+                <a:schemeClr val="accent1"/>
+              </a:buClr>
+              <a:buSzPct val="50000"/>
+              <a:buFont typeface="Wingdings" panose="05000000000000000000" pitchFamily="2" charset="2"/>
+              <a:buChar char="n"/>
+              <a:defRPr sz="2000">
+                <a:solidFill>
+                  <a:schemeClr val="tx1"/>
+                </a:solidFill>
+                <a:latin typeface="Arial" panose="020B0604020202020204" pitchFamily="34" charset="0"/>
+              </a:defRPr>
+            </a:lvl6pPr>
+            <a:lvl7pPr marL="2971800" indent="-228600" eaLnBrk="0" fontAlgn="base" hangingPunct="0">
+              <a:spcBef>
+                <a:spcPct val="20000"/>
+              </a:spcBef>
+              <a:spcAft>
+                <a:spcPct val="0"/>
+              </a:spcAft>
+              <a:buClr>
+                <a:schemeClr val="accent1"/>
+              </a:buClr>
+              <a:buSzPct val="50000"/>
+              <a:buFont typeface="Wingdings" panose="05000000000000000000" pitchFamily="2" charset="2"/>
+              <a:buChar char="n"/>
+              <a:defRPr sz="2000">
+                <a:solidFill>
+                  <a:schemeClr val="tx1"/>
+                </a:solidFill>
+                <a:latin typeface="Arial" panose="020B0604020202020204" pitchFamily="34" charset="0"/>
+              </a:defRPr>
+            </a:lvl7pPr>
+            <a:lvl8pPr marL="3429000" indent="-228600" eaLnBrk="0" fontAlgn="base" hangingPunct="0">
+              <a:spcBef>
+                <a:spcPct val="20000"/>
+              </a:spcBef>
+              <a:spcAft>
+                <a:spcPct val="0"/>
+              </a:spcAft>
+              <a:buClr>
+                <a:schemeClr val="accent1"/>
+              </a:buClr>
+              <a:buSzPct val="50000"/>
+              <a:buFont typeface="Wingdings" panose="05000000000000000000" pitchFamily="2" charset="2"/>
+              <a:buChar char="n"/>
+              <a:defRPr sz="2000">
+                <a:solidFill>
+                  <a:schemeClr val="tx1"/>
+                </a:solidFill>
+                <a:latin typeface="Arial" panose="020B0604020202020204" pitchFamily="34" charset="0"/>
+              </a:defRPr>
+            </a:lvl8pPr>
+            <a:lvl9pPr marL="3886200" indent="-228600" eaLnBrk="0" fontAlgn="base" hangingPunct="0">
+              <a:spcBef>
+                <a:spcPct val="20000"/>
+              </a:spcBef>
+              <a:spcAft>
+                <a:spcPct val="0"/>
+              </a:spcAft>
+              <a:buClr>
+                <a:schemeClr val="accent1"/>
+              </a:buClr>
+              <a:buSzPct val="50000"/>
+              <a:buFont typeface="Wingdings" panose="05000000000000000000" pitchFamily="2" charset="2"/>
+              <a:buChar char="n"/>
+              <a:defRPr sz="2000">
+                <a:solidFill>
+                  <a:schemeClr val="tx1"/>
+                </a:solidFill>
+                <a:latin typeface="Arial" panose="020B0604020202020204" pitchFamily="34" charset="0"/>
+              </a:defRPr>
+            </a:lvl9pPr>
+          </a:lstStyle>
+          <a:p>
+            <a:pPr algn="ctr">
+              <a:spcBef>
+                <a:spcPct val="0"/>
+              </a:spcBef>
+              <a:buClrTx/>
+              <a:buSzTx/>
+              <a:buFontTx/>
+              <a:buNone/>
+            </a:pPr>
+            <a:r>
+              <a:rPr lang="en-US" altLang="en-US" sz="1800" b="1" dirty="0">
+                <a:solidFill>
+                  <a:srgbClr val="273272"/>
+                </a:solidFill>
+              </a:rPr>
+              <a:t>Clock (cycles)</a:t>
+            </a:r>
+            <a:endParaRPr lang="en-AU" altLang="en-US" sz="1800" b="1" dirty="0">
+              <a:solidFill>
+                <a:srgbClr val="273272"/>
+              </a:solidFill>
+            </a:endParaRPr>
+          </a:p>
+        </p:txBody>
+      </p:sp>
+      <p:sp>
+        <p:nvSpPr>
+          <p:cNvPr id="31" name="Text Box 31"/>
+          <p:cNvSpPr txBox="1">
+            <a:spLocks noChangeArrowheads="1"/>
+          </p:cNvSpPr>
+          <p:nvPr/>
+        </p:nvSpPr>
+        <p:spPr bwMode="auto">
+          <a:xfrm>
+            <a:off x="1971762" y="1911239"/>
+            <a:ext cx="2044149" cy="646331"/>
+          </a:xfrm>
+          <a:prstGeom prst="rect">
+            <a:avLst/>
+          </a:prstGeom>
+          <a:noFill/>
+          <a:ln>
+            <a:noFill/>
+          </a:ln>
+          <a:extLst>
+            <a:ext uri="{909E8E84-426E-40DD-AFC4-6F175D3DCCD1}">
+              <a14:hiddenFill xmlns:a14="http://schemas.microsoft.com/office/drawing/2010/main">
+                <a:solidFill>
+                  <a:srgbClr val="FFFFFF"/>
+                </a:solidFill>
+              </a14:hiddenFill>
+            </a:ext>
+            <a:ext uri="{91240B29-F687-4F45-9708-019B960494DF}">
+              <a14:hiddenLine xmlns:a14="http://schemas.microsoft.com/office/drawing/2010/main" w="9525">
+                <a:solidFill>
+                  <a:srgbClr val="000000"/>
+                </a:solidFill>
+                <a:miter lim="800000"/>
+                <a:headEnd/>
+                <a:tailEnd/>
+              </a14:hiddenLine>
+            </a:ext>
+          </a:extLst>
+        </p:spPr>
+        <p:txBody>
+          <a:bodyPr wrap="none">
+            <a:spAutoFit/>
+          </a:bodyPr>
+          <a:lstStyle>
+            <a:lvl1pPr>
+              <a:spcBef>
+                <a:spcPct val="20000"/>
+              </a:spcBef>
+              <a:buClr>
+                <a:schemeClr val="folHlink"/>
+              </a:buClr>
+              <a:buSzPct val="60000"/>
+              <a:buFont typeface="Wingdings" panose="05000000000000000000" pitchFamily="2" charset="2"/>
+              <a:buChar char="n"/>
+              <a:defRPr sz="3200">
+                <a:solidFill>
+                  <a:schemeClr val="tx1"/>
+                </a:solidFill>
+                <a:latin typeface="Arial" panose="020B0604020202020204" pitchFamily="34" charset="0"/>
+              </a:defRPr>
+            </a:lvl1pPr>
+            <a:lvl2pPr marL="742950" indent="-285750">
+              <a:spcBef>
+                <a:spcPct val="20000"/>
+              </a:spcBef>
+              <a:buClr>
+                <a:schemeClr val="hlink"/>
+              </a:buClr>
+              <a:buSzPct val="55000"/>
+              <a:buFont typeface="Wingdings" panose="05000000000000000000" pitchFamily="2" charset="2"/>
+              <a:buChar char="n"/>
+              <a:defRPr sz="2800">
+                <a:solidFill>
+                  <a:schemeClr val="tx1"/>
+                </a:solidFill>
+                <a:latin typeface="Arial" panose="020B0604020202020204" pitchFamily="34" charset="0"/>
+              </a:defRPr>
+            </a:lvl2pPr>
+            <a:lvl3pPr marL="1143000" indent="-228600">
+              <a:spcBef>
+                <a:spcPct val="20000"/>
+              </a:spcBef>
+              <a:buClr>
+                <a:schemeClr val="folHlink"/>
+              </a:buClr>
+              <a:buSzPct val="50000"/>
+              <a:buFont typeface="Wingdings" panose="05000000000000000000" pitchFamily="2" charset="2"/>
+              <a:buChar char="n"/>
+              <a:defRPr sz="2400">
+                <a:solidFill>
+                  <a:schemeClr val="tx1"/>
+                </a:solidFill>
+                <a:latin typeface="Arial" panose="020B0604020202020204" pitchFamily="34" charset="0"/>
+              </a:defRPr>
+            </a:lvl3pPr>
+            <a:lvl4pPr marL="1600200" indent="-228600">
+              <a:spcBef>
+                <a:spcPct val="20000"/>
+              </a:spcBef>
+              <a:buClr>
+                <a:schemeClr val="accent2"/>
+              </a:buClr>
+              <a:buSzPct val="55000"/>
+              <a:buFont typeface="Wingdings" panose="05000000000000000000" pitchFamily="2" charset="2"/>
+              <a:buChar char="n"/>
+              <a:defRPr sz="2000">
+                <a:solidFill>
+                  <a:schemeClr val="tx1"/>
+                </a:solidFill>
+                <a:latin typeface="Arial" panose="020B0604020202020204" pitchFamily="34" charset="0"/>
+              </a:defRPr>
+            </a:lvl4pPr>
+            <a:lvl5pPr marL="2057400" indent="-228600">
+              <a:spcBef>
+                <a:spcPct val="20000"/>
+              </a:spcBef>
+              <a:buClr>
+                <a:schemeClr val="accent1"/>
+              </a:buClr>
+              <a:buSzPct val="50000"/>
+              <a:buFont typeface="Wingdings" panose="05000000000000000000" pitchFamily="2" charset="2"/>
+              <a:buChar char="n"/>
+              <a:defRPr sz="2000">
+                <a:solidFill>
+                  <a:schemeClr val="tx1"/>
+                </a:solidFill>
+                <a:latin typeface="Arial" panose="020B0604020202020204" pitchFamily="34" charset="0"/>
+              </a:defRPr>
+            </a:lvl5pPr>
+            <a:lvl6pPr marL="2514600" indent="-228600" eaLnBrk="0" fontAlgn="base" hangingPunct="0">
+              <a:spcBef>
+                <a:spcPct val="20000"/>
+              </a:spcBef>
+              <a:spcAft>
+                <a:spcPct val="0"/>
+              </a:spcAft>
+              <a:buClr>
+                <a:schemeClr val="accent1"/>
+              </a:buClr>
+              <a:buSzPct val="50000"/>
+              <a:buFont typeface="Wingdings" panose="05000000000000000000" pitchFamily="2" charset="2"/>
+              <a:buChar char="n"/>
+              <a:defRPr sz="2000">
+                <a:solidFill>
+                  <a:schemeClr val="tx1"/>
+                </a:solidFill>
+                <a:latin typeface="Arial" panose="020B0604020202020204" pitchFamily="34" charset="0"/>
+              </a:defRPr>
+            </a:lvl6pPr>
+            <a:lvl7pPr marL="2971800" indent="-228600" eaLnBrk="0" fontAlgn="base" hangingPunct="0">
+              <a:spcBef>
+                <a:spcPct val="20000"/>
+              </a:spcBef>
+              <a:spcAft>
+                <a:spcPct val="0"/>
+              </a:spcAft>
+              <a:buClr>
+                <a:schemeClr val="accent1"/>
+              </a:buClr>
+              <a:buSzPct val="50000"/>
+              <a:buFont typeface="Wingdings" panose="05000000000000000000" pitchFamily="2" charset="2"/>
+              <a:buChar char="n"/>
+              <a:defRPr sz="2000">
+                <a:solidFill>
+                  <a:schemeClr val="tx1"/>
+                </a:solidFill>
+                <a:latin typeface="Arial" panose="020B0604020202020204" pitchFamily="34" charset="0"/>
+              </a:defRPr>
+            </a:lvl7pPr>
+            <a:lvl8pPr marL="3429000" indent="-228600" eaLnBrk="0" fontAlgn="base" hangingPunct="0">
+              <a:spcBef>
+                <a:spcPct val="20000"/>
+              </a:spcBef>
+              <a:spcAft>
+                <a:spcPct val="0"/>
+              </a:spcAft>
+              <a:buClr>
+                <a:schemeClr val="accent1"/>
+              </a:buClr>
+              <a:buSzPct val="50000"/>
+              <a:buFont typeface="Wingdings" panose="05000000000000000000" pitchFamily="2" charset="2"/>
+              <a:buChar char="n"/>
+              <a:defRPr sz="2000">
+                <a:solidFill>
+                  <a:schemeClr val="tx1"/>
+                </a:solidFill>
+                <a:latin typeface="Arial" panose="020B0604020202020204" pitchFamily="34" charset="0"/>
+              </a:defRPr>
+            </a:lvl8pPr>
+            <a:lvl9pPr marL="3886200" indent="-228600" eaLnBrk="0" fontAlgn="base" hangingPunct="0">
+              <a:spcBef>
+                <a:spcPct val="20000"/>
+              </a:spcBef>
+              <a:spcAft>
+                <a:spcPct val="0"/>
+              </a:spcAft>
+              <a:buClr>
+                <a:schemeClr val="accent1"/>
+              </a:buClr>
+              <a:buSzPct val="50000"/>
+              <a:buFont typeface="Wingdings" panose="05000000000000000000" pitchFamily="2" charset="2"/>
+              <a:buChar char="n"/>
+              <a:defRPr sz="2000">
+                <a:solidFill>
+                  <a:schemeClr val="tx1"/>
+                </a:solidFill>
+                <a:latin typeface="Arial" panose="020B0604020202020204" pitchFamily="34" charset="0"/>
+              </a:defRPr>
+            </a:lvl9pPr>
+          </a:lstStyle>
+          <a:p>
+            <a:pPr algn="ctr">
+              <a:spcBef>
+                <a:spcPct val="0"/>
+              </a:spcBef>
+              <a:buClrTx/>
+              <a:buSzTx/>
+              <a:buFontTx/>
+              <a:buNone/>
+            </a:pPr>
+            <a:r>
+              <a:rPr lang="en-US" altLang="en-US" sz="1800" b="1" dirty="0">
+                <a:solidFill>
+                  <a:srgbClr val="273272"/>
+                </a:solidFill>
+              </a:rPr>
+              <a:t>Data transfer</a:t>
+            </a:r>
+            <a:br>
+              <a:rPr lang="en-US" altLang="en-US" sz="1800" b="1" dirty="0">
+                <a:solidFill>
+                  <a:srgbClr val="273272"/>
+                </a:solidFill>
+              </a:rPr>
+            </a:br>
+            <a:r>
+              <a:rPr lang="en-US" altLang="en-US" sz="1800" b="1" dirty="0">
+                <a:solidFill>
+                  <a:srgbClr val="273272"/>
+                </a:solidFill>
+              </a:rPr>
+              <a:t>and computation</a:t>
+            </a:r>
+            <a:endParaRPr lang="en-AU" altLang="en-US" sz="1800" b="1" dirty="0">
+              <a:solidFill>
+                <a:srgbClr val="273272"/>
+              </a:solidFill>
+            </a:endParaRPr>
+          </a:p>
+        </p:txBody>
+      </p:sp>
+      <p:sp>
+        <p:nvSpPr>
+          <p:cNvPr id="32" name="Text Box 32"/>
+          <p:cNvSpPr txBox="1">
+            <a:spLocks noChangeArrowheads="1"/>
+          </p:cNvSpPr>
+          <p:nvPr/>
+        </p:nvSpPr>
+        <p:spPr bwMode="auto">
+          <a:xfrm>
+            <a:off x="2202706" y="2616689"/>
+            <a:ext cx="1569660" cy="369332"/>
+          </a:xfrm>
+          <a:prstGeom prst="rect">
+            <a:avLst/>
+          </a:prstGeom>
+          <a:noFill/>
+          <a:ln>
+            <a:noFill/>
+          </a:ln>
+          <a:extLst>
+            <a:ext uri="{909E8E84-426E-40DD-AFC4-6F175D3DCCD1}">
+              <a14:hiddenFill xmlns:a14="http://schemas.microsoft.com/office/drawing/2010/main">
+                <a:solidFill>
+                  <a:srgbClr val="FFFFFF"/>
+                </a:solidFill>
+              </a14:hiddenFill>
+            </a:ext>
+            <a:ext uri="{91240B29-F687-4F45-9708-019B960494DF}">
+              <a14:hiddenLine xmlns:a14="http://schemas.microsoft.com/office/drawing/2010/main" w="9525">
+                <a:solidFill>
+                  <a:srgbClr val="000000"/>
+                </a:solidFill>
+                <a:miter lim="800000"/>
+                <a:headEnd/>
+                <a:tailEnd/>
+              </a14:hiddenLine>
+            </a:ext>
+          </a:extLst>
+        </p:spPr>
+        <p:txBody>
+          <a:bodyPr wrap="none">
+            <a:spAutoFit/>
+          </a:bodyPr>
+          <a:lstStyle>
+            <a:lvl1pPr>
+              <a:spcBef>
+                <a:spcPct val="20000"/>
+              </a:spcBef>
+              <a:buClr>
+                <a:schemeClr val="folHlink"/>
+              </a:buClr>
+              <a:buSzPct val="60000"/>
+              <a:buFont typeface="Wingdings" panose="05000000000000000000" pitchFamily="2" charset="2"/>
+              <a:buChar char="n"/>
+              <a:defRPr sz="3200">
+                <a:solidFill>
+                  <a:schemeClr val="tx1"/>
+                </a:solidFill>
+                <a:latin typeface="Arial" panose="020B0604020202020204" pitchFamily="34" charset="0"/>
+              </a:defRPr>
+            </a:lvl1pPr>
+            <a:lvl2pPr marL="742950" indent="-285750">
+              <a:spcBef>
+                <a:spcPct val="20000"/>
+              </a:spcBef>
+              <a:buClr>
+                <a:schemeClr val="hlink"/>
+              </a:buClr>
+              <a:buSzPct val="55000"/>
+              <a:buFont typeface="Wingdings" panose="05000000000000000000" pitchFamily="2" charset="2"/>
+              <a:buChar char="n"/>
+              <a:defRPr sz="2800">
+                <a:solidFill>
+                  <a:schemeClr val="tx1"/>
+                </a:solidFill>
+                <a:latin typeface="Arial" panose="020B0604020202020204" pitchFamily="34" charset="0"/>
+              </a:defRPr>
+            </a:lvl2pPr>
+            <a:lvl3pPr marL="1143000" indent="-228600">
+              <a:spcBef>
+                <a:spcPct val="20000"/>
+              </a:spcBef>
+              <a:buClr>
+                <a:schemeClr val="folHlink"/>
+              </a:buClr>
+              <a:buSzPct val="50000"/>
+              <a:buFont typeface="Wingdings" panose="05000000000000000000" pitchFamily="2" charset="2"/>
+              <a:buChar char="n"/>
+              <a:defRPr sz="2400">
+                <a:solidFill>
+                  <a:schemeClr val="tx1"/>
+                </a:solidFill>
+                <a:latin typeface="Arial" panose="020B0604020202020204" pitchFamily="34" charset="0"/>
+              </a:defRPr>
+            </a:lvl3pPr>
+            <a:lvl4pPr marL="1600200" indent="-228600">
+              <a:spcBef>
+                <a:spcPct val="20000"/>
+              </a:spcBef>
+              <a:buClr>
+                <a:schemeClr val="accent2"/>
+              </a:buClr>
+              <a:buSzPct val="55000"/>
+              <a:buFont typeface="Wingdings" panose="05000000000000000000" pitchFamily="2" charset="2"/>
+              <a:buChar char="n"/>
+              <a:defRPr sz="2000">
+                <a:solidFill>
+                  <a:schemeClr val="tx1"/>
+                </a:solidFill>
+                <a:latin typeface="Arial" panose="020B0604020202020204" pitchFamily="34" charset="0"/>
+              </a:defRPr>
+            </a:lvl4pPr>
+            <a:lvl5pPr marL="2057400" indent="-228600">
+              <a:spcBef>
+                <a:spcPct val="20000"/>
+              </a:spcBef>
+              <a:buClr>
+                <a:schemeClr val="accent1"/>
+              </a:buClr>
+              <a:buSzPct val="50000"/>
+              <a:buFont typeface="Wingdings" panose="05000000000000000000" pitchFamily="2" charset="2"/>
+              <a:buChar char="n"/>
+              <a:defRPr sz="2000">
+                <a:solidFill>
+                  <a:schemeClr val="tx1"/>
+                </a:solidFill>
+                <a:latin typeface="Arial" panose="020B0604020202020204" pitchFamily="34" charset="0"/>
+              </a:defRPr>
+            </a:lvl5pPr>
+            <a:lvl6pPr marL="2514600" indent="-228600" eaLnBrk="0" fontAlgn="base" hangingPunct="0">
+              <a:spcBef>
+                <a:spcPct val="20000"/>
+              </a:spcBef>
+              <a:spcAft>
+                <a:spcPct val="0"/>
+              </a:spcAft>
+              <a:buClr>
+                <a:schemeClr val="accent1"/>
+              </a:buClr>
+              <a:buSzPct val="50000"/>
+              <a:buFont typeface="Wingdings" panose="05000000000000000000" pitchFamily="2" charset="2"/>
+              <a:buChar char="n"/>
+              <a:defRPr sz="2000">
+                <a:solidFill>
+                  <a:schemeClr val="tx1"/>
+                </a:solidFill>
+                <a:latin typeface="Arial" panose="020B0604020202020204" pitchFamily="34" charset="0"/>
+              </a:defRPr>
+            </a:lvl6pPr>
+            <a:lvl7pPr marL="2971800" indent="-228600" eaLnBrk="0" fontAlgn="base" hangingPunct="0">
+              <a:spcBef>
+                <a:spcPct val="20000"/>
+              </a:spcBef>
+              <a:spcAft>
+                <a:spcPct val="0"/>
+              </a:spcAft>
+              <a:buClr>
+                <a:schemeClr val="accent1"/>
+              </a:buClr>
+              <a:buSzPct val="50000"/>
+              <a:buFont typeface="Wingdings" panose="05000000000000000000" pitchFamily="2" charset="2"/>
+              <a:buChar char="n"/>
+              <a:defRPr sz="2000">
+                <a:solidFill>
+                  <a:schemeClr val="tx1"/>
+                </a:solidFill>
+                <a:latin typeface="Arial" panose="020B0604020202020204" pitchFamily="34" charset="0"/>
+              </a:defRPr>
+            </a:lvl7pPr>
+            <a:lvl8pPr marL="3429000" indent="-228600" eaLnBrk="0" fontAlgn="base" hangingPunct="0">
+              <a:spcBef>
+                <a:spcPct val="20000"/>
+              </a:spcBef>
+              <a:spcAft>
+                <a:spcPct val="0"/>
+              </a:spcAft>
+              <a:buClr>
+                <a:schemeClr val="accent1"/>
+              </a:buClr>
+              <a:buSzPct val="50000"/>
+              <a:buFont typeface="Wingdings" panose="05000000000000000000" pitchFamily="2" charset="2"/>
+              <a:buChar char="n"/>
+              <a:defRPr sz="2000">
+                <a:solidFill>
+                  <a:schemeClr val="tx1"/>
+                </a:solidFill>
+                <a:latin typeface="Arial" panose="020B0604020202020204" pitchFamily="34" charset="0"/>
+              </a:defRPr>
+            </a:lvl8pPr>
+            <a:lvl9pPr marL="3886200" indent="-228600" eaLnBrk="0" fontAlgn="base" hangingPunct="0">
+              <a:spcBef>
+                <a:spcPct val="20000"/>
+              </a:spcBef>
+              <a:spcAft>
+                <a:spcPct val="0"/>
+              </a:spcAft>
+              <a:buClr>
+                <a:schemeClr val="accent1"/>
+              </a:buClr>
+              <a:buSzPct val="50000"/>
+              <a:buFont typeface="Wingdings" panose="05000000000000000000" pitchFamily="2" charset="2"/>
+              <a:buChar char="n"/>
+              <a:defRPr sz="2000">
+                <a:solidFill>
+                  <a:schemeClr val="tx1"/>
+                </a:solidFill>
+                <a:latin typeface="Arial" panose="020B0604020202020204" pitchFamily="34" charset="0"/>
+              </a:defRPr>
+            </a:lvl9pPr>
+          </a:lstStyle>
+          <a:p>
+            <a:pPr>
+              <a:spcBef>
+                <a:spcPct val="0"/>
+              </a:spcBef>
+              <a:buClrTx/>
+              <a:buSzTx/>
+              <a:buFontTx/>
+              <a:buNone/>
+            </a:pPr>
+            <a:r>
+              <a:rPr lang="en-US" altLang="en-US" sz="1800" b="1" dirty="0">
+                <a:solidFill>
+                  <a:srgbClr val="273272"/>
+                </a:solidFill>
+              </a:rPr>
+              <a:t>Update state</a:t>
+            </a:r>
+            <a:endParaRPr lang="en-AU" altLang="en-US" sz="1800" b="1" dirty="0">
+              <a:solidFill>
+                <a:srgbClr val="273272"/>
+              </a:solidFill>
+            </a:endParaRPr>
+          </a:p>
+        </p:txBody>
+      </p:sp>
+      <p:sp>
+        <p:nvSpPr>
+          <p:cNvPr id="33" name="Rectangle 33"/>
+          <p:cNvSpPr>
+            <a:spLocks noChangeArrowheads="1"/>
+          </p:cNvSpPr>
+          <p:nvPr/>
+        </p:nvSpPr>
+        <p:spPr bwMode="auto">
+          <a:xfrm>
+            <a:off x="4492765" y="1243502"/>
+            <a:ext cx="1258888" cy="144462"/>
+          </a:xfrm>
+          <a:prstGeom prst="rect">
+            <a:avLst/>
+          </a:prstGeom>
+          <a:solidFill>
+            <a:schemeClr val="bg1"/>
+          </a:solidFill>
+          <a:ln>
+            <a:noFill/>
+          </a:ln>
+          <a:extLst>
+            <a:ext uri="{91240B29-F687-4F45-9708-019B960494DF}">
+              <a14:hiddenLine xmlns:a14="http://schemas.microsoft.com/office/drawing/2010/main" w="9525">
+                <a:solidFill>
+                  <a:srgbClr val="000000"/>
+                </a:solidFill>
+                <a:miter lim="800000"/>
+                <a:headEnd/>
+                <a:tailEnd/>
+              </a14:hiddenLine>
+            </a:ext>
+          </a:extLst>
+        </p:spPr>
+        <p:txBody>
+          <a:bodyPr wrap="none" anchor="ctr"/>
+          <a:lstStyle>
+            <a:lvl1pPr>
+              <a:spcBef>
+                <a:spcPct val="20000"/>
+              </a:spcBef>
+              <a:buClr>
+                <a:schemeClr val="folHlink"/>
+              </a:buClr>
+              <a:buSzPct val="60000"/>
+              <a:buFont typeface="Wingdings" panose="05000000000000000000" pitchFamily="2" charset="2"/>
+              <a:buChar char="n"/>
+              <a:defRPr sz="3200">
+                <a:solidFill>
+                  <a:schemeClr val="tx1"/>
+                </a:solidFill>
+                <a:latin typeface="Arial" panose="020B0604020202020204" pitchFamily="34" charset="0"/>
+              </a:defRPr>
+            </a:lvl1pPr>
+            <a:lvl2pPr marL="742950" indent="-285750">
+              <a:spcBef>
+                <a:spcPct val="20000"/>
+              </a:spcBef>
+              <a:buClr>
+                <a:schemeClr val="hlink"/>
+              </a:buClr>
+              <a:buSzPct val="55000"/>
+              <a:buFont typeface="Wingdings" panose="05000000000000000000" pitchFamily="2" charset="2"/>
+              <a:buChar char="n"/>
+              <a:defRPr sz="2800">
+                <a:solidFill>
+                  <a:schemeClr val="tx1"/>
+                </a:solidFill>
+                <a:latin typeface="Arial" panose="020B0604020202020204" pitchFamily="34" charset="0"/>
+              </a:defRPr>
+            </a:lvl2pPr>
+            <a:lvl3pPr marL="1143000" indent="-228600">
+              <a:spcBef>
+                <a:spcPct val="20000"/>
+              </a:spcBef>
+              <a:buClr>
+                <a:schemeClr val="folHlink"/>
+              </a:buClr>
+              <a:buSzPct val="50000"/>
+              <a:buFont typeface="Wingdings" panose="05000000000000000000" pitchFamily="2" charset="2"/>
+              <a:buChar char="n"/>
+              <a:defRPr sz="2400">
+                <a:solidFill>
+                  <a:schemeClr val="tx1"/>
+                </a:solidFill>
+                <a:latin typeface="Arial" panose="020B0604020202020204" pitchFamily="34" charset="0"/>
+              </a:defRPr>
+            </a:lvl3pPr>
+            <a:lvl4pPr marL="1600200" indent="-228600">
+              <a:spcBef>
+                <a:spcPct val="20000"/>
+              </a:spcBef>
+              <a:buClr>
+                <a:schemeClr val="accent2"/>
+              </a:buClr>
+              <a:buSzPct val="55000"/>
+              <a:buFont typeface="Wingdings" panose="05000000000000000000" pitchFamily="2" charset="2"/>
+              <a:buChar char="n"/>
+              <a:defRPr sz="2000">
+                <a:solidFill>
+                  <a:schemeClr val="tx1"/>
+                </a:solidFill>
+                <a:latin typeface="Arial" panose="020B0604020202020204" pitchFamily="34" charset="0"/>
+              </a:defRPr>
+            </a:lvl4pPr>
+            <a:lvl5pPr marL="2057400" indent="-228600">
+              <a:spcBef>
+                <a:spcPct val="20000"/>
+              </a:spcBef>
+              <a:buClr>
+                <a:schemeClr val="accent1"/>
+              </a:buClr>
+              <a:buSzPct val="50000"/>
+              <a:buFont typeface="Wingdings" panose="05000000000000000000" pitchFamily="2" charset="2"/>
+              <a:buChar char="n"/>
+              <a:defRPr sz="2000">
+                <a:solidFill>
+                  <a:schemeClr val="tx1"/>
+                </a:solidFill>
+                <a:latin typeface="Arial" panose="020B0604020202020204" pitchFamily="34" charset="0"/>
+              </a:defRPr>
+            </a:lvl5pPr>
+            <a:lvl6pPr marL="2514600" indent="-228600" eaLnBrk="0" fontAlgn="base" hangingPunct="0">
+              <a:spcBef>
+                <a:spcPct val="20000"/>
+              </a:spcBef>
+              <a:spcAft>
+                <a:spcPct val="0"/>
+              </a:spcAft>
+              <a:buClr>
+                <a:schemeClr val="accent1"/>
+              </a:buClr>
+              <a:buSzPct val="50000"/>
+              <a:buFont typeface="Wingdings" panose="05000000000000000000" pitchFamily="2" charset="2"/>
+              <a:buChar char="n"/>
+              <a:defRPr sz="2000">
+                <a:solidFill>
+                  <a:schemeClr val="tx1"/>
+                </a:solidFill>
+                <a:latin typeface="Arial" panose="020B0604020202020204" pitchFamily="34" charset="0"/>
+              </a:defRPr>
+            </a:lvl6pPr>
+            <a:lvl7pPr marL="2971800" indent="-228600" eaLnBrk="0" fontAlgn="base" hangingPunct="0">
+              <a:spcBef>
+                <a:spcPct val="20000"/>
+              </a:spcBef>
+              <a:spcAft>
+                <a:spcPct val="0"/>
+              </a:spcAft>
+              <a:buClr>
+                <a:schemeClr val="accent1"/>
+              </a:buClr>
+              <a:buSzPct val="50000"/>
+              <a:buFont typeface="Wingdings" panose="05000000000000000000" pitchFamily="2" charset="2"/>
+              <a:buChar char="n"/>
+              <a:defRPr sz="2000">
+                <a:solidFill>
+                  <a:schemeClr val="tx1"/>
+                </a:solidFill>
+                <a:latin typeface="Arial" panose="020B0604020202020204" pitchFamily="34" charset="0"/>
+              </a:defRPr>
+            </a:lvl7pPr>
+            <a:lvl8pPr marL="3429000" indent="-228600" eaLnBrk="0" fontAlgn="base" hangingPunct="0">
+              <a:spcBef>
+                <a:spcPct val="20000"/>
+              </a:spcBef>
+              <a:spcAft>
+                <a:spcPct val="0"/>
+              </a:spcAft>
+              <a:buClr>
+                <a:schemeClr val="accent1"/>
+              </a:buClr>
+              <a:buSzPct val="50000"/>
+              <a:buFont typeface="Wingdings" panose="05000000000000000000" pitchFamily="2" charset="2"/>
+              <a:buChar char="n"/>
+              <a:defRPr sz="2000">
+                <a:solidFill>
+                  <a:schemeClr val="tx1"/>
+                </a:solidFill>
+                <a:latin typeface="Arial" panose="020B0604020202020204" pitchFamily="34" charset="0"/>
+              </a:defRPr>
+            </a:lvl8pPr>
+            <a:lvl9pPr marL="3886200" indent="-228600" eaLnBrk="0" fontAlgn="base" hangingPunct="0">
+              <a:spcBef>
+                <a:spcPct val="20000"/>
+              </a:spcBef>
+              <a:spcAft>
+                <a:spcPct val="0"/>
+              </a:spcAft>
+              <a:buClr>
+                <a:schemeClr val="accent1"/>
+              </a:buClr>
+              <a:buSzPct val="50000"/>
+              <a:buFont typeface="Wingdings" panose="05000000000000000000" pitchFamily="2" charset="2"/>
+              <a:buChar char="n"/>
+              <a:defRPr sz="2000">
+                <a:solidFill>
+                  <a:schemeClr val="tx1"/>
+                </a:solidFill>
+                <a:latin typeface="Arial" panose="020B0604020202020204" pitchFamily="34" charset="0"/>
+              </a:defRPr>
+            </a:lvl9pPr>
+          </a:lstStyle>
+          <a:p>
+            <a:pPr>
+              <a:spcBef>
+                <a:spcPct val="0"/>
+              </a:spcBef>
+              <a:buClrTx/>
+              <a:buSzTx/>
+              <a:buFontTx/>
+              <a:buNone/>
+            </a:pPr>
+            <a:endParaRPr lang="en-US" altLang="en-US" sz="1800"/>
+          </a:p>
+        </p:txBody>
+      </p:sp>
+      <p:sp>
+        <p:nvSpPr>
+          <p:cNvPr id="34" name="Text Box 34"/>
+          <p:cNvSpPr txBox="1">
+            <a:spLocks noChangeArrowheads="1"/>
+          </p:cNvSpPr>
+          <p:nvPr/>
+        </p:nvSpPr>
+        <p:spPr bwMode="auto">
+          <a:xfrm>
+            <a:off x="4410701" y="1132176"/>
+            <a:ext cx="1426994" cy="338554"/>
+          </a:xfrm>
+          <a:prstGeom prst="rect">
+            <a:avLst/>
+          </a:prstGeom>
+          <a:noFill/>
+          <a:ln>
+            <a:noFill/>
+          </a:ln>
+          <a:extLst>
+            <a:ext uri="{909E8E84-426E-40DD-AFC4-6F175D3DCCD1}">
+              <a14:hiddenFill xmlns:a14="http://schemas.microsoft.com/office/drawing/2010/main">
+                <a:solidFill>
+                  <a:srgbClr val="FFFFFF"/>
+                </a:solidFill>
+              </a14:hiddenFill>
+            </a:ext>
+            <a:ext uri="{91240B29-F687-4F45-9708-019B960494DF}">
+              <a14:hiddenLine xmlns:a14="http://schemas.microsoft.com/office/drawing/2010/main" w="9525">
+                <a:solidFill>
+                  <a:srgbClr val="000000"/>
+                </a:solidFill>
+                <a:miter lim="800000"/>
+                <a:headEnd/>
+                <a:tailEnd/>
+              </a14:hiddenLine>
+            </a:ext>
+          </a:extLst>
+        </p:spPr>
+        <p:txBody>
+          <a:bodyPr wrap="none">
+            <a:spAutoFit/>
+          </a:bodyPr>
+          <a:lstStyle>
+            <a:lvl1pPr>
+              <a:spcBef>
+                <a:spcPct val="20000"/>
+              </a:spcBef>
+              <a:buClr>
+                <a:schemeClr val="folHlink"/>
+              </a:buClr>
+              <a:buSzPct val="60000"/>
+              <a:buFont typeface="Wingdings" panose="05000000000000000000" pitchFamily="2" charset="2"/>
+              <a:buChar char="n"/>
+              <a:defRPr sz="3200">
+                <a:solidFill>
+                  <a:schemeClr val="tx1"/>
+                </a:solidFill>
+                <a:latin typeface="Arial" panose="020B0604020202020204" pitchFamily="34" charset="0"/>
+              </a:defRPr>
+            </a:lvl1pPr>
+            <a:lvl2pPr marL="742950" indent="-285750">
+              <a:spcBef>
+                <a:spcPct val="20000"/>
+              </a:spcBef>
+              <a:buClr>
+                <a:schemeClr val="hlink"/>
+              </a:buClr>
+              <a:buSzPct val="55000"/>
+              <a:buFont typeface="Wingdings" panose="05000000000000000000" pitchFamily="2" charset="2"/>
+              <a:buChar char="n"/>
+              <a:defRPr sz="2800">
+                <a:solidFill>
+                  <a:schemeClr val="tx1"/>
+                </a:solidFill>
+                <a:latin typeface="Arial" panose="020B0604020202020204" pitchFamily="34" charset="0"/>
+              </a:defRPr>
+            </a:lvl2pPr>
+            <a:lvl3pPr marL="1143000" indent="-228600">
+              <a:spcBef>
+                <a:spcPct val="20000"/>
+              </a:spcBef>
+              <a:buClr>
+                <a:schemeClr val="folHlink"/>
+              </a:buClr>
+              <a:buSzPct val="50000"/>
+              <a:buFont typeface="Wingdings" panose="05000000000000000000" pitchFamily="2" charset="2"/>
+              <a:buChar char="n"/>
+              <a:defRPr sz="2400">
+                <a:solidFill>
+                  <a:schemeClr val="tx1"/>
+                </a:solidFill>
+                <a:latin typeface="Arial" panose="020B0604020202020204" pitchFamily="34" charset="0"/>
+              </a:defRPr>
+            </a:lvl3pPr>
+            <a:lvl4pPr marL="1600200" indent="-228600">
+              <a:spcBef>
+                <a:spcPct val="20000"/>
+              </a:spcBef>
+              <a:buClr>
+                <a:schemeClr val="accent2"/>
+              </a:buClr>
+              <a:buSzPct val="55000"/>
+              <a:buFont typeface="Wingdings" panose="05000000000000000000" pitchFamily="2" charset="2"/>
+              <a:buChar char="n"/>
+              <a:defRPr sz="2000">
+                <a:solidFill>
+                  <a:schemeClr val="tx1"/>
+                </a:solidFill>
+                <a:latin typeface="Arial" panose="020B0604020202020204" pitchFamily="34" charset="0"/>
+              </a:defRPr>
+            </a:lvl4pPr>
+            <a:lvl5pPr marL="2057400" indent="-228600">
+              <a:spcBef>
+                <a:spcPct val="20000"/>
+              </a:spcBef>
+              <a:buClr>
+                <a:schemeClr val="accent1"/>
+              </a:buClr>
+              <a:buSzPct val="50000"/>
+              <a:buFont typeface="Wingdings" panose="05000000000000000000" pitchFamily="2" charset="2"/>
+              <a:buChar char="n"/>
+              <a:defRPr sz="2000">
+                <a:solidFill>
+                  <a:schemeClr val="tx1"/>
+                </a:solidFill>
+                <a:latin typeface="Arial" panose="020B0604020202020204" pitchFamily="34" charset="0"/>
+              </a:defRPr>
+            </a:lvl5pPr>
+            <a:lvl6pPr marL="2514600" indent="-228600" eaLnBrk="0" fontAlgn="base" hangingPunct="0">
+              <a:spcBef>
+                <a:spcPct val="20000"/>
+              </a:spcBef>
+              <a:spcAft>
+                <a:spcPct val="0"/>
+              </a:spcAft>
+              <a:buClr>
+                <a:schemeClr val="accent1"/>
+              </a:buClr>
+              <a:buSzPct val="50000"/>
+              <a:buFont typeface="Wingdings" panose="05000000000000000000" pitchFamily="2" charset="2"/>
+              <a:buChar char="n"/>
+              <a:defRPr sz="2000">
+                <a:solidFill>
+                  <a:schemeClr val="tx1"/>
+                </a:solidFill>
+                <a:latin typeface="Arial" panose="020B0604020202020204" pitchFamily="34" charset="0"/>
+              </a:defRPr>
+            </a:lvl6pPr>
+            <a:lvl7pPr marL="2971800" indent="-228600" eaLnBrk="0" fontAlgn="base" hangingPunct="0">
+              <a:spcBef>
+                <a:spcPct val="20000"/>
+              </a:spcBef>
+              <a:spcAft>
+                <a:spcPct val="0"/>
+              </a:spcAft>
+              <a:buClr>
+                <a:schemeClr val="accent1"/>
+              </a:buClr>
+              <a:buSzPct val="50000"/>
+              <a:buFont typeface="Wingdings" panose="05000000000000000000" pitchFamily="2" charset="2"/>
+              <a:buChar char="n"/>
+              <a:defRPr sz="2000">
+                <a:solidFill>
+                  <a:schemeClr val="tx1"/>
+                </a:solidFill>
+                <a:latin typeface="Arial" panose="020B0604020202020204" pitchFamily="34" charset="0"/>
+              </a:defRPr>
+            </a:lvl7pPr>
+            <a:lvl8pPr marL="3429000" indent="-228600" eaLnBrk="0" fontAlgn="base" hangingPunct="0">
+              <a:spcBef>
+                <a:spcPct val="20000"/>
+              </a:spcBef>
+              <a:spcAft>
+                <a:spcPct val="0"/>
+              </a:spcAft>
+              <a:buClr>
+                <a:schemeClr val="accent1"/>
+              </a:buClr>
+              <a:buSzPct val="50000"/>
+              <a:buFont typeface="Wingdings" panose="05000000000000000000" pitchFamily="2" charset="2"/>
+              <a:buChar char="n"/>
+              <a:defRPr sz="2000">
+                <a:solidFill>
+                  <a:schemeClr val="tx1"/>
+                </a:solidFill>
+                <a:latin typeface="Arial" panose="020B0604020202020204" pitchFamily="34" charset="0"/>
+              </a:defRPr>
+            </a:lvl8pPr>
+            <a:lvl9pPr marL="3886200" indent="-228600" eaLnBrk="0" fontAlgn="base" hangingPunct="0">
+              <a:spcBef>
+                <a:spcPct val="20000"/>
+              </a:spcBef>
+              <a:spcAft>
+                <a:spcPct val="0"/>
+              </a:spcAft>
+              <a:buClr>
+                <a:schemeClr val="accent1"/>
+              </a:buClr>
+              <a:buSzPct val="50000"/>
+              <a:buFont typeface="Wingdings" panose="05000000000000000000" pitchFamily="2" charset="2"/>
+              <a:buChar char="n"/>
+              <a:defRPr sz="2000">
+                <a:solidFill>
+                  <a:schemeClr val="tx1"/>
+                </a:solidFill>
+                <a:latin typeface="Arial" panose="020B0604020202020204" pitchFamily="34" charset="0"/>
+              </a:defRPr>
+            </a:lvl9pPr>
+          </a:lstStyle>
+          <a:p>
+            <a:pPr algn="ctr">
+              <a:spcBef>
+                <a:spcPct val="0"/>
+              </a:spcBef>
+              <a:buClrTx/>
+              <a:buSzTx/>
+              <a:buFontTx/>
+              <a:buNone/>
+            </a:pPr>
+            <a:r>
+              <a:rPr lang="en-US" altLang="en-US" sz="1600" b="1" dirty="0">
+                <a:solidFill>
+                  <a:srgbClr val="273272"/>
+                </a:solidFill>
+              </a:rPr>
+              <a:t>Clock period</a:t>
+            </a:r>
+            <a:endParaRPr lang="en-AU" altLang="en-US" sz="1600" b="1" dirty="0">
+              <a:solidFill>
+                <a:srgbClr val="273272"/>
+              </a:solidFill>
+            </a:endParaRPr>
+          </a:p>
+        </p:txBody>
+      </p:sp>
+      <p:sp>
+        <p:nvSpPr>
+          <p:cNvPr id="35" name="Freeform 36"/>
+          <p:cNvSpPr>
+            <a:spLocks/>
+          </p:cNvSpPr>
+          <p:nvPr/>
+        </p:nvSpPr>
+        <p:spPr bwMode="auto">
+          <a:xfrm>
+            <a:off x="5990097" y="2107102"/>
+            <a:ext cx="1727200" cy="287337"/>
+          </a:xfrm>
+          <a:custGeom>
+            <a:avLst/>
+            <a:gdLst>
+              <a:gd name="T0" fmla="*/ 0 w 1088"/>
+              <a:gd name="T1" fmla="*/ 2147483646 h 181"/>
+              <a:gd name="T2" fmla="*/ 2147483646 w 1088"/>
+              <a:gd name="T3" fmla="*/ 0 h 181"/>
+              <a:gd name="T4" fmla="*/ 2147483646 w 1088"/>
+              <a:gd name="T5" fmla="*/ 0 h 181"/>
+              <a:gd name="T6" fmla="*/ 2147483646 w 1088"/>
+              <a:gd name="T7" fmla="*/ 2147483646 h 181"/>
+              <a:gd name="T8" fmla="*/ 2147483646 w 1088"/>
+              <a:gd name="T9" fmla="*/ 2147483646 h 181"/>
+              <a:gd name="T10" fmla="*/ 2147483646 w 1088"/>
+              <a:gd name="T11" fmla="*/ 2147483646 h 181"/>
+              <a:gd name="T12" fmla="*/ 0 w 1088"/>
+              <a:gd name="T13" fmla="*/ 2147483646 h 181"/>
+              <a:gd name="T14" fmla="*/ 0 60000 65536"/>
+              <a:gd name="T15" fmla="*/ 0 60000 65536"/>
+              <a:gd name="T16" fmla="*/ 0 60000 65536"/>
+              <a:gd name="T17" fmla="*/ 0 60000 65536"/>
+              <a:gd name="T18" fmla="*/ 0 60000 65536"/>
+              <a:gd name="T19" fmla="*/ 0 60000 65536"/>
+              <a:gd name="T20" fmla="*/ 0 60000 65536"/>
+              <a:gd name="T21" fmla="*/ 0 w 1088"/>
+              <a:gd name="T22" fmla="*/ 0 h 181"/>
+              <a:gd name="T23" fmla="*/ 1088 w 1088"/>
+              <a:gd name="T24" fmla="*/ 181 h 181"/>
+            </a:gdLst>
+            <a:ahLst/>
+            <a:cxnLst>
+              <a:cxn ang="T14">
+                <a:pos x="T0" y="T1"/>
+              </a:cxn>
+              <a:cxn ang="T15">
+                <a:pos x="T2" y="T3"/>
+              </a:cxn>
+              <a:cxn ang="T16">
+                <a:pos x="T4" y="T5"/>
+              </a:cxn>
+              <a:cxn ang="T17">
+                <a:pos x="T6" y="T7"/>
+              </a:cxn>
+              <a:cxn ang="T18">
+                <a:pos x="T8" y="T9"/>
+              </a:cxn>
+              <a:cxn ang="T19">
+                <a:pos x="T10" y="T11"/>
+              </a:cxn>
+              <a:cxn ang="T20">
+                <a:pos x="T12" y="T13"/>
+              </a:cxn>
+            </a:cxnLst>
+            <a:rect l="T21" t="T22" r="T23" b="T24"/>
+            <a:pathLst>
+              <a:path w="1088" h="181">
+                <a:moveTo>
+                  <a:pt x="0" y="90"/>
+                </a:moveTo>
+                <a:lnTo>
+                  <a:pt x="45" y="0"/>
+                </a:lnTo>
+                <a:lnTo>
+                  <a:pt x="1043" y="0"/>
+                </a:lnTo>
+                <a:lnTo>
+                  <a:pt x="1088" y="90"/>
+                </a:lnTo>
+                <a:lnTo>
+                  <a:pt x="1043" y="181"/>
+                </a:lnTo>
+                <a:lnTo>
+                  <a:pt x="45" y="181"/>
+                </a:lnTo>
+                <a:lnTo>
+                  <a:pt x="0" y="90"/>
+                </a:lnTo>
+                <a:close/>
+              </a:path>
+            </a:pathLst>
+          </a:custGeom>
+          <a:solidFill>
+            <a:schemeClr val="accent1"/>
+          </a:solidFill>
+          <a:ln w="9525">
+            <a:solidFill>
+              <a:schemeClr val="tx1"/>
+            </a:solidFill>
+            <a:round/>
+            <a:headEnd/>
+            <a:tailEnd/>
+          </a:ln>
+        </p:spPr>
+        <p:txBody>
+          <a:bodyPr/>
+          <a:lstStyle/>
+          <a:p>
+            <a:endParaRPr lang="en-US"/>
+          </a:p>
+        </p:txBody>
+      </p:sp>
+      <p:sp>
+        <p:nvSpPr>
+          <p:cNvPr id="36" name="Freeform 37"/>
+          <p:cNvSpPr>
+            <a:spLocks/>
+          </p:cNvSpPr>
+          <p:nvPr/>
+        </p:nvSpPr>
+        <p:spPr bwMode="auto">
+          <a:xfrm>
+            <a:off x="4261310" y="2107102"/>
+            <a:ext cx="1727200" cy="287337"/>
+          </a:xfrm>
+          <a:custGeom>
+            <a:avLst/>
+            <a:gdLst>
+              <a:gd name="T0" fmla="*/ 0 w 1088"/>
+              <a:gd name="T1" fmla="*/ 2147483646 h 181"/>
+              <a:gd name="T2" fmla="*/ 2147483646 w 1088"/>
+              <a:gd name="T3" fmla="*/ 0 h 181"/>
+              <a:gd name="T4" fmla="*/ 2147483646 w 1088"/>
+              <a:gd name="T5" fmla="*/ 0 h 181"/>
+              <a:gd name="T6" fmla="*/ 2147483646 w 1088"/>
+              <a:gd name="T7" fmla="*/ 2147483646 h 181"/>
+              <a:gd name="T8" fmla="*/ 2147483646 w 1088"/>
+              <a:gd name="T9" fmla="*/ 2147483646 h 181"/>
+              <a:gd name="T10" fmla="*/ 2147483646 w 1088"/>
+              <a:gd name="T11" fmla="*/ 2147483646 h 181"/>
+              <a:gd name="T12" fmla="*/ 0 w 1088"/>
+              <a:gd name="T13" fmla="*/ 2147483646 h 181"/>
+              <a:gd name="T14" fmla="*/ 0 60000 65536"/>
+              <a:gd name="T15" fmla="*/ 0 60000 65536"/>
+              <a:gd name="T16" fmla="*/ 0 60000 65536"/>
+              <a:gd name="T17" fmla="*/ 0 60000 65536"/>
+              <a:gd name="T18" fmla="*/ 0 60000 65536"/>
+              <a:gd name="T19" fmla="*/ 0 60000 65536"/>
+              <a:gd name="T20" fmla="*/ 0 60000 65536"/>
+              <a:gd name="T21" fmla="*/ 0 w 1088"/>
+              <a:gd name="T22" fmla="*/ 0 h 181"/>
+              <a:gd name="T23" fmla="*/ 1088 w 1088"/>
+              <a:gd name="T24" fmla="*/ 181 h 181"/>
+            </a:gdLst>
+            <a:ahLst/>
+            <a:cxnLst>
+              <a:cxn ang="T14">
+                <a:pos x="T0" y="T1"/>
+              </a:cxn>
+              <a:cxn ang="T15">
+                <a:pos x="T2" y="T3"/>
+              </a:cxn>
+              <a:cxn ang="T16">
+                <a:pos x="T4" y="T5"/>
+              </a:cxn>
+              <a:cxn ang="T17">
+                <a:pos x="T6" y="T7"/>
+              </a:cxn>
+              <a:cxn ang="T18">
+                <a:pos x="T8" y="T9"/>
+              </a:cxn>
+              <a:cxn ang="T19">
+                <a:pos x="T10" y="T11"/>
+              </a:cxn>
+              <a:cxn ang="T20">
+                <a:pos x="T12" y="T13"/>
+              </a:cxn>
+            </a:cxnLst>
+            <a:rect l="T21" t="T22" r="T23" b="T24"/>
+            <a:pathLst>
+              <a:path w="1088" h="181">
+                <a:moveTo>
+                  <a:pt x="0" y="90"/>
+                </a:moveTo>
+                <a:lnTo>
+                  <a:pt x="45" y="0"/>
+                </a:lnTo>
+                <a:lnTo>
+                  <a:pt x="1043" y="0"/>
+                </a:lnTo>
+                <a:lnTo>
+                  <a:pt x="1088" y="90"/>
+                </a:lnTo>
+                <a:lnTo>
+                  <a:pt x="1043" y="181"/>
+                </a:lnTo>
+                <a:lnTo>
+                  <a:pt x="45" y="181"/>
+                </a:lnTo>
+                <a:lnTo>
+                  <a:pt x="0" y="90"/>
+                </a:lnTo>
+                <a:close/>
+              </a:path>
+            </a:pathLst>
+          </a:custGeom>
+          <a:solidFill>
+            <a:schemeClr val="accent1"/>
+          </a:solidFill>
+          <a:ln w="9525">
+            <a:solidFill>
+              <a:schemeClr val="tx1"/>
+            </a:solidFill>
+            <a:round/>
+            <a:headEnd/>
+            <a:tailEnd/>
+          </a:ln>
+        </p:spPr>
+        <p:txBody>
+          <a:bodyPr/>
+          <a:lstStyle/>
+          <a:p>
+            <a:endParaRPr lang="en-US"/>
+          </a:p>
+        </p:txBody>
+      </p:sp>
+      <p:sp>
+        <p:nvSpPr>
+          <p:cNvPr id="37" name="Freeform 38"/>
+          <p:cNvSpPr>
+            <a:spLocks/>
+          </p:cNvSpPr>
+          <p:nvPr/>
+        </p:nvSpPr>
+        <p:spPr bwMode="auto">
+          <a:xfrm>
+            <a:off x="7717297" y="2107102"/>
+            <a:ext cx="1727200" cy="287337"/>
+          </a:xfrm>
+          <a:custGeom>
+            <a:avLst/>
+            <a:gdLst>
+              <a:gd name="T0" fmla="*/ 0 w 1088"/>
+              <a:gd name="T1" fmla="*/ 2147483646 h 181"/>
+              <a:gd name="T2" fmla="*/ 2147483646 w 1088"/>
+              <a:gd name="T3" fmla="*/ 0 h 181"/>
+              <a:gd name="T4" fmla="*/ 2147483646 w 1088"/>
+              <a:gd name="T5" fmla="*/ 0 h 181"/>
+              <a:gd name="T6" fmla="*/ 2147483646 w 1088"/>
+              <a:gd name="T7" fmla="*/ 2147483646 h 181"/>
+              <a:gd name="T8" fmla="*/ 2147483646 w 1088"/>
+              <a:gd name="T9" fmla="*/ 2147483646 h 181"/>
+              <a:gd name="T10" fmla="*/ 2147483646 w 1088"/>
+              <a:gd name="T11" fmla="*/ 2147483646 h 181"/>
+              <a:gd name="T12" fmla="*/ 0 w 1088"/>
+              <a:gd name="T13" fmla="*/ 2147483646 h 181"/>
+              <a:gd name="T14" fmla="*/ 0 60000 65536"/>
+              <a:gd name="T15" fmla="*/ 0 60000 65536"/>
+              <a:gd name="T16" fmla="*/ 0 60000 65536"/>
+              <a:gd name="T17" fmla="*/ 0 60000 65536"/>
+              <a:gd name="T18" fmla="*/ 0 60000 65536"/>
+              <a:gd name="T19" fmla="*/ 0 60000 65536"/>
+              <a:gd name="T20" fmla="*/ 0 60000 65536"/>
+              <a:gd name="T21" fmla="*/ 0 w 1088"/>
+              <a:gd name="T22" fmla="*/ 0 h 181"/>
+              <a:gd name="T23" fmla="*/ 1088 w 1088"/>
+              <a:gd name="T24" fmla="*/ 181 h 181"/>
+            </a:gdLst>
+            <a:ahLst/>
+            <a:cxnLst>
+              <a:cxn ang="T14">
+                <a:pos x="T0" y="T1"/>
+              </a:cxn>
+              <a:cxn ang="T15">
+                <a:pos x="T2" y="T3"/>
+              </a:cxn>
+              <a:cxn ang="T16">
+                <a:pos x="T4" y="T5"/>
+              </a:cxn>
+              <a:cxn ang="T17">
+                <a:pos x="T6" y="T7"/>
+              </a:cxn>
+              <a:cxn ang="T18">
+                <a:pos x="T8" y="T9"/>
+              </a:cxn>
+              <a:cxn ang="T19">
+                <a:pos x="T10" y="T11"/>
+              </a:cxn>
+              <a:cxn ang="T20">
+                <a:pos x="T12" y="T13"/>
+              </a:cxn>
+            </a:cxnLst>
+            <a:rect l="T21" t="T22" r="T23" b="T24"/>
+            <a:pathLst>
+              <a:path w="1088" h="181">
+                <a:moveTo>
+                  <a:pt x="0" y="90"/>
+                </a:moveTo>
+                <a:lnTo>
+                  <a:pt x="45" y="0"/>
+                </a:lnTo>
+                <a:lnTo>
+                  <a:pt x="1043" y="0"/>
+                </a:lnTo>
+                <a:lnTo>
+                  <a:pt x="1088" y="90"/>
+                </a:lnTo>
+                <a:lnTo>
+                  <a:pt x="1043" y="181"/>
+                </a:lnTo>
+                <a:lnTo>
+                  <a:pt x="45" y="181"/>
+                </a:lnTo>
+                <a:lnTo>
+                  <a:pt x="0" y="90"/>
+                </a:lnTo>
+                <a:close/>
+              </a:path>
+            </a:pathLst>
+          </a:custGeom>
+          <a:solidFill>
+            <a:schemeClr val="accent1"/>
+          </a:solidFill>
+          <a:ln w="9525">
+            <a:solidFill>
+              <a:schemeClr val="tx1"/>
+            </a:solidFill>
+            <a:round/>
+            <a:headEnd/>
+            <a:tailEnd/>
+          </a:ln>
+        </p:spPr>
+        <p:txBody>
+          <a:bodyPr/>
+          <a:lstStyle/>
+          <a:p>
+            <a:endParaRPr lang="en-US"/>
+          </a:p>
+        </p:txBody>
+      </p:sp>
+    </p:spTree>
+    <p:extLst>
+      <p:ext uri="{BB962C8B-B14F-4D97-AF65-F5344CB8AC3E}">
+        <p14:creationId xmlns:p14="http://schemas.microsoft.com/office/powerpoint/2010/main" val="842743706"/>
+      </p:ext>
+    </p:extLst>
+  </p:cSld>
+  <p:clrMapOvr>
+    <a:masterClrMapping/>
+  </p:clrMapOvr>
+  <p:timing>
+    <p:tnLst>
+      <p:par>
+        <p:cTn id="1" dur="indefinite" restart="never" nodeType="tmRoot"/>
+      </p:par>
+    </p:tnLst>
+  </p:timing>
+</p:sld>
+</file>
+
+<file path=ppt/slides/slide9.xml><?xml version="1.0" encoding="utf-8"?>
+<p:sld xmlns:a="http://schemas.openxmlformats.org/drawingml/2006/main" xmlns:r="http://schemas.openxmlformats.org/officeDocument/2006/relationships" xmlns:p="http://schemas.openxmlformats.org/presentationml/2006/main">
+  <p:cSld>
+    <p:spTree>
+      <p:nvGrpSpPr>
+        <p:cNvPr id="1" name=""/>
+        <p:cNvGrpSpPr/>
+        <p:nvPr/>
+      </p:nvGrpSpPr>
+      <p:grpSpPr>
+        <a:xfrm>
+          <a:off x="0" y="0"/>
+          <a:ext cx="0" cy="0"/>
+          <a:chOff x="0" y="0"/>
+          <a:chExt cx="0" cy="0"/>
+        </a:xfrm>
+      </p:grpSpPr>
+      <p:sp>
+        <p:nvSpPr>
+          <p:cNvPr id="2" name="Content Placeholder 1"/>
+          <p:cNvSpPr>
+            <a:spLocks noGrp="1"/>
+          </p:cNvSpPr>
+          <p:nvPr>
+            <p:ph idx="1"/>
+          </p:nvPr>
+        </p:nvSpPr>
+        <p:spPr>
+          <a:xfrm>
+            <a:off x="838200" y="2822713"/>
+            <a:ext cx="10515600" cy="3353236"/>
+          </a:xfrm>
+        </p:spPr>
+        <p:txBody>
+          <a:bodyPr/>
+          <a:lstStyle/>
+          <a:p>
+            <a:pPr>
+              <a:lnSpc>
+                <a:spcPct val="100000"/>
+              </a:lnSpc>
+            </a:pPr>
+            <a:r>
+              <a:rPr lang="en-AU" altLang="en-US" dirty="0"/>
+              <a:t>Performance depends on</a:t>
+            </a:r>
+          </a:p>
+          <a:p>
+            <a:pPr lvl="1">
+              <a:lnSpc>
+                <a:spcPct val="100000"/>
+              </a:lnSpc>
+            </a:pPr>
+            <a:r>
+              <a:rPr lang="en-AU" altLang="en-US" dirty="0"/>
+              <a:t>Algorithm: affects IC, possibly CPI</a:t>
+            </a:r>
+          </a:p>
+          <a:p>
+            <a:pPr lvl="1">
+              <a:lnSpc>
+                <a:spcPct val="100000"/>
+              </a:lnSpc>
+            </a:pPr>
+            <a:r>
+              <a:rPr lang="en-AU" altLang="en-US" dirty="0"/>
+              <a:t>Programming language: affects IC, CPI</a:t>
+            </a:r>
+          </a:p>
+          <a:p>
+            <a:pPr lvl="1">
+              <a:lnSpc>
+                <a:spcPct val="100000"/>
+              </a:lnSpc>
+            </a:pPr>
+            <a:r>
+              <a:rPr lang="en-AU" altLang="en-US" dirty="0"/>
+              <a:t>Compiler: affects IC, CPI</a:t>
+            </a:r>
+          </a:p>
+          <a:p>
+            <a:pPr lvl="1">
+              <a:lnSpc>
+                <a:spcPct val="100000"/>
+              </a:lnSpc>
+            </a:pPr>
+            <a:r>
+              <a:rPr lang="en-AU" altLang="en-US" dirty="0"/>
+              <a:t>Instruction set architecture: affects IC, CPI, </a:t>
+            </a:r>
+            <a:r>
+              <a:rPr lang="en-AU" altLang="en-US" dirty="0" smtClean="0"/>
+              <a:t>T</a:t>
+            </a:r>
+            <a:r>
+              <a:rPr lang="en-AU" altLang="en-US" baseline="-25000" dirty="0" smtClean="0"/>
+              <a:t>c</a:t>
+            </a:r>
+            <a:endParaRPr lang="en-AU" altLang="en-US" baseline="-25000" dirty="0"/>
+          </a:p>
+        </p:txBody>
+      </p:sp>
+      <p:sp>
+        <p:nvSpPr>
+          <p:cNvPr id="3" name="Slide Number Placeholder 2"/>
+          <p:cNvSpPr>
+            <a:spLocks noGrp="1"/>
+          </p:cNvSpPr>
+          <p:nvPr>
+            <p:ph type="sldNum" sz="quarter" idx="12"/>
+          </p:nvPr>
+        </p:nvSpPr>
+        <p:spPr/>
+        <p:txBody>
+          <a:bodyPr/>
+          <a:lstStyle/>
+          <a:p>
+            <a:pPr algn="ctr"/>
+            <a:fld id="{1397BFD8-F312-4EF2-A268-44FB4BDDBBB0}" type="slidenum">
+              <a:rPr lang="ru-RU" smtClean="0"/>
+              <a:pPr algn="ctr"/>
+              <a:t>9</a:t>
+            </a:fld>
+            <a:endParaRPr lang="ru-RU" dirty="0"/>
+          </a:p>
+        </p:txBody>
+      </p:sp>
+      <p:sp>
+        <p:nvSpPr>
+          <p:cNvPr id="4" name="Title 3"/>
+          <p:cNvSpPr>
+            <a:spLocks noGrp="1"/>
+          </p:cNvSpPr>
+          <p:nvPr>
+            <p:ph type="title"/>
+          </p:nvPr>
+        </p:nvSpPr>
+        <p:spPr/>
+        <p:txBody>
+          <a:bodyPr/>
+          <a:lstStyle/>
+          <a:p>
+            <a:r>
+              <a:rPr lang="en-AU" altLang="en-US" dirty="0" smtClean="0"/>
+              <a:t>CPU Time</a:t>
+            </a:r>
+            <a:endParaRPr lang="en-US" dirty="0"/>
+          </a:p>
+        </p:txBody>
+      </p:sp>
+      <p:graphicFrame>
+        <p:nvGraphicFramePr>
+          <p:cNvPr id="5" name="Object 5"/>
+          <p:cNvGraphicFramePr>
+            <a:graphicFrameLocks noChangeAspect="1"/>
+          </p:cNvGraphicFramePr>
+          <p:nvPr>
+            <p:extLst>
+              <p:ext uri="{D42A27DB-BD31-4B8C-83A1-F6EECF244321}">
+                <p14:modId xmlns:p14="http://schemas.microsoft.com/office/powerpoint/2010/main" val="2337028690"/>
+              </p:ext>
+            </p:extLst>
+          </p:nvPr>
+        </p:nvGraphicFramePr>
+        <p:xfrm>
+          <a:off x="2327899" y="1464227"/>
+          <a:ext cx="7848600" cy="920750"/>
+        </p:xfrm>
+        <a:graphic>
+          <a:graphicData uri="http://schemas.openxmlformats.org/presentationml/2006/ole">
+            <mc:AlternateContent xmlns:mc="http://schemas.openxmlformats.org/markup-compatibility/2006">
+              <mc:Choice xmlns:v="urn:schemas-microsoft-com:vml" Requires="v">
+                <p:oleObj spid="_x0000_s3078" name="Equation" r:id="rId3" imgW="3568700" imgH="419100" progId="Equation.3">
+                  <p:embed/>
+                </p:oleObj>
+              </mc:Choice>
+              <mc:Fallback>
+                <p:oleObj name="Equation" r:id="rId3" imgW="3568700" imgH="419100" progId="Equation.3">
+                  <p:embed/>
+                  <p:pic>
+                    <p:nvPicPr>
+                      <p:cNvPr id="0" name=""/>
+                      <p:cNvPicPr>
+                        <a:picLocks noChangeAspect="1" noChangeArrowheads="1"/>
+                      </p:cNvPicPr>
+                      <p:nvPr/>
+                    </p:nvPicPr>
+                    <p:blipFill>
+                      <a:blip r:embed="rId4">
+                        <a:extLst>
+                          <a:ext uri="{28A0092B-C50C-407E-A947-70E740481C1C}">
+                            <a14:useLocalDpi xmlns:a14="http://schemas.microsoft.com/office/drawing/2010/main" val="0"/>
+                          </a:ext>
+                        </a:extLst>
+                      </a:blip>
+                      <a:srcRect/>
+                      <a:stretch>
+                        <a:fillRect/>
+                      </a:stretch>
+                    </p:blipFill>
+                    <p:spPr bwMode="auto">
+                      <a:xfrm>
+                        <a:off x="2327899" y="1464227"/>
+                        <a:ext cx="7848600" cy="920750"/>
+                      </a:xfrm>
+                      <a:prstGeom prst="rect">
+                        <a:avLst/>
+                      </a:prstGeom>
+                      <a:solidFill>
+                        <a:srgbClr val="F7B217"/>
+                      </a:solidFill>
+                      <a:ln>
+                        <a:noFill/>
+                      </a:ln>
+                      <a:effectLst/>
+                    </p:spPr>
+                  </p:pic>
+                </p:oleObj>
+              </mc:Fallback>
+            </mc:AlternateContent>
+          </a:graphicData>
+        </a:graphic>
+      </p:graphicFrame>
+    </p:spTree>
+    <p:extLst>
+      <p:ext uri="{BB962C8B-B14F-4D97-AF65-F5344CB8AC3E}">
+        <p14:creationId xmlns:p14="http://schemas.microsoft.com/office/powerpoint/2010/main" val="3848045450"/>
       </p:ext>
     </p:extLst>
   </p:cSld>

--- a/docs/part1ca/03_CPU/CA_Lecture_03.pptx
+++ b/docs/part1ca/03_CPU/CA_Lecture_03.pptx
@@ -5,10 +5,10 @@
     <p:sldMasterId id="2147483648" r:id="rId1"/>
   </p:sldMasterIdLst>
   <p:notesMasterIdLst>
-    <p:notesMasterId r:id="rId17"/>
+    <p:notesMasterId r:id="rId21"/>
   </p:notesMasterIdLst>
   <p:handoutMasterIdLst>
-    <p:handoutMasterId r:id="rId18"/>
+    <p:handoutMasterId r:id="rId22"/>
   </p:handoutMasterIdLst>
   <p:sldIdLst>
     <p:sldId id="256" r:id="rId2"/>
@@ -24,8 +24,12 @@
     <p:sldId id="289" r:id="rId12"/>
     <p:sldId id="291" r:id="rId13"/>
     <p:sldId id="292" r:id="rId14"/>
-    <p:sldId id="293" r:id="rId15"/>
-    <p:sldId id="272" r:id="rId16"/>
+    <p:sldId id="297" r:id="rId15"/>
+    <p:sldId id="293" r:id="rId16"/>
+    <p:sldId id="294" r:id="rId17"/>
+    <p:sldId id="296" r:id="rId18"/>
+    <p:sldId id="295" r:id="rId19"/>
+    <p:sldId id="272" r:id="rId20"/>
   </p:sldIdLst>
   <p:sldSz cx="12192000" cy="6858000"/>
   <p:notesSz cx="6858000" cy="9144000"/>
@@ -248,7 +252,7 @@
             <a:fld id="{D0106195-8D78-4F6F-B8E4-FA67975ACEF5}" type="datetimeFigureOut">
               <a:rPr lang="ru-RU" smtClean="0"/>
               <a:pPr/>
-              <a:t>23.10.2020</a:t>
+              <a:t>25.10.2020</a:t>
             </a:fld>
             <a:endParaRPr lang="ru-RU"/>
           </a:p>
@@ -416,7 +420,7 @@
             <a:fld id="{878212F1-C3D9-4F2B-8F42-5E960FE8BE51}" type="datetimeFigureOut">
               <a:rPr lang="ru-RU" smtClean="0"/>
               <a:pPr/>
-              <a:t>23.10.2020</a:t>
+              <a:t>25.10.2020</a:t>
             </a:fld>
             <a:endParaRPr lang="ru-RU"/>
           </a:p>
@@ -913,7 +917,7 @@
             <a:fld id="{5583B3A5-99BF-45D9-956B-DC57CC23AD97}" type="slidenum">
               <a:rPr lang="ru-RU" smtClean="0"/>
               <a:pPr/>
-              <a:t>15</a:t>
+              <a:t>19</a:t>
             </a:fld>
             <a:endParaRPr lang="ru-RU"/>
           </a:p>
@@ -4093,11 +4097,7 @@
             </a:br>
             <a:r>
               <a:rPr lang="en-US" b="1" dirty="0" smtClean="0"/>
-              <a:t>Lecture 3: Computer </a:t>
-            </a:r>
-            <a:r>
-              <a:rPr lang="en-US" b="1" dirty="0" smtClean="0"/>
-              <a:t>Architecture</a:t>
+              <a:t>Lecture 3: Computer Architecture</a:t>
             </a:r>
             <a:endParaRPr lang="ru-RU" b="1" dirty="0"/>
           </a:p>
@@ -5356,15 +5356,7 @@
             </a:pPr>
             <a:r>
               <a:rPr lang="en-US" dirty="0" smtClean="0"/>
-              <a:t>Wide Support of IT Companies (except </a:t>
-            </a:r>
-            <a:r>
-              <a:rPr lang="en-US" dirty="0" smtClean="0"/>
-              <a:t>Intel </a:t>
-            </a:r>
-            <a:r>
-              <a:rPr lang="en-US" dirty="0" smtClean="0"/>
-              <a:t>and ARM) and Universities</a:t>
+              <a:t>Wide Support of IT Companies (except Intel and ARM) and Universities</a:t>
             </a:r>
             <a:endParaRPr lang="ru-RU" dirty="0"/>
           </a:p>
@@ -5407,136 +5399,48 @@
           <a:chExt cx="0" cy="0"/>
         </a:xfrm>
       </p:grpSpPr>
-      <p:sp>
-        <p:nvSpPr>
-          <p:cNvPr id="2" name="Content Placeholder 1"/>
-          <p:cNvSpPr>
-            <a:spLocks noGrp="1"/>
-          </p:cNvSpPr>
-          <p:nvPr>
-            <p:ph idx="1"/>
-          </p:nvPr>
-        </p:nvSpPr>
+      <p:cxnSp>
+        <p:nvCxnSpPr>
+          <p:cNvPr id="45" name="Elbow Connector 44"/>
+          <p:cNvCxnSpPr>
+            <a:endCxn id="14" idx="0"/>
+          </p:cNvCxnSpPr>
+          <p:nvPr/>
+        </p:nvCxnSpPr>
         <p:spPr>
-          <a:xfrm>
-            <a:off x="838200" y="1009089"/>
-            <a:ext cx="10515600" cy="5661267"/>
+          <a:xfrm rot="5400000" flipH="1" flipV="1">
+            <a:off x="511095" y="3351391"/>
+            <a:ext cx="3607034" cy="954156"/>
           </a:xfrm>
+          <a:prstGeom prst="bentConnector5">
+            <a:avLst>
+              <a:gd name="adj1" fmla="val 711"/>
+              <a:gd name="adj2" fmla="val -99504"/>
+              <a:gd name="adj3" fmla="val 111408"/>
+            </a:avLst>
+          </a:prstGeom>
+          <a:ln w="76200">
+            <a:solidFill>
+              <a:srgbClr val="1E3272"/>
+            </a:solidFill>
+            <a:tailEnd type="triangle"/>
+          </a:ln>
         </p:spPr>
-        <p:txBody>
-          <a:bodyPr>
-            <a:noAutofit/>
-          </a:bodyPr>
-          <a:lstStyle/>
-          <a:p>
-            <a:pPr marL="457200" indent="-457200">
-              <a:lnSpc>
-                <a:spcPct val="100000"/>
-              </a:lnSpc>
-              <a:spcBef>
-                <a:spcPts val="600"/>
-              </a:spcBef>
-              <a:buFont typeface="+mj-lt"/>
-              <a:buAutoNum type="arabicPeriod"/>
-            </a:pPr>
-            <a:r>
-              <a:rPr lang="en-US" altLang="en-US" dirty="0"/>
-              <a:t>Fetch next instruction from memory into </a:t>
-            </a:r>
-            <a:r>
-              <a:rPr lang="en-US" altLang="en-US" dirty="0" smtClean="0"/>
-              <a:t>instruction </a:t>
-            </a:r>
-            <a:r>
-              <a:rPr lang="en-US" altLang="en-US" dirty="0"/>
-              <a:t>register</a:t>
-            </a:r>
-          </a:p>
-          <a:p>
-            <a:pPr marL="457200" indent="-457200">
-              <a:lnSpc>
-                <a:spcPct val="100000"/>
-              </a:lnSpc>
-              <a:spcBef>
-                <a:spcPts val="600"/>
-              </a:spcBef>
-              <a:buFont typeface="+mj-lt"/>
-              <a:buAutoNum type="arabicPeriod"/>
-            </a:pPr>
-            <a:r>
-              <a:rPr lang="en-US" altLang="en-US" dirty="0"/>
-              <a:t>Change program counter to point to next instruction</a:t>
-            </a:r>
-          </a:p>
-          <a:p>
-            <a:pPr marL="457200" indent="-457200">
-              <a:lnSpc>
-                <a:spcPct val="100000"/>
-              </a:lnSpc>
-              <a:spcBef>
-                <a:spcPts val="600"/>
-              </a:spcBef>
-              <a:buFont typeface="+mj-lt"/>
-              <a:buAutoNum type="arabicPeriod"/>
-            </a:pPr>
-            <a:r>
-              <a:rPr lang="en-US" altLang="en-US" dirty="0"/>
-              <a:t>Determine type of instruction just fetched</a:t>
-            </a:r>
-          </a:p>
-          <a:p>
-            <a:pPr marL="457200" indent="-457200">
-              <a:lnSpc>
-                <a:spcPct val="100000"/>
-              </a:lnSpc>
-              <a:spcBef>
-                <a:spcPts val="600"/>
-              </a:spcBef>
-              <a:buFont typeface="+mj-lt"/>
-              <a:buAutoNum type="arabicPeriod"/>
-            </a:pPr>
-            <a:r>
-              <a:rPr lang="en-US" altLang="en-US" dirty="0"/>
-              <a:t>If instructions uses word in memory, determine where Fetch word, if needed, into CPU register</a:t>
-            </a:r>
-          </a:p>
-          <a:p>
-            <a:pPr marL="457200" indent="-457200">
-              <a:lnSpc>
-                <a:spcPct val="100000"/>
-              </a:lnSpc>
-              <a:spcBef>
-                <a:spcPts val="600"/>
-              </a:spcBef>
-              <a:buFont typeface="+mj-lt"/>
-              <a:buAutoNum type="arabicPeriod"/>
-            </a:pPr>
-            <a:r>
-              <a:rPr lang="en-US" altLang="en-US" dirty="0"/>
-              <a:t>Execute the instruction</a:t>
-            </a:r>
-          </a:p>
-          <a:p>
-            <a:pPr marL="457200" indent="-457200">
-              <a:lnSpc>
-                <a:spcPct val="100000"/>
-              </a:lnSpc>
-              <a:spcBef>
-                <a:spcPts val="600"/>
-              </a:spcBef>
-              <a:buFont typeface="+mj-lt"/>
-              <a:buAutoNum type="arabicPeriod"/>
-            </a:pPr>
-            <a:r>
-              <a:rPr lang="en-US" altLang="en-US" dirty="0"/>
-              <a:t>Go to step 1 to begin executing following instruction</a:t>
-            </a:r>
-            <a:endParaRPr lang="en-US" altLang="en-US" dirty="0" smtClean="0">
-              <a:sym typeface="Symbol" panose="05050102010706020507" pitchFamily="18" charset="2"/>
-            </a:endParaRPr>
-          </a:p>
-        </p:txBody>
-      </p:sp>
+        <p:style>
+          <a:lnRef idx="1">
+            <a:schemeClr val="accent1"/>
+          </a:lnRef>
+          <a:fillRef idx="0">
+            <a:schemeClr val="accent1"/>
+          </a:fillRef>
+          <a:effectRef idx="0">
+            <a:schemeClr val="accent1"/>
+          </a:effectRef>
+          <a:fontRef idx="minor">
+            <a:schemeClr val="tx1"/>
+          </a:fontRef>
+        </p:style>
+      </p:cxnSp>
       <p:sp>
         <p:nvSpPr>
           <p:cNvPr id="3" name="Slide Number Placeholder 2"/>
@@ -5578,27 +5482,1540 @@
           <a:lstStyle/>
           <a:p>
             <a:r>
-              <a:rPr lang="en-US" altLang="en-US" dirty="0"/>
-              <a:t>Instruction </a:t>
-            </a:r>
-            <a:r>
-              <a:rPr lang="en-US" altLang="en-US" dirty="0" smtClean="0"/>
-              <a:t>Execution</a:t>
+              <a:rPr lang="en-US" dirty="0" smtClean="0"/>
+              <a:t>How CPU Works</a:t>
             </a:r>
             <a:endParaRPr lang="en-US" dirty="0"/>
+          </a:p>
+        </p:txBody>
+      </p:sp>
+      <p:sp>
+        <p:nvSpPr>
+          <p:cNvPr id="6" name="Double Wave 5"/>
+          <p:cNvSpPr/>
+          <p:nvPr/>
+        </p:nvSpPr>
+        <p:spPr>
+          <a:xfrm>
+            <a:off x="7943520" y="1774330"/>
+            <a:ext cx="1903787" cy="4809351"/>
+          </a:xfrm>
+          <a:prstGeom prst="doubleWave">
+            <a:avLst/>
+          </a:prstGeom>
+          <a:solidFill>
+            <a:schemeClr val="accent1">
+              <a:lumMod val="75000"/>
+            </a:schemeClr>
+          </a:solidFill>
+          <a:ln w="25400">
+            <a:solidFill>
+              <a:srgbClr val="1E3272"/>
+            </a:solidFill>
+          </a:ln>
+        </p:spPr>
+        <p:style>
+          <a:lnRef idx="2">
+            <a:schemeClr val="accent1">
+              <a:shade val="50000"/>
+            </a:schemeClr>
+          </a:lnRef>
+          <a:fillRef idx="1">
+            <a:schemeClr val="accent1"/>
+          </a:fillRef>
+          <a:effectRef idx="0">
+            <a:schemeClr val="accent1"/>
+          </a:effectRef>
+          <a:fontRef idx="minor">
+            <a:schemeClr val="lt1"/>
+          </a:fontRef>
+        </p:style>
+        <p:txBody>
+          <a:bodyPr rtlCol="0" anchor="ctr"/>
+          <a:lstStyle/>
+          <a:p>
+            <a:pPr algn="ctr"/>
+            <a:endParaRPr lang="en-US"/>
+          </a:p>
+        </p:txBody>
+      </p:sp>
+      <p:sp>
+        <p:nvSpPr>
+          <p:cNvPr id="8" name="Rectangle 7"/>
+          <p:cNvSpPr/>
+          <p:nvPr/>
+        </p:nvSpPr>
+        <p:spPr>
+          <a:xfrm>
+            <a:off x="7941575" y="2665160"/>
+            <a:ext cx="1908312" cy="467139"/>
+          </a:xfrm>
+          <a:prstGeom prst="rect">
+            <a:avLst/>
+          </a:prstGeom>
+          <a:solidFill>
+            <a:schemeClr val="accent1">
+              <a:lumMod val="75000"/>
+            </a:schemeClr>
+          </a:solidFill>
+          <a:ln w="25400">
+            <a:solidFill>
+              <a:srgbClr val="1E3272"/>
+            </a:solidFill>
+          </a:ln>
+        </p:spPr>
+        <p:style>
+          <a:lnRef idx="2">
+            <a:schemeClr val="accent1">
+              <a:shade val="50000"/>
+            </a:schemeClr>
+          </a:lnRef>
+          <a:fillRef idx="1">
+            <a:schemeClr val="accent1"/>
+          </a:fillRef>
+          <a:effectRef idx="0">
+            <a:schemeClr val="accent1"/>
+          </a:effectRef>
+          <a:fontRef idx="minor">
+            <a:schemeClr val="lt1"/>
+          </a:fontRef>
+        </p:style>
+        <p:txBody>
+          <a:bodyPr rtlCol="0" anchor="ctr"/>
+          <a:lstStyle/>
+          <a:p>
+            <a:pPr algn="ctr"/>
+            <a:endParaRPr lang="en-US" dirty="0"/>
+          </a:p>
+        </p:txBody>
+      </p:sp>
+      <p:sp>
+        <p:nvSpPr>
+          <p:cNvPr id="9" name="Rectangle 8"/>
+          <p:cNvSpPr/>
+          <p:nvPr/>
+        </p:nvSpPr>
+        <p:spPr>
+          <a:xfrm>
+            <a:off x="7938996" y="3129353"/>
+            <a:ext cx="1908312" cy="467139"/>
+          </a:xfrm>
+          <a:prstGeom prst="rect">
+            <a:avLst/>
+          </a:prstGeom>
+          <a:solidFill>
+            <a:schemeClr val="accent1">
+              <a:lumMod val="75000"/>
+            </a:schemeClr>
+          </a:solidFill>
+          <a:ln w="25400">
+            <a:solidFill>
+              <a:srgbClr val="1E3272"/>
+            </a:solidFill>
+          </a:ln>
+        </p:spPr>
+        <p:style>
+          <a:lnRef idx="2">
+            <a:schemeClr val="accent1">
+              <a:shade val="50000"/>
+            </a:schemeClr>
+          </a:lnRef>
+          <a:fillRef idx="1">
+            <a:schemeClr val="accent1"/>
+          </a:fillRef>
+          <a:effectRef idx="0">
+            <a:schemeClr val="accent1"/>
+          </a:effectRef>
+          <a:fontRef idx="minor">
+            <a:schemeClr val="lt1"/>
+          </a:fontRef>
+        </p:style>
+        <p:txBody>
+          <a:bodyPr rtlCol="0" anchor="ctr"/>
+          <a:lstStyle/>
+          <a:p>
+            <a:pPr algn="ctr"/>
+            <a:endParaRPr lang="en-US" dirty="0"/>
+          </a:p>
+        </p:txBody>
+      </p:sp>
+      <p:sp>
+        <p:nvSpPr>
+          <p:cNvPr id="10" name="Rectangle 9"/>
+          <p:cNvSpPr/>
+          <p:nvPr/>
+        </p:nvSpPr>
+        <p:spPr>
+          <a:xfrm>
+            <a:off x="7938996" y="3596492"/>
+            <a:ext cx="1908312" cy="467139"/>
+          </a:xfrm>
+          <a:prstGeom prst="rect">
+            <a:avLst/>
+          </a:prstGeom>
+          <a:solidFill>
+            <a:schemeClr val="accent1">
+              <a:lumMod val="75000"/>
+            </a:schemeClr>
+          </a:solidFill>
+          <a:ln w="25400">
+            <a:solidFill>
+              <a:srgbClr val="1E3272"/>
+            </a:solidFill>
+          </a:ln>
+        </p:spPr>
+        <p:style>
+          <a:lnRef idx="2">
+            <a:schemeClr val="accent1">
+              <a:shade val="50000"/>
+            </a:schemeClr>
+          </a:lnRef>
+          <a:fillRef idx="1">
+            <a:schemeClr val="accent1"/>
+          </a:fillRef>
+          <a:effectRef idx="0">
+            <a:schemeClr val="accent1"/>
+          </a:effectRef>
+          <a:fontRef idx="minor">
+            <a:schemeClr val="lt1"/>
+          </a:fontRef>
+        </p:style>
+        <p:txBody>
+          <a:bodyPr rtlCol="0" anchor="ctr"/>
+          <a:lstStyle/>
+          <a:p>
+            <a:pPr algn="ctr"/>
+            <a:r>
+              <a:rPr lang="en-US" sz="2400" dirty="0" smtClean="0">
+                <a:solidFill>
+                  <a:srgbClr val="F7B217"/>
+                </a:solidFill>
+              </a:rPr>
+              <a:t>32 bit words</a:t>
+            </a:r>
+            <a:endParaRPr lang="en-US" sz="2400" dirty="0">
+              <a:solidFill>
+                <a:srgbClr val="F7B217"/>
+              </a:solidFill>
+            </a:endParaRPr>
+          </a:p>
+        </p:txBody>
+      </p:sp>
+      <p:sp>
+        <p:nvSpPr>
+          <p:cNvPr id="11" name="Rectangle 10"/>
+          <p:cNvSpPr/>
+          <p:nvPr/>
+        </p:nvSpPr>
+        <p:spPr>
+          <a:xfrm>
+            <a:off x="7938996" y="4060685"/>
+            <a:ext cx="1908312" cy="467139"/>
+          </a:xfrm>
+          <a:prstGeom prst="rect">
+            <a:avLst/>
+          </a:prstGeom>
+          <a:solidFill>
+            <a:schemeClr val="accent1">
+              <a:lumMod val="75000"/>
+            </a:schemeClr>
+          </a:solidFill>
+          <a:ln w="25400">
+            <a:solidFill>
+              <a:srgbClr val="1E3272"/>
+            </a:solidFill>
+          </a:ln>
+        </p:spPr>
+        <p:style>
+          <a:lnRef idx="2">
+            <a:schemeClr val="accent1">
+              <a:shade val="50000"/>
+            </a:schemeClr>
+          </a:lnRef>
+          <a:fillRef idx="1">
+            <a:schemeClr val="accent1"/>
+          </a:fillRef>
+          <a:effectRef idx="0">
+            <a:schemeClr val="accent1"/>
+          </a:effectRef>
+          <a:fontRef idx="minor">
+            <a:schemeClr val="lt1"/>
+          </a:fontRef>
+        </p:style>
+        <p:txBody>
+          <a:bodyPr rtlCol="0" anchor="ctr"/>
+          <a:lstStyle/>
+          <a:p>
+            <a:pPr algn="ctr"/>
+            <a:endParaRPr lang="en-US" dirty="0"/>
+          </a:p>
+        </p:txBody>
+      </p:sp>
+      <p:sp>
+        <p:nvSpPr>
+          <p:cNvPr id="12" name="Rectangle 11"/>
+          <p:cNvSpPr/>
+          <p:nvPr/>
+        </p:nvSpPr>
+        <p:spPr>
+          <a:xfrm>
+            <a:off x="7938996" y="4527824"/>
+            <a:ext cx="1908312" cy="467139"/>
+          </a:xfrm>
+          <a:prstGeom prst="rect">
+            <a:avLst/>
+          </a:prstGeom>
+          <a:solidFill>
+            <a:schemeClr val="accent1">
+              <a:lumMod val="75000"/>
+            </a:schemeClr>
+          </a:solidFill>
+          <a:ln w="25400">
+            <a:solidFill>
+              <a:srgbClr val="1E3272"/>
+            </a:solidFill>
+          </a:ln>
+        </p:spPr>
+        <p:style>
+          <a:lnRef idx="2">
+            <a:schemeClr val="accent1">
+              <a:shade val="50000"/>
+            </a:schemeClr>
+          </a:lnRef>
+          <a:fillRef idx="1">
+            <a:schemeClr val="accent1"/>
+          </a:fillRef>
+          <a:effectRef idx="0">
+            <a:schemeClr val="accent1"/>
+          </a:effectRef>
+          <a:fontRef idx="minor">
+            <a:schemeClr val="lt1"/>
+          </a:fontRef>
+        </p:style>
+        <p:txBody>
+          <a:bodyPr rtlCol="0" anchor="ctr"/>
+          <a:lstStyle/>
+          <a:p>
+            <a:pPr algn="ctr"/>
+            <a:endParaRPr lang="en-US" dirty="0"/>
+          </a:p>
+        </p:txBody>
+      </p:sp>
+      <p:sp>
+        <p:nvSpPr>
+          <p:cNvPr id="13" name="Rectangle 12"/>
+          <p:cNvSpPr/>
+          <p:nvPr/>
+        </p:nvSpPr>
+        <p:spPr>
+          <a:xfrm>
+            <a:off x="7938996" y="4992017"/>
+            <a:ext cx="1908312" cy="467139"/>
+          </a:xfrm>
+          <a:prstGeom prst="rect">
+            <a:avLst/>
+          </a:prstGeom>
+          <a:solidFill>
+            <a:schemeClr val="accent1">
+              <a:lumMod val="75000"/>
+            </a:schemeClr>
+          </a:solidFill>
+          <a:ln w="25400">
+            <a:solidFill>
+              <a:srgbClr val="1E3272"/>
+            </a:solidFill>
+          </a:ln>
+        </p:spPr>
+        <p:style>
+          <a:lnRef idx="2">
+            <a:schemeClr val="accent1">
+              <a:shade val="50000"/>
+            </a:schemeClr>
+          </a:lnRef>
+          <a:fillRef idx="1">
+            <a:schemeClr val="accent1"/>
+          </a:fillRef>
+          <a:effectRef idx="0">
+            <a:schemeClr val="accent1"/>
+          </a:effectRef>
+          <a:fontRef idx="minor">
+            <a:schemeClr val="lt1"/>
+          </a:fontRef>
+        </p:style>
+        <p:txBody>
+          <a:bodyPr rtlCol="0" anchor="ctr"/>
+          <a:lstStyle/>
+          <a:p>
+            <a:pPr algn="ctr"/>
+            <a:endParaRPr lang="en-US" dirty="0"/>
+          </a:p>
+        </p:txBody>
+      </p:sp>
+      <p:sp>
+        <p:nvSpPr>
+          <p:cNvPr id="14" name="Rectangle 13"/>
+          <p:cNvSpPr/>
+          <p:nvPr/>
+        </p:nvSpPr>
+        <p:spPr>
+          <a:xfrm>
+            <a:off x="1837534" y="2024952"/>
+            <a:ext cx="1908312" cy="467139"/>
+          </a:xfrm>
+          <a:prstGeom prst="rect">
+            <a:avLst/>
+          </a:prstGeom>
+          <a:solidFill>
+            <a:srgbClr val="F7B217"/>
+          </a:solidFill>
+          <a:ln w="25400">
+            <a:solidFill>
+              <a:srgbClr val="1E3272"/>
+            </a:solidFill>
+          </a:ln>
+        </p:spPr>
+        <p:style>
+          <a:lnRef idx="2">
+            <a:schemeClr val="accent1">
+              <a:shade val="50000"/>
+            </a:schemeClr>
+          </a:lnRef>
+          <a:fillRef idx="1">
+            <a:schemeClr val="accent1"/>
+          </a:fillRef>
+          <a:effectRef idx="0">
+            <a:schemeClr val="accent1"/>
+          </a:effectRef>
+          <a:fontRef idx="minor">
+            <a:schemeClr val="lt1"/>
+          </a:fontRef>
+        </p:style>
+        <p:txBody>
+          <a:bodyPr rtlCol="0" anchor="ctr"/>
+          <a:lstStyle/>
+          <a:p>
+            <a:pPr algn="ctr"/>
+            <a:r>
+              <a:rPr lang="en-US" sz="2400" dirty="0" smtClean="0">
+                <a:solidFill>
+                  <a:srgbClr val="1E3272"/>
+                </a:solidFill>
+              </a:rPr>
+              <a:t>000000…000</a:t>
+            </a:r>
+            <a:endParaRPr lang="en-US" sz="2400" dirty="0">
+              <a:solidFill>
+                <a:srgbClr val="1E3272"/>
+              </a:solidFill>
+            </a:endParaRPr>
+          </a:p>
+        </p:txBody>
+      </p:sp>
+      <p:sp>
+        <p:nvSpPr>
+          <p:cNvPr id="15" name="Rectangle 14"/>
+          <p:cNvSpPr/>
+          <p:nvPr/>
+        </p:nvSpPr>
+        <p:spPr>
+          <a:xfrm>
+            <a:off x="1834955" y="2489145"/>
+            <a:ext cx="1908312" cy="467139"/>
+          </a:xfrm>
+          <a:prstGeom prst="rect">
+            <a:avLst/>
+          </a:prstGeom>
+          <a:solidFill>
+            <a:srgbClr val="F7B217"/>
+          </a:solidFill>
+          <a:ln w="25400">
+            <a:solidFill>
+              <a:srgbClr val="1E3272"/>
+            </a:solidFill>
+          </a:ln>
+        </p:spPr>
+        <p:style>
+          <a:lnRef idx="2">
+            <a:schemeClr val="accent1">
+              <a:shade val="50000"/>
+            </a:schemeClr>
+          </a:lnRef>
+          <a:fillRef idx="1">
+            <a:schemeClr val="accent1"/>
+          </a:fillRef>
+          <a:effectRef idx="0">
+            <a:schemeClr val="accent1"/>
+          </a:effectRef>
+          <a:fontRef idx="minor">
+            <a:schemeClr val="lt1"/>
+          </a:fontRef>
+        </p:style>
+        <p:txBody>
+          <a:bodyPr rtlCol="0" anchor="ctr"/>
+          <a:lstStyle/>
+          <a:p>
+            <a:pPr algn="ctr"/>
+            <a:endParaRPr lang="en-US" dirty="0"/>
+          </a:p>
+        </p:txBody>
+      </p:sp>
+      <p:sp>
+        <p:nvSpPr>
+          <p:cNvPr id="16" name="Rectangle 15"/>
+          <p:cNvSpPr/>
+          <p:nvPr/>
+        </p:nvSpPr>
+        <p:spPr>
+          <a:xfrm>
+            <a:off x="1834955" y="2956284"/>
+            <a:ext cx="1908312" cy="467139"/>
+          </a:xfrm>
+          <a:prstGeom prst="rect">
+            <a:avLst/>
+          </a:prstGeom>
+          <a:solidFill>
+            <a:srgbClr val="F7B217"/>
+          </a:solidFill>
+          <a:ln w="25400">
+            <a:solidFill>
+              <a:srgbClr val="1E3272"/>
+            </a:solidFill>
+          </a:ln>
+        </p:spPr>
+        <p:style>
+          <a:lnRef idx="2">
+            <a:schemeClr val="accent1">
+              <a:shade val="50000"/>
+            </a:schemeClr>
+          </a:lnRef>
+          <a:fillRef idx="1">
+            <a:schemeClr val="accent1"/>
+          </a:fillRef>
+          <a:effectRef idx="0">
+            <a:schemeClr val="accent1"/>
+          </a:effectRef>
+          <a:fontRef idx="minor">
+            <a:schemeClr val="lt1"/>
+          </a:fontRef>
+        </p:style>
+        <p:txBody>
+          <a:bodyPr rtlCol="0" anchor="ctr"/>
+          <a:lstStyle/>
+          <a:p>
+            <a:pPr algn="ctr"/>
+            <a:endParaRPr lang="en-US" dirty="0"/>
+          </a:p>
+        </p:txBody>
+      </p:sp>
+      <p:sp>
+        <p:nvSpPr>
+          <p:cNvPr id="17" name="Rectangle 16"/>
+          <p:cNvSpPr/>
+          <p:nvPr/>
+        </p:nvSpPr>
+        <p:spPr>
+          <a:xfrm>
+            <a:off x="1834955" y="3420477"/>
+            <a:ext cx="1908312" cy="467139"/>
+          </a:xfrm>
+          <a:prstGeom prst="rect">
+            <a:avLst/>
+          </a:prstGeom>
+          <a:solidFill>
+            <a:srgbClr val="F7B217"/>
+          </a:solidFill>
+          <a:ln w="25400">
+            <a:solidFill>
+              <a:srgbClr val="1E3272"/>
+            </a:solidFill>
+          </a:ln>
+        </p:spPr>
+        <p:style>
+          <a:lnRef idx="2">
+            <a:schemeClr val="accent1">
+              <a:shade val="50000"/>
+            </a:schemeClr>
+          </a:lnRef>
+          <a:fillRef idx="1">
+            <a:schemeClr val="accent1"/>
+          </a:fillRef>
+          <a:effectRef idx="0">
+            <a:schemeClr val="accent1"/>
+          </a:effectRef>
+          <a:fontRef idx="minor">
+            <a:schemeClr val="lt1"/>
+          </a:fontRef>
+        </p:style>
+        <p:txBody>
+          <a:bodyPr rtlCol="0" anchor="ctr"/>
+          <a:lstStyle/>
+          <a:p>
+            <a:pPr algn="ctr"/>
+            <a:r>
+              <a:rPr lang="en-US" sz="2400" dirty="0" smtClean="0">
+                <a:solidFill>
+                  <a:srgbClr val="1E3272"/>
+                </a:solidFill>
+              </a:rPr>
+              <a:t>32-bit words</a:t>
+            </a:r>
+            <a:endParaRPr lang="en-US" sz="2400" dirty="0">
+              <a:solidFill>
+                <a:srgbClr val="1E3272"/>
+              </a:solidFill>
+            </a:endParaRPr>
+          </a:p>
+        </p:txBody>
+      </p:sp>
+      <p:sp>
+        <p:nvSpPr>
+          <p:cNvPr id="22" name="Rectangle 21"/>
+          <p:cNvSpPr/>
+          <p:nvPr/>
+        </p:nvSpPr>
+        <p:spPr>
+          <a:xfrm>
+            <a:off x="1834955" y="3876197"/>
+            <a:ext cx="1908312" cy="467139"/>
+          </a:xfrm>
+          <a:prstGeom prst="rect">
+            <a:avLst/>
+          </a:prstGeom>
+          <a:solidFill>
+            <a:srgbClr val="F7B217"/>
+          </a:solidFill>
+          <a:ln w="25400">
+            <a:solidFill>
+              <a:srgbClr val="1E3272"/>
+            </a:solidFill>
+          </a:ln>
+        </p:spPr>
+        <p:style>
+          <a:lnRef idx="2">
+            <a:schemeClr val="accent1">
+              <a:shade val="50000"/>
+            </a:schemeClr>
+          </a:lnRef>
+          <a:fillRef idx="1">
+            <a:schemeClr val="accent1"/>
+          </a:fillRef>
+          <a:effectRef idx="0">
+            <a:schemeClr val="accent1"/>
+          </a:effectRef>
+          <a:fontRef idx="minor">
+            <a:schemeClr val="lt1"/>
+          </a:fontRef>
+        </p:style>
+        <p:txBody>
+          <a:bodyPr rtlCol="0" anchor="ctr"/>
+          <a:lstStyle/>
+          <a:p>
+            <a:pPr algn="ctr"/>
+            <a:endParaRPr lang="en-US" dirty="0"/>
+          </a:p>
+        </p:txBody>
+      </p:sp>
+      <p:sp>
+        <p:nvSpPr>
+          <p:cNvPr id="23" name="Rectangle 22"/>
+          <p:cNvSpPr/>
+          <p:nvPr/>
+        </p:nvSpPr>
+        <p:spPr>
+          <a:xfrm>
+            <a:off x="1834955" y="4340390"/>
+            <a:ext cx="1908312" cy="467139"/>
+          </a:xfrm>
+          <a:prstGeom prst="rect">
+            <a:avLst/>
+          </a:prstGeom>
+          <a:solidFill>
+            <a:srgbClr val="F7B217"/>
+          </a:solidFill>
+          <a:ln w="25400">
+            <a:solidFill>
+              <a:srgbClr val="1E3272"/>
+            </a:solidFill>
+          </a:ln>
+        </p:spPr>
+        <p:style>
+          <a:lnRef idx="2">
+            <a:schemeClr val="accent1">
+              <a:shade val="50000"/>
+            </a:schemeClr>
+          </a:lnRef>
+          <a:fillRef idx="1">
+            <a:schemeClr val="accent1"/>
+          </a:fillRef>
+          <a:effectRef idx="0">
+            <a:schemeClr val="accent1"/>
+          </a:effectRef>
+          <a:fontRef idx="minor">
+            <a:schemeClr val="lt1"/>
+          </a:fontRef>
+        </p:style>
+        <p:txBody>
+          <a:bodyPr rtlCol="0" anchor="ctr"/>
+          <a:lstStyle/>
+          <a:p>
+            <a:pPr algn="ctr"/>
+            <a:endParaRPr lang="en-US" dirty="0"/>
+          </a:p>
+        </p:txBody>
+      </p:sp>
+      <p:sp>
+        <p:nvSpPr>
+          <p:cNvPr id="29" name="Flowchart: Stored Data 28"/>
+          <p:cNvSpPr/>
+          <p:nvPr/>
+        </p:nvSpPr>
+        <p:spPr>
+          <a:xfrm rot="16200000">
+            <a:off x="2453549" y="4620197"/>
+            <a:ext cx="671125" cy="1908314"/>
+          </a:xfrm>
+          <a:prstGeom prst="flowChartOnlineStorage">
+            <a:avLst/>
+          </a:prstGeom>
+          <a:solidFill>
+            <a:srgbClr val="F7B217"/>
+          </a:solidFill>
+          <a:ln w="25400">
+            <a:solidFill>
+              <a:srgbClr val="1E3272"/>
+            </a:solidFill>
+          </a:ln>
+        </p:spPr>
+        <p:style>
+          <a:lnRef idx="2">
+            <a:schemeClr val="accent1">
+              <a:shade val="50000"/>
+            </a:schemeClr>
+          </a:lnRef>
+          <a:fillRef idx="1">
+            <a:schemeClr val="accent1"/>
+          </a:fillRef>
+          <a:effectRef idx="0">
+            <a:schemeClr val="accent1"/>
+          </a:effectRef>
+          <a:fontRef idx="minor">
+            <a:schemeClr val="lt1"/>
+          </a:fontRef>
+        </p:style>
+        <p:txBody>
+          <a:bodyPr rtlCol="0" anchor="ctr"/>
+          <a:lstStyle/>
+          <a:p>
+            <a:pPr algn="ctr"/>
+            <a:endParaRPr lang="en-US" dirty="0"/>
+          </a:p>
+        </p:txBody>
+      </p:sp>
+      <p:sp>
+        <p:nvSpPr>
+          <p:cNvPr id="30" name="TextBox 29"/>
+          <p:cNvSpPr txBox="1"/>
+          <p:nvPr/>
+        </p:nvSpPr>
+        <p:spPr>
+          <a:xfrm>
+            <a:off x="1974605" y="5354282"/>
+            <a:ext cx="1623123" cy="548640"/>
+          </a:xfrm>
+          <a:prstGeom prst="rect">
+            <a:avLst/>
+          </a:prstGeom>
+          <a:noFill/>
+        </p:spPr>
+        <p:txBody>
+          <a:bodyPr wrap="square" lIns="72000" tIns="25200" rIns="0" bIns="25200" rtlCol="0" anchor="ctr" anchorCtr="0">
+            <a:noAutofit/>
+          </a:bodyPr>
+          <a:lstStyle/>
+          <a:p>
+            <a:pPr algn="ctr"/>
+            <a:r>
+              <a:rPr lang="en-US" sz="3200" b="1" dirty="0" smtClean="0">
+                <a:solidFill>
+                  <a:srgbClr val="1E3272"/>
+                </a:solidFill>
+              </a:rPr>
+              <a:t>ALU</a:t>
+            </a:r>
+            <a:endParaRPr lang="en-US" sz="3200" b="1" dirty="0" smtClean="0">
+              <a:solidFill>
+                <a:srgbClr val="1E3272"/>
+              </a:solidFill>
+            </a:endParaRPr>
+          </a:p>
+        </p:txBody>
+      </p:sp>
+      <p:sp>
+        <p:nvSpPr>
+          <p:cNvPr id="33" name="TextBox 32"/>
+          <p:cNvSpPr txBox="1"/>
+          <p:nvPr/>
+        </p:nvSpPr>
+        <p:spPr>
+          <a:xfrm>
+            <a:off x="1607419" y="1021129"/>
+            <a:ext cx="2300437" cy="548640"/>
+          </a:xfrm>
+          <a:prstGeom prst="rect">
+            <a:avLst/>
+          </a:prstGeom>
+          <a:noFill/>
+        </p:spPr>
+        <p:txBody>
+          <a:bodyPr wrap="square" lIns="72000" tIns="25200" rIns="0" bIns="25200" rtlCol="0" anchor="ctr" anchorCtr="0">
+            <a:noAutofit/>
+          </a:bodyPr>
+          <a:lstStyle/>
+          <a:p>
+            <a:pPr algn="ctr"/>
+            <a:r>
+              <a:rPr lang="en-US" sz="3200" b="1" dirty="0" smtClean="0">
+                <a:solidFill>
+                  <a:srgbClr val="1E3272"/>
+                </a:solidFill>
+              </a:rPr>
+              <a:t>Register File</a:t>
+            </a:r>
+            <a:endParaRPr lang="en-US" sz="3200" b="1" dirty="0" smtClean="0">
+              <a:solidFill>
+                <a:srgbClr val="1E3272"/>
+              </a:solidFill>
+            </a:endParaRPr>
+          </a:p>
+        </p:txBody>
+      </p:sp>
+      <p:sp>
+        <p:nvSpPr>
+          <p:cNvPr id="34" name="TextBox 33"/>
+          <p:cNvSpPr txBox="1"/>
+          <p:nvPr/>
+        </p:nvSpPr>
+        <p:spPr>
+          <a:xfrm>
+            <a:off x="1834954" y="6104385"/>
+            <a:ext cx="2019435" cy="548640"/>
+          </a:xfrm>
+          <a:prstGeom prst="rect">
+            <a:avLst/>
+          </a:prstGeom>
+          <a:solidFill>
+            <a:schemeClr val="bg1"/>
+          </a:solidFill>
+        </p:spPr>
+        <p:txBody>
+          <a:bodyPr wrap="square" lIns="72000" tIns="25200" rIns="0" bIns="25200" rtlCol="0" anchor="ctr" anchorCtr="0">
+            <a:noAutofit/>
+          </a:bodyPr>
+          <a:lstStyle/>
+          <a:p>
+            <a:pPr>
+              <a:lnSpc>
+                <a:spcPct val="80000"/>
+              </a:lnSpc>
+            </a:pPr>
+            <a:r>
+              <a:rPr lang="en-US" sz="3200" b="1" dirty="0">
+                <a:solidFill>
+                  <a:srgbClr val="1E3272"/>
+                </a:solidFill>
+              </a:rPr>
+              <a:t>Arithmetic</a:t>
+            </a:r>
+          </a:p>
+          <a:p>
+            <a:pPr>
+              <a:lnSpc>
+                <a:spcPct val="80000"/>
+              </a:lnSpc>
+            </a:pPr>
+            <a:r>
+              <a:rPr lang="en-US" sz="3200" b="1" dirty="0">
+                <a:solidFill>
+                  <a:srgbClr val="1E3272"/>
+                </a:solidFill>
+              </a:rPr>
+              <a:t>Logic Unit</a:t>
+            </a:r>
+            <a:endParaRPr lang="en-US" sz="3200" b="1" dirty="0" smtClean="0">
+              <a:solidFill>
+                <a:srgbClr val="1E3272"/>
+              </a:solidFill>
+            </a:endParaRPr>
+          </a:p>
+        </p:txBody>
+      </p:sp>
+      <p:sp>
+        <p:nvSpPr>
+          <p:cNvPr id="36" name="Down Arrow 35"/>
+          <p:cNvSpPr/>
+          <p:nvPr/>
+        </p:nvSpPr>
+        <p:spPr>
+          <a:xfrm>
+            <a:off x="2320491" y="4883090"/>
+            <a:ext cx="321733" cy="393129"/>
+          </a:xfrm>
+          <a:prstGeom prst="downArrow">
+            <a:avLst/>
+          </a:prstGeom>
+          <a:solidFill>
+            <a:srgbClr val="F7B217"/>
+          </a:solidFill>
+          <a:ln w="25400">
+            <a:solidFill>
+              <a:srgbClr val="1E3272"/>
+            </a:solidFill>
+          </a:ln>
+        </p:spPr>
+        <p:style>
+          <a:lnRef idx="2">
+            <a:schemeClr val="accent1">
+              <a:shade val="50000"/>
+            </a:schemeClr>
+          </a:lnRef>
+          <a:fillRef idx="1">
+            <a:schemeClr val="accent1"/>
+          </a:fillRef>
+          <a:effectRef idx="0">
+            <a:schemeClr val="accent1"/>
+          </a:effectRef>
+          <a:fontRef idx="minor">
+            <a:schemeClr val="lt1"/>
+          </a:fontRef>
+        </p:style>
+        <p:txBody>
+          <a:bodyPr rtlCol="0" anchor="ctr"/>
+          <a:lstStyle/>
+          <a:p>
+            <a:pPr algn="ctr"/>
+            <a:endParaRPr lang="en-US"/>
+          </a:p>
+        </p:txBody>
+      </p:sp>
+      <p:sp>
+        <p:nvSpPr>
+          <p:cNvPr id="37" name="Down Arrow 36"/>
+          <p:cNvSpPr/>
+          <p:nvPr/>
+        </p:nvSpPr>
+        <p:spPr>
+          <a:xfrm>
+            <a:off x="2987241" y="4883090"/>
+            <a:ext cx="321733" cy="393129"/>
+          </a:xfrm>
+          <a:prstGeom prst="downArrow">
+            <a:avLst/>
+          </a:prstGeom>
+          <a:solidFill>
+            <a:srgbClr val="F7B217"/>
+          </a:solidFill>
+          <a:ln w="25400">
+            <a:solidFill>
+              <a:srgbClr val="1E3272"/>
+            </a:solidFill>
+          </a:ln>
+        </p:spPr>
+        <p:style>
+          <a:lnRef idx="2">
+            <a:schemeClr val="accent1">
+              <a:shade val="50000"/>
+            </a:schemeClr>
+          </a:lnRef>
+          <a:fillRef idx="1">
+            <a:schemeClr val="accent1"/>
+          </a:fillRef>
+          <a:effectRef idx="0">
+            <a:schemeClr val="accent1"/>
+          </a:effectRef>
+          <a:fontRef idx="minor">
+            <a:schemeClr val="lt1"/>
+          </a:fontRef>
+        </p:style>
+        <p:txBody>
+          <a:bodyPr rtlCol="0" anchor="ctr"/>
+          <a:lstStyle/>
+          <a:p>
+            <a:pPr algn="ctr"/>
+            <a:endParaRPr lang="en-US"/>
+          </a:p>
+        </p:txBody>
+      </p:sp>
+      <p:sp>
+        <p:nvSpPr>
+          <p:cNvPr id="24" name="TextBox 23"/>
+          <p:cNvSpPr txBox="1"/>
+          <p:nvPr/>
+        </p:nvSpPr>
+        <p:spPr>
+          <a:xfrm>
+            <a:off x="991404" y="2049149"/>
+            <a:ext cx="827772" cy="2837976"/>
+          </a:xfrm>
+          <a:prstGeom prst="rect">
+            <a:avLst/>
+          </a:prstGeom>
+          <a:noFill/>
+        </p:spPr>
+        <p:txBody>
+          <a:bodyPr wrap="square" lIns="72000" tIns="25200" rIns="0" bIns="25200" rtlCol="0" anchor="ctr" anchorCtr="0">
+            <a:normAutofit fontScale="85000" lnSpcReduction="20000"/>
+          </a:bodyPr>
+          <a:lstStyle/>
+          <a:p>
+            <a:pPr algn="ctr">
+              <a:lnSpc>
+                <a:spcPct val="110000"/>
+              </a:lnSpc>
+            </a:pPr>
+            <a:r>
+              <a:rPr lang="en-US" sz="3900" dirty="0" smtClean="0">
+                <a:solidFill>
+                  <a:srgbClr val="1E3272"/>
+                </a:solidFill>
+              </a:rPr>
+              <a:t>x0</a:t>
+            </a:r>
+          </a:p>
+          <a:p>
+            <a:pPr algn="ctr">
+              <a:lnSpc>
+                <a:spcPct val="110000"/>
+              </a:lnSpc>
+            </a:pPr>
+            <a:r>
+              <a:rPr lang="en-US" sz="3900" dirty="0">
+                <a:solidFill>
+                  <a:srgbClr val="1E3272"/>
+                </a:solidFill>
+              </a:rPr>
+              <a:t>x</a:t>
+            </a:r>
+            <a:r>
+              <a:rPr lang="en-US" sz="3900" dirty="0" smtClean="0">
+                <a:solidFill>
+                  <a:srgbClr val="1E3272"/>
+                </a:solidFill>
+              </a:rPr>
+              <a:t>1</a:t>
+            </a:r>
+          </a:p>
+          <a:p>
+            <a:pPr algn="ctr">
+              <a:lnSpc>
+                <a:spcPct val="110000"/>
+              </a:lnSpc>
+            </a:pPr>
+            <a:r>
+              <a:rPr lang="en-US" sz="3900" dirty="0">
+                <a:solidFill>
+                  <a:srgbClr val="1E3272"/>
+                </a:solidFill>
+              </a:rPr>
+              <a:t>x</a:t>
+            </a:r>
+            <a:r>
+              <a:rPr lang="en-US" sz="3900" dirty="0" smtClean="0">
+                <a:solidFill>
+                  <a:srgbClr val="1E3272"/>
+                </a:solidFill>
+              </a:rPr>
+              <a:t>2</a:t>
+            </a:r>
+          </a:p>
+          <a:p>
+            <a:pPr algn="ctr">
+              <a:lnSpc>
+                <a:spcPct val="110000"/>
+              </a:lnSpc>
+            </a:pPr>
+            <a:r>
+              <a:rPr lang="en-US" sz="3900" dirty="0">
+                <a:solidFill>
+                  <a:srgbClr val="1E3272"/>
+                </a:solidFill>
+              </a:rPr>
+              <a:t>x</a:t>
+            </a:r>
+            <a:r>
+              <a:rPr lang="en-US" sz="3900" dirty="0" smtClean="0">
+                <a:solidFill>
+                  <a:srgbClr val="1E3272"/>
+                </a:solidFill>
+              </a:rPr>
+              <a:t>3</a:t>
+            </a:r>
+          </a:p>
+          <a:p>
+            <a:pPr algn="ctr">
+              <a:lnSpc>
+                <a:spcPct val="110000"/>
+              </a:lnSpc>
+            </a:pPr>
+            <a:r>
+              <a:rPr lang="en-US" sz="3900" dirty="0" smtClean="0">
+                <a:solidFill>
+                  <a:srgbClr val="1E3272"/>
+                </a:solidFill>
+              </a:rPr>
+              <a:t>…</a:t>
+            </a:r>
+          </a:p>
+          <a:p>
+            <a:pPr algn="ctr">
+              <a:lnSpc>
+                <a:spcPct val="110000"/>
+              </a:lnSpc>
+            </a:pPr>
+            <a:r>
+              <a:rPr lang="en-US" sz="3900" dirty="0" smtClean="0">
+                <a:solidFill>
+                  <a:srgbClr val="1E3272"/>
+                </a:solidFill>
+              </a:rPr>
+              <a:t>x31</a:t>
+            </a:r>
+            <a:endParaRPr lang="en-US" sz="4400" dirty="0" smtClean="0">
+              <a:solidFill>
+                <a:srgbClr val="1E3272"/>
+              </a:solidFill>
+            </a:endParaRPr>
+          </a:p>
+        </p:txBody>
+      </p:sp>
+      <p:sp>
+        <p:nvSpPr>
+          <p:cNvPr id="64" name="Rectangle 63"/>
+          <p:cNvSpPr/>
+          <p:nvPr/>
+        </p:nvSpPr>
+        <p:spPr>
+          <a:xfrm>
+            <a:off x="3855194" y="4413938"/>
+            <a:ext cx="3612619" cy="2308324"/>
+          </a:xfrm>
+          <a:prstGeom prst="rect">
+            <a:avLst/>
+          </a:prstGeom>
+        </p:spPr>
+        <p:txBody>
+          <a:bodyPr wrap="square">
+            <a:spAutoFit/>
+          </a:bodyPr>
+          <a:lstStyle/>
+          <a:p>
+            <a:pPr algn="ctr"/>
+            <a:r>
+              <a:rPr lang="en-US" sz="3600" b="1" dirty="0">
+                <a:solidFill>
+                  <a:srgbClr val="373C79"/>
+                </a:solidFill>
+              </a:rPr>
+              <a:t>Machine language directly</a:t>
+            </a:r>
+          </a:p>
+          <a:p>
+            <a:pPr algn="ctr"/>
+            <a:r>
+              <a:rPr lang="en-US" sz="3600" b="1" dirty="0">
+                <a:solidFill>
+                  <a:srgbClr val="373C79"/>
+                </a:solidFill>
+              </a:rPr>
+              <a:t>reflects this structure</a:t>
+            </a:r>
+            <a:endParaRPr lang="en-US" sz="3600" b="1" dirty="0"/>
+          </a:p>
+        </p:txBody>
+      </p:sp>
+      <p:cxnSp>
+        <p:nvCxnSpPr>
+          <p:cNvPr id="65" name="Straight Arrow Connector 64"/>
+          <p:cNvCxnSpPr/>
+          <p:nvPr/>
+        </p:nvCxnSpPr>
+        <p:spPr>
+          <a:xfrm>
+            <a:off x="1834955" y="3420477"/>
+            <a:ext cx="1908312" cy="0"/>
+          </a:xfrm>
+          <a:prstGeom prst="straightConnector1">
+            <a:avLst/>
+          </a:prstGeom>
+          <a:ln w="34925">
+            <a:solidFill>
+              <a:srgbClr val="1E3272"/>
+            </a:solidFill>
+            <a:headEnd type="arrow"/>
+            <a:tailEnd type="arrow"/>
+          </a:ln>
+        </p:spPr>
+        <p:style>
+          <a:lnRef idx="1">
+            <a:schemeClr val="accent1"/>
+          </a:lnRef>
+          <a:fillRef idx="0">
+            <a:schemeClr val="accent1"/>
+          </a:fillRef>
+          <a:effectRef idx="0">
+            <a:schemeClr val="accent1"/>
+          </a:effectRef>
+          <a:fontRef idx="minor">
+            <a:schemeClr val="tx1"/>
+          </a:fontRef>
+        </p:style>
+      </p:cxnSp>
+      <p:cxnSp>
+        <p:nvCxnSpPr>
+          <p:cNvPr id="66" name="Straight Arrow Connector 65"/>
+          <p:cNvCxnSpPr/>
+          <p:nvPr/>
+        </p:nvCxnSpPr>
+        <p:spPr>
+          <a:xfrm>
+            <a:off x="7938996" y="3596492"/>
+            <a:ext cx="1908312" cy="0"/>
+          </a:xfrm>
+          <a:prstGeom prst="straightConnector1">
+            <a:avLst/>
+          </a:prstGeom>
+          <a:ln w="34925">
+            <a:solidFill>
+              <a:srgbClr val="1E3272"/>
+            </a:solidFill>
+            <a:headEnd type="arrow"/>
+            <a:tailEnd type="arrow"/>
+          </a:ln>
+        </p:spPr>
+        <p:style>
+          <a:lnRef idx="1">
+            <a:schemeClr val="accent1"/>
+          </a:lnRef>
+          <a:fillRef idx="0">
+            <a:schemeClr val="accent1"/>
+          </a:fillRef>
+          <a:effectRef idx="0">
+            <a:schemeClr val="accent1"/>
+          </a:effectRef>
+          <a:fontRef idx="minor">
+            <a:schemeClr val="tx1"/>
+          </a:fontRef>
+        </p:style>
+      </p:cxnSp>
+      <p:sp>
+        <p:nvSpPr>
+          <p:cNvPr id="67" name="TextBox 66"/>
+          <p:cNvSpPr txBox="1"/>
+          <p:nvPr/>
+        </p:nvSpPr>
+        <p:spPr>
+          <a:xfrm>
+            <a:off x="7535579" y="1086886"/>
+            <a:ext cx="2677340" cy="548640"/>
+          </a:xfrm>
+          <a:prstGeom prst="rect">
+            <a:avLst/>
+          </a:prstGeom>
+          <a:solidFill>
+            <a:schemeClr val="bg1"/>
+          </a:solidFill>
+        </p:spPr>
+        <p:txBody>
+          <a:bodyPr wrap="square" lIns="72000" tIns="25200" rIns="0" bIns="25200" rtlCol="0" anchor="ctr" anchorCtr="0">
+            <a:noAutofit/>
+          </a:bodyPr>
+          <a:lstStyle/>
+          <a:p>
+            <a:pPr algn="ctr"/>
+            <a:r>
+              <a:rPr lang="en-US" sz="3200" b="1" dirty="0" smtClean="0">
+                <a:solidFill>
+                  <a:srgbClr val="1E3272"/>
+                </a:solidFill>
+              </a:rPr>
+              <a:t>Main Memory</a:t>
+            </a:r>
+            <a:endParaRPr lang="en-US" sz="3200" b="1" dirty="0" smtClean="0">
+              <a:solidFill>
+                <a:srgbClr val="1E3272"/>
+              </a:solidFill>
+            </a:endParaRPr>
+          </a:p>
+        </p:txBody>
+      </p:sp>
+      <p:sp>
+        <p:nvSpPr>
+          <p:cNvPr id="68" name="TextBox 67"/>
+          <p:cNvSpPr txBox="1"/>
+          <p:nvPr/>
+        </p:nvSpPr>
+        <p:spPr>
+          <a:xfrm>
+            <a:off x="10135357" y="2898729"/>
+            <a:ext cx="1543163" cy="2300541"/>
+          </a:xfrm>
+          <a:prstGeom prst="rect">
+            <a:avLst/>
+          </a:prstGeom>
+          <a:noFill/>
+        </p:spPr>
+        <p:txBody>
+          <a:bodyPr wrap="square" lIns="72000" tIns="25200" rIns="0" bIns="25200" rtlCol="0" anchor="ctr" anchorCtr="0">
+            <a:noAutofit/>
+          </a:bodyPr>
+          <a:lstStyle/>
+          <a:p>
+            <a:pPr algn="ctr"/>
+            <a:r>
+              <a:rPr lang="en-US" sz="3200" b="1" dirty="0" smtClean="0">
+                <a:solidFill>
+                  <a:srgbClr val="1E3272"/>
+                </a:solidFill>
+              </a:rPr>
+              <a:t>Stores program and data</a:t>
+            </a:r>
+            <a:endParaRPr lang="en-US" sz="3200" b="1" dirty="0" smtClean="0">
+              <a:solidFill>
+                <a:srgbClr val="1E3272"/>
+              </a:solidFill>
+            </a:endParaRPr>
+          </a:p>
+        </p:txBody>
+      </p:sp>
+      <p:cxnSp>
+        <p:nvCxnSpPr>
+          <p:cNvPr id="72" name="Straight Arrow Connector 71"/>
+          <p:cNvCxnSpPr/>
+          <p:nvPr/>
+        </p:nvCxnSpPr>
+        <p:spPr>
+          <a:xfrm flipH="1">
+            <a:off x="10106482" y="1934678"/>
+            <a:ext cx="26296" cy="4256260"/>
+          </a:xfrm>
+          <a:prstGeom prst="straightConnector1">
+            <a:avLst/>
+          </a:prstGeom>
+          <a:ln w="76200">
+            <a:solidFill>
+              <a:srgbClr val="1E3272"/>
+            </a:solidFill>
+            <a:headEnd type="arrow"/>
+            <a:tailEnd type="arrow"/>
+          </a:ln>
+        </p:spPr>
+        <p:style>
+          <a:lnRef idx="1">
+            <a:schemeClr val="accent1"/>
+          </a:lnRef>
+          <a:fillRef idx="0">
+            <a:schemeClr val="accent1"/>
+          </a:fillRef>
+          <a:effectRef idx="0">
+            <a:schemeClr val="accent1"/>
+          </a:effectRef>
+          <a:fontRef idx="minor">
+            <a:schemeClr val="tx1"/>
+          </a:fontRef>
+        </p:style>
+      </p:cxnSp>
+      <p:sp>
+        <p:nvSpPr>
+          <p:cNvPr id="75" name="Left-Right Arrow 74"/>
+          <p:cNvSpPr/>
+          <p:nvPr/>
+        </p:nvSpPr>
+        <p:spPr>
+          <a:xfrm>
+            <a:off x="3999862" y="1967630"/>
+            <a:ext cx="3684483" cy="642109"/>
+          </a:xfrm>
+          <a:prstGeom prst="leftRightArrow">
+            <a:avLst/>
+          </a:prstGeom>
+          <a:solidFill>
+            <a:srgbClr val="F7B217"/>
+          </a:solidFill>
+          <a:ln w="38100">
+            <a:solidFill>
+              <a:srgbClr val="1E3272"/>
+            </a:solidFill>
+          </a:ln>
+        </p:spPr>
+        <p:style>
+          <a:lnRef idx="2">
+            <a:schemeClr val="accent1">
+              <a:shade val="50000"/>
+            </a:schemeClr>
+          </a:lnRef>
+          <a:fillRef idx="1">
+            <a:schemeClr val="accent1"/>
+          </a:fillRef>
+          <a:effectRef idx="0">
+            <a:schemeClr val="accent1"/>
+          </a:effectRef>
+          <a:fontRef idx="minor">
+            <a:schemeClr val="lt1"/>
+          </a:fontRef>
+        </p:style>
+        <p:txBody>
+          <a:bodyPr rtlCol="0" anchor="ctr"/>
+          <a:lstStyle/>
+          <a:p>
+            <a:pPr algn="ctr"/>
+            <a:endParaRPr lang="en-US"/>
+          </a:p>
+        </p:txBody>
+      </p:sp>
+      <p:sp>
+        <p:nvSpPr>
+          <p:cNvPr id="76" name="TextBox 75"/>
+          <p:cNvSpPr txBox="1"/>
+          <p:nvPr/>
+        </p:nvSpPr>
+        <p:spPr>
+          <a:xfrm>
+            <a:off x="7169237" y="2692440"/>
+            <a:ext cx="827772" cy="2837976"/>
+          </a:xfrm>
+          <a:prstGeom prst="rect">
+            <a:avLst/>
+          </a:prstGeom>
+          <a:noFill/>
+        </p:spPr>
+        <p:txBody>
+          <a:bodyPr wrap="square" lIns="72000" tIns="25200" rIns="0" bIns="25200" rtlCol="0" anchor="ctr" anchorCtr="0">
+            <a:normAutofit fontScale="85000" lnSpcReduction="20000"/>
+          </a:bodyPr>
+          <a:lstStyle/>
+          <a:p>
+            <a:pPr algn="ctr">
+              <a:lnSpc>
+                <a:spcPct val="110000"/>
+              </a:lnSpc>
+            </a:pPr>
+            <a:r>
+              <a:rPr lang="en-US" sz="3900" dirty="0" smtClean="0">
+                <a:solidFill>
+                  <a:srgbClr val="1E3272"/>
+                </a:solidFill>
+              </a:rPr>
+              <a:t>0</a:t>
+            </a:r>
+          </a:p>
+          <a:p>
+            <a:pPr algn="ctr">
+              <a:lnSpc>
+                <a:spcPct val="110000"/>
+              </a:lnSpc>
+            </a:pPr>
+            <a:r>
+              <a:rPr lang="en-US" sz="3900" dirty="0" smtClean="0">
+                <a:solidFill>
+                  <a:srgbClr val="1E3272"/>
+                </a:solidFill>
+              </a:rPr>
+              <a:t>4</a:t>
+            </a:r>
+            <a:endParaRPr lang="en-US" sz="3900" dirty="0" smtClean="0">
+              <a:solidFill>
+                <a:srgbClr val="1E3272"/>
+              </a:solidFill>
+            </a:endParaRPr>
+          </a:p>
+          <a:p>
+            <a:pPr algn="ctr">
+              <a:lnSpc>
+                <a:spcPct val="110000"/>
+              </a:lnSpc>
+            </a:pPr>
+            <a:r>
+              <a:rPr lang="en-US" sz="3900" dirty="0" smtClean="0">
+                <a:solidFill>
+                  <a:srgbClr val="1E3272"/>
+                </a:solidFill>
+              </a:rPr>
+              <a:t>8</a:t>
+            </a:r>
+          </a:p>
+          <a:p>
+            <a:pPr algn="ctr">
+              <a:lnSpc>
+                <a:spcPct val="110000"/>
+              </a:lnSpc>
+            </a:pPr>
+            <a:r>
+              <a:rPr lang="en-US" sz="3900" dirty="0" smtClean="0">
+                <a:solidFill>
+                  <a:srgbClr val="1E3272"/>
+                </a:solidFill>
+              </a:rPr>
+              <a:t>12</a:t>
+            </a:r>
+            <a:endParaRPr lang="en-US" sz="3900" dirty="0" smtClean="0">
+              <a:solidFill>
+                <a:srgbClr val="1E3272"/>
+              </a:solidFill>
+            </a:endParaRPr>
+          </a:p>
+          <a:p>
+            <a:pPr algn="ctr">
+              <a:lnSpc>
+                <a:spcPct val="110000"/>
+              </a:lnSpc>
+            </a:pPr>
+            <a:r>
+              <a:rPr lang="en-US" sz="3900" dirty="0" smtClean="0">
+                <a:solidFill>
+                  <a:srgbClr val="1E3272"/>
+                </a:solidFill>
+              </a:rPr>
+              <a:t>16</a:t>
+            </a:r>
+          </a:p>
+          <a:p>
+            <a:pPr algn="ctr">
+              <a:lnSpc>
+                <a:spcPct val="110000"/>
+              </a:lnSpc>
+            </a:pPr>
+            <a:r>
+              <a:rPr lang="en-US" sz="3900" dirty="0" smtClean="0">
+                <a:solidFill>
+                  <a:srgbClr val="1E3272"/>
+                </a:solidFill>
+              </a:rPr>
+              <a:t>20</a:t>
+            </a:r>
+            <a:endParaRPr lang="en-US" sz="4400" dirty="0" smtClean="0">
+              <a:solidFill>
+                <a:srgbClr val="1E3272"/>
+              </a:solidFill>
+            </a:endParaRPr>
           </a:p>
         </p:txBody>
       </p:sp>
     </p:spTree>
     <p:extLst>
       <p:ext uri="{BB962C8B-B14F-4D97-AF65-F5344CB8AC3E}">
-        <p14:creationId xmlns:p14="http://schemas.microsoft.com/office/powerpoint/2010/main" val="751243517"/>
+        <p14:creationId xmlns:p14="http://schemas.microsoft.com/office/powerpoint/2010/main" val="1798154279"/>
       </p:ext>
     </p:extLst>
   </p:cSld>
   <p:clrMapOvr>
     <a:masterClrMapping/>
   </p:clrMapOvr>
+  <p:timing>
+    <p:tnLst>
+      <p:par>
+        <p:cTn id="1" dur="indefinite" restart="never" nodeType="tmRoot"/>
+      </p:par>
+    </p:tnLst>
+  </p:timing>
 </p:sld>
 </file>
 
@@ -5621,6 +7038,4419 @@
       </p:grpSpPr>
       <p:sp>
         <p:nvSpPr>
+          <p:cNvPr id="2" name="Content Placeholder 1"/>
+          <p:cNvSpPr>
+            <a:spLocks noGrp="1"/>
+          </p:cNvSpPr>
+          <p:nvPr>
+            <p:ph idx="1"/>
+          </p:nvPr>
+        </p:nvSpPr>
+        <p:spPr>
+          <a:xfrm>
+            <a:off x="838200" y="1009089"/>
+            <a:ext cx="10515600" cy="5661267"/>
+          </a:xfrm>
+        </p:spPr>
+        <p:txBody>
+          <a:bodyPr>
+            <a:noAutofit/>
+          </a:bodyPr>
+          <a:lstStyle/>
+          <a:p>
+            <a:pPr marL="457200" indent="-457200">
+              <a:lnSpc>
+                <a:spcPct val="100000"/>
+              </a:lnSpc>
+              <a:spcBef>
+                <a:spcPts val="600"/>
+              </a:spcBef>
+              <a:buFont typeface="+mj-lt"/>
+              <a:buAutoNum type="arabicPeriod"/>
+            </a:pPr>
+            <a:r>
+              <a:rPr lang="en-US" altLang="en-US" dirty="0"/>
+              <a:t>Fetch next instruction from memory into </a:t>
+            </a:r>
+            <a:r>
+              <a:rPr lang="en-US" altLang="en-US" dirty="0" smtClean="0"/>
+              <a:t>instruction </a:t>
+            </a:r>
+            <a:r>
+              <a:rPr lang="en-US" altLang="en-US" dirty="0"/>
+              <a:t>register</a:t>
+            </a:r>
+          </a:p>
+          <a:p>
+            <a:pPr marL="457200" indent="-457200">
+              <a:lnSpc>
+                <a:spcPct val="100000"/>
+              </a:lnSpc>
+              <a:spcBef>
+                <a:spcPts val="600"/>
+              </a:spcBef>
+              <a:buFont typeface="+mj-lt"/>
+              <a:buAutoNum type="arabicPeriod"/>
+            </a:pPr>
+            <a:r>
+              <a:rPr lang="en-US" altLang="en-US" dirty="0"/>
+              <a:t>Change program counter to point to next instruction</a:t>
+            </a:r>
+          </a:p>
+          <a:p>
+            <a:pPr marL="457200" indent="-457200">
+              <a:lnSpc>
+                <a:spcPct val="100000"/>
+              </a:lnSpc>
+              <a:spcBef>
+                <a:spcPts val="600"/>
+              </a:spcBef>
+              <a:buFont typeface="+mj-lt"/>
+              <a:buAutoNum type="arabicPeriod"/>
+            </a:pPr>
+            <a:r>
+              <a:rPr lang="en-US" altLang="en-US" dirty="0"/>
+              <a:t>Determine type of instruction just fetched</a:t>
+            </a:r>
+          </a:p>
+          <a:p>
+            <a:pPr marL="457200" indent="-457200">
+              <a:lnSpc>
+                <a:spcPct val="100000"/>
+              </a:lnSpc>
+              <a:spcBef>
+                <a:spcPts val="600"/>
+              </a:spcBef>
+              <a:buFont typeface="+mj-lt"/>
+              <a:buAutoNum type="arabicPeriod"/>
+            </a:pPr>
+            <a:r>
+              <a:rPr lang="en-US" altLang="en-US" dirty="0"/>
+              <a:t>If instructions uses word in memory, determine where Fetch word, if needed, into CPU register</a:t>
+            </a:r>
+          </a:p>
+          <a:p>
+            <a:pPr marL="457200" indent="-457200">
+              <a:lnSpc>
+                <a:spcPct val="100000"/>
+              </a:lnSpc>
+              <a:spcBef>
+                <a:spcPts val="600"/>
+              </a:spcBef>
+              <a:buFont typeface="+mj-lt"/>
+              <a:buAutoNum type="arabicPeriod"/>
+            </a:pPr>
+            <a:r>
+              <a:rPr lang="en-US" altLang="en-US" dirty="0"/>
+              <a:t>Execute the instruction</a:t>
+            </a:r>
+          </a:p>
+          <a:p>
+            <a:pPr marL="457200" indent="-457200">
+              <a:lnSpc>
+                <a:spcPct val="100000"/>
+              </a:lnSpc>
+              <a:spcBef>
+                <a:spcPts val="600"/>
+              </a:spcBef>
+              <a:buFont typeface="+mj-lt"/>
+              <a:buAutoNum type="arabicPeriod"/>
+            </a:pPr>
+            <a:r>
+              <a:rPr lang="en-US" altLang="en-US" dirty="0"/>
+              <a:t>Go to step 1 to begin executing following instruction</a:t>
+            </a:r>
+            <a:endParaRPr lang="en-US" altLang="en-US" dirty="0" smtClean="0">
+              <a:sym typeface="Symbol" panose="05050102010706020507" pitchFamily="18" charset="2"/>
+            </a:endParaRPr>
+          </a:p>
+        </p:txBody>
+      </p:sp>
+      <p:sp>
+        <p:nvSpPr>
+          <p:cNvPr id="3" name="Slide Number Placeholder 2"/>
+          <p:cNvSpPr>
+            <a:spLocks noGrp="1"/>
+          </p:cNvSpPr>
+          <p:nvPr>
+            <p:ph type="sldNum" sz="quarter" idx="12"/>
+          </p:nvPr>
+        </p:nvSpPr>
+        <p:spPr/>
+        <p:txBody>
+          <a:bodyPr/>
+          <a:lstStyle/>
+          <a:p>
+            <a:pPr algn="ctr"/>
+            <a:fld id="{1397BFD8-F312-4EF2-A268-44FB4BDDBBB0}" type="slidenum">
+              <a:rPr lang="ru-RU" smtClean="0"/>
+              <a:pPr algn="ctr"/>
+              <a:t>15</a:t>
+            </a:fld>
+            <a:endParaRPr lang="ru-RU" dirty="0"/>
+          </a:p>
+        </p:txBody>
+      </p:sp>
+      <p:sp>
+        <p:nvSpPr>
+          <p:cNvPr id="4" name="Title 3"/>
+          <p:cNvSpPr>
+            <a:spLocks noGrp="1"/>
+          </p:cNvSpPr>
+          <p:nvPr>
+            <p:ph type="title"/>
+          </p:nvPr>
+        </p:nvSpPr>
+        <p:spPr/>
+        <p:txBody>
+          <a:bodyPr/>
+          <a:lstStyle/>
+          <a:p>
+            <a:r>
+              <a:rPr lang="en-US" altLang="en-US" dirty="0" smtClean="0"/>
+              <a:t>Instruction </a:t>
+            </a:r>
+            <a:r>
+              <a:rPr lang="en-US" altLang="en-US" dirty="0" smtClean="0"/>
+              <a:t>Execution</a:t>
+            </a:r>
+            <a:endParaRPr lang="en-US" dirty="0"/>
+          </a:p>
+        </p:txBody>
+      </p:sp>
+    </p:spTree>
+    <p:extLst>
+      <p:ext uri="{BB962C8B-B14F-4D97-AF65-F5344CB8AC3E}">
+        <p14:creationId xmlns:p14="http://schemas.microsoft.com/office/powerpoint/2010/main" val="751243517"/>
+      </p:ext>
+    </p:extLst>
+  </p:cSld>
+  <p:clrMapOvr>
+    <a:masterClrMapping/>
+  </p:clrMapOvr>
+  <p:timing>
+    <p:tnLst>
+      <p:par>
+        <p:cTn id="1" dur="indefinite" restart="never" nodeType="tmRoot"/>
+      </p:par>
+    </p:tnLst>
+  </p:timing>
+</p:sld>
+</file>
+
+<file path=ppt/slides/slide16.xml><?xml version="1.0" encoding="utf-8"?>
+<p:sld xmlns:a="http://schemas.openxmlformats.org/drawingml/2006/main" xmlns:r="http://schemas.openxmlformats.org/officeDocument/2006/relationships" xmlns:p="http://schemas.openxmlformats.org/presentationml/2006/main">
+  <p:cSld>
+    <p:spTree>
+      <p:nvGrpSpPr>
+        <p:cNvPr id="1" name=""/>
+        <p:cNvGrpSpPr/>
+        <p:nvPr/>
+      </p:nvGrpSpPr>
+      <p:grpSpPr>
+        <a:xfrm>
+          <a:off x="0" y="0"/>
+          <a:ext cx="0" cy="0"/>
+          <a:chOff x="0" y="0"/>
+          <a:chExt cx="0" cy="0"/>
+        </a:xfrm>
+      </p:grpSpPr>
+      <p:sp>
+        <p:nvSpPr>
+          <p:cNvPr id="3" name="Slide Number Placeholder 2"/>
+          <p:cNvSpPr>
+            <a:spLocks noGrp="1"/>
+          </p:cNvSpPr>
+          <p:nvPr>
+            <p:ph type="sldNum" sz="quarter" idx="12"/>
+          </p:nvPr>
+        </p:nvSpPr>
+        <p:spPr/>
+        <p:txBody>
+          <a:bodyPr/>
+          <a:lstStyle/>
+          <a:p>
+            <a:pPr algn="ctr"/>
+            <a:fld id="{1397BFD8-F312-4EF2-A268-44FB4BDDBBB0}" type="slidenum">
+              <a:rPr lang="ru-RU" smtClean="0"/>
+              <a:pPr algn="ctr"/>
+              <a:t>16</a:t>
+            </a:fld>
+            <a:endParaRPr lang="ru-RU" dirty="0"/>
+          </a:p>
+        </p:txBody>
+      </p:sp>
+      <p:sp>
+        <p:nvSpPr>
+          <p:cNvPr id="4" name="Title 3"/>
+          <p:cNvSpPr>
+            <a:spLocks noGrp="1"/>
+          </p:cNvSpPr>
+          <p:nvPr>
+            <p:ph type="title"/>
+          </p:nvPr>
+        </p:nvSpPr>
+        <p:spPr/>
+        <p:txBody>
+          <a:bodyPr/>
+          <a:lstStyle/>
+          <a:p>
+            <a:r>
+              <a:rPr lang="en-US" dirty="0" smtClean="0"/>
+              <a:t>RISC-V CPU Scheme</a:t>
+            </a:r>
+            <a:endParaRPr lang="en-US" dirty="0"/>
+          </a:p>
+        </p:txBody>
+      </p:sp>
+      <p:pic>
+        <p:nvPicPr>
+          <p:cNvPr id="5" name="Picture 8"/>
+          <p:cNvPicPr>
+            <a:picLocks noGrp="1" noChangeAspect="1"/>
+          </p:cNvPicPr>
+          <p:nvPr>
+            <p:ph idx="1"/>
+          </p:nvPr>
+        </p:nvPicPr>
+        <p:blipFill>
+          <a:blip r:embed="rId2">
+            <a:extLst>
+              <a:ext uri="{28A0092B-C50C-407E-A947-70E740481C1C}">
+                <a14:useLocalDpi xmlns:a14="http://schemas.microsoft.com/office/drawing/2010/main" val="0"/>
+              </a:ext>
+            </a:extLst>
+          </a:blip>
+          <a:srcRect/>
+          <a:stretch>
+            <a:fillRect/>
+          </a:stretch>
+        </p:blipFill>
+        <p:spPr bwMode="auto">
+          <a:xfrm>
+            <a:off x="1473165" y="1177534"/>
+            <a:ext cx="9474385" cy="5133814"/>
+          </a:xfrm>
+          <a:prstGeom prst="rect">
+            <a:avLst/>
+          </a:prstGeom>
+          <a:noFill/>
+          <a:ln>
+            <a:noFill/>
+          </a:ln>
+          <a:extLst>
+            <a:ext uri="{909E8E84-426E-40DD-AFC4-6F175D3DCCD1}">
+              <a14:hiddenFill xmlns:a14="http://schemas.microsoft.com/office/drawing/2010/main">
+                <a:solidFill>
+                  <a:srgbClr val="FFFFFF"/>
+                </a:solidFill>
+              </a14:hiddenFill>
+            </a:ext>
+            <a:ext uri="{91240B29-F687-4F45-9708-019B960494DF}">
+              <a14:hiddenLine xmlns:a14="http://schemas.microsoft.com/office/drawing/2010/main" w="9525">
+                <a:solidFill>
+                  <a:srgbClr val="000000"/>
+                </a:solidFill>
+                <a:miter lim="800000"/>
+                <a:headEnd/>
+                <a:tailEnd/>
+              </a14:hiddenLine>
+            </a:ext>
+          </a:extLst>
+        </p:spPr>
+      </p:pic>
+    </p:spTree>
+    <p:extLst>
+      <p:ext uri="{BB962C8B-B14F-4D97-AF65-F5344CB8AC3E}">
+        <p14:creationId xmlns:p14="http://schemas.microsoft.com/office/powerpoint/2010/main" val="1906810967"/>
+      </p:ext>
+    </p:extLst>
+  </p:cSld>
+  <p:clrMapOvr>
+    <a:masterClrMapping/>
+  </p:clrMapOvr>
+  <p:timing>
+    <p:tnLst>
+      <p:par>
+        <p:cTn id="1" dur="indefinite" restart="never" nodeType="tmRoot"/>
+      </p:par>
+    </p:tnLst>
+  </p:timing>
+</p:sld>
+</file>
+
+<file path=ppt/slides/slide17.xml><?xml version="1.0" encoding="utf-8"?>
+<p:sld xmlns:a="http://schemas.openxmlformats.org/drawingml/2006/main" xmlns:r="http://schemas.openxmlformats.org/officeDocument/2006/relationships" xmlns:p="http://schemas.openxmlformats.org/presentationml/2006/main">
+  <p:cSld>
+    <p:bg>
+      <p:bgPr>
+        <a:solidFill>
+          <a:schemeClr val="bg1"/>
+        </a:solidFill>
+        <a:effectLst/>
+      </p:bgPr>
+    </p:bg>
+    <p:spTree>
+      <p:nvGrpSpPr>
+        <p:cNvPr id="1" name=""/>
+        <p:cNvGrpSpPr/>
+        <p:nvPr/>
+      </p:nvGrpSpPr>
+      <p:grpSpPr>
+        <a:xfrm>
+          <a:off x="0" y="0"/>
+          <a:ext cx="0" cy="0"/>
+          <a:chOff x="0" y="0"/>
+          <a:chExt cx="0" cy="0"/>
+        </a:xfrm>
+      </p:grpSpPr>
+      <p:sp>
+        <p:nvSpPr>
+          <p:cNvPr id="3" name="Slide Number Placeholder 2"/>
+          <p:cNvSpPr>
+            <a:spLocks noGrp="1"/>
+          </p:cNvSpPr>
+          <p:nvPr>
+            <p:ph type="sldNum" sz="quarter" idx="12"/>
+          </p:nvPr>
+        </p:nvSpPr>
+        <p:spPr/>
+        <p:txBody>
+          <a:bodyPr/>
+          <a:lstStyle/>
+          <a:p>
+            <a:pPr algn="ctr"/>
+            <a:fld id="{1397BFD8-F312-4EF2-A268-44FB4BDDBBB0}" type="slidenum">
+              <a:rPr lang="ru-RU" smtClean="0"/>
+              <a:pPr algn="ctr"/>
+              <a:t>17</a:t>
+            </a:fld>
+            <a:endParaRPr lang="ru-RU" dirty="0"/>
+          </a:p>
+        </p:txBody>
+      </p:sp>
+      <p:sp>
+        <p:nvSpPr>
+          <p:cNvPr id="4" name="Title 3"/>
+          <p:cNvSpPr>
+            <a:spLocks noGrp="1"/>
+          </p:cNvSpPr>
+          <p:nvPr>
+            <p:ph type="title"/>
+          </p:nvPr>
+        </p:nvSpPr>
+        <p:spPr/>
+        <p:txBody>
+          <a:bodyPr/>
+          <a:lstStyle/>
+          <a:p>
+            <a:r>
+              <a:rPr lang="en-US" dirty="0" smtClean="0"/>
+              <a:t>RISC-V General-Purpose Registers</a:t>
+            </a:r>
+            <a:endParaRPr lang="en-US" dirty="0"/>
+          </a:p>
+        </p:txBody>
+      </p:sp>
+      <p:graphicFrame>
+        <p:nvGraphicFramePr>
+          <p:cNvPr id="7" name="Table 6"/>
+          <p:cNvGraphicFramePr>
+            <a:graphicFrameLocks noGrp="1"/>
+          </p:cNvGraphicFramePr>
+          <p:nvPr>
+            <p:extLst>
+              <p:ext uri="{D42A27DB-BD31-4B8C-83A1-F6EECF244321}">
+                <p14:modId xmlns:p14="http://schemas.microsoft.com/office/powerpoint/2010/main" val="2871209487"/>
+              </p:ext>
+            </p:extLst>
+          </p:nvPr>
+        </p:nvGraphicFramePr>
+        <p:xfrm>
+          <a:off x="858083" y="1162879"/>
+          <a:ext cx="6934195" cy="5231164"/>
+        </p:xfrm>
+        <a:graphic>
+          <a:graphicData uri="http://schemas.openxmlformats.org/drawingml/2006/table">
+            <a:tbl>
+              <a:tblPr firstRow="1" bandRow="1">
+                <a:tableStyleId>{3C2FFA5D-87B4-456A-9821-1D502468CF0F}</a:tableStyleId>
+              </a:tblPr>
+              <a:tblGrid>
+                <a:gridCol w="1626700"/>
+                <a:gridCol w="1441174"/>
+                <a:gridCol w="2474843"/>
+                <a:gridCol w="1391478"/>
+              </a:tblGrid>
+              <a:tr h="473903">
+                <a:tc>
+                  <a:txBody>
+                    <a:bodyPr/>
+                    <a:lstStyle/>
+                    <a:p>
+                      <a:pPr algn="ctr"/>
+                      <a:r>
+                        <a:rPr lang="en-US" sz="2400" dirty="0" smtClean="0">
+                          <a:ln>
+                            <a:noFill/>
+                          </a:ln>
+                          <a:solidFill>
+                            <a:srgbClr val="F7B217"/>
+                          </a:solidFill>
+                        </a:rPr>
+                        <a:t>Register</a:t>
+                      </a:r>
+                      <a:endParaRPr lang="en-US" sz="2400" dirty="0">
+                        <a:ln>
+                          <a:noFill/>
+                        </a:ln>
+                        <a:solidFill>
+                          <a:srgbClr val="F7B217"/>
+                        </a:solidFill>
+                      </a:endParaRPr>
+                    </a:p>
+                  </a:txBody>
+                  <a:tcPr>
+                    <a:lnL w="28575" cap="flat" cmpd="sng" algn="ctr">
+                      <a:solidFill>
+                        <a:schemeClr val="tx1"/>
+                      </a:solidFill>
+                      <a:prstDash val="solid"/>
+                      <a:round/>
+                      <a:headEnd type="none" w="med" len="med"/>
+                      <a:tailEnd type="none" w="med" len="med"/>
+                    </a:lnL>
+                    <a:lnR w="28575" cap="flat" cmpd="sng" algn="ctr">
+                      <a:solidFill>
+                        <a:schemeClr val="tx1"/>
+                      </a:solidFill>
+                      <a:prstDash val="solid"/>
+                      <a:round/>
+                      <a:headEnd type="none" w="med" len="med"/>
+                      <a:tailEnd type="none" w="med" len="med"/>
+                    </a:lnR>
+                    <a:lnT w="28575" cap="flat" cmpd="sng" algn="ctr">
+                      <a:solidFill>
+                        <a:schemeClr val="tx1"/>
+                      </a:solidFill>
+                      <a:prstDash val="solid"/>
+                      <a:round/>
+                      <a:headEnd type="none" w="med" len="med"/>
+                      <a:tailEnd type="none" w="med" len="med"/>
+                    </a:lnT>
+                    <a:lnB w="28575" cap="flat" cmpd="sng" algn="ctr">
+                      <a:solidFill>
+                        <a:schemeClr val="tx1"/>
+                      </a:solidFill>
+                      <a:prstDash val="solid"/>
+                      <a:round/>
+                      <a:headEnd type="none" w="med" len="med"/>
+                      <a:tailEnd type="none" w="med" len="med"/>
+                    </a:lnB>
+                    <a:solidFill>
+                      <a:srgbClr val="2F5CB5"/>
+                    </a:solidFill>
+                  </a:tcPr>
+                </a:tc>
+                <a:tc>
+                  <a:txBody>
+                    <a:bodyPr/>
+                    <a:lstStyle/>
+                    <a:p>
+                      <a:pPr algn="ctr"/>
+                      <a:r>
+                        <a:rPr lang="en-US" sz="2400" dirty="0" smtClean="0">
+                          <a:ln>
+                            <a:noFill/>
+                          </a:ln>
+                          <a:solidFill>
+                            <a:srgbClr val="F7B217"/>
+                          </a:solidFill>
+                        </a:rPr>
+                        <a:t>Name</a:t>
+                      </a:r>
+                      <a:endParaRPr lang="en-US" sz="2400" dirty="0">
+                        <a:ln>
+                          <a:noFill/>
+                        </a:ln>
+                        <a:solidFill>
+                          <a:srgbClr val="F7B217"/>
+                        </a:solidFill>
+                      </a:endParaRPr>
+                    </a:p>
+                  </a:txBody>
+                  <a:tcPr>
+                    <a:lnL w="28575" cap="flat" cmpd="sng" algn="ctr">
+                      <a:solidFill>
+                        <a:schemeClr val="tx1"/>
+                      </a:solidFill>
+                      <a:prstDash val="solid"/>
+                      <a:round/>
+                      <a:headEnd type="none" w="med" len="med"/>
+                      <a:tailEnd type="none" w="med" len="med"/>
+                    </a:lnL>
+                    <a:lnR w="28575" cap="flat" cmpd="sng" algn="ctr">
+                      <a:solidFill>
+                        <a:schemeClr val="tx1"/>
+                      </a:solidFill>
+                      <a:prstDash val="solid"/>
+                      <a:round/>
+                      <a:headEnd type="none" w="med" len="med"/>
+                      <a:tailEnd type="none" w="med" len="med"/>
+                    </a:lnR>
+                    <a:lnT w="28575" cap="flat" cmpd="sng" algn="ctr">
+                      <a:solidFill>
+                        <a:schemeClr val="tx1"/>
+                      </a:solidFill>
+                      <a:prstDash val="solid"/>
+                      <a:round/>
+                      <a:headEnd type="none" w="med" len="med"/>
+                      <a:tailEnd type="none" w="med" len="med"/>
+                    </a:lnT>
+                    <a:lnB w="28575" cap="flat" cmpd="sng" algn="ctr">
+                      <a:solidFill>
+                        <a:schemeClr val="tx1"/>
+                      </a:solidFill>
+                      <a:prstDash val="solid"/>
+                      <a:round/>
+                      <a:headEnd type="none" w="med" len="med"/>
+                      <a:tailEnd type="none" w="med" len="med"/>
+                    </a:lnB>
+                    <a:solidFill>
+                      <a:srgbClr val="2F5CB5"/>
+                    </a:solidFill>
+                  </a:tcPr>
+                </a:tc>
+                <a:tc>
+                  <a:txBody>
+                    <a:bodyPr/>
+                    <a:lstStyle/>
+                    <a:p>
+                      <a:pPr algn="ctr"/>
+                      <a:r>
+                        <a:rPr lang="en-US" sz="2400" dirty="0" smtClean="0">
+                          <a:ln>
+                            <a:noFill/>
+                          </a:ln>
+                          <a:solidFill>
+                            <a:srgbClr val="F7B217"/>
+                          </a:solidFill>
+                        </a:rPr>
+                        <a:t>Use</a:t>
+                      </a:r>
+                      <a:endParaRPr lang="en-US" sz="2400" dirty="0">
+                        <a:ln>
+                          <a:noFill/>
+                        </a:ln>
+                        <a:solidFill>
+                          <a:srgbClr val="F7B217"/>
+                        </a:solidFill>
+                      </a:endParaRPr>
+                    </a:p>
+                  </a:txBody>
+                  <a:tcPr>
+                    <a:lnL w="28575" cap="flat" cmpd="sng" algn="ctr">
+                      <a:solidFill>
+                        <a:schemeClr val="tx1"/>
+                      </a:solidFill>
+                      <a:prstDash val="solid"/>
+                      <a:round/>
+                      <a:headEnd type="none" w="med" len="med"/>
+                      <a:tailEnd type="none" w="med" len="med"/>
+                    </a:lnL>
+                    <a:lnR w="28575" cap="flat" cmpd="sng" algn="ctr">
+                      <a:solidFill>
+                        <a:schemeClr val="tx1"/>
+                      </a:solidFill>
+                      <a:prstDash val="solid"/>
+                      <a:round/>
+                      <a:headEnd type="none" w="med" len="med"/>
+                      <a:tailEnd type="none" w="med" len="med"/>
+                    </a:lnR>
+                    <a:lnT w="28575" cap="flat" cmpd="sng" algn="ctr">
+                      <a:solidFill>
+                        <a:schemeClr val="tx1"/>
+                      </a:solidFill>
+                      <a:prstDash val="solid"/>
+                      <a:round/>
+                      <a:headEnd type="none" w="med" len="med"/>
+                      <a:tailEnd type="none" w="med" len="med"/>
+                    </a:lnT>
+                    <a:lnB w="28575" cap="flat" cmpd="sng" algn="ctr">
+                      <a:solidFill>
+                        <a:schemeClr val="tx1"/>
+                      </a:solidFill>
+                      <a:prstDash val="solid"/>
+                      <a:round/>
+                      <a:headEnd type="none" w="med" len="med"/>
+                      <a:tailEnd type="none" w="med" len="med"/>
+                    </a:lnB>
+                    <a:solidFill>
+                      <a:srgbClr val="2F5CB5"/>
+                    </a:solidFill>
+                  </a:tcPr>
+                </a:tc>
+                <a:tc>
+                  <a:txBody>
+                    <a:bodyPr/>
+                    <a:lstStyle/>
+                    <a:p>
+                      <a:pPr algn="ctr"/>
+                      <a:r>
+                        <a:rPr lang="en-US" sz="2400" dirty="0" smtClean="0">
+                          <a:ln>
+                            <a:noFill/>
+                          </a:ln>
+                          <a:solidFill>
+                            <a:srgbClr val="F7B217"/>
+                          </a:solidFill>
+                        </a:rPr>
+                        <a:t>Saver</a:t>
+                      </a:r>
+                      <a:endParaRPr lang="en-US" sz="2400" dirty="0">
+                        <a:ln>
+                          <a:noFill/>
+                        </a:ln>
+                        <a:solidFill>
+                          <a:srgbClr val="F7B217"/>
+                        </a:solidFill>
+                      </a:endParaRPr>
+                    </a:p>
+                  </a:txBody>
+                  <a:tcPr>
+                    <a:lnL w="28575" cap="flat" cmpd="sng" algn="ctr">
+                      <a:solidFill>
+                        <a:schemeClr val="tx1"/>
+                      </a:solidFill>
+                      <a:prstDash val="solid"/>
+                      <a:round/>
+                      <a:headEnd type="none" w="med" len="med"/>
+                      <a:tailEnd type="none" w="med" len="med"/>
+                    </a:lnL>
+                    <a:lnR w="28575" cap="flat" cmpd="sng" algn="ctr">
+                      <a:solidFill>
+                        <a:schemeClr val="tx1"/>
+                      </a:solidFill>
+                      <a:prstDash val="solid"/>
+                      <a:round/>
+                      <a:headEnd type="none" w="med" len="med"/>
+                      <a:tailEnd type="none" w="med" len="med"/>
+                    </a:lnR>
+                    <a:lnT w="28575" cap="flat" cmpd="sng" algn="ctr">
+                      <a:solidFill>
+                        <a:schemeClr val="tx1"/>
+                      </a:solidFill>
+                      <a:prstDash val="solid"/>
+                      <a:round/>
+                      <a:headEnd type="none" w="med" len="med"/>
+                      <a:tailEnd type="none" w="med" len="med"/>
+                    </a:lnT>
+                    <a:lnB w="28575" cap="flat" cmpd="sng" algn="ctr">
+                      <a:solidFill>
+                        <a:schemeClr val="tx1"/>
+                      </a:solidFill>
+                      <a:prstDash val="solid"/>
+                      <a:round/>
+                      <a:headEnd type="none" w="med" len="med"/>
+                      <a:tailEnd type="none" w="med" len="med"/>
+                    </a:lnB>
+                    <a:solidFill>
+                      <a:srgbClr val="2F5CB5"/>
+                    </a:solidFill>
+                  </a:tcPr>
+                </a:tc>
+              </a:tr>
+              <a:tr h="246354">
+                <a:tc>
+                  <a:txBody>
+                    <a:bodyPr/>
+                    <a:lstStyle/>
+                    <a:p>
+                      <a:pPr algn="ctr">
+                        <a:lnSpc>
+                          <a:spcPct val="90000"/>
+                        </a:lnSpc>
+                      </a:pPr>
+                      <a:r>
+                        <a:rPr lang="en-US" sz="2400" b="0" dirty="0" smtClean="0">
+                          <a:ln>
+                            <a:noFill/>
+                          </a:ln>
+                          <a:solidFill>
+                            <a:srgbClr val="1E3272"/>
+                          </a:solidFill>
+                          <a:latin typeface="+mn-lt"/>
+                        </a:rPr>
+                        <a:t>x0</a:t>
+                      </a:r>
+                      <a:endParaRPr lang="en-US" sz="2400" b="0" dirty="0">
+                        <a:ln>
+                          <a:noFill/>
+                        </a:ln>
+                        <a:solidFill>
+                          <a:srgbClr val="1E3272"/>
+                        </a:solidFill>
+                        <a:latin typeface="+mn-lt"/>
+                      </a:endParaRPr>
+                    </a:p>
+                  </a:txBody>
+                  <a:tcPr>
+                    <a:lnL w="28575" cap="flat" cmpd="sng" algn="ctr">
+                      <a:solidFill>
+                        <a:schemeClr val="tx1"/>
+                      </a:solidFill>
+                      <a:prstDash val="solid"/>
+                      <a:round/>
+                      <a:headEnd type="none" w="med" len="med"/>
+                      <a:tailEnd type="none" w="med" len="med"/>
+                    </a:lnL>
+                    <a:lnR w="28575" cap="flat" cmpd="sng" algn="ctr">
+                      <a:solidFill>
+                        <a:schemeClr val="tx1"/>
+                      </a:solidFill>
+                      <a:prstDash val="solid"/>
+                      <a:round/>
+                      <a:headEnd type="none" w="med" len="med"/>
+                      <a:tailEnd type="none" w="med" len="med"/>
+                    </a:lnR>
+                    <a:lnT w="28575" cap="flat" cmpd="sng" algn="ctr">
+                      <a:solidFill>
+                        <a:schemeClr val="tx1"/>
+                      </a:solidFill>
+                      <a:prstDash val="solid"/>
+                      <a:round/>
+                      <a:headEnd type="none" w="med" len="med"/>
+                      <a:tailEnd type="none" w="med" len="med"/>
+                    </a:lnT>
+                    <a:lnB w="28575" cap="flat" cmpd="sng" algn="ctr">
+                      <a:solidFill>
+                        <a:schemeClr val="tx1"/>
+                      </a:solidFill>
+                      <a:prstDash val="solid"/>
+                      <a:round/>
+                      <a:headEnd type="none" w="med" len="med"/>
+                      <a:tailEnd type="none" w="med" len="med"/>
+                    </a:lnB>
+                    <a:solidFill>
+                      <a:schemeClr val="bg1"/>
+                    </a:solidFill>
+                  </a:tcPr>
+                </a:tc>
+                <a:tc>
+                  <a:txBody>
+                    <a:bodyPr/>
+                    <a:lstStyle/>
+                    <a:p>
+                      <a:pPr algn="ctr">
+                        <a:lnSpc>
+                          <a:spcPct val="90000"/>
+                        </a:lnSpc>
+                      </a:pPr>
+                      <a:r>
+                        <a:rPr lang="en-US" sz="2400" b="0" dirty="0" smtClean="0">
+                          <a:ln>
+                            <a:noFill/>
+                          </a:ln>
+                          <a:solidFill>
+                            <a:srgbClr val="1E3272"/>
+                          </a:solidFill>
+                          <a:latin typeface="+mn-lt"/>
+                        </a:rPr>
+                        <a:t>zero</a:t>
+                      </a:r>
+                      <a:endParaRPr lang="en-US" sz="2400" b="0" dirty="0">
+                        <a:ln>
+                          <a:noFill/>
+                        </a:ln>
+                        <a:solidFill>
+                          <a:srgbClr val="1E3272"/>
+                        </a:solidFill>
+                        <a:latin typeface="+mn-lt"/>
+                      </a:endParaRPr>
+                    </a:p>
+                  </a:txBody>
+                  <a:tcPr>
+                    <a:lnL w="28575" cap="flat" cmpd="sng" algn="ctr">
+                      <a:solidFill>
+                        <a:schemeClr val="tx1"/>
+                      </a:solidFill>
+                      <a:prstDash val="solid"/>
+                      <a:round/>
+                      <a:headEnd type="none" w="med" len="med"/>
+                      <a:tailEnd type="none" w="med" len="med"/>
+                    </a:lnL>
+                    <a:lnR w="28575" cap="flat" cmpd="sng" algn="ctr">
+                      <a:solidFill>
+                        <a:schemeClr val="tx1"/>
+                      </a:solidFill>
+                      <a:prstDash val="solid"/>
+                      <a:round/>
+                      <a:headEnd type="none" w="med" len="med"/>
+                      <a:tailEnd type="none" w="med" len="med"/>
+                    </a:lnR>
+                    <a:lnT w="28575" cap="flat" cmpd="sng" algn="ctr">
+                      <a:solidFill>
+                        <a:schemeClr val="tx1"/>
+                      </a:solidFill>
+                      <a:prstDash val="solid"/>
+                      <a:round/>
+                      <a:headEnd type="none" w="med" len="med"/>
+                      <a:tailEnd type="none" w="med" len="med"/>
+                    </a:lnT>
+                    <a:lnB w="28575" cap="flat" cmpd="sng" algn="ctr">
+                      <a:solidFill>
+                        <a:schemeClr val="tx1"/>
+                      </a:solidFill>
+                      <a:prstDash val="solid"/>
+                      <a:round/>
+                      <a:headEnd type="none" w="med" len="med"/>
+                      <a:tailEnd type="none" w="med" len="med"/>
+                    </a:lnB>
+                    <a:solidFill>
+                      <a:schemeClr val="bg1"/>
+                    </a:solidFill>
+                  </a:tcPr>
+                </a:tc>
+                <a:tc>
+                  <a:txBody>
+                    <a:bodyPr/>
+                    <a:lstStyle/>
+                    <a:p>
+                      <a:pPr algn="ctr">
+                        <a:lnSpc>
+                          <a:spcPct val="90000"/>
+                        </a:lnSpc>
+                      </a:pPr>
+                      <a:r>
+                        <a:rPr lang="en-US" sz="2400" b="0" dirty="0" smtClean="0">
+                          <a:ln>
+                            <a:noFill/>
+                          </a:ln>
+                          <a:solidFill>
+                            <a:srgbClr val="1E3272"/>
+                          </a:solidFill>
+                          <a:latin typeface="+mn-lt"/>
+                        </a:rPr>
+                        <a:t>constant 0</a:t>
+                      </a:r>
+                      <a:endParaRPr lang="en-US" sz="2400" b="0" dirty="0">
+                        <a:ln>
+                          <a:noFill/>
+                        </a:ln>
+                        <a:solidFill>
+                          <a:srgbClr val="1E3272"/>
+                        </a:solidFill>
+                        <a:latin typeface="+mn-lt"/>
+                      </a:endParaRPr>
+                    </a:p>
+                  </a:txBody>
+                  <a:tcPr>
+                    <a:lnL w="28575" cap="flat" cmpd="sng" algn="ctr">
+                      <a:solidFill>
+                        <a:schemeClr val="tx1"/>
+                      </a:solidFill>
+                      <a:prstDash val="solid"/>
+                      <a:round/>
+                      <a:headEnd type="none" w="med" len="med"/>
+                      <a:tailEnd type="none" w="med" len="med"/>
+                    </a:lnL>
+                    <a:lnR w="28575" cap="flat" cmpd="sng" algn="ctr">
+                      <a:solidFill>
+                        <a:schemeClr val="tx1"/>
+                      </a:solidFill>
+                      <a:prstDash val="solid"/>
+                      <a:round/>
+                      <a:headEnd type="none" w="med" len="med"/>
+                      <a:tailEnd type="none" w="med" len="med"/>
+                    </a:lnR>
+                    <a:lnT w="28575" cap="flat" cmpd="sng" algn="ctr">
+                      <a:solidFill>
+                        <a:schemeClr val="tx1"/>
+                      </a:solidFill>
+                      <a:prstDash val="solid"/>
+                      <a:round/>
+                      <a:headEnd type="none" w="med" len="med"/>
+                      <a:tailEnd type="none" w="med" len="med"/>
+                    </a:lnT>
+                    <a:lnB w="28575" cap="flat" cmpd="sng" algn="ctr">
+                      <a:solidFill>
+                        <a:schemeClr val="tx1"/>
+                      </a:solidFill>
+                      <a:prstDash val="solid"/>
+                      <a:round/>
+                      <a:headEnd type="none" w="med" len="med"/>
+                      <a:tailEnd type="none" w="med" len="med"/>
+                    </a:lnB>
+                    <a:solidFill>
+                      <a:schemeClr val="bg1"/>
+                    </a:solidFill>
+                  </a:tcPr>
+                </a:tc>
+                <a:tc>
+                  <a:txBody>
+                    <a:bodyPr/>
+                    <a:lstStyle/>
+                    <a:p>
+                      <a:pPr algn="ctr">
+                        <a:lnSpc>
+                          <a:spcPct val="90000"/>
+                        </a:lnSpc>
+                      </a:pPr>
+                      <a:r>
+                        <a:rPr lang="en-US" sz="2400" b="0" dirty="0" smtClean="0">
+                          <a:ln>
+                            <a:noFill/>
+                          </a:ln>
+                          <a:solidFill>
+                            <a:srgbClr val="1E3272"/>
+                          </a:solidFill>
+                          <a:latin typeface="+mn-lt"/>
+                        </a:rPr>
+                        <a:t>n/a</a:t>
+                      </a:r>
+                      <a:endParaRPr lang="en-US" sz="2400" b="0" dirty="0">
+                        <a:ln>
+                          <a:noFill/>
+                        </a:ln>
+                        <a:solidFill>
+                          <a:srgbClr val="1E3272"/>
+                        </a:solidFill>
+                        <a:latin typeface="+mn-lt"/>
+                      </a:endParaRPr>
+                    </a:p>
+                  </a:txBody>
+                  <a:tcPr>
+                    <a:lnL w="28575" cap="flat" cmpd="sng" algn="ctr">
+                      <a:solidFill>
+                        <a:schemeClr val="tx1"/>
+                      </a:solidFill>
+                      <a:prstDash val="solid"/>
+                      <a:round/>
+                      <a:headEnd type="none" w="med" len="med"/>
+                      <a:tailEnd type="none" w="med" len="med"/>
+                    </a:lnL>
+                    <a:lnR w="28575" cap="flat" cmpd="sng" algn="ctr">
+                      <a:solidFill>
+                        <a:schemeClr val="tx1"/>
+                      </a:solidFill>
+                      <a:prstDash val="solid"/>
+                      <a:round/>
+                      <a:headEnd type="none" w="med" len="med"/>
+                      <a:tailEnd type="none" w="med" len="med"/>
+                    </a:lnR>
+                    <a:lnT w="28575" cap="flat" cmpd="sng" algn="ctr">
+                      <a:solidFill>
+                        <a:schemeClr val="tx1"/>
+                      </a:solidFill>
+                      <a:prstDash val="solid"/>
+                      <a:round/>
+                      <a:headEnd type="none" w="med" len="med"/>
+                      <a:tailEnd type="none" w="med" len="med"/>
+                    </a:lnT>
+                    <a:lnB w="28575" cap="flat" cmpd="sng" algn="ctr">
+                      <a:solidFill>
+                        <a:schemeClr val="tx1"/>
+                      </a:solidFill>
+                      <a:prstDash val="solid"/>
+                      <a:round/>
+                      <a:headEnd type="none" w="med" len="med"/>
+                      <a:tailEnd type="none" w="med" len="med"/>
+                    </a:lnB>
+                    <a:solidFill>
+                      <a:schemeClr val="bg1"/>
+                    </a:solidFill>
+                  </a:tcPr>
+                </a:tc>
+              </a:tr>
+              <a:tr h="0">
+                <a:tc>
+                  <a:txBody>
+                    <a:bodyPr/>
+                    <a:lstStyle/>
+                    <a:p>
+                      <a:pPr algn="ctr">
+                        <a:lnSpc>
+                          <a:spcPct val="90000"/>
+                        </a:lnSpc>
+                      </a:pPr>
+                      <a:r>
+                        <a:rPr lang="en-US" sz="2400" b="0" dirty="0" smtClean="0">
+                          <a:ln>
+                            <a:noFill/>
+                          </a:ln>
+                          <a:solidFill>
+                            <a:srgbClr val="1E3272"/>
+                          </a:solidFill>
+                          <a:latin typeface="+mn-lt"/>
+                        </a:rPr>
+                        <a:t>x1</a:t>
+                      </a:r>
+                      <a:endParaRPr lang="en-US" sz="2400" b="0" dirty="0">
+                        <a:ln>
+                          <a:noFill/>
+                        </a:ln>
+                        <a:solidFill>
+                          <a:srgbClr val="1E3272"/>
+                        </a:solidFill>
+                        <a:latin typeface="+mn-lt"/>
+                      </a:endParaRPr>
+                    </a:p>
+                  </a:txBody>
+                  <a:tcPr>
+                    <a:lnL w="28575" cap="flat" cmpd="sng" algn="ctr">
+                      <a:solidFill>
+                        <a:schemeClr val="tx1"/>
+                      </a:solidFill>
+                      <a:prstDash val="solid"/>
+                      <a:round/>
+                      <a:headEnd type="none" w="med" len="med"/>
+                      <a:tailEnd type="none" w="med" len="med"/>
+                    </a:lnL>
+                    <a:lnR w="28575" cap="flat" cmpd="sng" algn="ctr">
+                      <a:solidFill>
+                        <a:schemeClr val="tx1"/>
+                      </a:solidFill>
+                      <a:prstDash val="solid"/>
+                      <a:round/>
+                      <a:headEnd type="none" w="med" len="med"/>
+                      <a:tailEnd type="none" w="med" len="med"/>
+                    </a:lnR>
+                    <a:lnT w="28575" cap="flat" cmpd="sng" algn="ctr">
+                      <a:solidFill>
+                        <a:schemeClr val="tx1"/>
+                      </a:solidFill>
+                      <a:prstDash val="solid"/>
+                      <a:round/>
+                      <a:headEnd type="none" w="med" len="med"/>
+                      <a:tailEnd type="none" w="med" len="med"/>
+                    </a:lnT>
+                    <a:lnB w="28575" cap="flat" cmpd="sng" algn="ctr">
+                      <a:solidFill>
+                        <a:schemeClr val="tx1"/>
+                      </a:solidFill>
+                      <a:prstDash val="solid"/>
+                      <a:round/>
+                      <a:headEnd type="none" w="med" len="med"/>
+                      <a:tailEnd type="none" w="med" len="med"/>
+                    </a:lnB>
+                    <a:solidFill>
+                      <a:schemeClr val="bg1"/>
+                    </a:solidFill>
+                  </a:tcPr>
+                </a:tc>
+                <a:tc>
+                  <a:txBody>
+                    <a:bodyPr/>
+                    <a:lstStyle/>
+                    <a:p>
+                      <a:pPr algn="ctr">
+                        <a:lnSpc>
+                          <a:spcPct val="90000"/>
+                        </a:lnSpc>
+                      </a:pPr>
+                      <a:r>
+                        <a:rPr lang="en-US" sz="2400" b="0" dirty="0" err="1" smtClean="0">
+                          <a:ln>
+                            <a:noFill/>
+                          </a:ln>
+                          <a:solidFill>
+                            <a:srgbClr val="1E3272"/>
+                          </a:solidFill>
+                          <a:latin typeface="+mn-lt"/>
+                        </a:rPr>
+                        <a:t>ra</a:t>
+                      </a:r>
+                      <a:endParaRPr lang="en-US" sz="2400" b="0" dirty="0">
+                        <a:ln>
+                          <a:noFill/>
+                        </a:ln>
+                        <a:solidFill>
+                          <a:srgbClr val="1E3272"/>
+                        </a:solidFill>
+                        <a:latin typeface="+mn-lt"/>
+                      </a:endParaRPr>
+                    </a:p>
+                  </a:txBody>
+                  <a:tcPr>
+                    <a:lnL w="28575" cap="flat" cmpd="sng" algn="ctr">
+                      <a:solidFill>
+                        <a:schemeClr val="tx1"/>
+                      </a:solidFill>
+                      <a:prstDash val="solid"/>
+                      <a:round/>
+                      <a:headEnd type="none" w="med" len="med"/>
+                      <a:tailEnd type="none" w="med" len="med"/>
+                    </a:lnL>
+                    <a:lnR w="28575" cap="flat" cmpd="sng" algn="ctr">
+                      <a:solidFill>
+                        <a:schemeClr val="tx1"/>
+                      </a:solidFill>
+                      <a:prstDash val="solid"/>
+                      <a:round/>
+                      <a:headEnd type="none" w="med" len="med"/>
+                      <a:tailEnd type="none" w="med" len="med"/>
+                    </a:lnR>
+                    <a:lnT w="28575" cap="flat" cmpd="sng" algn="ctr">
+                      <a:solidFill>
+                        <a:schemeClr val="tx1"/>
+                      </a:solidFill>
+                      <a:prstDash val="solid"/>
+                      <a:round/>
+                      <a:headEnd type="none" w="med" len="med"/>
+                      <a:tailEnd type="none" w="med" len="med"/>
+                    </a:lnT>
+                    <a:lnB w="28575" cap="flat" cmpd="sng" algn="ctr">
+                      <a:solidFill>
+                        <a:schemeClr val="tx1"/>
+                      </a:solidFill>
+                      <a:prstDash val="solid"/>
+                      <a:round/>
+                      <a:headEnd type="none" w="med" len="med"/>
+                      <a:tailEnd type="none" w="med" len="med"/>
+                    </a:lnB>
+                    <a:solidFill>
+                      <a:schemeClr val="bg1"/>
+                    </a:solidFill>
+                  </a:tcPr>
+                </a:tc>
+                <a:tc>
+                  <a:txBody>
+                    <a:bodyPr/>
+                    <a:lstStyle/>
+                    <a:p>
+                      <a:pPr algn="ctr">
+                        <a:lnSpc>
+                          <a:spcPct val="90000"/>
+                        </a:lnSpc>
+                      </a:pPr>
+                      <a:r>
+                        <a:rPr lang="en-US" sz="2400" b="0" dirty="0" smtClean="0">
+                          <a:ln>
+                            <a:noFill/>
+                          </a:ln>
+                          <a:solidFill>
+                            <a:srgbClr val="1E3272"/>
+                          </a:solidFill>
+                          <a:latin typeface="+mn-lt"/>
+                        </a:rPr>
+                        <a:t>return </a:t>
+                      </a:r>
+                      <a:r>
+                        <a:rPr lang="en-US" sz="2400" b="0" dirty="0" err="1" smtClean="0">
+                          <a:ln>
+                            <a:noFill/>
+                          </a:ln>
+                          <a:solidFill>
+                            <a:srgbClr val="1E3272"/>
+                          </a:solidFill>
+                          <a:latin typeface="+mn-lt"/>
+                        </a:rPr>
+                        <a:t>addr</a:t>
+                      </a:r>
+                      <a:endParaRPr lang="en-US" sz="2400" b="0" dirty="0">
+                        <a:ln>
+                          <a:noFill/>
+                        </a:ln>
+                        <a:solidFill>
+                          <a:srgbClr val="1E3272"/>
+                        </a:solidFill>
+                        <a:latin typeface="+mn-lt"/>
+                      </a:endParaRPr>
+                    </a:p>
+                  </a:txBody>
+                  <a:tcPr>
+                    <a:lnL w="28575" cap="flat" cmpd="sng" algn="ctr">
+                      <a:solidFill>
+                        <a:schemeClr val="tx1"/>
+                      </a:solidFill>
+                      <a:prstDash val="solid"/>
+                      <a:round/>
+                      <a:headEnd type="none" w="med" len="med"/>
+                      <a:tailEnd type="none" w="med" len="med"/>
+                    </a:lnL>
+                    <a:lnR w="28575" cap="flat" cmpd="sng" algn="ctr">
+                      <a:solidFill>
+                        <a:schemeClr val="tx1"/>
+                      </a:solidFill>
+                      <a:prstDash val="solid"/>
+                      <a:round/>
+                      <a:headEnd type="none" w="med" len="med"/>
+                      <a:tailEnd type="none" w="med" len="med"/>
+                    </a:lnR>
+                    <a:lnT w="28575" cap="flat" cmpd="sng" algn="ctr">
+                      <a:solidFill>
+                        <a:schemeClr val="tx1"/>
+                      </a:solidFill>
+                      <a:prstDash val="solid"/>
+                      <a:round/>
+                      <a:headEnd type="none" w="med" len="med"/>
+                      <a:tailEnd type="none" w="med" len="med"/>
+                    </a:lnT>
+                    <a:lnB w="28575" cap="flat" cmpd="sng" algn="ctr">
+                      <a:solidFill>
+                        <a:schemeClr val="tx1"/>
+                      </a:solidFill>
+                      <a:prstDash val="solid"/>
+                      <a:round/>
+                      <a:headEnd type="none" w="med" len="med"/>
+                      <a:tailEnd type="none" w="med" len="med"/>
+                    </a:lnB>
+                    <a:solidFill>
+                      <a:schemeClr val="bg1"/>
+                    </a:solidFill>
+                  </a:tcPr>
+                </a:tc>
+                <a:tc>
+                  <a:txBody>
+                    <a:bodyPr/>
+                    <a:lstStyle/>
+                    <a:p>
+                      <a:pPr algn="ctr">
+                        <a:lnSpc>
+                          <a:spcPct val="90000"/>
+                        </a:lnSpc>
+                      </a:pPr>
+                      <a:r>
+                        <a:rPr lang="en-US" sz="2400" b="0" dirty="0" smtClean="0">
+                          <a:ln>
+                            <a:noFill/>
+                          </a:ln>
+                          <a:solidFill>
+                            <a:srgbClr val="1E3272"/>
+                          </a:solidFill>
+                          <a:latin typeface="+mn-lt"/>
+                        </a:rPr>
+                        <a:t>caller</a:t>
+                      </a:r>
+                      <a:endParaRPr lang="en-US" sz="2400" b="0" dirty="0">
+                        <a:ln>
+                          <a:noFill/>
+                        </a:ln>
+                        <a:solidFill>
+                          <a:srgbClr val="1E3272"/>
+                        </a:solidFill>
+                        <a:latin typeface="+mn-lt"/>
+                      </a:endParaRPr>
+                    </a:p>
+                  </a:txBody>
+                  <a:tcPr>
+                    <a:lnL w="28575" cap="flat" cmpd="sng" algn="ctr">
+                      <a:solidFill>
+                        <a:schemeClr val="tx1"/>
+                      </a:solidFill>
+                      <a:prstDash val="solid"/>
+                      <a:round/>
+                      <a:headEnd type="none" w="med" len="med"/>
+                      <a:tailEnd type="none" w="med" len="med"/>
+                    </a:lnL>
+                    <a:lnR w="28575" cap="flat" cmpd="sng" algn="ctr">
+                      <a:solidFill>
+                        <a:schemeClr val="tx1"/>
+                      </a:solidFill>
+                      <a:prstDash val="solid"/>
+                      <a:round/>
+                      <a:headEnd type="none" w="med" len="med"/>
+                      <a:tailEnd type="none" w="med" len="med"/>
+                    </a:lnR>
+                    <a:lnT w="28575" cap="flat" cmpd="sng" algn="ctr">
+                      <a:solidFill>
+                        <a:schemeClr val="tx1"/>
+                      </a:solidFill>
+                      <a:prstDash val="solid"/>
+                      <a:round/>
+                      <a:headEnd type="none" w="med" len="med"/>
+                      <a:tailEnd type="none" w="med" len="med"/>
+                    </a:lnT>
+                    <a:lnB w="28575" cap="flat" cmpd="sng" algn="ctr">
+                      <a:solidFill>
+                        <a:schemeClr val="tx1"/>
+                      </a:solidFill>
+                      <a:prstDash val="solid"/>
+                      <a:round/>
+                      <a:headEnd type="none" w="med" len="med"/>
+                      <a:tailEnd type="none" w="med" len="med"/>
+                    </a:lnB>
+                    <a:solidFill>
+                      <a:schemeClr val="bg1"/>
+                    </a:solidFill>
+                  </a:tcPr>
+                </a:tc>
+              </a:tr>
+              <a:tr h="226475">
+                <a:tc>
+                  <a:txBody>
+                    <a:bodyPr/>
+                    <a:lstStyle/>
+                    <a:p>
+                      <a:pPr algn="ctr">
+                        <a:lnSpc>
+                          <a:spcPct val="90000"/>
+                        </a:lnSpc>
+                      </a:pPr>
+                      <a:r>
+                        <a:rPr lang="en-US" sz="2400" b="0" dirty="0" smtClean="0">
+                          <a:ln>
+                            <a:noFill/>
+                          </a:ln>
+                          <a:solidFill>
+                            <a:srgbClr val="1E3272"/>
+                          </a:solidFill>
+                          <a:latin typeface="+mn-lt"/>
+                        </a:rPr>
+                        <a:t>x2</a:t>
+                      </a:r>
+                      <a:endParaRPr lang="en-US" sz="2400" b="0" dirty="0">
+                        <a:ln>
+                          <a:noFill/>
+                        </a:ln>
+                        <a:solidFill>
+                          <a:srgbClr val="1E3272"/>
+                        </a:solidFill>
+                        <a:latin typeface="+mn-lt"/>
+                      </a:endParaRPr>
+                    </a:p>
+                  </a:txBody>
+                  <a:tcPr>
+                    <a:lnL w="28575" cap="flat" cmpd="sng" algn="ctr">
+                      <a:solidFill>
+                        <a:schemeClr val="tx1"/>
+                      </a:solidFill>
+                      <a:prstDash val="solid"/>
+                      <a:round/>
+                      <a:headEnd type="none" w="med" len="med"/>
+                      <a:tailEnd type="none" w="med" len="med"/>
+                    </a:lnL>
+                    <a:lnR w="28575" cap="flat" cmpd="sng" algn="ctr">
+                      <a:solidFill>
+                        <a:schemeClr val="tx1"/>
+                      </a:solidFill>
+                      <a:prstDash val="solid"/>
+                      <a:round/>
+                      <a:headEnd type="none" w="med" len="med"/>
+                      <a:tailEnd type="none" w="med" len="med"/>
+                    </a:lnR>
+                    <a:lnT w="28575" cap="flat" cmpd="sng" algn="ctr">
+                      <a:solidFill>
+                        <a:schemeClr val="tx1"/>
+                      </a:solidFill>
+                      <a:prstDash val="solid"/>
+                      <a:round/>
+                      <a:headEnd type="none" w="med" len="med"/>
+                      <a:tailEnd type="none" w="med" len="med"/>
+                    </a:lnT>
+                    <a:lnB w="28575" cap="flat" cmpd="sng" algn="ctr">
+                      <a:solidFill>
+                        <a:schemeClr val="tx1"/>
+                      </a:solidFill>
+                      <a:prstDash val="solid"/>
+                      <a:round/>
+                      <a:headEnd type="none" w="med" len="med"/>
+                      <a:tailEnd type="none" w="med" len="med"/>
+                    </a:lnB>
+                    <a:solidFill>
+                      <a:schemeClr val="bg1"/>
+                    </a:solidFill>
+                  </a:tcPr>
+                </a:tc>
+                <a:tc>
+                  <a:txBody>
+                    <a:bodyPr/>
+                    <a:lstStyle/>
+                    <a:p>
+                      <a:pPr algn="ctr">
+                        <a:lnSpc>
+                          <a:spcPct val="90000"/>
+                        </a:lnSpc>
+                      </a:pPr>
+                      <a:r>
+                        <a:rPr lang="en-US" sz="2400" b="0" dirty="0" err="1" smtClean="0">
+                          <a:ln>
+                            <a:noFill/>
+                          </a:ln>
+                          <a:solidFill>
+                            <a:srgbClr val="1E3272"/>
+                          </a:solidFill>
+                          <a:latin typeface="+mn-lt"/>
+                        </a:rPr>
+                        <a:t>sp</a:t>
+                      </a:r>
+                      <a:endParaRPr lang="en-US" sz="2400" b="0" dirty="0">
+                        <a:ln>
+                          <a:noFill/>
+                        </a:ln>
+                        <a:solidFill>
+                          <a:srgbClr val="1E3272"/>
+                        </a:solidFill>
+                        <a:latin typeface="+mn-lt"/>
+                      </a:endParaRPr>
+                    </a:p>
+                  </a:txBody>
+                  <a:tcPr>
+                    <a:lnL w="28575" cap="flat" cmpd="sng" algn="ctr">
+                      <a:solidFill>
+                        <a:schemeClr val="tx1"/>
+                      </a:solidFill>
+                      <a:prstDash val="solid"/>
+                      <a:round/>
+                      <a:headEnd type="none" w="med" len="med"/>
+                      <a:tailEnd type="none" w="med" len="med"/>
+                    </a:lnL>
+                    <a:lnR w="28575" cap="flat" cmpd="sng" algn="ctr">
+                      <a:solidFill>
+                        <a:schemeClr val="tx1"/>
+                      </a:solidFill>
+                      <a:prstDash val="solid"/>
+                      <a:round/>
+                      <a:headEnd type="none" w="med" len="med"/>
+                      <a:tailEnd type="none" w="med" len="med"/>
+                    </a:lnR>
+                    <a:lnT w="28575" cap="flat" cmpd="sng" algn="ctr">
+                      <a:solidFill>
+                        <a:schemeClr val="tx1"/>
+                      </a:solidFill>
+                      <a:prstDash val="solid"/>
+                      <a:round/>
+                      <a:headEnd type="none" w="med" len="med"/>
+                      <a:tailEnd type="none" w="med" len="med"/>
+                    </a:lnT>
+                    <a:lnB w="28575" cap="flat" cmpd="sng" algn="ctr">
+                      <a:solidFill>
+                        <a:schemeClr val="tx1"/>
+                      </a:solidFill>
+                      <a:prstDash val="solid"/>
+                      <a:round/>
+                      <a:headEnd type="none" w="med" len="med"/>
+                      <a:tailEnd type="none" w="med" len="med"/>
+                    </a:lnB>
+                    <a:solidFill>
+                      <a:schemeClr val="bg1"/>
+                    </a:solidFill>
+                  </a:tcPr>
+                </a:tc>
+                <a:tc>
+                  <a:txBody>
+                    <a:bodyPr/>
+                    <a:lstStyle/>
+                    <a:p>
+                      <a:pPr algn="ctr">
+                        <a:lnSpc>
+                          <a:spcPct val="90000"/>
+                        </a:lnSpc>
+                      </a:pPr>
+                      <a:r>
+                        <a:rPr lang="en-US" sz="2400" b="0" dirty="0" smtClean="0">
+                          <a:ln>
+                            <a:noFill/>
+                          </a:ln>
+                          <a:solidFill>
+                            <a:srgbClr val="1E3272"/>
+                          </a:solidFill>
+                          <a:latin typeface="+mn-lt"/>
+                        </a:rPr>
+                        <a:t>stack </a:t>
+                      </a:r>
+                      <a:r>
+                        <a:rPr lang="en-US" sz="2400" b="0" dirty="0" err="1" smtClean="0">
+                          <a:ln>
+                            <a:noFill/>
+                          </a:ln>
+                          <a:solidFill>
+                            <a:srgbClr val="1E3272"/>
+                          </a:solidFill>
+                          <a:latin typeface="+mn-lt"/>
+                        </a:rPr>
+                        <a:t>ptr</a:t>
+                      </a:r>
+                      <a:endParaRPr lang="en-US" sz="2400" b="0" dirty="0">
+                        <a:ln>
+                          <a:noFill/>
+                        </a:ln>
+                        <a:solidFill>
+                          <a:srgbClr val="1E3272"/>
+                        </a:solidFill>
+                        <a:latin typeface="+mn-lt"/>
+                      </a:endParaRPr>
+                    </a:p>
+                  </a:txBody>
+                  <a:tcPr>
+                    <a:lnL w="28575" cap="flat" cmpd="sng" algn="ctr">
+                      <a:solidFill>
+                        <a:schemeClr val="tx1"/>
+                      </a:solidFill>
+                      <a:prstDash val="solid"/>
+                      <a:round/>
+                      <a:headEnd type="none" w="med" len="med"/>
+                      <a:tailEnd type="none" w="med" len="med"/>
+                    </a:lnL>
+                    <a:lnR w="28575" cap="flat" cmpd="sng" algn="ctr">
+                      <a:solidFill>
+                        <a:schemeClr val="tx1"/>
+                      </a:solidFill>
+                      <a:prstDash val="solid"/>
+                      <a:round/>
+                      <a:headEnd type="none" w="med" len="med"/>
+                      <a:tailEnd type="none" w="med" len="med"/>
+                    </a:lnR>
+                    <a:lnT w="28575" cap="flat" cmpd="sng" algn="ctr">
+                      <a:solidFill>
+                        <a:schemeClr val="tx1"/>
+                      </a:solidFill>
+                      <a:prstDash val="solid"/>
+                      <a:round/>
+                      <a:headEnd type="none" w="med" len="med"/>
+                      <a:tailEnd type="none" w="med" len="med"/>
+                    </a:lnT>
+                    <a:lnB w="28575" cap="flat" cmpd="sng" algn="ctr">
+                      <a:solidFill>
+                        <a:schemeClr val="tx1"/>
+                      </a:solidFill>
+                      <a:prstDash val="solid"/>
+                      <a:round/>
+                      <a:headEnd type="none" w="med" len="med"/>
+                      <a:tailEnd type="none" w="med" len="med"/>
+                    </a:lnB>
+                    <a:solidFill>
+                      <a:schemeClr val="bg1"/>
+                    </a:solidFill>
+                  </a:tcPr>
+                </a:tc>
+                <a:tc>
+                  <a:txBody>
+                    <a:bodyPr/>
+                    <a:lstStyle/>
+                    <a:p>
+                      <a:pPr algn="ctr">
+                        <a:lnSpc>
+                          <a:spcPct val="90000"/>
+                        </a:lnSpc>
+                      </a:pPr>
+                      <a:r>
+                        <a:rPr lang="en-US" sz="2400" b="0" dirty="0" err="1" smtClean="0">
+                          <a:ln>
+                            <a:noFill/>
+                          </a:ln>
+                          <a:solidFill>
+                            <a:srgbClr val="1E3272"/>
+                          </a:solidFill>
+                          <a:latin typeface="+mn-lt"/>
+                        </a:rPr>
+                        <a:t>callee</a:t>
+                      </a:r>
+                      <a:endParaRPr lang="en-US" sz="2400" b="0" dirty="0">
+                        <a:ln>
+                          <a:noFill/>
+                        </a:ln>
+                        <a:solidFill>
+                          <a:srgbClr val="1E3272"/>
+                        </a:solidFill>
+                        <a:latin typeface="+mn-lt"/>
+                      </a:endParaRPr>
+                    </a:p>
+                  </a:txBody>
+                  <a:tcPr>
+                    <a:lnL w="28575" cap="flat" cmpd="sng" algn="ctr">
+                      <a:solidFill>
+                        <a:schemeClr val="tx1"/>
+                      </a:solidFill>
+                      <a:prstDash val="solid"/>
+                      <a:round/>
+                      <a:headEnd type="none" w="med" len="med"/>
+                      <a:tailEnd type="none" w="med" len="med"/>
+                    </a:lnL>
+                    <a:lnR w="28575" cap="flat" cmpd="sng" algn="ctr">
+                      <a:solidFill>
+                        <a:schemeClr val="tx1"/>
+                      </a:solidFill>
+                      <a:prstDash val="solid"/>
+                      <a:round/>
+                      <a:headEnd type="none" w="med" len="med"/>
+                      <a:tailEnd type="none" w="med" len="med"/>
+                    </a:lnR>
+                    <a:lnT w="28575" cap="flat" cmpd="sng" algn="ctr">
+                      <a:solidFill>
+                        <a:schemeClr val="tx1"/>
+                      </a:solidFill>
+                      <a:prstDash val="solid"/>
+                      <a:round/>
+                      <a:headEnd type="none" w="med" len="med"/>
+                      <a:tailEnd type="none" w="med" len="med"/>
+                    </a:lnT>
+                    <a:lnB w="28575" cap="flat" cmpd="sng" algn="ctr">
+                      <a:solidFill>
+                        <a:schemeClr val="tx1"/>
+                      </a:solidFill>
+                      <a:prstDash val="solid"/>
+                      <a:round/>
+                      <a:headEnd type="none" w="med" len="med"/>
+                      <a:tailEnd type="none" w="med" len="med"/>
+                    </a:lnB>
+                    <a:solidFill>
+                      <a:schemeClr val="bg1"/>
+                    </a:solidFill>
+                  </a:tcPr>
+                </a:tc>
+              </a:tr>
+              <a:tr h="0">
+                <a:tc>
+                  <a:txBody>
+                    <a:bodyPr/>
+                    <a:lstStyle/>
+                    <a:p>
+                      <a:pPr algn="ctr">
+                        <a:lnSpc>
+                          <a:spcPct val="90000"/>
+                        </a:lnSpc>
+                      </a:pPr>
+                      <a:r>
+                        <a:rPr lang="en-US" sz="2400" b="0" smtClean="0">
+                          <a:ln>
+                            <a:noFill/>
+                          </a:ln>
+                          <a:solidFill>
+                            <a:srgbClr val="1E3272"/>
+                          </a:solidFill>
+                          <a:latin typeface="+mn-lt"/>
+                        </a:rPr>
+                        <a:t>x3</a:t>
+                      </a:r>
+                      <a:endParaRPr lang="en-US" sz="2400" b="0">
+                        <a:ln>
+                          <a:noFill/>
+                        </a:ln>
+                        <a:solidFill>
+                          <a:srgbClr val="1E3272"/>
+                        </a:solidFill>
+                        <a:latin typeface="+mn-lt"/>
+                      </a:endParaRPr>
+                    </a:p>
+                  </a:txBody>
+                  <a:tcPr>
+                    <a:lnL w="28575" cap="flat" cmpd="sng" algn="ctr">
+                      <a:solidFill>
+                        <a:schemeClr val="tx1"/>
+                      </a:solidFill>
+                      <a:prstDash val="solid"/>
+                      <a:round/>
+                      <a:headEnd type="none" w="med" len="med"/>
+                      <a:tailEnd type="none" w="med" len="med"/>
+                    </a:lnL>
+                    <a:lnR w="28575" cap="flat" cmpd="sng" algn="ctr">
+                      <a:solidFill>
+                        <a:schemeClr val="tx1"/>
+                      </a:solidFill>
+                      <a:prstDash val="solid"/>
+                      <a:round/>
+                      <a:headEnd type="none" w="med" len="med"/>
+                      <a:tailEnd type="none" w="med" len="med"/>
+                    </a:lnR>
+                    <a:lnT w="28575" cap="flat" cmpd="sng" algn="ctr">
+                      <a:solidFill>
+                        <a:schemeClr val="tx1"/>
+                      </a:solidFill>
+                      <a:prstDash val="solid"/>
+                      <a:round/>
+                      <a:headEnd type="none" w="med" len="med"/>
+                      <a:tailEnd type="none" w="med" len="med"/>
+                    </a:lnT>
+                    <a:lnB w="28575" cap="flat" cmpd="sng" algn="ctr">
+                      <a:solidFill>
+                        <a:schemeClr val="tx1"/>
+                      </a:solidFill>
+                      <a:prstDash val="solid"/>
+                      <a:round/>
+                      <a:headEnd type="none" w="med" len="med"/>
+                      <a:tailEnd type="none" w="med" len="med"/>
+                    </a:lnB>
+                    <a:solidFill>
+                      <a:schemeClr val="bg1"/>
+                    </a:solidFill>
+                  </a:tcPr>
+                </a:tc>
+                <a:tc>
+                  <a:txBody>
+                    <a:bodyPr/>
+                    <a:lstStyle/>
+                    <a:p>
+                      <a:pPr algn="ctr">
+                        <a:lnSpc>
+                          <a:spcPct val="90000"/>
+                        </a:lnSpc>
+                      </a:pPr>
+                      <a:r>
+                        <a:rPr lang="en-US" sz="2400" b="0" dirty="0" err="1" smtClean="0">
+                          <a:ln>
+                            <a:noFill/>
+                          </a:ln>
+                          <a:solidFill>
+                            <a:srgbClr val="1E3272"/>
+                          </a:solidFill>
+                          <a:latin typeface="+mn-lt"/>
+                        </a:rPr>
+                        <a:t>gp</a:t>
+                      </a:r>
+                      <a:endParaRPr lang="en-US" sz="2400" b="0" dirty="0">
+                        <a:ln>
+                          <a:noFill/>
+                        </a:ln>
+                        <a:solidFill>
+                          <a:srgbClr val="1E3272"/>
+                        </a:solidFill>
+                        <a:latin typeface="+mn-lt"/>
+                      </a:endParaRPr>
+                    </a:p>
+                  </a:txBody>
+                  <a:tcPr>
+                    <a:lnL w="28575" cap="flat" cmpd="sng" algn="ctr">
+                      <a:solidFill>
+                        <a:schemeClr val="tx1"/>
+                      </a:solidFill>
+                      <a:prstDash val="solid"/>
+                      <a:round/>
+                      <a:headEnd type="none" w="med" len="med"/>
+                      <a:tailEnd type="none" w="med" len="med"/>
+                    </a:lnL>
+                    <a:lnR w="28575" cap="flat" cmpd="sng" algn="ctr">
+                      <a:solidFill>
+                        <a:schemeClr val="tx1"/>
+                      </a:solidFill>
+                      <a:prstDash val="solid"/>
+                      <a:round/>
+                      <a:headEnd type="none" w="med" len="med"/>
+                      <a:tailEnd type="none" w="med" len="med"/>
+                    </a:lnR>
+                    <a:lnT w="28575" cap="flat" cmpd="sng" algn="ctr">
+                      <a:solidFill>
+                        <a:schemeClr val="tx1"/>
+                      </a:solidFill>
+                      <a:prstDash val="solid"/>
+                      <a:round/>
+                      <a:headEnd type="none" w="med" len="med"/>
+                      <a:tailEnd type="none" w="med" len="med"/>
+                    </a:lnT>
+                    <a:lnB w="28575" cap="flat" cmpd="sng" algn="ctr">
+                      <a:solidFill>
+                        <a:schemeClr val="tx1"/>
+                      </a:solidFill>
+                      <a:prstDash val="solid"/>
+                      <a:round/>
+                      <a:headEnd type="none" w="med" len="med"/>
+                      <a:tailEnd type="none" w="med" len="med"/>
+                    </a:lnB>
+                    <a:solidFill>
+                      <a:schemeClr val="bg1"/>
+                    </a:solidFill>
+                  </a:tcPr>
+                </a:tc>
+                <a:tc>
+                  <a:txBody>
+                    <a:bodyPr/>
+                    <a:lstStyle/>
+                    <a:p>
+                      <a:pPr algn="ctr">
+                        <a:lnSpc>
+                          <a:spcPct val="90000"/>
+                        </a:lnSpc>
+                      </a:pPr>
+                      <a:r>
+                        <a:rPr lang="en-US" sz="2400" b="0" dirty="0" err="1" smtClean="0">
+                          <a:ln>
+                            <a:noFill/>
+                          </a:ln>
+                          <a:solidFill>
+                            <a:srgbClr val="1E3272"/>
+                          </a:solidFill>
+                          <a:latin typeface="+mn-lt"/>
+                        </a:rPr>
+                        <a:t>gbl</a:t>
+                      </a:r>
+                      <a:r>
+                        <a:rPr lang="en-US" sz="2400" b="0" baseline="0" dirty="0" smtClean="0">
+                          <a:ln>
+                            <a:noFill/>
+                          </a:ln>
+                          <a:solidFill>
+                            <a:srgbClr val="1E3272"/>
+                          </a:solidFill>
+                          <a:latin typeface="+mn-lt"/>
+                        </a:rPr>
+                        <a:t> </a:t>
+                      </a:r>
+                      <a:r>
+                        <a:rPr lang="en-US" sz="2400" b="0" baseline="0" dirty="0" err="1" smtClean="0">
+                          <a:ln>
+                            <a:noFill/>
+                          </a:ln>
+                          <a:solidFill>
+                            <a:srgbClr val="1E3272"/>
+                          </a:solidFill>
+                          <a:latin typeface="+mn-lt"/>
+                        </a:rPr>
+                        <a:t>ptr</a:t>
+                      </a:r>
+                      <a:endParaRPr lang="en-US" sz="2400" b="0" dirty="0">
+                        <a:ln>
+                          <a:noFill/>
+                        </a:ln>
+                        <a:solidFill>
+                          <a:srgbClr val="1E3272"/>
+                        </a:solidFill>
+                        <a:latin typeface="+mn-lt"/>
+                      </a:endParaRPr>
+                    </a:p>
+                  </a:txBody>
+                  <a:tcPr>
+                    <a:lnL w="28575" cap="flat" cmpd="sng" algn="ctr">
+                      <a:solidFill>
+                        <a:schemeClr val="tx1"/>
+                      </a:solidFill>
+                      <a:prstDash val="solid"/>
+                      <a:round/>
+                      <a:headEnd type="none" w="med" len="med"/>
+                      <a:tailEnd type="none" w="med" len="med"/>
+                    </a:lnL>
+                    <a:lnR w="28575" cap="flat" cmpd="sng" algn="ctr">
+                      <a:solidFill>
+                        <a:schemeClr val="tx1"/>
+                      </a:solidFill>
+                      <a:prstDash val="solid"/>
+                      <a:round/>
+                      <a:headEnd type="none" w="med" len="med"/>
+                      <a:tailEnd type="none" w="med" len="med"/>
+                    </a:lnR>
+                    <a:lnT w="28575" cap="flat" cmpd="sng" algn="ctr">
+                      <a:solidFill>
+                        <a:schemeClr val="tx1"/>
+                      </a:solidFill>
+                      <a:prstDash val="solid"/>
+                      <a:round/>
+                      <a:headEnd type="none" w="med" len="med"/>
+                      <a:tailEnd type="none" w="med" len="med"/>
+                    </a:lnT>
+                    <a:lnB w="28575" cap="flat" cmpd="sng" algn="ctr">
+                      <a:solidFill>
+                        <a:schemeClr val="tx1"/>
+                      </a:solidFill>
+                      <a:prstDash val="solid"/>
+                      <a:round/>
+                      <a:headEnd type="none" w="med" len="med"/>
+                      <a:tailEnd type="none" w="med" len="med"/>
+                    </a:lnB>
+                    <a:solidFill>
+                      <a:schemeClr val="bg1"/>
+                    </a:solidFill>
+                  </a:tcPr>
+                </a:tc>
+                <a:tc>
+                  <a:txBody>
+                    <a:bodyPr/>
+                    <a:lstStyle/>
+                    <a:p>
+                      <a:pPr algn="ctr">
+                        <a:lnSpc>
+                          <a:spcPct val="90000"/>
+                        </a:lnSpc>
+                      </a:pPr>
+                      <a:endParaRPr lang="en-US" sz="2400" b="0" dirty="0">
+                        <a:ln>
+                          <a:noFill/>
+                        </a:ln>
+                        <a:solidFill>
+                          <a:srgbClr val="1E3272"/>
+                        </a:solidFill>
+                        <a:latin typeface="+mn-lt"/>
+                      </a:endParaRPr>
+                    </a:p>
+                  </a:txBody>
+                  <a:tcPr>
+                    <a:lnL w="28575" cap="flat" cmpd="sng" algn="ctr">
+                      <a:solidFill>
+                        <a:schemeClr val="tx1"/>
+                      </a:solidFill>
+                      <a:prstDash val="solid"/>
+                      <a:round/>
+                      <a:headEnd type="none" w="med" len="med"/>
+                      <a:tailEnd type="none" w="med" len="med"/>
+                    </a:lnL>
+                    <a:lnR w="28575" cap="flat" cmpd="sng" algn="ctr">
+                      <a:solidFill>
+                        <a:schemeClr val="tx1"/>
+                      </a:solidFill>
+                      <a:prstDash val="solid"/>
+                      <a:round/>
+                      <a:headEnd type="none" w="med" len="med"/>
+                      <a:tailEnd type="none" w="med" len="med"/>
+                    </a:lnR>
+                    <a:lnT w="28575" cap="flat" cmpd="sng" algn="ctr">
+                      <a:solidFill>
+                        <a:schemeClr val="tx1"/>
+                      </a:solidFill>
+                      <a:prstDash val="solid"/>
+                      <a:round/>
+                      <a:headEnd type="none" w="med" len="med"/>
+                      <a:tailEnd type="none" w="med" len="med"/>
+                    </a:lnT>
+                    <a:lnB w="28575" cap="flat" cmpd="sng" algn="ctr">
+                      <a:solidFill>
+                        <a:schemeClr val="tx1"/>
+                      </a:solidFill>
+                      <a:prstDash val="solid"/>
+                      <a:round/>
+                      <a:headEnd type="none" w="med" len="med"/>
+                      <a:tailEnd type="none" w="med" len="med"/>
+                    </a:lnB>
+                    <a:solidFill>
+                      <a:schemeClr val="bg1"/>
+                    </a:solidFill>
+                  </a:tcPr>
+                </a:tc>
+              </a:tr>
+              <a:tr h="216536">
+                <a:tc>
+                  <a:txBody>
+                    <a:bodyPr/>
+                    <a:lstStyle/>
+                    <a:p>
+                      <a:pPr algn="ctr">
+                        <a:lnSpc>
+                          <a:spcPct val="90000"/>
+                        </a:lnSpc>
+                      </a:pPr>
+                      <a:r>
+                        <a:rPr lang="en-US" sz="2400" b="0" smtClean="0">
+                          <a:ln>
+                            <a:noFill/>
+                          </a:ln>
+                          <a:solidFill>
+                            <a:srgbClr val="1E3272"/>
+                          </a:solidFill>
+                          <a:latin typeface="+mn-lt"/>
+                        </a:rPr>
+                        <a:t>x4</a:t>
+                      </a:r>
+                      <a:endParaRPr lang="en-US" sz="2400" b="0">
+                        <a:ln>
+                          <a:noFill/>
+                        </a:ln>
+                        <a:solidFill>
+                          <a:srgbClr val="1E3272"/>
+                        </a:solidFill>
+                        <a:latin typeface="+mn-lt"/>
+                      </a:endParaRPr>
+                    </a:p>
+                  </a:txBody>
+                  <a:tcPr>
+                    <a:lnL w="28575" cap="flat" cmpd="sng" algn="ctr">
+                      <a:solidFill>
+                        <a:schemeClr val="tx1"/>
+                      </a:solidFill>
+                      <a:prstDash val="solid"/>
+                      <a:round/>
+                      <a:headEnd type="none" w="med" len="med"/>
+                      <a:tailEnd type="none" w="med" len="med"/>
+                    </a:lnL>
+                    <a:lnR w="28575" cap="flat" cmpd="sng" algn="ctr">
+                      <a:solidFill>
+                        <a:schemeClr val="tx1"/>
+                      </a:solidFill>
+                      <a:prstDash val="solid"/>
+                      <a:round/>
+                      <a:headEnd type="none" w="med" len="med"/>
+                      <a:tailEnd type="none" w="med" len="med"/>
+                    </a:lnR>
+                    <a:lnT w="28575" cap="flat" cmpd="sng" algn="ctr">
+                      <a:solidFill>
+                        <a:schemeClr val="tx1"/>
+                      </a:solidFill>
+                      <a:prstDash val="solid"/>
+                      <a:round/>
+                      <a:headEnd type="none" w="med" len="med"/>
+                      <a:tailEnd type="none" w="med" len="med"/>
+                    </a:lnT>
+                    <a:lnB w="28575" cap="flat" cmpd="sng" algn="ctr">
+                      <a:solidFill>
+                        <a:schemeClr val="tx1"/>
+                      </a:solidFill>
+                      <a:prstDash val="solid"/>
+                      <a:round/>
+                      <a:headEnd type="none" w="med" len="med"/>
+                      <a:tailEnd type="none" w="med" len="med"/>
+                    </a:lnB>
+                    <a:solidFill>
+                      <a:schemeClr val="bg1"/>
+                    </a:solidFill>
+                  </a:tcPr>
+                </a:tc>
+                <a:tc>
+                  <a:txBody>
+                    <a:bodyPr/>
+                    <a:lstStyle/>
+                    <a:p>
+                      <a:pPr algn="ctr">
+                        <a:lnSpc>
+                          <a:spcPct val="90000"/>
+                        </a:lnSpc>
+                      </a:pPr>
+                      <a:r>
+                        <a:rPr lang="en-US" sz="2400" b="0" dirty="0" err="1" smtClean="0">
+                          <a:ln>
+                            <a:noFill/>
+                          </a:ln>
+                          <a:solidFill>
+                            <a:srgbClr val="1E3272"/>
+                          </a:solidFill>
+                          <a:latin typeface="+mn-lt"/>
+                        </a:rPr>
+                        <a:t>tp</a:t>
+                      </a:r>
+                      <a:endParaRPr lang="en-US" sz="2400" b="0" dirty="0">
+                        <a:ln>
+                          <a:noFill/>
+                        </a:ln>
+                        <a:solidFill>
+                          <a:srgbClr val="1E3272"/>
+                        </a:solidFill>
+                        <a:latin typeface="+mn-lt"/>
+                      </a:endParaRPr>
+                    </a:p>
+                  </a:txBody>
+                  <a:tcPr>
+                    <a:lnL w="28575" cap="flat" cmpd="sng" algn="ctr">
+                      <a:solidFill>
+                        <a:schemeClr val="tx1"/>
+                      </a:solidFill>
+                      <a:prstDash val="solid"/>
+                      <a:round/>
+                      <a:headEnd type="none" w="med" len="med"/>
+                      <a:tailEnd type="none" w="med" len="med"/>
+                    </a:lnL>
+                    <a:lnR w="28575" cap="flat" cmpd="sng" algn="ctr">
+                      <a:solidFill>
+                        <a:schemeClr val="tx1"/>
+                      </a:solidFill>
+                      <a:prstDash val="solid"/>
+                      <a:round/>
+                      <a:headEnd type="none" w="med" len="med"/>
+                      <a:tailEnd type="none" w="med" len="med"/>
+                    </a:lnR>
+                    <a:lnT w="28575" cap="flat" cmpd="sng" algn="ctr">
+                      <a:solidFill>
+                        <a:schemeClr val="tx1"/>
+                      </a:solidFill>
+                      <a:prstDash val="solid"/>
+                      <a:round/>
+                      <a:headEnd type="none" w="med" len="med"/>
+                      <a:tailEnd type="none" w="med" len="med"/>
+                    </a:lnT>
+                    <a:lnB w="28575" cap="flat" cmpd="sng" algn="ctr">
+                      <a:solidFill>
+                        <a:schemeClr val="tx1"/>
+                      </a:solidFill>
+                      <a:prstDash val="solid"/>
+                      <a:round/>
+                      <a:headEnd type="none" w="med" len="med"/>
+                      <a:tailEnd type="none" w="med" len="med"/>
+                    </a:lnB>
+                    <a:solidFill>
+                      <a:schemeClr val="bg1"/>
+                    </a:solidFill>
+                  </a:tcPr>
+                </a:tc>
+                <a:tc>
+                  <a:txBody>
+                    <a:bodyPr/>
+                    <a:lstStyle/>
+                    <a:p>
+                      <a:pPr algn="ctr">
+                        <a:lnSpc>
+                          <a:spcPct val="90000"/>
+                        </a:lnSpc>
+                      </a:pPr>
+                      <a:r>
+                        <a:rPr lang="en-US" sz="2400" b="0" dirty="0" smtClean="0">
+                          <a:ln>
+                            <a:noFill/>
+                          </a:ln>
+                          <a:solidFill>
+                            <a:srgbClr val="1E3272"/>
+                          </a:solidFill>
+                          <a:latin typeface="+mn-lt"/>
+                        </a:rPr>
+                        <a:t>thread</a:t>
+                      </a:r>
+                      <a:r>
+                        <a:rPr lang="en-US" sz="2400" b="0" baseline="0" dirty="0" smtClean="0">
+                          <a:ln>
+                            <a:noFill/>
+                          </a:ln>
+                          <a:solidFill>
+                            <a:srgbClr val="1E3272"/>
+                          </a:solidFill>
+                          <a:latin typeface="+mn-lt"/>
+                        </a:rPr>
+                        <a:t> </a:t>
+                      </a:r>
+                      <a:r>
+                        <a:rPr lang="en-US" sz="2400" b="0" baseline="0" dirty="0" err="1" smtClean="0">
+                          <a:ln>
+                            <a:noFill/>
+                          </a:ln>
+                          <a:solidFill>
+                            <a:srgbClr val="1E3272"/>
+                          </a:solidFill>
+                          <a:latin typeface="+mn-lt"/>
+                        </a:rPr>
+                        <a:t>ptr</a:t>
+                      </a:r>
+                      <a:endParaRPr lang="en-US" sz="2400" b="0" dirty="0">
+                        <a:ln>
+                          <a:noFill/>
+                        </a:ln>
+                        <a:solidFill>
+                          <a:srgbClr val="1E3272"/>
+                        </a:solidFill>
+                        <a:latin typeface="+mn-lt"/>
+                      </a:endParaRPr>
+                    </a:p>
+                  </a:txBody>
+                  <a:tcPr>
+                    <a:lnL w="28575" cap="flat" cmpd="sng" algn="ctr">
+                      <a:solidFill>
+                        <a:schemeClr val="tx1"/>
+                      </a:solidFill>
+                      <a:prstDash val="solid"/>
+                      <a:round/>
+                      <a:headEnd type="none" w="med" len="med"/>
+                      <a:tailEnd type="none" w="med" len="med"/>
+                    </a:lnL>
+                    <a:lnR w="28575" cap="flat" cmpd="sng" algn="ctr">
+                      <a:solidFill>
+                        <a:schemeClr val="tx1"/>
+                      </a:solidFill>
+                      <a:prstDash val="solid"/>
+                      <a:round/>
+                      <a:headEnd type="none" w="med" len="med"/>
+                      <a:tailEnd type="none" w="med" len="med"/>
+                    </a:lnR>
+                    <a:lnT w="28575" cap="flat" cmpd="sng" algn="ctr">
+                      <a:solidFill>
+                        <a:schemeClr val="tx1"/>
+                      </a:solidFill>
+                      <a:prstDash val="solid"/>
+                      <a:round/>
+                      <a:headEnd type="none" w="med" len="med"/>
+                      <a:tailEnd type="none" w="med" len="med"/>
+                    </a:lnT>
+                    <a:lnB w="28575" cap="flat" cmpd="sng" algn="ctr">
+                      <a:solidFill>
+                        <a:schemeClr val="tx1"/>
+                      </a:solidFill>
+                      <a:prstDash val="solid"/>
+                      <a:round/>
+                      <a:headEnd type="none" w="med" len="med"/>
+                      <a:tailEnd type="none" w="med" len="med"/>
+                    </a:lnB>
+                    <a:solidFill>
+                      <a:schemeClr val="bg1"/>
+                    </a:solidFill>
+                  </a:tcPr>
+                </a:tc>
+                <a:tc>
+                  <a:txBody>
+                    <a:bodyPr/>
+                    <a:lstStyle/>
+                    <a:p>
+                      <a:pPr algn="ctr">
+                        <a:lnSpc>
+                          <a:spcPct val="90000"/>
+                        </a:lnSpc>
+                      </a:pPr>
+                      <a:endParaRPr lang="en-US" sz="2400" b="0" dirty="0">
+                        <a:ln>
+                          <a:noFill/>
+                        </a:ln>
+                        <a:solidFill>
+                          <a:srgbClr val="1E3272"/>
+                        </a:solidFill>
+                        <a:latin typeface="+mn-lt"/>
+                      </a:endParaRPr>
+                    </a:p>
+                  </a:txBody>
+                  <a:tcPr>
+                    <a:lnL w="28575" cap="flat" cmpd="sng" algn="ctr">
+                      <a:solidFill>
+                        <a:schemeClr val="tx1"/>
+                      </a:solidFill>
+                      <a:prstDash val="solid"/>
+                      <a:round/>
+                      <a:headEnd type="none" w="med" len="med"/>
+                      <a:tailEnd type="none" w="med" len="med"/>
+                    </a:lnL>
+                    <a:lnR w="28575" cap="flat" cmpd="sng" algn="ctr">
+                      <a:solidFill>
+                        <a:schemeClr val="tx1"/>
+                      </a:solidFill>
+                      <a:prstDash val="solid"/>
+                      <a:round/>
+                      <a:headEnd type="none" w="med" len="med"/>
+                      <a:tailEnd type="none" w="med" len="med"/>
+                    </a:lnR>
+                    <a:lnT w="28575" cap="flat" cmpd="sng" algn="ctr">
+                      <a:solidFill>
+                        <a:schemeClr val="tx1"/>
+                      </a:solidFill>
+                      <a:prstDash val="solid"/>
+                      <a:round/>
+                      <a:headEnd type="none" w="med" len="med"/>
+                      <a:tailEnd type="none" w="med" len="med"/>
+                    </a:lnT>
+                    <a:lnB w="28575" cap="flat" cmpd="sng" algn="ctr">
+                      <a:solidFill>
+                        <a:schemeClr val="tx1"/>
+                      </a:solidFill>
+                      <a:prstDash val="solid"/>
+                      <a:round/>
+                      <a:headEnd type="none" w="med" len="med"/>
+                      <a:tailEnd type="none" w="med" len="med"/>
+                    </a:lnB>
+                    <a:solidFill>
+                      <a:schemeClr val="bg1"/>
+                    </a:solidFill>
+                  </a:tcPr>
+                </a:tc>
+              </a:tr>
+              <a:tr h="408879">
+                <a:tc>
+                  <a:txBody>
+                    <a:bodyPr/>
+                    <a:lstStyle/>
+                    <a:p>
+                      <a:pPr algn="ctr">
+                        <a:lnSpc>
+                          <a:spcPct val="90000"/>
+                        </a:lnSpc>
+                      </a:pPr>
+                      <a:r>
+                        <a:rPr lang="en-US" sz="2400" b="0" smtClean="0">
+                          <a:ln>
+                            <a:noFill/>
+                          </a:ln>
+                          <a:solidFill>
+                            <a:srgbClr val="1E3272"/>
+                          </a:solidFill>
+                          <a:latin typeface="+mn-lt"/>
+                        </a:rPr>
+                        <a:t>x5-x7</a:t>
+                      </a:r>
+                      <a:endParaRPr lang="en-US" sz="2400" b="0">
+                        <a:ln>
+                          <a:noFill/>
+                        </a:ln>
+                        <a:solidFill>
+                          <a:srgbClr val="1E3272"/>
+                        </a:solidFill>
+                        <a:latin typeface="+mn-lt"/>
+                      </a:endParaRPr>
+                    </a:p>
+                  </a:txBody>
+                  <a:tcPr>
+                    <a:lnL w="28575" cap="flat" cmpd="sng" algn="ctr">
+                      <a:solidFill>
+                        <a:schemeClr val="tx1"/>
+                      </a:solidFill>
+                      <a:prstDash val="solid"/>
+                      <a:round/>
+                      <a:headEnd type="none" w="med" len="med"/>
+                      <a:tailEnd type="none" w="med" len="med"/>
+                    </a:lnL>
+                    <a:lnR w="28575" cap="flat" cmpd="sng" algn="ctr">
+                      <a:solidFill>
+                        <a:schemeClr val="tx1"/>
+                      </a:solidFill>
+                      <a:prstDash val="solid"/>
+                      <a:round/>
+                      <a:headEnd type="none" w="med" len="med"/>
+                      <a:tailEnd type="none" w="med" len="med"/>
+                    </a:lnR>
+                    <a:lnT w="28575" cap="flat" cmpd="sng" algn="ctr">
+                      <a:solidFill>
+                        <a:schemeClr val="tx1"/>
+                      </a:solidFill>
+                      <a:prstDash val="solid"/>
+                      <a:round/>
+                      <a:headEnd type="none" w="med" len="med"/>
+                      <a:tailEnd type="none" w="med" len="med"/>
+                    </a:lnT>
+                    <a:lnB w="28575" cap="flat" cmpd="sng" algn="ctr">
+                      <a:solidFill>
+                        <a:schemeClr val="tx1"/>
+                      </a:solidFill>
+                      <a:prstDash val="solid"/>
+                      <a:round/>
+                      <a:headEnd type="none" w="med" len="med"/>
+                      <a:tailEnd type="none" w="med" len="med"/>
+                    </a:lnB>
+                    <a:solidFill>
+                      <a:schemeClr val="bg1"/>
+                    </a:solidFill>
+                  </a:tcPr>
+                </a:tc>
+                <a:tc>
+                  <a:txBody>
+                    <a:bodyPr/>
+                    <a:lstStyle/>
+                    <a:p>
+                      <a:pPr algn="ctr">
+                        <a:lnSpc>
+                          <a:spcPct val="90000"/>
+                        </a:lnSpc>
+                      </a:pPr>
+                      <a:r>
+                        <a:rPr lang="en-US" sz="2400" b="0" dirty="0" smtClean="0">
+                          <a:ln>
+                            <a:noFill/>
+                          </a:ln>
+                          <a:solidFill>
+                            <a:srgbClr val="1E3272"/>
+                          </a:solidFill>
+                          <a:latin typeface="+mn-lt"/>
+                        </a:rPr>
+                        <a:t>t0-t2</a:t>
+                      </a:r>
+                      <a:endParaRPr lang="en-US" sz="2400" b="0" dirty="0">
+                        <a:ln>
+                          <a:noFill/>
+                        </a:ln>
+                        <a:solidFill>
+                          <a:srgbClr val="1E3272"/>
+                        </a:solidFill>
+                        <a:latin typeface="+mn-lt"/>
+                      </a:endParaRPr>
+                    </a:p>
+                  </a:txBody>
+                  <a:tcPr>
+                    <a:lnL w="28575" cap="flat" cmpd="sng" algn="ctr">
+                      <a:solidFill>
+                        <a:schemeClr val="tx1"/>
+                      </a:solidFill>
+                      <a:prstDash val="solid"/>
+                      <a:round/>
+                      <a:headEnd type="none" w="med" len="med"/>
+                      <a:tailEnd type="none" w="med" len="med"/>
+                    </a:lnL>
+                    <a:lnR w="28575" cap="flat" cmpd="sng" algn="ctr">
+                      <a:solidFill>
+                        <a:schemeClr val="tx1"/>
+                      </a:solidFill>
+                      <a:prstDash val="solid"/>
+                      <a:round/>
+                      <a:headEnd type="none" w="med" len="med"/>
+                      <a:tailEnd type="none" w="med" len="med"/>
+                    </a:lnR>
+                    <a:lnT w="28575" cap="flat" cmpd="sng" algn="ctr">
+                      <a:solidFill>
+                        <a:schemeClr val="tx1"/>
+                      </a:solidFill>
+                      <a:prstDash val="solid"/>
+                      <a:round/>
+                      <a:headEnd type="none" w="med" len="med"/>
+                      <a:tailEnd type="none" w="med" len="med"/>
+                    </a:lnT>
+                    <a:lnB w="28575" cap="flat" cmpd="sng" algn="ctr">
+                      <a:solidFill>
+                        <a:schemeClr val="tx1"/>
+                      </a:solidFill>
+                      <a:prstDash val="solid"/>
+                      <a:round/>
+                      <a:headEnd type="none" w="med" len="med"/>
+                      <a:tailEnd type="none" w="med" len="med"/>
+                    </a:lnB>
+                    <a:solidFill>
+                      <a:schemeClr val="bg1"/>
+                    </a:solidFill>
+                  </a:tcPr>
+                </a:tc>
+                <a:tc>
+                  <a:txBody>
+                    <a:bodyPr/>
+                    <a:lstStyle/>
+                    <a:p>
+                      <a:pPr algn="ctr">
+                        <a:lnSpc>
+                          <a:spcPct val="90000"/>
+                        </a:lnSpc>
+                      </a:pPr>
+                      <a:r>
+                        <a:rPr lang="en-US" sz="2400" b="0" dirty="0" smtClean="0">
+                          <a:ln>
+                            <a:noFill/>
+                          </a:ln>
+                          <a:solidFill>
+                            <a:srgbClr val="1E3272"/>
+                          </a:solidFill>
+                          <a:latin typeface="+mn-lt"/>
+                        </a:rPr>
+                        <a:t>temporaries</a:t>
+                      </a:r>
+                      <a:endParaRPr lang="en-US" sz="2400" b="0" dirty="0">
+                        <a:ln>
+                          <a:noFill/>
+                        </a:ln>
+                        <a:solidFill>
+                          <a:srgbClr val="1E3272"/>
+                        </a:solidFill>
+                        <a:latin typeface="+mn-lt"/>
+                      </a:endParaRPr>
+                    </a:p>
+                  </a:txBody>
+                  <a:tcPr>
+                    <a:lnL w="28575" cap="flat" cmpd="sng" algn="ctr">
+                      <a:solidFill>
+                        <a:schemeClr val="tx1"/>
+                      </a:solidFill>
+                      <a:prstDash val="solid"/>
+                      <a:round/>
+                      <a:headEnd type="none" w="med" len="med"/>
+                      <a:tailEnd type="none" w="med" len="med"/>
+                    </a:lnL>
+                    <a:lnR w="28575" cap="flat" cmpd="sng" algn="ctr">
+                      <a:solidFill>
+                        <a:schemeClr val="tx1"/>
+                      </a:solidFill>
+                      <a:prstDash val="solid"/>
+                      <a:round/>
+                      <a:headEnd type="none" w="med" len="med"/>
+                      <a:tailEnd type="none" w="med" len="med"/>
+                    </a:lnR>
+                    <a:lnT w="28575" cap="flat" cmpd="sng" algn="ctr">
+                      <a:solidFill>
+                        <a:schemeClr val="tx1"/>
+                      </a:solidFill>
+                      <a:prstDash val="solid"/>
+                      <a:round/>
+                      <a:headEnd type="none" w="med" len="med"/>
+                      <a:tailEnd type="none" w="med" len="med"/>
+                    </a:lnT>
+                    <a:lnB w="28575" cap="flat" cmpd="sng" algn="ctr">
+                      <a:solidFill>
+                        <a:schemeClr val="tx1"/>
+                      </a:solidFill>
+                      <a:prstDash val="solid"/>
+                      <a:round/>
+                      <a:headEnd type="none" w="med" len="med"/>
+                      <a:tailEnd type="none" w="med" len="med"/>
+                    </a:lnB>
+                    <a:solidFill>
+                      <a:schemeClr val="bg1"/>
+                    </a:solidFill>
+                  </a:tcPr>
+                </a:tc>
+                <a:tc>
+                  <a:txBody>
+                    <a:bodyPr/>
+                    <a:lstStyle/>
+                    <a:p>
+                      <a:pPr algn="ctr">
+                        <a:lnSpc>
+                          <a:spcPct val="90000"/>
+                        </a:lnSpc>
+                      </a:pPr>
+                      <a:r>
+                        <a:rPr lang="en-US" sz="2400" b="0" dirty="0" smtClean="0">
+                          <a:ln>
+                            <a:noFill/>
+                          </a:ln>
+                          <a:solidFill>
+                            <a:srgbClr val="1E3272"/>
+                          </a:solidFill>
+                          <a:latin typeface="+mn-lt"/>
+                        </a:rPr>
+                        <a:t>caller</a:t>
+                      </a:r>
+                      <a:endParaRPr lang="en-US" sz="2400" b="0" dirty="0">
+                        <a:ln>
+                          <a:noFill/>
+                        </a:ln>
+                        <a:solidFill>
+                          <a:srgbClr val="1E3272"/>
+                        </a:solidFill>
+                        <a:latin typeface="+mn-lt"/>
+                      </a:endParaRPr>
+                    </a:p>
+                  </a:txBody>
+                  <a:tcPr>
+                    <a:lnL w="28575" cap="flat" cmpd="sng" algn="ctr">
+                      <a:solidFill>
+                        <a:schemeClr val="tx1"/>
+                      </a:solidFill>
+                      <a:prstDash val="solid"/>
+                      <a:round/>
+                      <a:headEnd type="none" w="med" len="med"/>
+                      <a:tailEnd type="none" w="med" len="med"/>
+                    </a:lnL>
+                    <a:lnR w="28575" cap="flat" cmpd="sng" algn="ctr">
+                      <a:solidFill>
+                        <a:schemeClr val="tx1"/>
+                      </a:solidFill>
+                      <a:prstDash val="solid"/>
+                      <a:round/>
+                      <a:headEnd type="none" w="med" len="med"/>
+                      <a:tailEnd type="none" w="med" len="med"/>
+                    </a:lnR>
+                    <a:lnT w="28575" cap="flat" cmpd="sng" algn="ctr">
+                      <a:solidFill>
+                        <a:schemeClr val="tx1"/>
+                      </a:solidFill>
+                      <a:prstDash val="solid"/>
+                      <a:round/>
+                      <a:headEnd type="none" w="med" len="med"/>
+                      <a:tailEnd type="none" w="med" len="med"/>
+                    </a:lnT>
+                    <a:lnB w="28575" cap="flat" cmpd="sng" algn="ctr">
+                      <a:solidFill>
+                        <a:schemeClr val="tx1"/>
+                      </a:solidFill>
+                      <a:prstDash val="solid"/>
+                      <a:round/>
+                      <a:headEnd type="none" w="med" len="med"/>
+                      <a:tailEnd type="none" w="med" len="med"/>
+                    </a:lnB>
+                    <a:solidFill>
+                      <a:schemeClr val="bg1"/>
+                    </a:solidFill>
+                  </a:tcPr>
+                </a:tc>
+              </a:tr>
+              <a:tr h="469586">
+                <a:tc>
+                  <a:txBody>
+                    <a:bodyPr/>
+                    <a:lstStyle/>
+                    <a:p>
+                      <a:pPr algn="ctr">
+                        <a:lnSpc>
+                          <a:spcPct val="90000"/>
+                        </a:lnSpc>
+                      </a:pPr>
+                      <a:r>
+                        <a:rPr lang="en-US" sz="2400" b="0" dirty="0" smtClean="0">
+                          <a:ln>
+                            <a:noFill/>
+                          </a:ln>
+                          <a:solidFill>
+                            <a:srgbClr val="1E3272"/>
+                          </a:solidFill>
+                          <a:latin typeface="+mn-lt"/>
+                        </a:rPr>
+                        <a:t>x8</a:t>
+                      </a:r>
+                      <a:endParaRPr lang="en-US" sz="2400" b="0" dirty="0">
+                        <a:ln>
+                          <a:noFill/>
+                        </a:ln>
+                        <a:solidFill>
+                          <a:srgbClr val="1E3272"/>
+                        </a:solidFill>
+                        <a:latin typeface="+mn-lt"/>
+                      </a:endParaRPr>
+                    </a:p>
+                  </a:txBody>
+                  <a:tcPr>
+                    <a:lnL w="28575" cap="flat" cmpd="sng" algn="ctr">
+                      <a:solidFill>
+                        <a:schemeClr val="tx1"/>
+                      </a:solidFill>
+                      <a:prstDash val="solid"/>
+                      <a:round/>
+                      <a:headEnd type="none" w="med" len="med"/>
+                      <a:tailEnd type="none" w="med" len="med"/>
+                    </a:lnL>
+                    <a:lnR w="28575" cap="flat" cmpd="sng" algn="ctr">
+                      <a:solidFill>
+                        <a:schemeClr val="tx1"/>
+                      </a:solidFill>
+                      <a:prstDash val="solid"/>
+                      <a:round/>
+                      <a:headEnd type="none" w="med" len="med"/>
+                      <a:tailEnd type="none" w="med" len="med"/>
+                    </a:lnR>
+                    <a:lnT w="28575" cap="flat" cmpd="sng" algn="ctr">
+                      <a:solidFill>
+                        <a:schemeClr val="tx1"/>
+                      </a:solidFill>
+                      <a:prstDash val="solid"/>
+                      <a:round/>
+                      <a:headEnd type="none" w="med" len="med"/>
+                      <a:tailEnd type="none" w="med" len="med"/>
+                    </a:lnT>
+                    <a:lnB w="28575" cap="flat" cmpd="sng" algn="ctr">
+                      <a:solidFill>
+                        <a:schemeClr val="tx1"/>
+                      </a:solidFill>
+                      <a:prstDash val="solid"/>
+                      <a:round/>
+                      <a:headEnd type="none" w="med" len="med"/>
+                      <a:tailEnd type="none" w="med" len="med"/>
+                    </a:lnB>
+                    <a:solidFill>
+                      <a:schemeClr val="bg1"/>
+                    </a:solidFill>
+                  </a:tcPr>
+                </a:tc>
+                <a:tc>
+                  <a:txBody>
+                    <a:bodyPr/>
+                    <a:lstStyle/>
+                    <a:p>
+                      <a:pPr algn="ctr">
+                        <a:lnSpc>
+                          <a:spcPct val="90000"/>
+                        </a:lnSpc>
+                      </a:pPr>
+                      <a:r>
+                        <a:rPr lang="en-US" sz="2400" b="0" dirty="0" smtClean="0">
+                          <a:ln>
+                            <a:noFill/>
+                          </a:ln>
+                          <a:solidFill>
+                            <a:srgbClr val="1E3272"/>
+                          </a:solidFill>
+                          <a:latin typeface="+mn-lt"/>
+                        </a:rPr>
+                        <a:t>s0/</a:t>
+                      </a:r>
+                      <a:r>
+                        <a:rPr lang="en-US" sz="2400" b="0" dirty="0" err="1" smtClean="0">
+                          <a:ln>
+                            <a:noFill/>
+                          </a:ln>
+                          <a:solidFill>
+                            <a:srgbClr val="1E3272"/>
+                          </a:solidFill>
+                          <a:latin typeface="+mn-lt"/>
+                        </a:rPr>
+                        <a:t>fp</a:t>
+                      </a:r>
+                      <a:endParaRPr lang="en-US" sz="2400" b="0" dirty="0">
+                        <a:ln>
+                          <a:noFill/>
+                        </a:ln>
+                        <a:solidFill>
+                          <a:srgbClr val="1E3272"/>
+                        </a:solidFill>
+                        <a:latin typeface="+mn-lt"/>
+                      </a:endParaRPr>
+                    </a:p>
+                  </a:txBody>
+                  <a:tcPr>
+                    <a:lnL w="28575" cap="flat" cmpd="sng" algn="ctr">
+                      <a:solidFill>
+                        <a:schemeClr val="tx1"/>
+                      </a:solidFill>
+                      <a:prstDash val="solid"/>
+                      <a:round/>
+                      <a:headEnd type="none" w="med" len="med"/>
+                      <a:tailEnd type="none" w="med" len="med"/>
+                    </a:lnL>
+                    <a:lnR w="28575" cap="flat" cmpd="sng" algn="ctr">
+                      <a:solidFill>
+                        <a:schemeClr val="tx1"/>
+                      </a:solidFill>
+                      <a:prstDash val="solid"/>
+                      <a:round/>
+                      <a:headEnd type="none" w="med" len="med"/>
+                      <a:tailEnd type="none" w="med" len="med"/>
+                    </a:lnR>
+                    <a:lnT w="28575" cap="flat" cmpd="sng" algn="ctr">
+                      <a:solidFill>
+                        <a:schemeClr val="tx1"/>
+                      </a:solidFill>
+                      <a:prstDash val="solid"/>
+                      <a:round/>
+                      <a:headEnd type="none" w="med" len="med"/>
+                      <a:tailEnd type="none" w="med" len="med"/>
+                    </a:lnT>
+                    <a:lnB w="28575" cap="flat" cmpd="sng" algn="ctr">
+                      <a:solidFill>
+                        <a:schemeClr val="tx1"/>
+                      </a:solidFill>
+                      <a:prstDash val="solid"/>
+                      <a:round/>
+                      <a:headEnd type="none" w="med" len="med"/>
+                      <a:tailEnd type="none" w="med" len="med"/>
+                    </a:lnB>
+                    <a:solidFill>
+                      <a:schemeClr val="bg1"/>
+                    </a:solidFill>
+                  </a:tcPr>
+                </a:tc>
+                <a:tc>
+                  <a:txBody>
+                    <a:bodyPr/>
+                    <a:lstStyle/>
+                    <a:p>
+                      <a:pPr algn="ctr">
+                        <a:lnSpc>
+                          <a:spcPct val="90000"/>
+                        </a:lnSpc>
+                      </a:pPr>
+                      <a:r>
+                        <a:rPr lang="en-US" sz="2400" b="0" dirty="0" smtClean="0">
+                          <a:ln>
+                            <a:noFill/>
+                          </a:ln>
+                          <a:solidFill>
+                            <a:srgbClr val="1E3272"/>
+                          </a:solidFill>
+                          <a:latin typeface="+mn-lt"/>
+                        </a:rPr>
+                        <a:t>saved/ frame</a:t>
+                      </a:r>
+                      <a:r>
+                        <a:rPr lang="en-US" sz="2400" b="0" baseline="0" dirty="0" smtClean="0">
+                          <a:ln>
+                            <a:noFill/>
+                          </a:ln>
+                          <a:solidFill>
+                            <a:srgbClr val="1E3272"/>
+                          </a:solidFill>
+                          <a:latin typeface="+mn-lt"/>
+                        </a:rPr>
+                        <a:t> </a:t>
+                      </a:r>
+                      <a:r>
+                        <a:rPr lang="en-US" sz="2400" b="0" baseline="0" dirty="0" err="1" smtClean="0">
+                          <a:ln>
+                            <a:noFill/>
+                          </a:ln>
+                          <a:solidFill>
+                            <a:srgbClr val="1E3272"/>
+                          </a:solidFill>
+                          <a:latin typeface="+mn-lt"/>
+                        </a:rPr>
+                        <a:t>ptr</a:t>
+                      </a:r>
+                      <a:endParaRPr lang="en-US" sz="2400" b="0" dirty="0">
+                        <a:ln>
+                          <a:noFill/>
+                        </a:ln>
+                        <a:solidFill>
+                          <a:srgbClr val="1E3272"/>
+                        </a:solidFill>
+                        <a:latin typeface="+mn-lt"/>
+                      </a:endParaRPr>
+                    </a:p>
+                  </a:txBody>
+                  <a:tcPr>
+                    <a:lnL w="28575" cap="flat" cmpd="sng" algn="ctr">
+                      <a:solidFill>
+                        <a:schemeClr val="tx1"/>
+                      </a:solidFill>
+                      <a:prstDash val="solid"/>
+                      <a:round/>
+                      <a:headEnd type="none" w="med" len="med"/>
+                      <a:tailEnd type="none" w="med" len="med"/>
+                    </a:lnL>
+                    <a:lnR w="28575" cap="flat" cmpd="sng" algn="ctr">
+                      <a:solidFill>
+                        <a:schemeClr val="tx1"/>
+                      </a:solidFill>
+                      <a:prstDash val="solid"/>
+                      <a:round/>
+                      <a:headEnd type="none" w="med" len="med"/>
+                      <a:tailEnd type="none" w="med" len="med"/>
+                    </a:lnR>
+                    <a:lnT w="28575" cap="flat" cmpd="sng" algn="ctr">
+                      <a:solidFill>
+                        <a:schemeClr val="tx1"/>
+                      </a:solidFill>
+                      <a:prstDash val="solid"/>
+                      <a:round/>
+                      <a:headEnd type="none" w="med" len="med"/>
+                      <a:tailEnd type="none" w="med" len="med"/>
+                    </a:lnT>
+                    <a:lnB w="28575" cap="flat" cmpd="sng" algn="ctr">
+                      <a:solidFill>
+                        <a:schemeClr val="tx1"/>
+                      </a:solidFill>
+                      <a:prstDash val="solid"/>
+                      <a:round/>
+                      <a:headEnd type="none" w="med" len="med"/>
+                      <a:tailEnd type="none" w="med" len="med"/>
+                    </a:lnB>
+                    <a:solidFill>
+                      <a:schemeClr val="bg1"/>
+                    </a:solidFill>
+                  </a:tcPr>
+                </a:tc>
+                <a:tc>
+                  <a:txBody>
+                    <a:bodyPr/>
+                    <a:lstStyle/>
+                    <a:p>
+                      <a:pPr algn="ctr">
+                        <a:lnSpc>
+                          <a:spcPct val="90000"/>
+                        </a:lnSpc>
+                      </a:pPr>
+                      <a:r>
+                        <a:rPr lang="en-US" sz="2400" b="0" dirty="0" err="1" smtClean="0">
+                          <a:ln>
+                            <a:noFill/>
+                          </a:ln>
+                          <a:solidFill>
+                            <a:srgbClr val="1E3272"/>
+                          </a:solidFill>
+                          <a:latin typeface="+mn-lt"/>
+                        </a:rPr>
+                        <a:t>callee</a:t>
+                      </a:r>
+                      <a:endParaRPr lang="en-US" sz="2400" b="0" dirty="0">
+                        <a:ln>
+                          <a:noFill/>
+                        </a:ln>
+                        <a:solidFill>
+                          <a:srgbClr val="1E3272"/>
+                        </a:solidFill>
+                        <a:latin typeface="+mn-lt"/>
+                      </a:endParaRPr>
+                    </a:p>
+                  </a:txBody>
+                  <a:tcPr>
+                    <a:lnL w="28575" cap="flat" cmpd="sng" algn="ctr">
+                      <a:solidFill>
+                        <a:schemeClr val="tx1"/>
+                      </a:solidFill>
+                      <a:prstDash val="solid"/>
+                      <a:round/>
+                      <a:headEnd type="none" w="med" len="med"/>
+                      <a:tailEnd type="none" w="med" len="med"/>
+                    </a:lnL>
+                    <a:lnR w="28575" cap="flat" cmpd="sng" algn="ctr">
+                      <a:solidFill>
+                        <a:schemeClr val="tx1"/>
+                      </a:solidFill>
+                      <a:prstDash val="solid"/>
+                      <a:round/>
+                      <a:headEnd type="none" w="med" len="med"/>
+                      <a:tailEnd type="none" w="med" len="med"/>
+                    </a:lnR>
+                    <a:lnT w="28575" cap="flat" cmpd="sng" algn="ctr">
+                      <a:solidFill>
+                        <a:schemeClr val="tx1"/>
+                      </a:solidFill>
+                      <a:prstDash val="solid"/>
+                      <a:round/>
+                      <a:headEnd type="none" w="med" len="med"/>
+                      <a:tailEnd type="none" w="med" len="med"/>
+                    </a:lnT>
+                    <a:lnB w="28575" cap="flat" cmpd="sng" algn="ctr">
+                      <a:solidFill>
+                        <a:schemeClr val="tx1"/>
+                      </a:solidFill>
+                      <a:prstDash val="solid"/>
+                      <a:round/>
+                      <a:headEnd type="none" w="med" len="med"/>
+                      <a:tailEnd type="none" w="med" len="med"/>
+                    </a:lnB>
+                    <a:solidFill>
+                      <a:schemeClr val="bg1"/>
+                    </a:solidFill>
+                  </a:tcPr>
+                </a:tc>
+              </a:tr>
+              <a:tr h="313481">
+                <a:tc>
+                  <a:txBody>
+                    <a:bodyPr/>
+                    <a:lstStyle/>
+                    <a:p>
+                      <a:pPr algn="ctr">
+                        <a:lnSpc>
+                          <a:spcPct val="90000"/>
+                        </a:lnSpc>
+                      </a:pPr>
+                      <a:r>
+                        <a:rPr lang="en-US" sz="2400" b="0" dirty="0" smtClean="0">
+                          <a:ln>
+                            <a:noFill/>
+                          </a:ln>
+                          <a:solidFill>
+                            <a:srgbClr val="1E3272"/>
+                          </a:solidFill>
+                          <a:latin typeface="+mn-lt"/>
+                        </a:rPr>
+                        <a:t>x9</a:t>
+                      </a:r>
+                      <a:endParaRPr lang="en-US" sz="2400" b="0" dirty="0">
+                        <a:ln>
+                          <a:noFill/>
+                        </a:ln>
+                        <a:solidFill>
+                          <a:srgbClr val="1E3272"/>
+                        </a:solidFill>
+                        <a:latin typeface="+mn-lt"/>
+                      </a:endParaRPr>
+                    </a:p>
+                  </a:txBody>
+                  <a:tcPr>
+                    <a:lnL w="28575" cap="flat" cmpd="sng" algn="ctr">
+                      <a:solidFill>
+                        <a:schemeClr val="tx1"/>
+                      </a:solidFill>
+                      <a:prstDash val="solid"/>
+                      <a:round/>
+                      <a:headEnd type="none" w="med" len="med"/>
+                      <a:tailEnd type="none" w="med" len="med"/>
+                    </a:lnL>
+                    <a:lnR w="28575" cap="flat" cmpd="sng" algn="ctr">
+                      <a:solidFill>
+                        <a:schemeClr val="tx1"/>
+                      </a:solidFill>
+                      <a:prstDash val="solid"/>
+                      <a:round/>
+                      <a:headEnd type="none" w="med" len="med"/>
+                      <a:tailEnd type="none" w="med" len="med"/>
+                    </a:lnR>
+                    <a:lnT w="28575" cap="flat" cmpd="sng" algn="ctr">
+                      <a:solidFill>
+                        <a:schemeClr val="tx1"/>
+                      </a:solidFill>
+                      <a:prstDash val="solid"/>
+                      <a:round/>
+                      <a:headEnd type="none" w="med" len="med"/>
+                      <a:tailEnd type="none" w="med" len="med"/>
+                    </a:lnT>
+                    <a:lnB w="28575" cap="flat" cmpd="sng" algn="ctr">
+                      <a:solidFill>
+                        <a:schemeClr val="tx1"/>
+                      </a:solidFill>
+                      <a:prstDash val="solid"/>
+                      <a:round/>
+                      <a:headEnd type="none" w="med" len="med"/>
+                      <a:tailEnd type="none" w="med" len="med"/>
+                    </a:lnB>
+                    <a:solidFill>
+                      <a:schemeClr val="bg1"/>
+                    </a:solidFill>
+                  </a:tcPr>
+                </a:tc>
+                <a:tc>
+                  <a:txBody>
+                    <a:bodyPr/>
+                    <a:lstStyle/>
+                    <a:p>
+                      <a:pPr algn="ctr">
+                        <a:lnSpc>
+                          <a:spcPct val="90000"/>
+                        </a:lnSpc>
+                      </a:pPr>
+                      <a:r>
+                        <a:rPr lang="en-US" sz="2400" b="0" smtClean="0">
+                          <a:ln>
+                            <a:noFill/>
+                          </a:ln>
+                          <a:solidFill>
+                            <a:srgbClr val="1E3272"/>
+                          </a:solidFill>
+                          <a:latin typeface="+mn-lt"/>
+                        </a:rPr>
+                        <a:t>s1</a:t>
+                      </a:r>
+                      <a:endParaRPr lang="en-US" sz="2400" b="0">
+                        <a:ln>
+                          <a:noFill/>
+                        </a:ln>
+                        <a:solidFill>
+                          <a:srgbClr val="1E3272"/>
+                        </a:solidFill>
+                        <a:latin typeface="+mn-lt"/>
+                      </a:endParaRPr>
+                    </a:p>
+                  </a:txBody>
+                  <a:tcPr>
+                    <a:lnL w="28575" cap="flat" cmpd="sng" algn="ctr">
+                      <a:solidFill>
+                        <a:schemeClr val="tx1"/>
+                      </a:solidFill>
+                      <a:prstDash val="solid"/>
+                      <a:round/>
+                      <a:headEnd type="none" w="med" len="med"/>
+                      <a:tailEnd type="none" w="med" len="med"/>
+                    </a:lnL>
+                    <a:lnR w="28575" cap="flat" cmpd="sng" algn="ctr">
+                      <a:solidFill>
+                        <a:schemeClr val="tx1"/>
+                      </a:solidFill>
+                      <a:prstDash val="solid"/>
+                      <a:round/>
+                      <a:headEnd type="none" w="med" len="med"/>
+                      <a:tailEnd type="none" w="med" len="med"/>
+                    </a:lnR>
+                    <a:lnT w="28575" cap="flat" cmpd="sng" algn="ctr">
+                      <a:solidFill>
+                        <a:schemeClr val="tx1"/>
+                      </a:solidFill>
+                      <a:prstDash val="solid"/>
+                      <a:round/>
+                      <a:headEnd type="none" w="med" len="med"/>
+                      <a:tailEnd type="none" w="med" len="med"/>
+                    </a:lnT>
+                    <a:lnB w="28575" cap="flat" cmpd="sng" algn="ctr">
+                      <a:solidFill>
+                        <a:schemeClr val="tx1"/>
+                      </a:solidFill>
+                      <a:prstDash val="solid"/>
+                      <a:round/>
+                      <a:headEnd type="none" w="med" len="med"/>
+                      <a:tailEnd type="none" w="med" len="med"/>
+                    </a:lnB>
+                    <a:solidFill>
+                      <a:schemeClr val="bg1"/>
+                    </a:solidFill>
+                  </a:tcPr>
+                </a:tc>
+                <a:tc>
+                  <a:txBody>
+                    <a:bodyPr/>
+                    <a:lstStyle/>
+                    <a:p>
+                      <a:pPr algn="ctr">
+                        <a:lnSpc>
+                          <a:spcPct val="90000"/>
+                        </a:lnSpc>
+                      </a:pPr>
+                      <a:r>
+                        <a:rPr lang="en-US" sz="2400" b="0" dirty="0" smtClean="0">
+                          <a:ln>
+                            <a:noFill/>
+                          </a:ln>
+                          <a:solidFill>
+                            <a:srgbClr val="1E3272"/>
+                          </a:solidFill>
+                          <a:latin typeface="+mn-lt"/>
+                        </a:rPr>
+                        <a:t>saved</a:t>
+                      </a:r>
+                      <a:endParaRPr lang="en-US" sz="2400" b="0" dirty="0">
+                        <a:ln>
+                          <a:noFill/>
+                        </a:ln>
+                        <a:solidFill>
+                          <a:srgbClr val="1E3272"/>
+                        </a:solidFill>
+                        <a:latin typeface="+mn-lt"/>
+                      </a:endParaRPr>
+                    </a:p>
+                  </a:txBody>
+                  <a:tcPr>
+                    <a:lnL w="28575" cap="flat" cmpd="sng" algn="ctr">
+                      <a:solidFill>
+                        <a:schemeClr val="tx1"/>
+                      </a:solidFill>
+                      <a:prstDash val="solid"/>
+                      <a:round/>
+                      <a:headEnd type="none" w="med" len="med"/>
+                      <a:tailEnd type="none" w="med" len="med"/>
+                    </a:lnL>
+                    <a:lnR w="28575" cap="flat" cmpd="sng" algn="ctr">
+                      <a:solidFill>
+                        <a:schemeClr val="tx1"/>
+                      </a:solidFill>
+                      <a:prstDash val="solid"/>
+                      <a:round/>
+                      <a:headEnd type="none" w="med" len="med"/>
+                      <a:tailEnd type="none" w="med" len="med"/>
+                    </a:lnR>
+                    <a:lnT w="28575" cap="flat" cmpd="sng" algn="ctr">
+                      <a:solidFill>
+                        <a:schemeClr val="tx1"/>
+                      </a:solidFill>
+                      <a:prstDash val="solid"/>
+                      <a:round/>
+                      <a:headEnd type="none" w="med" len="med"/>
+                      <a:tailEnd type="none" w="med" len="med"/>
+                    </a:lnT>
+                    <a:lnB w="28575" cap="flat" cmpd="sng" algn="ctr">
+                      <a:solidFill>
+                        <a:schemeClr val="tx1"/>
+                      </a:solidFill>
+                      <a:prstDash val="solid"/>
+                      <a:round/>
+                      <a:headEnd type="none" w="med" len="med"/>
+                      <a:tailEnd type="none" w="med" len="med"/>
+                    </a:lnB>
+                    <a:solidFill>
+                      <a:schemeClr val="bg1"/>
+                    </a:solidFill>
+                  </a:tcPr>
+                </a:tc>
+                <a:tc>
+                  <a:txBody>
+                    <a:bodyPr/>
+                    <a:lstStyle/>
+                    <a:p>
+                      <a:pPr algn="ctr">
+                        <a:lnSpc>
+                          <a:spcPct val="90000"/>
+                        </a:lnSpc>
+                      </a:pPr>
+                      <a:r>
+                        <a:rPr lang="en-US" sz="2400" b="0" dirty="0" err="1" smtClean="0">
+                          <a:ln>
+                            <a:noFill/>
+                          </a:ln>
+                          <a:solidFill>
+                            <a:srgbClr val="1E3272"/>
+                          </a:solidFill>
+                          <a:latin typeface="+mn-lt"/>
+                        </a:rPr>
+                        <a:t>callee</a:t>
+                      </a:r>
+                      <a:endParaRPr lang="en-US" sz="2400" b="0" dirty="0">
+                        <a:ln>
+                          <a:noFill/>
+                        </a:ln>
+                        <a:solidFill>
+                          <a:srgbClr val="1E3272"/>
+                        </a:solidFill>
+                        <a:latin typeface="+mn-lt"/>
+                      </a:endParaRPr>
+                    </a:p>
+                  </a:txBody>
+                  <a:tcPr>
+                    <a:lnL w="28575" cap="flat" cmpd="sng" algn="ctr">
+                      <a:solidFill>
+                        <a:schemeClr val="tx1"/>
+                      </a:solidFill>
+                      <a:prstDash val="solid"/>
+                      <a:round/>
+                      <a:headEnd type="none" w="med" len="med"/>
+                      <a:tailEnd type="none" w="med" len="med"/>
+                    </a:lnL>
+                    <a:lnR w="28575" cap="flat" cmpd="sng" algn="ctr">
+                      <a:solidFill>
+                        <a:schemeClr val="tx1"/>
+                      </a:solidFill>
+                      <a:prstDash val="solid"/>
+                      <a:round/>
+                      <a:headEnd type="none" w="med" len="med"/>
+                      <a:tailEnd type="none" w="med" len="med"/>
+                    </a:lnR>
+                    <a:lnT w="28575" cap="flat" cmpd="sng" algn="ctr">
+                      <a:solidFill>
+                        <a:schemeClr val="tx1"/>
+                      </a:solidFill>
+                      <a:prstDash val="solid"/>
+                      <a:round/>
+                      <a:headEnd type="none" w="med" len="med"/>
+                      <a:tailEnd type="none" w="med" len="med"/>
+                    </a:lnT>
+                    <a:lnB w="28575" cap="flat" cmpd="sng" algn="ctr">
+                      <a:solidFill>
+                        <a:schemeClr val="tx1"/>
+                      </a:solidFill>
+                      <a:prstDash val="solid"/>
+                      <a:round/>
+                      <a:headEnd type="none" w="med" len="med"/>
+                      <a:tailEnd type="none" w="med" len="med"/>
+                    </a:lnB>
+                    <a:solidFill>
+                      <a:schemeClr val="bg1"/>
+                    </a:solidFill>
+                  </a:tcPr>
+                </a:tc>
+              </a:tr>
+              <a:tr h="502059">
+                <a:tc>
+                  <a:txBody>
+                    <a:bodyPr/>
+                    <a:lstStyle/>
+                    <a:p>
+                      <a:pPr algn="ctr">
+                        <a:lnSpc>
+                          <a:spcPct val="90000"/>
+                        </a:lnSpc>
+                      </a:pPr>
+                      <a:r>
+                        <a:rPr lang="en-US" sz="2400" b="0" dirty="0" smtClean="0">
+                          <a:ln>
+                            <a:noFill/>
+                          </a:ln>
+                          <a:solidFill>
+                            <a:srgbClr val="1E3272"/>
+                          </a:solidFill>
+                          <a:latin typeface="+mn-lt"/>
+                        </a:rPr>
+                        <a:t>x10-x17</a:t>
+                      </a:r>
+                      <a:endParaRPr lang="en-US" sz="2400" b="0" dirty="0">
+                        <a:ln>
+                          <a:noFill/>
+                        </a:ln>
+                        <a:solidFill>
+                          <a:srgbClr val="1E3272"/>
+                        </a:solidFill>
+                        <a:latin typeface="+mn-lt"/>
+                      </a:endParaRPr>
+                    </a:p>
+                  </a:txBody>
+                  <a:tcPr>
+                    <a:lnL w="28575" cap="flat" cmpd="sng" algn="ctr">
+                      <a:solidFill>
+                        <a:schemeClr val="tx1"/>
+                      </a:solidFill>
+                      <a:prstDash val="solid"/>
+                      <a:round/>
+                      <a:headEnd type="none" w="med" len="med"/>
+                      <a:tailEnd type="none" w="med" len="med"/>
+                    </a:lnL>
+                    <a:lnR w="28575" cap="flat" cmpd="sng" algn="ctr">
+                      <a:solidFill>
+                        <a:schemeClr val="tx1"/>
+                      </a:solidFill>
+                      <a:prstDash val="solid"/>
+                      <a:round/>
+                      <a:headEnd type="none" w="med" len="med"/>
+                      <a:tailEnd type="none" w="med" len="med"/>
+                    </a:lnR>
+                    <a:lnT w="28575" cap="flat" cmpd="sng" algn="ctr">
+                      <a:solidFill>
+                        <a:schemeClr val="tx1"/>
+                      </a:solidFill>
+                      <a:prstDash val="solid"/>
+                      <a:round/>
+                      <a:headEnd type="none" w="med" len="med"/>
+                      <a:tailEnd type="none" w="med" len="med"/>
+                    </a:lnT>
+                    <a:lnB w="28575" cap="flat" cmpd="sng" algn="ctr">
+                      <a:solidFill>
+                        <a:schemeClr val="tx1"/>
+                      </a:solidFill>
+                      <a:prstDash val="solid"/>
+                      <a:round/>
+                      <a:headEnd type="none" w="med" len="med"/>
+                      <a:tailEnd type="none" w="med" len="med"/>
+                    </a:lnB>
+                    <a:solidFill>
+                      <a:schemeClr val="bg1"/>
+                    </a:solidFill>
+                  </a:tcPr>
+                </a:tc>
+                <a:tc>
+                  <a:txBody>
+                    <a:bodyPr/>
+                    <a:lstStyle/>
+                    <a:p>
+                      <a:pPr algn="ctr">
+                        <a:lnSpc>
+                          <a:spcPct val="90000"/>
+                        </a:lnSpc>
+                      </a:pPr>
+                      <a:r>
+                        <a:rPr lang="en-US" sz="2400" b="0" dirty="0" smtClean="0">
+                          <a:ln>
+                            <a:noFill/>
+                          </a:ln>
+                          <a:solidFill>
+                            <a:srgbClr val="1E3272"/>
+                          </a:solidFill>
+                          <a:latin typeface="+mn-lt"/>
+                        </a:rPr>
+                        <a:t>a0-a7</a:t>
+                      </a:r>
+                      <a:endParaRPr lang="en-US" sz="2400" b="0" dirty="0">
+                        <a:ln>
+                          <a:noFill/>
+                        </a:ln>
+                        <a:solidFill>
+                          <a:srgbClr val="1E3272"/>
+                        </a:solidFill>
+                        <a:latin typeface="+mn-lt"/>
+                      </a:endParaRPr>
+                    </a:p>
+                  </a:txBody>
+                  <a:tcPr>
+                    <a:lnL w="28575" cap="flat" cmpd="sng" algn="ctr">
+                      <a:solidFill>
+                        <a:schemeClr val="tx1"/>
+                      </a:solidFill>
+                      <a:prstDash val="solid"/>
+                      <a:round/>
+                      <a:headEnd type="none" w="med" len="med"/>
+                      <a:tailEnd type="none" w="med" len="med"/>
+                    </a:lnL>
+                    <a:lnR w="28575" cap="flat" cmpd="sng" algn="ctr">
+                      <a:solidFill>
+                        <a:schemeClr val="tx1"/>
+                      </a:solidFill>
+                      <a:prstDash val="solid"/>
+                      <a:round/>
+                      <a:headEnd type="none" w="med" len="med"/>
+                      <a:tailEnd type="none" w="med" len="med"/>
+                    </a:lnR>
+                    <a:lnT w="28575" cap="flat" cmpd="sng" algn="ctr">
+                      <a:solidFill>
+                        <a:schemeClr val="tx1"/>
+                      </a:solidFill>
+                      <a:prstDash val="solid"/>
+                      <a:round/>
+                      <a:headEnd type="none" w="med" len="med"/>
+                      <a:tailEnd type="none" w="med" len="med"/>
+                    </a:lnT>
+                    <a:lnB w="28575" cap="flat" cmpd="sng" algn="ctr">
+                      <a:solidFill>
+                        <a:schemeClr val="tx1"/>
+                      </a:solidFill>
+                      <a:prstDash val="solid"/>
+                      <a:round/>
+                      <a:headEnd type="none" w="med" len="med"/>
+                      <a:tailEnd type="none" w="med" len="med"/>
+                    </a:lnB>
+                    <a:solidFill>
+                      <a:schemeClr val="bg1"/>
+                    </a:solidFill>
+                  </a:tcPr>
+                </a:tc>
+                <a:tc>
+                  <a:txBody>
+                    <a:bodyPr/>
+                    <a:lstStyle/>
+                    <a:p>
+                      <a:pPr algn="ctr">
+                        <a:lnSpc>
+                          <a:spcPct val="90000"/>
+                        </a:lnSpc>
+                      </a:pPr>
+                      <a:r>
+                        <a:rPr lang="en-US" sz="2400" b="0" dirty="0" smtClean="0">
+                          <a:ln>
+                            <a:noFill/>
+                          </a:ln>
+                          <a:solidFill>
+                            <a:srgbClr val="1E3272"/>
+                          </a:solidFill>
+                          <a:latin typeface="+mn-lt"/>
+                        </a:rPr>
+                        <a:t>arguments</a:t>
+                      </a:r>
+                      <a:endParaRPr lang="en-US" sz="2400" b="0" dirty="0">
+                        <a:ln>
+                          <a:noFill/>
+                        </a:ln>
+                        <a:solidFill>
+                          <a:srgbClr val="1E3272"/>
+                        </a:solidFill>
+                        <a:latin typeface="+mn-lt"/>
+                      </a:endParaRPr>
+                    </a:p>
+                  </a:txBody>
+                  <a:tcPr>
+                    <a:lnL w="28575" cap="flat" cmpd="sng" algn="ctr">
+                      <a:solidFill>
+                        <a:schemeClr val="tx1"/>
+                      </a:solidFill>
+                      <a:prstDash val="solid"/>
+                      <a:round/>
+                      <a:headEnd type="none" w="med" len="med"/>
+                      <a:tailEnd type="none" w="med" len="med"/>
+                    </a:lnL>
+                    <a:lnR w="28575" cap="flat" cmpd="sng" algn="ctr">
+                      <a:solidFill>
+                        <a:schemeClr val="tx1"/>
+                      </a:solidFill>
+                      <a:prstDash val="solid"/>
+                      <a:round/>
+                      <a:headEnd type="none" w="med" len="med"/>
+                      <a:tailEnd type="none" w="med" len="med"/>
+                    </a:lnR>
+                    <a:lnT w="28575" cap="flat" cmpd="sng" algn="ctr">
+                      <a:solidFill>
+                        <a:schemeClr val="tx1"/>
+                      </a:solidFill>
+                      <a:prstDash val="solid"/>
+                      <a:round/>
+                      <a:headEnd type="none" w="med" len="med"/>
+                      <a:tailEnd type="none" w="med" len="med"/>
+                    </a:lnT>
+                    <a:lnB w="28575" cap="flat" cmpd="sng" algn="ctr">
+                      <a:solidFill>
+                        <a:schemeClr val="tx1"/>
+                      </a:solidFill>
+                      <a:prstDash val="solid"/>
+                      <a:round/>
+                      <a:headEnd type="none" w="med" len="med"/>
+                      <a:tailEnd type="none" w="med" len="med"/>
+                    </a:lnB>
+                    <a:solidFill>
+                      <a:schemeClr val="bg1"/>
+                    </a:solidFill>
+                  </a:tcPr>
+                </a:tc>
+                <a:tc>
+                  <a:txBody>
+                    <a:bodyPr/>
+                    <a:lstStyle/>
+                    <a:p>
+                      <a:pPr algn="ctr">
+                        <a:lnSpc>
+                          <a:spcPct val="90000"/>
+                        </a:lnSpc>
+                      </a:pPr>
+                      <a:r>
+                        <a:rPr lang="en-US" sz="2400" b="0" dirty="0" smtClean="0">
+                          <a:ln>
+                            <a:noFill/>
+                          </a:ln>
+                          <a:solidFill>
+                            <a:srgbClr val="1E3272"/>
+                          </a:solidFill>
+                          <a:latin typeface="+mn-lt"/>
+                        </a:rPr>
+                        <a:t>caller</a:t>
+                      </a:r>
+                      <a:endParaRPr lang="en-US" sz="2400" b="0" dirty="0">
+                        <a:ln>
+                          <a:noFill/>
+                        </a:ln>
+                        <a:solidFill>
+                          <a:srgbClr val="1E3272"/>
+                        </a:solidFill>
+                        <a:latin typeface="+mn-lt"/>
+                      </a:endParaRPr>
+                    </a:p>
+                  </a:txBody>
+                  <a:tcPr>
+                    <a:lnL w="28575" cap="flat" cmpd="sng" algn="ctr">
+                      <a:solidFill>
+                        <a:schemeClr val="tx1"/>
+                      </a:solidFill>
+                      <a:prstDash val="solid"/>
+                      <a:round/>
+                      <a:headEnd type="none" w="med" len="med"/>
+                      <a:tailEnd type="none" w="med" len="med"/>
+                    </a:lnL>
+                    <a:lnR w="28575" cap="flat" cmpd="sng" algn="ctr">
+                      <a:solidFill>
+                        <a:schemeClr val="tx1"/>
+                      </a:solidFill>
+                      <a:prstDash val="solid"/>
+                      <a:round/>
+                      <a:headEnd type="none" w="med" len="med"/>
+                      <a:tailEnd type="none" w="med" len="med"/>
+                    </a:lnR>
+                    <a:lnT w="28575" cap="flat" cmpd="sng" algn="ctr">
+                      <a:solidFill>
+                        <a:schemeClr val="tx1"/>
+                      </a:solidFill>
+                      <a:prstDash val="solid"/>
+                      <a:round/>
+                      <a:headEnd type="none" w="med" len="med"/>
+                      <a:tailEnd type="none" w="med" len="med"/>
+                    </a:lnT>
+                    <a:lnB w="28575" cap="flat" cmpd="sng" algn="ctr">
+                      <a:solidFill>
+                        <a:schemeClr val="tx1"/>
+                      </a:solidFill>
+                      <a:prstDash val="solid"/>
+                      <a:round/>
+                      <a:headEnd type="none" w="med" len="med"/>
+                      <a:tailEnd type="none" w="med" len="med"/>
+                    </a:lnB>
+                    <a:solidFill>
+                      <a:schemeClr val="bg1"/>
+                    </a:solidFill>
+                  </a:tcPr>
+                </a:tc>
+              </a:tr>
+              <a:tr h="338196">
+                <a:tc>
+                  <a:txBody>
+                    <a:bodyPr/>
+                    <a:lstStyle/>
+                    <a:p>
+                      <a:pPr algn="ctr">
+                        <a:lnSpc>
+                          <a:spcPct val="90000"/>
+                        </a:lnSpc>
+                      </a:pPr>
+                      <a:r>
+                        <a:rPr lang="en-US" sz="2400" b="0" smtClean="0">
+                          <a:ln>
+                            <a:noFill/>
+                          </a:ln>
+                          <a:solidFill>
+                            <a:srgbClr val="1E3272"/>
+                          </a:solidFill>
+                          <a:latin typeface="+mn-lt"/>
+                        </a:rPr>
+                        <a:t>x18-x27</a:t>
+                      </a:r>
+                      <a:endParaRPr lang="en-US" sz="2400" b="0">
+                        <a:ln>
+                          <a:noFill/>
+                        </a:ln>
+                        <a:solidFill>
+                          <a:srgbClr val="1E3272"/>
+                        </a:solidFill>
+                        <a:latin typeface="+mn-lt"/>
+                      </a:endParaRPr>
+                    </a:p>
+                  </a:txBody>
+                  <a:tcPr>
+                    <a:lnL w="28575" cap="flat" cmpd="sng" algn="ctr">
+                      <a:solidFill>
+                        <a:schemeClr val="tx1"/>
+                      </a:solidFill>
+                      <a:prstDash val="solid"/>
+                      <a:round/>
+                      <a:headEnd type="none" w="med" len="med"/>
+                      <a:tailEnd type="none" w="med" len="med"/>
+                    </a:lnL>
+                    <a:lnR w="28575" cap="flat" cmpd="sng" algn="ctr">
+                      <a:solidFill>
+                        <a:schemeClr val="tx1"/>
+                      </a:solidFill>
+                      <a:prstDash val="solid"/>
+                      <a:round/>
+                      <a:headEnd type="none" w="med" len="med"/>
+                      <a:tailEnd type="none" w="med" len="med"/>
+                    </a:lnR>
+                    <a:lnT w="28575" cap="flat" cmpd="sng" algn="ctr">
+                      <a:solidFill>
+                        <a:schemeClr val="tx1"/>
+                      </a:solidFill>
+                      <a:prstDash val="solid"/>
+                      <a:round/>
+                      <a:headEnd type="none" w="med" len="med"/>
+                      <a:tailEnd type="none" w="med" len="med"/>
+                    </a:lnT>
+                    <a:lnB w="28575" cap="flat" cmpd="sng" algn="ctr">
+                      <a:solidFill>
+                        <a:schemeClr val="tx1"/>
+                      </a:solidFill>
+                      <a:prstDash val="solid"/>
+                      <a:round/>
+                      <a:headEnd type="none" w="med" len="med"/>
+                      <a:tailEnd type="none" w="med" len="med"/>
+                    </a:lnB>
+                    <a:solidFill>
+                      <a:schemeClr val="bg1"/>
+                    </a:solidFill>
+                  </a:tcPr>
+                </a:tc>
+                <a:tc>
+                  <a:txBody>
+                    <a:bodyPr/>
+                    <a:lstStyle/>
+                    <a:p>
+                      <a:pPr algn="ctr">
+                        <a:lnSpc>
+                          <a:spcPct val="90000"/>
+                        </a:lnSpc>
+                      </a:pPr>
+                      <a:r>
+                        <a:rPr lang="en-US" sz="2400" b="0" dirty="0" smtClean="0">
+                          <a:ln>
+                            <a:noFill/>
+                          </a:ln>
+                          <a:solidFill>
+                            <a:srgbClr val="1E3272"/>
+                          </a:solidFill>
+                          <a:latin typeface="+mn-lt"/>
+                        </a:rPr>
+                        <a:t>s2-s11</a:t>
+                      </a:r>
+                      <a:endParaRPr lang="en-US" sz="2400" b="0" dirty="0">
+                        <a:ln>
+                          <a:noFill/>
+                        </a:ln>
+                        <a:solidFill>
+                          <a:srgbClr val="1E3272"/>
+                        </a:solidFill>
+                        <a:latin typeface="+mn-lt"/>
+                      </a:endParaRPr>
+                    </a:p>
+                  </a:txBody>
+                  <a:tcPr>
+                    <a:lnL w="28575" cap="flat" cmpd="sng" algn="ctr">
+                      <a:solidFill>
+                        <a:schemeClr val="tx1"/>
+                      </a:solidFill>
+                      <a:prstDash val="solid"/>
+                      <a:round/>
+                      <a:headEnd type="none" w="med" len="med"/>
+                      <a:tailEnd type="none" w="med" len="med"/>
+                    </a:lnL>
+                    <a:lnR w="28575" cap="flat" cmpd="sng" algn="ctr">
+                      <a:solidFill>
+                        <a:schemeClr val="tx1"/>
+                      </a:solidFill>
+                      <a:prstDash val="solid"/>
+                      <a:round/>
+                      <a:headEnd type="none" w="med" len="med"/>
+                      <a:tailEnd type="none" w="med" len="med"/>
+                    </a:lnR>
+                    <a:lnT w="28575" cap="flat" cmpd="sng" algn="ctr">
+                      <a:solidFill>
+                        <a:schemeClr val="tx1"/>
+                      </a:solidFill>
+                      <a:prstDash val="solid"/>
+                      <a:round/>
+                      <a:headEnd type="none" w="med" len="med"/>
+                      <a:tailEnd type="none" w="med" len="med"/>
+                    </a:lnT>
+                    <a:lnB w="28575" cap="flat" cmpd="sng" algn="ctr">
+                      <a:solidFill>
+                        <a:schemeClr val="tx1"/>
+                      </a:solidFill>
+                      <a:prstDash val="solid"/>
+                      <a:round/>
+                      <a:headEnd type="none" w="med" len="med"/>
+                      <a:tailEnd type="none" w="med" len="med"/>
+                    </a:lnB>
+                    <a:solidFill>
+                      <a:schemeClr val="bg1"/>
+                    </a:solidFill>
+                  </a:tcPr>
+                </a:tc>
+                <a:tc>
+                  <a:txBody>
+                    <a:bodyPr/>
+                    <a:lstStyle/>
+                    <a:p>
+                      <a:pPr algn="ctr">
+                        <a:lnSpc>
+                          <a:spcPct val="90000"/>
+                        </a:lnSpc>
+                      </a:pPr>
+                      <a:r>
+                        <a:rPr lang="en-US" sz="2400" b="0" dirty="0" smtClean="0">
+                          <a:ln>
+                            <a:noFill/>
+                          </a:ln>
+                          <a:solidFill>
+                            <a:srgbClr val="1E3272"/>
+                          </a:solidFill>
+                          <a:latin typeface="+mn-lt"/>
+                        </a:rPr>
+                        <a:t>saved</a:t>
+                      </a:r>
+                      <a:endParaRPr lang="en-US" sz="2400" b="0" dirty="0">
+                        <a:ln>
+                          <a:noFill/>
+                        </a:ln>
+                        <a:solidFill>
+                          <a:srgbClr val="1E3272"/>
+                        </a:solidFill>
+                        <a:latin typeface="+mn-lt"/>
+                      </a:endParaRPr>
+                    </a:p>
+                  </a:txBody>
+                  <a:tcPr>
+                    <a:lnL w="28575" cap="flat" cmpd="sng" algn="ctr">
+                      <a:solidFill>
+                        <a:schemeClr val="tx1"/>
+                      </a:solidFill>
+                      <a:prstDash val="solid"/>
+                      <a:round/>
+                      <a:headEnd type="none" w="med" len="med"/>
+                      <a:tailEnd type="none" w="med" len="med"/>
+                    </a:lnL>
+                    <a:lnR w="28575" cap="flat" cmpd="sng" algn="ctr">
+                      <a:solidFill>
+                        <a:schemeClr val="tx1"/>
+                      </a:solidFill>
+                      <a:prstDash val="solid"/>
+                      <a:round/>
+                      <a:headEnd type="none" w="med" len="med"/>
+                      <a:tailEnd type="none" w="med" len="med"/>
+                    </a:lnR>
+                    <a:lnT w="28575" cap="flat" cmpd="sng" algn="ctr">
+                      <a:solidFill>
+                        <a:schemeClr val="tx1"/>
+                      </a:solidFill>
+                      <a:prstDash val="solid"/>
+                      <a:round/>
+                      <a:headEnd type="none" w="med" len="med"/>
+                      <a:tailEnd type="none" w="med" len="med"/>
+                    </a:lnT>
+                    <a:lnB w="28575" cap="flat" cmpd="sng" algn="ctr">
+                      <a:solidFill>
+                        <a:schemeClr val="tx1"/>
+                      </a:solidFill>
+                      <a:prstDash val="solid"/>
+                      <a:round/>
+                      <a:headEnd type="none" w="med" len="med"/>
+                      <a:tailEnd type="none" w="med" len="med"/>
+                    </a:lnB>
+                    <a:solidFill>
+                      <a:schemeClr val="bg1"/>
+                    </a:solidFill>
+                  </a:tcPr>
+                </a:tc>
+                <a:tc>
+                  <a:txBody>
+                    <a:bodyPr/>
+                    <a:lstStyle/>
+                    <a:p>
+                      <a:pPr algn="ctr">
+                        <a:lnSpc>
+                          <a:spcPct val="90000"/>
+                        </a:lnSpc>
+                      </a:pPr>
+                      <a:r>
+                        <a:rPr lang="en-US" sz="2400" b="0" dirty="0" err="1" smtClean="0">
+                          <a:ln>
+                            <a:noFill/>
+                          </a:ln>
+                          <a:solidFill>
+                            <a:srgbClr val="1E3272"/>
+                          </a:solidFill>
+                          <a:latin typeface="+mn-lt"/>
+                        </a:rPr>
+                        <a:t>callee</a:t>
+                      </a:r>
+                      <a:endParaRPr lang="en-US" sz="2400" b="0" dirty="0">
+                        <a:ln>
+                          <a:noFill/>
+                        </a:ln>
+                        <a:solidFill>
+                          <a:srgbClr val="1E3272"/>
+                        </a:solidFill>
+                        <a:latin typeface="+mn-lt"/>
+                      </a:endParaRPr>
+                    </a:p>
+                  </a:txBody>
+                  <a:tcPr>
+                    <a:lnL w="28575" cap="flat" cmpd="sng" algn="ctr">
+                      <a:solidFill>
+                        <a:schemeClr val="tx1"/>
+                      </a:solidFill>
+                      <a:prstDash val="solid"/>
+                      <a:round/>
+                      <a:headEnd type="none" w="med" len="med"/>
+                      <a:tailEnd type="none" w="med" len="med"/>
+                    </a:lnL>
+                    <a:lnR w="28575" cap="flat" cmpd="sng" algn="ctr">
+                      <a:solidFill>
+                        <a:schemeClr val="tx1"/>
+                      </a:solidFill>
+                      <a:prstDash val="solid"/>
+                      <a:round/>
+                      <a:headEnd type="none" w="med" len="med"/>
+                      <a:tailEnd type="none" w="med" len="med"/>
+                    </a:lnR>
+                    <a:lnT w="28575" cap="flat" cmpd="sng" algn="ctr">
+                      <a:solidFill>
+                        <a:schemeClr val="tx1"/>
+                      </a:solidFill>
+                      <a:prstDash val="solid"/>
+                      <a:round/>
+                      <a:headEnd type="none" w="med" len="med"/>
+                      <a:tailEnd type="none" w="med" len="med"/>
+                    </a:lnT>
+                    <a:lnB w="28575" cap="flat" cmpd="sng" algn="ctr">
+                      <a:solidFill>
+                        <a:schemeClr val="tx1"/>
+                      </a:solidFill>
+                      <a:prstDash val="solid"/>
+                      <a:round/>
+                      <a:headEnd type="none" w="med" len="med"/>
+                      <a:tailEnd type="none" w="med" len="med"/>
+                    </a:lnB>
+                    <a:solidFill>
+                      <a:schemeClr val="bg1"/>
+                    </a:solidFill>
+                  </a:tcPr>
+                </a:tc>
+              </a:tr>
+              <a:tr h="289033">
+                <a:tc>
+                  <a:txBody>
+                    <a:bodyPr/>
+                    <a:lstStyle/>
+                    <a:p>
+                      <a:pPr algn="ctr">
+                        <a:lnSpc>
+                          <a:spcPct val="90000"/>
+                        </a:lnSpc>
+                      </a:pPr>
+                      <a:r>
+                        <a:rPr lang="en-US" sz="2400" b="0" smtClean="0">
+                          <a:ln>
+                            <a:noFill/>
+                          </a:ln>
+                          <a:solidFill>
+                            <a:srgbClr val="1E3272"/>
+                          </a:solidFill>
+                          <a:latin typeface="+mn-lt"/>
+                        </a:rPr>
+                        <a:t>x28-x31</a:t>
+                      </a:r>
+                      <a:endParaRPr lang="en-US" sz="2400" b="0">
+                        <a:ln>
+                          <a:noFill/>
+                        </a:ln>
+                        <a:solidFill>
+                          <a:srgbClr val="1E3272"/>
+                        </a:solidFill>
+                        <a:latin typeface="+mn-lt"/>
+                      </a:endParaRPr>
+                    </a:p>
+                  </a:txBody>
+                  <a:tcPr>
+                    <a:lnL w="28575" cap="flat" cmpd="sng" algn="ctr">
+                      <a:solidFill>
+                        <a:schemeClr val="tx1"/>
+                      </a:solidFill>
+                      <a:prstDash val="solid"/>
+                      <a:round/>
+                      <a:headEnd type="none" w="med" len="med"/>
+                      <a:tailEnd type="none" w="med" len="med"/>
+                    </a:lnL>
+                    <a:lnR w="28575" cap="flat" cmpd="sng" algn="ctr">
+                      <a:solidFill>
+                        <a:schemeClr val="tx1"/>
+                      </a:solidFill>
+                      <a:prstDash val="solid"/>
+                      <a:round/>
+                      <a:headEnd type="none" w="med" len="med"/>
+                      <a:tailEnd type="none" w="med" len="med"/>
+                    </a:lnR>
+                    <a:lnT w="28575" cap="flat" cmpd="sng" algn="ctr">
+                      <a:solidFill>
+                        <a:schemeClr val="tx1"/>
+                      </a:solidFill>
+                      <a:prstDash val="solid"/>
+                      <a:round/>
+                      <a:headEnd type="none" w="med" len="med"/>
+                      <a:tailEnd type="none" w="med" len="med"/>
+                    </a:lnT>
+                    <a:lnB w="28575" cap="flat" cmpd="sng" algn="ctr">
+                      <a:solidFill>
+                        <a:schemeClr val="tx1"/>
+                      </a:solidFill>
+                      <a:prstDash val="solid"/>
+                      <a:round/>
+                      <a:headEnd type="none" w="med" len="med"/>
+                      <a:tailEnd type="none" w="med" len="med"/>
+                    </a:lnB>
+                    <a:solidFill>
+                      <a:schemeClr val="bg1"/>
+                    </a:solidFill>
+                  </a:tcPr>
+                </a:tc>
+                <a:tc>
+                  <a:txBody>
+                    <a:bodyPr/>
+                    <a:lstStyle/>
+                    <a:p>
+                      <a:pPr algn="ctr">
+                        <a:lnSpc>
+                          <a:spcPct val="90000"/>
+                        </a:lnSpc>
+                      </a:pPr>
+                      <a:r>
+                        <a:rPr lang="en-US" sz="2400" b="0" smtClean="0">
+                          <a:ln>
+                            <a:noFill/>
+                          </a:ln>
+                          <a:solidFill>
+                            <a:srgbClr val="1E3272"/>
+                          </a:solidFill>
+                          <a:latin typeface="+mn-lt"/>
+                        </a:rPr>
+                        <a:t>t3-t6</a:t>
+                      </a:r>
+                      <a:endParaRPr lang="en-US" sz="2400" b="0">
+                        <a:ln>
+                          <a:noFill/>
+                        </a:ln>
+                        <a:solidFill>
+                          <a:srgbClr val="1E3272"/>
+                        </a:solidFill>
+                        <a:latin typeface="+mn-lt"/>
+                      </a:endParaRPr>
+                    </a:p>
+                  </a:txBody>
+                  <a:tcPr>
+                    <a:lnL w="28575" cap="flat" cmpd="sng" algn="ctr">
+                      <a:solidFill>
+                        <a:schemeClr val="tx1"/>
+                      </a:solidFill>
+                      <a:prstDash val="solid"/>
+                      <a:round/>
+                      <a:headEnd type="none" w="med" len="med"/>
+                      <a:tailEnd type="none" w="med" len="med"/>
+                    </a:lnL>
+                    <a:lnR w="28575" cap="flat" cmpd="sng" algn="ctr">
+                      <a:solidFill>
+                        <a:schemeClr val="tx1"/>
+                      </a:solidFill>
+                      <a:prstDash val="solid"/>
+                      <a:round/>
+                      <a:headEnd type="none" w="med" len="med"/>
+                      <a:tailEnd type="none" w="med" len="med"/>
+                    </a:lnR>
+                    <a:lnT w="28575" cap="flat" cmpd="sng" algn="ctr">
+                      <a:solidFill>
+                        <a:schemeClr val="tx1"/>
+                      </a:solidFill>
+                      <a:prstDash val="solid"/>
+                      <a:round/>
+                      <a:headEnd type="none" w="med" len="med"/>
+                      <a:tailEnd type="none" w="med" len="med"/>
+                    </a:lnT>
+                    <a:lnB w="28575" cap="flat" cmpd="sng" algn="ctr">
+                      <a:solidFill>
+                        <a:schemeClr val="tx1"/>
+                      </a:solidFill>
+                      <a:prstDash val="solid"/>
+                      <a:round/>
+                      <a:headEnd type="none" w="med" len="med"/>
+                      <a:tailEnd type="none" w="med" len="med"/>
+                    </a:lnB>
+                    <a:solidFill>
+                      <a:schemeClr val="bg1"/>
+                    </a:solidFill>
+                  </a:tcPr>
+                </a:tc>
+                <a:tc>
+                  <a:txBody>
+                    <a:bodyPr/>
+                    <a:lstStyle/>
+                    <a:p>
+                      <a:pPr algn="ctr">
+                        <a:lnSpc>
+                          <a:spcPct val="90000"/>
+                        </a:lnSpc>
+                      </a:pPr>
+                      <a:r>
+                        <a:rPr lang="en-US" sz="2400" b="0" dirty="0" smtClean="0">
+                          <a:ln>
+                            <a:noFill/>
+                          </a:ln>
+                          <a:solidFill>
+                            <a:srgbClr val="1E3272"/>
+                          </a:solidFill>
+                          <a:latin typeface="+mn-lt"/>
+                        </a:rPr>
+                        <a:t>temporaries</a:t>
+                      </a:r>
+                      <a:endParaRPr lang="en-US" sz="2400" b="0" dirty="0">
+                        <a:ln>
+                          <a:noFill/>
+                        </a:ln>
+                        <a:solidFill>
+                          <a:srgbClr val="1E3272"/>
+                        </a:solidFill>
+                        <a:latin typeface="+mn-lt"/>
+                      </a:endParaRPr>
+                    </a:p>
+                  </a:txBody>
+                  <a:tcPr>
+                    <a:lnL w="28575" cap="flat" cmpd="sng" algn="ctr">
+                      <a:solidFill>
+                        <a:schemeClr val="tx1"/>
+                      </a:solidFill>
+                      <a:prstDash val="solid"/>
+                      <a:round/>
+                      <a:headEnd type="none" w="med" len="med"/>
+                      <a:tailEnd type="none" w="med" len="med"/>
+                    </a:lnL>
+                    <a:lnR w="28575" cap="flat" cmpd="sng" algn="ctr">
+                      <a:solidFill>
+                        <a:schemeClr val="tx1"/>
+                      </a:solidFill>
+                      <a:prstDash val="solid"/>
+                      <a:round/>
+                      <a:headEnd type="none" w="med" len="med"/>
+                      <a:tailEnd type="none" w="med" len="med"/>
+                    </a:lnR>
+                    <a:lnT w="28575" cap="flat" cmpd="sng" algn="ctr">
+                      <a:solidFill>
+                        <a:schemeClr val="tx1"/>
+                      </a:solidFill>
+                      <a:prstDash val="solid"/>
+                      <a:round/>
+                      <a:headEnd type="none" w="med" len="med"/>
+                      <a:tailEnd type="none" w="med" len="med"/>
+                    </a:lnT>
+                    <a:lnB w="28575" cap="flat" cmpd="sng" algn="ctr">
+                      <a:solidFill>
+                        <a:schemeClr val="tx1"/>
+                      </a:solidFill>
+                      <a:prstDash val="solid"/>
+                      <a:round/>
+                      <a:headEnd type="none" w="med" len="med"/>
+                      <a:tailEnd type="none" w="med" len="med"/>
+                    </a:lnB>
+                    <a:solidFill>
+                      <a:schemeClr val="bg1"/>
+                    </a:solidFill>
+                  </a:tcPr>
+                </a:tc>
+                <a:tc>
+                  <a:txBody>
+                    <a:bodyPr/>
+                    <a:lstStyle/>
+                    <a:p>
+                      <a:pPr algn="ctr">
+                        <a:lnSpc>
+                          <a:spcPct val="90000"/>
+                        </a:lnSpc>
+                      </a:pPr>
+                      <a:r>
+                        <a:rPr lang="en-US" sz="2400" b="0" dirty="0" smtClean="0">
+                          <a:ln>
+                            <a:noFill/>
+                          </a:ln>
+                          <a:solidFill>
+                            <a:srgbClr val="1E3272"/>
+                          </a:solidFill>
+                          <a:latin typeface="+mn-lt"/>
+                        </a:rPr>
+                        <a:t>caller</a:t>
+                      </a:r>
+                      <a:endParaRPr lang="en-US" sz="2400" b="0" dirty="0">
+                        <a:ln>
+                          <a:noFill/>
+                        </a:ln>
+                        <a:solidFill>
+                          <a:srgbClr val="1E3272"/>
+                        </a:solidFill>
+                        <a:latin typeface="+mn-lt"/>
+                      </a:endParaRPr>
+                    </a:p>
+                  </a:txBody>
+                  <a:tcPr>
+                    <a:lnL w="28575" cap="flat" cmpd="sng" algn="ctr">
+                      <a:solidFill>
+                        <a:schemeClr val="tx1"/>
+                      </a:solidFill>
+                      <a:prstDash val="solid"/>
+                      <a:round/>
+                      <a:headEnd type="none" w="med" len="med"/>
+                      <a:tailEnd type="none" w="med" len="med"/>
+                    </a:lnL>
+                    <a:lnR w="28575" cap="flat" cmpd="sng" algn="ctr">
+                      <a:solidFill>
+                        <a:schemeClr val="tx1"/>
+                      </a:solidFill>
+                      <a:prstDash val="solid"/>
+                      <a:round/>
+                      <a:headEnd type="none" w="med" len="med"/>
+                      <a:tailEnd type="none" w="med" len="med"/>
+                    </a:lnR>
+                    <a:lnT w="28575" cap="flat" cmpd="sng" algn="ctr">
+                      <a:solidFill>
+                        <a:schemeClr val="tx1"/>
+                      </a:solidFill>
+                      <a:prstDash val="solid"/>
+                      <a:round/>
+                      <a:headEnd type="none" w="med" len="med"/>
+                      <a:tailEnd type="none" w="med" len="med"/>
+                    </a:lnT>
+                    <a:lnB w="28575" cap="flat" cmpd="sng" algn="ctr">
+                      <a:solidFill>
+                        <a:schemeClr val="tx1"/>
+                      </a:solidFill>
+                      <a:prstDash val="solid"/>
+                      <a:round/>
+                      <a:headEnd type="none" w="med" len="med"/>
+                      <a:tailEnd type="none" w="med" len="med"/>
+                    </a:lnB>
+                    <a:solidFill>
+                      <a:schemeClr val="bg1"/>
+                    </a:solidFill>
+                  </a:tcPr>
+                </a:tc>
+              </a:tr>
+            </a:tbl>
+          </a:graphicData>
+        </a:graphic>
+      </p:graphicFrame>
+      <p:sp>
+        <p:nvSpPr>
+          <p:cNvPr id="8" name="TextBox 7"/>
+          <p:cNvSpPr txBox="1"/>
+          <p:nvPr/>
+        </p:nvSpPr>
+        <p:spPr>
+          <a:xfrm>
+            <a:off x="7951306" y="1620079"/>
+            <a:ext cx="3429000" cy="4015409"/>
+          </a:xfrm>
+          <a:prstGeom prst="rect">
+            <a:avLst/>
+          </a:prstGeom>
+          <a:solidFill>
+            <a:schemeClr val="bg1"/>
+          </a:solidFill>
+        </p:spPr>
+        <p:txBody>
+          <a:bodyPr wrap="square" lIns="72000" tIns="25200" rIns="0" bIns="25200" rtlCol="0" anchor="ctr" anchorCtr="0">
+            <a:normAutofit/>
+          </a:bodyPr>
+          <a:lstStyle/>
+          <a:p>
+            <a:r>
+              <a:rPr lang="en-US" sz="3200" b="1" dirty="0" smtClean="0">
+                <a:solidFill>
+                  <a:srgbClr val="273272"/>
+                </a:solidFill>
+              </a:rPr>
+              <a:t>32 Registers</a:t>
+            </a:r>
+          </a:p>
+          <a:p>
+            <a:endParaRPr lang="en-US" sz="3200" b="1" dirty="0">
+              <a:solidFill>
+                <a:srgbClr val="273272"/>
+              </a:solidFill>
+            </a:endParaRPr>
+          </a:p>
+          <a:p>
+            <a:r>
+              <a:rPr lang="en-US" sz="3200" b="1" dirty="0" smtClean="0">
+                <a:solidFill>
+                  <a:srgbClr val="273272"/>
+                </a:solidFill>
+              </a:rPr>
+              <a:t>32 (or 64) Bits Wide</a:t>
+            </a:r>
+            <a:endParaRPr lang="en-US" sz="3200" b="1" dirty="0" smtClean="0">
+              <a:solidFill>
+                <a:srgbClr val="273272"/>
+              </a:solidFill>
+            </a:endParaRPr>
+          </a:p>
+        </p:txBody>
+      </p:sp>
+    </p:spTree>
+    <p:extLst>
+      <p:ext uri="{BB962C8B-B14F-4D97-AF65-F5344CB8AC3E}">
+        <p14:creationId xmlns:p14="http://schemas.microsoft.com/office/powerpoint/2010/main" val="2496046611"/>
+      </p:ext>
+    </p:extLst>
+  </p:cSld>
+  <p:clrMapOvr>
+    <a:masterClrMapping/>
+  </p:clrMapOvr>
+  <p:timing>
+    <p:tnLst>
+      <p:par>
+        <p:cTn id="1" dur="indefinite" restart="never" nodeType="tmRoot"/>
+      </p:par>
+    </p:tnLst>
+  </p:timing>
+</p:sld>
+</file>
+
+<file path=ppt/slides/slide18.xml><?xml version="1.0" encoding="utf-8"?>
+<p:sld xmlns:a="http://schemas.openxmlformats.org/drawingml/2006/main" xmlns:r="http://schemas.openxmlformats.org/officeDocument/2006/relationships" xmlns:p="http://schemas.openxmlformats.org/presentationml/2006/main">
+  <p:cSld>
+    <p:spTree>
+      <p:nvGrpSpPr>
+        <p:cNvPr id="1" name=""/>
+        <p:cNvGrpSpPr/>
+        <p:nvPr/>
+      </p:nvGrpSpPr>
+      <p:grpSpPr>
+        <a:xfrm>
+          <a:off x="0" y="0"/>
+          <a:ext cx="0" cy="0"/>
+          <a:chOff x="0" y="0"/>
+          <a:chExt cx="0" cy="0"/>
+        </a:xfrm>
+      </p:grpSpPr>
+      <p:sp>
+        <p:nvSpPr>
+          <p:cNvPr id="2" name="Content Placeholder 1"/>
+          <p:cNvSpPr>
+            <a:spLocks noGrp="1"/>
+          </p:cNvSpPr>
+          <p:nvPr>
+            <p:ph idx="1"/>
+          </p:nvPr>
+        </p:nvSpPr>
+        <p:spPr/>
+        <p:txBody>
+          <a:bodyPr/>
+          <a:lstStyle/>
+          <a:p>
+            <a:pPr>
+              <a:lnSpc>
+                <a:spcPct val="100000"/>
+              </a:lnSpc>
+            </a:pPr>
+            <a:r>
+              <a:rPr lang="en-US" dirty="0" smtClean="0"/>
+              <a:t> Fixed-size 32 bit instructions</a:t>
+            </a:r>
+          </a:p>
+          <a:p>
+            <a:pPr>
+              <a:lnSpc>
+                <a:spcPct val="100000"/>
+              </a:lnSpc>
+            </a:pPr>
+            <a:r>
+              <a:rPr lang="en-US" dirty="0" smtClean="0"/>
+              <a:t> Always three operands: d -&gt; op(s, t)</a:t>
+            </a:r>
+          </a:p>
+          <a:p>
+            <a:pPr>
+              <a:lnSpc>
+                <a:spcPct val="100000"/>
+              </a:lnSpc>
+            </a:pPr>
+            <a:r>
+              <a:rPr lang="en-US" dirty="0" smtClean="0"/>
+              <a:t> Instruction types</a:t>
+            </a:r>
+          </a:p>
+          <a:p>
+            <a:pPr lvl="1">
+              <a:lnSpc>
+                <a:spcPct val="100000"/>
+              </a:lnSpc>
+            </a:pPr>
+            <a:r>
+              <a:rPr lang="en-US" dirty="0" smtClean="0"/>
+              <a:t> Computational instructions</a:t>
+            </a:r>
+          </a:p>
+          <a:p>
+            <a:pPr lvl="1">
+              <a:lnSpc>
+                <a:spcPct val="100000"/>
+              </a:lnSpc>
+            </a:pPr>
+            <a:r>
+              <a:rPr lang="en-US" dirty="0" smtClean="0"/>
+              <a:t> Load-store instructions</a:t>
+            </a:r>
+          </a:p>
+          <a:p>
+            <a:pPr lvl="1">
+              <a:lnSpc>
+                <a:spcPct val="100000"/>
+              </a:lnSpc>
+            </a:pPr>
+            <a:r>
+              <a:rPr lang="en-US" dirty="0" smtClean="0"/>
+              <a:t> Control-transfer instructions</a:t>
+            </a:r>
+          </a:p>
+          <a:p>
+            <a:pPr lvl="1">
+              <a:lnSpc>
+                <a:spcPct val="100000"/>
+              </a:lnSpc>
+            </a:pPr>
+            <a:r>
+              <a:rPr lang="en-US" dirty="0" smtClean="0"/>
+              <a:t> System instructions</a:t>
+            </a:r>
+          </a:p>
+          <a:p>
+            <a:r>
+              <a:rPr lang="en-US" dirty="0" smtClean="0"/>
+              <a:t>All operations done with registers</a:t>
+            </a:r>
+            <a:endParaRPr lang="en-US" dirty="0"/>
+          </a:p>
+        </p:txBody>
+      </p:sp>
+      <p:sp>
+        <p:nvSpPr>
+          <p:cNvPr id="3" name="Slide Number Placeholder 2"/>
+          <p:cNvSpPr>
+            <a:spLocks noGrp="1"/>
+          </p:cNvSpPr>
+          <p:nvPr>
+            <p:ph type="sldNum" sz="quarter" idx="12"/>
+          </p:nvPr>
+        </p:nvSpPr>
+        <p:spPr/>
+        <p:txBody>
+          <a:bodyPr/>
+          <a:lstStyle/>
+          <a:p>
+            <a:pPr algn="ctr"/>
+            <a:fld id="{1397BFD8-F312-4EF2-A268-44FB4BDDBBB0}" type="slidenum">
+              <a:rPr lang="ru-RU" smtClean="0"/>
+              <a:pPr algn="ctr"/>
+              <a:t>18</a:t>
+            </a:fld>
+            <a:endParaRPr lang="ru-RU" dirty="0"/>
+          </a:p>
+        </p:txBody>
+      </p:sp>
+      <p:sp>
+        <p:nvSpPr>
+          <p:cNvPr id="4" name="Title 3"/>
+          <p:cNvSpPr>
+            <a:spLocks noGrp="1"/>
+          </p:cNvSpPr>
+          <p:nvPr>
+            <p:ph type="title"/>
+          </p:nvPr>
+        </p:nvSpPr>
+        <p:spPr/>
+        <p:txBody>
+          <a:bodyPr/>
+          <a:lstStyle/>
+          <a:p>
+            <a:r>
+              <a:rPr lang="en-US" dirty="0" smtClean="0"/>
+              <a:t>RISC-V Instructions</a:t>
+            </a:r>
+            <a:endParaRPr lang="en-US" dirty="0"/>
+          </a:p>
+        </p:txBody>
+      </p:sp>
+    </p:spTree>
+    <p:extLst>
+      <p:ext uri="{BB962C8B-B14F-4D97-AF65-F5344CB8AC3E}">
+        <p14:creationId xmlns:p14="http://schemas.microsoft.com/office/powerpoint/2010/main" val="514280657"/>
+      </p:ext>
+    </p:extLst>
+  </p:cSld>
+  <p:clrMapOvr>
+    <a:masterClrMapping/>
+  </p:clrMapOvr>
+  <p:timing>
+    <p:tnLst>
+      <p:par>
+        <p:cTn id="1" dur="indefinite" restart="never" nodeType="tmRoot"/>
+      </p:par>
+    </p:tnLst>
+  </p:timing>
+</p:sld>
+</file>
+
+<file path=ppt/slides/slide19.xml><?xml version="1.0" encoding="utf-8"?>
+<p:sld xmlns:a="http://schemas.openxmlformats.org/drawingml/2006/main" xmlns:r="http://schemas.openxmlformats.org/officeDocument/2006/relationships" xmlns:p="http://schemas.openxmlformats.org/presentationml/2006/main">
+  <p:cSld>
+    <p:spTree>
+      <p:nvGrpSpPr>
+        <p:cNvPr id="1" name=""/>
+        <p:cNvGrpSpPr/>
+        <p:nvPr/>
+      </p:nvGrpSpPr>
+      <p:grpSpPr>
+        <a:xfrm>
+          <a:off x="0" y="0"/>
+          <a:ext cx="0" cy="0"/>
+          <a:chOff x="0" y="0"/>
+          <a:chExt cx="0" cy="0"/>
+        </a:xfrm>
+      </p:grpSpPr>
+      <p:sp>
+        <p:nvSpPr>
           <p:cNvPr id="4" name="Прямоугольник 3"/>
           <p:cNvSpPr/>
           <p:nvPr/>
@@ -6157,7 +11987,7 @@
             <a:fld id="{1397BFD8-F312-4EF2-A268-44FB4BDDBBB0}" type="slidenum">
               <a:rPr lang="ru-RU" smtClean="0"/>
               <a:pPr algn="ctr"/>
-              <a:t>15</a:t>
+              <a:t>19</a:t>
             </a:fld>
             <a:endParaRPr lang="ru-RU" dirty="0"/>
           </a:p>
@@ -6825,11 +12655,6 @@
               </a:rPr>
               <a:t>1 2      3     4     5       6      7       8     9   10</a:t>
             </a:r>
-            <a:endParaRPr lang="en-US" sz="2800" b="1" dirty="0" smtClean="0">
-              <a:solidFill>
-                <a:srgbClr val="2E5E8E"/>
-              </a:solidFill>
-            </a:endParaRPr>
           </a:p>
         </p:txBody>
       </p:sp>
@@ -7003,11 +12828,7 @@
             </a:r>
             <a:r>
               <a:rPr lang="en-US" altLang="en-US" dirty="0" smtClean="0"/>
-              <a:t>CPUs </a:t>
-            </a:r>
-            <a:r>
-              <a:rPr lang="en-US" altLang="en-US" dirty="0" smtClean="0"/>
-              <a:t>and </a:t>
+              <a:t>CPUs and </a:t>
             </a:r>
             <a:r>
               <a:rPr lang="en-US" altLang="en-US" dirty="0"/>
@@ -7079,11 +12900,7 @@
           <a:p>
             <a:r>
               <a:rPr lang="en-US" dirty="0" smtClean="0"/>
-              <a:t>Computer </a:t>
-            </a:r>
-            <a:r>
-              <a:rPr lang="en-US" dirty="0" smtClean="0"/>
-              <a:t>Organization</a:t>
+              <a:t>Computer Organization</a:t>
             </a:r>
             <a:endParaRPr lang="en-US" dirty="0"/>
           </a:p>
@@ -11454,7 +17271,7 @@
           <a:graphicData uri="http://schemas.openxmlformats.org/presentationml/2006/ole">
             <mc:AlternateContent xmlns:mc="http://schemas.openxmlformats.org/markup-compatibility/2006">
               <mc:Choice xmlns:v="urn:schemas-microsoft-com:vml" Requires="v">
-                <p:oleObj spid="_x0000_s3078" name="Equation" r:id="rId3" imgW="3568700" imgH="419100" progId="Equation.3">
+                <p:oleObj spid="_x0000_s3080" name="Equation" r:id="rId3" imgW="3568700" imgH="419100" progId="Equation.3">
                   <p:embed/>
                 </p:oleObj>
               </mc:Choice>

--- a/docs/part1ca/03_CPU/CA_Lecture_03.pptx
+++ b/docs/part1ca/03_CPU/CA_Lecture_03.pptx
@@ -5,10 +5,10 @@
     <p:sldMasterId id="2147483648" r:id="rId1"/>
   </p:sldMasterIdLst>
   <p:notesMasterIdLst>
-    <p:notesMasterId r:id="rId21"/>
+    <p:notesMasterId r:id="rId29"/>
   </p:notesMasterIdLst>
   <p:handoutMasterIdLst>
-    <p:handoutMasterId r:id="rId22"/>
+    <p:handoutMasterId r:id="rId30"/>
   </p:handoutMasterIdLst>
   <p:sldIdLst>
     <p:sldId id="256" r:id="rId2"/>
@@ -29,7 +29,15 @@
     <p:sldId id="294" r:id="rId17"/>
     <p:sldId id="296" r:id="rId18"/>
     <p:sldId id="295" r:id="rId19"/>
-    <p:sldId id="272" r:id="rId20"/>
+    <p:sldId id="298" r:id="rId20"/>
+    <p:sldId id="299" r:id="rId21"/>
+    <p:sldId id="300" r:id="rId22"/>
+    <p:sldId id="301" r:id="rId23"/>
+    <p:sldId id="304" r:id="rId24"/>
+    <p:sldId id="305" r:id="rId25"/>
+    <p:sldId id="303" r:id="rId26"/>
+    <p:sldId id="302" r:id="rId27"/>
+    <p:sldId id="272" r:id="rId28"/>
   </p:sldIdLst>
   <p:sldSz cx="12192000" cy="6858000"/>
   <p:notesSz cx="6858000" cy="9144000"/>
@@ -917,7 +925,7 @@
             <a:fld id="{5583B3A5-99BF-45D9-956B-DC57CC23AD97}" type="slidenum">
               <a:rPr lang="ru-RU" smtClean="0"/>
               <a:pPr/>
-              <a:t>19</a:t>
+              <a:t>27</a:t>
             </a:fld>
             <a:endParaRPr lang="ru-RU"/>
           </a:p>
@@ -6242,11 +6250,6 @@
               </a:rPr>
               <a:t>ALU</a:t>
             </a:r>
-            <a:endParaRPr lang="en-US" sz="3200" b="1" dirty="0" smtClean="0">
-              <a:solidFill>
-                <a:srgbClr val="1E3272"/>
-              </a:solidFill>
-            </a:endParaRPr>
           </a:p>
         </p:txBody>
       </p:sp>
@@ -6281,11 +6284,6 @@
               </a:rPr>
               <a:t>Register File</a:t>
             </a:r>
-            <a:endParaRPr lang="en-US" sz="3200" b="1" dirty="0" smtClean="0">
-              <a:solidFill>
-                <a:srgbClr val="1E3272"/>
-              </a:solidFill>
-            </a:endParaRPr>
           </a:p>
         </p:txBody>
       </p:sp>
@@ -6739,11 +6737,6 @@
               </a:rPr>
               <a:t>Main Memory</a:t>
             </a:r>
-            <a:endParaRPr lang="en-US" sz="3200" b="1" dirty="0" smtClean="0">
-              <a:solidFill>
-                <a:srgbClr val="1E3272"/>
-              </a:solidFill>
-            </a:endParaRPr>
           </a:p>
         </p:txBody>
       </p:sp>
@@ -6778,11 +6771,6 @@
               </a:rPr>
               <a:t>Stores program and data</a:t>
             </a:r>
-            <a:endParaRPr lang="en-US" sz="3200" b="1" dirty="0" smtClean="0">
-              <a:solidFill>
-                <a:srgbClr val="1E3272"/>
-              </a:solidFill>
-            </a:endParaRPr>
           </a:p>
         </p:txBody>
       </p:sp>
@@ -6921,11 +6909,6 @@
               </a:rPr>
               <a:t>4</a:t>
             </a:r>
-            <a:endParaRPr lang="en-US" sz="3900" dirty="0" smtClean="0">
-              <a:solidFill>
-                <a:srgbClr val="1E3272"/>
-              </a:solidFill>
-            </a:endParaRPr>
           </a:p>
           <a:p>
             <a:pPr algn="ctr">
@@ -6956,11 +6939,6 @@
               </a:rPr>
               <a:t>12</a:t>
             </a:r>
-            <a:endParaRPr lang="en-US" sz="3900" dirty="0" smtClean="0">
-              <a:solidFill>
-                <a:srgbClr val="1E3272"/>
-              </a:solidFill>
-            </a:endParaRPr>
           </a:p>
           <a:p>
             <a:pPr algn="ctr">
@@ -7208,11 +7186,7 @@
           <a:p>
             <a:r>
               <a:rPr lang="en-US" altLang="en-US" dirty="0" smtClean="0"/>
-              <a:t>Instruction </a:t>
-            </a:r>
-            <a:r>
-              <a:rPr lang="en-US" altLang="en-US" dirty="0" smtClean="0"/>
-              <a:t>Execution</a:t>
+              <a:t>Instruction Execution</a:t>
             </a:r>
             <a:endParaRPr lang="en-US" dirty="0"/>
           </a:p>
@@ -11219,11 +11193,6 @@
               </a:rPr>
               <a:t>32 (or 64) Bits Wide</a:t>
             </a:r>
-            <a:endParaRPr lang="en-US" sz="3200" b="1" dirty="0" smtClean="0">
-              <a:solidFill>
-                <a:srgbClr val="273272"/>
-              </a:solidFill>
-            </a:endParaRPr>
           </a:p>
         </p:txBody>
       </p:sp>
@@ -11451,526 +11420,125 @@
       </p:grpSpPr>
       <p:sp>
         <p:nvSpPr>
-          <p:cNvPr id="4" name="Прямоугольник 3"/>
-          <p:cNvSpPr/>
-          <p:nvPr/>
-        </p:nvSpPr>
-        <p:spPr>
-          <a:xfrm>
-            <a:off x="2664999" y="472120"/>
-            <a:ext cx="7524751" cy="5262979"/>
-          </a:xfrm>
-          <a:prstGeom prst="rect">
-            <a:avLst/>
-          </a:prstGeom>
-          <a:noFill/>
-          <a:ln>
-            <a:noFill/>
-          </a:ln>
-          <a:scene3d>
-            <a:camera prst="perspectiveRelaxed"/>
-            <a:lightRig rig="threePt" dir="t"/>
-          </a:scene3d>
-        </p:spPr>
-        <p:txBody>
-          <a:bodyPr wrap="square" lIns="91440" tIns="45720" rIns="91440" bIns="45720">
-            <a:spAutoFit/>
-          </a:bodyPr>
-          <a:lstStyle/>
-          <a:p>
-            <a:r>
-              <a:rPr lang="en-US" sz="2400" dirty="0" smtClean="0">
-                <a:ln w="0"/>
-                <a:solidFill>
-                  <a:srgbClr val="273272"/>
-                </a:solidFill>
-                <a:effectLst>
-                  <a:reflection blurRad="6350" stA="53000" endA="300" endPos="35500" dir="5400000" sy="-90000" algn="bl" rotWithShape="0"/>
-                </a:effectLst>
-                <a:latin typeface="Courier New" pitchFamily="49" charset="0"/>
-                <a:cs typeface="Courier New" pitchFamily="49" charset="0"/>
-              </a:rPr>
-              <a:t>		</a:t>
-            </a:r>
-          </a:p>
-          <a:p>
-            <a:r>
-              <a:rPr lang="en-US" sz="2400" dirty="0" smtClean="0">
-                <a:ln w="0"/>
-                <a:solidFill>
-                  <a:srgbClr val="273272"/>
-                </a:solidFill>
-                <a:effectLst>
-                  <a:reflection blurRad="6350" stA="53000" endA="300" endPos="35500" dir="5400000" sy="-90000" algn="bl" rotWithShape="0"/>
-                </a:effectLst>
-                <a:latin typeface="Courier New" pitchFamily="49" charset="0"/>
-                <a:cs typeface="Courier New" pitchFamily="49" charset="0"/>
-              </a:rPr>
-              <a:t>		.text</a:t>
-            </a:r>
-          </a:p>
-          <a:p>
-            <a:r>
-              <a:rPr lang="en-US" sz="2400" dirty="0" smtClean="0">
-                <a:ln w="0"/>
-                <a:solidFill>
-                  <a:srgbClr val="273272"/>
-                </a:solidFill>
-                <a:effectLst>
-                  <a:reflection blurRad="6350" stA="53000" endA="300" endPos="35500" dir="5400000" sy="-90000" algn="bl" rotWithShape="0"/>
-                </a:effectLst>
-                <a:latin typeface="Courier New" pitchFamily="49" charset="0"/>
-                <a:cs typeface="Courier New" pitchFamily="49" charset="0"/>
-              </a:rPr>
-              <a:t>__start:	</a:t>
-            </a:r>
-            <a:r>
-              <a:rPr lang="en-US" sz="2400" dirty="0" err="1" smtClean="0">
-                <a:ln w="0"/>
-                <a:solidFill>
-                  <a:srgbClr val="273272"/>
-                </a:solidFill>
-                <a:effectLst>
-                  <a:reflection blurRad="6350" stA="53000" endA="300" endPos="35500" dir="5400000" sy="-90000" algn="bl" rotWithShape="0"/>
-                </a:effectLst>
-                <a:latin typeface="Courier New" pitchFamily="49" charset="0"/>
-                <a:cs typeface="Courier New" pitchFamily="49" charset="0"/>
-              </a:rPr>
-              <a:t>addi</a:t>
-            </a:r>
-            <a:r>
-              <a:rPr lang="en-US" sz="2400" dirty="0" smtClean="0">
-                <a:ln w="0"/>
-                <a:solidFill>
-                  <a:srgbClr val="273272"/>
-                </a:solidFill>
-                <a:effectLst>
-                  <a:reflection blurRad="6350" stA="53000" endA="300" endPos="35500" dir="5400000" sy="-90000" algn="bl" rotWithShape="0"/>
-                </a:effectLst>
-                <a:latin typeface="Courier New" pitchFamily="49" charset="0"/>
-                <a:cs typeface="Courier New" pitchFamily="49" charset="0"/>
-              </a:rPr>
-              <a:t> t1, zero, 0x18</a:t>
-            </a:r>
-          </a:p>
-          <a:p>
-            <a:r>
-              <a:rPr lang="en-US" sz="2400" dirty="0" smtClean="0">
-                <a:ln w="0"/>
-                <a:solidFill>
-                  <a:srgbClr val="273272"/>
-                </a:solidFill>
-                <a:effectLst>
-                  <a:reflection blurRad="6350" stA="53000" endA="300" endPos="35500" dir="5400000" sy="-90000" algn="bl" rotWithShape="0"/>
-                </a:effectLst>
-                <a:latin typeface="Courier New" pitchFamily="49" charset="0"/>
-                <a:cs typeface="Courier New" pitchFamily="49" charset="0"/>
-              </a:rPr>
-              <a:t>		</a:t>
-            </a:r>
-            <a:r>
-              <a:rPr lang="en-US" sz="2400" dirty="0" err="1" smtClean="0">
-                <a:ln w="0"/>
-                <a:solidFill>
-                  <a:srgbClr val="273272"/>
-                </a:solidFill>
-                <a:effectLst>
-                  <a:reflection blurRad="6350" stA="53000" endA="300" endPos="35500" dir="5400000" sy="-90000" algn="bl" rotWithShape="0"/>
-                </a:effectLst>
-                <a:latin typeface="Courier New" pitchFamily="49" charset="0"/>
-                <a:cs typeface="Courier New" pitchFamily="49" charset="0"/>
-              </a:rPr>
-              <a:t>addi</a:t>
-            </a:r>
-            <a:r>
-              <a:rPr lang="en-US" sz="2400" dirty="0" smtClean="0">
-                <a:ln w="0"/>
-                <a:solidFill>
-                  <a:srgbClr val="273272"/>
-                </a:solidFill>
-                <a:effectLst>
-                  <a:reflection blurRad="6350" stA="53000" endA="300" endPos="35500" dir="5400000" sy="-90000" algn="bl" rotWithShape="0"/>
-                </a:effectLst>
-                <a:latin typeface="Courier New" pitchFamily="49" charset="0"/>
-                <a:cs typeface="Courier New" pitchFamily="49" charset="0"/>
-              </a:rPr>
-              <a:t> t2, zero, 0x21</a:t>
-            </a:r>
-          </a:p>
-          <a:p>
-            <a:r>
-              <a:rPr lang="en-US" sz="2400" dirty="0" smtClean="0">
-                <a:ln w="0"/>
-                <a:solidFill>
-                  <a:srgbClr val="273272"/>
-                </a:solidFill>
-                <a:effectLst>
-                  <a:reflection blurRad="6350" stA="53000" endA="300" endPos="35500" dir="5400000" sy="-90000" algn="bl" rotWithShape="0"/>
-                </a:effectLst>
-                <a:latin typeface="Courier New" pitchFamily="49" charset="0"/>
-                <a:cs typeface="Courier New" pitchFamily="49" charset="0"/>
-              </a:rPr>
-              <a:t>cycle:	</a:t>
-            </a:r>
-            <a:r>
-              <a:rPr lang="en-US" sz="2400" dirty="0" err="1" smtClean="0">
-                <a:ln w="0"/>
-                <a:solidFill>
-                  <a:srgbClr val="273272"/>
-                </a:solidFill>
-                <a:effectLst>
-                  <a:reflection blurRad="6350" stA="53000" endA="300" endPos="35500" dir="5400000" sy="-90000" algn="bl" rotWithShape="0"/>
-                </a:effectLst>
-                <a:latin typeface="Courier New" pitchFamily="49" charset="0"/>
-                <a:cs typeface="Courier New" pitchFamily="49" charset="0"/>
-              </a:rPr>
-              <a:t>beq</a:t>
-            </a:r>
-            <a:r>
-              <a:rPr lang="en-US" sz="2400" dirty="0" smtClean="0">
-                <a:ln w="0"/>
-                <a:solidFill>
-                  <a:srgbClr val="273272"/>
-                </a:solidFill>
-                <a:effectLst>
-                  <a:reflection blurRad="6350" stA="53000" endA="300" endPos="35500" dir="5400000" sy="-90000" algn="bl" rotWithShape="0"/>
-                </a:effectLst>
-                <a:latin typeface="Courier New" pitchFamily="49" charset="0"/>
-                <a:cs typeface="Courier New" pitchFamily="49" charset="0"/>
-              </a:rPr>
-              <a:t> t1, t2, done</a:t>
-            </a:r>
-          </a:p>
-          <a:p>
-            <a:r>
-              <a:rPr lang="en-US" sz="2400" dirty="0" smtClean="0">
-                <a:ln w="0"/>
-                <a:solidFill>
-                  <a:srgbClr val="273272"/>
-                </a:solidFill>
-                <a:effectLst>
-                  <a:reflection blurRad="6350" stA="53000" endA="300" endPos="35500" dir="5400000" sy="-90000" algn="bl" rotWithShape="0"/>
-                </a:effectLst>
-                <a:latin typeface="Courier New" pitchFamily="49" charset="0"/>
-                <a:cs typeface="Courier New" pitchFamily="49" charset="0"/>
-              </a:rPr>
-              <a:t>		</a:t>
-            </a:r>
-            <a:r>
-              <a:rPr lang="en-US" sz="2400" dirty="0" err="1" smtClean="0">
-                <a:ln w="0"/>
-                <a:solidFill>
-                  <a:srgbClr val="273272"/>
-                </a:solidFill>
-                <a:effectLst>
-                  <a:reflection blurRad="6350" stA="53000" endA="300" endPos="35500" dir="5400000" sy="-90000" algn="bl" rotWithShape="0"/>
-                </a:effectLst>
-                <a:latin typeface="Courier New" pitchFamily="49" charset="0"/>
-                <a:cs typeface="Courier New" pitchFamily="49" charset="0"/>
-              </a:rPr>
-              <a:t>slt</a:t>
-            </a:r>
-            <a:r>
-              <a:rPr lang="en-US" sz="2400" dirty="0" smtClean="0">
-                <a:ln w="0"/>
-                <a:solidFill>
-                  <a:srgbClr val="273272"/>
-                </a:solidFill>
-                <a:effectLst>
-                  <a:reflection blurRad="6350" stA="53000" endA="300" endPos="35500" dir="5400000" sy="-90000" algn="bl" rotWithShape="0"/>
-                </a:effectLst>
-                <a:latin typeface="Courier New" pitchFamily="49" charset="0"/>
-                <a:cs typeface="Courier New" pitchFamily="49" charset="0"/>
-              </a:rPr>
-              <a:t> t0, t1, t2</a:t>
-            </a:r>
-          </a:p>
-          <a:p>
-            <a:r>
-              <a:rPr lang="en-US" sz="2400" dirty="0" smtClean="0">
-                <a:ln w="0"/>
-                <a:solidFill>
-                  <a:srgbClr val="273272"/>
-                </a:solidFill>
-                <a:effectLst>
-                  <a:reflection blurRad="6350" stA="53000" endA="300" endPos="35500" dir="5400000" sy="-90000" algn="bl" rotWithShape="0"/>
-                </a:effectLst>
-                <a:latin typeface="Courier New" pitchFamily="49" charset="0"/>
-                <a:cs typeface="Courier New" pitchFamily="49" charset="0"/>
-              </a:rPr>
-              <a:t>		</a:t>
-            </a:r>
-            <a:r>
-              <a:rPr lang="en-US" sz="2400" dirty="0" err="1" smtClean="0">
-                <a:ln w="0"/>
-                <a:solidFill>
-                  <a:srgbClr val="273272"/>
-                </a:solidFill>
-                <a:effectLst>
-                  <a:reflection blurRad="6350" stA="53000" endA="300" endPos="35500" dir="5400000" sy="-90000" algn="bl" rotWithShape="0"/>
-                </a:effectLst>
-                <a:latin typeface="Courier New" pitchFamily="49" charset="0"/>
-                <a:cs typeface="Courier New" pitchFamily="49" charset="0"/>
-              </a:rPr>
-              <a:t>bne</a:t>
-            </a:r>
-            <a:r>
-              <a:rPr lang="en-US" sz="2400" dirty="0" smtClean="0">
-                <a:ln w="0"/>
-                <a:solidFill>
-                  <a:srgbClr val="273272"/>
-                </a:solidFill>
-                <a:effectLst>
-                  <a:reflection blurRad="6350" stA="53000" endA="300" endPos="35500" dir="5400000" sy="-90000" algn="bl" rotWithShape="0"/>
-                </a:effectLst>
-                <a:latin typeface="Courier New" pitchFamily="49" charset="0"/>
-                <a:cs typeface="Courier New" pitchFamily="49" charset="0"/>
-              </a:rPr>
-              <a:t> t0, zero, </a:t>
-            </a:r>
-            <a:r>
-              <a:rPr lang="en-US" sz="2400" dirty="0" err="1" smtClean="0">
-                <a:ln w="0"/>
-                <a:solidFill>
-                  <a:srgbClr val="273272"/>
-                </a:solidFill>
-                <a:effectLst>
-                  <a:reflection blurRad="6350" stA="53000" endA="300" endPos="35500" dir="5400000" sy="-90000" algn="bl" rotWithShape="0"/>
-                </a:effectLst>
-                <a:latin typeface="Courier New" pitchFamily="49" charset="0"/>
-                <a:cs typeface="Courier New" pitchFamily="49" charset="0"/>
-              </a:rPr>
-              <a:t>if_less</a:t>
-            </a:r>
-            <a:endParaRPr lang="en-US" sz="2400" dirty="0" smtClean="0">
-              <a:ln w="0"/>
-              <a:solidFill>
-                <a:srgbClr val="273272"/>
-              </a:solidFill>
-              <a:effectLst>
-                <a:reflection blurRad="6350" stA="53000" endA="300" endPos="35500" dir="5400000" sy="-90000" algn="bl" rotWithShape="0"/>
-              </a:effectLst>
-              <a:latin typeface="Courier New" pitchFamily="49" charset="0"/>
-              <a:cs typeface="Courier New" pitchFamily="49" charset="0"/>
-            </a:endParaRPr>
-          </a:p>
-          <a:p>
-            <a:r>
-              <a:rPr lang="en-US" sz="2400" dirty="0" smtClean="0">
-                <a:ln w="0"/>
-                <a:solidFill>
-                  <a:srgbClr val="273272"/>
-                </a:solidFill>
-                <a:effectLst>
-                  <a:reflection blurRad="6350" stA="53000" endA="300" endPos="35500" dir="5400000" sy="-90000" algn="bl" rotWithShape="0"/>
-                </a:effectLst>
-                <a:latin typeface="Courier New" pitchFamily="49" charset="0"/>
-                <a:cs typeface="Courier New" pitchFamily="49" charset="0"/>
-              </a:rPr>
-              <a:t>		</a:t>
-            </a:r>
-            <a:r>
-              <a:rPr lang="en-US" sz="2400" dirty="0" err="1" smtClean="0">
-                <a:ln w="0"/>
-                <a:solidFill>
-                  <a:srgbClr val="273272"/>
-                </a:solidFill>
-                <a:effectLst>
-                  <a:reflection blurRad="6350" stA="53000" endA="300" endPos="35500" dir="5400000" sy="-90000" algn="bl" rotWithShape="0"/>
-                </a:effectLst>
-                <a:latin typeface="Courier New" pitchFamily="49" charset="0"/>
-                <a:cs typeface="Courier New" pitchFamily="49" charset="0"/>
-              </a:rPr>
-              <a:t>nop</a:t>
-            </a:r>
-            <a:endParaRPr lang="en-US" sz="2400" dirty="0" smtClean="0">
-              <a:ln w="0"/>
-              <a:solidFill>
-                <a:srgbClr val="273272"/>
-              </a:solidFill>
-              <a:effectLst>
-                <a:reflection blurRad="6350" stA="53000" endA="300" endPos="35500" dir="5400000" sy="-90000" algn="bl" rotWithShape="0"/>
-              </a:effectLst>
-              <a:latin typeface="Courier New" pitchFamily="49" charset="0"/>
-              <a:cs typeface="Courier New" pitchFamily="49" charset="0"/>
-            </a:endParaRPr>
-          </a:p>
-          <a:p>
-            <a:r>
-              <a:rPr lang="en-US" sz="2400" dirty="0" smtClean="0">
-                <a:ln w="0"/>
-                <a:solidFill>
-                  <a:srgbClr val="273272"/>
-                </a:solidFill>
-                <a:effectLst>
-                  <a:reflection blurRad="6350" stA="53000" endA="300" endPos="35500" dir="5400000" sy="-90000" algn="bl" rotWithShape="0"/>
-                </a:effectLst>
-                <a:latin typeface="Courier New" pitchFamily="49" charset="0"/>
-                <a:cs typeface="Courier New" pitchFamily="49" charset="0"/>
-              </a:rPr>
-              <a:t>		sub t1, t1, t2</a:t>
-            </a:r>
-          </a:p>
-          <a:p>
-            <a:r>
-              <a:rPr lang="en-US" sz="2400" dirty="0" smtClean="0">
-                <a:ln w="0"/>
-                <a:solidFill>
-                  <a:srgbClr val="273272"/>
-                </a:solidFill>
-                <a:effectLst>
-                  <a:reflection blurRad="6350" stA="53000" endA="300" endPos="35500" dir="5400000" sy="-90000" algn="bl" rotWithShape="0"/>
-                </a:effectLst>
-                <a:latin typeface="Courier New" pitchFamily="49" charset="0"/>
-                <a:cs typeface="Courier New" pitchFamily="49" charset="0"/>
-              </a:rPr>
-              <a:t>		j cycle</a:t>
-            </a:r>
-          </a:p>
-          <a:p>
-            <a:r>
-              <a:rPr lang="en-US" sz="2400" dirty="0" smtClean="0">
-                <a:ln w="0"/>
-                <a:solidFill>
-                  <a:srgbClr val="273272"/>
-                </a:solidFill>
-                <a:effectLst>
-                  <a:reflection blurRad="6350" stA="53000" endA="300" endPos="35500" dir="5400000" sy="-90000" algn="bl" rotWithShape="0"/>
-                </a:effectLst>
-                <a:latin typeface="Courier New" pitchFamily="49" charset="0"/>
-                <a:cs typeface="Courier New" pitchFamily="49" charset="0"/>
-              </a:rPr>
-              <a:t>		</a:t>
-            </a:r>
-            <a:r>
-              <a:rPr lang="en-US" sz="2400" dirty="0" err="1" smtClean="0">
-                <a:ln w="0"/>
-                <a:solidFill>
-                  <a:srgbClr val="273272"/>
-                </a:solidFill>
-                <a:effectLst>
-                  <a:reflection blurRad="6350" stA="53000" endA="300" endPos="35500" dir="5400000" sy="-90000" algn="bl" rotWithShape="0"/>
-                </a:effectLst>
-                <a:latin typeface="Courier New" pitchFamily="49" charset="0"/>
-                <a:cs typeface="Courier New" pitchFamily="49" charset="0"/>
-              </a:rPr>
-              <a:t>nop</a:t>
-            </a:r>
-            <a:endParaRPr lang="en-US" sz="2400" dirty="0" smtClean="0">
-              <a:ln w="0"/>
-              <a:solidFill>
-                <a:srgbClr val="273272"/>
-              </a:solidFill>
-              <a:effectLst>
-                <a:reflection blurRad="6350" stA="53000" endA="300" endPos="35500" dir="5400000" sy="-90000" algn="bl" rotWithShape="0"/>
-              </a:effectLst>
-              <a:latin typeface="Courier New" pitchFamily="49" charset="0"/>
-              <a:cs typeface="Courier New" pitchFamily="49" charset="0"/>
-            </a:endParaRPr>
-          </a:p>
-          <a:p>
-            <a:r>
-              <a:rPr lang="en-US" sz="2400" dirty="0" err="1" smtClean="0">
-                <a:ln w="0"/>
-                <a:solidFill>
-                  <a:srgbClr val="273272"/>
-                </a:solidFill>
-                <a:effectLst>
-                  <a:reflection blurRad="6350" stA="53000" endA="300" endPos="35500" dir="5400000" sy="-90000" algn="bl" rotWithShape="0"/>
-                </a:effectLst>
-                <a:latin typeface="Courier New" pitchFamily="49" charset="0"/>
-                <a:cs typeface="Courier New" pitchFamily="49" charset="0"/>
-              </a:rPr>
-              <a:t>if_less</a:t>
-            </a:r>
-            <a:r>
-              <a:rPr lang="en-US" sz="2400" dirty="0" smtClean="0">
-                <a:ln w="0"/>
-                <a:solidFill>
-                  <a:srgbClr val="273272"/>
-                </a:solidFill>
-                <a:effectLst>
-                  <a:reflection blurRad="6350" stA="53000" endA="300" endPos="35500" dir="5400000" sy="-90000" algn="bl" rotWithShape="0"/>
-                </a:effectLst>
-                <a:latin typeface="Courier New" pitchFamily="49" charset="0"/>
-                <a:cs typeface="Courier New" pitchFamily="49" charset="0"/>
-              </a:rPr>
-              <a:t>:	sub t2, t2, t1</a:t>
-            </a:r>
-          </a:p>
-          <a:p>
-            <a:r>
-              <a:rPr lang="en-US" sz="2400" dirty="0" smtClean="0">
-                <a:ln w="0"/>
-                <a:solidFill>
-                  <a:srgbClr val="273272"/>
-                </a:solidFill>
-                <a:effectLst>
-                  <a:reflection blurRad="6350" stA="53000" endA="300" endPos="35500" dir="5400000" sy="-90000" algn="bl" rotWithShape="0"/>
-                </a:effectLst>
-                <a:latin typeface="Courier New" pitchFamily="49" charset="0"/>
-                <a:cs typeface="Courier New" pitchFamily="49" charset="0"/>
-              </a:rPr>
-              <a:t>		j cycle</a:t>
-            </a:r>
-          </a:p>
-          <a:p>
-            <a:r>
-              <a:rPr lang="en-US" sz="2400" dirty="0" smtClean="0">
-                <a:ln w="0"/>
-                <a:solidFill>
-                  <a:srgbClr val="273272"/>
-                </a:solidFill>
-                <a:effectLst>
-                  <a:reflection blurRad="6350" stA="53000" endA="300" endPos="35500" dir="5400000" sy="-90000" algn="bl" rotWithShape="0"/>
-                </a:effectLst>
-                <a:latin typeface="Courier New" pitchFamily="49" charset="0"/>
-                <a:cs typeface="Courier New" pitchFamily="49" charset="0"/>
-              </a:rPr>
-              <a:t>done:		add t3, t1, zero</a:t>
-            </a:r>
-            <a:endParaRPr lang="ru-RU" sz="2400" b="0" cap="none" spc="0" dirty="0">
-              <a:ln w="0"/>
-              <a:solidFill>
-                <a:srgbClr val="273272"/>
-              </a:solidFill>
-              <a:effectLst>
-                <a:reflection blurRad="6350" stA="53000" endA="300" endPos="35500" dir="5400000" sy="-90000" algn="bl" rotWithShape="0"/>
-              </a:effectLst>
-              <a:latin typeface="Courier New" pitchFamily="49" charset="0"/>
-              <a:cs typeface="Courier New" pitchFamily="49" charset="0"/>
-            </a:endParaRPr>
-          </a:p>
-        </p:txBody>
-      </p:sp>
-      <p:sp>
-        <p:nvSpPr>
-          <p:cNvPr id="2" name="Заголовок 1"/>
+          <p:cNvPr id="2" name="Content Placeholder 1"/>
           <p:cNvSpPr>
             <a:spLocks noGrp="1"/>
           </p:cNvSpPr>
           <p:nvPr>
-            <p:ph type="title"/>
+            <p:ph idx="1"/>
           </p:nvPr>
         </p:nvSpPr>
-        <p:spPr/>
+        <p:spPr>
+          <a:xfrm>
+            <a:off x="838200" y="1719469"/>
+            <a:ext cx="4767470" cy="4890052"/>
+          </a:xfrm>
+          <a:ln w="25400">
+            <a:solidFill>
+              <a:srgbClr val="1E3272"/>
+            </a:solidFill>
+          </a:ln>
+        </p:spPr>
         <p:txBody>
           <a:bodyPr>
-            <a:normAutofit/>
+            <a:noAutofit/>
           </a:bodyPr>
           <a:lstStyle/>
           <a:p>
-            <a:r>
-              <a:rPr lang="en-US" dirty="0" smtClean="0"/>
-              <a:t>Any Questions?</a:t>
-            </a:r>
-            <a:endParaRPr lang="ru-RU" sz="4000" dirty="0"/>
-          </a:p>
-        </p:txBody>
-      </p:sp>
-      <p:sp>
-        <p:nvSpPr>
-          <p:cNvPr id="6" name="Номер слайда 5"/>
+            <a:pPr marL="457200" indent="-457200">
+              <a:spcBef>
+                <a:spcPts val="1200"/>
+              </a:spcBef>
+              <a:buFont typeface="+mj-lt"/>
+              <a:buAutoNum type="arabicPeriod"/>
+            </a:pPr>
+            <a:r>
+              <a:rPr lang="en-US" sz="3200" dirty="0"/>
+              <a:t>Primitive a</a:t>
+            </a:r>
+            <a:r>
+              <a:rPr lang="en-US" sz="3200" dirty="0" smtClean="0"/>
+              <a:t>rithmetic and </a:t>
+            </a:r>
+            <a:r>
+              <a:rPr lang="en-US" sz="3200" dirty="0"/>
+              <a:t>logical operations</a:t>
+            </a:r>
+          </a:p>
+          <a:p>
+            <a:pPr marL="457200" indent="-457200">
+              <a:spcBef>
+                <a:spcPts val="0"/>
+              </a:spcBef>
+              <a:buFont typeface="+mj-lt"/>
+              <a:buAutoNum type="arabicPeriod"/>
+            </a:pPr>
+            <a:r>
+              <a:rPr lang="en-US" sz="3200" dirty="0" smtClean="0"/>
+              <a:t>Complex </a:t>
+            </a:r>
+            <a:r>
+              <a:rPr lang="en-US" sz="3200" dirty="0"/>
+              <a:t>data </a:t>
+            </a:r>
+            <a:r>
+              <a:rPr lang="en-US" sz="3200" dirty="0" smtClean="0"/>
+              <a:t>types and </a:t>
+            </a:r>
+            <a:r>
+              <a:rPr lang="en-US" sz="3200" dirty="0"/>
+              <a:t>data structures</a:t>
+            </a:r>
+          </a:p>
+          <a:p>
+            <a:pPr marL="457200" indent="-457200">
+              <a:spcBef>
+                <a:spcPts val="0"/>
+              </a:spcBef>
+              <a:buFont typeface="+mj-lt"/>
+              <a:buAutoNum type="arabicPeriod"/>
+            </a:pPr>
+            <a:r>
+              <a:rPr lang="en-US" sz="3200" dirty="0" smtClean="0"/>
+              <a:t>Complex control structures – conditional statements</a:t>
+            </a:r>
+            <a:r>
+              <a:rPr lang="en-US" sz="3200" dirty="0"/>
+              <a:t>, loops </a:t>
+            </a:r>
+            <a:r>
+              <a:rPr lang="en-US" sz="3200" dirty="0" smtClean="0"/>
+              <a:t>and procedures</a:t>
+            </a:r>
+            <a:endParaRPr lang="en-US" sz="3200" dirty="0"/>
+          </a:p>
+          <a:p>
+            <a:pPr marL="457200" indent="-457200">
+              <a:spcBef>
+                <a:spcPts val="0"/>
+              </a:spcBef>
+              <a:buFont typeface="+mj-lt"/>
+              <a:buAutoNum type="arabicPeriod"/>
+            </a:pPr>
+            <a:r>
+              <a:rPr lang="en-US" sz="3200" dirty="0" smtClean="0"/>
+              <a:t>Not </a:t>
+            </a:r>
+            <a:r>
+              <a:rPr lang="en-US" sz="3200" dirty="0"/>
+              <a:t>suitable for </a:t>
+            </a:r>
+            <a:r>
+              <a:rPr lang="en-US" sz="3200" dirty="0" smtClean="0"/>
+              <a:t>direct implementation in hardware</a:t>
+            </a:r>
+            <a:endParaRPr lang="en-US" sz="3200" dirty="0"/>
+          </a:p>
+        </p:txBody>
+      </p:sp>
+      <p:sp>
+        <p:nvSpPr>
+          <p:cNvPr id="3" name="Slide Number Placeholder 2"/>
           <p:cNvSpPr>
             <a:spLocks noGrp="1"/>
           </p:cNvSpPr>
@@ -11993,10 +11561,374 @@
           </a:p>
         </p:txBody>
       </p:sp>
+      <p:sp>
+        <p:nvSpPr>
+          <p:cNvPr id="4" name="Title 3"/>
+          <p:cNvSpPr>
+            <a:spLocks noGrp="1"/>
+          </p:cNvSpPr>
+          <p:nvPr>
+            <p:ph type="title"/>
+          </p:nvPr>
+        </p:nvSpPr>
+        <p:spPr/>
+        <p:txBody>
+          <a:bodyPr/>
+          <a:lstStyle/>
+          <a:p>
+            <a:r>
+              <a:rPr lang="en-US" dirty="0" smtClean="0"/>
+              <a:t>Assembly Programming</a:t>
+            </a:r>
+            <a:endParaRPr lang="en-US" dirty="0"/>
+          </a:p>
+        </p:txBody>
+      </p:sp>
+      <p:sp>
+        <p:nvSpPr>
+          <p:cNvPr id="5" name="Content Placeholder 1"/>
+          <p:cNvSpPr txBox="1">
+            <a:spLocks/>
+          </p:cNvSpPr>
+          <p:nvPr/>
+        </p:nvSpPr>
+        <p:spPr>
+          <a:xfrm>
+            <a:off x="5782930" y="1719468"/>
+            <a:ext cx="4871818" cy="4890053"/>
+          </a:xfrm>
+          <a:prstGeom prst="rect">
+            <a:avLst/>
+          </a:prstGeom>
+          <a:ln w="25400">
+            <a:solidFill>
+              <a:srgbClr val="1E3272"/>
+            </a:solidFill>
+          </a:ln>
+        </p:spPr>
+        <p:txBody>
+          <a:bodyPr vert="horz" lIns="91440" tIns="45720" rIns="91440" bIns="45720" rtlCol="0">
+            <a:normAutofit/>
+          </a:bodyPr>
+          <a:lstStyle>
+            <a:lvl1pPr marL="228600" indent="-228600" algn="l" defTabSz="914400" rtl="0" eaLnBrk="1" latinLnBrk="0" hangingPunct="1">
+              <a:lnSpc>
+                <a:spcPct val="90000"/>
+              </a:lnSpc>
+              <a:spcBef>
+                <a:spcPts val="1000"/>
+              </a:spcBef>
+              <a:buFont typeface="Wingdings" pitchFamily="2" charset="2"/>
+              <a:buChar char="§"/>
+              <a:defRPr sz="3600" kern="1200">
+                <a:solidFill>
+                  <a:srgbClr val="273272"/>
+                </a:solidFill>
+                <a:latin typeface="+mn-lt"/>
+                <a:ea typeface="+mn-ea"/>
+                <a:cs typeface="+mn-cs"/>
+              </a:defRPr>
+            </a:lvl1pPr>
+            <a:lvl2pPr marL="685800" indent="-228600" algn="l" defTabSz="914400" rtl="0" eaLnBrk="1" latinLnBrk="0" hangingPunct="1">
+              <a:lnSpc>
+                <a:spcPct val="90000"/>
+              </a:lnSpc>
+              <a:spcBef>
+                <a:spcPts val="500"/>
+              </a:spcBef>
+              <a:buClr>
+                <a:srgbClr val="F7B217"/>
+              </a:buClr>
+              <a:buFont typeface="Wingdings" pitchFamily="2" charset="2"/>
+              <a:buChar char="§"/>
+              <a:defRPr sz="3200" kern="1200">
+                <a:solidFill>
+                  <a:srgbClr val="273272"/>
+                </a:solidFill>
+                <a:latin typeface="+mn-lt"/>
+                <a:ea typeface="+mn-ea"/>
+                <a:cs typeface="+mn-cs"/>
+              </a:defRPr>
+            </a:lvl2pPr>
+            <a:lvl3pPr marL="1143000" indent="-228600" algn="l" defTabSz="914400" rtl="0" eaLnBrk="1" latinLnBrk="0" hangingPunct="1">
+              <a:lnSpc>
+                <a:spcPct val="90000"/>
+              </a:lnSpc>
+              <a:spcBef>
+                <a:spcPts val="500"/>
+              </a:spcBef>
+              <a:buFont typeface="Wingdings" pitchFamily="2" charset="2"/>
+              <a:buChar char="§"/>
+              <a:defRPr sz="2400" kern="1200">
+                <a:solidFill>
+                  <a:srgbClr val="273272"/>
+                </a:solidFill>
+                <a:latin typeface="+mn-lt"/>
+                <a:ea typeface="+mn-ea"/>
+                <a:cs typeface="+mn-cs"/>
+              </a:defRPr>
+            </a:lvl3pPr>
+            <a:lvl4pPr marL="1600200" indent="-228600" algn="l" defTabSz="914400" rtl="0" eaLnBrk="1" latinLnBrk="0" hangingPunct="1">
+              <a:lnSpc>
+                <a:spcPct val="90000"/>
+              </a:lnSpc>
+              <a:spcBef>
+                <a:spcPts val="500"/>
+              </a:spcBef>
+              <a:buFont typeface="Arial" panose="020B0604020202020204" pitchFamily="34" charset="0"/>
+              <a:buChar char="•"/>
+              <a:defRPr sz="2000" kern="1200">
+                <a:solidFill>
+                  <a:srgbClr val="273272"/>
+                </a:solidFill>
+                <a:latin typeface="+mn-lt"/>
+                <a:ea typeface="+mn-ea"/>
+                <a:cs typeface="+mn-cs"/>
+              </a:defRPr>
+            </a:lvl4pPr>
+            <a:lvl5pPr marL="2057400" indent="-228600" algn="l" defTabSz="914400" rtl="0" eaLnBrk="1" latinLnBrk="0" hangingPunct="1">
+              <a:lnSpc>
+                <a:spcPct val="90000"/>
+              </a:lnSpc>
+              <a:spcBef>
+                <a:spcPts val="500"/>
+              </a:spcBef>
+              <a:buFont typeface="Arial" panose="020B0604020202020204" pitchFamily="34" charset="0"/>
+              <a:buChar char="•"/>
+              <a:defRPr sz="1800" kern="1200">
+                <a:solidFill>
+                  <a:srgbClr val="273272"/>
+                </a:solidFill>
+                <a:latin typeface="+mn-lt"/>
+                <a:ea typeface="+mn-ea"/>
+                <a:cs typeface="+mn-cs"/>
+              </a:defRPr>
+            </a:lvl5pPr>
+            <a:lvl6pPr marL="2514600" indent="-228600" algn="l" defTabSz="914400" rtl="0" eaLnBrk="1" latinLnBrk="0" hangingPunct="1">
+              <a:lnSpc>
+                <a:spcPct val="90000"/>
+              </a:lnSpc>
+              <a:spcBef>
+                <a:spcPts val="500"/>
+              </a:spcBef>
+              <a:buFont typeface="Arial" panose="020B0604020202020204" pitchFamily="34" charset="0"/>
+              <a:buChar char="•"/>
+              <a:defRPr sz="1800" kern="1200">
+                <a:solidFill>
+                  <a:schemeClr val="tx1"/>
+                </a:solidFill>
+                <a:latin typeface="+mn-lt"/>
+                <a:ea typeface="+mn-ea"/>
+                <a:cs typeface="+mn-cs"/>
+              </a:defRPr>
+            </a:lvl6pPr>
+            <a:lvl7pPr marL="2971800" indent="-228600" algn="l" defTabSz="914400" rtl="0" eaLnBrk="1" latinLnBrk="0" hangingPunct="1">
+              <a:lnSpc>
+                <a:spcPct val="90000"/>
+              </a:lnSpc>
+              <a:spcBef>
+                <a:spcPts val="500"/>
+              </a:spcBef>
+              <a:buFont typeface="Arial" panose="020B0604020202020204" pitchFamily="34" charset="0"/>
+              <a:buChar char="•"/>
+              <a:defRPr sz="1800" kern="1200">
+                <a:solidFill>
+                  <a:schemeClr val="tx1"/>
+                </a:solidFill>
+                <a:latin typeface="+mn-lt"/>
+                <a:ea typeface="+mn-ea"/>
+                <a:cs typeface="+mn-cs"/>
+              </a:defRPr>
+            </a:lvl7pPr>
+            <a:lvl8pPr marL="3429000" indent="-228600" algn="l" defTabSz="914400" rtl="0" eaLnBrk="1" latinLnBrk="0" hangingPunct="1">
+              <a:lnSpc>
+                <a:spcPct val="90000"/>
+              </a:lnSpc>
+              <a:spcBef>
+                <a:spcPts val="500"/>
+              </a:spcBef>
+              <a:buFont typeface="Arial" panose="020B0604020202020204" pitchFamily="34" charset="0"/>
+              <a:buChar char="•"/>
+              <a:defRPr sz="1800" kern="1200">
+                <a:solidFill>
+                  <a:schemeClr val="tx1"/>
+                </a:solidFill>
+                <a:latin typeface="+mn-lt"/>
+                <a:ea typeface="+mn-ea"/>
+                <a:cs typeface="+mn-cs"/>
+              </a:defRPr>
+            </a:lvl8pPr>
+            <a:lvl9pPr marL="3886200" indent="-228600" algn="l" defTabSz="914400" rtl="0" eaLnBrk="1" latinLnBrk="0" hangingPunct="1">
+              <a:lnSpc>
+                <a:spcPct val="90000"/>
+              </a:lnSpc>
+              <a:spcBef>
+                <a:spcPts val="500"/>
+              </a:spcBef>
+              <a:buFont typeface="Arial" panose="020B0604020202020204" pitchFamily="34" charset="0"/>
+              <a:buChar char="•"/>
+              <a:defRPr sz="1800" kern="1200">
+                <a:solidFill>
+                  <a:schemeClr val="tx1"/>
+                </a:solidFill>
+                <a:latin typeface="+mn-lt"/>
+                <a:ea typeface="+mn-ea"/>
+                <a:cs typeface="+mn-cs"/>
+              </a:defRPr>
+            </a:lvl9pPr>
+          </a:lstStyle>
+          <a:p>
+            <a:pPr marL="457200" indent="-457200">
+              <a:buFont typeface="+mj-lt"/>
+              <a:buAutoNum type="arabicPeriod"/>
+            </a:pPr>
+            <a:r>
+              <a:rPr lang="en-US" sz="3200" dirty="0"/>
+              <a:t>Primitive </a:t>
+            </a:r>
+            <a:r>
+              <a:rPr lang="en-US" sz="3200" dirty="0" smtClean="0"/>
+              <a:t>arithmetic </a:t>
+            </a:r>
+            <a:r>
+              <a:rPr lang="en-US" sz="3200" dirty="0"/>
+              <a:t>and logical operations</a:t>
+            </a:r>
+          </a:p>
+          <a:p>
+            <a:pPr marL="457200" indent="-457200">
+              <a:buFont typeface="+mj-lt"/>
+              <a:buAutoNum type="arabicPeriod"/>
+            </a:pPr>
+            <a:r>
+              <a:rPr lang="en-US" sz="3200" dirty="0"/>
+              <a:t>Primitive data structures – bits and integers</a:t>
+            </a:r>
+          </a:p>
+          <a:p>
+            <a:pPr marL="457200" indent="-457200">
+              <a:buFont typeface="+mj-lt"/>
+              <a:buAutoNum type="arabicPeriod"/>
+            </a:pPr>
+            <a:r>
+              <a:rPr lang="en-US" sz="3200" dirty="0"/>
+              <a:t>Control transfer instructions</a:t>
+            </a:r>
+          </a:p>
+          <a:p>
+            <a:pPr marL="457200" indent="-457200">
+              <a:buFont typeface="+mj-lt"/>
+              <a:buAutoNum type="arabicPeriod"/>
+            </a:pPr>
+            <a:r>
+              <a:rPr lang="en-US" sz="3200" dirty="0"/>
+              <a:t>Designed to be directly implementable in </a:t>
+            </a:r>
+            <a:r>
+              <a:rPr lang="en-US" sz="3200" dirty="0" smtClean="0"/>
+              <a:t>hardware</a:t>
+            </a:r>
+          </a:p>
+          <a:p>
+            <a:pPr marL="0" indent="0">
+              <a:buNone/>
+            </a:pPr>
+            <a:endParaRPr lang="en-US" sz="3200" dirty="0"/>
+          </a:p>
+        </p:txBody>
+      </p:sp>
+      <p:sp>
+        <p:nvSpPr>
+          <p:cNvPr id="6" name="Rectangle 5"/>
+          <p:cNvSpPr/>
+          <p:nvPr/>
+        </p:nvSpPr>
+        <p:spPr>
+          <a:xfrm>
+            <a:off x="1151001" y="948082"/>
+            <a:ext cx="8996853" cy="646331"/>
+          </a:xfrm>
+          <a:prstGeom prst="rect">
+            <a:avLst/>
+          </a:prstGeom>
+        </p:spPr>
+        <p:txBody>
+          <a:bodyPr wrap="square">
+            <a:spAutoFit/>
+          </a:bodyPr>
+          <a:lstStyle/>
+          <a:p>
+            <a:pPr algn="ctr"/>
+            <a:r>
+              <a:rPr lang="en-US" sz="3600" b="1" dirty="0">
+                <a:solidFill>
+                  <a:srgbClr val="1E3272"/>
+                </a:solidFill>
+              </a:rPr>
+              <a:t>High Level Language </a:t>
+            </a:r>
+            <a:r>
+              <a:rPr lang="en-US" sz="3600" b="1" dirty="0" smtClean="0">
+                <a:solidFill>
+                  <a:srgbClr val="1E3272"/>
+                </a:solidFill>
+              </a:rPr>
+              <a:t>vs Assembly </a:t>
+            </a:r>
+            <a:r>
+              <a:rPr lang="en-US" sz="3600" b="1" dirty="0">
+                <a:solidFill>
+                  <a:srgbClr val="1E3272"/>
+                </a:solidFill>
+              </a:rPr>
+              <a:t>Language</a:t>
+            </a:r>
+          </a:p>
+        </p:txBody>
+      </p:sp>
+      <p:sp>
+        <p:nvSpPr>
+          <p:cNvPr id="7" name="Rectangle 6"/>
+          <p:cNvSpPr/>
+          <p:nvPr/>
+        </p:nvSpPr>
+        <p:spPr>
+          <a:xfrm>
+            <a:off x="6563536" y="6024746"/>
+            <a:ext cx="4012252" cy="584775"/>
+          </a:xfrm>
+          <a:prstGeom prst="rect">
+            <a:avLst/>
+          </a:prstGeom>
+        </p:spPr>
+        <p:txBody>
+          <a:bodyPr wrap="none">
+            <a:spAutoFit/>
+          </a:bodyPr>
+          <a:lstStyle/>
+          <a:p>
+            <a:r>
+              <a:rPr lang="en-US" sz="3200" b="1" i="1" dirty="0">
+                <a:solidFill>
+                  <a:srgbClr val="F7B217"/>
+                </a:solidFill>
+                <a:cs typeface="Segoe UI" panose="020B0502040204020203" pitchFamily="34" charset="0"/>
+              </a:rPr>
+              <a:t>tedious programming!</a:t>
+            </a:r>
+            <a:endParaRPr lang="en-US" sz="3200" b="1" dirty="0">
+              <a:solidFill>
+                <a:srgbClr val="F7B217"/>
+              </a:solidFill>
+              <a:cs typeface="Segoe UI" panose="020B0502040204020203" pitchFamily="34" charset="0"/>
+            </a:endParaRPr>
+          </a:p>
+        </p:txBody>
+      </p:sp>
     </p:spTree>
     <p:extLst>
       <p:ext uri="{BB962C8B-B14F-4D97-AF65-F5344CB8AC3E}">
-        <p14:creationId xmlns:p14="http://schemas.microsoft.com/office/powerpoint/2010/main" val="4217875043"/>
+        <p14:creationId xmlns:p14="http://schemas.microsoft.com/office/powerpoint/2010/main" val="3353374136"/>
       </p:ext>
     </p:extLst>
   </p:cSld>
@@ -12750,6 +12682,4533 @@
 </p:sld>
 </file>
 
+<file path=ppt/slides/slide20.xml><?xml version="1.0" encoding="utf-8"?>
+<p:sld xmlns:a="http://schemas.openxmlformats.org/drawingml/2006/main" xmlns:r="http://schemas.openxmlformats.org/officeDocument/2006/relationships" xmlns:p="http://schemas.openxmlformats.org/presentationml/2006/main">
+  <p:cSld>
+    <p:spTree>
+      <p:nvGrpSpPr>
+        <p:cNvPr id="1" name=""/>
+        <p:cNvGrpSpPr/>
+        <p:nvPr/>
+      </p:nvGrpSpPr>
+      <p:grpSpPr>
+        <a:xfrm>
+          <a:off x="0" y="0"/>
+          <a:ext cx="0" cy="0"/>
+          <a:chOff x="0" y="0"/>
+          <a:chExt cx="0" cy="0"/>
+        </a:xfrm>
+      </p:grpSpPr>
+      <p:sp>
+        <p:nvSpPr>
+          <p:cNvPr id="2" name="Content Placeholder 1"/>
+          <p:cNvSpPr>
+            <a:spLocks noGrp="1"/>
+          </p:cNvSpPr>
+          <p:nvPr>
+            <p:ph idx="1"/>
+          </p:nvPr>
+        </p:nvSpPr>
+        <p:spPr>
+          <a:xfrm>
+            <a:off x="838200" y="1178053"/>
+            <a:ext cx="10515600" cy="2628633"/>
+          </a:xfrm>
+        </p:spPr>
+        <p:txBody>
+          <a:bodyPr>
+            <a:normAutofit lnSpcReduction="10000"/>
+          </a:bodyPr>
+          <a:lstStyle/>
+          <a:p>
+            <a:r>
+              <a:rPr lang="en-US" dirty="0" smtClean="0"/>
+              <a:t>Arithmetic, comparison, logical, and shift operations.</a:t>
+            </a:r>
+          </a:p>
+          <a:p>
+            <a:r>
+              <a:rPr lang="en-US" dirty="0" smtClean="0"/>
+              <a:t>Register-Register Instructions:</a:t>
+            </a:r>
+          </a:p>
+          <a:p>
+            <a:pPr lvl="1"/>
+            <a:r>
+              <a:rPr lang="en-US" dirty="0" smtClean="0"/>
+              <a:t>2 source operand registers</a:t>
+            </a:r>
+          </a:p>
+          <a:p>
+            <a:pPr lvl="1"/>
+            <a:r>
+              <a:rPr lang="en-US" dirty="0" smtClean="0"/>
+              <a:t>1 destination register</a:t>
+            </a:r>
+          </a:p>
+          <a:p>
+            <a:pPr lvl="1"/>
+            <a:r>
+              <a:rPr lang="en-US" dirty="0" smtClean="0"/>
+              <a:t>Format: op </a:t>
+            </a:r>
+            <a:r>
+              <a:rPr lang="en-US" dirty="0" err="1" smtClean="0"/>
+              <a:t>dest</a:t>
+            </a:r>
+            <a:r>
+              <a:rPr lang="en-US" dirty="0" smtClean="0"/>
+              <a:t>, src1, src2</a:t>
+            </a:r>
+          </a:p>
+          <a:p>
+            <a:pPr lvl="1"/>
+            <a:endParaRPr lang="en-US" dirty="0"/>
+          </a:p>
+          <a:p>
+            <a:pPr lvl="1"/>
+            <a:endParaRPr lang="en-US" dirty="0" smtClean="0"/>
+          </a:p>
+          <a:p>
+            <a:pPr lvl="1"/>
+            <a:endParaRPr lang="en-US" dirty="0"/>
+          </a:p>
+        </p:txBody>
+      </p:sp>
+      <p:sp>
+        <p:nvSpPr>
+          <p:cNvPr id="3" name="Slide Number Placeholder 2"/>
+          <p:cNvSpPr>
+            <a:spLocks noGrp="1"/>
+          </p:cNvSpPr>
+          <p:nvPr>
+            <p:ph type="sldNum" sz="quarter" idx="12"/>
+          </p:nvPr>
+        </p:nvSpPr>
+        <p:spPr/>
+        <p:txBody>
+          <a:bodyPr/>
+          <a:lstStyle/>
+          <a:p>
+            <a:pPr algn="ctr"/>
+            <a:fld id="{1397BFD8-F312-4EF2-A268-44FB4BDDBBB0}" type="slidenum">
+              <a:rPr lang="ru-RU" smtClean="0"/>
+              <a:pPr algn="ctr"/>
+              <a:t>20</a:t>
+            </a:fld>
+            <a:endParaRPr lang="ru-RU" dirty="0"/>
+          </a:p>
+        </p:txBody>
+      </p:sp>
+      <p:sp>
+        <p:nvSpPr>
+          <p:cNvPr id="4" name="Title 3"/>
+          <p:cNvSpPr>
+            <a:spLocks noGrp="1"/>
+          </p:cNvSpPr>
+          <p:nvPr>
+            <p:ph type="title"/>
+          </p:nvPr>
+        </p:nvSpPr>
+        <p:spPr/>
+        <p:txBody>
+          <a:bodyPr/>
+          <a:lstStyle/>
+          <a:p>
+            <a:r>
+              <a:rPr lang="en-US" dirty="0"/>
+              <a:t>Computational Instructions</a:t>
+            </a:r>
+          </a:p>
+        </p:txBody>
+      </p:sp>
+      <p:graphicFrame>
+        <p:nvGraphicFramePr>
+          <p:cNvPr id="6" name="Table 5"/>
+          <p:cNvGraphicFramePr>
+            <a:graphicFrameLocks noGrp="1"/>
+          </p:cNvGraphicFramePr>
+          <p:nvPr>
+            <p:extLst>
+              <p:ext uri="{D42A27DB-BD31-4B8C-83A1-F6EECF244321}">
+                <p14:modId xmlns:p14="http://schemas.microsoft.com/office/powerpoint/2010/main" val="598510109"/>
+              </p:ext>
+            </p:extLst>
+          </p:nvPr>
+        </p:nvGraphicFramePr>
+        <p:xfrm>
+          <a:off x="1723885" y="3717236"/>
+          <a:ext cx="8493540" cy="914400"/>
+        </p:xfrm>
+        <a:graphic>
+          <a:graphicData uri="http://schemas.openxmlformats.org/drawingml/2006/table">
+            <a:tbl>
+              <a:tblPr firstRow="1" bandRow="1">
+                <a:tableStyleId>{5C22544A-7EE6-4342-B048-85BDC9FD1C3A}</a:tableStyleId>
+              </a:tblPr>
+              <a:tblGrid>
+                <a:gridCol w="2123385"/>
+                <a:gridCol w="2123385"/>
+                <a:gridCol w="2123385"/>
+                <a:gridCol w="2123385"/>
+              </a:tblGrid>
+              <a:tr h="150412">
+                <a:tc>
+                  <a:txBody>
+                    <a:bodyPr/>
+                    <a:lstStyle/>
+                    <a:p>
+                      <a:r>
+                        <a:rPr lang="en-US" sz="2400" dirty="0" smtClean="0">
+                          <a:solidFill>
+                            <a:srgbClr val="F7B217"/>
+                          </a:solidFill>
+                        </a:rPr>
+                        <a:t>Arithmetic </a:t>
+                      </a:r>
+                      <a:endParaRPr lang="en-US" sz="2400" dirty="0">
+                        <a:solidFill>
+                          <a:srgbClr val="F7B217"/>
+                        </a:solidFill>
+                      </a:endParaRPr>
+                    </a:p>
+                  </a:txBody>
+                  <a:tcPr>
+                    <a:solidFill>
+                      <a:srgbClr val="2F5CB5"/>
+                    </a:solidFill>
+                  </a:tcPr>
+                </a:tc>
+                <a:tc>
+                  <a:txBody>
+                    <a:bodyPr/>
+                    <a:lstStyle/>
+                    <a:p>
+                      <a:r>
+                        <a:rPr lang="en-US" sz="2400" dirty="0" smtClean="0">
+                          <a:solidFill>
+                            <a:srgbClr val="F7B217"/>
+                          </a:solidFill>
+                        </a:rPr>
+                        <a:t>Comparisons </a:t>
+                      </a:r>
+                      <a:endParaRPr lang="en-US" sz="2400" dirty="0">
+                        <a:solidFill>
+                          <a:srgbClr val="F7B217"/>
+                        </a:solidFill>
+                      </a:endParaRPr>
+                    </a:p>
+                  </a:txBody>
+                  <a:tcPr>
+                    <a:solidFill>
+                      <a:srgbClr val="2F5CB5"/>
+                    </a:solidFill>
+                  </a:tcPr>
+                </a:tc>
+                <a:tc>
+                  <a:txBody>
+                    <a:bodyPr/>
+                    <a:lstStyle/>
+                    <a:p>
+                      <a:r>
+                        <a:rPr lang="en-US" sz="2400" dirty="0" smtClean="0">
+                          <a:solidFill>
+                            <a:srgbClr val="F7B217"/>
+                          </a:solidFill>
+                        </a:rPr>
+                        <a:t>Logical </a:t>
+                      </a:r>
+                      <a:endParaRPr lang="en-US" sz="2400" dirty="0">
+                        <a:solidFill>
+                          <a:srgbClr val="F7B217"/>
+                        </a:solidFill>
+                      </a:endParaRPr>
+                    </a:p>
+                  </a:txBody>
+                  <a:tcPr>
+                    <a:solidFill>
+                      <a:srgbClr val="2F5CB5"/>
+                    </a:solidFill>
+                  </a:tcPr>
+                </a:tc>
+                <a:tc>
+                  <a:txBody>
+                    <a:bodyPr/>
+                    <a:lstStyle/>
+                    <a:p>
+                      <a:r>
+                        <a:rPr lang="en-US" sz="2400" dirty="0" smtClean="0">
+                          <a:solidFill>
+                            <a:srgbClr val="F7B217"/>
+                          </a:solidFill>
+                        </a:rPr>
+                        <a:t>Shifts</a:t>
+                      </a:r>
+                      <a:endParaRPr lang="en-US" sz="2400" dirty="0">
+                        <a:solidFill>
+                          <a:srgbClr val="F7B217"/>
+                        </a:solidFill>
+                      </a:endParaRPr>
+                    </a:p>
+                  </a:txBody>
+                  <a:tcPr>
+                    <a:solidFill>
+                      <a:srgbClr val="2F5CB5"/>
+                    </a:solidFill>
+                  </a:tcPr>
+                </a:tc>
+              </a:tr>
+              <a:tr h="370840">
+                <a:tc>
+                  <a:txBody>
+                    <a:bodyPr/>
+                    <a:lstStyle/>
+                    <a:p>
+                      <a:r>
+                        <a:rPr lang="en-US" sz="2400" b="0" dirty="0" smtClean="0">
+                          <a:solidFill>
+                            <a:srgbClr val="1E3272"/>
+                          </a:solidFill>
+                        </a:rPr>
+                        <a:t>add, sub</a:t>
+                      </a:r>
+                      <a:endParaRPr lang="en-US" sz="2400" b="0" dirty="0">
+                        <a:solidFill>
+                          <a:srgbClr val="1E3272"/>
+                        </a:solidFill>
+                      </a:endParaRPr>
+                    </a:p>
+                  </a:txBody>
+                  <a:tcPr/>
+                </a:tc>
+                <a:tc>
+                  <a:txBody>
+                    <a:bodyPr/>
+                    <a:lstStyle/>
+                    <a:p>
+                      <a:r>
+                        <a:rPr lang="en-US" sz="2400" b="0" dirty="0" err="1" smtClean="0">
+                          <a:solidFill>
+                            <a:srgbClr val="1E3272"/>
+                          </a:solidFill>
+                        </a:rPr>
+                        <a:t>slt</a:t>
+                      </a:r>
+                      <a:r>
+                        <a:rPr lang="en-US" sz="2400" b="0" dirty="0" smtClean="0">
+                          <a:solidFill>
+                            <a:srgbClr val="1E3272"/>
+                          </a:solidFill>
+                        </a:rPr>
+                        <a:t>, </a:t>
+                      </a:r>
+                      <a:r>
+                        <a:rPr lang="en-US" sz="2400" b="0" dirty="0" err="1" smtClean="0">
+                          <a:solidFill>
+                            <a:srgbClr val="1E3272"/>
+                          </a:solidFill>
+                        </a:rPr>
+                        <a:t>sltu</a:t>
+                      </a:r>
+                      <a:endParaRPr lang="en-US" sz="2400" b="0" dirty="0">
+                        <a:solidFill>
+                          <a:srgbClr val="1E3272"/>
+                        </a:solidFill>
+                      </a:endParaRPr>
+                    </a:p>
+                  </a:txBody>
+                  <a:tcPr/>
+                </a:tc>
+                <a:tc>
+                  <a:txBody>
+                    <a:bodyPr/>
+                    <a:lstStyle/>
+                    <a:p>
+                      <a:r>
+                        <a:rPr lang="en-US" sz="2400" b="0" dirty="0" smtClean="0">
+                          <a:solidFill>
+                            <a:srgbClr val="1E3272"/>
+                          </a:solidFill>
+                        </a:rPr>
+                        <a:t>and, or, </a:t>
+                      </a:r>
+                      <a:r>
+                        <a:rPr lang="en-US" sz="2400" b="0" dirty="0" err="1" smtClean="0">
+                          <a:solidFill>
+                            <a:srgbClr val="1E3272"/>
+                          </a:solidFill>
+                        </a:rPr>
+                        <a:t>xor</a:t>
+                      </a:r>
+                      <a:endParaRPr lang="en-US" sz="2400" b="0" dirty="0">
+                        <a:solidFill>
+                          <a:srgbClr val="1E3272"/>
+                        </a:solidFill>
+                      </a:endParaRPr>
+                    </a:p>
+                  </a:txBody>
+                  <a:tcPr/>
+                </a:tc>
+                <a:tc>
+                  <a:txBody>
+                    <a:bodyPr/>
+                    <a:lstStyle/>
+                    <a:p>
+                      <a:r>
+                        <a:rPr lang="en-US" sz="2400" b="0" dirty="0" err="1" smtClean="0">
+                          <a:solidFill>
+                            <a:srgbClr val="1E3272"/>
+                          </a:solidFill>
+                        </a:rPr>
+                        <a:t>sll</a:t>
+                      </a:r>
+                      <a:r>
+                        <a:rPr lang="en-US" sz="2400" b="0" dirty="0" smtClean="0">
+                          <a:solidFill>
+                            <a:srgbClr val="1E3272"/>
+                          </a:solidFill>
+                        </a:rPr>
+                        <a:t>, </a:t>
+                      </a:r>
+                      <a:r>
+                        <a:rPr lang="en-US" sz="2400" b="0" dirty="0" err="1" smtClean="0">
+                          <a:solidFill>
+                            <a:srgbClr val="1E3272"/>
+                          </a:solidFill>
+                        </a:rPr>
+                        <a:t>srl</a:t>
+                      </a:r>
+                      <a:r>
+                        <a:rPr lang="en-US" sz="2400" b="0" dirty="0" smtClean="0">
+                          <a:solidFill>
+                            <a:srgbClr val="1E3272"/>
+                          </a:solidFill>
+                        </a:rPr>
+                        <a:t>, </a:t>
+                      </a:r>
+                      <a:r>
+                        <a:rPr lang="en-US" sz="2400" b="0" dirty="0" err="1" smtClean="0">
+                          <a:solidFill>
+                            <a:srgbClr val="1E3272"/>
+                          </a:solidFill>
+                        </a:rPr>
+                        <a:t>sra</a:t>
+                      </a:r>
+                      <a:endParaRPr lang="en-US" sz="2400" b="0" dirty="0">
+                        <a:solidFill>
+                          <a:srgbClr val="1E3272"/>
+                        </a:solidFill>
+                      </a:endParaRPr>
+                    </a:p>
+                  </a:txBody>
+                  <a:tcPr/>
+                </a:tc>
+              </a:tr>
+            </a:tbl>
+          </a:graphicData>
+        </a:graphic>
+      </p:graphicFrame>
+      <p:sp>
+        <p:nvSpPr>
+          <p:cNvPr id="7" name="Rectangle 6"/>
+          <p:cNvSpPr/>
+          <p:nvPr/>
+        </p:nvSpPr>
+        <p:spPr>
+          <a:xfrm>
+            <a:off x="1964635" y="4897864"/>
+            <a:ext cx="3034748" cy="1815882"/>
+          </a:xfrm>
+          <a:prstGeom prst="rect">
+            <a:avLst/>
+          </a:prstGeom>
+        </p:spPr>
+        <p:txBody>
+          <a:bodyPr wrap="square">
+            <a:spAutoFit/>
+          </a:bodyPr>
+          <a:lstStyle/>
+          <a:p>
+            <a:pPr lvl="1"/>
+            <a:r>
+              <a:rPr lang="en-US" sz="2800" dirty="0">
+                <a:solidFill>
+                  <a:srgbClr val="1E3272"/>
+                </a:solidFill>
+              </a:rPr>
+              <a:t>add  x3, x1, x2</a:t>
+            </a:r>
+          </a:p>
+          <a:p>
+            <a:pPr lvl="1"/>
+            <a:r>
+              <a:rPr lang="en-US" sz="2800" dirty="0" err="1">
+                <a:solidFill>
+                  <a:srgbClr val="1E3272"/>
+                </a:solidFill>
+              </a:rPr>
+              <a:t>slt</a:t>
+            </a:r>
+            <a:r>
+              <a:rPr lang="en-US" sz="2800" dirty="0">
+                <a:solidFill>
+                  <a:srgbClr val="1E3272"/>
+                </a:solidFill>
+              </a:rPr>
+              <a:t>     x3, x1, x2</a:t>
+            </a:r>
+          </a:p>
+          <a:p>
+            <a:pPr lvl="1"/>
+            <a:r>
+              <a:rPr lang="en-US" sz="2800" dirty="0">
+                <a:solidFill>
+                  <a:srgbClr val="1E3272"/>
+                </a:solidFill>
+              </a:rPr>
+              <a:t>and  x3, x1, x2</a:t>
+            </a:r>
+          </a:p>
+          <a:p>
+            <a:pPr lvl="1"/>
+            <a:r>
+              <a:rPr lang="en-US" sz="2800" dirty="0" err="1">
+                <a:solidFill>
+                  <a:srgbClr val="1E3272"/>
+                </a:solidFill>
+              </a:rPr>
+              <a:t>sll</a:t>
+            </a:r>
+            <a:r>
+              <a:rPr lang="en-US" sz="2800" dirty="0">
+                <a:solidFill>
+                  <a:srgbClr val="1E3272"/>
+                </a:solidFill>
+              </a:rPr>
+              <a:t>     x3, x1, x2</a:t>
+            </a:r>
+            <a:endParaRPr lang="en-US" sz="2800" dirty="0">
+              <a:solidFill>
+                <a:srgbClr val="1E3272"/>
+              </a:solidFill>
+            </a:endParaRPr>
+          </a:p>
+        </p:txBody>
+      </p:sp>
+      <p:sp>
+        <p:nvSpPr>
+          <p:cNvPr id="8" name="Rectangle 7"/>
+          <p:cNvSpPr/>
+          <p:nvPr/>
+        </p:nvSpPr>
+        <p:spPr>
+          <a:xfrm>
+            <a:off x="5223370" y="4855980"/>
+            <a:ext cx="5552661" cy="1815882"/>
+          </a:xfrm>
+          <a:prstGeom prst="rect">
+            <a:avLst/>
+          </a:prstGeom>
+        </p:spPr>
+        <p:txBody>
+          <a:bodyPr wrap="square">
+            <a:spAutoFit/>
+          </a:bodyPr>
+          <a:lstStyle/>
+          <a:p>
+            <a:r>
+              <a:rPr lang="en-US" sz="2800" dirty="0" smtClean="0">
+                <a:solidFill>
+                  <a:srgbClr val="00B050"/>
+                </a:solidFill>
+              </a:rPr>
+              <a:t>x3 </a:t>
+            </a:r>
+            <a:r>
+              <a:rPr lang="en-US" sz="2800" dirty="0">
+                <a:solidFill>
+                  <a:srgbClr val="00B050"/>
+                </a:solidFill>
+              </a:rPr>
+              <a:t>&lt;- x1 + x2</a:t>
+            </a:r>
+          </a:p>
+          <a:p>
+            <a:r>
+              <a:rPr lang="en-US" sz="2800" dirty="0">
+                <a:solidFill>
+                  <a:srgbClr val="00B050"/>
+                </a:solidFill>
+              </a:rPr>
+              <a:t>if x1 &lt; x2 then x3 = 1 else x3 = 0</a:t>
+            </a:r>
+          </a:p>
+          <a:p>
+            <a:r>
+              <a:rPr lang="en-US" sz="2800" dirty="0">
+                <a:solidFill>
+                  <a:srgbClr val="00B050"/>
+                </a:solidFill>
+              </a:rPr>
+              <a:t>x3 &lt;- x1 &amp; x2</a:t>
+            </a:r>
+          </a:p>
+          <a:p>
+            <a:r>
+              <a:rPr lang="en-US" sz="2800" dirty="0">
+                <a:solidFill>
+                  <a:srgbClr val="00B050"/>
+                </a:solidFill>
+              </a:rPr>
+              <a:t>x3 &lt;- x1 &lt;&lt; x2</a:t>
+            </a:r>
+          </a:p>
+        </p:txBody>
+      </p:sp>
+    </p:spTree>
+    <p:extLst>
+      <p:ext uri="{BB962C8B-B14F-4D97-AF65-F5344CB8AC3E}">
+        <p14:creationId xmlns:p14="http://schemas.microsoft.com/office/powerpoint/2010/main" val="702579896"/>
+      </p:ext>
+    </p:extLst>
+  </p:cSld>
+  <p:clrMapOvr>
+    <a:masterClrMapping/>
+  </p:clrMapOvr>
+  <p:timing>
+    <p:tnLst>
+      <p:par>
+        <p:cTn id="1" dur="indefinite" restart="never" nodeType="tmRoot"/>
+      </p:par>
+    </p:tnLst>
+  </p:timing>
+</p:sld>
+</file>
+
+<file path=ppt/slides/slide21.xml><?xml version="1.0" encoding="utf-8"?>
+<p:sld xmlns:a="http://schemas.openxmlformats.org/drawingml/2006/main" xmlns:r="http://schemas.openxmlformats.org/officeDocument/2006/relationships" xmlns:p="http://schemas.openxmlformats.org/presentationml/2006/main">
+  <p:cSld>
+    <p:spTree>
+      <p:nvGrpSpPr>
+        <p:cNvPr id="1" name=""/>
+        <p:cNvGrpSpPr/>
+        <p:nvPr/>
+      </p:nvGrpSpPr>
+      <p:grpSpPr>
+        <a:xfrm>
+          <a:off x="0" y="0"/>
+          <a:ext cx="0" cy="0"/>
+          <a:chOff x="0" y="0"/>
+          <a:chExt cx="0" cy="0"/>
+        </a:xfrm>
+      </p:grpSpPr>
+      <p:sp>
+        <p:nvSpPr>
+          <p:cNvPr id="2" name="Content Placeholder 1"/>
+          <p:cNvSpPr>
+            <a:spLocks noGrp="1"/>
+          </p:cNvSpPr>
+          <p:nvPr>
+            <p:ph idx="1"/>
+          </p:nvPr>
+        </p:nvSpPr>
+        <p:spPr>
+          <a:xfrm>
+            <a:off x="838200" y="1178053"/>
+            <a:ext cx="10515600" cy="1766652"/>
+          </a:xfrm>
+        </p:spPr>
+        <p:txBody>
+          <a:bodyPr>
+            <a:normAutofit/>
+          </a:bodyPr>
+          <a:lstStyle/>
+          <a:p>
+            <a:r>
+              <a:rPr lang="en-US" dirty="0" smtClean="0"/>
+              <a:t> One </a:t>
+            </a:r>
+            <a:r>
+              <a:rPr lang="en-US" dirty="0"/>
+              <a:t>operand comes from a register and the other is a </a:t>
+            </a:r>
+            <a:r>
+              <a:rPr lang="en-US" dirty="0" smtClean="0"/>
+              <a:t> small </a:t>
+            </a:r>
+            <a:r>
+              <a:rPr lang="en-US" dirty="0"/>
+              <a:t>constant that is encoded into the instruction</a:t>
+            </a:r>
+            <a:r>
+              <a:rPr lang="en-US" dirty="0" smtClean="0"/>
+              <a:t>.</a:t>
+            </a:r>
+          </a:p>
+          <a:p>
+            <a:pPr lvl="1"/>
+            <a:r>
+              <a:rPr lang="en-US" dirty="0" smtClean="0"/>
+              <a:t> Format</a:t>
+            </a:r>
+            <a:r>
+              <a:rPr lang="en-US" dirty="0"/>
+              <a:t>: op </a:t>
+            </a:r>
+            <a:r>
+              <a:rPr lang="en-US" dirty="0" err="1"/>
+              <a:t>dest</a:t>
+            </a:r>
+            <a:r>
+              <a:rPr lang="en-US" dirty="0"/>
+              <a:t>, src1, src2</a:t>
+            </a:r>
+          </a:p>
+          <a:p>
+            <a:endParaRPr lang="en-US" dirty="0"/>
+          </a:p>
+        </p:txBody>
+      </p:sp>
+      <p:sp>
+        <p:nvSpPr>
+          <p:cNvPr id="3" name="Slide Number Placeholder 2"/>
+          <p:cNvSpPr>
+            <a:spLocks noGrp="1"/>
+          </p:cNvSpPr>
+          <p:nvPr>
+            <p:ph type="sldNum" sz="quarter" idx="12"/>
+          </p:nvPr>
+        </p:nvSpPr>
+        <p:spPr/>
+        <p:txBody>
+          <a:bodyPr/>
+          <a:lstStyle/>
+          <a:p>
+            <a:pPr algn="ctr"/>
+            <a:fld id="{1397BFD8-F312-4EF2-A268-44FB4BDDBBB0}" type="slidenum">
+              <a:rPr lang="ru-RU" smtClean="0"/>
+              <a:pPr algn="ctr"/>
+              <a:t>21</a:t>
+            </a:fld>
+            <a:endParaRPr lang="ru-RU" dirty="0"/>
+          </a:p>
+        </p:txBody>
+      </p:sp>
+      <p:sp>
+        <p:nvSpPr>
+          <p:cNvPr id="4" name="Title 3"/>
+          <p:cNvSpPr>
+            <a:spLocks noGrp="1"/>
+          </p:cNvSpPr>
+          <p:nvPr>
+            <p:ph type="title"/>
+          </p:nvPr>
+        </p:nvSpPr>
+        <p:spPr/>
+        <p:txBody>
+          <a:bodyPr/>
+          <a:lstStyle/>
+          <a:p>
+            <a:r>
+              <a:rPr lang="en-US" dirty="0"/>
+              <a:t>Register-Immediate Instructions</a:t>
+            </a:r>
+          </a:p>
+        </p:txBody>
+      </p:sp>
+      <p:graphicFrame>
+        <p:nvGraphicFramePr>
+          <p:cNvPr id="5" name="Table 4"/>
+          <p:cNvGraphicFramePr>
+            <a:graphicFrameLocks noGrp="1"/>
+          </p:cNvGraphicFramePr>
+          <p:nvPr>
+            <p:extLst>
+              <p:ext uri="{D42A27DB-BD31-4B8C-83A1-F6EECF244321}">
+                <p14:modId xmlns:p14="http://schemas.microsoft.com/office/powerpoint/2010/main" val="383807078"/>
+              </p:ext>
+            </p:extLst>
+          </p:nvPr>
+        </p:nvGraphicFramePr>
+        <p:xfrm>
+          <a:off x="1537255" y="2847978"/>
+          <a:ext cx="9793355" cy="1371600"/>
+        </p:xfrm>
+        <a:graphic>
+          <a:graphicData uri="http://schemas.openxmlformats.org/drawingml/2006/table">
+            <a:tbl>
+              <a:tblPr firstRow="1" bandRow="1">
+                <a:tableStyleId>{5C22544A-7EE6-4342-B048-85BDC9FD1C3A}</a:tableStyleId>
+              </a:tblPr>
+              <a:tblGrid>
+                <a:gridCol w="2666999"/>
+                <a:gridCol w="1639956"/>
+                <a:gridCol w="1898374"/>
+                <a:gridCol w="1928191"/>
+                <a:gridCol w="1659835"/>
+              </a:tblGrid>
+              <a:tr h="407503">
+                <a:tc>
+                  <a:txBody>
+                    <a:bodyPr/>
+                    <a:lstStyle/>
+                    <a:p>
+                      <a:r>
+                        <a:rPr lang="en-US" sz="2400" dirty="0" smtClean="0">
+                          <a:solidFill>
+                            <a:srgbClr val="F7B217"/>
+                          </a:solidFill>
+                        </a:rPr>
+                        <a:t>Format</a:t>
+                      </a:r>
+                      <a:endParaRPr lang="en-US" sz="2400" dirty="0">
+                        <a:solidFill>
+                          <a:srgbClr val="F7B217"/>
+                        </a:solidFill>
+                      </a:endParaRPr>
+                    </a:p>
+                  </a:txBody>
+                  <a:tcPr>
+                    <a:solidFill>
+                      <a:srgbClr val="2F5CB5"/>
+                    </a:solidFill>
+                  </a:tcPr>
+                </a:tc>
+                <a:tc>
+                  <a:txBody>
+                    <a:bodyPr/>
+                    <a:lstStyle/>
+                    <a:p>
+                      <a:pPr marL="0" marR="0" lvl="0" indent="0" algn="l" defTabSz="914400" rtl="0" eaLnBrk="1" fontAlgn="auto" latinLnBrk="0" hangingPunct="1">
+                        <a:lnSpc>
+                          <a:spcPct val="100000"/>
+                        </a:lnSpc>
+                        <a:spcBef>
+                          <a:spcPts val="0"/>
+                        </a:spcBef>
+                        <a:spcAft>
+                          <a:spcPts val="0"/>
+                        </a:spcAft>
+                        <a:buClrTx/>
+                        <a:buSzTx/>
+                        <a:buFontTx/>
+                        <a:buNone/>
+                        <a:tabLst/>
+                        <a:defRPr/>
+                      </a:pPr>
+                      <a:r>
+                        <a:rPr lang="en-US" sz="2400" dirty="0" smtClean="0">
+                          <a:solidFill>
+                            <a:srgbClr val="F7B217"/>
+                          </a:solidFill>
+                        </a:rPr>
+                        <a:t>Arithmetic</a:t>
+                      </a:r>
+                      <a:endParaRPr lang="en-US" sz="2400" dirty="0">
+                        <a:solidFill>
+                          <a:srgbClr val="F7B217"/>
+                        </a:solidFill>
+                      </a:endParaRPr>
+                    </a:p>
+                  </a:txBody>
+                  <a:tcPr>
+                    <a:solidFill>
+                      <a:srgbClr val="2F5CB5"/>
+                    </a:solidFill>
+                  </a:tcPr>
+                </a:tc>
+                <a:tc>
+                  <a:txBody>
+                    <a:bodyPr/>
+                    <a:lstStyle/>
+                    <a:p>
+                      <a:r>
+                        <a:rPr lang="en-US" sz="2400" dirty="0" smtClean="0">
+                          <a:solidFill>
+                            <a:srgbClr val="F7B217"/>
+                          </a:solidFill>
+                        </a:rPr>
+                        <a:t>Comparisons</a:t>
+                      </a:r>
+                      <a:endParaRPr lang="en-US" sz="2400" dirty="0">
+                        <a:solidFill>
+                          <a:srgbClr val="F7B217"/>
+                        </a:solidFill>
+                      </a:endParaRPr>
+                    </a:p>
+                  </a:txBody>
+                  <a:tcPr>
+                    <a:solidFill>
+                      <a:srgbClr val="2F5CB5"/>
+                    </a:solidFill>
+                  </a:tcPr>
+                </a:tc>
+                <a:tc>
+                  <a:txBody>
+                    <a:bodyPr/>
+                    <a:lstStyle/>
+                    <a:p>
+                      <a:r>
+                        <a:rPr lang="en-US" sz="2400" dirty="0" smtClean="0">
+                          <a:solidFill>
+                            <a:srgbClr val="F7B217"/>
+                          </a:solidFill>
+                        </a:rPr>
+                        <a:t>Logical</a:t>
+                      </a:r>
+                      <a:endParaRPr lang="en-US" sz="2400" dirty="0">
+                        <a:solidFill>
+                          <a:srgbClr val="F7B217"/>
+                        </a:solidFill>
+                      </a:endParaRPr>
+                    </a:p>
+                  </a:txBody>
+                  <a:tcPr>
+                    <a:solidFill>
+                      <a:srgbClr val="2F5CB5"/>
+                    </a:solidFill>
+                  </a:tcPr>
+                </a:tc>
+                <a:tc>
+                  <a:txBody>
+                    <a:bodyPr/>
+                    <a:lstStyle/>
+                    <a:p>
+                      <a:r>
+                        <a:rPr lang="en-US" sz="2400" dirty="0" smtClean="0">
+                          <a:solidFill>
+                            <a:srgbClr val="F7B217"/>
+                          </a:solidFill>
+                        </a:rPr>
+                        <a:t>Shifts</a:t>
+                      </a:r>
+                      <a:endParaRPr lang="en-US" sz="2400" dirty="0">
+                        <a:solidFill>
+                          <a:srgbClr val="F7B217"/>
+                        </a:solidFill>
+                      </a:endParaRPr>
+                    </a:p>
+                  </a:txBody>
+                  <a:tcPr>
+                    <a:solidFill>
+                      <a:srgbClr val="2F5CB5"/>
+                    </a:solidFill>
+                  </a:tcPr>
+                </a:tc>
+              </a:tr>
+              <a:tr h="370840">
+                <a:tc>
+                  <a:txBody>
+                    <a:bodyPr/>
+                    <a:lstStyle/>
+                    <a:p>
+                      <a:r>
+                        <a:rPr lang="en-US" sz="2400" b="0" dirty="0" smtClean="0">
+                          <a:solidFill>
+                            <a:srgbClr val="1E3272"/>
+                          </a:solidFill>
+                        </a:rPr>
+                        <a:t>Register-Register</a:t>
+                      </a:r>
+                      <a:endParaRPr lang="en-US" sz="2400" b="0" dirty="0">
+                        <a:solidFill>
+                          <a:srgbClr val="1E3272"/>
+                        </a:solidFill>
+                      </a:endParaRPr>
+                    </a:p>
+                  </a:txBody>
+                  <a:tcPr/>
+                </a:tc>
+                <a:tc>
+                  <a:txBody>
+                    <a:bodyPr/>
+                    <a:lstStyle/>
+                    <a:p>
+                      <a:pPr marL="0" marR="0" lvl="0" indent="0" algn="l" defTabSz="914400" rtl="0" eaLnBrk="1" fontAlgn="auto" latinLnBrk="0" hangingPunct="1">
+                        <a:lnSpc>
+                          <a:spcPct val="100000"/>
+                        </a:lnSpc>
+                        <a:spcBef>
+                          <a:spcPts val="0"/>
+                        </a:spcBef>
+                        <a:spcAft>
+                          <a:spcPts val="0"/>
+                        </a:spcAft>
+                        <a:buClrTx/>
+                        <a:buSzTx/>
+                        <a:buFontTx/>
+                        <a:buNone/>
+                        <a:tabLst/>
+                        <a:defRPr/>
+                      </a:pPr>
+                      <a:r>
+                        <a:rPr lang="en-US" sz="2400" b="0" dirty="0" smtClean="0">
+                          <a:solidFill>
+                            <a:srgbClr val="1E3272"/>
+                          </a:solidFill>
+                        </a:rPr>
+                        <a:t>add, sub</a:t>
+                      </a:r>
+                    </a:p>
+                  </a:txBody>
+                  <a:tcPr/>
+                </a:tc>
+                <a:tc>
+                  <a:txBody>
+                    <a:bodyPr/>
+                    <a:lstStyle/>
+                    <a:p>
+                      <a:r>
+                        <a:rPr lang="en-US" sz="2400" b="0" dirty="0" err="1" smtClean="0">
+                          <a:solidFill>
+                            <a:srgbClr val="1E3272"/>
+                          </a:solidFill>
+                        </a:rPr>
+                        <a:t>slt</a:t>
+                      </a:r>
+                      <a:r>
+                        <a:rPr lang="en-US" sz="2400" b="0" dirty="0" smtClean="0">
+                          <a:solidFill>
+                            <a:srgbClr val="1E3272"/>
+                          </a:solidFill>
+                        </a:rPr>
+                        <a:t>, </a:t>
+                      </a:r>
+                      <a:r>
+                        <a:rPr lang="en-US" sz="2400" b="0" dirty="0" err="1" smtClean="0">
+                          <a:solidFill>
+                            <a:srgbClr val="1E3272"/>
+                          </a:solidFill>
+                        </a:rPr>
+                        <a:t>sltu</a:t>
+                      </a:r>
+                      <a:endParaRPr lang="en-US" sz="2400" b="0" dirty="0">
+                        <a:solidFill>
+                          <a:srgbClr val="1E3272"/>
+                        </a:solidFill>
+                      </a:endParaRPr>
+                    </a:p>
+                  </a:txBody>
+                  <a:tcPr/>
+                </a:tc>
+                <a:tc>
+                  <a:txBody>
+                    <a:bodyPr/>
+                    <a:lstStyle/>
+                    <a:p>
+                      <a:r>
+                        <a:rPr lang="en-US" sz="2400" b="0" dirty="0" smtClean="0">
+                          <a:solidFill>
+                            <a:srgbClr val="1E3272"/>
+                          </a:solidFill>
+                        </a:rPr>
+                        <a:t>and, or, </a:t>
+                      </a:r>
+                      <a:r>
+                        <a:rPr lang="en-US" sz="2400" b="0" dirty="0" err="1" smtClean="0">
+                          <a:solidFill>
+                            <a:srgbClr val="1E3272"/>
+                          </a:solidFill>
+                        </a:rPr>
+                        <a:t>xor</a:t>
+                      </a:r>
+                      <a:endParaRPr lang="en-US" sz="2400" b="0" dirty="0">
+                        <a:solidFill>
+                          <a:srgbClr val="1E3272"/>
+                        </a:solidFill>
+                      </a:endParaRPr>
+                    </a:p>
+                  </a:txBody>
+                  <a:tcPr/>
+                </a:tc>
+                <a:tc>
+                  <a:txBody>
+                    <a:bodyPr/>
+                    <a:lstStyle/>
+                    <a:p>
+                      <a:r>
+                        <a:rPr lang="en-US" sz="2400" b="0" dirty="0" err="1" smtClean="0">
+                          <a:solidFill>
+                            <a:srgbClr val="1E3272"/>
+                          </a:solidFill>
+                        </a:rPr>
+                        <a:t>sll</a:t>
+                      </a:r>
+                      <a:r>
+                        <a:rPr lang="en-US" sz="2400" b="0" dirty="0" smtClean="0">
+                          <a:solidFill>
+                            <a:srgbClr val="1E3272"/>
+                          </a:solidFill>
+                        </a:rPr>
+                        <a:t>, </a:t>
+                      </a:r>
+                      <a:r>
+                        <a:rPr lang="en-US" sz="2400" b="0" dirty="0" err="1" smtClean="0">
+                          <a:solidFill>
+                            <a:srgbClr val="1E3272"/>
+                          </a:solidFill>
+                        </a:rPr>
+                        <a:t>srl</a:t>
+                      </a:r>
+                      <a:r>
+                        <a:rPr lang="en-US" sz="2400" b="0" dirty="0" smtClean="0">
+                          <a:solidFill>
+                            <a:srgbClr val="1E3272"/>
+                          </a:solidFill>
+                        </a:rPr>
+                        <a:t>, </a:t>
+                      </a:r>
+                      <a:r>
+                        <a:rPr lang="en-US" sz="2400" b="0" dirty="0" err="1" smtClean="0">
+                          <a:solidFill>
+                            <a:srgbClr val="1E3272"/>
+                          </a:solidFill>
+                        </a:rPr>
+                        <a:t>sra</a:t>
+                      </a:r>
+                      <a:endParaRPr lang="en-US" sz="2400" b="0" dirty="0">
+                        <a:solidFill>
+                          <a:srgbClr val="1E3272"/>
+                        </a:solidFill>
+                      </a:endParaRPr>
+                    </a:p>
+                  </a:txBody>
+                  <a:tcPr/>
+                </a:tc>
+              </a:tr>
+              <a:tr h="370840">
+                <a:tc>
+                  <a:txBody>
+                    <a:bodyPr/>
+                    <a:lstStyle/>
+                    <a:p>
+                      <a:r>
+                        <a:rPr lang="en-US" sz="2400" b="0" dirty="0" smtClean="0">
+                          <a:solidFill>
+                            <a:srgbClr val="1E3272"/>
+                          </a:solidFill>
+                        </a:rPr>
+                        <a:t>Register-Immediate</a:t>
+                      </a:r>
+                      <a:endParaRPr lang="en-US" sz="2400" b="0" dirty="0">
+                        <a:solidFill>
+                          <a:srgbClr val="1E3272"/>
+                        </a:solidFill>
+                      </a:endParaRPr>
+                    </a:p>
+                  </a:txBody>
+                  <a:tcPr/>
+                </a:tc>
+                <a:tc>
+                  <a:txBody>
+                    <a:bodyPr/>
+                    <a:lstStyle/>
+                    <a:p>
+                      <a:pPr marL="0" marR="0" lvl="0" indent="0" algn="l" defTabSz="914400" rtl="0" eaLnBrk="1" fontAlgn="auto" latinLnBrk="0" hangingPunct="1">
+                        <a:lnSpc>
+                          <a:spcPct val="100000"/>
+                        </a:lnSpc>
+                        <a:spcBef>
+                          <a:spcPts val="0"/>
+                        </a:spcBef>
+                        <a:spcAft>
+                          <a:spcPts val="0"/>
+                        </a:spcAft>
+                        <a:buClrTx/>
+                        <a:buSzTx/>
+                        <a:buFontTx/>
+                        <a:buNone/>
+                        <a:tabLst/>
+                        <a:defRPr/>
+                      </a:pPr>
+                      <a:r>
+                        <a:rPr lang="en-US" sz="2400" b="0" dirty="0" err="1" smtClean="0">
+                          <a:solidFill>
+                            <a:srgbClr val="1E3272"/>
+                          </a:solidFill>
+                        </a:rPr>
+                        <a:t>addi</a:t>
+                      </a:r>
+                      <a:endParaRPr lang="en-US" sz="2400" b="0" dirty="0" smtClean="0">
+                        <a:solidFill>
+                          <a:srgbClr val="1E3272"/>
+                        </a:solidFill>
+                      </a:endParaRPr>
+                    </a:p>
+                  </a:txBody>
+                  <a:tcPr/>
+                </a:tc>
+                <a:tc>
+                  <a:txBody>
+                    <a:bodyPr/>
+                    <a:lstStyle/>
+                    <a:p>
+                      <a:r>
+                        <a:rPr lang="en-US" sz="2400" b="0" dirty="0" err="1" smtClean="0">
+                          <a:solidFill>
+                            <a:srgbClr val="1E3272"/>
+                          </a:solidFill>
+                        </a:rPr>
+                        <a:t>slti</a:t>
+                      </a:r>
+                      <a:r>
+                        <a:rPr lang="en-US" sz="2400" b="0" dirty="0" smtClean="0">
+                          <a:solidFill>
+                            <a:srgbClr val="1E3272"/>
+                          </a:solidFill>
+                        </a:rPr>
+                        <a:t>, </a:t>
+                      </a:r>
+                      <a:r>
+                        <a:rPr lang="en-US" sz="2400" b="0" dirty="0" err="1" smtClean="0">
+                          <a:solidFill>
+                            <a:srgbClr val="1E3272"/>
+                          </a:solidFill>
+                        </a:rPr>
+                        <a:t>sltiu</a:t>
+                      </a:r>
+                      <a:endParaRPr lang="en-US" sz="2400" b="0" dirty="0">
+                        <a:solidFill>
+                          <a:srgbClr val="1E3272"/>
+                        </a:solidFill>
+                      </a:endParaRPr>
+                    </a:p>
+                  </a:txBody>
+                  <a:tcPr/>
+                </a:tc>
+                <a:tc>
+                  <a:txBody>
+                    <a:bodyPr/>
+                    <a:lstStyle/>
+                    <a:p>
+                      <a:r>
+                        <a:rPr lang="en-US" sz="2400" b="0" dirty="0" err="1" smtClean="0">
+                          <a:solidFill>
+                            <a:srgbClr val="1E3272"/>
+                          </a:solidFill>
+                        </a:rPr>
+                        <a:t>andi</a:t>
+                      </a:r>
+                      <a:r>
+                        <a:rPr lang="en-US" sz="2400" b="0" dirty="0" smtClean="0">
+                          <a:solidFill>
+                            <a:srgbClr val="1E3272"/>
+                          </a:solidFill>
+                        </a:rPr>
+                        <a:t>, </a:t>
+                      </a:r>
+                      <a:r>
+                        <a:rPr lang="en-US" sz="2400" b="0" dirty="0" err="1" smtClean="0">
+                          <a:solidFill>
+                            <a:srgbClr val="1E3272"/>
+                          </a:solidFill>
+                        </a:rPr>
+                        <a:t>ori</a:t>
+                      </a:r>
+                      <a:r>
+                        <a:rPr lang="en-US" sz="2400" b="0" dirty="0" smtClean="0">
+                          <a:solidFill>
+                            <a:srgbClr val="1E3272"/>
+                          </a:solidFill>
+                        </a:rPr>
+                        <a:t>, </a:t>
+                      </a:r>
+                      <a:r>
+                        <a:rPr lang="en-US" sz="2400" b="0" dirty="0" err="1" smtClean="0">
+                          <a:solidFill>
+                            <a:srgbClr val="1E3272"/>
+                          </a:solidFill>
+                        </a:rPr>
+                        <a:t>xori</a:t>
+                      </a:r>
+                      <a:endParaRPr lang="en-US" sz="2400" b="0" dirty="0">
+                        <a:solidFill>
+                          <a:srgbClr val="1E3272"/>
+                        </a:solidFill>
+                      </a:endParaRPr>
+                    </a:p>
+                  </a:txBody>
+                  <a:tcPr/>
+                </a:tc>
+                <a:tc>
+                  <a:txBody>
+                    <a:bodyPr/>
+                    <a:lstStyle/>
+                    <a:p>
+                      <a:r>
+                        <a:rPr lang="en-US" sz="2400" b="0" dirty="0" err="1" smtClean="0">
+                          <a:solidFill>
+                            <a:srgbClr val="1E3272"/>
+                          </a:solidFill>
+                        </a:rPr>
+                        <a:t>slli</a:t>
+                      </a:r>
+                      <a:r>
+                        <a:rPr lang="en-US" sz="2400" b="0" dirty="0" smtClean="0">
+                          <a:solidFill>
+                            <a:srgbClr val="1E3272"/>
+                          </a:solidFill>
+                        </a:rPr>
+                        <a:t>, </a:t>
+                      </a:r>
+                      <a:r>
+                        <a:rPr lang="en-US" sz="2400" b="0" dirty="0" err="1" smtClean="0">
+                          <a:solidFill>
+                            <a:srgbClr val="1E3272"/>
+                          </a:solidFill>
+                        </a:rPr>
+                        <a:t>srli</a:t>
+                      </a:r>
+                      <a:r>
+                        <a:rPr lang="en-US" sz="2400" b="0" dirty="0" smtClean="0">
+                          <a:solidFill>
+                            <a:srgbClr val="1E3272"/>
+                          </a:solidFill>
+                        </a:rPr>
+                        <a:t>, </a:t>
+                      </a:r>
+                      <a:r>
+                        <a:rPr lang="en-US" sz="2400" b="0" dirty="0" err="1" smtClean="0">
+                          <a:solidFill>
+                            <a:srgbClr val="1E3272"/>
+                          </a:solidFill>
+                        </a:rPr>
+                        <a:t>srai</a:t>
+                      </a:r>
+                      <a:endParaRPr lang="en-US" sz="2400" b="0" dirty="0">
+                        <a:solidFill>
+                          <a:srgbClr val="1E3272"/>
+                        </a:solidFill>
+                      </a:endParaRPr>
+                    </a:p>
+                  </a:txBody>
+                  <a:tcPr/>
+                </a:tc>
+              </a:tr>
+            </a:tbl>
+          </a:graphicData>
+        </a:graphic>
+      </p:graphicFrame>
+      <p:sp>
+        <p:nvSpPr>
+          <p:cNvPr id="6" name="Rectangle 5"/>
+          <p:cNvSpPr/>
+          <p:nvPr/>
+        </p:nvSpPr>
+        <p:spPr>
+          <a:xfrm>
+            <a:off x="3137451" y="4337074"/>
+            <a:ext cx="2408583" cy="1815882"/>
+          </a:xfrm>
+          <a:prstGeom prst="rect">
+            <a:avLst/>
+          </a:prstGeom>
+        </p:spPr>
+        <p:txBody>
+          <a:bodyPr wrap="square">
+            <a:spAutoFit/>
+          </a:bodyPr>
+          <a:lstStyle/>
+          <a:p>
+            <a:r>
+              <a:rPr lang="en-US" sz="2800" dirty="0" err="1">
+                <a:solidFill>
+                  <a:srgbClr val="1E3272"/>
+                </a:solidFill>
+              </a:rPr>
+              <a:t>addi</a:t>
+            </a:r>
+            <a:r>
+              <a:rPr lang="en-US" sz="2800" dirty="0">
+                <a:solidFill>
+                  <a:srgbClr val="1E3272"/>
+                </a:solidFill>
+              </a:rPr>
+              <a:t> x3, x1, 3</a:t>
+            </a:r>
+          </a:p>
+          <a:p>
+            <a:r>
+              <a:rPr lang="en-US" sz="2800" dirty="0" err="1">
+                <a:solidFill>
+                  <a:srgbClr val="1E3272"/>
+                </a:solidFill>
+              </a:rPr>
+              <a:t>andi</a:t>
+            </a:r>
+            <a:r>
+              <a:rPr lang="en-US" sz="2800" dirty="0">
+                <a:solidFill>
+                  <a:srgbClr val="1E3272"/>
+                </a:solidFill>
+              </a:rPr>
+              <a:t> x3, x1, 3</a:t>
+            </a:r>
+          </a:p>
+          <a:p>
+            <a:r>
+              <a:rPr lang="en-US" sz="2800" dirty="0" err="1">
+                <a:solidFill>
+                  <a:srgbClr val="1E3272"/>
+                </a:solidFill>
+              </a:rPr>
+              <a:t>slli</a:t>
+            </a:r>
+            <a:r>
+              <a:rPr lang="en-US" sz="2800" dirty="0">
+                <a:solidFill>
+                  <a:srgbClr val="1E3272"/>
+                </a:solidFill>
+              </a:rPr>
+              <a:t> </a:t>
+            </a:r>
+            <a:r>
+              <a:rPr lang="en-US" sz="2800" dirty="0" smtClean="0">
+                <a:solidFill>
+                  <a:srgbClr val="1E3272"/>
+                </a:solidFill>
+              </a:rPr>
+              <a:t>   x3</a:t>
+            </a:r>
+            <a:r>
+              <a:rPr lang="en-US" sz="2800" dirty="0">
+                <a:solidFill>
+                  <a:srgbClr val="1E3272"/>
+                </a:solidFill>
+              </a:rPr>
+              <a:t>, x1, 3</a:t>
+            </a:r>
+          </a:p>
+          <a:p>
+            <a:r>
+              <a:rPr lang="en-US" sz="2800" dirty="0" err="1">
+                <a:solidFill>
+                  <a:srgbClr val="1E3272"/>
+                </a:solidFill>
+              </a:rPr>
+              <a:t>addi</a:t>
+            </a:r>
+            <a:r>
+              <a:rPr lang="en-US" sz="2800" dirty="0">
+                <a:solidFill>
+                  <a:srgbClr val="1E3272"/>
+                </a:solidFill>
+              </a:rPr>
+              <a:t> x3, x1, -3</a:t>
+            </a:r>
+          </a:p>
+        </p:txBody>
+      </p:sp>
+      <p:sp>
+        <p:nvSpPr>
+          <p:cNvPr id="7" name="Rectangle 6"/>
+          <p:cNvSpPr/>
+          <p:nvPr/>
+        </p:nvSpPr>
+        <p:spPr>
+          <a:xfrm>
+            <a:off x="6728791" y="4330746"/>
+            <a:ext cx="2415208" cy="1815882"/>
+          </a:xfrm>
+          <a:prstGeom prst="rect">
+            <a:avLst/>
+          </a:prstGeom>
+        </p:spPr>
+        <p:txBody>
+          <a:bodyPr wrap="square">
+            <a:spAutoFit/>
+          </a:bodyPr>
+          <a:lstStyle/>
+          <a:p>
+            <a:r>
+              <a:rPr lang="en-US" sz="2800" smtClean="0">
+                <a:solidFill>
+                  <a:srgbClr val="00B050"/>
+                </a:solidFill>
+              </a:rPr>
+              <a:t>x3 &lt;- x1 + 3</a:t>
+            </a:r>
+          </a:p>
+          <a:p>
+            <a:r>
+              <a:rPr lang="en-US" sz="2800" smtClean="0">
+                <a:solidFill>
+                  <a:srgbClr val="00B050"/>
+                </a:solidFill>
+              </a:rPr>
+              <a:t>x3 &lt;- x1 &amp; 3</a:t>
+            </a:r>
+          </a:p>
+          <a:p>
+            <a:r>
+              <a:rPr lang="en-US" sz="2800" smtClean="0">
+                <a:solidFill>
+                  <a:srgbClr val="00B050"/>
+                </a:solidFill>
+              </a:rPr>
+              <a:t>x3 &lt;- x1 &lt;&lt; 3</a:t>
+            </a:r>
+          </a:p>
+          <a:p>
+            <a:r>
+              <a:rPr lang="en-US" sz="2800" smtClean="0">
+                <a:solidFill>
+                  <a:srgbClr val="00B050"/>
+                </a:solidFill>
+              </a:rPr>
+              <a:t>x3 &lt;- x1 - 3</a:t>
+            </a:r>
+            <a:endParaRPr lang="en-US" sz="2800" dirty="0">
+              <a:solidFill>
+                <a:srgbClr val="00B050"/>
+              </a:solidFill>
+            </a:endParaRPr>
+          </a:p>
+        </p:txBody>
+      </p:sp>
+      <p:sp>
+        <p:nvSpPr>
+          <p:cNvPr id="8" name="Rectangle 7"/>
+          <p:cNvSpPr/>
+          <p:nvPr/>
+        </p:nvSpPr>
+        <p:spPr>
+          <a:xfrm>
+            <a:off x="3495260" y="6216201"/>
+            <a:ext cx="5002697" cy="461665"/>
+          </a:xfrm>
+          <a:prstGeom prst="rect">
+            <a:avLst/>
+          </a:prstGeom>
+        </p:spPr>
+        <p:txBody>
+          <a:bodyPr wrap="square">
+            <a:spAutoFit/>
+          </a:bodyPr>
+          <a:lstStyle/>
+          <a:p>
+            <a:pPr algn="ctr"/>
+            <a:r>
+              <a:rPr lang="en-US" sz="2400" dirty="0" smtClean="0">
+                <a:solidFill>
+                  <a:srgbClr val="2F5CB5"/>
+                </a:solidFill>
+              </a:rPr>
+              <a:t>No </a:t>
+            </a:r>
+            <a:r>
+              <a:rPr lang="en-US" sz="2400" dirty="0" err="1">
+                <a:solidFill>
+                  <a:srgbClr val="2F5CB5"/>
+                </a:solidFill>
+              </a:rPr>
+              <a:t>subi</a:t>
+            </a:r>
+            <a:r>
+              <a:rPr lang="en-US" sz="2400" dirty="0">
+                <a:solidFill>
+                  <a:srgbClr val="2F5CB5"/>
+                </a:solidFill>
+              </a:rPr>
+              <a:t>, instead use negative constant.</a:t>
+            </a:r>
+          </a:p>
+        </p:txBody>
+      </p:sp>
+    </p:spTree>
+    <p:extLst>
+      <p:ext uri="{BB962C8B-B14F-4D97-AF65-F5344CB8AC3E}">
+        <p14:creationId xmlns:p14="http://schemas.microsoft.com/office/powerpoint/2010/main" val="556639368"/>
+      </p:ext>
+    </p:extLst>
+  </p:cSld>
+  <p:clrMapOvr>
+    <a:masterClrMapping/>
+  </p:clrMapOvr>
+  <p:timing>
+    <p:tnLst>
+      <p:par>
+        <p:cTn id="1" dur="indefinite" restart="never" nodeType="tmRoot"/>
+      </p:par>
+    </p:tnLst>
+  </p:timing>
+</p:sld>
+</file>
+
+<file path=ppt/slides/slide22.xml><?xml version="1.0" encoding="utf-8"?>
+<p:sld xmlns:a="http://schemas.openxmlformats.org/drawingml/2006/main" xmlns:r="http://schemas.openxmlformats.org/officeDocument/2006/relationships" xmlns:p="http://schemas.openxmlformats.org/presentationml/2006/main">
+  <p:cSld>
+    <p:spTree>
+      <p:nvGrpSpPr>
+        <p:cNvPr id="1" name=""/>
+        <p:cNvGrpSpPr/>
+        <p:nvPr/>
+      </p:nvGrpSpPr>
+      <p:grpSpPr>
+        <a:xfrm>
+          <a:off x="0" y="0"/>
+          <a:ext cx="0" cy="0"/>
+          <a:chOff x="0" y="0"/>
+          <a:chExt cx="0" cy="0"/>
+        </a:xfrm>
+      </p:grpSpPr>
+      <p:sp>
+        <p:nvSpPr>
+          <p:cNvPr id="2" name="Content Placeholder 1"/>
+          <p:cNvSpPr>
+            <a:spLocks noGrp="1"/>
+          </p:cNvSpPr>
+          <p:nvPr>
+            <p:ph idx="1"/>
+          </p:nvPr>
+        </p:nvSpPr>
+        <p:spPr>
+          <a:xfrm>
+            <a:off x="838200" y="1178052"/>
+            <a:ext cx="10515600" cy="3294557"/>
+          </a:xfrm>
+        </p:spPr>
+        <p:txBody>
+          <a:bodyPr/>
+          <a:lstStyle/>
+          <a:p>
+            <a:pPr>
+              <a:lnSpc>
+                <a:spcPct val="100000"/>
+              </a:lnSpc>
+            </a:pPr>
+            <a:r>
+              <a:rPr lang="en-US" dirty="0"/>
+              <a:t>Execute a = ((b+3) &gt;&gt; c) - 1</a:t>
+            </a:r>
+            <a:r>
+              <a:rPr lang="en-US" dirty="0" smtClean="0"/>
+              <a:t>;</a:t>
+            </a:r>
+          </a:p>
+          <a:p>
+            <a:pPr lvl="1">
+              <a:lnSpc>
+                <a:spcPct val="100000"/>
+              </a:lnSpc>
+            </a:pPr>
+            <a:r>
+              <a:rPr lang="en-US" dirty="0"/>
+              <a:t>Break up complex expression into basic computations</a:t>
+            </a:r>
+            <a:r>
+              <a:rPr lang="en-US" dirty="0" smtClean="0"/>
+              <a:t>.</a:t>
+            </a:r>
+          </a:p>
+          <a:p>
+            <a:pPr lvl="2">
+              <a:lnSpc>
+                <a:spcPct val="100000"/>
+              </a:lnSpc>
+            </a:pPr>
+            <a:r>
+              <a:rPr lang="en-US" sz="2800" dirty="0" smtClean="0"/>
+              <a:t>Our </a:t>
+            </a:r>
+            <a:r>
+              <a:rPr lang="en-US" sz="2800" dirty="0"/>
+              <a:t>instructions can only specify two source operands and one destination operand (also known as three address instruction</a:t>
+            </a:r>
+            <a:r>
+              <a:rPr lang="en-US" sz="2800" dirty="0" smtClean="0"/>
+              <a:t>).</a:t>
+            </a:r>
+          </a:p>
+          <a:p>
+            <a:pPr lvl="1">
+              <a:lnSpc>
+                <a:spcPct val="100000"/>
+              </a:lnSpc>
+            </a:pPr>
+            <a:r>
+              <a:rPr lang="en-US" dirty="0"/>
+              <a:t>Assume a, b, c are in registers x1, x2, and x3 respectively. Use x4 for t0, and x5 for t1.</a:t>
+            </a:r>
+          </a:p>
+        </p:txBody>
+      </p:sp>
+      <p:sp>
+        <p:nvSpPr>
+          <p:cNvPr id="3" name="Slide Number Placeholder 2"/>
+          <p:cNvSpPr>
+            <a:spLocks noGrp="1"/>
+          </p:cNvSpPr>
+          <p:nvPr>
+            <p:ph type="sldNum" sz="quarter" idx="12"/>
+          </p:nvPr>
+        </p:nvSpPr>
+        <p:spPr/>
+        <p:txBody>
+          <a:bodyPr/>
+          <a:lstStyle/>
+          <a:p>
+            <a:pPr algn="ctr"/>
+            <a:fld id="{1397BFD8-F312-4EF2-A268-44FB4BDDBBB0}" type="slidenum">
+              <a:rPr lang="ru-RU" smtClean="0"/>
+              <a:pPr algn="ctr"/>
+              <a:t>22</a:t>
+            </a:fld>
+            <a:endParaRPr lang="ru-RU" dirty="0"/>
+          </a:p>
+        </p:txBody>
+      </p:sp>
+      <p:sp>
+        <p:nvSpPr>
+          <p:cNvPr id="4" name="Title 3"/>
+          <p:cNvSpPr>
+            <a:spLocks noGrp="1"/>
+          </p:cNvSpPr>
+          <p:nvPr>
+            <p:ph type="title"/>
+          </p:nvPr>
+        </p:nvSpPr>
+        <p:spPr/>
+        <p:txBody>
+          <a:bodyPr/>
+          <a:lstStyle/>
+          <a:p>
+            <a:r>
+              <a:rPr lang="en-US" dirty="0"/>
+              <a:t>Compound </a:t>
+            </a:r>
+            <a:r>
+              <a:rPr lang="en-US" dirty="0" smtClean="0"/>
+              <a:t>Computations</a:t>
+            </a:r>
+            <a:endParaRPr lang="en-US" dirty="0"/>
+          </a:p>
+        </p:txBody>
+      </p:sp>
+      <p:sp>
+        <p:nvSpPr>
+          <p:cNvPr id="5" name="Rectangle 4"/>
+          <p:cNvSpPr/>
+          <p:nvPr/>
+        </p:nvSpPr>
+        <p:spPr>
+          <a:xfrm>
+            <a:off x="6834809" y="4596779"/>
+            <a:ext cx="2219738" cy="1569660"/>
+          </a:xfrm>
+          <a:prstGeom prst="rect">
+            <a:avLst/>
+          </a:prstGeom>
+        </p:spPr>
+        <p:txBody>
+          <a:bodyPr wrap="square">
+            <a:spAutoFit/>
+          </a:bodyPr>
+          <a:lstStyle/>
+          <a:p>
+            <a:r>
+              <a:rPr lang="en-US" sz="3200" dirty="0">
+                <a:solidFill>
+                  <a:srgbClr val="00B050"/>
+                </a:solidFill>
+              </a:rPr>
+              <a:t>t0 = b + 3;</a:t>
+            </a:r>
+          </a:p>
+          <a:p>
+            <a:r>
+              <a:rPr lang="en-US" sz="3200" dirty="0">
+                <a:solidFill>
+                  <a:srgbClr val="00B050"/>
+                </a:solidFill>
+              </a:rPr>
+              <a:t>t1 = t0 &gt;&gt; c;</a:t>
+            </a:r>
+          </a:p>
+          <a:p>
+            <a:r>
+              <a:rPr lang="en-US" sz="3200" dirty="0">
+                <a:solidFill>
+                  <a:srgbClr val="00B050"/>
+                </a:solidFill>
+              </a:rPr>
+              <a:t>a = </a:t>
+            </a:r>
+            <a:r>
+              <a:rPr lang="en-US" sz="3200" dirty="0" smtClean="0">
+                <a:solidFill>
+                  <a:srgbClr val="00B050"/>
+                </a:solidFill>
+              </a:rPr>
+              <a:t> t1 </a:t>
+            </a:r>
+            <a:r>
+              <a:rPr lang="en-US" sz="3200" dirty="0">
+                <a:solidFill>
+                  <a:srgbClr val="00B050"/>
+                </a:solidFill>
+              </a:rPr>
+              <a:t>- 1;</a:t>
+            </a:r>
+          </a:p>
+        </p:txBody>
+      </p:sp>
+      <p:sp>
+        <p:nvSpPr>
+          <p:cNvPr id="6" name="Rectangle 5"/>
+          <p:cNvSpPr/>
+          <p:nvPr/>
+        </p:nvSpPr>
+        <p:spPr>
+          <a:xfrm>
+            <a:off x="2509629" y="4596779"/>
+            <a:ext cx="2529508" cy="1569660"/>
+          </a:xfrm>
+          <a:prstGeom prst="rect">
+            <a:avLst/>
+          </a:prstGeom>
+        </p:spPr>
+        <p:txBody>
+          <a:bodyPr wrap="square">
+            <a:spAutoFit/>
+          </a:bodyPr>
+          <a:lstStyle/>
+          <a:p>
+            <a:r>
+              <a:rPr lang="en-US" sz="3200" dirty="0" err="1">
+                <a:solidFill>
+                  <a:srgbClr val="1E3272"/>
+                </a:solidFill>
+              </a:rPr>
+              <a:t>addi</a:t>
+            </a:r>
+            <a:r>
+              <a:rPr lang="en-US" sz="3200" dirty="0">
+                <a:solidFill>
+                  <a:srgbClr val="1E3272"/>
+                </a:solidFill>
+              </a:rPr>
+              <a:t> x4, x2, 3</a:t>
+            </a:r>
+          </a:p>
+          <a:p>
+            <a:r>
+              <a:rPr lang="en-US" sz="3200" dirty="0" err="1" smtClean="0">
+                <a:solidFill>
+                  <a:srgbClr val="1E3272"/>
+                </a:solidFill>
+              </a:rPr>
+              <a:t>srl</a:t>
+            </a:r>
+            <a:r>
+              <a:rPr lang="en-US" sz="3200" dirty="0" smtClean="0">
+                <a:solidFill>
+                  <a:srgbClr val="1E3272"/>
+                </a:solidFill>
+              </a:rPr>
+              <a:t>    </a:t>
+            </a:r>
+            <a:r>
+              <a:rPr lang="en-US" sz="3200" dirty="0">
+                <a:solidFill>
+                  <a:srgbClr val="1E3272"/>
+                </a:solidFill>
+              </a:rPr>
+              <a:t>x5, x4, x3</a:t>
+            </a:r>
+          </a:p>
+          <a:p>
+            <a:r>
+              <a:rPr lang="en-US" sz="3200" dirty="0" err="1">
+                <a:solidFill>
+                  <a:srgbClr val="1E3272"/>
+                </a:solidFill>
+              </a:rPr>
+              <a:t>addi</a:t>
+            </a:r>
+            <a:r>
+              <a:rPr lang="en-US" sz="3200" dirty="0">
+                <a:solidFill>
+                  <a:srgbClr val="1E3272"/>
+                </a:solidFill>
+              </a:rPr>
+              <a:t> x1, x5, -1</a:t>
+            </a:r>
+          </a:p>
+        </p:txBody>
+      </p:sp>
+    </p:spTree>
+    <p:extLst>
+      <p:ext uri="{BB962C8B-B14F-4D97-AF65-F5344CB8AC3E}">
+        <p14:creationId xmlns:p14="http://schemas.microsoft.com/office/powerpoint/2010/main" val="4153975197"/>
+      </p:ext>
+    </p:extLst>
+  </p:cSld>
+  <p:clrMapOvr>
+    <a:masterClrMapping/>
+  </p:clrMapOvr>
+  <p:timing>
+    <p:tnLst>
+      <p:par>
+        <p:cTn id="1" dur="indefinite" restart="never" nodeType="tmRoot"/>
+      </p:par>
+    </p:tnLst>
+  </p:timing>
+</p:sld>
+</file>
+
+<file path=ppt/slides/slide23.xml><?xml version="1.0" encoding="utf-8"?>
+<p:sld xmlns:a="http://schemas.openxmlformats.org/drawingml/2006/main" xmlns:r="http://schemas.openxmlformats.org/officeDocument/2006/relationships" xmlns:p="http://schemas.openxmlformats.org/presentationml/2006/main">
+  <p:cSld>
+    <p:spTree>
+      <p:nvGrpSpPr>
+        <p:cNvPr id="1" name=""/>
+        <p:cNvGrpSpPr/>
+        <p:nvPr/>
+      </p:nvGrpSpPr>
+      <p:grpSpPr>
+        <a:xfrm>
+          <a:off x="0" y="0"/>
+          <a:ext cx="0" cy="0"/>
+          <a:chOff x="0" y="0"/>
+          <a:chExt cx="0" cy="0"/>
+        </a:xfrm>
+      </p:grpSpPr>
+      <p:sp>
+        <p:nvSpPr>
+          <p:cNvPr id="2" name="Content Placeholder 1"/>
+          <p:cNvSpPr>
+            <a:spLocks noGrp="1"/>
+          </p:cNvSpPr>
+          <p:nvPr>
+            <p:ph idx="1"/>
+          </p:nvPr>
+        </p:nvSpPr>
+        <p:spPr>
+          <a:xfrm>
+            <a:off x="838199" y="1178052"/>
+            <a:ext cx="10691191" cy="5361895"/>
+          </a:xfrm>
+        </p:spPr>
+        <p:txBody>
+          <a:bodyPr>
+            <a:normAutofit/>
+          </a:bodyPr>
+          <a:lstStyle/>
+          <a:p>
+            <a:r>
+              <a:rPr lang="en-US" dirty="0" err="1"/>
+              <a:t>jal</a:t>
+            </a:r>
+            <a:r>
+              <a:rPr lang="en-US" dirty="0"/>
+              <a:t>: Unconditional jump and link</a:t>
+            </a:r>
+          </a:p>
+          <a:p>
+            <a:pPr lvl="1"/>
+            <a:r>
+              <a:rPr lang="en-US" dirty="0"/>
+              <a:t>  Example: </a:t>
+            </a:r>
+            <a:r>
+              <a:rPr lang="en-US" dirty="0" err="1">
+                <a:solidFill>
+                  <a:srgbClr val="00B050"/>
+                </a:solidFill>
+              </a:rPr>
+              <a:t>jal</a:t>
+            </a:r>
+            <a:r>
+              <a:rPr lang="en-US" dirty="0">
+                <a:solidFill>
+                  <a:srgbClr val="00B050"/>
+                </a:solidFill>
+              </a:rPr>
+              <a:t> x3, label</a:t>
+            </a:r>
+          </a:p>
+          <a:p>
+            <a:pPr lvl="1"/>
+            <a:r>
+              <a:rPr lang="en-US" dirty="0"/>
+              <a:t>  Jump target specified as label</a:t>
+            </a:r>
+          </a:p>
+          <a:p>
+            <a:pPr lvl="1"/>
+            <a:r>
+              <a:rPr lang="en-US" dirty="0"/>
+              <a:t>  </a:t>
+            </a:r>
+            <a:r>
+              <a:rPr lang="en-US" dirty="0" smtClean="0"/>
+              <a:t>label </a:t>
+            </a:r>
+            <a:r>
+              <a:rPr lang="en-US" dirty="0"/>
+              <a:t>is encoded as an offset from current instruction</a:t>
+            </a:r>
+          </a:p>
+          <a:p>
+            <a:pPr lvl="1"/>
+            <a:r>
+              <a:rPr lang="en-US" dirty="0"/>
+              <a:t>  Link </a:t>
+            </a:r>
+            <a:r>
+              <a:rPr lang="en-US" dirty="0" smtClean="0"/>
+              <a:t>(to </a:t>
+            </a:r>
+            <a:r>
+              <a:rPr lang="en-US" dirty="0"/>
+              <a:t>be discussed </a:t>
+            </a:r>
+            <a:r>
+              <a:rPr lang="en-US" dirty="0" smtClean="0"/>
+              <a:t>later): </a:t>
+            </a:r>
+            <a:r>
+              <a:rPr lang="en-US" dirty="0"/>
+              <a:t>is stored in x3</a:t>
+            </a:r>
+          </a:p>
+          <a:p>
+            <a:r>
+              <a:rPr lang="en-US" dirty="0" err="1"/>
+              <a:t>jalr</a:t>
+            </a:r>
+            <a:r>
+              <a:rPr lang="en-US" dirty="0"/>
+              <a:t>: Unconditional jump via register and link</a:t>
+            </a:r>
+          </a:p>
+          <a:p>
+            <a:pPr lvl="1"/>
+            <a:r>
+              <a:rPr lang="en-US" dirty="0"/>
+              <a:t> </a:t>
+            </a:r>
+            <a:r>
+              <a:rPr lang="en-US" dirty="0" smtClean="0"/>
+              <a:t>Example</a:t>
+            </a:r>
+            <a:r>
+              <a:rPr lang="en-US" dirty="0"/>
+              <a:t>: </a:t>
+            </a:r>
+            <a:r>
+              <a:rPr lang="en-US" dirty="0" err="1">
+                <a:solidFill>
+                  <a:srgbClr val="00B050"/>
+                </a:solidFill>
+              </a:rPr>
+              <a:t>jalr</a:t>
+            </a:r>
+            <a:r>
+              <a:rPr lang="en-US" dirty="0">
+                <a:solidFill>
+                  <a:srgbClr val="00B050"/>
+                </a:solidFill>
+              </a:rPr>
+              <a:t> x3, 4(x1)</a:t>
+            </a:r>
+          </a:p>
+          <a:p>
+            <a:pPr lvl="1"/>
+            <a:r>
+              <a:rPr lang="en-US" dirty="0"/>
+              <a:t> </a:t>
+            </a:r>
+            <a:r>
+              <a:rPr lang="en-US" dirty="0" smtClean="0"/>
+              <a:t>Jump </a:t>
+            </a:r>
+            <a:r>
+              <a:rPr lang="en-US" dirty="0"/>
+              <a:t>target specified as register value plus constant offset</a:t>
+            </a:r>
+          </a:p>
+          <a:p>
+            <a:pPr lvl="1"/>
+            <a:r>
+              <a:rPr lang="en-US" dirty="0"/>
+              <a:t> </a:t>
+            </a:r>
+            <a:r>
+              <a:rPr lang="en-US" dirty="0" smtClean="0"/>
+              <a:t>Example</a:t>
+            </a:r>
+            <a:r>
+              <a:rPr lang="en-US" dirty="0"/>
+              <a:t>: Jump target = x1 + 4</a:t>
+            </a:r>
+          </a:p>
+          <a:p>
+            <a:pPr lvl="1"/>
+            <a:r>
+              <a:rPr lang="en-US" dirty="0"/>
+              <a:t> </a:t>
+            </a:r>
+            <a:r>
+              <a:rPr lang="en-US" dirty="0" smtClean="0"/>
+              <a:t>Can </a:t>
+            </a:r>
+            <a:r>
+              <a:rPr lang="en-US" dirty="0"/>
+              <a:t>jump to any 32 bit address – supports long jumps</a:t>
+            </a:r>
+          </a:p>
+        </p:txBody>
+      </p:sp>
+      <p:sp>
+        <p:nvSpPr>
+          <p:cNvPr id="3" name="Slide Number Placeholder 2"/>
+          <p:cNvSpPr>
+            <a:spLocks noGrp="1"/>
+          </p:cNvSpPr>
+          <p:nvPr>
+            <p:ph type="sldNum" sz="quarter" idx="12"/>
+          </p:nvPr>
+        </p:nvSpPr>
+        <p:spPr/>
+        <p:txBody>
+          <a:bodyPr/>
+          <a:lstStyle/>
+          <a:p>
+            <a:pPr algn="ctr"/>
+            <a:fld id="{1397BFD8-F312-4EF2-A268-44FB4BDDBBB0}" type="slidenum">
+              <a:rPr lang="ru-RU" smtClean="0"/>
+              <a:pPr algn="ctr"/>
+              <a:t>23</a:t>
+            </a:fld>
+            <a:endParaRPr lang="ru-RU" dirty="0"/>
+          </a:p>
+        </p:txBody>
+      </p:sp>
+      <p:sp>
+        <p:nvSpPr>
+          <p:cNvPr id="4" name="Title 3"/>
+          <p:cNvSpPr>
+            <a:spLocks noGrp="1"/>
+          </p:cNvSpPr>
+          <p:nvPr>
+            <p:ph type="title"/>
+          </p:nvPr>
+        </p:nvSpPr>
+        <p:spPr/>
+        <p:txBody>
+          <a:bodyPr>
+            <a:normAutofit/>
+          </a:bodyPr>
+          <a:lstStyle/>
+          <a:p>
+            <a:r>
+              <a:rPr lang="en-US" dirty="0"/>
+              <a:t>Unconditional Control </a:t>
+            </a:r>
+            <a:r>
+              <a:rPr lang="en-US" dirty="0" smtClean="0"/>
+              <a:t>Instructions: Jumps</a:t>
+            </a:r>
+            <a:endParaRPr lang="en-US" dirty="0"/>
+          </a:p>
+        </p:txBody>
+      </p:sp>
+    </p:spTree>
+    <p:extLst>
+      <p:ext uri="{BB962C8B-B14F-4D97-AF65-F5344CB8AC3E}">
+        <p14:creationId xmlns:p14="http://schemas.microsoft.com/office/powerpoint/2010/main" val="2449307826"/>
+      </p:ext>
+    </p:extLst>
+  </p:cSld>
+  <p:clrMapOvr>
+    <a:masterClrMapping/>
+  </p:clrMapOvr>
+  <p:timing>
+    <p:tnLst>
+      <p:par>
+        <p:cTn id="1" dur="indefinite" restart="never" nodeType="tmRoot"/>
+      </p:par>
+    </p:tnLst>
+  </p:timing>
+</p:sld>
+</file>
+
+<file path=ppt/slides/slide24.xml><?xml version="1.0" encoding="utf-8"?>
+<p:sld xmlns:a="http://schemas.openxmlformats.org/drawingml/2006/main" xmlns:r="http://schemas.openxmlformats.org/officeDocument/2006/relationships" xmlns:p="http://schemas.openxmlformats.org/presentationml/2006/main">
+  <p:cSld>
+    <p:spTree>
+      <p:nvGrpSpPr>
+        <p:cNvPr id="1" name=""/>
+        <p:cNvGrpSpPr/>
+        <p:nvPr/>
+      </p:nvGrpSpPr>
+      <p:grpSpPr>
+        <a:xfrm>
+          <a:off x="0" y="0"/>
+          <a:ext cx="0" cy="0"/>
+          <a:chOff x="0" y="0"/>
+          <a:chExt cx="0" cy="0"/>
+        </a:xfrm>
+      </p:grpSpPr>
+      <p:sp>
+        <p:nvSpPr>
+          <p:cNvPr id="3" name="Slide Number Placeholder 2"/>
+          <p:cNvSpPr>
+            <a:spLocks noGrp="1"/>
+          </p:cNvSpPr>
+          <p:nvPr>
+            <p:ph type="sldNum" sz="quarter" idx="12"/>
+          </p:nvPr>
+        </p:nvSpPr>
+        <p:spPr/>
+        <p:txBody>
+          <a:bodyPr/>
+          <a:lstStyle/>
+          <a:p>
+            <a:pPr algn="ctr"/>
+            <a:fld id="{1397BFD8-F312-4EF2-A268-44FB4BDDBBB0}" type="slidenum">
+              <a:rPr lang="ru-RU" smtClean="0"/>
+              <a:pPr algn="ctr"/>
+              <a:t>24</a:t>
+            </a:fld>
+            <a:endParaRPr lang="ru-RU" dirty="0"/>
+          </a:p>
+        </p:txBody>
+      </p:sp>
+      <p:sp>
+        <p:nvSpPr>
+          <p:cNvPr id="4" name="Title 3"/>
+          <p:cNvSpPr>
+            <a:spLocks noGrp="1"/>
+          </p:cNvSpPr>
+          <p:nvPr>
+            <p:ph type="title"/>
+          </p:nvPr>
+        </p:nvSpPr>
+        <p:spPr/>
+        <p:txBody>
+          <a:bodyPr>
+            <a:normAutofit/>
+          </a:bodyPr>
+          <a:lstStyle/>
+          <a:p>
+            <a:r>
+              <a:rPr lang="en-US" dirty="0" smtClean="0"/>
+              <a:t>Computations </a:t>
+            </a:r>
+            <a:r>
+              <a:rPr lang="en-US" dirty="0"/>
+              <a:t>on </a:t>
+            </a:r>
+            <a:r>
+              <a:rPr lang="en-US" dirty="0" smtClean="0"/>
+              <a:t>Values in </a:t>
+            </a:r>
+            <a:r>
+              <a:rPr lang="en-US" dirty="0"/>
+              <a:t>Memory</a:t>
+            </a:r>
+          </a:p>
+        </p:txBody>
+      </p:sp>
+      <p:sp>
+        <p:nvSpPr>
+          <p:cNvPr id="5" name="Double Wave 4"/>
+          <p:cNvSpPr/>
+          <p:nvPr/>
+        </p:nvSpPr>
+        <p:spPr>
+          <a:xfrm>
+            <a:off x="8510047" y="1774330"/>
+            <a:ext cx="1903787" cy="4809351"/>
+          </a:xfrm>
+          <a:prstGeom prst="doubleWave">
+            <a:avLst/>
+          </a:prstGeom>
+          <a:solidFill>
+            <a:schemeClr val="accent1">
+              <a:lumMod val="75000"/>
+            </a:schemeClr>
+          </a:solidFill>
+          <a:ln w="25400">
+            <a:solidFill>
+              <a:srgbClr val="1E3272"/>
+            </a:solidFill>
+          </a:ln>
+        </p:spPr>
+        <p:style>
+          <a:lnRef idx="2">
+            <a:schemeClr val="accent1">
+              <a:shade val="50000"/>
+            </a:schemeClr>
+          </a:lnRef>
+          <a:fillRef idx="1">
+            <a:schemeClr val="accent1"/>
+          </a:fillRef>
+          <a:effectRef idx="0">
+            <a:schemeClr val="accent1"/>
+          </a:effectRef>
+          <a:fontRef idx="minor">
+            <a:schemeClr val="lt1"/>
+          </a:fontRef>
+        </p:style>
+        <p:txBody>
+          <a:bodyPr rtlCol="0" anchor="ctr"/>
+          <a:lstStyle/>
+          <a:p>
+            <a:pPr algn="ctr"/>
+            <a:endParaRPr lang="en-US"/>
+          </a:p>
+        </p:txBody>
+      </p:sp>
+      <p:sp>
+        <p:nvSpPr>
+          <p:cNvPr id="6" name="Rectangle 5"/>
+          <p:cNvSpPr/>
+          <p:nvPr/>
+        </p:nvSpPr>
+        <p:spPr>
+          <a:xfrm>
+            <a:off x="8508102" y="2665160"/>
+            <a:ext cx="1908312" cy="467139"/>
+          </a:xfrm>
+          <a:prstGeom prst="rect">
+            <a:avLst/>
+          </a:prstGeom>
+          <a:solidFill>
+            <a:schemeClr val="accent1">
+              <a:lumMod val="75000"/>
+            </a:schemeClr>
+          </a:solidFill>
+          <a:ln w="25400">
+            <a:solidFill>
+              <a:srgbClr val="1E3272"/>
+            </a:solidFill>
+          </a:ln>
+        </p:spPr>
+        <p:style>
+          <a:lnRef idx="2">
+            <a:schemeClr val="accent1">
+              <a:shade val="50000"/>
+            </a:schemeClr>
+          </a:lnRef>
+          <a:fillRef idx="1">
+            <a:schemeClr val="accent1"/>
+          </a:fillRef>
+          <a:effectRef idx="0">
+            <a:schemeClr val="accent1"/>
+          </a:effectRef>
+          <a:fontRef idx="minor">
+            <a:schemeClr val="lt1"/>
+          </a:fontRef>
+        </p:style>
+        <p:txBody>
+          <a:bodyPr rtlCol="0" anchor="ctr"/>
+          <a:lstStyle/>
+          <a:p>
+            <a:pPr algn="ctr"/>
+            <a:endParaRPr lang="en-US" dirty="0"/>
+          </a:p>
+        </p:txBody>
+      </p:sp>
+      <p:sp>
+        <p:nvSpPr>
+          <p:cNvPr id="7" name="Rectangle 6"/>
+          <p:cNvSpPr/>
+          <p:nvPr/>
+        </p:nvSpPr>
+        <p:spPr>
+          <a:xfrm>
+            <a:off x="8505523" y="3129353"/>
+            <a:ext cx="1908312" cy="467139"/>
+          </a:xfrm>
+          <a:prstGeom prst="rect">
+            <a:avLst/>
+          </a:prstGeom>
+          <a:solidFill>
+            <a:schemeClr val="accent1">
+              <a:lumMod val="75000"/>
+            </a:schemeClr>
+          </a:solidFill>
+          <a:ln w="25400">
+            <a:solidFill>
+              <a:srgbClr val="1E3272"/>
+            </a:solidFill>
+          </a:ln>
+        </p:spPr>
+        <p:style>
+          <a:lnRef idx="2">
+            <a:schemeClr val="accent1">
+              <a:shade val="50000"/>
+            </a:schemeClr>
+          </a:lnRef>
+          <a:fillRef idx="1">
+            <a:schemeClr val="accent1"/>
+          </a:fillRef>
+          <a:effectRef idx="0">
+            <a:schemeClr val="accent1"/>
+          </a:effectRef>
+          <a:fontRef idx="minor">
+            <a:schemeClr val="lt1"/>
+          </a:fontRef>
+        </p:style>
+        <p:txBody>
+          <a:bodyPr rtlCol="0" anchor="ctr"/>
+          <a:lstStyle/>
+          <a:p>
+            <a:pPr algn="ctr"/>
+            <a:r>
+              <a:rPr lang="en-US" sz="3200" dirty="0" smtClean="0">
+                <a:solidFill>
+                  <a:srgbClr val="F7B217"/>
+                </a:solidFill>
+              </a:rPr>
+              <a:t>b</a:t>
+            </a:r>
+            <a:endParaRPr lang="en-US" sz="3200" dirty="0">
+              <a:solidFill>
+                <a:srgbClr val="F7B217"/>
+              </a:solidFill>
+            </a:endParaRPr>
+          </a:p>
+        </p:txBody>
+      </p:sp>
+      <p:sp>
+        <p:nvSpPr>
+          <p:cNvPr id="8" name="Rectangle 7"/>
+          <p:cNvSpPr/>
+          <p:nvPr/>
+        </p:nvSpPr>
+        <p:spPr>
+          <a:xfrm>
+            <a:off x="8505523" y="3596492"/>
+            <a:ext cx="1908312" cy="467139"/>
+          </a:xfrm>
+          <a:prstGeom prst="rect">
+            <a:avLst/>
+          </a:prstGeom>
+          <a:solidFill>
+            <a:schemeClr val="accent1">
+              <a:lumMod val="75000"/>
+            </a:schemeClr>
+          </a:solidFill>
+          <a:ln w="25400">
+            <a:solidFill>
+              <a:srgbClr val="1E3272"/>
+            </a:solidFill>
+          </a:ln>
+        </p:spPr>
+        <p:style>
+          <a:lnRef idx="2">
+            <a:schemeClr val="accent1">
+              <a:shade val="50000"/>
+            </a:schemeClr>
+          </a:lnRef>
+          <a:fillRef idx="1">
+            <a:schemeClr val="accent1"/>
+          </a:fillRef>
+          <a:effectRef idx="0">
+            <a:schemeClr val="accent1"/>
+          </a:effectRef>
+          <a:fontRef idx="minor">
+            <a:schemeClr val="lt1"/>
+          </a:fontRef>
+        </p:style>
+        <p:txBody>
+          <a:bodyPr rtlCol="0" anchor="ctr"/>
+          <a:lstStyle/>
+          <a:p>
+            <a:pPr algn="ctr"/>
+            <a:r>
+              <a:rPr lang="en-US" sz="3200" dirty="0" smtClean="0">
+                <a:solidFill>
+                  <a:srgbClr val="F7B217"/>
+                </a:solidFill>
+              </a:rPr>
+              <a:t>c</a:t>
+            </a:r>
+            <a:endParaRPr lang="en-US" sz="3200" dirty="0">
+              <a:solidFill>
+                <a:srgbClr val="F7B217"/>
+              </a:solidFill>
+            </a:endParaRPr>
+          </a:p>
+        </p:txBody>
+      </p:sp>
+      <p:sp>
+        <p:nvSpPr>
+          <p:cNvPr id="9" name="Rectangle 8"/>
+          <p:cNvSpPr/>
+          <p:nvPr/>
+        </p:nvSpPr>
+        <p:spPr>
+          <a:xfrm>
+            <a:off x="8505523" y="4060685"/>
+            <a:ext cx="1908312" cy="467139"/>
+          </a:xfrm>
+          <a:prstGeom prst="rect">
+            <a:avLst/>
+          </a:prstGeom>
+          <a:solidFill>
+            <a:schemeClr val="accent1">
+              <a:lumMod val="75000"/>
+            </a:schemeClr>
+          </a:solidFill>
+          <a:ln w="25400">
+            <a:solidFill>
+              <a:srgbClr val="1E3272"/>
+            </a:solidFill>
+          </a:ln>
+        </p:spPr>
+        <p:style>
+          <a:lnRef idx="2">
+            <a:schemeClr val="accent1">
+              <a:shade val="50000"/>
+            </a:schemeClr>
+          </a:lnRef>
+          <a:fillRef idx="1">
+            <a:schemeClr val="accent1"/>
+          </a:fillRef>
+          <a:effectRef idx="0">
+            <a:schemeClr val="accent1"/>
+          </a:effectRef>
+          <a:fontRef idx="minor">
+            <a:schemeClr val="lt1"/>
+          </a:fontRef>
+        </p:style>
+        <p:txBody>
+          <a:bodyPr rtlCol="0" anchor="ctr"/>
+          <a:lstStyle/>
+          <a:p>
+            <a:pPr algn="ctr"/>
+            <a:endParaRPr lang="en-US" dirty="0"/>
+          </a:p>
+        </p:txBody>
+      </p:sp>
+      <p:sp>
+        <p:nvSpPr>
+          <p:cNvPr id="10" name="Rectangle 9"/>
+          <p:cNvSpPr/>
+          <p:nvPr/>
+        </p:nvSpPr>
+        <p:spPr>
+          <a:xfrm>
+            <a:off x="8505523" y="4527824"/>
+            <a:ext cx="1908312" cy="467139"/>
+          </a:xfrm>
+          <a:prstGeom prst="rect">
+            <a:avLst/>
+          </a:prstGeom>
+          <a:solidFill>
+            <a:schemeClr val="accent1">
+              <a:lumMod val="75000"/>
+            </a:schemeClr>
+          </a:solidFill>
+          <a:ln w="25400">
+            <a:solidFill>
+              <a:srgbClr val="1E3272"/>
+            </a:solidFill>
+          </a:ln>
+        </p:spPr>
+        <p:style>
+          <a:lnRef idx="2">
+            <a:schemeClr val="accent1">
+              <a:shade val="50000"/>
+            </a:schemeClr>
+          </a:lnRef>
+          <a:fillRef idx="1">
+            <a:schemeClr val="accent1"/>
+          </a:fillRef>
+          <a:effectRef idx="0">
+            <a:schemeClr val="accent1"/>
+          </a:effectRef>
+          <a:fontRef idx="minor">
+            <a:schemeClr val="lt1"/>
+          </a:fontRef>
+        </p:style>
+        <p:txBody>
+          <a:bodyPr rtlCol="0" anchor="ctr"/>
+          <a:lstStyle/>
+          <a:p>
+            <a:pPr algn="ctr"/>
+            <a:r>
+              <a:rPr lang="en-US" sz="3200" dirty="0" smtClean="0">
+                <a:solidFill>
+                  <a:srgbClr val="F7B217"/>
+                </a:solidFill>
+              </a:rPr>
+              <a:t>a</a:t>
+            </a:r>
+            <a:endParaRPr lang="en-US" sz="3200" dirty="0">
+              <a:solidFill>
+                <a:srgbClr val="F7B217"/>
+              </a:solidFill>
+            </a:endParaRPr>
+          </a:p>
+        </p:txBody>
+      </p:sp>
+      <p:sp>
+        <p:nvSpPr>
+          <p:cNvPr id="11" name="Rectangle 10"/>
+          <p:cNvSpPr/>
+          <p:nvPr/>
+        </p:nvSpPr>
+        <p:spPr>
+          <a:xfrm>
+            <a:off x="8505522" y="4994963"/>
+            <a:ext cx="1908312" cy="467139"/>
+          </a:xfrm>
+          <a:prstGeom prst="rect">
+            <a:avLst/>
+          </a:prstGeom>
+          <a:solidFill>
+            <a:schemeClr val="accent1">
+              <a:lumMod val="75000"/>
+            </a:schemeClr>
+          </a:solidFill>
+          <a:ln w="25400">
+            <a:solidFill>
+              <a:srgbClr val="1E3272"/>
+            </a:solidFill>
+          </a:ln>
+        </p:spPr>
+        <p:style>
+          <a:lnRef idx="2">
+            <a:schemeClr val="accent1">
+              <a:shade val="50000"/>
+            </a:schemeClr>
+          </a:lnRef>
+          <a:fillRef idx="1">
+            <a:schemeClr val="accent1"/>
+          </a:fillRef>
+          <a:effectRef idx="0">
+            <a:schemeClr val="accent1"/>
+          </a:effectRef>
+          <a:fontRef idx="minor">
+            <a:schemeClr val="lt1"/>
+          </a:fontRef>
+        </p:style>
+        <p:txBody>
+          <a:bodyPr rtlCol="0" anchor="ctr"/>
+          <a:lstStyle/>
+          <a:p>
+            <a:pPr algn="ctr"/>
+            <a:r>
+              <a:rPr lang="en-US" sz="2400" dirty="0">
+                <a:solidFill>
+                  <a:srgbClr val="F7B217"/>
+                </a:solidFill>
+              </a:rPr>
+              <a:t>32 bit words</a:t>
+            </a:r>
+            <a:endParaRPr lang="en-US" sz="2400" dirty="0">
+              <a:solidFill>
+                <a:srgbClr val="F7B217"/>
+              </a:solidFill>
+            </a:endParaRPr>
+          </a:p>
+        </p:txBody>
+      </p:sp>
+      <p:cxnSp>
+        <p:nvCxnSpPr>
+          <p:cNvPr id="12" name="Straight Arrow Connector 11"/>
+          <p:cNvCxnSpPr/>
+          <p:nvPr/>
+        </p:nvCxnSpPr>
+        <p:spPr>
+          <a:xfrm>
+            <a:off x="8505523" y="5474987"/>
+            <a:ext cx="1908312" cy="0"/>
+          </a:xfrm>
+          <a:prstGeom prst="straightConnector1">
+            <a:avLst/>
+          </a:prstGeom>
+          <a:ln w="34925">
+            <a:solidFill>
+              <a:srgbClr val="1E3272"/>
+            </a:solidFill>
+            <a:headEnd type="arrow"/>
+            <a:tailEnd type="arrow"/>
+          </a:ln>
+        </p:spPr>
+        <p:style>
+          <a:lnRef idx="1">
+            <a:schemeClr val="accent1"/>
+          </a:lnRef>
+          <a:fillRef idx="0">
+            <a:schemeClr val="accent1"/>
+          </a:fillRef>
+          <a:effectRef idx="0">
+            <a:schemeClr val="accent1"/>
+          </a:effectRef>
+          <a:fontRef idx="minor">
+            <a:schemeClr val="tx1"/>
+          </a:fontRef>
+        </p:style>
+      </p:cxnSp>
+      <p:sp>
+        <p:nvSpPr>
+          <p:cNvPr id="13" name="TextBox 12"/>
+          <p:cNvSpPr txBox="1"/>
+          <p:nvPr/>
+        </p:nvSpPr>
+        <p:spPr>
+          <a:xfrm>
+            <a:off x="8102106" y="1086886"/>
+            <a:ext cx="2677340" cy="548640"/>
+          </a:xfrm>
+          <a:prstGeom prst="rect">
+            <a:avLst/>
+          </a:prstGeom>
+          <a:solidFill>
+            <a:schemeClr val="bg1"/>
+          </a:solidFill>
+        </p:spPr>
+        <p:txBody>
+          <a:bodyPr wrap="square" lIns="72000" tIns="25200" rIns="0" bIns="25200" rtlCol="0" anchor="ctr" anchorCtr="0">
+            <a:noAutofit/>
+          </a:bodyPr>
+          <a:lstStyle/>
+          <a:p>
+            <a:pPr algn="ctr"/>
+            <a:r>
+              <a:rPr lang="en-US" sz="3200" b="1" dirty="0" smtClean="0">
+                <a:solidFill>
+                  <a:srgbClr val="1E3272"/>
+                </a:solidFill>
+              </a:rPr>
+              <a:t>Main Memory</a:t>
+            </a:r>
+          </a:p>
+        </p:txBody>
+      </p:sp>
+      <p:sp>
+        <p:nvSpPr>
+          <p:cNvPr id="15" name="TextBox 14"/>
+          <p:cNvSpPr txBox="1"/>
+          <p:nvPr/>
+        </p:nvSpPr>
+        <p:spPr>
+          <a:xfrm>
+            <a:off x="7096539" y="2692440"/>
+            <a:ext cx="1258274" cy="2837976"/>
+          </a:xfrm>
+          <a:prstGeom prst="rect">
+            <a:avLst/>
+          </a:prstGeom>
+          <a:noFill/>
+        </p:spPr>
+        <p:txBody>
+          <a:bodyPr wrap="square" lIns="72000" tIns="25200" rIns="0" bIns="25200" rtlCol="0" anchor="ctr" anchorCtr="0">
+            <a:normAutofit fontScale="85000" lnSpcReduction="20000"/>
+          </a:bodyPr>
+          <a:lstStyle/>
+          <a:p>
+            <a:pPr algn="ctr">
+              <a:lnSpc>
+                <a:spcPct val="110000"/>
+              </a:lnSpc>
+            </a:pPr>
+            <a:r>
+              <a:rPr lang="en-US" sz="3900" dirty="0" smtClean="0">
+                <a:solidFill>
+                  <a:srgbClr val="1E3272"/>
+                </a:solidFill>
+              </a:rPr>
+              <a:t>0x0</a:t>
+            </a:r>
+            <a:endParaRPr lang="en-US" sz="3900" dirty="0" smtClean="0">
+              <a:solidFill>
+                <a:srgbClr val="1E3272"/>
+              </a:solidFill>
+            </a:endParaRPr>
+          </a:p>
+          <a:p>
+            <a:pPr algn="ctr">
+              <a:lnSpc>
+                <a:spcPct val="110000"/>
+              </a:lnSpc>
+            </a:pPr>
+            <a:r>
+              <a:rPr lang="en-US" sz="3900" dirty="0" smtClean="0">
+                <a:solidFill>
+                  <a:srgbClr val="1E3272"/>
+                </a:solidFill>
+              </a:rPr>
+              <a:t>0x4</a:t>
+            </a:r>
+            <a:endParaRPr lang="en-US" sz="3900" dirty="0" smtClean="0">
+              <a:solidFill>
+                <a:srgbClr val="1E3272"/>
+              </a:solidFill>
+            </a:endParaRPr>
+          </a:p>
+          <a:p>
+            <a:pPr algn="ctr">
+              <a:lnSpc>
+                <a:spcPct val="110000"/>
+              </a:lnSpc>
+            </a:pPr>
+            <a:r>
+              <a:rPr lang="en-US" sz="3900" dirty="0" smtClean="0">
+                <a:solidFill>
+                  <a:srgbClr val="1E3272"/>
+                </a:solidFill>
+              </a:rPr>
+              <a:t>0x8</a:t>
+            </a:r>
+            <a:endParaRPr lang="en-US" sz="3900" dirty="0" smtClean="0">
+              <a:solidFill>
+                <a:srgbClr val="1E3272"/>
+              </a:solidFill>
+            </a:endParaRPr>
+          </a:p>
+          <a:p>
+            <a:pPr algn="ctr">
+              <a:lnSpc>
+                <a:spcPct val="110000"/>
+              </a:lnSpc>
+            </a:pPr>
+            <a:r>
+              <a:rPr lang="en-US" sz="3900" dirty="0" smtClean="0">
+                <a:solidFill>
+                  <a:srgbClr val="1E3272"/>
+                </a:solidFill>
+              </a:rPr>
+              <a:t>0xC</a:t>
+            </a:r>
+            <a:endParaRPr lang="en-US" sz="3900" dirty="0" smtClean="0">
+              <a:solidFill>
+                <a:srgbClr val="1E3272"/>
+              </a:solidFill>
+            </a:endParaRPr>
+          </a:p>
+          <a:p>
+            <a:pPr algn="ctr">
+              <a:lnSpc>
+                <a:spcPct val="110000"/>
+              </a:lnSpc>
+            </a:pPr>
+            <a:r>
+              <a:rPr lang="en-US" sz="3900" dirty="0" smtClean="0">
+                <a:solidFill>
+                  <a:srgbClr val="1E3272"/>
+                </a:solidFill>
+              </a:rPr>
+              <a:t>0x10</a:t>
+            </a:r>
+            <a:endParaRPr lang="en-US" sz="3900" dirty="0" smtClean="0">
+              <a:solidFill>
+                <a:srgbClr val="1E3272"/>
+              </a:solidFill>
+            </a:endParaRPr>
+          </a:p>
+          <a:p>
+            <a:pPr algn="ctr">
+              <a:lnSpc>
+                <a:spcPct val="110000"/>
+              </a:lnSpc>
+            </a:pPr>
+            <a:r>
+              <a:rPr lang="en-US" sz="3900" dirty="0" smtClean="0">
+                <a:solidFill>
+                  <a:srgbClr val="1E3272"/>
+                </a:solidFill>
+              </a:rPr>
+              <a:t>0x14</a:t>
+            </a:r>
+            <a:endParaRPr lang="en-US" sz="4400" dirty="0" smtClean="0">
+              <a:solidFill>
+                <a:srgbClr val="1E3272"/>
+              </a:solidFill>
+            </a:endParaRPr>
+          </a:p>
+        </p:txBody>
+      </p:sp>
+      <p:sp>
+        <p:nvSpPr>
+          <p:cNvPr id="16" name="Rectangle 15"/>
+          <p:cNvSpPr/>
+          <p:nvPr/>
+        </p:nvSpPr>
+        <p:spPr>
+          <a:xfrm>
+            <a:off x="1773529" y="1074481"/>
+            <a:ext cx="4557697" cy="5509200"/>
+          </a:xfrm>
+          <a:prstGeom prst="rect">
+            <a:avLst/>
+          </a:prstGeom>
+        </p:spPr>
+        <p:txBody>
+          <a:bodyPr wrap="square">
+            <a:spAutoFit/>
+          </a:bodyPr>
+          <a:lstStyle/>
+          <a:p>
+            <a:r>
+              <a:rPr lang="en-US" sz="3200" dirty="0" smtClean="0">
+                <a:solidFill>
+                  <a:srgbClr val="00B050"/>
+                </a:solidFill>
+              </a:rPr>
+              <a:t>a = b + c</a:t>
+            </a:r>
+          </a:p>
+          <a:p>
+            <a:endParaRPr lang="en-US" sz="3200" dirty="0" smtClean="0"/>
+          </a:p>
+          <a:p>
+            <a:r>
+              <a:rPr lang="en-US" sz="3200" dirty="0" smtClean="0">
+                <a:solidFill>
+                  <a:srgbClr val="1E3272"/>
+                </a:solidFill>
+              </a:rPr>
+              <a:t>x1 </a:t>
+            </a:r>
+            <a:r>
+              <a:rPr lang="en-US" sz="3200" dirty="0">
+                <a:solidFill>
+                  <a:srgbClr val="1E3272"/>
+                </a:solidFill>
+              </a:rPr>
+              <a:t>&lt;- load(Mem[b])</a:t>
+            </a:r>
+          </a:p>
+          <a:p>
+            <a:r>
+              <a:rPr lang="en-US" sz="3200" dirty="0">
+                <a:solidFill>
+                  <a:srgbClr val="1E3272"/>
+                </a:solidFill>
+              </a:rPr>
+              <a:t>x2 &lt;- load(Mem[c])</a:t>
+            </a:r>
+          </a:p>
+          <a:p>
+            <a:r>
+              <a:rPr lang="en-US" sz="3200" dirty="0">
+                <a:solidFill>
+                  <a:srgbClr val="1E3272"/>
+                </a:solidFill>
+              </a:rPr>
+              <a:t>x3 &lt;- x1 + x2</a:t>
+            </a:r>
+          </a:p>
+          <a:p>
+            <a:r>
+              <a:rPr lang="en-US" sz="3200" dirty="0">
+                <a:solidFill>
+                  <a:srgbClr val="1E3272"/>
+                </a:solidFill>
+              </a:rPr>
+              <a:t>store(Mem[a]) &lt;- </a:t>
+            </a:r>
+            <a:r>
+              <a:rPr lang="en-US" sz="3200" dirty="0" smtClean="0">
+                <a:solidFill>
+                  <a:srgbClr val="1E3272"/>
+                </a:solidFill>
+              </a:rPr>
+              <a:t>x3</a:t>
+            </a:r>
+          </a:p>
+          <a:p>
+            <a:endParaRPr lang="en-US" sz="3200" dirty="0"/>
+          </a:p>
+          <a:p>
+            <a:r>
+              <a:rPr lang="en-US" sz="3200" dirty="0">
+                <a:solidFill>
+                  <a:srgbClr val="1E3272"/>
+                </a:solidFill>
+              </a:rPr>
+              <a:t>x1 &lt;- load(0x4)</a:t>
+            </a:r>
+          </a:p>
+          <a:p>
+            <a:r>
+              <a:rPr lang="en-US" sz="3200" dirty="0">
+                <a:solidFill>
+                  <a:srgbClr val="1E3272"/>
+                </a:solidFill>
+              </a:rPr>
+              <a:t>x2 &lt;- load(0x8)</a:t>
+            </a:r>
+          </a:p>
+          <a:p>
+            <a:r>
+              <a:rPr lang="en-US" sz="3200" dirty="0">
+                <a:solidFill>
+                  <a:srgbClr val="1E3272"/>
+                </a:solidFill>
+              </a:rPr>
+              <a:t>x3 &lt;- x1 + x2</a:t>
+            </a:r>
+          </a:p>
+          <a:p>
+            <a:r>
+              <a:rPr lang="en-US" sz="3200" dirty="0">
+                <a:solidFill>
+                  <a:srgbClr val="1E3272"/>
+                </a:solidFill>
+              </a:rPr>
+              <a:t>store(0x10) &lt;- x3</a:t>
+            </a:r>
+          </a:p>
+        </p:txBody>
+      </p:sp>
+    </p:spTree>
+    <p:extLst>
+      <p:ext uri="{BB962C8B-B14F-4D97-AF65-F5344CB8AC3E}">
+        <p14:creationId xmlns:p14="http://schemas.microsoft.com/office/powerpoint/2010/main" val="974263641"/>
+      </p:ext>
+    </p:extLst>
+  </p:cSld>
+  <p:clrMapOvr>
+    <a:masterClrMapping/>
+  </p:clrMapOvr>
+  <p:timing>
+    <p:tnLst>
+      <p:par>
+        <p:cTn id="1" dur="indefinite" restart="never" nodeType="tmRoot"/>
+      </p:par>
+    </p:tnLst>
+  </p:timing>
+</p:sld>
+</file>
+
+<file path=ppt/slides/slide25.xml><?xml version="1.0" encoding="utf-8"?>
+<p:sld xmlns:a="http://schemas.openxmlformats.org/drawingml/2006/main" xmlns:r="http://schemas.openxmlformats.org/officeDocument/2006/relationships" xmlns:p="http://schemas.openxmlformats.org/presentationml/2006/main">
+  <p:cSld>
+    <p:spTree>
+      <p:nvGrpSpPr>
+        <p:cNvPr id="1" name=""/>
+        <p:cNvGrpSpPr/>
+        <p:nvPr/>
+      </p:nvGrpSpPr>
+      <p:grpSpPr>
+        <a:xfrm>
+          <a:off x="0" y="0"/>
+          <a:ext cx="0" cy="0"/>
+          <a:chOff x="0" y="0"/>
+          <a:chExt cx="0" cy="0"/>
+        </a:xfrm>
+      </p:grpSpPr>
+      <p:sp>
+        <p:nvSpPr>
+          <p:cNvPr id="2" name="Content Placeholder 1"/>
+          <p:cNvSpPr>
+            <a:spLocks noGrp="1"/>
+          </p:cNvSpPr>
+          <p:nvPr>
+            <p:ph idx="1"/>
+          </p:nvPr>
+        </p:nvSpPr>
+        <p:spPr>
+          <a:xfrm>
+            <a:off x="838200" y="1038908"/>
+            <a:ext cx="10515600" cy="3145468"/>
+          </a:xfrm>
+        </p:spPr>
+        <p:txBody>
+          <a:bodyPr>
+            <a:normAutofit/>
+          </a:bodyPr>
+          <a:lstStyle/>
+          <a:p>
+            <a:pPr>
+              <a:lnSpc>
+                <a:spcPct val="100000"/>
+              </a:lnSpc>
+              <a:spcBef>
+                <a:spcPts val="0"/>
+              </a:spcBef>
+            </a:pPr>
+            <a:r>
+              <a:rPr lang="en-US" dirty="0" smtClean="0"/>
+              <a:t>Need Conditional branch instructions:</a:t>
+            </a:r>
+          </a:p>
+          <a:p>
+            <a:pPr lvl="1">
+              <a:lnSpc>
+                <a:spcPct val="100000"/>
+              </a:lnSpc>
+              <a:spcBef>
+                <a:spcPts val="0"/>
+              </a:spcBef>
+            </a:pPr>
+            <a:r>
+              <a:rPr lang="en-US" sz="2800" dirty="0" smtClean="0"/>
+              <a:t>Format: comp src1, src2, label</a:t>
+            </a:r>
+          </a:p>
+          <a:p>
+            <a:pPr lvl="1">
+              <a:lnSpc>
+                <a:spcPct val="100000"/>
+              </a:lnSpc>
+              <a:spcBef>
+                <a:spcPts val="0"/>
+              </a:spcBef>
+            </a:pPr>
+            <a:r>
+              <a:rPr lang="en-US" sz="2800" dirty="0" smtClean="0"/>
+              <a:t>First performs comparison to determine if branch is taken or not: src1 comp src2</a:t>
+            </a:r>
+          </a:p>
+          <a:p>
+            <a:pPr lvl="1">
+              <a:lnSpc>
+                <a:spcPct val="100000"/>
+              </a:lnSpc>
+              <a:spcBef>
+                <a:spcPts val="0"/>
+              </a:spcBef>
+            </a:pPr>
+            <a:r>
+              <a:rPr lang="en-US" sz="2800" dirty="0" smtClean="0"/>
+              <a:t>If comparison returns True, then branch is taken, else continue executing program in order.</a:t>
+            </a:r>
+            <a:endParaRPr lang="en-US" sz="2800" dirty="0"/>
+          </a:p>
+        </p:txBody>
+      </p:sp>
+      <p:sp>
+        <p:nvSpPr>
+          <p:cNvPr id="3" name="Slide Number Placeholder 2"/>
+          <p:cNvSpPr>
+            <a:spLocks noGrp="1"/>
+          </p:cNvSpPr>
+          <p:nvPr>
+            <p:ph type="sldNum" sz="quarter" idx="12"/>
+          </p:nvPr>
+        </p:nvSpPr>
+        <p:spPr/>
+        <p:txBody>
+          <a:bodyPr/>
+          <a:lstStyle/>
+          <a:p>
+            <a:pPr algn="ctr"/>
+            <a:fld id="{1397BFD8-F312-4EF2-A268-44FB4BDDBBB0}" type="slidenum">
+              <a:rPr lang="ru-RU" smtClean="0"/>
+              <a:pPr algn="ctr"/>
+              <a:t>25</a:t>
+            </a:fld>
+            <a:endParaRPr lang="ru-RU" dirty="0"/>
+          </a:p>
+        </p:txBody>
+      </p:sp>
+      <p:sp>
+        <p:nvSpPr>
+          <p:cNvPr id="4" name="Title 3"/>
+          <p:cNvSpPr>
+            <a:spLocks noGrp="1"/>
+          </p:cNvSpPr>
+          <p:nvPr>
+            <p:ph type="title"/>
+          </p:nvPr>
+        </p:nvSpPr>
+        <p:spPr/>
+        <p:txBody>
+          <a:bodyPr/>
+          <a:lstStyle/>
+          <a:p>
+            <a:r>
+              <a:rPr lang="en-US" dirty="0"/>
+              <a:t>Control Flow Instructions</a:t>
+            </a:r>
+          </a:p>
+        </p:txBody>
+      </p:sp>
+      <p:sp>
+        <p:nvSpPr>
+          <p:cNvPr id="5" name="Rectangle 4"/>
+          <p:cNvSpPr/>
+          <p:nvPr/>
+        </p:nvSpPr>
+        <p:spPr>
+          <a:xfrm>
+            <a:off x="6566853" y="3826570"/>
+            <a:ext cx="3849356" cy="2554545"/>
+          </a:xfrm>
+          <a:prstGeom prst="rect">
+            <a:avLst/>
+          </a:prstGeom>
+        </p:spPr>
+        <p:txBody>
+          <a:bodyPr wrap="square">
+            <a:spAutoFit/>
+          </a:bodyPr>
+          <a:lstStyle/>
+          <a:p>
+            <a:r>
+              <a:rPr lang="en-US" sz="3200" dirty="0">
+                <a:solidFill>
+                  <a:srgbClr val="00B050"/>
+                </a:solidFill>
+              </a:rPr>
+              <a:t>if (a &lt; b</a:t>
+            </a:r>
+            <a:r>
+              <a:rPr lang="en-US" sz="3200" dirty="0" smtClean="0">
+                <a:solidFill>
+                  <a:srgbClr val="00B050"/>
+                </a:solidFill>
+              </a:rPr>
+              <a:t>):  c </a:t>
+            </a:r>
+            <a:r>
+              <a:rPr lang="en-US" sz="3200" dirty="0">
+                <a:solidFill>
+                  <a:srgbClr val="00B050"/>
+                </a:solidFill>
+              </a:rPr>
+              <a:t>= a + </a:t>
+            </a:r>
+            <a:r>
+              <a:rPr lang="en-US" sz="3200" dirty="0" smtClean="0">
+                <a:solidFill>
+                  <a:srgbClr val="00B050"/>
+                </a:solidFill>
+              </a:rPr>
+              <a:t>1</a:t>
+            </a:r>
+          </a:p>
+          <a:p>
+            <a:r>
+              <a:rPr lang="en-US" sz="3200" dirty="0" smtClean="0">
+                <a:solidFill>
+                  <a:srgbClr val="00B050"/>
+                </a:solidFill>
+              </a:rPr>
+              <a:t>else:          c </a:t>
+            </a:r>
+            <a:r>
+              <a:rPr lang="en-US" sz="3200" dirty="0">
+                <a:solidFill>
+                  <a:srgbClr val="00B050"/>
+                </a:solidFill>
+              </a:rPr>
+              <a:t>= b + </a:t>
+            </a:r>
+            <a:r>
+              <a:rPr lang="en-US" sz="3200" dirty="0" smtClean="0">
+                <a:solidFill>
+                  <a:srgbClr val="00B050"/>
+                </a:solidFill>
+              </a:rPr>
+              <a:t>2</a:t>
+            </a:r>
+          </a:p>
+          <a:p>
+            <a:endParaRPr lang="en-US" sz="3200" dirty="0" smtClean="0">
+              <a:solidFill>
+                <a:srgbClr val="00B050"/>
+              </a:solidFill>
+            </a:endParaRPr>
+          </a:p>
+          <a:p>
+            <a:r>
+              <a:rPr lang="en-US" sz="3200" dirty="0" smtClean="0">
+                <a:solidFill>
+                  <a:srgbClr val="00B050"/>
+                </a:solidFill>
+              </a:rPr>
+              <a:t>assume</a:t>
+            </a:r>
+            <a:endParaRPr lang="en-US" sz="3200" dirty="0">
+              <a:solidFill>
+                <a:srgbClr val="00B050"/>
+              </a:solidFill>
+            </a:endParaRPr>
+          </a:p>
+          <a:p>
+            <a:r>
+              <a:rPr lang="en-US" sz="3200" dirty="0">
+                <a:solidFill>
+                  <a:srgbClr val="00B050"/>
+                </a:solidFill>
+              </a:rPr>
+              <a:t>x1=a; x2=b; x3=c;</a:t>
+            </a:r>
+          </a:p>
+        </p:txBody>
+      </p:sp>
+      <p:sp>
+        <p:nvSpPr>
+          <p:cNvPr id="6" name="Rectangle 5"/>
+          <p:cNvSpPr/>
+          <p:nvPr/>
+        </p:nvSpPr>
+        <p:spPr>
+          <a:xfrm>
+            <a:off x="2213112" y="3792721"/>
+            <a:ext cx="3183836" cy="3046988"/>
+          </a:xfrm>
+          <a:prstGeom prst="rect">
+            <a:avLst/>
+          </a:prstGeom>
+        </p:spPr>
+        <p:txBody>
+          <a:bodyPr wrap="square">
+            <a:spAutoFit/>
+          </a:bodyPr>
+          <a:lstStyle/>
+          <a:p>
+            <a:r>
+              <a:rPr lang="en-US" sz="3200" dirty="0">
+                <a:solidFill>
+                  <a:srgbClr val="1E3272"/>
+                </a:solidFill>
+              </a:rPr>
+              <a:t> </a:t>
+            </a:r>
+            <a:r>
+              <a:rPr lang="en-US" sz="3200" dirty="0" smtClean="0">
+                <a:solidFill>
+                  <a:srgbClr val="1E3272"/>
+                </a:solidFill>
+              </a:rPr>
+              <a:t>   </a:t>
+            </a:r>
+            <a:r>
+              <a:rPr lang="en-US" sz="3200" dirty="0" err="1" smtClean="0">
+                <a:solidFill>
+                  <a:srgbClr val="1E3272"/>
+                </a:solidFill>
+              </a:rPr>
+              <a:t>bge</a:t>
+            </a:r>
+            <a:r>
+              <a:rPr lang="en-US" sz="3200" dirty="0" smtClean="0">
+                <a:solidFill>
+                  <a:srgbClr val="1E3272"/>
+                </a:solidFill>
+              </a:rPr>
+              <a:t>  </a:t>
+            </a:r>
+            <a:r>
+              <a:rPr lang="en-US" sz="3200" dirty="0">
+                <a:solidFill>
+                  <a:srgbClr val="1E3272"/>
+                </a:solidFill>
+              </a:rPr>
+              <a:t>x1, x2, else</a:t>
+            </a:r>
+          </a:p>
+          <a:p>
+            <a:r>
+              <a:rPr lang="en-US" sz="3200" dirty="0">
+                <a:solidFill>
+                  <a:srgbClr val="1E3272"/>
+                </a:solidFill>
+              </a:rPr>
+              <a:t>    </a:t>
+            </a:r>
+            <a:r>
+              <a:rPr lang="en-US" sz="3200" dirty="0" err="1">
+                <a:solidFill>
+                  <a:srgbClr val="1E3272"/>
+                </a:solidFill>
+              </a:rPr>
+              <a:t>addi</a:t>
+            </a:r>
+            <a:r>
+              <a:rPr lang="en-US" sz="3200" dirty="0">
+                <a:solidFill>
+                  <a:srgbClr val="1E3272"/>
+                </a:solidFill>
+              </a:rPr>
+              <a:t> x3, x1, 1</a:t>
+            </a:r>
+          </a:p>
+          <a:p>
+            <a:r>
+              <a:rPr lang="en-US" sz="3200" dirty="0">
+                <a:solidFill>
+                  <a:srgbClr val="1E3272"/>
+                </a:solidFill>
+              </a:rPr>
+              <a:t>    </a:t>
+            </a:r>
+            <a:r>
+              <a:rPr lang="en-US" sz="3200" dirty="0" err="1">
+                <a:solidFill>
+                  <a:srgbClr val="1E3272"/>
+                </a:solidFill>
+              </a:rPr>
+              <a:t>beq</a:t>
+            </a:r>
+            <a:r>
+              <a:rPr lang="en-US" sz="3200" dirty="0">
+                <a:solidFill>
+                  <a:srgbClr val="1E3272"/>
+                </a:solidFill>
+              </a:rPr>
+              <a:t>  x0, x0, end</a:t>
+            </a:r>
+          </a:p>
+          <a:p>
+            <a:r>
+              <a:rPr lang="en-US" sz="3200" dirty="0">
+                <a:solidFill>
+                  <a:srgbClr val="1E3272"/>
+                </a:solidFill>
+              </a:rPr>
+              <a:t>else:</a:t>
+            </a:r>
+          </a:p>
+          <a:p>
+            <a:r>
+              <a:rPr lang="en-US" sz="3200" dirty="0">
+                <a:solidFill>
+                  <a:srgbClr val="1E3272"/>
+                </a:solidFill>
+              </a:rPr>
+              <a:t>    </a:t>
+            </a:r>
+            <a:r>
+              <a:rPr lang="en-US" sz="3200" dirty="0" err="1">
+                <a:solidFill>
+                  <a:srgbClr val="1E3272"/>
+                </a:solidFill>
+              </a:rPr>
+              <a:t>addi</a:t>
+            </a:r>
+            <a:r>
+              <a:rPr lang="en-US" sz="3200" dirty="0">
+                <a:solidFill>
+                  <a:srgbClr val="1E3272"/>
+                </a:solidFill>
+              </a:rPr>
+              <a:t> x3, x2, 2</a:t>
+            </a:r>
+          </a:p>
+          <a:p>
+            <a:r>
+              <a:rPr lang="en-US" sz="3200" dirty="0">
+                <a:solidFill>
+                  <a:srgbClr val="1E3272"/>
+                </a:solidFill>
+              </a:rPr>
+              <a:t>end:</a:t>
+            </a:r>
+          </a:p>
+        </p:txBody>
+      </p:sp>
+    </p:spTree>
+    <p:extLst>
+      <p:ext uri="{BB962C8B-B14F-4D97-AF65-F5344CB8AC3E}">
+        <p14:creationId xmlns:p14="http://schemas.microsoft.com/office/powerpoint/2010/main" val="1331862160"/>
+      </p:ext>
+    </p:extLst>
+  </p:cSld>
+  <p:clrMapOvr>
+    <a:masterClrMapping/>
+  </p:clrMapOvr>
+  <p:timing>
+    <p:tnLst>
+      <p:par>
+        <p:cTn id="1" dur="indefinite" restart="never" nodeType="tmRoot"/>
+      </p:par>
+    </p:tnLst>
+  </p:timing>
+</p:sld>
+</file>
+
+<file path=ppt/slides/slide26.xml><?xml version="1.0" encoding="utf-8"?>
+<p:sld xmlns:a="http://schemas.openxmlformats.org/drawingml/2006/main" xmlns:r="http://schemas.openxmlformats.org/officeDocument/2006/relationships" xmlns:p="http://schemas.openxmlformats.org/presentationml/2006/main">
+  <p:cSld>
+    <p:spTree>
+      <p:nvGrpSpPr>
+        <p:cNvPr id="1" name=""/>
+        <p:cNvGrpSpPr/>
+        <p:nvPr/>
+      </p:nvGrpSpPr>
+      <p:grpSpPr>
+        <a:xfrm>
+          <a:off x="0" y="0"/>
+          <a:ext cx="0" cy="0"/>
+          <a:chOff x="0" y="0"/>
+          <a:chExt cx="0" cy="0"/>
+        </a:xfrm>
+      </p:grpSpPr>
+      <p:sp>
+        <p:nvSpPr>
+          <p:cNvPr id="2" name="Content Placeholder 1"/>
+          <p:cNvSpPr>
+            <a:spLocks noGrp="1"/>
+          </p:cNvSpPr>
+          <p:nvPr>
+            <p:ph idx="1"/>
+          </p:nvPr>
+        </p:nvSpPr>
+        <p:spPr>
+          <a:xfrm>
+            <a:off x="838200" y="1178053"/>
+            <a:ext cx="10515600" cy="1098008"/>
+          </a:xfrm>
+        </p:spPr>
+        <p:txBody>
+          <a:bodyPr/>
+          <a:lstStyle/>
+          <a:p>
+            <a:r>
+              <a:rPr lang="en-US" dirty="0"/>
+              <a:t>Aliases to other actual instructions to simplify assembly programming.</a:t>
+            </a:r>
+          </a:p>
+        </p:txBody>
+      </p:sp>
+      <p:sp>
+        <p:nvSpPr>
+          <p:cNvPr id="3" name="Slide Number Placeholder 2"/>
+          <p:cNvSpPr>
+            <a:spLocks noGrp="1"/>
+          </p:cNvSpPr>
+          <p:nvPr>
+            <p:ph type="sldNum" sz="quarter" idx="12"/>
+          </p:nvPr>
+        </p:nvSpPr>
+        <p:spPr/>
+        <p:txBody>
+          <a:bodyPr/>
+          <a:lstStyle/>
+          <a:p>
+            <a:pPr algn="ctr"/>
+            <a:fld id="{1397BFD8-F312-4EF2-A268-44FB4BDDBBB0}" type="slidenum">
+              <a:rPr lang="ru-RU" smtClean="0"/>
+              <a:pPr algn="ctr"/>
+              <a:t>26</a:t>
+            </a:fld>
+            <a:endParaRPr lang="ru-RU" dirty="0"/>
+          </a:p>
+        </p:txBody>
+      </p:sp>
+      <p:sp>
+        <p:nvSpPr>
+          <p:cNvPr id="4" name="Title 3"/>
+          <p:cNvSpPr>
+            <a:spLocks noGrp="1"/>
+          </p:cNvSpPr>
+          <p:nvPr>
+            <p:ph type="title"/>
+          </p:nvPr>
+        </p:nvSpPr>
+        <p:spPr/>
+        <p:txBody>
+          <a:bodyPr/>
+          <a:lstStyle/>
+          <a:p>
+            <a:r>
+              <a:rPr lang="en-US" dirty="0" err="1"/>
+              <a:t>Pseudoinstructions</a:t>
+            </a:r>
+            <a:endParaRPr lang="en-US" dirty="0"/>
+          </a:p>
+        </p:txBody>
+      </p:sp>
+      <p:sp>
+        <p:nvSpPr>
+          <p:cNvPr id="5" name="Rectangle 4"/>
+          <p:cNvSpPr/>
+          <p:nvPr/>
+        </p:nvSpPr>
+        <p:spPr>
+          <a:xfrm>
+            <a:off x="1547529" y="2398774"/>
+            <a:ext cx="3859696" cy="4031873"/>
+          </a:xfrm>
+          <a:prstGeom prst="rect">
+            <a:avLst/>
+          </a:prstGeom>
+        </p:spPr>
+        <p:txBody>
+          <a:bodyPr wrap="square">
+            <a:spAutoFit/>
+          </a:bodyPr>
+          <a:lstStyle/>
+          <a:p>
+            <a:r>
+              <a:rPr lang="en-US" sz="3200" dirty="0" err="1">
+                <a:solidFill>
+                  <a:srgbClr val="1E3272"/>
+                </a:solidFill>
+              </a:rPr>
+              <a:t>Pseudoinstruction</a:t>
+            </a:r>
+            <a:r>
+              <a:rPr lang="en-US" sz="3200" dirty="0">
+                <a:solidFill>
+                  <a:srgbClr val="1E3272"/>
+                </a:solidFill>
+              </a:rPr>
+              <a:t>:</a:t>
+            </a:r>
+          </a:p>
+          <a:p>
+            <a:endParaRPr lang="en-US" sz="3200" dirty="0">
+              <a:solidFill>
+                <a:srgbClr val="1E3272"/>
+              </a:solidFill>
+            </a:endParaRPr>
+          </a:p>
+          <a:p>
+            <a:r>
+              <a:rPr lang="en-US" sz="3200" dirty="0">
+                <a:solidFill>
+                  <a:srgbClr val="1E3272"/>
+                </a:solidFill>
+              </a:rPr>
+              <a:t>mv </a:t>
+            </a:r>
+            <a:r>
+              <a:rPr lang="en-US" sz="3200" dirty="0" smtClean="0">
+                <a:solidFill>
+                  <a:srgbClr val="1E3272"/>
+                </a:solidFill>
+              </a:rPr>
+              <a:t>   x2</a:t>
+            </a:r>
+            <a:r>
+              <a:rPr lang="en-US" sz="3200" dirty="0">
+                <a:solidFill>
+                  <a:srgbClr val="1E3272"/>
+                </a:solidFill>
+              </a:rPr>
+              <a:t>, x1</a:t>
+            </a:r>
+          </a:p>
+          <a:p>
+            <a:r>
+              <a:rPr lang="en-US" sz="3200" dirty="0">
+                <a:solidFill>
+                  <a:srgbClr val="1E3272"/>
+                </a:solidFill>
+              </a:rPr>
+              <a:t>li </a:t>
+            </a:r>
+            <a:r>
+              <a:rPr lang="en-US" sz="3200" dirty="0" smtClean="0">
+                <a:solidFill>
+                  <a:srgbClr val="1E3272"/>
+                </a:solidFill>
+              </a:rPr>
+              <a:t>      x2</a:t>
+            </a:r>
+            <a:r>
+              <a:rPr lang="en-US" sz="3200" dirty="0">
+                <a:solidFill>
+                  <a:srgbClr val="1E3272"/>
+                </a:solidFill>
+              </a:rPr>
+              <a:t>, 3</a:t>
+            </a:r>
+          </a:p>
+          <a:p>
+            <a:r>
+              <a:rPr lang="en-US" sz="3200" dirty="0" err="1">
+                <a:solidFill>
+                  <a:srgbClr val="1E3272"/>
+                </a:solidFill>
+              </a:rPr>
+              <a:t>ble</a:t>
+            </a:r>
+            <a:r>
+              <a:rPr lang="en-US" sz="3200" dirty="0">
+                <a:solidFill>
+                  <a:srgbClr val="1E3272"/>
+                </a:solidFill>
+              </a:rPr>
+              <a:t> </a:t>
+            </a:r>
+            <a:r>
+              <a:rPr lang="en-US" sz="3200" dirty="0" smtClean="0">
+                <a:solidFill>
+                  <a:srgbClr val="1E3272"/>
+                </a:solidFill>
+              </a:rPr>
+              <a:t>   x1</a:t>
+            </a:r>
+            <a:r>
+              <a:rPr lang="en-US" sz="3200" dirty="0">
+                <a:solidFill>
+                  <a:srgbClr val="1E3272"/>
+                </a:solidFill>
+              </a:rPr>
+              <a:t>, x2, label</a:t>
+            </a:r>
+          </a:p>
+          <a:p>
+            <a:r>
+              <a:rPr lang="en-US" sz="3200" dirty="0" err="1">
+                <a:solidFill>
+                  <a:srgbClr val="1E3272"/>
+                </a:solidFill>
+              </a:rPr>
+              <a:t>beqz</a:t>
+            </a:r>
+            <a:r>
+              <a:rPr lang="en-US" sz="3200" dirty="0">
+                <a:solidFill>
+                  <a:srgbClr val="1E3272"/>
+                </a:solidFill>
+              </a:rPr>
+              <a:t> x1, label</a:t>
+            </a:r>
+          </a:p>
+          <a:p>
+            <a:r>
+              <a:rPr lang="en-US" sz="3200" dirty="0" err="1">
+                <a:solidFill>
+                  <a:srgbClr val="1E3272"/>
+                </a:solidFill>
+              </a:rPr>
+              <a:t>bnez</a:t>
+            </a:r>
+            <a:r>
+              <a:rPr lang="en-US" sz="3200" dirty="0">
+                <a:solidFill>
+                  <a:srgbClr val="1E3272"/>
+                </a:solidFill>
+              </a:rPr>
+              <a:t> x1, label</a:t>
+            </a:r>
+          </a:p>
+          <a:p>
+            <a:r>
+              <a:rPr lang="en-US" sz="3200" dirty="0">
+                <a:solidFill>
+                  <a:srgbClr val="1E3272"/>
+                </a:solidFill>
+              </a:rPr>
+              <a:t>j </a:t>
+            </a:r>
+            <a:r>
+              <a:rPr lang="en-US" sz="3200" dirty="0" smtClean="0">
+                <a:solidFill>
+                  <a:srgbClr val="1E3272"/>
+                </a:solidFill>
+              </a:rPr>
+              <a:t>       label</a:t>
+            </a:r>
+            <a:endParaRPr lang="en-US" sz="3200" dirty="0">
+              <a:solidFill>
+                <a:srgbClr val="1E3272"/>
+              </a:solidFill>
+            </a:endParaRPr>
+          </a:p>
+        </p:txBody>
+      </p:sp>
+      <p:sp>
+        <p:nvSpPr>
+          <p:cNvPr id="6" name="Rectangle 5"/>
+          <p:cNvSpPr/>
+          <p:nvPr/>
+        </p:nvSpPr>
+        <p:spPr>
+          <a:xfrm>
+            <a:off x="5715336" y="2449841"/>
+            <a:ext cx="5963479" cy="4031873"/>
+          </a:xfrm>
+          <a:prstGeom prst="rect">
+            <a:avLst/>
+          </a:prstGeom>
+        </p:spPr>
+        <p:txBody>
+          <a:bodyPr wrap="square">
+            <a:spAutoFit/>
+          </a:bodyPr>
+          <a:lstStyle/>
+          <a:p>
+            <a:r>
+              <a:rPr lang="en-US" sz="3200" dirty="0">
+                <a:solidFill>
+                  <a:srgbClr val="00B050"/>
+                </a:solidFill>
+              </a:rPr>
+              <a:t>Equivalent Assembly Instruction:</a:t>
+            </a:r>
+          </a:p>
+          <a:p>
+            <a:endParaRPr lang="en-US" sz="3200" dirty="0">
+              <a:solidFill>
+                <a:srgbClr val="00B050"/>
+              </a:solidFill>
+            </a:endParaRPr>
+          </a:p>
+          <a:p>
+            <a:r>
+              <a:rPr lang="en-US" sz="3200" dirty="0" err="1">
+                <a:solidFill>
+                  <a:srgbClr val="00B050"/>
+                </a:solidFill>
+              </a:rPr>
+              <a:t>addi</a:t>
+            </a:r>
+            <a:r>
+              <a:rPr lang="en-US" sz="3200" dirty="0">
+                <a:solidFill>
+                  <a:srgbClr val="00B050"/>
+                </a:solidFill>
+              </a:rPr>
+              <a:t> x2, x1, 0</a:t>
+            </a:r>
+          </a:p>
+          <a:p>
+            <a:r>
+              <a:rPr lang="en-US" sz="3200" dirty="0" err="1">
+                <a:solidFill>
+                  <a:srgbClr val="00B050"/>
+                </a:solidFill>
+              </a:rPr>
+              <a:t>addi</a:t>
+            </a:r>
+            <a:r>
+              <a:rPr lang="en-US" sz="3200" dirty="0">
+                <a:solidFill>
+                  <a:srgbClr val="00B050"/>
+                </a:solidFill>
+              </a:rPr>
+              <a:t> x2, x0, 3</a:t>
+            </a:r>
+          </a:p>
+          <a:p>
+            <a:r>
+              <a:rPr lang="en-US" sz="3200" dirty="0" err="1" smtClean="0">
+                <a:solidFill>
+                  <a:srgbClr val="00B050"/>
+                </a:solidFill>
+              </a:rPr>
+              <a:t>bge</a:t>
+            </a:r>
+            <a:r>
+              <a:rPr lang="en-US" sz="3200" dirty="0" smtClean="0">
+                <a:solidFill>
+                  <a:srgbClr val="00B050"/>
+                </a:solidFill>
+              </a:rPr>
+              <a:t>  </a:t>
+            </a:r>
+            <a:r>
+              <a:rPr lang="en-US" sz="3200" dirty="0">
+                <a:solidFill>
+                  <a:srgbClr val="00B050"/>
+                </a:solidFill>
+              </a:rPr>
+              <a:t>x2, x1, label</a:t>
+            </a:r>
+          </a:p>
+          <a:p>
+            <a:r>
+              <a:rPr lang="en-US" sz="3200" dirty="0" err="1">
+                <a:solidFill>
+                  <a:srgbClr val="00B050"/>
+                </a:solidFill>
+              </a:rPr>
+              <a:t>beq</a:t>
+            </a:r>
+            <a:r>
+              <a:rPr lang="en-US" sz="3200" dirty="0">
+                <a:solidFill>
+                  <a:srgbClr val="00B050"/>
+                </a:solidFill>
+              </a:rPr>
+              <a:t> </a:t>
+            </a:r>
+            <a:r>
+              <a:rPr lang="en-US" sz="3200" dirty="0" smtClean="0">
+                <a:solidFill>
+                  <a:srgbClr val="00B050"/>
+                </a:solidFill>
+              </a:rPr>
+              <a:t> x1</a:t>
+            </a:r>
+            <a:r>
+              <a:rPr lang="en-US" sz="3200" dirty="0">
+                <a:solidFill>
+                  <a:srgbClr val="00B050"/>
+                </a:solidFill>
+              </a:rPr>
+              <a:t>, x0, label</a:t>
+            </a:r>
+          </a:p>
+          <a:p>
+            <a:r>
+              <a:rPr lang="en-US" sz="3200" dirty="0" err="1">
+                <a:solidFill>
+                  <a:srgbClr val="00B050"/>
+                </a:solidFill>
+              </a:rPr>
+              <a:t>bne</a:t>
+            </a:r>
+            <a:r>
+              <a:rPr lang="en-US" sz="3200" dirty="0">
+                <a:solidFill>
+                  <a:srgbClr val="00B050"/>
+                </a:solidFill>
+              </a:rPr>
+              <a:t> </a:t>
+            </a:r>
+            <a:r>
+              <a:rPr lang="en-US" sz="3200" dirty="0" smtClean="0">
+                <a:solidFill>
+                  <a:srgbClr val="00B050"/>
+                </a:solidFill>
+              </a:rPr>
+              <a:t> x1</a:t>
+            </a:r>
+            <a:r>
+              <a:rPr lang="en-US" sz="3200" dirty="0">
+                <a:solidFill>
+                  <a:srgbClr val="00B050"/>
+                </a:solidFill>
+              </a:rPr>
+              <a:t>, x0, label</a:t>
+            </a:r>
+          </a:p>
+          <a:p>
+            <a:r>
+              <a:rPr lang="en-US" sz="3200" dirty="0" err="1">
+                <a:solidFill>
+                  <a:srgbClr val="00B050"/>
+                </a:solidFill>
+              </a:rPr>
+              <a:t>jal</a:t>
+            </a:r>
+            <a:r>
+              <a:rPr lang="en-US" sz="3200" dirty="0">
+                <a:solidFill>
+                  <a:srgbClr val="00B050"/>
+                </a:solidFill>
+              </a:rPr>
+              <a:t> </a:t>
+            </a:r>
+            <a:r>
+              <a:rPr lang="en-US" sz="3200" dirty="0" smtClean="0">
+                <a:solidFill>
+                  <a:srgbClr val="00B050"/>
+                </a:solidFill>
+              </a:rPr>
+              <a:t>   x0</a:t>
+            </a:r>
+            <a:r>
+              <a:rPr lang="en-US" sz="3200" dirty="0">
+                <a:solidFill>
+                  <a:srgbClr val="00B050"/>
+                </a:solidFill>
+              </a:rPr>
+              <a:t>, label</a:t>
+            </a:r>
+          </a:p>
+        </p:txBody>
+      </p:sp>
+    </p:spTree>
+    <p:extLst>
+      <p:ext uri="{BB962C8B-B14F-4D97-AF65-F5344CB8AC3E}">
+        <p14:creationId xmlns:p14="http://schemas.microsoft.com/office/powerpoint/2010/main" val="1346305110"/>
+      </p:ext>
+    </p:extLst>
+  </p:cSld>
+  <p:clrMapOvr>
+    <a:masterClrMapping/>
+  </p:clrMapOvr>
+  <p:timing>
+    <p:tnLst>
+      <p:par>
+        <p:cTn id="1" dur="indefinite" restart="never" nodeType="tmRoot"/>
+      </p:par>
+    </p:tnLst>
+  </p:timing>
+</p:sld>
+</file>
+
+<file path=ppt/slides/slide27.xml><?xml version="1.0" encoding="utf-8"?>
+<p:sld xmlns:a="http://schemas.openxmlformats.org/drawingml/2006/main" xmlns:r="http://schemas.openxmlformats.org/officeDocument/2006/relationships" xmlns:p="http://schemas.openxmlformats.org/presentationml/2006/main">
+  <p:cSld>
+    <p:spTree>
+      <p:nvGrpSpPr>
+        <p:cNvPr id="1" name=""/>
+        <p:cNvGrpSpPr/>
+        <p:nvPr/>
+      </p:nvGrpSpPr>
+      <p:grpSpPr>
+        <a:xfrm>
+          <a:off x="0" y="0"/>
+          <a:ext cx="0" cy="0"/>
+          <a:chOff x="0" y="0"/>
+          <a:chExt cx="0" cy="0"/>
+        </a:xfrm>
+      </p:grpSpPr>
+      <p:sp>
+        <p:nvSpPr>
+          <p:cNvPr id="4" name="Прямоугольник 3"/>
+          <p:cNvSpPr/>
+          <p:nvPr/>
+        </p:nvSpPr>
+        <p:spPr>
+          <a:xfrm>
+            <a:off x="2664999" y="472120"/>
+            <a:ext cx="7524751" cy="5262979"/>
+          </a:xfrm>
+          <a:prstGeom prst="rect">
+            <a:avLst/>
+          </a:prstGeom>
+          <a:noFill/>
+          <a:ln>
+            <a:noFill/>
+          </a:ln>
+          <a:scene3d>
+            <a:camera prst="perspectiveRelaxed"/>
+            <a:lightRig rig="threePt" dir="t"/>
+          </a:scene3d>
+        </p:spPr>
+        <p:txBody>
+          <a:bodyPr wrap="square" lIns="91440" tIns="45720" rIns="91440" bIns="45720">
+            <a:spAutoFit/>
+          </a:bodyPr>
+          <a:lstStyle/>
+          <a:p>
+            <a:r>
+              <a:rPr lang="en-US" sz="2400" dirty="0" smtClean="0">
+                <a:ln w="0"/>
+                <a:solidFill>
+                  <a:srgbClr val="273272"/>
+                </a:solidFill>
+                <a:effectLst>
+                  <a:reflection blurRad="6350" stA="53000" endA="300" endPos="35500" dir="5400000" sy="-90000" algn="bl" rotWithShape="0"/>
+                </a:effectLst>
+                <a:latin typeface="Courier New" pitchFamily="49" charset="0"/>
+                <a:cs typeface="Courier New" pitchFamily="49" charset="0"/>
+              </a:rPr>
+              <a:t>		</a:t>
+            </a:r>
+          </a:p>
+          <a:p>
+            <a:r>
+              <a:rPr lang="en-US" sz="2400" dirty="0" smtClean="0">
+                <a:ln w="0"/>
+                <a:solidFill>
+                  <a:srgbClr val="273272"/>
+                </a:solidFill>
+                <a:effectLst>
+                  <a:reflection blurRad="6350" stA="53000" endA="300" endPos="35500" dir="5400000" sy="-90000" algn="bl" rotWithShape="0"/>
+                </a:effectLst>
+                <a:latin typeface="Courier New" pitchFamily="49" charset="0"/>
+                <a:cs typeface="Courier New" pitchFamily="49" charset="0"/>
+              </a:rPr>
+              <a:t>		.text</a:t>
+            </a:r>
+          </a:p>
+          <a:p>
+            <a:r>
+              <a:rPr lang="en-US" sz="2400" dirty="0" smtClean="0">
+                <a:ln w="0"/>
+                <a:solidFill>
+                  <a:srgbClr val="273272"/>
+                </a:solidFill>
+                <a:effectLst>
+                  <a:reflection blurRad="6350" stA="53000" endA="300" endPos="35500" dir="5400000" sy="-90000" algn="bl" rotWithShape="0"/>
+                </a:effectLst>
+                <a:latin typeface="Courier New" pitchFamily="49" charset="0"/>
+                <a:cs typeface="Courier New" pitchFamily="49" charset="0"/>
+              </a:rPr>
+              <a:t>__start:	</a:t>
+            </a:r>
+            <a:r>
+              <a:rPr lang="en-US" sz="2400" dirty="0" err="1" smtClean="0">
+                <a:ln w="0"/>
+                <a:solidFill>
+                  <a:srgbClr val="273272"/>
+                </a:solidFill>
+                <a:effectLst>
+                  <a:reflection blurRad="6350" stA="53000" endA="300" endPos="35500" dir="5400000" sy="-90000" algn="bl" rotWithShape="0"/>
+                </a:effectLst>
+                <a:latin typeface="Courier New" pitchFamily="49" charset="0"/>
+                <a:cs typeface="Courier New" pitchFamily="49" charset="0"/>
+              </a:rPr>
+              <a:t>addi</a:t>
+            </a:r>
+            <a:r>
+              <a:rPr lang="en-US" sz="2400" dirty="0" smtClean="0">
+                <a:ln w="0"/>
+                <a:solidFill>
+                  <a:srgbClr val="273272"/>
+                </a:solidFill>
+                <a:effectLst>
+                  <a:reflection blurRad="6350" stA="53000" endA="300" endPos="35500" dir="5400000" sy="-90000" algn="bl" rotWithShape="0"/>
+                </a:effectLst>
+                <a:latin typeface="Courier New" pitchFamily="49" charset="0"/>
+                <a:cs typeface="Courier New" pitchFamily="49" charset="0"/>
+              </a:rPr>
+              <a:t> t1, zero, 0x18</a:t>
+            </a:r>
+          </a:p>
+          <a:p>
+            <a:r>
+              <a:rPr lang="en-US" sz="2400" dirty="0" smtClean="0">
+                <a:ln w="0"/>
+                <a:solidFill>
+                  <a:srgbClr val="273272"/>
+                </a:solidFill>
+                <a:effectLst>
+                  <a:reflection blurRad="6350" stA="53000" endA="300" endPos="35500" dir="5400000" sy="-90000" algn="bl" rotWithShape="0"/>
+                </a:effectLst>
+                <a:latin typeface="Courier New" pitchFamily="49" charset="0"/>
+                <a:cs typeface="Courier New" pitchFamily="49" charset="0"/>
+              </a:rPr>
+              <a:t>		</a:t>
+            </a:r>
+            <a:r>
+              <a:rPr lang="en-US" sz="2400" dirty="0" err="1" smtClean="0">
+                <a:ln w="0"/>
+                <a:solidFill>
+                  <a:srgbClr val="273272"/>
+                </a:solidFill>
+                <a:effectLst>
+                  <a:reflection blurRad="6350" stA="53000" endA="300" endPos="35500" dir="5400000" sy="-90000" algn="bl" rotWithShape="0"/>
+                </a:effectLst>
+                <a:latin typeface="Courier New" pitchFamily="49" charset="0"/>
+                <a:cs typeface="Courier New" pitchFamily="49" charset="0"/>
+              </a:rPr>
+              <a:t>addi</a:t>
+            </a:r>
+            <a:r>
+              <a:rPr lang="en-US" sz="2400" dirty="0" smtClean="0">
+                <a:ln w="0"/>
+                <a:solidFill>
+                  <a:srgbClr val="273272"/>
+                </a:solidFill>
+                <a:effectLst>
+                  <a:reflection blurRad="6350" stA="53000" endA="300" endPos="35500" dir="5400000" sy="-90000" algn="bl" rotWithShape="0"/>
+                </a:effectLst>
+                <a:latin typeface="Courier New" pitchFamily="49" charset="0"/>
+                <a:cs typeface="Courier New" pitchFamily="49" charset="0"/>
+              </a:rPr>
+              <a:t> t2, zero, 0x21</a:t>
+            </a:r>
+          </a:p>
+          <a:p>
+            <a:r>
+              <a:rPr lang="en-US" sz="2400" dirty="0" smtClean="0">
+                <a:ln w="0"/>
+                <a:solidFill>
+                  <a:srgbClr val="273272"/>
+                </a:solidFill>
+                <a:effectLst>
+                  <a:reflection blurRad="6350" stA="53000" endA="300" endPos="35500" dir="5400000" sy="-90000" algn="bl" rotWithShape="0"/>
+                </a:effectLst>
+                <a:latin typeface="Courier New" pitchFamily="49" charset="0"/>
+                <a:cs typeface="Courier New" pitchFamily="49" charset="0"/>
+              </a:rPr>
+              <a:t>cycle:	</a:t>
+            </a:r>
+            <a:r>
+              <a:rPr lang="en-US" sz="2400" dirty="0" err="1" smtClean="0">
+                <a:ln w="0"/>
+                <a:solidFill>
+                  <a:srgbClr val="273272"/>
+                </a:solidFill>
+                <a:effectLst>
+                  <a:reflection blurRad="6350" stA="53000" endA="300" endPos="35500" dir="5400000" sy="-90000" algn="bl" rotWithShape="0"/>
+                </a:effectLst>
+                <a:latin typeface="Courier New" pitchFamily="49" charset="0"/>
+                <a:cs typeface="Courier New" pitchFamily="49" charset="0"/>
+              </a:rPr>
+              <a:t>beq</a:t>
+            </a:r>
+            <a:r>
+              <a:rPr lang="en-US" sz="2400" dirty="0" smtClean="0">
+                <a:ln w="0"/>
+                <a:solidFill>
+                  <a:srgbClr val="273272"/>
+                </a:solidFill>
+                <a:effectLst>
+                  <a:reflection blurRad="6350" stA="53000" endA="300" endPos="35500" dir="5400000" sy="-90000" algn="bl" rotWithShape="0"/>
+                </a:effectLst>
+                <a:latin typeface="Courier New" pitchFamily="49" charset="0"/>
+                <a:cs typeface="Courier New" pitchFamily="49" charset="0"/>
+              </a:rPr>
+              <a:t> t1, t2, done</a:t>
+            </a:r>
+          </a:p>
+          <a:p>
+            <a:r>
+              <a:rPr lang="en-US" sz="2400" dirty="0" smtClean="0">
+                <a:ln w="0"/>
+                <a:solidFill>
+                  <a:srgbClr val="273272"/>
+                </a:solidFill>
+                <a:effectLst>
+                  <a:reflection blurRad="6350" stA="53000" endA="300" endPos="35500" dir="5400000" sy="-90000" algn="bl" rotWithShape="0"/>
+                </a:effectLst>
+                <a:latin typeface="Courier New" pitchFamily="49" charset="0"/>
+                <a:cs typeface="Courier New" pitchFamily="49" charset="0"/>
+              </a:rPr>
+              <a:t>		</a:t>
+            </a:r>
+            <a:r>
+              <a:rPr lang="en-US" sz="2400" dirty="0" err="1" smtClean="0">
+                <a:ln w="0"/>
+                <a:solidFill>
+                  <a:srgbClr val="273272"/>
+                </a:solidFill>
+                <a:effectLst>
+                  <a:reflection blurRad="6350" stA="53000" endA="300" endPos="35500" dir="5400000" sy="-90000" algn="bl" rotWithShape="0"/>
+                </a:effectLst>
+                <a:latin typeface="Courier New" pitchFamily="49" charset="0"/>
+                <a:cs typeface="Courier New" pitchFamily="49" charset="0"/>
+              </a:rPr>
+              <a:t>slt</a:t>
+            </a:r>
+            <a:r>
+              <a:rPr lang="en-US" sz="2400" dirty="0" smtClean="0">
+                <a:ln w="0"/>
+                <a:solidFill>
+                  <a:srgbClr val="273272"/>
+                </a:solidFill>
+                <a:effectLst>
+                  <a:reflection blurRad="6350" stA="53000" endA="300" endPos="35500" dir="5400000" sy="-90000" algn="bl" rotWithShape="0"/>
+                </a:effectLst>
+                <a:latin typeface="Courier New" pitchFamily="49" charset="0"/>
+                <a:cs typeface="Courier New" pitchFamily="49" charset="0"/>
+              </a:rPr>
+              <a:t> t0, t1, t2</a:t>
+            </a:r>
+          </a:p>
+          <a:p>
+            <a:r>
+              <a:rPr lang="en-US" sz="2400" dirty="0" smtClean="0">
+                <a:ln w="0"/>
+                <a:solidFill>
+                  <a:srgbClr val="273272"/>
+                </a:solidFill>
+                <a:effectLst>
+                  <a:reflection blurRad="6350" stA="53000" endA="300" endPos="35500" dir="5400000" sy="-90000" algn="bl" rotWithShape="0"/>
+                </a:effectLst>
+                <a:latin typeface="Courier New" pitchFamily="49" charset="0"/>
+                <a:cs typeface="Courier New" pitchFamily="49" charset="0"/>
+              </a:rPr>
+              <a:t>		</a:t>
+            </a:r>
+            <a:r>
+              <a:rPr lang="en-US" sz="2400" dirty="0" err="1" smtClean="0">
+                <a:ln w="0"/>
+                <a:solidFill>
+                  <a:srgbClr val="273272"/>
+                </a:solidFill>
+                <a:effectLst>
+                  <a:reflection blurRad="6350" stA="53000" endA="300" endPos="35500" dir="5400000" sy="-90000" algn="bl" rotWithShape="0"/>
+                </a:effectLst>
+                <a:latin typeface="Courier New" pitchFamily="49" charset="0"/>
+                <a:cs typeface="Courier New" pitchFamily="49" charset="0"/>
+              </a:rPr>
+              <a:t>bne</a:t>
+            </a:r>
+            <a:r>
+              <a:rPr lang="en-US" sz="2400" dirty="0" smtClean="0">
+                <a:ln w="0"/>
+                <a:solidFill>
+                  <a:srgbClr val="273272"/>
+                </a:solidFill>
+                <a:effectLst>
+                  <a:reflection blurRad="6350" stA="53000" endA="300" endPos="35500" dir="5400000" sy="-90000" algn="bl" rotWithShape="0"/>
+                </a:effectLst>
+                <a:latin typeface="Courier New" pitchFamily="49" charset="0"/>
+                <a:cs typeface="Courier New" pitchFamily="49" charset="0"/>
+              </a:rPr>
+              <a:t> t0, zero, </a:t>
+            </a:r>
+            <a:r>
+              <a:rPr lang="en-US" sz="2400" dirty="0" err="1" smtClean="0">
+                <a:ln w="0"/>
+                <a:solidFill>
+                  <a:srgbClr val="273272"/>
+                </a:solidFill>
+                <a:effectLst>
+                  <a:reflection blurRad="6350" stA="53000" endA="300" endPos="35500" dir="5400000" sy="-90000" algn="bl" rotWithShape="0"/>
+                </a:effectLst>
+                <a:latin typeface="Courier New" pitchFamily="49" charset="0"/>
+                <a:cs typeface="Courier New" pitchFamily="49" charset="0"/>
+              </a:rPr>
+              <a:t>if_less</a:t>
+            </a:r>
+            <a:endParaRPr lang="en-US" sz="2400" dirty="0" smtClean="0">
+              <a:ln w="0"/>
+              <a:solidFill>
+                <a:srgbClr val="273272"/>
+              </a:solidFill>
+              <a:effectLst>
+                <a:reflection blurRad="6350" stA="53000" endA="300" endPos="35500" dir="5400000" sy="-90000" algn="bl" rotWithShape="0"/>
+              </a:effectLst>
+              <a:latin typeface="Courier New" pitchFamily="49" charset="0"/>
+              <a:cs typeface="Courier New" pitchFamily="49" charset="0"/>
+            </a:endParaRPr>
+          </a:p>
+          <a:p>
+            <a:r>
+              <a:rPr lang="en-US" sz="2400" dirty="0" smtClean="0">
+                <a:ln w="0"/>
+                <a:solidFill>
+                  <a:srgbClr val="273272"/>
+                </a:solidFill>
+                <a:effectLst>
+                  <a:reflection blurRad="6350" stA="53000" endA="300" endPos="35500" dir="5400000" sy="-90000" algn="bl" rotWithShape="0"/>
+                </a:effectLst>
+                <a:latin typeface="Courier New" pitchFamily="49" charset="0"/>
+                <a:cs typeface="Courier New" pitchFamily="49" charset="0"/>
+              </a:rPr>
+              <a:t>		</a:t>
+            </a:r>
+            <a:r>
+              <a:rPr lang="en-US" sz="2400" dirty="0" err="1" smtClean="0">
+                <a:ln w="0"/>
+                <a:solidFill>
+                  <a:srgbClr val="273272"/>
+                </a:solidFill>
+                <a:effectLst>
+                  <a:reflection blurRad="6350" stA="53000" endA="300" endPos="35500" dir="5400000" sy="-90000" algn="bl" rotWithShape="0"/>
+                </a:effectLst>
+                <a:latin typeface="Courier New" pitchFamily="49" charset="0"/>
+                <a:cs typeface="Courier New" pitchFamily="49" charset="0"/>
+              </a:rPr>
+              <a:t>nop</a:t>
+            </a:r>
+            <a:endParaRPr lang="en-US" sz="2400" dirty="0" smtClean="0">
+              <a:ln w="0"/>
+              <a:solidFill>
+                <a:srgbClr val="273272"/>
+              </a:solidFill>
+              <a:effectLst>
+                <a:reflection blurRad="6350" stA="53000" endA="300" endPos="35500" dir="5400000" sy="-90000" algn="bl" rotWithShape="0"/>
+              </a:effectLst>
+              <a:latin typeface="Courier New" pitchFamily="49" charset="0"/>
+              <a:cs typeface="Courier New" pitchFamily="49" charset="0"/>
+            </a:endParaRPr>
+          </a:p>
+          <a:p>
+            <a:r>
+              <a:rPr lang="en-US" sz="2400" dirty="0" smtClean="0">
+                <a:ln w="0"/>
+                <a:solidFill>
+                  <a:srgbClr val="273272"/>
+                </a:solidFill>
+                <a:effectLst>
+                  <a:reflection blurRad="6350" stA="53000" endA="300" endPos="35500" dir="5400000" sy="-90000" algn="bl" rotWithShape="0"/>
+                </a:effectLst>
+                <a:latin typeface="Courier New" pitchFamily="49" charset="0"/>
+                <a:cs typeface="Courier New" pitchFamily="49" charset="0"/>
+              </a:rPr>
+              <a:t>		sub t1, t1, t2</a:t>
+            </a:r>
+          </a:p>
+          <a:p>
+            <a:r>
+              <a:rPr lang="en-US" sz="2400" dirty="0" smtClean="0">
+                <a:ln w="0"/>
+                <a:solidFill>
+                  <a:srgbClr val="273272"/>
+                </a:solidFill>
+                <a:effectLst>
+                  <a:reflection blurRad="6350" stA="53000" endA="300" endPos="35500" dir="5400000" sy="-90000" algn="bl" rotWithShape="0"/>
+                </a:effectLst>
+                <a:latin typeface="Courier New" pitchFamily="49" charset="0"/>
+                <a:cs typeface="Courier New" pitchFamily="49" charset="0"/>
+              </a:rPr>
+              <a:t>		j cycle</a:t>
+            </a:r>
+          </a:p>
+          <a:p>
+            <a:r>
+              <a:rPr lang="en-US" sz="2400" dirty="0" smtClean="0">
+                <a:ln w="0"/>
+                <a:solidFill>
+                  <a:srgbClr val="273272"/>
+                </a:solidFill>
+                <a:effectLst>
+                  <a:reflection blurRad="6350" stA="53000" endA="300" endPos="35500" dir="5400000" sy="-90000" algn="bl" rotWithShape="0"/>
+                </a:effectLst>
+                <a:latin typeface="Courier New" pitchFamily="49" charset="0"/>
+                <a:cs typeface="Courier New" pitchFamily="49" charset="0"/>
+              </a:rPr>
+              <a:t>		</a:t>
+            </a:r>
+            <a:r>
+              <a:rPr lang="en-US" sz="2400" dirty="0" err="1" smtClean="0">
+                <a:ln w="0"/>
+                <a:solidFill>
+                  <a:srgbClr val="273272"/>
+                </a:solidFill>
+                <a:effectLst>
+                  <a:reflection blurRad="6350" stA="53000" endA="300" endPos="35500" dir="5400000" sy="-90000" algn="bl" rotWithShape="0"/>
+                </a:effectLst>
+                <a:latin typeface="Courier New" pitchFamily="49" charset="0"/>
+                <a:cs typeface="Courier New" pitchFamily="49" charset="0"/>
+              </a:rPr>
+              <a:t>nop</a:t>
+            </a:r>
+            <a:endParaRPr lang="en-US" sz="2400" dirty="0" smtClean="0">
+              <a:ln w="0"/>
+              <a:solidFill>
+                <a:srgbClr val="273272"/>
+              </a:solidFill>
+              <a:effectLst>
+                <a:reflection blurRad="6350" stA="53000" endA="300" endPos="35500" dir="5400000" sy="-90000" algn="bl" rotWithShape="0"/>
+              </a:effectLst>
+              <a:latin typeface="Courier New" pitchFamily="49" charset="0"/>
+              <a:cs typeface="Courier New" pitchFamily="49" charset="0"/>
+            </a:endParaRPr>
+          </a:p>
+          <a:p>
+            <a:r>
+              <a:rPr lang="en-US" sz="2400" dirty="0" err="1" smtClean="0">
+                <a:ln w="0"/>
+                <a:solidFill>
+                  <a:srgbClr val="273272"/>
+                </a:solidFill>
+                <a:effectLst>
+                  <a:reflection blurRad="6350" stA="53000" endA="300" endPos="35500" dir="5400000" sy="-90000" algn="bl" rotWithShape="0"/>
+                </a:effectLst>
+                <a:latin typeface="Courier New" pitchFamily="49" charset="0"/>
+                <a:cs typeface="Courier New" pitchFamily="49" charset="0"/>
+              </a:rPr>
+              <a:t>if_less</a:t>
+            </a:r>
+            <a:r>
+              <a:rPr lang="en-US" sz="2400" dirty="0" smtClean="0">
+                <a:ln w="0"/>
+                <a:solidFill>
+                  <a:srgbClr val="273272"/>
+                </a:solidFill>
+                <a:effectLst>
+                  <a:reflection blurRad="6350" stA="53000" endA="300" endPos="35500" dir="5400000" sy="-90000" algn="bl" rotWithShape="0"/>
+                </a:effectLst>
+                <a:latin typeface="Courier New" pitchFamily="49" charset="0"/>
+                <a:cs typeface="Courier New" pitchFamily="49" charset="0"/>
+              </a:rPr>
+              <a:t>:	sub t2, t2, t1</a:t>
+            </a:r>
+          </a:p>
+          <a:p>
+            <a:r>
+              <a:rPr lang="en-US" sz="2400" dirty="0" smtClean="0">
+                <a:ln w="0"/>
+                <a:solidFill>
+                  <a:srgbClr val="273272"/>
+                </a:solidFill>
+                <a:effectLst>
+                  <a:reflection blurRad="6350" stA="53000" endA="300" endPos="35500" dir="5400000" sy="-90000" algn="bl" rotWithShape="0"/>
+                </a:effectLst>
+                <a:latin typeface="Courier New" pitchFamily="49" charset="0"/>
+                <a:cs typeface="Courier New" pitchFamily="49" charset="0"/>
+              </a:rPr>
+              <a:t>		j cycle</a:t>
+            </a:r>
+          </a:p>
+          <a:p>
+            <a:r>
+              <a:rPr lang="en-US" sz="2400" dirty="0" smtClean="0">
+                <a:ln w="0"/>
+                <a:solidFill>
+                  <a:srgbClr val="273272"/>
+                </a:solidFill>
+                <a:effectLst>
+                  <a:reflection blurRad="6350" stA="53000" endA="300" endPos="35500" dir="5400000" sy="-90000" algn="bl" rotWithShape="0"/>
+                </a:effectLst>
+                <a:latin typeface="Courier New" pitchFamily="49" charset="0"/>
+                <a:cs typeface="Courier New" pitchFamily="49" charset="0"/>
+              </a:rPr>
+              <a:t>done:		add t3, t1, zero</a:t>
+            </a:r>
+            <a:endParaRPr lang="ru-RU" sz="2400" b="0" cap="none" spc="0" dirty="0">
+              <a:ln w="0"/>
+              <a:solidFill>
+                <a:srgbClr val="273272"/>
+              </a:solidFill>
+              <a:effectLst>
+                <a:reflection blurRad="6350" stA="53000" endA="300" endPos="35500" dir="5400000" sy="-90000" algn="bl" rotWithShape="0"/>
+              </a:effectLst>
+              <a:latin typeface="Courier New" pitchFamily="49" charset="0"/>
+              <a:cs typeface="Courier New" pitchFamily="49" charset="0"/>
+            </a:endParaRPr>
+          </a:p>
+        </p:txBody>
+      </p:sp>
+      <p:sp>
+        <p:nvSpPr>
+          <p:cNvPr id="2" name="Заголовок 1"/>
+          <p:cNvSpPr>
+            <a:spLocks noGrp="1"/>
+          </p:cNvSpPr>
+          <p:nvPr>
+            <p:ph type="title"/>
+          </p:nvPr>
+        </p:nvSpPr>
+        <p:spPr/>
+        <p:txBody>
+          <a:bodyPr>
+            <a:normAutofit/>
+          </a:bodyPr>
+          <a:lstStyle/>
+          <a:p>
+            <a:r>
+              <a:rPr lang="en-US" dirty="0" smtClean="0"/>
+              <a:t>Any Questions?</a:t>
+            </a:r>
+            <a:endParaRPr lang="ru-RU" sz="4000" dirty="0"/>
+          </a:p>
+        </p:txBody>
+      </p:sp>
+      <p:sp>
+        <p:nvSpPr>
+          <p:cNvPr id="6" name="Номер слайда 5"/>
+          <p:cNvSpPr>
+            <a:spLocks noGrp="1"/>
+          </p:cNvSpPr>
+          <p:nvPr>
+            <p:ph type="sldNum" sz="quarter" idx="12"/>
+          </p:nvPr>
+        </p:nvSpPr>
+        <p:spPr/>
+        <p:txBody>
+          <a:bodyPr/>
+          <a:lstStyle/>
+          <a:p>
+            <a:pPr algn="ctr"/>
+            <a:fld id="{1397BFD8-F312-4EF2-A268-44FB4BDDBBB0}" type="slidenum">
+              <a:rPr lang="ru-RU" smtClean="0"/>
+              <a:pPr algn="ctr"/>
+              <a:t>27</a:t>
+            </a:fld>
+            <a:endParaRPr lang="ru-RU" dirty="0"/>
+          </a:p>
+        </p:txBody>
+      </p:sp>
+    </p:spTree>
+    <p:extLst>
+      <p:ext uri="{BB962C8B-B14F-4D97-AF65-F5344CB8AC3E}">
+        <p14:creationId xmlns:p14="http://schemas.microsoft.com/office/powerpoint/2010/main" val="4217875043"/>
+      </p:ext>
+    </p:extLst>
+  </p:cSld>
+  <p:clrMapOvr>
+    <a:masterClrMapping/>
+  </p:clrMapOvr>
+  <p:timing>
+    <p:tnLst>
+      <p:par>
+        <p:cTn id="1" dur="indefinite" restart="never" nodeType="tmRoot"/>
+      </p:par>
+    </p:tnLst>
+  </p:timing>
+</p:sld>
+</file>
+
 <file path=ppt/slides/slide3.xml><?xml version="1.0" encoding="utf-8"?>
 <p:sld xmlns:a="http://schemas.openxmlformats.org/drawingml/2006/main" xmlns:r="http://schemas.openxmlformats.org/officeDocument/2006/relationships" xmlns:p="http://schemas.openxmlformats.org/presentationml/2006/main">
   <p:cSld>
@@ -17271,7 +21730,7 @@
           <a:graphicData uri="http://schemas.openxmlformats.org/presentationml/2006/ole">
             <mc:AlternateContent xmlns:mc="http://schemas.openxmlformats.org/markup-compatibility/2006">
               <mc:Choice xmlns:v="urn:schemas-microsoft-com:vml" Requires="v">
-                <p:oleObj spid="_x0000_s3080" name="Equation" r:id="rId3" imgW="3568700" imgH="419100" progId="Equation.3">
+                <p:oleObj spid="_x0000_s3087" name="Equation" r:id="rId3" imgW="3568700" imgH="419100" progId="Equation.3">
                   <p:embed/>
                 </p:oleObj>
               </mc:Choice>

--- a/docs/part1ca/03_CPU/CA_Lecture_03.pptx
+++ b/docs/part1ca/03_CPU/CA_Lecture_03.pptx
@@ -5,10 +5,10 @@
     <p:sldMasterId id="2147483648" r:id="rId1"/>
   </p:sldMasterIdLst>
   <p:notesMasterIdLst>
-    <p:notesMasterId r:id="rId29"/>
+    <p:notesMasterId r:id="rId32"/>
   </p:notesMasterIdLst>
   <p:handoutMasterIdLst>
-    <p:handoutMasterId r:id="rId30"/>
+    <p:handoutMasterId r:id="rId33"/>
   </p:handoutMasterIdLst>
   <p:sldIdLst>
     <p:sldId id="256" r:id="rId2"/>
@@ -33,11 +33,14 @@
     <p:sldId id="299" r:id="rId21"/>
     <p:sldId id="300" r:id="rId22"/>
     <p:sldId id="301" r:id="rId23"/>
-    <p:sldId id="304" r:id="rId24"/>
-    <p:sldId id="305" r:id="rId25"/>
-    <p:sldId id="303" r:id="rId26"/>
-    <p:sldId id="302" r:id="rId27"/>
-    <p:sldId id="272" r:id="rId28"/>
+    <p:sldId id="303" r:id="rId24"/>
+    <p:sldId id="304" r:id="rId25"/>
+    <p:sldId id="308" r:id="rId26"/>
+    <p:sldId id="305" r:id="rId27"/>
+    <p:sldId id="306" r:id="rId28"/>
+    <p:sldId id="302" r:id="rId29"/>
+    <p:sldId id="307" r:id="rId30"/>
+    <p:sldId id="272" r:id="rId31"/>
   </p:sldIdLst>
   <p:sldSz cx="12192000" cy="6858000"/>
   <p:notesSz cx="6858000" cy="9144000"/>
@@ -260,7 +263,7 @@
             <a:fld id="{D0106195-8D78-4F6F-B8E4-FA67975ACEF5}" type="datetimeFigureOut">
               <a:rPr lang="ru-RU" smtClean="0"/>
               <a:pPr/>
-              <a:t>25.10.2020</a:t>
+              <a:t>26.10.2020</a:t>
             </a:fld>
             <a:endParaRPr lang="ru-RU"/>
           </a:p>
@@ -428,7 +431,7 @@
             <a:fld id="{878212F1-C3D9-4F2B-8F42-5E960FE8BE51}" type="datetimeFigureOut">
               <a:rPr lang="ru-RU" smtClean="0"/>
               <a:pPr/>
-              <a:t>25.10.2020</a:t>
+              <a:t>26.10.2020</a:t>
             </a:fld>
             <a:endParaRPr lang="ru-RU"/>
           </a:p>
@@ -925,7 +928,7 @@
             <a:fld id="{5583B3A5-99BF-45D9-956B-DC57CC23AD97}" type="slidenum">
               <a:rPr lang="ru-RU" smtClean="0"/>
               <a:pPr/>
-              <a:t>27</a:t>
+              <a:t>30</a:t>
             </a:fld>
             <a:endParaRPr lang="ru-RU"/>
           </a:p>
@@ -13187,11 +13190,6 @@
               </a:rPr>
               <a:t>     x3, x1, x2</a:t>
             </a:r>
-            <a:endParaRPr lang="en-US" sz="2800" dirty="0">
-              <a:solidFill>
-                <a:srgbClr val="1E3272"/>
-              </a:solidFill>
-            </a:endParaRPr>
           </a:p>
         </p:txBody>
       </p:sp>
@@ -14586,8 +14584,8 @@
         </p:nvSpPr>
         <p:spPr>
           <a:xfrm>
-            <a:off x="838199" y="1178052"/>
-            <a:ext cx="10691191" cy="5361895"/>
+            <a:off x="838200" y="1038908"/>
+            <a:ext cx="10515600" cy="3145468"/>
           </a:xfrm>
         </p:spPr>
         <p:txBody>
@@ -14596,168 +14594,61 @@
           </a:bodyPr>
           <a:lstStyle/>
           <a:p>
-            <a:r>
-              <a:rPr lang="en-US" dirty="0" err="1"/>
-              <a:t>jal</a:t>
-            </a:r>
-            <a:r>
-              <a:rPr lang="en-US" dirty="0"/>
-              <a:t>: Unconditional jump and link</a:t>
-            </a:r>
-          </a:p>
-          <a:p>
-            <a:pPr lvl="1"/>
-            <a:r>
-              <a:rPr lang="en-US" dirty="0"/>
-              <a:t>  Example: </a:t>
-            </a:r>
-            <a:r>
-              <a:rPr lang="en-US" dirty="0" err="1">
-                <a:solidFill>
-                  <a:srgbClr val="00B050"/>
-                </a:solidFill>
-              </a:rPr>
-              <a:t>jal</a:t>
-            </a:r>
-            <a:r>
-              <a:rPr lang="en-US" dirty="0">
-                <a:solidFill>
-                  <a:srgbClr val="00B050"/>
-                </a:solidFill>
-              </a:rPr>
-              <a:t> x3, label</a:t>
-            </a:r>
-          </a:p>
-          <a:p>
-            <a:pPr lvl="1"/>
-            <a:r>
-              <a:rPr lang="en-US" dirty="0"/>
-              <a:t>  Jump target specified as label</a:t>
-            </a:r>
-          </a:p>
-          <a:p>
-            <a:pPr lvl="1"/>
-            <a:r>
-              <a:rPr lang="en-US" dirty="0"/>
-              <a:t>  </a:t>
-            </a:r>
+            <a:pPr>
+              <a:lnSpc>
+                <a:spcPct val="100000"/>
+              </a:lnSpc>
+              <a:spcBef>
+                <a:spcPts val="0"/>
+              </a:spcBef>
+            </a:pPr>
             <a:r>
               <a:rPr lang="en-US" dirty="0" smtClean="0"/>
-              <a:t>label </a:t>
-            </a:r>
-            <a:r>
-              <a:rPr lang="en-US" dirty="0"/>
-              <a:t>is encoded as an offset from current instruction</a:t>
-            </a:r>
-          </a:p>
-          <a:p>
-            <a:pPr lvl="1"/>
-            <a:r>
-              <a:rPr lang="en-US" dirty="0"/>
-              <a:t>  Link </a:t>
-            </a:r>
-            <a:r>
-              <a:rPr lang="en-US" dirty="0" smtClean="0"/>
-              <a:t>(to </a:t>
-            </a:r>
-            <a:r>
-              <a:rPr lang="en-US" dirty="0"/>
-              <a:t>be discussed </a:t>
-            </a:r>
-            <a:r>
-              <a:rPr lang="en-US" dirty="0" smtClean="0"/>
-              <a:t>later): </a:t>
-            </a:r>
-            <a:r>
-              <a:rPr lang="en-US" dirty="0"/>
-              <a:t>is stored in x3</a:t>
-            </a:r>
-          </a:p>
-          <a:p>
-            <a:r>
-              <a:rPr lang="en-US" dirty="0" err="1"/>
-              <a:t>jalr</a:t>
-            </a:r>
-            <a:r>
-              <a:rPr lang="en-US" dirty="0"/>
-              <a:t>: Unconditional jump via register and link</a:t>
-            </a:r>
-          </a:p>
-          <a:p>
-            <a:pPr lvl="1"/>
-            <a:r>
-              <a:rPr lang="en-US" dirty="0"/>
-              <a:t> </a:t>
-            </a:r>
-            <a:r>
-              <a:rPr lang="en-US" dirty="0" smtClean="0"/>
-              <a:t>Example</a:t>
-            </a:r>
-            <a:r>
-              <a:rPr lang="en-US" dirty="0"/>
-              <a:t>: </a:t>
-            </a:r>
-            <a:r>
-              <a:rPr lang="en-US" dirty="0" err="1">
-                <a:solidFill>
-                  <a:srgbClr val="00B050"/>
-                </a:solidFill>
-              </a:rPr>
-              <a:t>jalr</a:t>
-            </a:r>
-            <a:r>
-              <a:rPr lang="en-US" dirty="0">
-                <a:solidFill>
-                  <a:srgbClr val="00B050"/>
-                </a:solidFill>
-              </a:rPr>
-              <a:t> x3, 4(x1)</a:t>
-            </a:r>
-          </a:p>
-          <a:p>
-            <a:pPr lvl="1"/>
-            <a:r>
-              <a:rPr lang="en-US" dirty="0"/>
-              <a:t> </a:t>
-            </a:r>
-            <a:r>
-              <a:rPr lang="en-US" dirty="0" smtClean="0"/>
-              <a:t>Jump </a:t>
-            </a:r>
-            <a:r>
-              <a:rPr lang="en-US" dirty="0"/>
-              <a:t>target specified as register value plus constant offset</a:t>
-            </a:r>
-          </a:p>
-          <a:p>
-            <a:pPr lvl="1"/>
-            <a:r>
-              <a:rPr lang="en-US" dirty="0"/>
-              <a:t> </a:t>
-            </a:r>
-            <a:r>
-              <a:rPr lang="en-US" dirty="0" smtClean="0"/>
-              <a:t>Example</a:t>
-            </a:r>
-            <a:r>
-              <a:rPr lang="en-US" dirty="0"/>
-              <a:t>: Jump target = x1 + 4</a:t>
-            </a:r>
-          </a:p>
-          <a:p>
-            <a:pPr lvl="1"/>
-            <a:r>
-              <a:rPr lang="en-US" dirty="0"/>
-              <a:t> </a:t>
-            </a:r>
-            <a:r>
-              <a:rPr lang="en-US" dirty="0" smtClean="0"/>
-              <a:t>Can </a:t>
-            </a:r>
-            <a:r>
-              <a:rPr lang="en-US" dirty="0"/>
-              <a:t>jump to any 32 bit address – supports long jumps</a:t>
-            </a:r>
+              <a:t>Need Conditional branch instructions:</a:t>
+            </a:r>
+          </a:p>
+          <a:p>
+            <a:pPr lvl="1">
+              <a:lnSpc>
+                <a:spcPct val="100000"/>
+              </a:lnSpc>
+              <a:spcBef>
+                <a:spcPts val="0"/>
+              </a:spcBef>
+            </a:pPr>
+            <a:r>
+              <a:rPr lang="en-US" sz="2800" dirty="0" smtClean="0"/>
+              <a:t>Format: comp src1, src2, label</a:t>
+            </a:r>
+          </a:p>
+          <a:p>
+            <a:pPr lvl="1">
+              <a:lnSpc>
+                <a:spcPct val="100000"/>
+              </a:lnSpc>
+              <a:spcBef>
+                <a:spcPts val="0"/>
+              </a:spcBef>
+            </a:pPr>
+            <a:r>
+              <a:rPr lang="en-US" sz="2800" dirty="0" smtClean="0"/>
+              <a:t>First performs comparison to determine if branch is taken or not: src1 comp src2</a:t>
+            </a:r>
+          </a:p>
+          <a:p>
+            <a:pPr lvl="1">
+              <a:lnSpc>
+                <a:spcPct val="100000"/>
+              </a:lnSpc>
+              <a:spcBef>
+                <a:spcPts val="0"/>
+              </a:spcBef>
+            </a:pPr>
+            <a:r>
+              <a:rPr lang="en-US" sz="2800" dirty="0" smtClean="0"/>
+              <a:t>If comparison returns True, then branch is taken, else continue executing program in order.</a:t>
+            </a:r>
+            <a:endParaRPr lang="en-US" sz="2800" dirty="0"/>
           </a:p>
         </p:txBody>
       </p:sp>
@@ -14798,27 +14689,296 @@
         </p:nvSpPr>
         <p:spPr/>
         <p:txBody>
-          <a:bodyPr>
-            <a:normAutofit/>
+          <a:bodyPr/>
+          <a:lstStyle/>
+          <a:p>
+            <a:r>
+              <a:rPr lang="en-US" dirty="0"/>
+              <a:t>Control Flow Instructions</a:t>
+            </a:r>
+          </a:p>
+        </p:txBody>
+      </p:sp>
+      <p:sp>
+        <p:nvSpPr>
+          <p:cNvPr id="5" name="Rectangle 4"/>
+          <p:cNvSpPr/>
+          <p:nvPr/>
+        </p:nvSpPr>
+        <p:spPr>
+          <a:xfrm>
+            <a:off x="6566853" y="3826570"/>
+            <a:ext cx="3849356" cy="2554545"/>
+          </a:xfrm>
+          <a:prstGeom prst="rect">
+            <a:avLst/>
+          </a:prstGeom>
+        </p:spPr>
+        <p:txBody>
+          <a:bodyPr wrap="square">
+            <a:spAutoFit/>
           </a:bodyPr>
           <a:lstStyle/>
           <a:p>
             <a:r>
-              <a:rPr lang="en-US" dirty="0"/>
-              <a:t>Unconditional Control </a:t>
-            </a:r>
-            <a:r>
-              <a:rPr lang="en-US" dirty="0" smtClean="0"/>
-              <a:t>Instructions: Jumps</a:t>
-            </a:r>
-            <a:endParaRPr lang="en-US" dirty="0"/>
+              <a:rPr lang="en-US" sz="3200" dirty="0">
+                <a:solidFill>
+                  <a:srgbClr val="00B050"/>
+                </a:solidFill>
+              </a:rPr>
+              <a:t>if (a &lt; b</a:t>
+            </a:r>
+            <a:r>
+              <a:rPr lang="en-US" sz="3200" dirty="0" smtClean="0">
+                <a:solidFill>
+                  <a:srgbClr val="00B050"/>
+                </a:solidFill>
+              </a:rPr>
+              <a:t>):  c </a:t>
+            </a:r>
+            <a:r>
+              <a:rPr lang="en-US" sz="3200" dirty="0">
+                <a:solidFill>
+                  <a:srgbClr val="00B050"/>
+                </a:solidFill>
+              </a:rPr>
+              <a:t>= a + </a:t>
+            </a:r>
+            <a:r>
+              <a:rPr lang="en-US" sz="3200" dirty="0" smtClean="0">
+                <a:solidFill>
+                  <a:srgbClr val="00B050"/>
+                </a:solidFill>
+              </a:rPr>
+              <a:t>1</a:t>
+            </a:r>
+          </a:p>
+          <a:p>
+            <a:r>
+              <a:rPr lang="en-US" sz="3200" dirty="0" smtClean="0">
+                <a:solidFill>
+                  <a:srgbClr val="00B050"/>
+                </a:solidFill>
+              </a:rPr>
+              <a:t>else:          c </a:t>
+            </a:r>
+            <a:r>
+              <a:rPr lang="en-US" sz="3200" dirty="0">
+                <a:solidFill>
+                  <a:srgbClr val="00B050"/>
+                </a:solidFill>
+              </a:rPr>
+              <a:t>= b + </a:t>
+            </a:r>
+            <a:r>
+              <a:rPr lang="en-US" sz="3200" dirty="0" smtClean="0">
+                <a:solidFill>
+                  <a:srgbClr val="00B050"/>
+                </a:solidFill>
+              </a:rPr>
+              <a:t>2</a:t>
+            </a:r>
+          </a:p>
+          <a:p>
+            <a:endParaRPr lang="en-US" sz="3200" dirty="0" smtClean="0">
+              <a:solidFill>
+                <a:srgbClr val="00B050"/>
+              </a:solidFill>
+            </a:endParaRPr>
+          </a:p>
+          <a:p>
+            <a:r>
+              <a:rPr lang="en-US" sz="3200" dirty="0" smtClean="0">
+                <a:solidFill>
+                  <a:srgbClr val="00B050"/>
+                </a:solidFill>
+              </a:rPr>
+              <a:t>assume</a:t>
+            </a:r>
+            <a:endParaRPr lang="en-US" sz="3200" dirty="0">
+              <a:solidFill>
+                <a:srgbClr val="00B050"/>
+              </a:solidFill>
+            </a:endParaRPr>
+          </a:p>
+          <a:p>
+            <a:r>
+              <a:rPr lang="en-US" sz="3200" dirty="0">
+                <a:solidFill>
+                  <a:srgbClr val="00B050"/>
+                </a:solidFill>
+              </a:rPr>
+              <a:t>x1=a; x2=b; x3=c;</a:t>
+            </a:r>
+          </a:p>
+        </p:txBody>
+      </p:sp>
+      <p:sp>
+        <p:nvSpPr>
+          <p:cNvPr id="6" name="Rectangle 5"/>
+          <p:cNvSpPr/>
+          <p:nvPr/>
+        </p:nvSpPr>
+        <p:spPr>
+          <a:xfrm>
+            <a:off x="2213112" y="3792721"/>
+            <a:ext cx="3183836" cy="3046988"/>
+          </a:xfrm>
+          <a:prstGeom prst="rect">
+            <a:avLst/>
+          </a:prstGeom>
+        </p:spPr>
+        <p:txBody>
+          <a:bodyPr wrap="square">
+            <a:spAutoFit/>
+          </a:bodyPr>
+          <a:lstStyle/>
+          <a:p>
+            <a:r>
+              <a:rPr lang="en-US" sz="3200" dirty="0">
+                <a:solidFill>
+                  <a:srgbClr val="1E3272"/>
+                </a:solidFill>
+              </a:rPr>
+              <a:t> </a:t>
+            </a:r>
+            <a:r>
+              <a:rPr lang="en-US" sz="3200" dirty="0" smtClean="0">
+                <a:solidFill>
+                  <a:srgbClr val="1E3272"/>
+                </a:solidFill>
+              </a:rPr>
+              <a:t>   </a:t>
+            </a:r>
+            <a:r>
+              <a:rPr lang="en-US" sz="3200" dirty="0" err="1" smtClean="0">
+                <a:solidFill>
+                  <a:srgbClr val="1E3272"/>
+                </a:solidFill>
+              </a:rPr>
+              <a:t>bge</a:t>
+            </a:r>
+            <a:r>
+              <a:rPr lang="en-US" sz="3200" dirty="0" smtClean="0">
+                <a:solidFill>
+                  <a:srgbClr val="1E3272"/>
+                </a:solidFill>
+              </a:rPr>
+              <a:t>  </a:t>
+            </a:r>
+            <a:r>
+              <a:rPr lang="en-US" sz="3200" dirty="0">
+                <a:solidFill>
+                  <a:srgbClr val="1E3272"/>
+                </a:solidFill>
+              </a:rPr>
+              <a:t>x1, x2, else</a:t>
+            </a:r>
+          </a:p>
+          <a:p>
+            <a:r>
+              <a:rPr lang="en-US" sz="3200" dirty="0">
+                <a:solidFill>
+                  <a:srgbClr val="1E3272"/>
+                </a:solidFill>
+              </a:rPr>
+              <a:t>    </a:t>
+            </a:r>
+            <a:r>
+              <a:rPr lang="en-US" sz="3200" dirty="0" err="1">
+                <a:solidFill>
+                  <a:srgbClr val="1E3272"/>
+                </a:solidFill>
+              </a:rPr>
+              <a:t>addi</a:t>
+            </a:r>
+            <a:r>
+              <a:rPr lang="en-US" sz="3200" dirty="0">
+                <a:solidFill>
+                  <a:srgbClr val="1E3272"/>
+                </a:solidFill>
+              </a:rPr>
+              <a:t> x3, x1, 1</a:t>
+            </a:r>
+          </a:p>
+          <a:p>
+            <a:r>
+              <a:rPr lang="en-US" sz="3200" dirty="0">
+                <a:solidFill>
+                  <a:srgbClr val="1E3272"/>
+                </a:solidFill>
+              </a:rPr>
+              <a:t>    </a:t>
+            </a:r>
+            <a:r>
+              <a:rPr lang="en-US" sz="3200" dirty="0" err="1">
+                <a:solidFill>
+                  <a:srgbClr val="1E3272"/>
+                </a:solidFill>
+              </a:rPr>
+              <a:t>beq</a:t>
+            </a:r>
+            <a:r>
+              <a:rPr lang="en-US" sz="3200" dirty="0">
+                <a:solidFill>
+                  <a:srgbClr val="1E3272"/>
+                </a:solidFill>
+              </a:rPr>
+              <a:t>  x0, x0, end</a:t>
+            </a:r>
+          </a:p>
+          <a:p>
+            <a:r>
+              <a:rPr lang="en-US" sz="3200" dirty="0">
+                <a:solidFill>
+                  <a:srgbClr val="1E3272"/>
+                </a:solidFill>
+              </a:rPr>
+              <a:t>else:</a:t>
+            </a:r>
+          </a:p>
+          <a:p>
+            <a:r>
+              <a:rPr lang="en-US" sz="3200" dirty="0">
+                <a:solidFill>
+                  <a:srgbClr val="1E3272"/>
+                </a:solidFill>
+              </a:rPr>
+              <a:t>    </a:t>
+            </a:r>
+            <a:r>
+              <a:rPr lang="en-US" sz="3200" dirty="0" err="1">
+                <a:solidFill>
+                  <a:srgbClr val="1E3272"/>
+                </a:solidFill>
+              </a:rPr>
+              <a:t>addi</a:t>
+            </a:r>
+            <a:r>
+              <a:rPr lang="en-US" sz="3200" dirty="0">
+                <a:solidFill>
+                  <a:srgbClr val="1E3272"/>
+                </a:solidFill>
+              </a:rPr>
+              <a:t> x3, x2, 2</a:t>
+            </a:r>
+          </a:p>
+          <a:p>
+            <a:r>
+              <a:rPr lang="en-US" sz="3200" dirty="0">
+                <a:solidFill>
+                  <a:srgbClr val="1E3272"/>
+                </a:solidFill>
+              </a:rPr>
+              <a:t>end:</a:t>
+            </a:r>
           </a:p>
         </p:txBody>
       </p:sp>
     </p:spTree>
     <p:extLst>
       <p:ext uri="{BB962C8B-B14F-4D97-AF65-F5344CB8AC3E}">
-        <p14:creationId xmlns:p14="http://schemas.microsoft.com/office/powerpoint/2010/main" val="2449307826"/>
+        <p14:creationId xmlns:p14="http://schemas.microsoft.com/office/powerpoint/2010/main" val="1331862160"/>
       </p:ext>
     </p:extLst>
   </p:cSld>
@@ -14854,6 +15014,193 @@
       </p:grpSpPr>
       <p:sp>
         <p:nvSpPr>
+          <p:cNvPr id="2" name="Content Placeholder 1"/>
+          <p:cNvSpPr>
+            <a:spLocks noGrp="1"/>
+          </p:cNvSpPr>
+          <p:nvPr>
+            <p:ph idx="1"/>
+          </p:nvPr>
+        </p:nvSpPr>
+        <p:spPr>
+          <a:xfrm>
+            <a:off x="838199" y="1178052"/>
+            <a:ext cx="10691191" cy="5361895"/>
+          </a:xfrm>
+        </p:spPr>
+        <p:txBody>
+          <a:bodyPr>
+            <a:normAutofit/>
+          </a:bodyPr>
+          <a:lstStyle/>
+          <a:p>
+            <a:r>
+              <a:rPr lang="en-US" dirty="0" err="1"/>
+              <a:t>jal</a:t>
+            </a:r>
+            <a:r>
+              <a:rPr lang="en-US" dirty="0"/>
+              <a:t>: Unconditional jump and link</a:t>
+            </a:r>
+          </a:p>
+          <a:p>
+            <a:pPr lvl="1"/>
+            <a:r>
+              <a:rPr lang="en-US" dirty="0"/>
+              <a:t>  Example: </a:t>
+            </a:r>
+            <a:r>
+              <a:rPr lang="en-US" dirty="0" err="1">
+                <a:solidFill>
+                  <a:srgbClr val="00B050"/>
+                </a:solidFill>
+              </a:rPr>
+              <a:t>jal</a:t>
+            </a:r>
+            <a:r>
+              <a:rPr lang="en-US" dirty="0">
+                <a:solidFill>
+                  <a:srgbClr val="00B050"/>
+                </a:solidFill>
+              </a:rPr>
+              <a:t> x3, label</a:t>
+            </a:r>
+          </a:p>
+          <a:p>
+            <a:pPr lvl="1"/>
+            <a:r>
+              <a:rPr lang="en-US" dirty="0"/>
+              <a:t>  Jump target specified as label</a:t>
+            </a:r>
+          </a:p>
+          <a:p>
+            <a:pPr lvl="1"/>
+            <a:r>
+              <a:rPr lang="en-US" dirty="0"/>
+              <a:t>  </a:t>
+            </a:r>
+            <a:r>
+              <a:rPr lang="en-US" dirty="0" smtClean="0"/>
+              <a:t>label </a:t>
+            </a:r>
+            <a:r>
+              <a:rPr lang="en-US" dirty="0"/>
+              <a:t>is encoded as an offset from current instruction</a:t>
+            </a:r>
+          </a:p>
+          <a:p>
+            <a:pPr lvl="1"/>
+            <a:r>
+              <a:rPr lang="en-US" dirty="0"/>
+              <a:t>  Link </a:t>
+            </a:r>
+            <a:r>
+              <a:rPr lang="en-US" dirty="0" smtClean="0"/>
+              <a:t>(to </a:t>
+            </a:r>
+            <a:r>
+              <a:rPr lang="en-US" dirty="0"/>
+              <a:t>be discussed </a:t>
+            </a:r>
+            <a:r>
+              <a:rPr lang="en-US" dirty="0" smtClean="0"/>
+              <a:t>later): </a:t>
+            </a:r>
+            <a:r>
+              <a:rPr lang="en-US" dirty="0"/>
+              <a:t>is stored in x3</a:t>
+            </a:r>
+          </a:p>
+          <a:p>
+            <a:r>
+              <a:rPr lang="en-US" dirty="0" err="1"/>
+              <a:t>jalr</a:t>
+            </a:r>
+            <a:r>
+              <a:rPr lang="en-US" dirty="0"/>
+              <a:t>: Unconditional jump via register and link</a:t>
+            </a:r>
+          </a:p>
+          <a:p>
+            <a:pPr lvl="1"/>
+            <a:r>
+              <a:rPr lang="en-US" dirty="0"/>
+              <a:t> </a:t>
+            </a:r>
+            <a:r>
+              <a:rPr lang="en-US" dirty="0" smtClean="0"/>
+              <a:t>Example</a:t>
+            </a:r>
+            <a:r>
+              <a:rPr lang="en-US" dirty="0"/>
+              <a:t>: </a:t>
+            </a:r>
+            <a:r>
+              <a:rPr lang="en-US" dirty="0" err="1">
+                <a:solidFill>
+                  <a:srgbClr val="00B050"/>
+                </a:solidFill>
+              </a:rPr>
+              <a:t>jalr</a:t>
+            </a:r>
+            <a:r>
+              <a:rPr lang="en-US" dirty="0">
+                <a:solidFill>
+                  <a:srgbClr val="00B050"/>
+                </a:solidFill>
+              </a:rPr>
+              <a:t> x3, 4(x1)</a:t>
+            </a:r>
+          </a:p>
+          <a:p>
+            <a:pPr lvl="1"/>
+            <a:r>
+              <a:rPr lang="en-US" dirty="0"/>
+              <a:t> </a:t>
+            </a:r>
+            <a:r>
+              <a:rPr lang="en-US" dirty="0" smtClean="0"/>
+              <a:t>Jump </a:t>
+            </a:r>
+            <a:r>
+              <a:rPr lang="en-US" dirty="0"/>
+              <a:t>target specified as register value plus constant offset</a:t>
+            </a:r>
+          </a:p>
+          <a:p>
+            <a:pPr lvl="1"/>
+            <a:r>
+              <a:rPr lang="en-US" dirty="0"/>
+              <a:t> </a:t>
+            </a:r>
+            <a:r>
+              <a:rPr lang="en-US" dirty="0" smtClean="0"/>
+              <a:t>Example</a:t>
+            </a:r>
+            <a:r>
+              <a:rPr lang="en-US" dirty="0"/>
+              <a:t>: Jump target = x1 + 4</a:t>
+            </a:r>
+          </a:p>
+          <a:p>
+            <a:pPr lvl="1"/>
+            <a:r>
+              <a:rPr lang="en-US" dirty="0"/>
+              <a:t> </a:t>
+            </a:r>
+            <a:r>
+              <a:rPr lang="en-US" dirty="0" smtClean="0"/>
+              <a:t>Can </a:t>
+            </a:r>
+            <a:r>
+              <a:rPr lang="en-US" dirty="0"/>
+              <a:t>jump to any 32 bit address – supports long jumps</a:t>
+            </a:r>
+          </a:p>
+        </p:txBody>
+      </p:sp>
+      <p:sp>
+        <p:nvSpPr>
           <p:cNvPr id="3" name="Slide Number Placeholder 2"/>
           <p:cNvSpPr>
             <a:spLocks noGrp="1"/>
@@ -14872,6 +15219,307 @@
               <a:rPr lang="ru-RU" smtClean="0"/>
               <a:pPr algn="ctr"/>
               <a:t>24</a:t>
+            </a:fld>
+            <a:endParaRPr lang="ru-RU" dirty="0"/>
+          </a:p>
+        </p:txBody>
+      </p:sp>
+      <p:sp>
+        <p:nvSpPr>
+          <p:cNvPr id="4" name="Title 3"/>
+          <p:cNvSpPr>
+            <a:spLocks noGrp="1"/>
+          </p:cNvSpPr>
+          <p:nvPr>
+            <p:ph type="title"/>
+          </p:nvPr>
+        </p:nvSpPr>
+        <p:spPr/>
+        <p:txBody>
+          <a:bodyPr>
+            <a:normAutofit/>
+          </a:bodyPr>
+          <a:lstStyle/>
+          <a:p>
+            <a:r>
+              <a:rPr lang="en-US" dirty="0"/>
+              <a:t>Unconditional Control </a:t>
+            </a:r>
+            <a:r>
+              <a:rPr lang="en-US" dirty="0" smtClean="0"/>
+              <a:t>Instructions: Jumps</a:t>
+            </a:r>
+            <a:endParaRPr lang="en-US" dirty="0"/>
+          </a:p>
+        </p:txBody>
+      </p:sp>
+    </p:spTree>
+    <p:extLst>
+      <p:ext uri="{BB962C8B-B14F-4D97-AF65-F5344CB8AC3E}">
+        <p14:creationId xmlns:p14="http://schemas.microsoft.com/office/powerpoint/2010/main" val="2449307826"/>
+      </p:ext>
+    </p:extLst>
+  </p:cSld>
+  <p:clrMapOvr>
+    <a:masterClrMapping/>
+  </p:clrMapOvr>
+  <p:timing>
+    <p:tnLst>
+      <p:par>
+        <p:cTn id="1" dur="indefinite" restart="never" nodeType="tmRoot"/>
+      </p:par>
+    </p:tnLst>
+  </p:timing>
+</p:sld>
+</file>
+
+<file path=ppt/slides/slide25.xml><?xml version="1.0" encoding="utf-8"?>
+<p:sld xmlns:a="http://schemas.openxmlformats.org/drawingml/2006/main" xmlns:r="http://schemas.openxmlformats.org/officeDocument/2006/relationships" xmlns:p="http://schemas.openxmlformats.org/presentationml/2006/main">
+  <p:cSld>
+    <p:spTree>
+      <p:nvGrpSpPr>
+        <p:cNvPr id="1" name=""/>
+        <p:cNvGrpSpPr/>
+        <p:nvPr/>
+      </p:nvGrpSpPr>
+      <p:grpSpPr>
+        <a:xfrm>
+          <a:off x="0" y="0"/>
+          <a:ext cx="0" cy="0"/>
+          <a:chOff x="0" y="0"/>
+          <a:chExt cx="0" cy="0"/>
+        </a:xfrm>
+      </p:grpSpPr>
+      <p:sp>
+        <p:nvSpPr>
+          <p:cNvPr id="2" name="Content Placeholder 1"/>
+          <p:cNvSpPr>
+            <a:spLocks noGrp="1"/>
+          </p:cNvSpPr>
+          <p:nvPr>
+            <p:ph idx="1"/>
+          </p:nvPr>
+        </p:nvSpPr>
+        <p:spPr>
+          <a:xfrm>
+            <a:off x="838200" y="1033272"/>
+            <a:ext cx="10515600" cy="5715000"/>
+          </a:xfrm>
+        </p:spPr>
+        <p:txBody>
+          <a:bodyPr>
+            <a:normAutofit fontScale="92500"/>
+          </a:bodyPr>
+          <a:lstStyle/>
+          <a:p>
+            <a:pPr>
+              <a:lnSpc>
+                <a:spcPct val="100000"/>
+              </a:lnSpc>
+            </a:pPr>
+            <a:r>
+              <a:rPr lang="en-US" dirty="0"/>
+              <a:t>Instructions are encoded as 32 </a:t>
+            </a:r>
+            <a:r>
+              <a:rPr lang="en-US" dirty="0" smtClean="0"/>
+              <a:t>bits</a:t>
+            </a:r>
+            <a:endParaRPr lang="en-US" dirty="0"/>
+          </a:p>
+          <a:p>
+            <a:pPr lvl="1">
+              <a:lnSpc>
+                <a:spcPct val="100000"/>
+              </a:lnSpc>
+            </a:pPr>
+            <a:r>
+              <a:rPr lang="en-US" dirty="0"/>
+              <a:t>Need to specify operation (10 bits)</a:t>
+            </a:r>
+          </a:p>
+          <a:p>
+            <a:pPr lvl="1">
+              <a:lnSpc>
+                <a:spcPct val="100000"/>
+              </a:lnSpc>
+            </a:pPr>
+            <a:r>
+              <a:rPr lang="en-US" dirty="0"/>
+              <a:t>Need to specify 2 source registers (10 bits) or 1 source register (5 bits) plus a small </a:t>
+            </a:r>
+            <a:r>
+              <a:rPr lang="en-US" dirty="0" smtClean="0"/>
+              <a:t>constant</a:t>
+            </a:r>
+            <a:endParaRPr lang="en-US" dirty="0"/>
+          </a:p>
+          <a:p>
+            <a:pPr lvl="1">
+              <a:lnSpc>
+                <a:spcPct val="100000"/>
+              </a:lnSpc>
+            </a:pPr>
+            <a:r>
+              <a:rPr lang="en-US" dirty="0"/>
+              <a:t>Need to </a:t>
+            </a:r>
+            <a:r>
+              <a:rPr lang="en-US" dirty="0" smtClean="0"/>
+              <a:t>specify </a:t>
+            </a:r>
+            <a:r>
+              <a:rPr lang="en-US" dirty="0"/>
+              <a:t>1 destination register (5 bits</a:t>
+            </a:r>
+            <a:r>
+              <a:rPr lang="en-US" dirty="0" smtClean="0"/>
+              <a:t>)</a:t>
+            </a:r>
+          </a:p>
+          <a:p>
+            <a:pPr>
+              <a:lnSpc>
+                <a:spcPct val="100000"/>
+              </a:lnSpc>
+            </a:pPr>
+            <a:r>
+              <a:rPr lang="en-US" dirty="0"/>
+              <a:t>The constant in register-immediate instructions has to be smaller than 12 bits; bigger constants have to be stored in the memory or a register and then used explicitly</a:t>
+            </a:r>
+          </a:p>
+          <a:p>
+            <a:pPr>
+              <a:lnSpc>
+                <a:spcPct val="100000"/>
+              </a:lnSpc>
+            </a:pPr>
+            <a:r>
+              <a:rPr lang="en-US" dirty="0"/>
+              <a:t>The constant in a </a:t>
+            </a:r>
+            <a:r>
+              <a:rPr lang="en-US" dirty="0" err="1"/>
+              <a:t>jal</a:t>
+            </a:r>
+            <a:r>
+              <a:rPr lang="en-US" dirty="0"/>
+              <a:t> instruction is 20 bits wide (7 bits for operation, and 5 bits for register)</a:t>
+            </a:r>
+          </a:p>
+        </p:txBody>
+      </p:sp>
+      <p:sp>
+        <p:nvSpPr>
+          <p:cNvPr id="3" name="Slide Number Placeholder 2"/>
+          <p:cNvSpPr>
+            <a:spLocks noGrp="1"/>
+          </p:cNvSpPr>
+          <p:nvPr>
+            <p:ph type="sldNum" sz="quarter" idx="12"/>
+          </p:nvPr>
+        </p:nvSpPr>
+        <p:spPr/>
+        <p:txBody>
+          <a:bodyPr/>
+          <a:lstStyle/>
+          <a:p>
+            <a:pPr algn="ctr"/>
+            <a:fld id="{1397BFD8-F312-4EF2-A268-44FB4BDDBBB0}" type="slidenum">
+              <a:rPr lang="ru-RU" smtClean="0"/>
+              <a:pPr algn="ctr"/>
+              <a:t>25</a:t>
+            </a:fld>
+            <a:endParaRPr lang="ru-RU" dirty="0"/>
+          </a:p>
+        </p:txBody>
+      </p:sp>
+      <p:sp>
+        <p:nvSpPr>
+          <p:cNvPr id="4" name="Title 3"/>
+          <p:cNvSpPr>
+            <a:spLocks noGrp="1"/>
+          </p:cNvSpPr>
+          <p:nvPr>
+            <p:ph type="title"/>
+          </p:nvPr>
+        </p:nvSpPr>
+        <p:spPr/>
+        <p:txBody>
+          <a:bodyPr>
+            <a:normAutofit/>
+          </a:bodyPr>
+          <a:lstStyle/>
+          <a:p>
+            <a:r>
+              <a:rPr lang="en-US" dirty="0"/>
+              <a:t>Constants and Instruction Encoding </a:t>
+            </a:r>
+            <a:r>
+              <a:rPr lang="en-US" dirty="0" smtClean="0"/>
+              <a:t>Limits</a:t>
+            </a:r>
+            <a:endParaRPr lang="en-US" dirty="0"/>
+          </a:p>
+        </p:txBody>
+      </p:sp>
+    </p:spTree>
+    <p:extLst>
+      <p:ext uri="{BB962C8B-B14F-4D97-AF65-F5344CB8AC3E}">
+        <p14:creationId xmlns:p14="http://schemas.microsoft.com/office/powerpoint/2010/main" val="3872418505"/>
+      </p:ext>
+    </p:extLst>
+  </p:cSld>
+  <p:clrMapOvr>
+    <a:masterClrMapping/>
+  </p:clrMapOvr>
+  <p:timing>
+    <p:tnLst>
+      <p:par>
+        <p:cTn id="1" dur="indefinite" restart="never" nodeType="tmRoot"/>
+      </p:par>
+    </p:tnLst>
+  </p:timing>
+</p:sld>
+</file>
+
+<file path=ppt/slides/slide26.xml><?xml version="1.0" encoding="utf-8"?>
+<p:sld xmlns:a="http://schemas.openxmlformats.org/drawingml/2006/main" xmlns:r="http://schemas.openxmlformats.org/officeDocument/2006/relationships" xmlns:p="http://schemas.openxmlformats.org/presentationml/2006/main">
+  <p:cSld>
+    <p:spTree>
+      <p:nvGrpSpPr>
+        <p:cNvPr id="1" name=""/>
+        <p:cNvGrpSpPr/>
+        <p:nvPr/>
+      </p:nvGrpSpPr>
+      <p:grpSpPr>
+        <a:xfrm>
+          <a:off x="0" y="0"/>
+          <a:ext cx="0" cy="0"/>
+          <a:chOff x="0" y="0"/>
+          <a:chExt cx="0" cy="0"/>
+        </a:xfrm>
+      </p:grpSpPr>
+      <p:sp>
+        <p:nvSpPr>
+          <p:cNvPr id="3" name="Slide Number Placeholder 2"/>
+          <p:cNvSpPr>
+            <a:spLocks noGrp="1"/>
+          </p:cNvSpPr>
+          <p:nvPr>
+            <p:ph type="sldNum" sz="quarter" idx="12"/>
+          </p:nvPr>
+        </p:nvSpPr>
+        <p:spPr/>
+        <p:txBody>
+          <a:bodyPr/>
+          <a:lstStyle/>
+          <a:p>
+            <a:pPr algn="ctr"/>
+            <a:fld id="{1397BFD8-F312-4EF2-A268-44FB4BDDBBB0}" type="slidenum">
+              <a:rPr lang="ru-RU" smtClean="0"/>
+              <a:pPr algn="ctr"/>
+              <a:t>26</a:t>
             </a:fld>
             <a:endParaRPr lang="ru-RU" dirty="0"/>
           </a:p>
@@ -15303,11 +15951,6 @@
               </a:rPr>
               <a:t>32 bit words</a:t>
             </a:r>
-            <a:endParaRPr lang="en-US" sz="2400" dirty="0">
-              <a:solidFill>
-                <a:srgbClr val="F7B217"/>
-              </a:solidFill>
-            </a:endParaRPr>
           </a:p>
         </p:txBody>
       </p:sp>
@@ -15419,11 +16062,6 @@
               </a:rPr>
               <a:t>0x0</a:t>
             </a:r>
-            <a:endParaRPr lang="en-US" sz="3900" dirty="0" smtClean="0">
-              <a:solidFill>
-                <a:srgbClr val="1E3272"/>
-              </a:solidFill>
-            </a:endParaRPr>
           </a:p>
           <a:p>
             <a:pPr algn="ctr">
@@ -15439,11 +16077,6 @@
               </a:rPr>
               <a:t>0x4</a:t>
             </a:r>
-            <a:endParaRPr lang="en-US" sz="3900" dirty="0" smtClean="0">
-              <a:solidFill>
-                <a:srgbClr val="1E3272"/>
-              </a:solidFill>
-            </a:endParaRPr>
           </a:p>
           <a:p>
             <a:pPr algn="ctr">
@@ -15459,11 +16092,6 @@
               </a:rPr>
               <a:t>0x8</a:t>
             </a:r>
-            <a:endParaRPr lang="en-US" sz="3900" dirty="0" smtClean="0">
-              <a:solidFill>
-                <a:srgbClr val="1E3272"/>
-              </a:solidFill>
-            </a:endParaRPr>
           </a:p>
           <a:p>
             <a:pPr algn="ctr">
@@ -15479,11 +16107,6 @@
               </a:rPr>
               <a:t>0xC</a:t>
             </a:r>
-            <a:endParaRPr lang="en-US" sz="3900" dirty="0" smtClean="0">
-              <a:solidFill>
-                <a:srgbClr val="1E3272"/>
-              </a:solidFill>
-            </a:endParaRPr>
           </a:p>
           <a:p>
             <a:pPr algn="ctr">
@@ -15499,11 +16122,6 @@
               </a:rPr>
               <a:t>0x10</a:t>
             </a:r>
-            <a:endParaRPr lang="en-US" sz="3900" dirty="0" smtClean="0">
-              <a:solidFill>
-                <a:srgbClr val="1E3272"/>
-              </a:solidFill>
-            </a:endParaRPr>
           </a:p>
           <a:p>
             <a:pPr algn="ctr">
@@ -15665,953 +16283,6 @@
     <p:extLst>
       <p:ext uri="{BB962C8B-B14F-4D97-AF65-F5344CB8AC3E}">
         <p14:creationId xmlns:p14="http://schemas.microsoft.com/office/powerpoint/2010/main" val="974263641"/>
-      </p:ext>
-    </p:extLst>
-  </p:cSld>
-  <p:clrMapOvr>
-    <a:masterClrMapping/>
-  </p:clrMapOvr>
-  <p:timing>
-    <p:tnLst>
-      <p:par>
-        <p:cTn id="1" dur="indefinite" restart="never" nodeType="tmRoot"/>
-      </p:par>
-    </p:tnLst>
-  </p:timing>
-</p:sld>
-</file>
-
-<file path=ppt/slides/slide25.xml><?xml version="1.0" encoding="utf-8"?>
-<p:sld xmlns:a="http://schemas.openxmlformats.org/drawingml/2006/main" xmlns:r="http://schemas.openxmlformats.org/officeDocument/2006/relationships" xmlns:p="http://schemas.openxmlformats.org/presentationml/2006/main">
-  <p:cSld>
-    <p:spTree>
-      <p:nvGrpSpPr>
-        <p:cNvPr id="1" name=""/>
-        <p:cNvGrpSpPr/>
-        <p:nvPr/>
-      </p:nvGrpSpPr>
-      <p:grpSpPr>
-        <a:xfrm>
-          <a:off x="0" y="0"/>
-          <a:ext cx="0" cy="0"/>
-          <a:chOff x="0" y="0"/>
-          <a:chExt cx="0" cy="0"/>
-        </a:xfrm>
-      </p:grpSpPr>
-      <p:sp>
-        <p:nvSpPr>
-          <p:cNvPr id="2" name="Content Placeholder 1"/>
-          <p:cNvSpPr>
-            <a:spLocks noGrp="1"/>
-          </p:cNvSpPr>
-          <p:nvPr>
-            <p:ph idx="1"/>
-          </p:nvPr>
-        </p:nvSpPr>
-        <p:spPr>
-          <a:xfrm>
-            <a:off x="838200" y="1038908"/>
-            <a:ext cx="10515600" cy="3145468"/>
-          </a:xfrm>
-        </p:spPr>
-        <p:txBody>
-          <a:bodyPr>
-            <a:normAutofit/>
-          </a:bodyPr>
-          <a:lstStyle/>
-          <a:p>
-            <a:pPr>
-              <a:lnSpc>
-                <a:spcPct val="100000"/>
-              </a:lnSpc>
-              <a:spcBef>
-                <a:spcPts val="0"/>
-              </a:spcBef>
-            </a:pPr>
-            <a:r>
-              <a:rPr lang="en-US" dirty="0" smtClean="0"/>
-              <a:t>Need Conditional branch instructions:</a:t>
-            </a:r>
-          </a:p>
-          <a:p>
-            <a:pPr lvl="1">
-              <a:lnSpc>
-                <a:spcPct val="100000"/>
-              </a:lnSpc>
-              <a:spcBef>
-                <a:spcPts val="0"/>
-              </a:spcBef>
-            </a:pPr>
-            <a:r>
-              <a:rPr lang="en-US" sz="2800" dirty="0" smtClean="0"/>
-              <a:t>Format: comp src1, src2, label</a:t>
-            </a:r>
-          </a:p>
-          <a:p>
-            <a:pPr lvl="1">
-              <a:lnSpc>
-                <a:spcPct val="100000"/>
-              </a:lnSpc>
-              <a:spcBef>
-                <a:spcPts val="0"/>
-              </a:spcBef>
-            </a:pPr>
-            <a:r>
-              <a:rPr lang="en-US" sz="2800" dirty="0" smtClean="0"/>
-              <a:t>First performs comparison to determine if branch is taken or not: src1 comp src2</a:t>
-            </a:r>
-          </a:p>
-          <a:p>
-            <a:pPr lvl="1">
-              <a:lnSpc>
-                <a:spcPct val="100000"/>
-              </a:lnSpc>
-              <a:spcBef>
-                <a:spcPts val="0"/>
-              </a:spcBef>
-            </a:pPr>
-            <a:r>
-              <a:rPr lang="en-US" sz="2800" dirty="0" smtClean="0"/>
-              <a:t>If comparison returns True, then branch is taken, else continue executing program in order.</a:t>
-            </a:r>
-            <a:endParaRPr lang="en-US" sz="2800" dirty="0"/>
-          </a:p>
-        </p:txBody>
-      </p:sp>
-      <p:sp>
-        <p:nvSpPr>
-          <p:cNvPr id="3" name="Slide Number Placeholder 2"/>
-          <p:cNvSpPr>
-            <a:spLocks noGrp="1"/>
-          </p:cNvSpPr>
-          <p:nvPr>
-            <p:ph type="sldNum" sz="quarter" idx="12"/>
-          </p:nvPr>
-        </p:nvSpPr>
-        <p:spPr/>
-        <p:txBody>
-          <a:bodyPr/>
-          <a:lstStyle/>
-          <a:p>
-            <a:pPr algn="ctr"/>
-            <a:fld id="{1397BFD8-F312-4EF2-A268-44FB4BDDBBB0}" type="slidenum">
-              <a:rPr lang="ru-RU" smtClean="0"/>
-              <a:pPr algn="ctr"/>
-              <a:t>25</a:t>
-            </a:fld>
-            <a:endParaRPr lang="ru-RU" dirty="0"/>
-          </a:p>
-        </p:txBody>
-      </p:sp>
-      <p:sp>
-        <p:nvSpPr>
-          <p:cNvPr id="4" name="Title 3"/>
-          <p:cNvSpPr>
-            <a:spLocks noGrp="1"/>
-          </p:cNvSpPr>
-          <p:nvPr>
-            <p:ph type="title"/>
-          </p:nvPr>
-        </p:nvSpPr>
-        <p:spPr/>
-        <p:txBody>
-          <a:bodyPr/>
-          <a:lstStyle/>
-          <a:p>
-            <a:r>
-              <a:rPr lang="en-US" dirty="0"/>
-              <a:t>Control Flow Instructions</a:t>
-            </a:r>
-          </a:p>
-        </p:txBody>
-      </p:sp>
-      <p:sp>
-        <p:nvSpPr>
-          <p:cNvPr id="5" name="Rectangle 4"/>
-          <p:cNvSpPr/>
-          <p:nvPr/>
-        </p:nvSpPr>
-        <p:spPr>
-          <a:xfrm>
-            <a:off x="6566853" y="3826570"/>
-            <a:ext cx="3849356" cy="2554545"/>
-          </a:xfrm>
-          <a:prstGeom prst="rect">
-            <a:avLst/>
-          </a:prstGeom>
-        </p:spPr>
-        <p:txBody>
-          <a:bodyPr wrap="square">
-            <a:spAutoFit/>
-          </a:bodyPr>
-          <a:lstStyle/>
-          <a:p>
-            <a:r>
-              <a:rPr lang="en-US" sz="3200" dirty="0">
-                <a:solidFill>
-                  <a:srgbClr val="00B050"/>
-                </a:solidFill>
-              </a:rPr>
-              <a:t>if (a &lt; b</a:t>
-            </a:r>
-            <a:r>
-              <a:rPr lang="en-US" sz="3200" dirty="0" smtClean="0">
-                <a:solidFill>
-                  <a:srgbClr val="00B050"/>
-                </a:solidFill>
-              </a:rPr>
-              <a:t>):  c </a:t>
-            </a:r>
-            <a:r>
-              <a:rPr lang="en-US" sz="3200" dirty="0">
-                <a:solidFill>
-                  <a:srgbClr val="00B050"/>
-                </a:solidFill>
-              </a:rPr>
-              <a:t>= a + </a:t>
-            </a:r>
-            <a:r>
-              <a:rPr lang="en-US" sz="3200" dirty="0" smtClean="0">
-                <a:solidFill>
-                  <a:srgbClr val="00B050"/>
-                </a:solidFill>
-              </a:rPr>
-              <a:t>1</a:t>
-            </a:r>
-          </a:p>
-          <a:p>
-            <a:r>
-              <a:rPr lang="en-US" sz="3200" dirty="0" smtClean="0">
-                <a:solidFill>
-                  <a:srgbClr val="00B050"/>
-                </a:solidFill>
-              </a:rPr>
-              <a:t>else:          c </a:t>
-            </a:r>
-            <a:r>
-              <a:rPr lang="en-US" sz="3200" dirty="0">
-                <a:solidFill>
-                  <a:srgbClr val="00B050"/>
-                </a:solidFill>
-              </a:rPr>
-              <a:t>= b + </a:t>
-            </a:r>
-            <a:r>
-              <a:rPr lang="en-US" sz="3200" dirty="0" smtClean="0">
-                <a:solidFill>
-                  <a:srgbClr val="00B050"/>
-                </a:solidFill>
-              </a:rPr>
-              <a:t>2</a:t>
-            </a:r>
-          </a:p>
-          <a:p>
-            <a:endParaRPr lang="en-US" sz="3200" dirty="0" smtClean="0">
-              <a:solidFill>
-                <a:srgbClr val="00B050"/>
-              </a:solidFill>
-            </a:endParaRPr>
-          </a:p>
-          <a:p>
-            <a:r>
-              <a:rPr lang="en-US" sz="3200" dirty="0" smtClean="0">
-                <a:solidFill>
-                  <a:srgbClr val="00B050"/>
-                </a:solidFill>
-              </a:rPr>
-              <a:t>assume</a:t>
-            </a:r>
-            <a:endParaRPr lang="en-US" sz="3200" dirty="0">
-              <a:solidFill>
-                <a:srgbClr val="00B050"/>
-              </a:solidFill>
-            </a:endParaRPr>
-          </a:p>
-          <a:p>
-            <a:r>
-              <a:rPr lang="en-US" sz="3200" dirty="0">
-                <a:solidFill>
-                  <a:srgbClr val="00B050"/>
-                </a:solidFill>
-              </a:rPr>
-              <a:t>x1=a; x2=b; x3=c;</a:t>
-            </a:r>
-          </a:p>
-        </p:txBody>
-      </p:sp>
-      <p:sp>
-        <p:nvSpPr>
-          <p:cNvPr id="6" name="Rectangle 5"/>
-          <p:cNvSpPr/>
-          <p:nvPr/>
-        </p:nvSpPr>
-        <p:spPr>
-          <a:xfrm>
-            <a:off x="2213112" y="3792721"/>
-            <a:ext cx="3183836" cy="3046988"/>
-          </a:xfrm>
-          <a:prstGeom prst="rect">
-            <a:avLst/>
-          </a:prstGeom>
-        </p:spPr>
-        <p:txBody>
-          <a:bodyPr wrap="square">
-            <a:spAutoFit/>
-          </a:bodyPr>
-          <a:lstStyle/>
-          <a:p>
-            <a:r>
-              <a:rPr lang="en-US" sz="3200" dirty="0">
-                <a:solidFill>
-                  <a:srgbClr val="1E3272"/>
-                </a:solidFill>
-              </a:rPr>
-              <a:t> </a:t>
-            </a:r>
-            <a:r>
-              <a:rPr lang="en-US" sz="3200" dirty="0" smtClean="0">
-                <a:solidFill>
-                  <a:srgbClr val="1E3272"/>
-                </a:solidFill>
-              </a:rPr>
-              <a:t>   </a:t>
-            </a:r>
-            <a:r>
-              <a:rPr lang="en-US" sz="3200" dirty="0" err="1" smtClean="0">
-                <a:solidFill>
-                  <a:srgbClr val="1E3272"/>
-                </a:solidFill>
-              </a:rPr>
-              <a:t>bge</a:t>
-            </a:r>
-            <a:r>
-              <a:rPr lang="en-US" sz="3200" dirty="0" smtClean="0">
-                <a:solidFill>
-                  <a:srgbClr val="1E3272"/>
-                </a:solidFill>
-              </a:rPr>
-              <a:t>  </a:t>
-            </a:r>
-            <a:r>
-              <a:rPr lang="en-US" sz="3200" dirty="0">
-                <a:solidFill>
-                  <a:srgbClr val="1E3272"/>
-                </a:solidFill>
-              </a:rPr>
-              <a:t>x1, x2, else</a:t>
-            </a:r>
-          </a:p>
-          <a:p>
-            <a:r>
-              <a:rPr lang="en-US" sz="3200" dirty="0">
-                <a:solidFill>
-                  <a:srgbClr val="1E3272"/>
-                </a:solidFill>
-              </a:rPr>
-              <a:t>    </a:t>
-            </a:r>
-            <a:r>
-              <a:rPr lang="en-US" sz="3200" dirty="0" err="1">
-                <a:solidFill>
-                  <a:srgbClr val="1E3272"/>
-                </a:solidFill>
-              </a:rPr>
-              <a:t>addi</a:t>
-            </a:r>
-            <a:r>
-              <a:rPr lang="en-US" sz="3200" dirty="0">
-                <a:solidFill>
-                  <a:srgbClr val="1E3272"/>
-                </a:solidFill>
-              </a:rPr>
-              <a:t> x3, x1, 1</a:t>
-            </a:r>
-          </a:p>
-          <a:p>
-            <a:r>
-              <a:rPr lang="en-US" sz="3200" dirty="0">
-                <a:solidFill>
-                  <a:srgbClr val="1E3272"/>
-                </a:solidFill>
-              </a:rPr>
-              <a:t>    </a:t>
-            </a:r>
-            <a:r>
-              <a:rPr lang="en-US" sz="3200" dirty="0" err="1">
-                <a:solidFill>
-                  <a:srgbClr val="1E3272"/>
-                </a:solidFill>
-              </a:rPr>
-              <a:t>beq</a:t>
-            </a:r>
-            <a:r>
-              <a:rPr lang="en-US" sz="3200" dirty="0">
-                <a:solidFill>
-                  <a:srgbClr val="1E3272"/>
-                </a:solidFill>
-              </a:rPr>
-              <a:t>  x0, x0, end</a:t>
-            </a:r>
-          </a:p>
-          <a:p>
-            <a:r>
-              <a:rPr lang="en-US" sz="3200" dirty="0">
-                <a:solidFill>
-                  <a:srgbClr val="1E3272"/>
-                </a:solidFill>
-              </a:rPr>
-              <a:t>else:</a:t>
-            </a:r>
-          </a:p>
-          <a:p>
-            <a:r>
-              <a:rPr lang="en-US" sz="3200" dirty="0">
-                <a:solidFill>
-                  <a:srgbClr val="1E3272"/>
-                </a:solidFill>
-              </a:rPr>
-              <a:t>    </a:t>
-            </a:r>
-            <a:r>
-              <a:rPr lang="en-US" sz="3200" dirty="0" err="1">
-                <a:solidFill>
-                  <a:srgbClr val="1E3272"/>
-                </a:solidFill>
-              </a:rPr>
-              <a:t>addi</a:t>
-            </a:r>
-            <a:r>
-              <a:rPr lang="en-US" sz="3200" dirty="0">
-                <a:solidFill>
-                  <a:srgbClr val="1E3272"/>
-                </a:solidFill>
-              </a:rPr>
-              <a:t> x3, x2, 2</a:t>
-            </a:r>
-          </a:p>
-          <a:p>
-            <a:r>
-              <a:rPr lang="en-US" sz="3200" dirty="0">
-                <a:solidFill>
-                  <a:srgbClr val="1E3272"/>
-                </a:solidFill>
-              </a:rPr>
-              <a:t>end:</a:t>
-            </a:r>
-          </a:p>
-        </p:txBody>
-      </p:sp>
-    </p:spTree>
-    <p:extLst>
-      <p:ext uri="{BB962C8B-B14F-4D97-AF65-F5344CB8AC3E}">
-        <p14:creationId xmlns:p14="http://schemas.microsoft.com/office/powerpoint/2010/main" val="1331862160"/>
-      </p:ext>
-    </p:extLst>
-  </p:cSld>
-  <p:clrMapOvr>
-    <a:masterClrMapping/>
-  </p:clrMapOvr>
-  <p:timing>
-    <p:tnLst>
-      <p:par>
-        <p:cTn id="1" dur="indefinite" restart="never" nodeType="tmRoot"/>
-      </p:par>
-    </p:tnLst>
-  </p:timing>
-</p:sld>
-</file>
-
-<file path=ppt/slides/slide26.xml><?xml version="1.0" encoding="utf-8"?>
-<p:sld xmlns:a="http://schemas.openxmlformats.org/drawingml/2006/main" xmlns:r="http://schemas.openxmlformats.org/officeDocument/2006/relationships" xmlns:p="http://schemas.openxmlformats.org/presentationml/2006/main">
-  <p:cSld>
-    <p:spTree>
-      <p:nvGrpSpPr>
-        <p:cNvPr id="1" name=""/>
-        <p:cNvGrpSpPr/>
-        <p:nvPr/>
-      </p:nvGrpSpPr>
-      <p:grpSpPr>
-        <a:xfrm>
-          <a:off x="0" y="0"/>
-          <a:ext cx="0" cy="0"/>
-          <a:chOff x="0" y="0"/>
-          <a:chExt cx="0" cy="0"/>
-        </a:xfrm>
-      </p:grpSpPr>
-      <p:sp>
-        <p:nvSpPr>
-          <p:cNvPr id="2" name="Content Placeholder 1"/>
-          <p:cNvSpPr>
-            <a:spLocks noGrp="1"/>
-          </p:cNvSpPr>
-          <p:nvPr>
-            <p:ph idx="1"/>
-          </p:nvPr>
-        </p:nvSpPr>
-        <p:spPr>
-          <a:xfrm>
-            <a:off x="838200" y="1178053"/>
-            <a:ext cx="10515600" cy="1098008"/>
-          </a:xfrm>
-        </p:spPr>
-        <p:txBody>
-          <a:bodyPr/>
-          <a:lstStyle/>
-          <a:p>
-            <a:r>
-              <a:rPr lang="en-US" dirty="0"/>
-              <a:t>Aliases to other actual instructions to simplify assembly programming.</a:t>
-            </a:r>
-          </a:p>
-        </p:txBody>
-      </p:sp>
-      <p:sp>
-        <p:nvSpPr>
-          <p:cNvPr id="3" name="Slide Number Placeholder 2"/>
-          <p:cNvSpPr>
-            <a:spLocks noGrp="1"/>
-          </p:cNvSpPr>
-          <p:nvPr>
-            <p:ph type="sldNum" sz="quarter" idx="12"/>
-          </p:nvPr>
-        </p:nvSpPr>
-        <p:spPr/>
-        <p:txBody>
-          <a:bodyPr/>
-          <a:lstStyle/>
-          <a:p>
-            <a:pPr algn="ctr"/>
-            <a:fld id="{1397BFD8-F312-4EF2-A268-44FB4BDDBBB0}" type="slidenum">
-              <a:rPr lang="ru-RU" smtClean="0"/>
-              <a:pPr algn="ctr"/>
-              <a:t>26</a:t>
-            </a:fld>
-            <a:endParaRPr lang="ru-RU" dirty="0"/>
-          </a:p>
-        </p:txBody>
-      </p:sp>
-      <p:sp>
-        <p:nvSpPr>
-          <p:cNvPr id="4" name="Title 3"/>
-          <p:cNvSpPr>
-            <a:spLocks noGrp="1"/>
-          </p:cNvSpPr>
-          <p:nvPr>
-            <p:ph type="title"/>
-          </p:nvPr>
-        </p:nvSpPr>
-        <p:spPr/>
-        <p:txBody>
-          <a:bodyPr/>
-          <a:lstStyle/>
-          <a:p>
-            <a:r>
-              <a:rPr lang="en-US" dirty="0" err="1"/>
-              <a:t>Pseudoinstructions</a:t>
-            </a:r>
-            <a:endParaRPr lang="en-US" dirty="0"/>
-          </a:p>
-        </p:txBody>
-      </p:sp>
-      <p:sp>
-        <p:nvSpPr>
-          <p:cNvPr id="5" name="Rectangle 4"/>
-          <p:cNvSpPr/>
-          <p:nvPr/>
-        </p:nvSpPr>
-        <p:spPr>
-          <a:xfrm>
-            <a:off x="1547529" y="2398774"/>
-            <a:ext cx="3859696" cy="4031873"/>
-          </a:xfrm>
-          <a:prstGeom prst="rect">
-            <a:avLst/>
-          </a:prstGeom>
-        </p:spPr>
-        <p:txBody>
-          <a:bodyPr wrap="square">
-            <a:spAutoFit/>
-          </a:bodyPr>
-          <a:lstStyle/>
-          <a:p>
-            <a:r>
-              <a:rPr lang="en-US" sz="3200" dirty="0" err="1">
-                <a:solidFill>
-                  <a:srgbClr val="1E3272"/>
-                </a:solidFill>
-              </a:rPr>
-              <a:t>Pseudoinstruction</a:t>
-            </a:r>
-            <a:r>
-              <a:rPr lang="en-US" sz="3200" dirty="0">
-                <a:solidFill>
-                  <a:srgbClr val="1E3272"/>
-                </a:solidFill>
-              </a:rPr>
-              <a:t>:</a:t>
-            </a:r>
-          </a:p>
-          <a:p>
-            <a:endParaRPr lang="en-US" sz="3200" dirty="0">
-              <a:solidFill>
-                <a:srgbClr val="1E3272"/>
-              </a:solidFill>
-            </a:endParaRPr>
-          </a:p>
-          <a:p>
-            <a:r>
-              <a:rPr lang="en-US" sz="3200" dirty="0">
-                <a:solidFill>
-                  <a:srgbClr val="1E3272"/>
-                </a:solidFill>
-              </a:rPr>
-              <a:t>mv </a:t>
-            </a:r>
-            <a:r>
-              <a:rPr lang="en-US" sz="3200" dirty="0" smtClean="0">
-                <a:solidFill>
-                  <a:srgbClr val="1E3272"/>
-                </a:solidFill>
-              </a:rPr>
-              <a:t>   x2</a:t>
-            </a:r>
-            <a:r>
-              <a:rPr lang="en-US" sz="3200" dirty="0">
-                <a:solidFill>
-                  <a:srgbClr val="1E3272"/>
-                </a:solidFill>
-              </a:rPr>
-              <a:t>, x1</a:t>
-            </a:r>
-          </a:p>
-          <a:p>
-            <a:r>
-              <a:rPr lang="en-US" sz="3200" dirty="0">
-                <a:solidFill>
-                  <a:srgbClr val="1E3272"/>
-                </a:solidFill>
-              </a:rPr>
-              <a:t>li </a:t>
-            </a:r>
-            <a:r>
-              <a:rPr lang="en-US" sz="3200" dirty="0" smtClean="0">
-                <a:solidFill>
-                  <a:srgbClr val="1E3272"/>
-                </a:solidFill>
-              </a:rPr>
-              <a:t>      x2</a:t>
-            </a:r>
-            <a:r>
-              <a:rPr lang="en-US" sz="3200" dirty="0">
-                <a:solidFill>
-                  <a:srgbClr val="1E3272"/>
-                </a:solidFill>
-              </a:rPr>
-              <a:t>, 3</a:t>
-            </a:r>
-          </a:p>
-          <a:p>
-            <a:r>
-              <a:rPr lang="en-US" sz="3200" dirty="0" err="1">
-                <a:solidFill>
-                  <a:srgbClr val="1E3272"/>
-                </a:solidFill>
-              </a:rPr>
-              <a:t>ble</a:t>
-            </a:r>
-            <a:r>
-              <a:rPr lang="en-US" sz="3200" dirty="0">
-                <a:solidFill>
-                  <a:srgbClr val="1E3272"/>
-                </a:solidFill>
-              </a:rPr>
-              <a:t> </a:t>
-            </a:r>
-            <a:r>
-              <a:rPr lang="en-US" sz="3200" dirty="0" smtClean="0">
-                <a:solidFill>
-                  <a:srgbClr val="1E3272"/>
-                </a:solidFill>
-              </a:rPr>
-              <a:t>   x1</a:t>
-            </a:r>
-            <a:r>
-              <a:rPr lang="en-US" sz="3200" dirty="0">
-                <a:solidFill>
-                  <a:srgbClr val="1E3272"/>
-                </a:solidFill>
-              </a:rPr>
-              <a:t>, x2, label</a:t>
-            </a:r>
-          </a:p>
-          <a:p>
-            <a:r>
-              <a:rPr lang="en-US" sz="3200" dirty="0" err="1">
-                <a:solidFill>
-                  <a:srgbClr val="1E3272"/>
-                </a:solidFill>
-              </a:rPr>
-              <a:t>beqz</a:t>
-            </a:r>
-            <a:r>
-              <a:rPr lang="en-US" sz="3200" dirty="0">
-                <a:solidFill>
-                  <a:srgbClr val="1E3272"/>
-                </a:solidFill>
-              </a:rPr>
-              <a:t> x1, label</a:t>
-            </a:r>
-          </a:p>
-          <a:p>
-            <a:r>
-              <a:rPr lang="en-US" sz="3200" dirty="0" err="1">
-                <a:solidFill>
-                  <a:srgbClr val="1E3272"/>
-                </a:solidFill>
-              </a:rPr>
-              <a:t>bnez</a:t>
-            </a:r>
-            <a:r>
-              <a:rPr lang="en-US" sz="3200" dirty="0">
-                <a:solidFill>
-                  <a:srgbClr val="1E3272"/>
-                </a:solidFill>
-              </a:rPr>
-              <a:t> x1, label</a:t>
-            </a:r>
-          </a:p>
-          <a:p>
-            <a:r>
-              <a:rPr lang="en-US" sz="3200" dirty="0">
-                <a:solidFill>
-                  <a:srgbClr val="1E3272"/>
-                </a:solidFill>
-              </a:rPr>
-              <a:t>j </a:t>
-            </a:r>
-            <a:r>
-              <a:rPr lang="en-US" sz="3200" dirty="0" smtClean="0">
-                <a:solidFill>
-                  <a:srgbClr val="1E3272"/>
-                </a:solidFill>
-              </a:rPr>
-              <a:t>       label</a:t>
-            </a:r>
-            <a:endParaRPr lang="en-US" sz="3200" dirty="0">
-              <a:solidFill>
-                <a:srgbClr val="1E3272"/>
-              </a:solidFill>
-            </a:endParaRPr>
-          </a:p>
-        </p:txBody>
-      </p:sp>
-      <p:sp>
-        <p:nvSpPr>
-          <p:cNvPr id="6" name="Rectangle 5"/>
-          <p:cNvSpPr/>
-          <p:nvPr/>
-        </p:nvSpPr>
-        <p:spPr>
-          <a:xfrm>
-            <a:off x="5715336" y="2449841"/>
-            <a:ext cx="5963479" cy="4031873"/>
-          </a:xfrm>
-          <a:prstGeom prst="rect">
-            <a:avLst/>
-          </a:prstGeom>
-        </p:spPr>
-        <p:txBody>
-          <a:bodyPr wrap="square">
-            <a:spAutoFit/>
-          </a:bodyPr>
-          <a:lstStyle/>
-          <a:p>
-            <a:r>
-              <a:rPr lang="en-US" sz="3200" dirty="0">
-                <a:solidFill>
-                  <a:srgbClr val="00B050"/>
-                </a:solidFill>
-              </a:rPr>
-              <a:t>Equivalent Assembly Instruction:</a:t>
-            </a:r>
-          </a:p>
-          <a:p>
-            <a:endParaRPr lang="en-US" sz="3200" dirty="0">
-              <a:solidFill>
-                <a:srgbClr val="00B050"/>
-              </a:solidFill>
-            </a:endParaRPr>
-          </a:p>
-          <a:p>
-            <a:r>
-              <a:rPr lang="en-US" sz="3200" dirty="0" err="1">
-                <a:solidFill>
-                  <a:srgbClr val="00B050"/>
-                </a:solidFill>
-              </a:rPr>
-              <a:t>addi</a:t>
-            </a:r>
-            <a:r>
-              <a:rPr lang="en-US" sz="3200" dirty="0">
-                <a:solidFill>
-                  <a:srgbClr val="00B050"/>
-                </a:solidFill>
-              </a:rPr>
-              <a:t> x2, x1, 0</a:t>
-            </a:r>
-          </a:p>
-          <a:p>
-            <a:r>
-              <a:rPr lang="en-US" sz="3200" dirty="0" err="1">
-                <a:solidFill>
-                  <a:srgbClr val="00B050"/>
-                </a:solidFill>
-              </a:rPr>
-              <a:t>addi</a:t>
-            </a:r>
-            <a:r>
-              <a:rPr lang="en-US" sz="3200" dirty="0">
-                <a:solidFill>
-                  <a:srgbClr val="00B050"/>
-                </a:solidFill>
-              </a:rPr>
-              <a:t> x2, x0, 3</a:t>
-            </a:r>
-          </a:p>
-          <a:p>
-            <a:r>
-              <a:rPr lang="en-US" sz="3200" dirty="0" err="1" smtClean="0">
-                <a:solidFill>
-                  <a:srgbClr val="00B050"/>
-                </a:solidFill>
-              </a:rPr>
-              <a:t>bge</a:t>
-            </a:r>
-            <a:r>
-              <a:rPr lang="en-US" sz="3200" dirty="0" smtClean="0">
-                <a:solidFill>
-                  <a:srgbClr val="00B050"/>
-                </a:solidFill>
-              </a:rPr>
-              <a:t>  </a:t>
-            </a:r>
-            <a:r>
-              <a:rPr lang="en-US" sz="3200" dirty="0">
-                <a:solidFill>
-                  <a:srgbClr val="00B050"/>
-                </a:solidFill>
-              </a:rPr>
-              <a:t>x2, x1, label</a:t>
-            </a:r>
-          </a:p>
-          <a:p>
-            <a:r>
-              <a:rPr lang="en-US" sz="3200" dirty="0" err="1">
-                <a:solidFill>
-                  <a:srgbClr val="00B050"/>
-                </a:solidFill>
-              </a:rPr>
-              <a:t>beq</a:t>
-            </a:r>
-            <a:r>
-              <a:rPr lang="en-US" sz="3200" dirty="0">
-                <a:solidFill>
-                  <a:srgbClr val="00B050"/>
-                </a:solidFill>
-              </a:rPr>
-              <a:t> </a:t>
-            </a:r>
-            <a:r>
-              <a:rPr lang="en-US" sz="3200" dirty="0" smtClean="0">
-                <a:solidFill>
-                  <a:srgbClr val="00B050"/>
-                </a:solidFill>
-              </a:rPr>
-              <a:t> x1</a:t>
-            </a:r>
-            <a:r>
-              <a:rPr lang="en-US" sz="3200" dirty="0">
-                <a:solidFill>
-                  <a:srgbClr val="00B050"/>
-                </a:solidFill>
-              </a:rPr>
-              <a:t>, x0, label</a:t>
-            </a:r>
-          </a:p>
-          <a:p>
-            <a:r>
-              <a:rPr lang="en-US" sz="3200" dirty="0" err="1">
-                <a:solidFill>
-                  <a:srgbClr val="00B050"/>
-                </a:solidFill>
-              </a:rPr>
-              <a:t>bne</a:t>
-            </a:r>
-            <a:r>
-              <a:rPr lang="en-US" sz="3200" dirty="0">
-                <a:solidFill>
-                  <a:srgbClr val="00B050"/>
-                </a:solidFill>
-              </a:rPr>
-              <a:t> </a:t>
-            </a:r>
-            <a:r>
-              <a:rPr lang="en-US" sz="3200" dirty="0" smtClean="0">
-                <a:solidFill>
-                  <a:srgbClr val="00B050"/>
-                </a:solidFill>
-              </a:rPr>
-              <a:t> x1</a:t>
-            </a:r>
-            <a:r>
-              <a:rPr lang="en-US" sz="3200" dirty="0">
-                <a:solidFill>
-                  <a:srgbClr val="00B050"/>
-                </a:solidFill>
-              </a:rPr>
-              <a:t>, x0, label</a:t>
-            </a:r>
-          </a:p>
-          <a:p>
-            <a:r>
-              <a:rPr lang="en-US" sz="3200" dirty="0" err="1">
-                <a:solidFill>
-                  <a:srgbClr val="00B050"/>
-                </a:solidFill>
-              </a:rPr>
-              <a:t>jal</a:t>
-            </a:r>
-            <a:r>
-              <a:rPr lang="en-US" sz="3200" dirty="0">
-                <a:solidFill>
-                  <a:srgbClr val="00B050"/>
-                </a:solidFill>
-              </a:rPr>
-              <a:t> </a:t>
-            </a:r>
-            <a:r>
-              <a:rPr lang="en-US" sz="3200" dirty="0" smtClean="0">
-                <a:solidFill>
-                  <a:srgbClr val="00B050"/>
-                </a:solidFill>
-              </a:rPr>
-              <a:t>   x0</a:t>
-            </a:r>
-            <a:r>
-              <a:rPr lang="en-US" sz="3200" dirty="0">
-                <a:solidFill>
-                  <a:srgbClr val="00B050"/>
-                </a:solidFill>
-              </a:rPr>
-              <a:t>, label</a:t>
-            </a:r>
-          </a:p>
-        </p:txBody>
-      </p:sp>
-    </p:spTree>
-    <p:extLst>
-      <p:ext uri="{BB962C8B-B14F-4D97-AF65-F5344CB8AC3E}">
-        <p14:creationId xmlns:p14="http://schemas.microsoft.com/office/powerpoint/2010/main" val="1346305110"/>
       </p:ext>
     </p:extLst>
   </p:cSld>
@@ -16647,526 +16318,145 @@
       </p:grpSpPr>
       <p:sp>
         <p:nvSpPr>
-          <p:cNvPr id="4" name="Прямоугольник 3"/>
-          <p:cNvSpPr/>
-          <p:nvPr/>
-        </p:nvSpPr>
-        <p:spPr>
-          <a:xfrm>
-            <a:off x="2664999" y="472120"/>
-            <a:ext cx="7524751" cy="5262979"/>
-          </a:xfrm>
-          <a:prstGeom prst="rect">
-            <a:avLst/>
-          </a:prstGeom>
-          <a:noFill/>
-          <a:ln>
-            <a:noFill/>
-          </a:ln>
-          <a:scene3d>
-            <a:camera prst="perspectiveRelaxed"/>
-            <a:lightRig rig="threePt" dir="t"/>
-          </a:scene3d>
-        </p:spPr>
-        <p:txBody>
-          <a:bodyPr wrap="square" lIns="91440" tIns="45720" rIns="91440" bIns="45720">
-            <a:spAutoFit/>
-          </a:bodyPr>
-          <a:lstStyle/>
-          <a:p>
-            <a:r>
-              <a:rPr lang="en-US" sz="2400" dirty="0" smtClean="0">
-                <a:ln w="0"/>
-                <a:solidFill>
-                  <a:srgbClr val="273272"/>
-                </a:solidFill>
-                <a:effectLst>
-                  <a:reflection blurRad="6350" stA="53000" endA="300" endPos="35500" dir="5400000" sy="-90000" algn="bl" rotWithShape="0"/>
-                </a:effectLst>
-                <a:latin typeface="Courier New" pitchFamily="49" charset="0"/>
-                <a:cs typeface="Courier New" pitchFamily="49" charset="0"/>
-              </a:rPr>
-              <a:t>		</a:t>
-            </a:r>
-          </a:p>
-          <a:p>
-            <a:r>
-              <a:rPr lang="en-US" sz="2400" dirty="0" smtClean="0">
-                <a:ln w="0"/>
-                <a:solidFill>
-                  <a:srgbClr val="273272"/>
-                </a:solidFill>
-                <a:effectLst>
-                  <a:reflection blurRad="6350" stA="53000" endA="300" endPos="35500" dir="5400000" sy="-90000" algn="bl" rotWithShape="0"/>
-                </a:effectLst>
-                <a:latin typeface="Courier New" pitchFamily="49" charset="0"/>
-                <a:cs typeface="Courier New" pitchFamily="49" charset="0"/>
-              </a:rPr>
-              <a:t>		.text</a:t>
-            </a:r>
-          </a:p>
-          <a:p>
-            <a:r>
-              <a:rPr lang="en-US" sz="2400" dirty="0" smtClean="0">
-                <a:ln w="0"/>
-                <a:solidFill>
-                  <a:srgbClr val="273272"/>
-                </a:solidFill>
-                <a:effectLst>
-                  <a:reflection blurRad="6350" stA="53000" endA="300" endPos="35500" dir="5400000" sy="-90000" algn="bl" rotWithShape="0"/>
-                </a:effectLst>
-                <a:latin typeface="Courier New" pitchFamily="49" charset="0"/>
-                <a:cs typeface="Courier New" pitchFamily="49" charset="0"/>
-              </a:rPr>
-              <a:t>__start:	</a:t>
-            </a:r>
-            <a:r>
-              <a:rPr lang="en-US" sz="2400" dirty="0" err="1" smtClean="0">
-                <a:ln w="0"/>
-                <a:solidFill>
-                  <a:srgbClr val="273272"/>
-                </a:solidFill>
-                <a:effectLst>
-                  <a:reflection blurRad="6350" stA="53000" endA="300" endPos="35500" dir="5400000" sy="-90000" algn="bl" rotWithShape="0"/>
-                </a:effectLst>
-                <a:latin typeface="Courier New" pitchFamily="49" charset="0"/>
-                <a:cs typeface="Courier New" pitchFamily="49" charset="0"/>
-              </a:rPr>
-              <a:t>addi</a:t>
-            </a:r>
-            <a:r>
-              <a:rPr lang="en-US" sz="2400" dirty="0" smtClean="0">
-                <a:ln w="0"/>
-                <a:solidFill>
-                  <a:srgbClr val="273272"/>
-                </a:solidFill>
-                <a:effectLst>
-                  <a:reflection blurRad="6350" stA="53000" endA="300" endPos="35500" dir="5400000" sy="-90000" algn="bl" rotWithShape="0"/>
-                </a:effectLst>
-                <a:latin typeface="Courier New" pitchFamily="49" charset="0"/>
-                <a:cs typeface="Courier New" pitchFamily="49" charset="0"/>
-              </a:rPr>
-              <a:t> t1, zero, 0x18</a:t>
-            </a:r>
-          </a:p>
-          <a:p>
-            <a:r>
-              <a:rPr lang="en-US" sz="2400" dirty="0" smtClean="0">
-                <a:ln w="0"/>
-                <a:solidFill>
-                  <a:srgbClr val="273272"/>
-                </a:solidFill>
-                <a:effectLst>
-                  <a:reflection blurRad="6350" stA="53000" endA="300" endPos="35500" dir="5400000" sy="-90000" algn="bl" rotWithShape="0"/>
-                </a:effectLst>
-                <a:latin typeface="Courier New" pitchFamily="49" charset="0"/>
-                <a:cs typeface="Courier New" pitchFamily="49" charset="0"/>
-              </a:rPr>
-              <a:t>		</a:t>
-            </a:r>
-            <a:r>
-              <a:rPr lang="en-US" sz="2400" dirty="0" err="1" smtClean="0">
-                <a:ln w="0"/>
-                <a:solidFill>
-                  <a:srgbClr val="273272"/>
-                </a:solidFill>
-                <a:effectLst>
-                  <a:reflection blurRad="6350" stA="53000" endA="300" endPos="35500" dir="5400000" sy="-90000" algn="bl" rotWithShape="0"/>
-                </a:effectLst>
-                <a:latin typeface="Courier New" pitchFamily="49" charset="0"/>
-                <a:cs typeface="Courier New" pitchFamily="49" charset="0"/>
-              </a:rPr>
-              <a:t>addi</a:t>
-            </a:r>
-            <a:r>
-              <a:rPr lang="en-US" sz="2400" dirty="0" smtClean="0">
-                <a:ln w="0"/>
-                <a:solidFill>
-                  <a:srgbClr val="273272"/>
-                </a:solidFill>
-                <a:effectLst>
-                  <a:reflection blurRad="6350" stA="53000" endA="300" endPos="35500" dir="5400000" sy="-90000" algn="bl" rotWithShape="0"/>
-                </a:effectLst>
-                <a:latin typeface="Courier New" pitchFamily="49" charset="0"/>
-                <a:cs typeface="Courier New" pitchFamily="49" charset="0"/>
-              </a:rPr>
-              <a:t> t2, zero, 0x21</a:t>
-            </a:r>
-          </a:p>
-          <a:p>
-            <a:r>
-              <a:rPr lang="en-US" sz="2400" dirty="0" smtClean="0">
-                <a:ln w="0"/>
-                <a:solidFill>
-                  <a:srgbClr val="273272"/>
-                </a:solidFill>
-                <a:effectLst>
-                  <a:reflection blurRad="6350" stA="53000" endA="300" endPos="35500" dir="5400000" sy="-90000" algn="bl" rotWithShape="0"/>
-                </a:effectLst>
-                <a:latin typeface="Courier New" pitchFamily="49" charset="0"/>
-                <a:cs typeface="Courier New" pitchFamily="49" charset="0"/>
-              </a:rPr>
-              <a:t>cycle:	</a:t>
-            </a:r>
-            <a:r>
-              <a:rPr lang="en-US" sz="2400" dirty="0" err="1" smtClean="0">
-                <a:ln w="0"/>
-                <a:solidFill>
-                  <a:srgbClr val="273272"/>
-                </a:solidFill>
-                <a:effectLst>
-                  <a:reflection blurRad="6350" stA="53000" endA="300" endPos="35500" dir="5400000" sy="-90000" algn="bl" rotWithShape="0"/>
-                </a:effectLst>
-                <a:latin typeface="Courier New" pitchFamily="49" charset="0"/>
-                <a:cs typeface="Courier New" pitchFamily="49" charset="0"/>
-              </a:rPr>
-              <a:t>beq</a:t>
-            </a:r>
-            <a:r>
-              <a:rPr lang="en-US" sz="2400" dirty="0" smtClean="0">
-                <a:ln w="0"/>
-                <a:solidFill>
-                  <a:srgbClr val="273272"/>
-                </a:solidFill>
-                <a:effectLst>
-                  <a:reflection blurRad="6350" stA="53000" endA="300" endPos="35500" dir="5400000" sy="-90000" algn="bl" rotWithShape="0"/>
-                </a:effectLst>
-                <a:latin typeface="Courier New" pitchFamily="49" charset="0"/>
-                <a:cs typeface="Courier New" pitchFamily="49" charset="0"/>
-              </a:rPr>
-              <a:t> t1, t2, done</a:t>
-            </a:r>
-          </a:p>
-          <a:p>
-            <a:r>
-              <a:rPr lang="en-US" sz="2400" dirty="0" smtClean="0">
-                <a:ln w="0"/>
-                <a:solidFill>
-                  <a:srgbClr val="273272"/>
-                </a:solidFill>
-                <a:effectLst>
-                  <a:reflection blurRad="6350" stA="53000" endA="300" endPos="35500" dir="5400000" sy="-90000" algn="bl" rotWithShape="0"/>
-                </a:effectLst>
-                <a:latin typeface="Courier New" pitchFamily="49" charset="0"/>
-                <a:cs typeface="Courier New" pitchFamily="49" charset="0"/>
-              </a:rPr>
-              <a:t>		</a:t>
-            </a:r>
-            <a:r>
-              <a:rPr lang="en-US" sz="2400" dirty="0" err="1" smtClean="0">
-                <a:ln w="0"/>
-                <a:solidFill>
-                  <a:srgbClr val="273272"/>
-                </a:solidFill>
-                <a:effectLst>
-                  <a:reflection blurRad="6350" stA="53000" endA="300" endPos="35500" dir="5400000" sy="-90000" algn="bl" rotWithShape="0"/>
-                </a:effectLst>
-                <a:latin typeface="Courier New" pitchFamily="49" charset="0"/>
-                <a:cs typeface="Courier New" pitchFamily="49" charset="0"/>
-              </a:rPr>
-              <a:t>slt</a:t>
-            </a:r>
-            <a:r>
-              <a:rPr lang="en-US" sz="2400" dirty="0" smtClean="0">
-                <a:ln w="0"/>
-                <a:solidFill>
-                  <a:srgbClr val="273272"/>
-                </a:solidFill>
-                <a:effectLst>
-                  <a:reflection blurRad="6350" stA="53000" endA="300" endPos="35500" dir="5400000" sy="-90000" algn="bl" rotWithShape="0"/>
-                </a:effectLst>
-                <a:latin typeface="Courier New" pitchFamily="49" charset="0"/>
-                <a:cs typeface="Courier New" pitchFamily="49" charset="0"/>
-              </a:rPr>
-              <a:t> t0, t1, t2</a:t>
-            </a:r>
-          </a:p>
-          <a:p>
-            <a:r>
-              <a:rPr lang="en-US" sz="2400" dirty="0" smtClean="0">
-                <a:ln w="0"/>
-                <a:solidFill>
-                  <a:srgbClr val="273272"/>
-                </a:solidFill>
-                <a:effectLst>
-                  <a:reflection blurRad="6350" stA="53000" endA="300" endPos="35500" dir="5400000" sy="-90000" algn="bl" rotWithShape="0"/>
-                </a:effectLst>
-                <a:latin typeface="Courier New" pitchFamily="49" charset="0"/>
-                <a:cs typeface="Courier New" pitchFamily="49" charset="0"/>
-              </a:rPr>
-              <a:t>		</a:t>
-            </a:r>
-            <a:r>
-              <a:rPr lang="en-US" sz="2400" dirty="0" err="1" smtClean="0">
-                <a:ln w="0"/>
-                <a:solidFill>
-                  <a:srgbClr val="273272"/>
-                </a:solidFill>
-                <a:effectLst>
-                  <a:reflection blurRad="6350" stA="53000" endA="300" endPos="35500" dir="5400000" sy="-90000" algn="bl" rotWithShape="0"/>
-                </a:effectLst>
-                <a:latin typeface="Courier New" pitchFamily="49" charset="0"/>
-                <a:cs typeface="Courier New" pitchFamily="49" charset="0"/>
-              </a:rPr>
-              <a:t>bne</a:t>
-            </a:r>
-            <a:r>
-              <a:rPr lang="en-US" sz="2400" dirty="0" smtClean="0">
-                <a:ln w="0"/>
-                <a:solidFill>
-                  <a:srgbClr val="273272"/>
-                </a:solidFill>
-                <a:effectLst>
-                  <a:reflection blurRad="6350" stA="53000" endA="300" endPos="35500" dir="5400000" sy="-90000" algn="bl" rotWithShape="0"/>
-                </a:effectLst>
-                <a:latin typeface="Courier New" pitchFamily="49" charset="0"/>
-                <a:cs typeface="Courier New" pitchFamily="49" charset="0"/>
-              </a:rPr>
-              <a:t> t0, zero, </a:t>
-            </a:r>
-            <a:r>
-              <a:rPr lang="en-US" sz="2400" dirty="0" err="1" smtClean="0">
-                <a:ln w="0"/>
-                <a:solidFill>
-                  <a:srgbClr val="273272"/>
-                </a:solidFill>
-                <a:effectLst>
-                  <a:reflection blurRad="6350" stA="53000" endA="300" endPos="35500" dir="5400000" sy="-90000" algn="bl" rotWithShape="0"/>
-                </a:effectLst>
-                <a:latin typeface="Courier New" pitchFamily="49" charset="0"/>
-                <a:cs typeface="Courier New" pitchFamily="49" charset="0"/>
-              </a:rPr>
-              <a:t>if_less</a:t>
-            </a:r>
-            <a:endParaRPr lang="en-US" sz="2400" dirty="0" smtClean="0">
-              <a:ln w="0"/>
-              <a:solidFill>
-                <a:srgbClr val="273272"/>
-              </a:solidFill>
-              <a:effectLst>
-                <a:reflection blurRad="6350" stA="53000" endA="300" endPos="35500" dir="5400000" sy="-90000" algn="bl" rotWithShape="0"/>
-              </a:effectLst>
-              <a:latin typeface="Courier New" pitchFamily="49" charset="0"/>
-              <a:cs typeface="Courier New" pitchFamily="49" charset="0"/>
-            </a:endParaRPr>
-          </a:p>
-          <a:p>
-            <a:r>
-              <a:rPr lang="en-US" sz="2400" dirty="0" smtClean="0">
-                <a:ln w="0"/>
-                <a:solidFill>
-                  <a:srgbClr val="273272"/>
-                </a:solidFill>
-                <a:effectLst>
-                  <a:reflection blurRad="6350" stA="53000" endA="300" endPos="35500" dir="5400000" sy="-90000" algn="bl" rotWithShape="0"/>
-                </a:effectLst>
-                <a:latin typeface="Courier New" pitchFamily="49" charset="0"/>
-                <a:cs typeface="Courier New" pitchFamily="49" charset="0"/>
-              </a:rPr>
-              <a:t>		</a:t>
-            </a:r>
-            <a:r>
-              <a:rPr lang="en-US" sz="2400" dirty="0" err="1" smtClean="0">
-                <a:ln w="0"/>
-                <a:solidFill>
-                  <a:srgbClr val="273272"/>
-                </a:solidFill>
-                <a:effectLst>
-                  <a:reflection blurRad="6350" stA="53000" endA="300" endPos="35500" dir="5400000" sy="-90000" algn="bl" rotWithShape="0"/>
-                </a:effectLst>
-                <a:latin typeface="Courier New" pitchFamily="49" charset="0"/>
-                <a:cs typeface="Courier New" pitchFamily="49" charset="0"/>
-              </a:rPr>
-              <a:t>nop</a:t>
-            </a:r>
-            <a:endParaRPr lang="en-US" sz="2400" dirty="0" smtClean="0">
-              <a:ln w="0"/>
-              <a:solidFill>
-                <a:srgbClr val="273272"/>
-              </a:solidFill>
-              <a:effectLst>
-                <a:reflection blurRad="6350" stA="53000" endA="300" endPos="35500" dir="5400000" sy="-90000" algn="bl" rotWithShape="0"/>
-              </a:effectLst>
-              <a:latin typeface="Courier New" pitchFamily="49" charset="0"/>
-              <a:cs typeface="Courier New" pitchFamily="49" charset="0"/>
-            </a:endParaRPr>
-          </a:p>
-          <a:p>
-            <a:r>
-              <a:rPr lang="en-US" sz="2400" dirty="0" smtClean="0">
-                <a:ln w="0"/>
-                <a:solidFill>
-                  <a:srgbClr val="273272"/>
-                </a:solidFill>
-                <a:effectLst>
-                  <a:reflection blurRad="6350" stA="53000" endA="300" endPos="35500" dir="5400000" sy="-90000" algn="bl" rotWithShape="0"/>
-                </a:effectLst>
-                <a:latin typeface="Courier New" pitchFamily="49" charset="0"/>
-                <a:cs typeface="Courier New" pitchFamily="49" charset="0"/>
-              </a:rPr>
-              <a:t>		sub t1, t1, t2</a:t>
-            </a:r>
-          </a:p>
-          <a:p>
-            <a:r>
-              <a:rPr lang="en-US" sz="2400" dirty="0" smtClean="0">
-                <a:ln w="0"/>
-                <a:solidFill>
-                  <a:srgbClr val="273272"/>
-                </a:solidFill>
-                <a:effectLst>
-                  <a:reflection blurRad="6350" stA="53000" endA="300" endPos="35500" dir="5400000" sy="-90000" algn="bl" rotWithShape="0"/>
-                </a:effectLst>
-                <a:latin typeface="Courier New" pitchFamily="49" charset="0"/>
-                <a:cs typeface="Courier New" pitchFamily="49" charset="0"/>
-              </a:rPr>
-              <a:t>		j cycle</a:t>
-            </a:r>
-          </a:p>
-          <a:p>
-            <a:r>
-              <a:rPr lang="en-US" sz="2400" dirty="0" smtClean="0">
-                <a:ln w="0"/>
-                <a:solidFill>
-                  <a:srgbClr val="273272"/>
-                </a:solidFill>
-                <a:effectLst>
-                  <a:reflection blurRad="6350" stA="53000" endA="300" endPos="35500" dir="5400000" sy="-90000" algn="bl" rotWithShape="0"/>
-                </a:effectLst>
-                <a:latin typeface="Courier New" pitchFamily="49" charset="0"/>
-                <a:cs typeface="Courier New" pitchFamily="49" charset="0"/>
-              </a:rPr>
-              <a:t>		</a:t>
-            </a:r>
-            <a:r>
-              <a:rPr lang="en-US" sz="2400" dirty="0" err="1" smtClean="0">
-                <a:ln w="0"/>
-                <a:solidFill>
-                  <a:srgbClr val="273272"/>
-                </a:solidFill>
-                <a:effectLst>
-                  <a:reflection blurRad="6350" stA="53000" endA="300" endPos="35500" dir="5400000" sy="-90000" algn="bl" rotWithShape="0"/>
-                </a:effectLst>
-                <a:latin typeface="Courier New" pitchFamily="49" charset="0"/>
-                <a:cs typeface="Courier New" pitchFamily="49" charset="0"/>
-              </a:rPr>
-              <a:t>nop</a:t>
-            </a:r>
-            <a:endParaRPr lang="en-US" sz="2400" dirty="0" smtClean="0">
-              <a:ln w="0"/>
-              <a:solidFill>
-                <a:srgbClr val="273272"/>
-              </a:solidFill>
-              <a:effectLst>
-                <a:reflection blurRad="6350" stA="53000" endA="300" endPos="35500" dir="5400000" sy="-90000" algn="bl" rotWithShape="0"/>
-              </a:effectLst>
-              <a:latin typeface="Courier New" pitchFamily="49" charset="0"/>
-              <a:cs typeface="Courier New" pitchFamily="49" charset="0"/>
-            </a:endParaRPr>
-          </a:p>
-          <a:p>
-            <a:r>
-              <a:rPr lang="en-US" sz="2400" dirty="0" err="1" smtClean="0">
-                <a:ln w="0"/>
-                <a:solidFill>
-                  <a:srgbClr val="273272"/>
-                </a:solidFill>
-                <a:effectLst>
-                  <a:reflection blurRad="6350" stA="53000" endA="300" endPos="35500" dir="5400000" sy="-90000" algn="bl" rotWithShape="0"/>
-                </a:effectLst>
-                <a:latin typeface="Courier New" pitchFamily="49" charset="0"/>
-                <a:cs typeface="Courier New" pitchFamily="49" charset="0"/>
-              </a:rPr>
-              <a:t>if_less</a:t>
-            </a:r>
-            <a:r>
-              <a:rPr lang="en-US" sz="2400" dirty="0" smtClean="0">
-                <a:ln w="0"/>
-                <a:solidFill>
-                  <a:srgbClr val="273272"/>
-                </a:solidFill>
-                <a:effectLst>
-                  <a:reflection blurRad="6350" stA="53000" endA="300" endPos="35500" dir="5400000" sy="-90000" algn="bl" rotWithShape="0"/>
-                </a:effectLst>
-                <a:latin typeface="Courier New" pitchFamily="49" charset="0"/>
-                <a:cs typeface="Courier New" pitchFamily="49" charset="0"/>
-              </a:rPr>
-              <a:t>:	sub t2, t2, t1</a:t>
-            </a:r>
-          </a:p>
-          <a:p>
-            <a:r>
-              <a:rPr lang="en-US" sz="2400" dirty="0" smtClean="0">
-                <a:ln w="0"/>
-                <a:solidFill>
-                  <a:srgbClr val="273272"/>
-                </a:solidFill>
-                <a:effectLst>
-                  <a:reflection blurRad="6350" stA="53000" endA="300" endPos="35500" dir="5400000" sy="-90000" algn="bl" rotWithShape="0"/>
-                </a:effectLst>
-                <a:latin typeface="Courier New" pitchFamily="49" charset="0"/>
-                <a:cs typeface="Courier New" pitchFamily="49" charset="0"/>
-              </a:rPr>
-              <a:t>		j cycle</a:t>
-            </a:r>
-          </a:p>
-          <a:p>
-            <a:r>
-              <a:rPr lang="en-US" sz="2400" dirty="0" smtClean="0">
-                <a:ln w="0"/>
-                <a:solidFill>
-                  <a:srgbClr val="273272"/>
-                </a:solidFill>
-                <a:effectLst>
-                  <a:reflection blurRad="6350" stA="53000" endA="300" endPos="35500" dir="5400000" sy="-90000" algn="bl" rotWithShape="0"/>
-                </a:effectLst>
-                <a:latin typeface="Courier New" pitchFamily="49" charset="0"/>
-                <a:cs typeface="Courier New" pitchFamily="49" charset="0"/>
-              </a:rPr>
-              <a:t>done:		add t3, t1, zero</a:t>
-            </a:r>
-            <a:endParaRPr lang="ru-RU" sz="2400" b="0" cap="none" spc="0" dirty="0">
-              <a:ln w="0"/>
-              <a:solidFill>
-                <a:srgbClr val="273272"/>
-              </a:solidFill>
-              <a:effectLst>
-                <a:reflection blurRad="6350" stA="53000" endA="300" endPos="35500" dir="5400000" sy="-90000" algn="bl" rotWithShape="0"/>
-              </a:effectLst>
-              <a:latin typeface="Courier New" pitchFamily="49" charset="0"/>
-              <a:cs typeface="Courier New" pitchFamily="49" charset="0"/>
-            </a:endParaRPr>
-          </a:p>
-        </p:txBody>
-      </p:sp>
-      <p:sp>
-        <p:nvSpPr>
-          <p:cNvPr id="2" name="Заголовок 1"/>
+          <p:cNvPr id="2" name="Content Placeholder 1"/>
           <p:cNvSpPr>
             <a:spLocks noGrp="1"/>
           </p:cNvSpPr>
           <p:nvPr>
-            <p:ph type="title"/>
+            <p:ph idx="1"/>
           </p:nvPr>
         </p:nvSpPr>
-        <p:spPr/>
-        <p:txBody>
-          <a:bodyPr>
-            <a:normAutofit/>
-          </a:bodyPr>
+        <p:spPr>
+          <a:xfrm>
+            <a:off x="838200" y="1178053"/>
+            <a:ext cx="10515600" cy="2234448"/>
+          </a:xfrm>
+        </p:spPr>
+        <p:txBody>
+          <a:bodyPr/>
           <a:lstStyle/>
           <a:p>
             <a:r>
+              <a:rPr lang="en-US" dirty="0"/>
+              <a:t>Address is specified as a &lt;base address, offset&gt; </a:t>
+            </a:r>
+            <a:r>
               <a:rPr lang="en-US" dirty="0" smtClean="0"/>
-              <a:t>Any Questions?</a:t>
-            </a:r>
-            <a:endParaRPr lang="ru-RU" sz="4000" dirty="0"/>
-          </a:p>
-        </p:txBody>
-      </p:sp>
-      <p:sp>
-        <p:nvSpPr>
-          <p:cNvPr id="6" name="Номер слайда 5"/>
+              <a:t>pair:</a:t>
+            </a:r>
+            <a:endParaRPr lang="en-US" dirty="0"/>
+          </a:p>
+          <a:p>
+            <a:pPr lvl="1"/>
+            <a:r>
+              <a:rPr lang="en-US" dirty="0" smtClean="0"/>
+              <a:t>Base </a:t>
+            </a:r>
+            <a:r>
+              <a:rPr lang="en-US" dirty="0"/>
+              <a:t>address is always stored in a </a:t>
+            </a:r>
+            <a:r>
+              <a:rPr lang="en-US" dirty="0" smtClean="0"/>
+              <a:t>register</a:t>
+            </a:r>
+            <a:endParaRPr lang="en-US" dirty="0"/>
+          </a:p>
+          <a:p>
+            <a:pPr lvl="1"/>
+            <a:r>
+              <a:rPr lang="en-US" dirty="0" smtClean="0"/>
+              <a:t>Offset </a:t>
+            </a:r>
+            <a:r>
+              <a:rPr lang="en-US" dirty="0"/>
+              <a:t>is specified as a small constant</a:t>
+            </a:r>
+          </a:p>
+          <a:p>
+            <a:pPr lvl="1"/>
+            <a:r>
+              <a:rPr lang="en-US" dirty="0"/>
+              <a:t>Format: </a:t>
+            </a:r>
+            <a:r>
+              <a:rPr lang="en-US" dirty="0" err="1">
+                <a:solidFill>
+                  <a:srgbClr val="00B050"/>
+                </a:solidFill>
+              </a:rPr>
+              <a:t>lw</a:t>
+            </a:r>
+            <a:r>
+              <a:rPr lang="en-US" dirty="0">
+                <a:solidFill>
+                  <a:srgbClr val="00B050"/>
+                </a:solidFill>
+              </a:rPr>
+              <a:t> </a:t>
+            </a:r>
+            <a:r>
+              <a:rPr lang="en-US" dirty="0" err="1">
+                <a:solidFill>
+                  <a:srgbClr val="00B050"/>
+                </a:solidFill>
+              </a:rPr>
+              <a:t>dest</a:t>
+            </a:r>
+            <a:r>
+              <a:rPr lang="en-US" dirty="0">
+                <a:solidFill>
+                  <a:srgbClr val="00B050"/>
+                </a:solidFill>
+              </a:rPr>
+              <a:t>, offset(base) </a:t>
+            </a:r>
+            <a:r>
+              <a:rPr lang="en-US" dirty="0" smtClean="0">
+                <a:solidFill>
+                  <a:srgbClr val="00B050"/>
+                </a:solidFill>
+              </a:rPr>
+              <a:t>    </a:t>
+            </a:r>
+            <a:r>
+              <a:rPr lang="en-US" dirty="0" err="1" smtClean="0">
+                <a:solidFill>
+                  <a:srgbClr val="00B050"/>
+                </a:solidFill>
+              </a:rPr>
+              <a:t>sw</a:t>
+            </a:r>
+            <a:r>
+              <a:rPr lang="en-US" dirty="0" smtClean="0">
+                <a:solidFill>
+                  <a:srgbClr val="00B050"/>
+                </a:solidFill>
+              </a:rPr>
+              <a:t> </a:t>
+            </a:r>
+            <a:r>
+              <a:rPr lang="en-US" dirty="0" err="1">
+                <a:solidFill>
+                  <a:srgbClr val="00B050"/>
+                </a:solidFill>
+              </a:rPr>
+              <a:t>src</a:t>
+            </a:r>
+            <a:r>
+              <a:rPr lang="en-US" dirty="0">
+                <a:solidFill>
+                  <a:srgbClr val="00B050"/>
+                </a:solidFill>
+              </a:rPr>
+              <a:t>, offset(base)</a:t>
+            </a:r>
+          </a:p>
+        </p:txBody>
+      </p:sp>
+      <p:sp>
+        <p:nvSpPr>
+          <p:cNvPr id="3" name="Slide Number Placeholder 2"/>
           <p:cNvSpPr>
             <a:spLocks noGrp="1"/>
           </p:cNvSpPr>
@@ -17189,10 +16479,2587 @@
           </a:p>
         </p:txBody>
       </p:sp>
+      <p:sp>
+        <p:nvSpPr>
+          <p:cNvPr id="4" name="Title 3"/>
+          <p:cNvSpPr>
+            <a:spLocks noGrp="1"/>
+          </p:cNvSpPr>
+          <p:nvPr>
+            <p:ph type="title"/>
+          </p:nvPr>
+        </p:nvSpPr>
+        <p:spPr/>
+        <p:txBody>
+          <a:bodyPr/>
+          <a:lstStyle/>
+          <a:p>
+            <a:r>
+              <a:rPr lang="en-US" dirty="0"/>
+              <a:t>Load and Store Instructions</a:t>
+            </a:r>
+          </a:p>
+        </p:txBody>
+      </p:sp>
+      <p:sp>
+        <p:nvSpPr>
+          <p:cNvPr id="5" name="Rectangle 4"/>
+          <p:cNvSpPr/>
+          <p:nvPr/>
+        </p:nvSpPr>
+        <p:spPr>
+          <a:xfrm>
+            <a:off x="2078736" y="3737252"/>
+            <a:ext cx="3407664" cy="2062103"/>
+          </a:xfrm>
+          <a:prstGeom prst="rect">
+            <a:avLst/>
+          </a:prstGeom>
+        </p:spPr>
+        <p:txBody>
+          <a:bodyPr wrap="square">
+            <a:spAutoFit/>
+          </a:bodyPr>
+          <a:lstStyle/>
+          <a:p>
+            <a:r>
+              <a:rPr lang="en-US" sz="3200" dirty="0" err="1">
+                <a:solidFill>
+                  <a:srgbClr val="1E3272"/>
+                </a:solidFill>
+              </a:rPr>
+              <a:t>lw</a:t>
+            </a:r>
+            <a:r>
+              <a:rPr lang="en-US" sz="3200" dirty="0">
+                <a:solidFill>
+                  <a:srgbClr val="1E3272"/>
+                </a:solidFill>
+              </a:rPr>
+              <a:t> </a:t>
+            </a:r>
+            <a:r>
+              <a:rPr lang="en-US" sz="3200" dirty="0" smtClean="0">
+                <a:solidFill>
+                  <a:srgbClr val="1E3272"/>
+                </a:solidFill>
+              </a:rPr>
+              <a:t>   x1</a:t>
+            </a:r>
+            <a:r>
+              <a:rPr lang="en-US" sz="3200" dirty="0">
+                <a:solidFill>
+                  <a:srgbClr val="1E3272"/>
+                </a:solidFill>
+              </a:rPr>
+              <a:t>, 0x4(x0)</a:t>
+            </a:r>
+          </a:p>
+          <a:p>
+            <a:r>
+              <a:rPr lang="en-US" sz="3200" dirty="0" err="1">
+                <a:solidFill>
+                  <a:srgbClr val="1E3272"/>
+                </a:solidFill>
+              </a:rPr>
+              <a:t>lw</a:t>
+            </a:r>
+            <a:r>
+              <a:rPr lang="en-US" sz="3200" dirty="0">
+                <a:solidFill>
+                  <a:srgbClr val="1E3272"/>
+                </a:solidFill>
+              </a:rPr>
+              <a:t> </a:t>
+            </a:r>
+            <a:r>
+              <a:rPr lang="en-US" sz="3200" dirty="0" smtClean="0">
+                <a:solidFill>
+                  <a:srgbClr val="1E3272"/>
+                </a:solidFill>
+              </a:rPr>
+              <a:t>   x2</a:t>
+            </a:r>
+            <a:r>
+              <a:rPr lang="en-US" sz="3200" dirty="0">
+                <a:solidFill>
+                  <a:srgbClr val="1E3272"/>
+                </a:solidFill>
+              </a:rPr>
+              <a:t>, 0x8(x0)</a:t>
+            </a:r>
+          </a:p>
+          <a:p>
+            <a:r>
+              <a:rPr lang="en-US" sz="3200" dirty="0">
+                <a:solidFill>
+                  <a:srgbClr val="1E3272"/>
+                </a:solidFill>
+              </a:rPr>
+              <a:t>add </a:t>
+            </a:r>
+            <a:r>
+              <a:rPr lang="en-US" sz="3200" dirty="0" smtClean="0">
+                <a:solidFill>
+                  <a:srgbClr val="1E3272"/>
+                </a:solidFill>
+              </a:rPr>
+              <a:t> x3</a:t>
+            </a:r>
+            <a:r>
+              <a:rPr lang="en-US" sz="3200" dirty="0">
+                <a:solidFill>
+                  <a:srgbClr val="1E3272"/>
+                </a:solidFill>
+              </a:rPr>
+              <a:t>, x1, x2</a:t>
+            </a:r>
+          </a:p>
+          <a:p>
+            <a:r>
+              <a:rPr lang="en-US" sz="3200" dirty="0" err="1" smtClean="0">
+                <a:solidFill>
+                  <a:srgbClr val="1E3272"/>
+                </a:solidFill>
+              </a:rPr>
+              <a:t>sw</a:t>
+            </a:r>
+            <a:r>
+              <a:rPr lang="en-US" sz="3200" dirty="0" smtClean="0">
+                <a:solidFill>
+                  <a:srgbClr val="1E3272"/>
+                </a:solidFill>
+              </a:rPr>
+              <a:t>    x3</a:t>
+            </a:r>
+            <a:r>
+              <a:rPr lang="en-US" sz="3200" dirty="0">
+                <a:solidFill>
+                  <a:srgbClr val="1E3272"/>
+                </a:solidFill>
+              </a:rPr>
+              <a:t>, 0x10(x0)</a:t>
+            </a:r>
+          </a:p>
+        </p:txBody>
+      </p:sp>
+      <p:sp>
+        <p:nvSpPr>
+          <p:cNvPr id="6" name="Rectangle 5"/>
+          <p:cNvSpPr/>
+          <p:nvPr/>
+        </p:nvSpPr>
+        <p:spPr>
+          <a:xfrm>
+            <a:off x="5623560" y="3770668"/>
+            <a:ext cx="5099304" cy="2062103"/>
+          </a:xfrm>
+          <a:prstGeom prst="rect">
+            <a:avLst/>
+          </a:prstGeom>
+        </p:spPr>
+        <p:txBody>
+          <a:bodyPr wrap="square">
+            <a:spAutoFit/>
+          </a:bodyPr>
+          <a:lstStyle/>
+          <a:p>
+            <a:r>
+              <a:rPr lang="en-US" sz="3200" dirty="0">
+                <a:solidFill>
+                  <a:srgbClr val="00B050"/>
+                </a:solidFill>
+              </a:rPr>
+              <a:t>x1 &lt;- load(Mem[x0 + 0x4])</a:t>
+            </a:r>
+          </a:p>
+          <a:p>
+            <a:r>
+              <a:rPr lang="en-US" sz="3200" dirty="0">
+                <a:solidFill>
+                  <a:srgbClr val="00B050"/>
+                </a:solidFill>
+              </a:rPr>
+              <a:t>x2 &lt;- load(Mem[x0 + 0x8])</a:t>
+            </a:r>
+          </a:p>
+          <a:p>
+            <a:r>
+              <a:rPr lang="en-US" sz="3200" dirty="0">
+                <a:solidFill>
+                  <a:srgbClr val="00B050"/>
+                </a:solidFill>
+              </a:rPr>
+              <a:t>x3 &lt;- x1 + x2</a:t>
+            </a:r>
+          </a:p>
+          <a:p>
+            <a:r>
+              <a:rPr lang="en-US" sz="3200" dirty="0">
+                <a:solidFill>
+                  <a:srgbClr val="00B050"/>
+                </a:solidFill>
+              </a:rPr>
+              <a:t>store(Mem[x0 + 0x10]) &lt;- x3</a:t>
+            </a:r>
+          </a:p>
+        </p:txBody>
+      </p:sp>
     </p:spTree>
     <p:extLst>
       <p:ext uri="{BB962C8B-B14F-4D97-AF65-F5344CB8AC3E}">
-        <p14:creationId xmlns:p14="http://schemas.microsoft.com/office/powerpoint/2010/main" val="4217875043"/>
+        <p14:creationId xmlns:p14="http://schemas.microsoft.com/office/powerpoint/2010/main" val="1780974752"/>
+      </p:ext>
+    </p:extLst>
+  </p:cSld>
+  <p:clrMapOvr>
+    <a:masterClrMapping/>
+  </p:clrMapOvr>
+  <p:timing>
+    <p:tnLst>
+      <p:par>
+        <p:cTn id="1" dur="indefinite" restart="never" nodeType="tmRoot"/>
+      </p:par>
+    </p:tnLst>
+  </p:timing>
+</p:sld>
+</file>
+
+<file path=ppt/slides/slide28.xml><?xml version="1.0" encoding="utf-8"?>
+<p:sld xmlns:a="http://schemas.openxmlformats.org/drawingml/2006/main" xmlns:r="http://schemas.openxmlformats.org/officeDocument/2006/relationships" xmlns:p="http://schemas.openxmlformats.org/presentationml/2006/main">
+  <p:cSld>
+    <p:spTree>
+      <p:nvGrpSpPr>
+        <p:cNvPr id="1" name=""/>
+        <p:cNvGrpSpPr/>
+        <p:nvPr/>
+      </p:nvGrpSpPr>
+      <p:grpSpPr>
+        <a:xfrm>
+          <a:off x="0" y="0"/>
+          <a:ext cx="0" cy="0"/>
+          <a:chOff x="0" y="0"/>
+          <a:chExt cx="0" cy="0"/>
+        </a:xfrm>
+      </p:grpSpPr>
+      <p:sp>
+        <p:nvSpPr>
+          <p:cNvPr id="2" name="Content Placeholder 1"/>
+          <p:cNvSpPr>
+            <a:spLocks noGrp="1"/>
+          </p:cNvSpPr>
+          <p:nvPr>
+            <p:ph idx="1"/>
+          </p:nvPr>
+        </p:nvSpPr>
+        <p:spPr>
+          <a:xfrm>
+            <a:off x="838200" y="1178053"/>
+            <a:ext cx="10515600" cy="1098008"/>
+          </a:xfrm>
+        </p:spPr>
+        <p:txBody>
+          <a:bodyPr/>
+          <a:lstStyle/>
+          <a:p>
+            <a:r>
+              <a:rPr lang="en-US" dirty="0"/>
+              <a:t>Aliases to other actual instructions to simplify assembly programming.</a:t>
+            </a:r>
+          </a:p>
+        </p:txBody>
+      </p:sp>
+      <p:sp>
+        <p:nvSpPr>
+          <p:cNvPr id="3" name="Slide Number Placeholder 2"/>
+          <p:cNvSpPr>
+            <a:spLocks noGrp="1"/>
+          </p:cNvSpPr>
+          <p:nvPr>
+            <p:ph type="sldNum" sz="quarter" idx="12"/>
+          </p:nvPr>
+        </p:nvSpPr>
+        <p:spPr/>
+        <p:txBody>
+          <a:bodyPr/>
+          <a:lstStyle/>
+          <a:p>
+            <a:pPr algn="ctr"/>
+            <a:fld id="{1397BFD8-F312-4EF2-A268-44FB4BDDBBB0}" type="slidenum">
+              <a:rPr lang="ru-RU" smtClean="0"/>
+              <a:pPr algn="ctr"/>
+              <a:t>28</a:t>
+            </a:fld>
+            <a:endParaRPr lang="ru-RU" dirty="0"/>
+          </a:p>
+        </p:txBody>
+      </p:sp>
+      <p:sp>
+        <p:nvSpPr>
+          <p:cNvPr id="4" name="Title 3"/>
+          <p:cNvSpPr>
+            <a:spLocks noGrp="1"/>
+          </p:cNvSpPr>
+          <p:nvPr>
+            <p:ph type="title"/>
+          </p:nvPr>
+        </p:nvSpPr>
+        <p:spPr/>
+        <p:txBody>
+          <a:bodyPr/>
+          <a:lstStyle/>
+          <a:p>
+            <a:r>
+              <a:rPr lang="en-US" dirty="0" err="1"/>
+              <a:t>Pseudoinstructions</a:t>
+            </a:r>
+            <a:endParaRPr lang="en-US" dirty="0"/>
+          </a:p>
+        </p:txBody>
+      </p:sp>
+      <p:sp>
+        <p:nvSpPr>
+          <p:cNvPr id="5" name="Rectangle 4"/>
+          <p:cNvSpPr/>
+          <p:nvPr/>
+        </p:nvSpPr>
+        <p:spPr>
+          <a:xfrm>
+            <a:off x="1547529" y="2398774"/>
+            <a:ext cx="3859696" cy="4031873"/>
+          </a:xfrm>
+          <a:prstGeom prst="rect">
+            <a:avLst/>
+          </a:prstGeom>
+        </p:spPr>
+        <p:txBody>
+          <a:bodyPr wrap="square">
+            <a:spAutoFit/>
+          </a:bodyPr>
+          <a:lstStyle/>
+          <a:p>
+            <a:r>
+              <a:rPr lang="en-US" sz="3200" dirty="0" err="1">
+                <a:solidFill>
+                  <a:srgbClr val="1E3272"/>
+                </a:solidFill>
+              </a:rPr>
+              <a:t>Pseudoinstruction</a:t>
+            </a:r>
+            <a:r>
+              <a:rPr lang="en-US" sz="3200" dirty="0">
+                <a:solidFill>
+                  <a:srgbClr val="1E3272"/>
+                </a:solidFill>
+              </a:rPr>
+              <a:t>:</a:t>
+            </a:r>
+          </a:p>
+          <a:p>
+            <a:endParaRPr lang="en-US" sz="3200" dirty="0">
+              <a:solidFill>
+                <a:srgbClr val="1E3272"/>
+              </a:solidFill>
+            </a:endParaRPr>
+          </a:p>
+          <a:p>
+            <a:r>
+              <a:rPr lang="en-US" sz="3200" dirty="0">
+                <a:solidFill>
+                  <a:srgbClr val="1E3272"/>
+                </a:solidFill>
+              </a:rPr>
+              <a:t>mv </a:t>
+            </a:r>
+            <a:r>
+              <a:rPr lang="en-US" sz="3200" dirty="0" smtClean="0">
+                <a:solidFill>
+                  <a:srgbClr val="1E3272"/>
+                </a:solidFill>
+              </a:rPr>
+              <a:t>   x2</a:t>
+            </a:r>
+            <a:r>
+              <a:rPr lang="en-US" sz="3200" dirty="0">
+                <a:solidFill>
+                  <a:srgbClr val="1E3272"/>
+                </a:solidFill>
+              </a:rPr>
+              <a:t>, x1</a:t>
+            </a:r>
+          </a:p>
+          <a:p>
+            <a:r>
+              <a:rPr lang="en-US" sz="3200" dirty="0">
+                <a:solidFill>
+                  <a:srgbClr val="1E3272"/>
+                </a:solidFill>
+              </a:rPr>
+              <a:t>li </a:t>
+            </a:r>
+            <a:r>
+              <a:rPr lang="en-US" sz="3200" dirty="0" smtClean="0">
+                <a:solidFill>
+                  <a:srgbClr val="1E3272"/>
+                </a:solidFill>
+              </a:rPr>
+              <a:t>      x2</a:t>
+            </a:r>
+            <a:r>
+              <a:rPr lang="en-US" sz="3200" dirty="0">
+                <a:solidFill>
+                  <a:srgbClr val="1E3272"/>
+                </a:solidFill>
+              </a:rPr>
+              <a:t>, 3</a:t>
+            </a:r>
+          </a:p>
+          <a:p>
+            <a:r>
+              <a:rPr lang="en-US" sz="3200" dirty="0" err="1">
+                <a:solidFill>
+                  <a:srgbClr val="1E3272"/>
+                </a:solidFill>
+              </a:rPr>
+              <a:t>ble</a:t>
+            </a:r>
+            <a:r>
+              <a:rPr lang="en-US" sz="3200" dirty="0">
+                <a:solidFill>
+                  <a:srgbClr val="1E3272"/>
+                </a:solidFill>
+              </a:rPr>
+              <a:t> </a:t>
+            </a:r>
+            <a:r>
+              <a:rPr lang="en-US" sz="3200" dirty="0" smtClean="0">
+                <a:solidFill>
+                  <a:srgbClr val="1E3272"/>
+                </a:solidFill>
+              </a:rPr>
+              <a:t>   x1</a:t>
+            </a:r>
+            <a:r>
+              <a:rPr lang="en-US" sz="3200" dirty="0">
+                <a:solidFill>
+                  <a:srgbClr val="1E3272"/>
+                </a:solidFill>
+              </a:rPr>
+              <a:t>, x2, label</a:t>
+            </a:r>
+          </a:p>
+          <a:p>
+            <a:r>
+              <a:rPr lang="en-US" sz="3200" dirty="0" err="1">
+                <a:solidFill>
+                  <a:srgbClr val="1E3272"/>
+                </a:solidFill>
+              </a:rPr>
+              <a:t>beqz</a:t>
+            </a:r>
+            <a:r>
+              <a:rPr lang="en-US" sz="3200" dirty="0">
+                <a:solidFill>
+                  <a:srgbClr val="1E3272"/>
+                </a:solidFill>
+              </a:rPr>
+              <a:t> x1, label</a:t>
+            </a:r>
+          </a:p>
+          <a:p>
+            <a:r>
+              <a:rPr lang="en-US" sz="3200" dirty="0" err="1">
+                <a:solidFill>
+                  <a:srgbClr val="1E3272"/>
+                </a:solidFill>
+              </a:rPr>
+              <a:t>bnez</a:t>
+            </a:r>
+            <a:r>
+              <a:rPr lang="en-US" sz="3200" dirty="0">
+                <a:solidFill>
+                  <a:srgbClr val="1E3272"/>
+                </a:solidFill>
+              </a:rPr>
+              <a:t> x1, label</a:t>
+            </a:r>
+          </a:p>
+          <a:p>
+            <a:r>
+              <a:rPr lang="en-US" sz="3200" dirty="0">
+                <a:solidFill>
+                  <a:srgbClr val="1E3272"/>
+                </a:solidFill>
+              </a:rPr>
+              <a:t>j </a:t>
+            </a:r>
+            <a:r>
+              <a:rPr lang="en-US" sz="3200" dirty="0" smtClean="0">
+                <a:solidFill>
+                  <a:srgbClr val="1E3272"/>
+                </a:solidFill>
+              </a:rPr>
+              <a:t>       label</a:t>
+            </a:r>
+            <a:endParaRPr lang="en-US" sz="3200" dirty="0">
+              <a:solidFill>
+                <a:srgbClr val="1E3272"/>
+              </a:solidFill>
+            </a:endParaRPr>
+          </a:p>
+        </p:txBody>
+      </p:sp>
+      <p:sp>
+        <p:nvSpPr>
+          <p:cNvPr id="6" name="Rectangle 5"/>
+          <p:cNvSpPr/>
+          <p:nvPr/>
+        </p:nvSpPr>
+        <p:spPr>
+          <a:xfrm>
+            <a:off x="5715336" y="2449841"/>
+            <a:ext cx="5963479" cy="4031873"/>
+          </a:xfrm>
+          <a:prstGeom prst="rect">
+            <a:avLst/>
+          </a:prstGeom>
+        </p:spPr>
+        <p:txBody>
+          <a:bodyPr wrap="square">
+            <a:spAutoFit/>
+          </a:bodyPr>
+          <a:lstStyle/>
+          <a:p>
+            <a:r>
+              <a:rPr lang="en-US" sz="3200" dirty="0">
+                <a:solidFill>
+                  <a:srgbClr val="00B050"/>
+                </a:solidFill>
+              </a:rPr>
+              <a:t>Equivalent Assembly Instruction:</a:t>
+            </a:r>
+          </a:p>
+          <a:p>
+            <a:endParaRPr lang="en-US" sz="3200" dirty="0">
+              <a:solidFill>
+                <a:srgbClr val="00B050"/>
+              </a:solidFill>
+            </a:endParaRPr>
+          </a:p>
+          <a:p>
+            <a:r>
+              <a:rPr lang="en-US" sz="3200" dirty="0" err="1">
+                <a:solidFill>
+                  <a:srgbClr val="00B050"/>
+                </a:solidFill>
+              </a:rPr>
+              <a:t>addi</a:t>
+            </a:r>
+            <a:r>
+              <a:rPr lang="en-US" sz="3200" dirty="0">
+                <a:solidFill>
+                  <a:srgbClr val="00B050"/>
+                </a:solidFill>
+              </a:rPr>
+              <a:t> x2, x1, 0</a:t>
+            </a:r>
+          </a:p>
+          <a:p>
+            <a:r>
+              <a:rPr lang="en-US" sz="3200" dirty="0" err="1">
+                <a:solidFill>
+                  <a:srgbClr val="00B050"/>
+                </a:solidFill>
+              </a:rPr>
+              <a:t>addi</a:t>
+            </a:r>
+            <a:r>
+              <a:rPr lang="en-US" sz="3200" dirty="0">
+                <a:solidFill>
+                  <a:srgbClr val="00B050"/>
+                </a:solidFill>
+              </a:rPr>
+              <a:t> x2, x0, 3</a:t>
+            </a:r>
+          </a:p>
+          <a:p>
+            <a:r>
+              <a:rPr lang="en-US" sz="3200" dirty="0" err="1" smtClean="0">
+                <a:solidFill>
+                  <a:srgbClr val="00B050"/>
+                </a:solidFill>
+              </a:rPr>
+              <a:t>bge</a:t>
+            </a:r>
+            <a:r>
+              <a:rPr lang="en-US" sz="3200" dirty="0" smtClean="0">
+                <a:solidFill>
+                  <a:srgbClr val="00B050"/>
+                </a:solidFill>
+              </a:rPr>
+              <a:t>  </a:t>
+            </a:r>
+            <a:r>
+              <a:rPr lang="en-US" sz="3200" dirty="0">
+                <a:solidFill>
+                  <a:srgbClr val="00B050"/>
+                </a:solidFill>
+              </a:rPr>
+              <a:t>x2, x1, label</a:t>
+            </a:r>
+          </a:p>
+          <a:p>
+            <a:r>
+              <a:rPr lang="en-US" sz="3200" dirty="0" err="1">
+                <a:solidFill>
+                  <a:srgbClr val="00B050"/>
+                </a:solidFill>
+              </a:rPr>
+              <a:t>beq</a:t>
+            </a:r>
+            <a:r>
+              <a:rPr lang="en-US" sz="3200" dirty="0">
+                <a:solidFill>
+                  <a:srgbClr val="00B050"/>
+                </a:solidFill>
+              </a:rPr>
+              <a:t> </a:t>
+            </a:r>
+            <a:r>
+              <a:rPr lang="en-US" sz="3200" dirty="0" smtClean="0">
+                <a:solidFill>
+                  <a:srgbClr val="00B050"/>
+                </a:solidFill>
+              </a:rPr>
+              <a:t> x1</a:t>
+            </a:r>
+            <a:r>
+              <a:rPr lang="en-US" sz="3200" dirty="0">
+                <a:solidFill>
+                  <a:srgbClr val="00B050"/>
+                </a:solidFill>
+              </a:rPr>
+              <a:t>, x0, label</a:t>
+            </a:r>
+          </a:p>
+          <a:p>
+            <a:r>
+              <a:rPr lang="en-US" sz="3200" dirty="0" err="1">
+                <a:solidFill>
+                  <a:srgbClr val="00B050"/>
+                </a:solidFill>
+              </a:rPr>
+              <a:t>bne</a:t>
+            </a:r>
+            <a:r>
+              <a:rPr lang="en-US" sz="3200" dirty="0">
+                <a:solidFill>
+                  <a:srgbClr val="00B050"/>
+                </a:solidFill>
+              </a:rPr>
+              <a:t> </a:t>
+            </a:r>
+            <a:r>
+              <a:rPr lang="en-US" sz="3200" dirty="0" smtClean="0">
+                <a:solidFill>
+                  <a:srgbClr val="00B050"/>
+                </a:solidFill>
+              </a:rPr>
+              <a:t> x1</a:t>
+            </a:r>
+            <a:r>
+              <a:rPr lang="en-US" sz="3200" dirty="0">
+                <a:solidFill>
+                  <a:srgbClr val="00B050"/>
+                </a:solidFill>
+              </a:rPr>
+              <a:t>, x0, label</a:t>
+            </a:r>
+          </a:p>
+          <a:p>
+            <a:r>
+              <a:rPr lang="en-US" sz="3200" dirty="0" err="1">
+                <a:solidFill>
+                  <a:srgbClr val="00B050"/>
+                </a:solidFill>
+              </a:rPr>
+              <a:t>jal</a:t>
+            </a:r>
+            <a:r>
+              <a:rPr lang="en-US" sz="3200" dirty="0">
+                <a:solidFill>
+                  <a:srgbClr val="00B050"/>
+                </a:solidFill>
+              </a:rPr>
+              <a:t> </a:t>
+            </a:r>
+            <a:r>
+              <a:rPr lang="en-US" sz="3200" dirty="0" smtClean="0">
+                <a:solidFill>
+                  <a:srgbClr val="00B050"/>
+                </a:solidFill>
+              </a:rPr>
+              <a:t>   x0</a:t>
+            </a:r>
+            <a:r>
+              <a:rPr lang="en-US" sz="3200" dirty="0">
+                <a:solidFill>
+                  <a:srgbClr val="00B050"/>
+                </a:solidFill>
+              </a:rPr>
+              <a:t>, label</a:t>
+            </a:r>
+          </a:p>
+        </p:txBody>
+      </p:sp>
+    </p:spTree>
+    <p:extLst>
+      <p:ext uri="{BB962C8B-B14F-4D97-AF65-F5344CB8AC3E}">
+        <p14:creationId xmlns:p14="http://schemas.microsoft.com/office/powerpoint/2010/main" val="1346305110"/>
+      </p:ext>
+    </p:extLst>
+  </p:cSld>
+  <p:clrMapOvr>
+    <a:masterClrMapping/>
+  </p:clrMapOvr>
+  <p:timing>
+    <p:tnLst>
+      <p:par>
+        <p:cTn id="1" dur="indefinite" restart="never" nodeType="tmRoot"/>
+      </p:par>
+    </p:tnLst>
+  </p:timing>
+</p:sld>
+</file>
+
+<file path=ppt/slides/slide29.xml><?xml version="1.0" encoding="utf-8"?>
+<p:sld xmlns:a="http://schemas.openxmlformats.org/drawingml/2006/main" xmlns:r="http://schemas.openxmlformats.org/officeDocument/2006/relationships" xmlns:p="http://schemas.openxmlformats.org/presentationml/2006/main">
+  <p:cSld>
+    <p:spTree>
+      <p:nvGrpSpPr>
+        <p:cNvPr id="1" name=""/>
+        <p:cNvGrpSpPr/>
+        <p:nvPr/>
+      </p:nvGrpSpPr>
+      <p:grpSpPr>
+        <a:xfrm>
+          <a:off x="0" y="0"/>
+          <a:ext cx="0" cy="0"/>
+          <a:chOff x="0" y="0"/>
+          <a:chExt cx="0" cy="0"/>
+        </a:xfrm>
+      </p:grpSpPr>
+      <p:sp>
+        <p:nvSpPr>
+          <p:cNvPr id="14" name="TextBox 13"/>
+          <p:cNvSpPr txBox="1"/>
+          <p:nvPr/>
+        </p:nvSpPr>
+        <p:spPr>
+          <a:xfrm>
+            <a:off x="8358138" y="998143"/>
+            <a:ext cx="2677340" cy="548640"/>
+          </a:xfrm>
+          <a:prstGeom prst="rect">
+            <a:avLst/>
+          </a:prstGeom>
+          <a:noFill/>
+        </p:spPr>
+        <p:txBody>
+          <a:bodyPr wrap="square" lIns="72000" tIns="25200" rIns="0" bIns="25200" rtlCol="0" anchor="ctr" anchorCtr="0">
+            <a:noAutofit/>
+          </a:bodyPr>
+          <a:lstStyle/>
+          <a:p>
+            <a:pPr algn="ctr"/>
+            <a:r>
+              <a:rPr lang="en-US" sz="3200" b="1" dirty="0" smtClean="0">
+                <a:solidFill>
+                  <a:srgbClr val="1E3272"/>
+                </a:solidFill>
+              </a:rPr>
+              <a:t>Main Memory</a:t>
+            </a:r>
+          </a:p>
+        </p:txBody>
+      </p:sp>
+      <p:sp>
+        <p:nvSpPr>
+          <p:cNvPr id="2" name="Content Placeholder 1"/>
+          <p:cNvSpPr>
+            <a:spLocks noGrp="1"/>
+          </p:cNvSpPr>
+          <p:nvPr>
+            <p:ph idx="1"/>
+          </p:nvPr>
+        </p:nvSpPr>
+        <p:spPr>
+          <a:xfrm>
+            <a:off x="838200" y="1002337"/>
+            <a:ext cx="10515600" cy="1002659"/>
+          </a:xfrm>
+        </p:spPr>
+        <p:txBody>
+          <a:bodyPr>
+            <a:noAutofit/>
+          </a:bodyPr>
+          <a:lstStyle/>
+          <a:p>
+            <a:pPr marL="0" indent="0">
+              <a:spcBef>
+                <a:spcPts val="0"/>
+              </a:spcBef>
+              <a:buNone/>
+            </a:pPr>
+            <a:r>
+              <a:rPr lang="pt-BR" sz="3200" dirty="0">
+                <a:solidFill>
+                  <a:srgbClr val="00B050"/>
+                </a:solidFill>
+              </a:rPr>
+              <a:t>sum = a[0] + a[1] + a[2] + ... + a[n-1]</a:t>
+            </a:r>
+          </a:p>
+          <a:p>
+            <a:pPr marL="0" indent="0">
+              <a:spcBef>
+                <a:spcPts val="0"/>
+              </a:spcBef>
+              <a:buNone/>
+            </a:pPr>
+            <a:r>
+              <a:rPr lang="en-US" sz="3200" dirty="0" smtClean="0">
+                <a:solidFill>
+                  <a:srgbClr val="00B050"/>
+                </a:solidFill>
+              </a:rPr>
+              <a:t>(assume base address </a:t>
+            </a:r>
+            <a:r>
+              <a:rPr lang="en-US" sz="3200" dirty="0">
+                <a:solidFill>
+                  <a:srgbClr val="00B050"/>
+                </a:solidFill>
+              </a:rPr>
+              <a:t>100</a:t>
+            </a:r>
+            <a:r>
+              <a:rPr lang="en-US" sz="3200" dirty="0" smtClean="0">
+                <a:solidFill>
+                  <a:srgbClr val="00B050"/>
+                </a:solidFill>
+              </a:rPr>
+              <a:t> is already in </a:t>
+            </a:r>
+            <a:r>
+              <a:rPr lang="en-US" sz="3200" dirty="0">
+                <a:solidFill>
+                  <a:srgbClr val="00B050"/>
+                </a:solidFill>
+              </a:rPr>
+              <a:t>x10)</a:t>
+            </a:r>
+            <a:endParaRPr lang="en-US" sz="3200" dirty="0">
+              <a:solidFill>
+                <a:srgbClr val="00B050"/>
+              </a:solidFill>
+            </a:endParaRPr>
+          </a:p>
+        </p:txBody>
+      </p:sp>
+      <p:sp>
+        <p:nvSpPr>
+          <p:cNvPr id="3" name="Slide Number Placeholder 2"/>
+          <p:cNvSpPr>
+            <a:spLocks noGrp="1"/>
+          </p:cNvSpPr>
+          <p:nvPr>
+            <p:ph type="sldNum" sz="quarter" idx="12"/>
+          </p:nvPr>
+        </p:nvSpPr>
+        <p:spPr/>
+        <p:txBody>
+          <a:bodyPr/>
+          <a:lstStyle/>
+          <a:p>
+            <a:pPr algn="ctr"/>
+            <a:fld id="{1397BFD8-F312-4EF2-A268-44FB4BDDBBB0}" type="slidenum">
+              <a:rPr lang="ru-RU" smtClean="0"/>
+              <a:pPr algn="ctr"/>
+              <a:t>29</a:t>
+            </a:fld>
+            <a:endParaRPr lang="ru-RU" dirty="0"/>
+          </a:p>
+        </p:txBody>
+      </p:sp>
+      <p:sp>
+        <p:nvSpPr>
+          <p:cNvPr id="4" name="Title 3"/>
+          <p:cNvSpPr>
+            <a:spLocks noGrp="1"/>
+          </p:cNvSpPr>
+          <p:nvPr>
+            <p:ph type="title"/>
+          </p:nvPr>
+        </p:nvSpPr>
+        <p:spPr/>
+        <p:txBody>
+          <a:bodyPr/>
+          <a:lstStyle/>
+          <a:p>
+            <a:r>
+              <a:rPr lang="en-US" dirty="0" smtClean="0"/>
+              <a:t>Example: Program </a:t>
+            </a:r>
+            <a:r>
+              <a:rPr lang="en-US" dirty="0"/>
+              <a:t>to </a:t>
+            </a:r>
+            <a:r>
+              <a:rPr lang="en-US" dirty="0" smtClean="0"/>
+              <a:t>Sum Array Elements</a:t>
+            </a:r>
+            <a:endParaRPr lang="en-US" dirty="0"/>
+          </a:p>
+        </p:txBody>
+      </p:sp>
+      <p:sp>
+        <p:nvSpPr>
+          <p:cNvPr id="5" name="Rectangle 4"/>
+          <p:cNvSpPr/>
+          <p:nvPr/>
+        </p:nvSpPr>
+        <p:spPr>
+          <a:xfrm>
+            <a:off x="816864" y="2117977"/>
+            <a:ext cx="3686722" cy="4524315"/>
+          </a:xfrm>
+          <a:prstGeom prst="rect">
+            <a:avLst/>
+          </a:prstGeom>
+        </p:spPr>
+        <p:txBody>
+          <a:bodyPr wrap="square">
+            <a:spAutoFit/>
+          </a:bodyPr>
+          <a:lstStyle/>
+          <a:p>
+            <a:pPr>
+              <a:lnSpc>
+                <a:spcPct val="90000"/>
+              </a:lnSpc>
+            </a:pPr>
+            <a:r>
+              <a:rPr lang="en-US" sz="3200" dirty="0">
+                <a:solidFill>
+                  <a:srgbClr val="1E3272"/>
+                </a:solidFill>
+              </a:rPr>
+              <a:t> </a:t>
+            </a:r>
+            <a:r>
+              <a:rPr lang="en-US" sz="3200" dirty="0" smtClean="0">
+                <a:solidFill>
+                  <a:srgbClr val="1E3272"/>
+                </a:solidFill>
+              </a:rPr>
+              <a:t>   </a:t>
+            </a:r>
+            <a:r>
+              <a:rPr lang="en-US" sz="3200" dirty="0" err="1" smtClean="0">
+                <a:solidFill>
+                  <a:srgbClr val="1E3272"/>
+                </a:solidFill>
+              </a:rPr>
+              <a:t>lw</a:t>
+            </a:r>
+            <a:r>
+              <a:rPr lang="en-US" sz="3200" dirty="0" smtClean="0">
+                <a:solidFill>
+                  <a:srgbClr val="1E3272"/>
+                </a:solidFill>
+              </a:rPr>
+              <a:t>     x1</a:t>
+            </a:r>
+            <a:r>
+              <a:rPr lang="en-US" sz="3200" dirty="0">
+                <a:solidFill>
+                  <a:srgbClr val="1E3272"/>
+                </a:solidFill>
+              </a:rPr>
+              <a:t>, 0x0(x10)</a:t>
+            </a:r>
+          </a:p>
+          <a:p>
+            <a:pPr>
+              <a:lnSpc>
+                <a:spcPct val="90000"/>
+              </a:lnSpc>
+            </a:pPr>
+            <a:r>
+              <a:rPr lang="en-US" sz="3200" dirty="0">
+                <a:solidFill>
+                  <a:srgbClr val="1E3272"/>
+                </a:solidFill>
+              </a:rPr>
+              <a:t>    </a:t>
+            </a:r>
+            <a:r>
+              <a:rPr lang="en-US" sz="3200" dirty="0" err="1">
+                <a:solidFill>
+                  <a:srgbClr val="1E3272"/>
+                </a:solidFill>
+              </a:rPr>
+              <a:t>lw</a:t>
+            </a:r>
+            <a:r>
+              <a:rPr lang="en-US" sz="3200" dirty="0">
+                <a:solidFill>
+                  <a:srgbClr val="1E3272"/>
+                </a:solidFill>
+              </a:rPr>
+              <a:t>  </a:t>
+            </a:r>
+            <a:r>
+              <a:rPr lang="en-US" sz="3200" dirty="0" smtClean="0">
+                <a:solidFill>
+                  <a:srgbClr val="1E3272"/>
+                </a:solidFill>
+              </a:rPr>
+              <a:t>   x2</a:t>
+            </a:r>
+            <a:r>
+              <a:rPr lang="en-US" sz="3200" dirty="0">
+                <a:solidFill>
+                  <a:srgbClr val="1E3272"/>
+                </a:solidFill>
+              </a:rPr>
+              <a:t>, 0x4(x10)</a:t>
+            </a:r>
+          </a:p>
+          <a:p>
+            <a:pPr>
+              <a:lnSpc>
+                <a:spcPct val="90000"/>
+              </a:lnSpc>
+            </a:pPr>
+            <a:r>
+              <a:rPr lang="en-US" sz="3200" dirty="0">
+                <a:solidFill>
+                  <a:srgbClr val="1E3272"/>
+                </a:solidFill>
+              </a:rPr>
+              <a:t>    add </a:t>
+            </a:r>
+            <a:r>
+              <a:rPr lang="en-US" sz="3200" dirty="0" smtClean="0">
+                <a:solidFill>
+                  <a:srgbClr val="1E3272"/>
+                </a:solidFill>
+              </a:rPr>
+              <a:t>  x3</a:t>
+            </a:r>
+            <a:r>
+              <a:rPr lang="en-US" sz="3200" dirty="0">
+                <a:solidFill>
+                  <a:srgbClr val="1E3272"/>
+                </a:solidFill>
+              </a:rPr>
+              <a:t>, x0, x0</a:t>
+            </a:r>
+          </a:p>
+          <a:p>
+            <a:pPr>
+              <a:lnSpc>
+                <a:spcPct val="90000"/>
+              </a:lnSpc>
+            </a:pPr>
+            <a:r>
+              <a:rPr lang="en-US" sz="3200" dirty="0">
+                <a:solidFill>
+                  <a:srgbClr val="1E3272"/>
+                </a:solidFill>
+              </a:rPr>
+              <a:t>loop:</a:t>
+            </a:r>
+          </a:p>
+          <a:p>
+            <a:pPr>
+              <a:lnSpc>
+                <a:spcPct val="90000"/>
+              </a:lnSpc>
+            </a:pPr>
+            <a:r>
+              <a:rPr lang="en-US" sz="3200" dirty="0">
+                <a:solidFill>
+                  <a:srgbClr val="1E3272"/>
+                </a:solidFill>
+              </a:rPr>
+              <a:t>    </a:t>
+            </a:r>
+            <a:r>
+              <a:rPr lang="en-US" sz="3200" dirty="0" err="1">
+                <a:solidFill>
+                  <a:srgbClr val="1E3272"/>
+                </a:solidFill>
+              </a:rPr>
+              <a:t>lw</a:t>
+            </a:r>
+            <a:r>
+              <a:rPr lang="en-US" sz="3200" dirty="0">
+                <a:solidFill>
+                  <a:srgbClr val="1E3272"/>
+                </a:solidFill>
+              </a:rPr>
+              <a:t>  </a:t>
+            </a:r>
+            <a:r>
+              <a:rPr lang="en-US" sz="3200" dirty="0" smtClean="0">
+                <a:solidFill>
+                  <a:srgbClr val="1E3272"/>
+                </a:solidFill>
+              </a:rPr>
+              <a:t>    x4</a:t>
+            </a:r>
+            <a:r>
+              <a:rPr lang="en-US" sz="3200" dirty="0">
+                <a:solidFill>
+                  <a:srgbClr val="1E3272"/>
+                </a:solidFill>
+              </a:rPr>
+              <a:t>, 0x0(x1)</a:t>
+            </a:r>
+          </a:p>
+          <a:p>
+            <a:pPr>
+              <a:lnSpc>
+                <a:spcPct val="90000"/>
+              </a:lnSpc>
+            </a:pPr>
+            <a:r>
+              <a:rPr lang="en-US" sz="3200" dirty="0">
+                <a:solidFill>
+                  <a:srgbClr val="1E3272"/>
+                </a:solidFill>
+              </a:rPr>
+              <a:t>    add  </a:t>
+            </a:r>
+            <a:r>
+              <a:rPr lang="en-US" sz="3200" dirty="0" smtClean="0">
+                <a:solidFill>
+                  <a:srgbClr val="1E3272"/>
+                </a:solidFill>
+              </a:rPr>
+              <a:t> x3</a:t>
+            </a:r>
+            <a:r>
+              <a:rPr lang="en-US" sz="3200" dirty="0">
+                <a:solidFill>
+                  <a:srgbClr val="1E3272"/>
+                </a:solidFill>
+              </a:rPr>
+              <a:t>, x3, x4</a:t>
+            </a:r>
+          </a:p>
+          <a:p>
+            <a:pPr>
+              <a:lnSpc>
+                <a:spcPct val="90000"/>
+              </a:lnSpc>
+            </a:pPr>
+            <a:r>
+              <a:rPr lang="en-US" sz="3200" dirty="0">
+                <a:solidFill>
+                  <a:srgbClr val="1E3272"/>
+                </a:solidFill>
+              </a:rPr>
+              <a:t>    </a:t>
+            </a:r>
+            <a:r>
+              <a:rPr lang="en-US" sz="3200" dirty="0" err="1">
+                <a:solidFill>
+                  <a:srgbClr val="1E3272"/>
+                </a:solidFill>
+              </a:rPr>
+              <a:t>addi</a:t>
+            </a:r>
+            <a:r>
+              <a:rPr lang="en-US" sz="3200" dirty="0">
+                <a:solidFill>
+                  <a:srgbClr val="1E3272"/>
+                </a:solidFill>
+              </a:rPr>
+              <a:t> </a:t>
+            </a:r>
+            <a:r>
+              <a:rPr lang="en-US" sz="3200" dirty="0" smtClean="0">
+                <a:solidFill>
+                  <a:srgbClr val="1E3272"/>
+                </a:solidFill>
+              </a:rPr>
+              <a:t>  x1</a:t>
+            </a:r>
+            <a:r>
+              <a:rPr lang="en-US" sz="3200" dirty="0">
+                <a:solidFill>
+                  <a:srgbClr val="1E3272"/>
+                </a:solidFill>
+              </a:rPr>
+              <a:t>, x1, 4</a:t>
+            </a:r>
+          </a:p>
+          <a:p>
+            <a:pPr>
+              <a:lnSpc>
+                <a:spcPct val="90000"/>
+              </a:lnSpc>
+            </a:pPr>
+            <a:r>
+              <a:rPr lang="en-US" sz="3200" dirty="0">
+                <a:solidFill>
+                  <a:srgbClr val="1E3272"/>
+                </a:solidFill>
+              </a:rPr>
+              <a:t>    </a:t>
+            </a:r>
+            <a:r>
+              <a:rPr lang="en-US" sz="3200" dirty="0" err="1">
+                <a:solidFill>
+                  <a:srgbClr val="1E3272"/>
+                </a:solidFill>
+              </a:rPr>
+              <a:t>addi</a:t>
+            </a:r>
+            <a:r>
+              <a:rPr lang="en-US" sz="3200" dirty="0">
+                <a:solidFill>
+                  <a:srgbClr val="1E3272"/>
+                </a:solidFill>
+              </a:rPr>
+              <a:t> </a:t>
+            </a:r>
+            <a:r>
+              <a:rPr lang="en-US" sz="3200" dirty="0" smtClean="0">
+                <a:solidFill>
+                  <a:srgbClr val="1E3272"/>
+                </a:solidFill>
+              </a:rPr>
+              <a:t>  x2</a:t>
+            </a:r>
+            <a:r>
+              <a:rPr lang="en-US" sz="3200" dirty="0">
+                <a:solidFill>
+                  <a:srgbClr val="1E3272"/>
+                </a:solidFill>
+              </a:rPr>
+              <a:t>, x2, -1</a:t>
+            </a:r>
+          </a:p>
+          <a:p>
+            <a:pPr>
+              <a:lnSpc>
+                <a:spcPct val="90000"/>
+              </a:lnSpc>
+            </a:pPr>
+            <a:r>
+              <a:rPr lang="en-US" sz="3200" dirty="0">
+                <a:solidFill>
+                  <a:srgbClr val="1E3272"/>
+                </a:solidFill>
+              </a:rPr>
+              <a:t>    </a:t>
+            </a:r>
+            <a:r>
+              <a:rPr lang="en-US" sz="3200" dirty="0" err="1">
+                <a:solidFill>
+                  <a:srgbClr val="1E3272"/>
+                </a:solidFill>
+              </a:rPr>
+              <a:t>bnez</a:t>
+            </a:r>
+            <a:r>
+              <a:rPr lang="en-US" sz="3200" dirty="0">
+                <a:solidFill>
+                  <a:srgbClr val="1E3272"/>
+                </a:solidFill>
+              </a:rPr>
+              <a:t> </a:t>
+            </a:r>
+            <a:r>
+              <a:rPr lang="en-US" sz="3200" dirty="0" smtClean="0">
+                <a:solidFill>
+                  <a:srgbClr val="1E3272"/>
+                </a:solidFill>
+              </a:rPr>
+              <a:t> x2</a:t>
+            </a:r>
+            <a:r>
+              <a:rPr lang="en-US" sz="3200" dirty="0">
+                <a:solidFill>
+                  <a:srgbClr val="1E3272"/>
+                </a:solidFill>
+              </a:rPr>
+              <a:t>, loop</a:t>
+            </a:r>
+          </a:p>
+          <a:p>
+            <a:pPr>
+              <a:lnSpc>
+                <a:spcPct val="90000"/>
+              </a:lnSpc>
+            </a:pPr>
+            <a:r>
+              <a:rPr lang="en-US" sz="3200" dirty="0">
+                <a:solidFill>
+                  <a:srgbClr val="1E3272"/>
+                </a:solidFill>
+              </a:rPr>
+              <a:t>    </a:t>
+            </a:r>
+            <a:r>
+              <a:rPr lang="en-US" sz="3200" dirty="0" err="1">
+                <a:solidFill>
+                  <a:srgbClr val="1E3272"/>
+                </a:solidFill>
+              </a:rPr>
+              <a:t>sw</a:t>
+            </a:r>
+            <a:r>
+              <a:rPr lang="en-US" sz="3200" dirty="0">
+                <a:solidFill>
+                  <a:srgbClr val="1E3272"/>
+                </a:solidFill>
+              </a:rPr>
+              <a:t>  </a:t>
+            </a:r>
+            <a:r>
+              <a:rPr lang="en-US" sz="3200" dirty="0" smtClean="0">
+                <a:solidFill>
+                  <a:srgbClr val="1E3272"/>
+                </a:solidFill>
+              </a:rPr>
+              <a:t>    x3</a:t>
+            </a:r>
+            <a:r>
+              <a:rPr lang="en-US" sz="3200" dirty="0">
+                <a:solidFill>
+                  <a:srgbClr val="1E3272"/>
+                </a:solidFill>
+              </a:rPr>
+              <a:t>, 0x8(x10)</a:t>
+            </a:r>
+          </a:p>
+        </p:txBody>
+      </p:sp>
+      <p:sp>
+        <p:nvSpPr>
+          <p:cNvPr id="6" name="Double Wave 5"/>
+          <p:cNvSpPr/>
+          <p:nvPr/>
+        </p:nvSpPr>
+        <p:spPr>
+          <a:xfrm>
+            <a:off x="8793511" y="1508761"/>
+            <a:ext cx="1903787" cy="5230370"/>
+          </a:xfrm>
+          <a:prstGeom prst="doubleWave">
+            <a:avLst/>
+          </a:prstGeom>
+          <a:solidFill>
+            <a:schemeClr val="accent1">
+              <a:lumMod val="75000"/>
+            </a:schemeClr>
+          </a:solidFill>
+          <a:ln w="25400">
+            <a:solidFill>
+              <a:srgbClr val="1E3272"/>
+            </a:solidFill>
+          </a:ln>
+        </p:spPr>
+        <p:style>
+          <a:lnRef idx="2">
+            <a:schemeClr val="accent1">
+              <a:shade val="50000"/>
+            </a:schemeClr>
+          </a:lnRef>
+          <a:fillRef idx="1">
+            <a:schemeClr val="accent1"/>
+          </a:fillRef>
+          <a:effectRef idx="0">
+            <a:schemeClr val="accent1"/>
+          </a:effectRef>
+          <a:fontRef idx="minor">
+            <a:schemeClr val="lt1"/>
+          </a:fontRef>
+        </p:style>
+        <p:txBody>
+          <a:bodyPr rtlCol="0" anchor="ctr"/>
+          <a:lstStyle/>
+          <a:p>
+            <a:pPr algn="ctr"/>
+            <a:endParaRPr lang="en-US"/>
+          </a:p>
+        </p:txBody>
+      </p:sp>
+      <p:sp>
+        <p:nvSpPr>
+          <p:cNvPr id="7" name="Rectangle 6"/>
+          <p:cNvSpPr/>
+          <p:nvPr/>
+        </p:nvSpPr>
+        <p:spPr>
+          <a:xfrm>
+            <a:off x="8800710" y="2217104"/>
+            <a:ext cx="1908312" cy="467139"/>
+          </a:xfrm>
+          <a:prstGeom prst="rect">
+            <a:avLst/>
+          </a:prstGeom>
+          <a:solidFill>
+            <a:schemeClr val="accent1">
+              <a:lumMod val="75000"/>
+            </a:schemeClr>
+          </a:solidFill>
+          <a:ln w="25400">
+            <a:solidFill>
+              <a:srgbClr val="1E3272"/>
+            </a:solidFill>
+          </a:ln>
+        </p:spPr>
+        <p:style>
+          <a:lnRef idx="2">
+            <a:schemeClr val="accent1">
+              <a:shade val="50000"/>
+            </a:schemeClr>
+          </a:lnRef>
+          <a:fillRef idx="1">
+            <a:schemeClr val="accent1"/>
+          </a:fillRef>
+          <a:effectRef idx="0">
+            <a:schemeClr val="accent1"/>
+          </a:effectRef>
+          <a:fontRef idx="minor">
+            <a:schemeClr val="lt1"/>
+          </a:fontRef>
+        </p:style>
+        <p:txBody>
+          <a:bodyPr rtlCol="0" anchor="ctr"/>
+          <a:lstStyle/>
+          <a:p>
+            <a:pPr algn="ctr"/>
+            <a:r>
+              <a:rPr lang="en-US" sz="3200" dirty="0">
+                <a:solidFill>
+                  <a:srgbClr val="F7B217"/>
+                </a:solidFill>
+              </a:rPr>
+              <a:t>a[0]</a:t>
+            </a:r>
+            <a:endParaRPr lang="en-US" sz="3200" dirty="0">
+              <a:solidFill>
+                <a:srgbClr val="F7B217"/>
+              </a:solidFill>
+            </a:endParaRPr>
+          </a:p>
+        </p:txBody>
+      </p:sp>
+      <p:sp>
+        <p:nvSpPr>
+          <p:cNvPr id="8" name="Rectangle 7"/>
+          <p:cNvSpPr/>
+          <p:nvPr/>
+        </p:nvSpPr>
+        <p:spPr>
+          <a:xfrm>
+            <a:off x="8798131" y="2681297"/>
+            <a:ext cx="1908312" cy="467139"/>
+          </a:xfrm>
+          <a:prstGeom prst="rect">
+            <a:avLst/>
+          </a:prstGeom>
+          <a:solidFill>
+            <a:schemeClr val="accent1">
+              <a:lumMod val="75000"/>
+            </a:schemeClr>
+          </a:solidFill>
+          <a:ln w="25400">
+            <a:solidFill>
+              <a:srgbClr val="1E3272"/>
+            </a:solidFill>
+          </a:ln>
+        </p:spPr>
+        <p:style>
+          <a:lnRef idx="2">
+            <a:schemeClr val="accent1">
+              <a:shade val="50000"/>
+            </a:schemeClr>
+          </a:lnRef>
+          <a:fillRef idx="1">
+            <a:schemeClr val="accent1"/>
+          </a:fillRef>
+          <a:effectRef idx="0">
+            <a:schemeClr val="accent1"/>
+          </a:effectRef>
+          <a:fontRef idx="minor">
+            <a:schemeClr val="lt1"/>
+          </a:fontRef>
+        </p:style>
+        <p:txBody>
+          <a:bodyPr rtlCol="0" anchor="ctr"/>
+          <a:lstStyle/>
+          <a:p>
+            <a:pPr algn="ctr"/>
+            <a:r>
+              <a:rPr lang="en-US" sz="3200" dirty="0" smtClean="0">
+                <a:solidFill>
+                  <a:srgbClr val="F7B217"/>
+                </a:solidFill>
+              </a:rPr>
+              <a:t>a[1]</a:t>
+            </a:r>
+            <a:endParaRPr lang="en-US" sz="3200" dirty="0">
+              <a:solidFill>
+                <a:srgbClr val="F7B217"/>
+              </a:solidFill>
+            </a:endParaRPr>
+          </a:p>
+        </p:txBody>
+      </p:sp>
+      <p:sp>
+        <p:nvSpPr>
+          <p:cNvPr id="9" name="Rectangle 8"/>
+          <p:cNvSpPr/>
+          <p:nvPr/>
+        </p:nvSpPr>
+        <p:spPr>
+          <a:xfrm>
+            <a:off x="8798131" y="3148436"/>
+            <a:ext cx="1908312" cy="467139"/>
+          </a:xfrm>
+          <a:prstGeom prst="rect">
+            <a:avLst/>
+          </a:prstGeom>
+          <a:solidFill>
+            <a:schemeClr val="accent1">
+              <a:lumMod val="75000"/>
+            </a:schemeClr>
+          </a:solidFill>
+          <a:ln w="25400">
+            <a:solidFill>
+              <a:srgbClr val="1E3272"/>
+            </a:solidFill>
+          </a:ln>
+        </p:spPr>
+        <p:style>
+          <a:lnRef idx="2">
+            <a:schemeClr val="accent1">
+              <a:shade val="50000"/>
+            </a:schemeClr>
+          </a:lnRef>
+          <a:fillRef idx="1">
+            <a:schemeClr val="accent1"/>
+          </a:fillRef>
+          <a:effectRef idx="0">
+            <a:schemeClr val="accent1"/>
+          </a:effectRef>
+          <a:fontRef idx="minor">
+            <a:schemeClr val="lt1"/>
+          </a:fontRef>
+        </p:style>
+        <p:txBody>
+          <a:bodyPr rtlCol="0" anchor="ctr"/>
+          <a:lstStyle/>
+          <a:p>
+            <a:pPr algn="ctr"/>
+            <a:endParaRPr lang="en-US" sz="3200" dirty="0">
+              <a:solidFill>
+                <a:srgbClr val="F7B217"/>
+              </a:solidFill>
+            </a:endParaRPr>
+          </a:p>
+        </p:txBody>
+      </p:sp>
+      <p:sp>
+        <p:nvSpPr>
+          <p:cNvPr id="10" name="Rectangle 9"/>
+          <p:cNvSpPr/>
+          <p:nvPr/>
+        </p:nvSpPr>
+        <p:spPr>
+          <a:xfrm>
+            <a:off x="8798131" y="3612629"/>
+            <a:ext cx="1908312" cy="467139"/>
+          </a:xfrm>
+          <a:prstGeom prst="rect">
+            <a:avLst/>
+          </a:prstGeom>
+          <a:solidFill>
+            <a:schemeClr val="accent1">
+              <a:lumMod val="75000"/>
+            </a:schemeClr>
+          </a:solidFill>
+          <a:ln w="25400">
+            <a:solidFill>
+              <a:srgbClr val="1E3272"/>
+            </a:solidFill>
+          </a:ln>
+        </p:spPr>
+        <p:style>
+          <a:lnRef idx="2">
+            <a:schemeClr val="accent1">
+              <a:shade val="50000"/>
+            </a:schemeClr>
+          </a:lnRef>
+          <a:fillRef idx="1">
+            <a:schemeClr val="accent1"/>
+          </a:fillRef>
+          <a:effectRef idx="0">
+            <a:schemeClr val="accent1"/>
+          </a:effectRef>
+          <a:fontRef idx="minor">
+            <a:schemeClr val="lt1"/>
+          </a:fontRef>
+        </p:style>
+        <p:txBody>
+          <a:bodyPr rtlCol="0" anchor="ctr"/>
+          <a:lstStyle/>
+          <a:p>
+            <a:pPr algn="ctr"/>
+            <a:r>
+              <a:rPr lang="en-US" sz="3200" dirty="0">
+                <a:solidFill>
+                  <a:srgbClr val="F7B217"/>
+                </a:solidFill>
+              </a:rPr>
+              <a:t>a[n-1]</a:t>
+            </a:r>
+            <a:endParaRPr lang="en-US" sz="3200" dirty="0">
+              <a:solidFill>
+                <a:srgbClr val="F7B217"/>
+              </a:solidFill>
+            </a:endParaRPr>
+          </a:p>
+        </p:txBody>
+      </p:sp>
+      <p:sp>
+        <p:nvSpPr>
+          <p:cNvPr id="11" name="Rectangle 10"/>
+          <p:cNvSpPr/>
+          <p:nvPr/>
+        </p:nvSpPr>
+        <p:spPr>
+          <a:xfrm>
+            <a:off x="8798131" y="4079768"/>
+            <a:ext cx="1908312" cy="467139"/>
+          </a:xfrm>
+          <a:prstGeom prst="rect">
+            <a:avLst/>
+          </a:prstGeom>
+          <a:solidFill>
+            <a:schemeClr val="accent1">
+              <a:lumMod val="75000"/>
+            </a:schemeClr>
+          </a:solidFill>
+          <a:ln w="25400">
+            <a:solidFill>
+              <a:srgbClr val="1E3272"/>
+            </a:solidFill>
+          </a:ln>
+        </p:spPr>
+        <p:style>
+          <a:lnRef idx="2">
+            <a:schemeClr val="accent1">
+              <a:shade val="50000"/>
+            </a:schemeClr>
+          </a:lnRef>
+          <a:fillRef idx="1">
+            <a:schemeClr val="accent1"/>
+          </a:fillRef>
+          <a:effectRef idx="0">
+            <a:schemeClr val="accent1"/>
+          </a:effectRef>
+          <a:fontRef idx="minor">
+            <a:schemeClr val="lt1"/>
+          </a:fontRef>
+        </p:style>
+        <p:txBody>
+          <a:bodyPr rtlCol="0" anchor="ctr"/>
+          <a:lstStyle/>
+          <a:p>
+            <a:pPr algn="ctr"/>
+            <a:endParaRPr lang="en-US" sz="3200" dirty="0">
+              <a:solidFill>
+                <a:srgbClr val="F7B217"/>
+              </a:solidFill>
+            </a:endParaRPr>
+          </a:p>
+        </p:txBody>
+      </p:sp>
+      <p:sp>
+        <p:nvSpPr>
+          <p:cNvPr id="15" name="TextBox 14"/>
+          <p:cNvSpPr txBox="1"/>
+          <p:nvPr/>
+        </p:nvSpPr>
+        <p:spPr>
+          <a:xfrm>
+            <a:off x="7711930" y="2224068"/>
+            <a:ext cx="1258274" cy="3810972"/>
+          </a:xfrm>
+          <a:prstGeom prst="rect">
+            <a:avLst/>
+          </a:prstGeom>
+          <a:noFill/>
+        </p:spPr>
+        <p:txBody>
+          <a:bodyPr wrap="square" lIns="72000" tIns="25200" rIns="0" bIns="25200" rtlCol="0" anchor="ctr" anchorCtr="0">
+            <a:normAutofit fontScale="85000" lnSpcReduction="20000"/>
+          </a:bodyPr>
+          <a:lstStyle/>
+          <a:p>
+            <a:pPr algn="ctr">
+              <a:lnSpc>
+                <a:spcPct val="110000"/>
+              </a:lnSpc>
+            </a:pPr>
+            <a:r>
+              <a:rPr lang="en-US" sz="3900" dirty="0" smtClean="0">
+                <a:solidFill>
+                  <a:srgbClr val="1E3272"/>
+                </a:solidFill>
+              </a:rPr>
+              <a:t>0</a:t>
+            </a:r>
+            <a:endParaRPr lang="en-US" sz="3900" dirty="0" smtClean="0">
+              <a:solidFill>
+                <a:srgbClr val="1E3272"/>
+              </a:solidFill>
+            </a:endParaRPr>
+          </a:p>
+          <a:p>
+            <a:pPr algn="ctr">
+              <a:lnSpc>
+                <a:spcPct val="110000"/>
+              </a:lnSpc>
+            </a:pPr>
+            <a:r>
+              <a:rPr lang="en-US" sz="3900" dirty="0" smtClean="0">
+                <a:solidFill>
+                  <a:srgbClr val="1E3272"/>
+                </a:solidFill>
+              </a:rPr>
+              <a:t>4</a:t>
+            </a:r>
+            <a:endParaRPr lang="en-US" sz="3900" dirty="0" smtClean="0">
+              <a:solidFill>
+                <a:srgbClr val="1E3272"/>
+              </a:solidFill>
+            </a:endParaRPr>
+          </a:p>
+          <a:p>
+            <a:pPr algn="ctr">
+              <a:lnSpc>
+                <a:spcPct val="110000"/>
+              </a:lnSpc>
+            </a:pPr>
+            <a:endParaRPr lang="en-US" sz="3900" dirty="0" smtClean="0">
+              <a:solidFill>
+                <a:srgbClr val="1E3272"/>
+              </a:solidFill>
+            </a:endParaRPr>
+          </a:p>
+          <a:p>
+            <a:pPr algn="ctr">
+              <a:lnSpc>
+                <a:spcPct val="110000"/>
+              </a:lnSpc>
+            </a:pPr>
+            <a:endParaRPr lang="en-US" sz="3900" dirty="0" smtClean="0">
+              <a:solidFill>
+                <a:srgbClr val="1E3272"/>
+              </a:solidFill>
+            </a:endParaRPr>
+          </a:p>
+          <a:p>
+            <a:pPr algn="ctr">
+              <a:lnSpc>
+                <a:spcPct val="110000"/>
+              </a:lnSpc>
+            </a:pPr>
+            <a:endParaRPr lang="en-US" sz="3900" dirty="0" smtClean="0">
+              <a:solidFill>
+                <a:srgbClr val="1E3272"/>
+              </a:solidFill>
+            </a:endParaRPr>
+          </a:p>
+          <a:p>
+            <a:pPr algn="ctr">
+              <a:lnSpc>
+                <a:spcPct val="110000"/>
+              </a:lnSpc>
+            </a:pPr>
+            <a:r>
+              <a:rPr lang="en-US" sz="3900" dirty="0" smtClean="0">
+                <a:solidFill>
+                  <a:srgbClr val="1E3272"/>
+                </a:solidFill>
+              </a:rPr>
+              <a:t>100</a:t>
+            </a:r>
+          </a:p>
+          <a:p>
+            <a:pPr algn="ctr">
+              <a:lnSpc>
+                <a:spcPct val="110000"/>
+              </a:lnSpc>
+            </a:pPr>
+            <a:r>
+              <a:rPr lang="en-US" sz="3900" dirty="0" smtClean="0">
+                <a:solidFill>
+                  <a:srgbClr val="1E3272"/>
+                </a:solidFill>
+              </a:rPr>
+              <a:t>104</a:t>
+            </a:r>
+          </a:p>
+          <a:p>
+            <a:pPr algn="ctr">
+              <a:lnSpc>
+                <a:spcPct val="110000"/>
+              </a:lnSpc>
+            </a:pPr>
+            <a:r>
+              <a:rPr lang="en-US" sz="3900" dirty="0" smtClean="0">
+                <a:solidFill>
+                  <a:srgbClr val="1E3272"/>
+                </a:solidFill>
+              </a:rPr>
+              <a:t>108</a:t>
+            </a:r>
+            <a:endParaRPr lang="en-US" sz="4400" dirty="0" smtClean="0">
+              <a:solidFill>
+                <a:srgbClr val="1E3272"/>
+              </a:solidFill>
+            </a:endParaRPr>
+          </a:p>
+        </p:txBody>
+      </p:sp>
+      <p:sp>
+        <p:nvSpPr>
+          <p:cNvPr id="16" name="Rectangle 15"/>
+          <p:cNvSpPr/>
+          <p:nvPr/>
+        </p:nvSpPr>
+        <p:spPr>
+          <a:xfrm>
+            <a:off x="5193382" y="2774760"/>
+            <a:ext cx="1908312" cy="467139"/>
+          </a:xfrm>
+          <a:prstGeom prst="rect">
+            <a:avLst/>
+          </a:prstGeom>
+          <a:solidFill>
+            <a:srgbClr val="F7B217"/>
+          </a:solidFill>
+          <a:ln w="25400">
+            <a:solidFill>
+              <a:srgbClr val="1E3272"/>
+            </a:solidFill>
+          </a:ln>
+        </p:spPr>
+        <p:style>
+          <a:lnRef idx="2">
+            <a:schemeClr val="accent1">
+              <a:shade val="50000"/>
+            </a:schemeClr>
+          </a:lnRef>
+          <a:fillRef idx="1">
+            <a:schemeClr val="accent1"/>
+          </a:fillRef>
+          <a:effectRef idx="0">
+            <a:schemeClr val="accent1"/>
+          </a:effectRef>
+          <a:fontRef idx="minor">
+            <a:schemeClr val="lt1"/>
+          </a:fontRef>
+        </p:style>
+        <p:txBody>
+          <a:bodyPr rtlCol="0" anchor="ctr"/>
+          <a:lstStyle/>
+          <a:p>
+            <a:pPr algn="ctr"/>
+            <a:endParaRPr lang="en-US" sz="2400" dirty="0">
+              <a:solidFill>
+                <a:srgbClr val="1E3272"/>
+              </a:solidFill>
+            </a:endParaRPr>
+          </a:p>
+        </p:txBody>
+      </p:sp>
+      <p:sp>
+        <p:nvSpPr>
+          <p:cNvPr id="17" name="Rectangle 16"/>
+          <p:cNvSpPr/>
+          <p:nvPr/>
+        </p:nvSpPr>
+        <p:spPr>
+          <a:xfrm>
+            <a:off x="5190803" y="3238953"/>
+            <a:ext cx="1908312" cy="467139"/>
+          </a:xfrm>
+          <a:prstGeom prst="rect">
+            <a:avLst/>
+          </a:prstGeom>
+          <a:solidFill>
+            <a:srgbClr val="F7B217"/>
+          </a:solidFill>
+          <a:ln w="25400">
+            <a:solidFill>
+              <a:srgbClr val="1E3272"/>
+            </a:solidFill>
+          </a:ln>
+        </p:spPr>
+        <p:style>
+          <a:lnRef idx="2">
+            <a:schemeClr val="accent1">
+              <a:shade val="50000"/>
+            </a:schemeClr>
+          </a:lnRef>
+          <a:fillRef idx="1">
+            <a:schemeClr val="accent1"/>
+          </a:fillRef>
+          <a:effectRef idx="0">
+            <a:schemeClr val="accent1"/>
+          </a:effectRef>
+          <a:fontRef idx="minor">
+            <a:schemeClr val="lt1"/>
+          </a:fontRef>
+        </p:style>
+        <p:txBody>
+          <a:bodyPr rtlCol="0" anchor="ctr"/>
+          <a:lstStyle/>
+          <a:p>
+            <a:pPr algn="ctr"/>
+            <a:r>
+              <a:rPr lang="en-US" sz="2800" dirty="0" err="1">
+                <a:solidFill>
+                  <a:srgbClr val="1E3272"/>
+                </a:solidFill>
+              </a:rPr>
+              <a:t>Addr</a:t>
+            </a:r>
+            <a:r>
+              <a:rPr lang="en-US" sz="2800" dirty="0">
+                <a:solidFill>
+                  <a:srgbClr val="1E3272"/>
+                </a:solidFill>
+              </a:rPr>
+              <a:t> of a[</a:t>
+            </a:r>
+            <a:r>
+              <a:rPr lang="en-US" sz="2800" dirty="0" err="1">
+                <a:solidFill>
+                  <a:srgbClr val="1E3272"/>
+                </a:solidFill>
+              </a:rPr>
+              <a:t>i</a:t>
+            </a:r>
+            <a:r>
+              <a:rPr lang="en-US" sz="2800" dirty="0">
+                <a:solidFill>
+                  <a:srgbClr val="1E3272"/>
+                </a:solidFill>
+              </a:rPr>
+              <a:t>]</a:t>
+            </a:r>
+            <a:endParaRPr lang="en-US" sz="2800" dirty="0">
+              <a:solidFill>
+                <a:srgbClr val="1E3272"/>
+              </a:solidFill>
+            </a:endParaRPr>
+          </a:p>
+        </p:txBody>
+      </p:sp>
+      <p:sp>
+        <p:nvSpPr>
+          <p:cNvPr id="18" name="Rectangle 17"/>
+          <p:cNvSpPr/>
+          <p:nvPr/>
+        </p:nvSpPr>
+        <p:spPr>
+          <a:xfrm>
+            <a:off x="5190803" y="3706092"/>
+            <a:ext cx="1908312" cy="467139"/>
+          </a:xfrm>
+          <a:prstGeom prst="rect">
+            <a:avLst/>
+          </a:prstGeom>
+          <a:solidFill>
+            <a:srgbClr val="F7B217"/>
+          </a:solidFill>
+          <a:ln w="25400">
+            <a:solidFill>
+              <a:srgbClr val="1E3272"/>
+            </a:solidFill>
+          </a:ln>
+        </p:spPr>
+        <p:style>
+          <a:lnRef idx="2">
+            <a:schemeClr val="accent1">
+              <a:shade val="50000"/>
+            </a:schemeClr>
+          </a:lnRef>
+          <a:fillRef idx="1">
+            <a:schemeClr val="accent1"/>
+          </a:fillRef>
+          <a:effectRef idx="0">
+            <a:schemeClr val="accent1"/>
+          </a:effectRef>
+          <a:fontRef idx="minor">
+            <a:schemeClr val="lt1"/>
+          </a:fontRef>
+        </p:style>
+        <p:txBody>
+          <a:bodyPr rtlCol="0" anchor="ctr"/>
+          <a:lstStyle/>
+          <a:p>
+            <a:pPr algn="ctr"/>
+            <a:r>
+              <a:rPr lang="en-US" sz="3200" dirty="0" smtClean="0">
+                <a:solidFill>
+                  <a:srgbClr val="1E3272"/>
+                </a:solidFill>
+              </a:rPr>
+              <a:t>n</a:t>
+            </a:r>
+            <a:endParaRPr lang="en-US" sz="3200" dirty="0">
+              <a:solidFill>
+                <a:srgbClr val="1E3272"/>
+              </a:solidFill>
+            </a:endParaRPr>
+          </a:p>
+        </p:txBody>
+      </p:sp>
+      <p:sp>
+        <p:nvSpPr>
+          <p:cNvPr id="19" name="Rectangle 18"/>
+          <p:cNvSpPr/>
+          <p:nvPr/>
+        </p:nvSpPr>
+        <p:spPr>
+          <a:xfrm>
+            <a:off x="5190803" y="4170285"/>
+            <a:ext cx="1908312" cy="467139"/>
+          </a:xfrm>
+          <a:prstGeom prst="rect">
+            <a:avLst/>
+          </a:prstGeom>
+          <a:solidFill>
+            <a:srgbClr val="F7B217"/>
+          </a:solidFill>
+          <a:ln w="25400">
+            <a:solidFill>
+              <a:srgbClr val="1E3272"/>
+            </a:solidFill>
+          </a:ln>
+        </p:spPr>
+        <p:style>
+          <a:lnRef idx="2">
+            <a:schemeClr val="accent1">
+              <a:shade val="50000"/>
+            </a:schemeClr>
+          </a:lnRef>
+          <a:fillRef idx="1">
+            <a:schemeClr val="accent1"/>
+          </a:fillRef>
+          <a:effectRef idx="0">
+            <a:schemeClr val="accent1"/>
+          </a:effectRef>
+          <a:fontRef idx="minor">
+            <a:schemeClr val="lt1"/>
+          </a:fontRef>
+        </p:style>
+        <p:txBody>
+          <a:bodyPr rtlCol="0" anchor="ctr"/>
+          <a:lstStyle/>
+          <a:p>
+            <a:pPr algn="ctr"/>
+            <a:r>
+              <a:rPr lang="en-US" sz="2800" dirty="0" smtClean="0">
+                <a:solidFill>
+                  <a:srgbClr val="1E3272"/>
+                </a:solidFill>
+              </a:rPr>
+              <a:t>sum</a:t>
+            </a:r>
+            <a:endParaRPr lang="en-US" sz="2800" dirty="0">
+              <a:solidFill>
+                <a:srgbClr val="1E3272"/>
+              </a:solidFill>
+            </a:endParaRPr>
+          </a:p>
+        </p:txBody>
+      </p:sp>
+      <p:sp>
+        <p:nvSpPr>
+          <p:cNvPr id="20" name="Rectangle 19"/>
+          <p:cNvSpPr/>
+          <p:nvPr/>
+        </p:nvSpPr>
+        <p:spPr>
+          <a:xfrm>
+            <a:off x="5190803" y="4626005"/>
+            <a:ext cx="1908312" cy="467139"/>
+          </a:xfrm>
+          <a:prstGeom prst="rect">
+            <a:avLst/>
+          </a:prstGeom>
+          <a:solidFill>
+            <a:srgbClr val="F7B217"/>
+          </a:solidFill>
+          <a:ln w="25400">
+            <a:solidFill>
+              <a:srgbClr val="1E3272"/>
+            </a:solidFill>
+          </a:ln>
+        </p:spPr>
+        <p:style>
+          <a:lnRef idx="2">
+            <a:schemeClr val="accent1">
+              <a:shade val="50000"/>
+            </a:schemeClr>
+          </a:lnRef>
+          <a:fillRef idx="1">
+            <a:schemeClr val="accent1"/>
+          </a:fillRef>
+          <a:effectRef idx="0">
+            <a:schemeClr val="accent1"/>
+          </a:effectRef>
+          <a:fontRef idx="minor">
+            <a:schemeClr val="lt1"/>
+          </a:fontRef>
+        </p:style>
+        <p:txBody>
+          <a:bodyPr rtlCol="0" anchor="ctr"/>
+          <a:lstStyle/>
+          <a:p>
+            <a:pPr algn="ctr"/>
+            <a:endParaRPr lang="en-US" dirty="0"/>
+          </a:p>
+        </p:txBody>
+      </p:sp>
+      <p:sp>
+        <p:nvSpPr>
+          <p:cNvPr id="21" name="Rectangle 20"/>
+          <p:cNvSpPr/>
+          <p:nvPr/>
+        </p:nvSpPr>
+        <p:spPr>
+          <a:xfrm>
+            <a:off x="5190803" y="5090198"/>
+            <a:ext cx="1908312" cy="467139"/>
+          </a:xfrm>
+          <a:prstGeom prst="rect">
+            <a:avLst/>
+          </a:prstGeom>
+          <a:solidFill>
+            <a:srgbClr val="F7B217"/>
+          </a:solidFill>
+          <a:ln w="25400">
+            <a:solidFill>
+              <a:srgbClr val="1E3272"/>
+            </a:solidFill>
+          </a:ln>
+        </p:spPr>
+        <p:style>
+          <a:lnRef idx="2">
+            <a:schemeClr val="accent1">
+              <a:shade val="50000"/>
+            </a:schemeClr>
+          </a:lnRef>
+          <a:fillRef idx="1">
+            <a:schemeClr val="accent1"/>
+          </a:fillRef>
+          <a:effectRef idx="0">
+            <a:schemeClr val="accent1"/>
+          </a:effectRef>
+          <a:fontRef idx="minor">
+            <a:schemeClr val="lt1"/>
+          </a:fontRef>
+        </p:style>
+        <p:txBody>
+          <a:bodyPr rtlCol="0" anchor="ctr"/>
+          <a:lstStyle/>
+          <a:p>
+            <a:pPr algn="ctr"/>
+            <a:r>
+              <a:rPr lang="en-US" sz="2800" dirty="0" smtClean="0">
+                <a:solidFill>
+                  <a:srgbClr val="1E3272"/>
+                </a:solidFill>
+              </a:rPr>
+              <a:t>100</a:t>
+            </a:r>
+            <a:endParaRPr lang="en-US" sz="2800" dirty="0">
+              <a:solidFill>
+                <a:srgbClr val="1E3272"/>
+              </a:solidFill>
+            </a:endParaRPr>
+          </a:p>
+        </p:txBody>
+      </p:sp>
+      <p:sp>
+        <p:nvSpPr>
+          <p:cNvPr id="23" name="TextBox 22"/>
+          <p:cNvSpPr txBox="1"/>
+          <p:nvPr/>
+        </p:nvSpPr>
+        <p:spPr>
+          <a:xfrm>
+            <a:off x="4750260" y="2077764"/>
+            <a:ext cx="2677340" cy="548640"/>
+          </a:xfrm>
+          <a:prstGeom prst="rect">
+            <a:avLst/>
+          </a:prstGeom>
+          <a:solidFill>
+            <a:schemeClr val="bg1"/>
+          </a:solidFill>
+        </p:spPr>
+        <p:txBody>
+          <a:bodyPr wrap="square" lIns="72000" tIns="25200" rIns="0" bIns="25200" rtlCol="0" anchor="ctr" anchorCtr="0">
+            <a:noAutofit/>
+          </a:bodyPr>
+          <a:lstStyle/>
+          <a:p>
+            <a:pPr algn="ctr"/>
+            <a:r>
+              <a:rPr lang="en-US" sz="3200" b="1" dirty="0" smtClean="0">
+                <a:solidFill>
+                  <a:srgbClr val="1E3272"/>
+                </a:solidFill>
+              </a:rPr>
+              <a:t>Register File</a:t>
+            </a:r>
+            <a:endParaRPr lang="en-US" sz="3200" b="1" dirty="0" smtClean="0">
+              <a:solidFill>
+                <a:srgbClr val="1E3272"/>
+              </a:solidFill>
+            </a:endParaRPr>
+          </a:p>
+        </p:txBody>
+      </p:sp>
+      <p:sp>
+        <p:nvSpPr>
+          <p:cNvPr id="24" name="TextBox 23"/>
+          <p:cNvSpPr txBox="1"/>
+          <p:nvPr/>
+        </p:nvSpPr>
+        <p:spPr>
+          <a:xfrm>
+            <a:off x="4388301" y="3238953"/>
+            <a:ext cx="827772" cy="2396168"/>
+          </a:xfrm>
+          <a:prstGeom prst="rect">
+            <a:avLst/>
+          </a:prstGeom>
+          <a:noFill/>
+        </p:spPr>
+        <p:txBody>
+          <a:bodyPr wrap="square" lIns="72000" tIns="25200" rIns="0" bIns="25200" rtlCol="0" anchor="ctr" anchorCtr="0">
+            <a:normAutofit fontScale="85000" lnSpcReduction="20000"/>
+          </a:bodyPr>
+          <a:lstStyle/>
+          <a:p>
+            <a:pPr algn="ctr">
+              <a:lnSpc>
+                <a:spcPct val="110000"/>
+              </a:lnSpc>
+            </a:pPr>
+            <a:r>
+              <a:rPr lang="en-US" sz="3900" dirty="0" smtClean="0">
+                <a:solidFill>
+                  <a:srgbClr val="1E3272"/>
+                </a:solidFill>
+              </a:rPr>
+              <a:t>x1</a:t>
+            </a:r>
+            <a:endParaRPr lang="en-US" sz="3900" dirty="0" smtClean="0">
+              <a:solidFill>
+                <a:srgbClr val="1E3272"/>
+              </a:solidFill>
+            </a:endParaRPr>
+          </a:p>
+          <a:p>
+            <a:pPr algn="ctr">
+              <a:lnSpc>
+                <a:spcPct val="110000"/>
+              </a:lnSpc>
+            </a:pPr>
+            <a:r>
+              <a:rPr lang="en-US" sz="3900" dirty="0">
+                <a:solidFill>
+                  <a:srgbClr val="1E3272"/>
+                </a:solidFill>
+              </a:rPr>
+              <a:t>x</a:t>
+            </a:r>
+            <a:r>
+              <a:rPr lang="en-US" sz="3900" dirty="0" smtClean="0">
+                <a:solidFill>
+                  <a:srgbClr val="1E3272"/>
+                </a:solidFill>
+              </a:rPr>
+              <a:t>2</a:t>
+            </a:r>
+          </a:p>
+          <a:p>
+            <a:pPr algn="ctr">
+              <a:lnSpc>
+                <a:spcPct val="110000"/>
+              </a:lnSpc>
+            </a:pPr>
+            <a:r>
+              <a:rPr lang="en-US" sz="3900" dirty="0">
+                <a:solidFill>
+                  <a:srgbClr val="1E3272"/>
+                </a:solidFill>
+              </a:rPr>
+              <a:t>x</a:t>
+            </a:r>
+            <a:r>
+              <a:rPr lang="en-US" sz="3900" dirty="0" smtClean="0">
+                <a:solidFill>
+                  <a:srgbClr val="1E3272"/>
+                </a:solidFill>
+              </a:rPr>
+              <a:t>3</a:t>
+            </a:r>
+          </a:p>
+          <a:p>
+            <a:pPr algn="ctr">
+              <a:lnSpc>
+                <a:spcPct val="110000"/>
+              </a:lnSpc>
+            </a:pPr>
+            <a:endParaRPr lang="en-US" sz="3900" dirty="0" smtClean="0">
+              <a:solidFill>
+                <a:srgbClr val="1E3272"/>
+              </a:solidFill>
+            </a:endParaRPr>
+          </a:p>
+          <a:p>
+            <a:pPr algn="ctr">
+              <a:lnSpc>
+                <a:spcPct val="110000"/>
+              </a:lnSpc>
+            </a:pPr>
+            <a:r>
+              <a:rPr lang="en-US" sz="3900" dirty="0" smtClean="0">
+                <a:solidFill>
+                  <a:srgbClr val="1E3272"/>
+                </a:solidFill>
+              </a:rPr>
+              <a:t>x10</a:t>
+            </a:r>
+            <a:endParaRPr lang="en-US" sz="4400" dirty="0" smtClean="0">
+              <a:solidFill>
+                <a:srgbClr val="1E3272"/>
+              </a:solidFill>
+            </a:endParaRPr>
+          </a:p>
+        </p:txBody>
+      </p:sp>
+      <p:sp>
+        <p:nvSpPr>
+          <p:cNvPr id="25" name="Rectangle 24"/>
+          <p:cNvSpPr/>
+          <p:nvPr/>
+        </p:nvSpPr>
+        <p:spPr>
+          <a:xfrm>
+            <a:off x="8798130" y="4546907"/>
+            <a:ext cx="1908312" cy="467139"/>
+          </a:xfrm>
+          <a:prstGeom prst="rect">
+            <a:avLst/>
+          </a:prstGeom>
+          <a:solidFill>
+            <a:schemeClr val="accent1">
+              <a:lumMod val="75000"/>
+            </a:schemeClr>
+          </a:solidFill>
+          <a:ln w="25400">
+            <a:solidFill>
+              <a:srgbClr val="1E3272"/>
+            </a:solidFill>
+          </a:ln>
+        </p:spPr>
+        <p:style>
+          <a:lnRef idx="2">
+            <a:schemeClr val="accent1">
+              <a:shade val="50000"/>
+            </a:schemeClr>
+          </a:lnRef>
+          <a:fillRef idx="1">
+            <a:schemeClr val="accent1"/>
+          </a:fillRef>
+          <a:effectRef idx="0">
+            <a:schemeClr val="accent1"/>
+          </a:effectRef>
+          <a:fontRef idx="minor">
+            <a:schemeClr val="lt1"/>
+          </a:fontRef>
+        </p:style>
+        <p:txBody>
+          <a:bodyPr rtlCol="0" anchor="ctr"/>
+          <a:lstStyle/>
+          <a:p>
+            <a:pPr algn="ctr"/>
+            <a:r>
+              <a:rPr lang="en-US" sz="3200" dirty="0" smtClean="0">
+                <a:solidFill>
+                  <a:srgbClr val="F7B217"/>
+                </a:solidFill>
+              </a:rPr>
+              <a:t>base</a:t>
+            </a:r>
+            <a:endParaRPr lang="en-US" sz="3200" dirty="0">
+              <a:solidFill>
+                <a:srgbClr val="F7B217"/>
+              </a:solidFill>
+            </a:endParaRPr>
+          </a:p>
+        </p:txBody>
+      </p:sp>
+      <p:sp>
+        <p:nvSpPr>
+          <p:cNvPr id="27" name="Rectangle 26"/>
+          <p:cNvSpPr/>
+          <p:nvPr/>
+        </p:nvSpPr>
+        <p:spPr>
+          <a:xfrm>
+            <a:off x="8795082" y="5010203"/>
+            <a:ext cx="1908312" cy="467139"/>
+          </a:xfrm>
+          <a:prstGeom prst="rect">
+            <a:avLst/>
+          </a:prstGeom>
+          <a:solidFill>
+            <a:schemeClr val="accent1">
+              <a:lumMod val="75000"/>
+            </a:schemeClr>
+          </a:solidFill>
+          <a:ln w="25400">
+            <a:solidFill>
+              <a:srgbClr val="1E3272"/>
+            </a:solidFill>
+          </a:ln>
+        </p:spPr>
+        <p:style>
+          <a:lnRef idx="2">
+            <a:schemeClr val="accent1">
+              <a:shade val="50000"/>
+            </a:schemeClr>
+          </a:lnRef>
+          <a:fillRef idx="1">
+            <a:schemeClr val="accent1"/>
+          </a:fillRef>
+          <a:effectRef idx="0">
+            <a:schemeClr val="accent1"/>
+          </a:effectRef>
+          <a:fontRef idx="minor">
+            <a:schemeClr val="lt1"/>
+          </a:fontRef>
+        </p:style>
+        <p:txBody>
+          <a:bodyPr rtlCol="0" anchor="ctr"/>
+          <a:lstStyle/>
+          <a:p>
+            <a:pPr algn="ctr"/>
+            <a:r>
+              <a:rPr lang="en-US" sz="3200" dirty="0" smtClean="0">
+                <a:solidFill>
+                  <a:srgbClr val="F7B217"/>
+                </a:solidFill>
+              </a:rPr>
+              <a:t>n</a:t>
+            </a:r>
+            <a:endParaRPr lang="en-US" sz="3200" dirty="0">
+              <a:solidFill>
+                <a:srgbClr val="F7B217"/>
+              </a:solidFill>
+            </a:endParaRPr>
+          </a:p>
+        </p:txBody>
+      </p:sp>
+      <p:sp>
+        <p:nvSpPr>
+          <p:cNvPr id="28" name="Rectangle 27"/>
+          <p:cNvSpPr/>
+          <p:nvPr/>
+        </p:nvSpPr>
+        <p:spPr>
+          <a:xfrm>
+            <a:off x="8792034" y="5473499"/>
+            <a:ext cx="1908312" cy="467139"/>
+          </a:xfrm>
+          <a:prstGeom prst="rect">
+            <a:avLst/>
+          </a:prstGeom>
+          <a:solidFill>
+            <a:schemeClr val="accent1">
+              <a:lumMod val="75000"/>
+            </a:schemeClr>
+          </a:solidFill>
+          <a:ln w="25400">
+            <a:solidFill>
+              <a:srgbClr val="1E3272"/>
+            </a:solidFill>
+          </a:ln>
+        </p:spPr>
+        <p:style>
+          <a:lnRef idx="2">
+            <a:schemeClr val="accent1">
+              <a:shade val="50000"/>
+            </a:schemeClr>
+          </a:lnRef>
+          <a:fillRef idx="1">
+            <a:schemeClr val="accent1"/>
+          </a:fillRef>
+          <a:effectRef idx="0">
+            <a:schemeClr val="accent1"/>
+          </a:effectRef>
+          <a:fontRef idx="minor">
+            <a:schemeClr val="lt1"/>
+          </a:fontRef>
+        </p:style>
+        <p:txBody>
+          <a:bodyPr rtlCol="0" anchor="ctr"/>
+          <a:lstStyle/>
+          <a:p>
+            <a:pPr algn="ctr"/>
+            <a:r>
+              <a:rPr lang="en-US" sz="3200" dirty="0" smtClean="0">
+                <a:solidFill>
+                  <a:srgbClr val="F7B217"/>
+                </a:solidFill>
+              </a:rPr>
+              <a:t>sum</a:t>
+            </a:r>
+            <a:endParaRPr lang="en-US" sz="3200" dirty="0">
+              <a:solidFill>
+                <a:srgbClr val="F7B217"/>
+              </a:solidFill>
+            </a:endParaRPr>
+          </a:p>
+        </p:txBody>
+      </p:sp>
+    </p:spTree>
+    <p:extLst>
+      <p:ext uri="{BB962C8B-B14F-4D97-AF65-F5344CB8AC3E}">
+        <p14:creationId xmlns:p14="http://schemas.microsoft.com/office/powerpoint/2010/main" val="3889205920"/>
       </p:ext>
     </p:extLst>
   </p:cSld>
@@ -17369,6 +19236,587 @@
     <p:extLst>
       <p:ext uri="{BB962C8B-B14F-4D97-AF65-F5344CB8AC3E}">
         <p14:creationId xmlns:p14="http://schemas.microsoft.com/office/powerpoint/2010/main" val="2799008955"/>
+      </p:ext>
+    </p:extLst>
+  </p:cSld>
+  <p:clrMapOvr>
+    <a:masterClrMapping/>
+  </p:clrMapOvr>
+  <p:timing>
+    <p:tnLst>
+      <p:par>
+        <p:cTn id="1" dur="indefinite" restart="never" nodeType="tmRoot"/>
+      </p:par>
+    </p:tnLst>
+  </p:timing>
+</p:sld>
+</file>
+
+<file path=ppt/slides/slide30.xml><?xml version="1.0" encoding="utf-8"?>
+<p:sld xmlns:a="http://schemas.openxmlformats.org/drawingml/2006/main" xmlns:r="http://schemas.openxmlformats.org/officeDocument/2006/relationships" xmlns:p="http://schemas.openxmlformats.org/presentationml/2006/main">
+  <p:cSld>
+    <p:spTree>
+      <p:nvGrpSpPr>
+        <p:cNvPr id="1" name=""/>
+        <p:cNvGrpSpPr/>
+        <p:nvPr/>
+      </p:nvGrpSpPr>
+      <p:grpSpPr>
+        <a:xfrm>
+          <a:off x="0" y="0"/>
+          <a:ext cx="0" cy="0"/>
+          <a:chOff x="0" y="0"/>
+          <a:chExt cx="0" cy="0"/>
+        </a:xfrm>
+      </p:grpSpPr>
+      <p:sp>
+        <p:nvSpPr>
+          <p:cNvPr id="4" name="Прямоугольник 3"/>
+          <p:cNvSpPr/>
+          <p:nvPr/>
+        </p:nvSpPr>
+        <p:spPr>
+          <a:xfrm>
+            <a:off x="2664999" y="472120"/>
+            <a:ext cx="7524751" cy="5262979"/>
+          </a:xfrm>
+          <a:prstGeom prst="rect">
+            <a:avLst/>
+          </a:prstGeom>
+          <a:noFill/>
+          <a:ln>
+            <a:noFill/>
+          </a:ln>
+          <a:scene3d>
+            <a:camera prst="perspectiveRelaxed"/>
+            <a:lightRig rig="threePt" dir="t"/>
+          </a:scene3d>
+        </p:spPr>
+        <p:txBody>
+          <a:bodyPr wrap="square" lIns="91440" tIns="45720" rIns="91440" bIns="45720">
+            <a:spAutoFit/>
+          </a:bodyPr>
+          <a:lstStyle/>
+          <a:p>
+            <a:r>
+              <a:rPr lang="en-US" sz="2400" dirty="0" smtClean="0">
+                <a:ln w="0"/>
+                <a:solidFill>
+                  <a:srgbClr val="273272"/>
+                </a:solidFill>
+                <a:effectLst>
+                  <a:reflection blurRad="6350" stA="53000" endA="300" endPos="35500" dir="5400000" sy="-90000" algn="bl" rotWithShape="0"/>
+                </a:effectLst>
+                <a:latin typeface="Courier New" pitchFamily="49" charset="0"/>
+                <a:cs typeface="Courier New" pitchFamily="49" charset="0"/>
+              </a:rPr>
+              <a:t>		</a:t>
+            </a:r>
+          </a:p>
+          <a:p>
+            <a:r>
+              <a:rPr lang="en-US" sz="2400" dirty="0" smtClean="0">
+                <a:ln w="0"/>
+                <a:solidFill>
+                  <a:srgbClr val="273272"/>
+                </a:solidFill>
+                <a:effectLst>
+                  <a:reflection blurRad="6350" stA="53000" endA="300" endPos="35500" dir="5400000" sy="-90000" algn="bl" rotWithShape="0"/>
+                </a:effectLst>
+                <a:latin typeface="Courier New" pitchFamily="49" charset="0"/>
+                <a:cs typeface="Courier New" pitchFamily="49" charset="0"/>
+              </a:rPr>
+              <a:t>		.text</a:t>
+            </a:r>
+          </a:p>
+          <a:p>
+            <a:r>
+              <a:rPr lang="en-US" sz="2400" dirty="0" smtClean="0">
+                <a:ln w="0"/>
+                <a:solidFill>
+                  <a:srgbClr val="273272"/>
+                </a:solidFill>
+                <a:effectLst>
+                  <a:reflection blurRad="6350" stA="53000" endA="300" endPos="35500" dir="5400000" sy="-90000" algn="bl" rotWithShape="0"/>
+                </a:effectLst>
+                <a:latin typeface="Courier New" pitchFamily="49" charset="0"/>
+                <a:cs typeface="Courier New" pitchFamily="49" charset="0"/>
+              </a:rPr>
+              <a:t>__start:	</a:t>
+            </a:r>
+            <a:r>
+              <a:rPr lang="en-US" sz="2400" dirty="0" err="1" smtClean="0">
+                <a:ln w="0"/>
+                <a:solidFill>
+                  <a:srgbClr val="273272"/>
+                </a:solidFill>
+                <a:effectLst>
+                  <a:reflection blurRad="6350" stA="53000" endA="300" endPos="35500" dir="5400000" sy="-90000" algn="bl" rotWithShape="0"/>
+                </a:effectLst>
+                <a:latin typeface="Courier New" pitchFamily="49" charset="0"/>
+                <a:cs typeface="Courier New" pitchFamily="49" charset="0"/>
+              </a:rPr>
+              <a:t>addi</a:t>
+            </a:r>
+            <a:r>
+              <a:rPr lang="en-US" sz="2400" dirty="0" smtClean="0">
+                <a:ln w="0"/>
+                <a:solidFill>
+                  <a:srgbClr val="273272"/>
+                </a:solidFill>
+                <a:effectLst>
+                  <a:reflection blurRad="6350" stA="53000" endA="300" endPos="35500" dir="5400000" sy="-90000" algn="bl" rotWithShape="0"/>
+                </a:effectLst>
+                <a:latin typeface="Courier New" pitchFamily="49" charset="0"/>
+                <a:cs typeface="Courier New" pitchFamily="49" charset="0"/>
+              </a:rPr>
+              <a:t> t1, zero, 0x18</a:t>
+            </a:r>
+          </a:p>
+          <a:p>
+            <a:r>
+              <a:rPr lang="en-US" sz="2400" dirty="0" smtClean="0">
+                <a:ln w="0"/>
+                <a:solidFill>
+                  <a:srgbClr val="273272"/>
+                </a:solidFill>
+                <a:effectLst>
+                  <a:reflection blurRad="6350" stA="53000" endA="300" endPos="35500" dir="5400000" sy="-90000" algn="bl" rotWithShape="0"/>
+                </a:effectLst>
+                <a:latin typeface="Courier New" pitchFamily="49" charset="0"/>
+                <a:cs typeface="Courier New" pitchFamily="49" charset="0"/>
+              </a:rPr>
+              <a:t>		</a:t>
+            </a:r>
+            <a:r>
+              <a:rPr lang="en-US" sz="2400" dirty="0" err="1" smtClean="0">
+                <a:ln w="0"/>
+                <a:solidFill>
+                  <a:srgbClr val="273272"/>
+                </a:solidFill>
+                <a:effectLst>
+                  <a:reflection blurRad="6350" stA="53000" endA="300" endPos="35500" dir="5400000" sy="-90000" algn="bl" rotWithShape="0"/>
+                </a:effectLst>
+                <a:latin typeface="Courier New" pitchFamily="49" charset="0"/>
+                <a:cs typeface="Courier New" pitchFamily="49" charset="0"/>
+              </a:rPr>
+              <a:t>addi</a:t>
+            </a:r>
+            <a:r>
+              <a:rPr lang="en-US" sz="2400" dirty="0" smtClean="0">
+                <a:ln w="0"/>
+                <a:solidFill>
+                  <a:srgbClr val="273272"/>
+                </a:solidFill>
+                <a:effectLst>
+                  <a:reflection blurRad="6350" stA="53000" endA="300" endPos="35500" dir="5400000" sy="-90000" algn="bl" rotWithShape="0"/>
+                </a:effectLst>
+                <a:latin typeface="Courier New" pitchFamily="49" charset="0"/>
+                <a:cs typeface="Courier New" pitchFamily="49" charset="0"/>
+              </a:rPr>
+              <a:t> t2, zero, 0x21</a:t>
+            </a:r>
+          </a:p>
+          <a:p>
+            <a:r>
+              <a:rPr lang="en-US" sz="2400" dirty="0" smtClean="0">
+                <a:ln w="0"/>
+                <a:solidFill>
+                  <a:srgbClr val="273272"/>
+                </a:solidFill>
+                <a:effectLst>
+                  <a:reflection blurRad="6350" stA="53000" endA="300" endPos="35500" dir="5400000" sy="-90000" algn="bl" rotWithShape="0"/>
+                </a:effectLst>
+                <a:latin typeface="Courier New" pitchFamily="49" charset="0"/>
+                <a:cs typeface="Courier New" pitchFamily="49" charset="0"/>
+              </a:rPr>
+              <a:t>cycle:	</a:t>
+            </a:r>
+            <a:r>
+              <a:rPr lang="en-US" sz="2400" dirty="0" err="1" smtClean="0">
+                <a:ln w="0"/>
+                <a:solidFill>
+                  <a:srgbClr val="273272"/>
+                </a:solidFill>
+                <a:effectLst>
+                  <a:reflection blurRad="6350" stA="53000" endA="300" endPos="35500" dir="5400000" sy="-90000" algn="bl" rotWithShape="0"/>
+                </a:effectLst>
+                <a:latin typeface="Courier New" pitchFamily="49" charset="0"/>
+                <a:cs typeface="Courier New" pitchFamily="49" charset="0"/>
+              </a:rPr>
+              <a:t>beq</a:t>
+            </a:r>
+            <a:r>
+              <a:rPr lang="en-US" sz="2400" dirty="0" smtClean="0">
+                <a:ln w="0"/>
+                <a:solidFill>
+                  <a:srgbClr val="273272"/>
+                </a:solidFill>
+                <a:effectLst>
+                  <a:reflection blurRad="6350" stA="53000" endA="300" endPos="35500" dir="5400000" sy="-90000" algn="bl" rotWithShape="0"/>
+                </a:effectLst>
+                <a:latin typeface="Courier New" pitchFamily="49" charset="0"/>
+                <a:cs typeface="Courier New" pitchFamily="49" charset="0"/>
+              </a:rPr>
+              <a:t> t1, t2, done</a:t>
+            </a:r>
+          </a:p>
+          <a:p>
+            <a:r>
+              <a:rPr lang="en-US" sz="2400" dirty="0" smtClean="0">
+                <a:ln w="0"/>
+                <a:solidFill>
+                  <a:srgbClr val="273272"/>
+                </a:solidFill>
+                <a:effectLst>
+                  <a:reflection blurRad="6350" stA="53000" endA="300" endPos="35500" dir="5400000" sy="-90000" algn="bl" rotWithShape="0"/>
+                </a:effectLst>
+                <a:latin typeface="Courier New" pitchFamily="49" charset="0"/>
+                <a:cs typeface="Courier New" pitchFamily="49" charset="0"/>
+              </a:rPr>
+              <a:t>		</a:t>
+            </a:r>
+            <a:r>
+              <a:rPr lang="en-US" sz="2400" dirty="0" err="1" smtClean="0">
+                <a:ln w="0"/>
+                <a:solidFill>
+                  <a:srgbClr val="273272"/>
+                </a:solidFill>
+                <a:effectLst>
+                  <a:reflection blurRad="6350" stA="53000" endA="300" endPos="35500" dir="5400000" sy="-90000" algn="bl" rotWithShape="0"/>
+                </a:effectLst>
+                <a:latin typeface="Courier New" pitchFamily="49" charset="0"/>
+                <a:cs typeface="Courier New" pitchFamily="49" charset="0"/>
+              </a:rPr>
+              <a:t>slt</a:t>
+            </a:r>
+            <a:r>
+              <a:rPr lang="en-US" sz="2400" dirty="0" smtClean="0">
+                <a:ln w="0"/>
+                <a:solidFill>
+                  <a:srgbClr val="273272"/>
+                </a:solidFill>
+                <a:effectLst>
+                  <a:reflection blurRad="6350" stA="53000" endA="300" endPos="35500" dir="5400000" sy="-90000" algn="bl" rotWithShape="0"/>
+                </a:effectLst>
+                <a:latin typeface="Courier New" pitchFamily="49" charset="0"/>
+                <a:cs typeface="Courier New" pitchFamily="49" charset="0"/>
+              </a:rPr>
+              <a:t> t0, t1, t2</a:t>
+            </a:r>
+          </a:p>
+          <a:p>
+            <a:r>
+              <a:rPr lang="en-US" sz="2400" dirty="0" smtClean="0">
+                <a:ln w="0"/>
+                <a:solidFill>
+                  <a:srgbClr val="273272"/>
+                </a:solidFill>
+                <a:effectLst>
+                  <a:reflection blurRad="6350" stA="53000" endA="300" endPos="35500" dir="5400000" sy="-90000" algn="bl" rotWithShape="0"/>
+                </a:effectLst>
+                <a:latin typeface="Courier New" pitchFamily="49" charset="0"/>
+                <a:cs typeface="Courier New" pitchFamily="49" charset="0"/>
+              </a:rPr>
+              <a:t>		</a:t>
+            </a:r>
+            <a:r>
+              <a:rPr lang="en-US" sz="2400" dirty="0" err="1" smtClean="0">
+                <a:ln w="0"/>
+                <a:solidFill>
+                  <a:srgbClr val="273272"/>
+                </a:solidFill>
+                <a:effectLst>
+                  <a:reflection blurRad="6350" stA="53000" endA="300" endPos="35500" dir="5400000" sy="-90000" algn="bl" rotWithShape="0"/>
+                </a:effectLst>
+                <a:latin typeface="Courier New" pitchFamily="49" charset="0"/>
+                <a:cs typeface="Courier New" pitchFamily="49" charset="0"/>
+              </a:rPr>
+              <a:t>bne</a:t>
+            </a:r>
+            <a:r>
+              <a:rPr lang="en-US" sz="2400" dirty="0" smtClean="0">
+                <a:ln w="0"/>
+                <a:solidFill>
+                  <a:srgbClr val="273272"/>
+                </a:solidFill>
+                <a:effectLst>
+                  <a:reflection blurRad="6350" stA="53000" endA="300" endPos="35500" dir="5400000" sy="-90000" algn="bl" rotWithShape="0"/>
+                </a:effectLst>
+                <a:latin typeface="Courier New" pitchFamily="49" charset="0"/>
+                <a:cs typeface="Courier New" pitchFamily="49" charset="0"/>
+              </a:rPr>
+              <a:t> t0, zero, </a:t>
+            </a:r>
+            <a:r>
+              <a:rPr lang="en-US" sz="2400" dirty="0" err="1" smtClean="0">
+                <a:ln w="0"/>
+                <a:solidFill>
+                  <a:srgbClr val="273272"/>
+                </a:solidFill>
+                <a:effectLst>
+                  <a:reflection blurRad="6350" stA="53000" endA="300" endPos="35500" dir="5400000" sy="-90000" algn="bl" rotWithShape="0"/>
+                </a:effectLst>
+                <a:latin typeface="Courier New" pitchFamily="49" charset="0"/>
+                <a:cs typeface="Courier New" pitchFamily="49" charset="0"/>
+              </a:rPr>
+              <a:t>if_less</a:t>
+            </a:r>
+            <a:endParaRPr lang="en-US" sz="2400" dirty="0" smtClean="0">
+              <a:ln w="0"/>
+              <a:solidFill>
+                <a:srgbClr val="273272"/>
+              </a:solidFill>
+              <a:effectLst>
+                <a:reflection blurRad="6350" stA="53000" endA="300" endPos="35500" dir="5400000" sy="-90000" algn="bl" rotWithShape="0"/>
+              </a:effectLst>
+              <a:latin typeface="Courier New" pitchFamily="49" charset="0"/>
+              <a:cs typeface="Courier New" pitchFamily="49" charset="0"/>
+            </a:endParaRPr>
+          </a:p>
+          <a:p>
+            <a:r>
+              <a:rPr lang="en-US" sz="2400" dirty="0" smtClean="0">
+                <a:ln w="0"/>
+                <a:solidFill>
+                  <a:srgbClr val="273272"/>
+                </a:solidFill>
+                <a:effectLst>
+                  <a:reflection blurRad="6350" stA="53000" endA="300" endPos="35500" dir="5400000" sy="-90000" algn="bl" rotWithShape="0"/>
+                </a:effectLst>
+                <a:latin typeface="Courier New" pitchFamily="49" charset="0"/>
+                <a:cs typeface="Courier New" pitchFamily="49" charset="0"/>
+              </a:rPr>
+              <a:t>		</a:t>
+            </a:r>
+            <a:r>
+              <a:rPr lang="en-US" sz="2400" dirty="0" err="1" smtClean="0">
+                <a:ln w="0"/>
+                <a:solidFill>
+                  <a:srgbClr val="273272"/>
+                </a:solidFill>
+                <a:effectLst>
+                  <a:reflection blurRad="6350" stA="53000" endA="300" endPos="35500" dir="5400000" sy="-90000" algn="bl" rotWithShape="0"/>
+                </a:effectLst>
+                <a:latin typeface="Courier New" pitchFamily="49" charset="0"/>
+                <a:cs typeface="Courier New" pitchFamily="49" charset="0"/>
+              </a:rPr>
+              <a:t>nop</a:t>
+            </a:r>
+            <a:endParaRPr lang="en-US" sz="2400" dirty="0" smtClean="0">
+              <a:ln w="0"/>
+              <a:solidFill>
+                <a:srgbClr val="273272"/>
+              </a:solidFill>
+              <a:effectLst>
+                <a:reflection blurRad="6350" stA="53000" endA="300" endPos="35500" dir="5400000" sy="-90000" algn="bl" rotWithShape="0"/>
+              </a:effectLst>
+              <a:latin typeface="Courier New" pitchFamily="49" charset="0"/>
+              <a:cs typeface="Courier New" pitchFamily="49" charset="0"/>
+            </a:endParaRPr>
+          </a:p>
+          <a:p>
+            <a:r>
+              <a:rPr lang="en-US" sz="2400" dirty="0" smtClean="0">
+                <a:ln w="0"/>
+                <a:solidFill>
+                  <a:srgbClr val="273272"/>
+                </a:solidFill>
+                <a:effectLst>
+                  <a:reflection blurRad="6350" stA="53000" endA="300" endPos="35500" dir="5400000" sy="-90000" algn="bl" rotWithShape="0"/>
+                </a:effectLst>
+                <a:latin typeface="Courier New" pitchFamily="49" charset="0"/>
+                <a:cs typeface="Courier New" pitchFamily="49" charset="0"/>
+              </a:rPr>
+              <a:t>		sub t1, t1, t2</a:t>
+            </a:r>
+          </a:p>
+          <a:p>
+            <a:r>
+              <a:rPr lang="en-US" sz="2400" dirty="0" smtClean="0">
+                <a:ln w="0"/>
+                <a:solidFill>
+                  <a:srgbClr val="273272"/>
+                </a:solidFill>
+                <a:effectLst>
+                  <a:reflection blurRad="6350" stA="53000" endA="300" endPos="35500" dir="5400000" sy="-90000" algn="bl" rotWithShape="0"/>
+                </a:effectLst>
+                <a:latin typeface="Courier New" pitchFamily="49" charset="0"/>
+                <a:cs typeface="Courier New" pitchFamily="49" charset="0"/>
+              </a:rPr>
+              <a:t>		j cycle</a:t>
+            </a:r>
+          </a:p>
+          <a:p>
+            <a:r>
+              <a:rPr lang="en-US" sz="2400" dirty="0" smtClean="0">
+                <a:ln w="0"/>
+                <a:solidFill>
+                  <a:srgbClr val="273272"/>
+                </a:solidFill>
+                <a:effectLst>
+                  <a:reflection blurRad="6350" stA="53000" endA="300" endPos="35500" dir="5400000" sy="-90000" algn="bl" rotWithShape="0"/>
+                </a:effectLst>
+                <a:latin typeface="Courier New" pitchFamily="49" charset="0"/>
+                <a:cs typeface="Courier New" pitchFamily="49" charset="0"/>
+              </a:rPr>
+              <a:t>		</a:t>
+            </a:r>
+            <a:r>
+              <a:rPr lang="en-US" sz="2400" dirty="0" err="1" smtClean="0">
+                <a:ln w="0"/>
+                <a:solidFill>
+                  <a:srgbClr val="273272"/>
+                </a:solidFill>
+                <a:effectLst>
+                  <a:reflection blurRad="6350" stA="53000" endA="300" endPos="35500" dir="5400000" sy="-90000" algn="bl" rotWithShape="0"/>
+                </a:effectLst>
+                <a:latin typeface="Courier New" pitchFamily="49" charset="0"/>
+                <a:cs typeface="Courier New" pitchFamily="49" charset="0"/>
+              </a:rPr>
+              <a:t>nop</a:t>
+            </a:r>
+            <a:endParaRPr lang="en-US" sz="2400" dirty="0" smtClean="0">
+              <a:ln w="0"/>
+              <a:solidFill>
+                <a:srgbClr val="273272"/>
+              </a:solidFill>
+              <a:effectLst>
+                <a:reflection blurRad="6350" stA="53000" endA="300" endPos="35500" dir="5400000" sy="-90000" algn="bl" rotWithShape="0"/>
+              </a:effectLst>
+              <a:latin typeface="Courier New" pitchFamily="49" charset="0"/>
+              <a:cs typeface="Courier New" pitchFamily="49" charset="0"/>
+            </a:endParaRPr>
+          </a:p>
+          <a:p>
+            <a:r>
+              <a:rPr lang="en-US" sz="2400" dirty="0" err="1" smtClean="0">
+                <a:ln w="0"/>
+                <a:solidFill>
+                  <a:srgbClr val="273272"/>
+                </a:solidFill>
+                <a:effectLst>
+                  <a:reflection blurRad="6350" stA="53000" endA="300" endPos="35500" dir="5400000" sy="-90000" algn="bl" rotWithShape="0"/>
+                </a:effectLst>
+                <a:latin typeface="Courier New" pitchFamily="49" charset="0"/>
+                <a:cs typeface="Courier New" pitchFamily="49" charset="0"/>
+              </a:rPr>
+              <a:t>if_less</a:t>
+            </a:r>
+            <a:r>
+              <a:rPr lang="en-US" sz="2400" dirty="0" smtClean="0">
+                <a:ln w="0"/>
+                <a:solidFill>
+                  <a:srgbClr val="273272"/>
+                </a:solidFill>
+                <a:effectLst>
+                  <a:reflection blurRad="6350" stA="53000" endA="300" endPos="35500" dir="5400000" sy="-90000" algn="bl" rotWithShape="0"/>
+                </a:effectLst>
+                <a:latin typeface="Courier New" pitchFamily="49" charset="0"/>
+                <a:cs typeface="Courier New" pitchFamily="49" charset="0"/>
+              </a:rPr>
+              <a:t>:	sub t2, t2, t1</a:t>
+            </a:r>
+          </a:p>
+          <a:p>
+            <a:r>
+              <a:rPr lang="en-US" sz="2400" dirty="0" smtClean="0">
+                <a:ln w="0"/>
+                <a:solidFill>
+                  <a:srgbClr val="273272"/>
+                </a:solidFill>
+                <a:effectLst>
+                  <a:reflection blurRad="6350" stA="53000" endA="300" endPos="35500" dir="5400000" sy="-90000" algn="bl" rotWithShape="0"/>
+                </a:effectLst>
+                <a:latin typeface="Courier New" pitchFamily="49" charset="0"/>
+                <a:cs typeface="Courier New" pitchFamily="49" charset="0"/>
+              </a:rPr>
+              <a:t>		j cycle</a:t>
+            </a:r>
+          </a:p>
+          <a:p>
+            <a:r>
+              <a:rPr lang="en-US" sz="2400" dirty="0" smtClean="0">
+                <a:ln w="0"/>
+                <a:solidFill>
+                  <a:srgbClr val="273272"/>
+                </a:solidFill>
+                <a:effectLst>
+                  <a:reflection blurRad="6350" stA="53000" endA="300" endPos="35500" dir="5400000" sy="-90000" algn="bl" rotWithShape="0"/>
+                </a:effectLst>
+                <a:latin typeface="Courier New" pitchFamily="49" charset="0"/>
+                <a:cs typeface="Courier New" pitchFamily="49" charset="0"/>
+              </a:rPr>
+              <a:t>done:		add t3, t1, zero</a:t>
+            </a:r>
+            <a:endParaRPr lang="ru-RU" sz="2400" b="0" cap="none" spc="0" dirty="0">
+              <a:ln w="0"/>
+              <a:solidFill>
+                <a:srgbClr val="273272"/>
+              </a:solidFill>
+              <a:effectLst>
+                <a:reflection blurRad="6350" stA="53000" endA="300" endPos="35500" dir="5400000" sy="-90000" algn="bl" rotWithShape="0"/>
+              </a:effectLst>
+              <a:latin typeface="Courier New" pitchFamily="49" charset="0"/>
+              <a:cs typeface="Courier New" pitchFamily="49" charset="0"/>
+            </a:endParaRPr>
+          </a:p>
+        </p:txBody>
+      </p:sp>
+      <p:sp>
+        <p:nvSpPr>
+          <p:cNvPr id="2" name="Заголовок 1"/>
+          <p:cNvSpPr>
+            <a:spLocks noGrp="1"/>
+          </p:cNvSpPr>
+          <p:nvPr>
+            <p:ph type="title"/>
+          </p:nvPr>
+        </p:nvSpPr>
+        <p:spPr/>
+        <p:txBody>
+          <a:bodyPr>
+            <a:normAutofit/>
+          </a:bodyPr>
+          <a:lstStyle/>
+          <a:p>
+            <a:r>
+              <a:rPr lang="en-US" dirty="0" smtClean="0"/>
+              <a:t>Any Questions?</a:t>
+            </a:r>
+            <a:endParaRPr lang="ru-RU" sz="4000" dirty="0"/>
+          </a:p>
+        </p:txBody>
+      </p:sp>
+      <p:sp>
+        <p:nvSpPr>
+          <p:cNvPr id="6" name="Номер слайда 5"/>
+          <p:cNvSpPr>
+            <a:spLocks noGrp="1"/>
+          </p:cNvSpPr>
+          <p:nvPr>
+            <p:ph type="sldNum" sz="quarter" idx="12"/>
+          </p:nvPr>
+        </p:nvSpPr>
+        <p:spPr/>
+        <p:txBody>
+          <a:bodyPr/>
+          <a:lstStyle/>
+          <a:p>
+            <a:pPr algn="ctr"/>
+            <a:fld id="{1397BFD8-F312-4EF2-A268-44FB4BDDBBB0}" type="slidenum">
+              <a:rPr lang="ru-RU" smtClean="0"/>
+              <a:pPr algn="ctr"/>
+              <a:t>30</a:t>
+            </a:fld>
+            <a:endParaRPr lang="ru-RU" dirty="0"/>
+          </a:p>
+        </p:txBody>
+      </p:sp>
+    </p:spTree>
+    <p:extLst>
+      <p:ext uri="{BB962C8B-B14F-4D97-AF65-F5344CB8AC3E}">
+        <p14:creationId xmlns:p14="http://schemas.microsoft.com/office/powerpoint/2010/main" val="4217875043"/>
       </p:ext>
     </p:extLst>
   </p:cSld>
@@ -21730,7 +24178,7 @@
           <a:graphicData uri="http://schemas.openxmlformats.org/presentationml/2006/ole">
             <mc:AlternateContent xmlns:mc="http://schemas.openxmlformats.org/markup-compatibility/2006">
               <mc:Choice xmlns:v="urn:schemas-microsoft-com:vml" Requires="v">
-                <p:oleObj spid="_x0000_s3087" name="Equation" r:id="rId3" imgW="3568700" imgH="419100" progId="Equation.3">
+                <p:oleObj spid="_x0000_s3090" name="Equation" r:id="rId3" imgW="3568700" imgH="419100" progId="Equation.3">
                   <p:embed/>
                 </p:oleObj>
               </mc:Choice>
